--- a/stonx modelflow.pptx
+++ b/stonx modelflow.pptx
@@ -5,15 +5,18 @@
     <p:sldMasterId id="2147483648" r:id="rId1"/>
   </p:sldMasterIdLst>
   <p:notesMasterIdLst>
-    <p:notesMasterId r:id="rId8"/>
+    <p:notesMasterId r:id="rId11"/>
   </p:notesMasterIdLst>
   <p:sldIdLst>
-    <p:sldId id="256" r:id="rId2"/>
-    <p:sldId id="257" r:id="rId3"/>
-    <p:sldId id="258" r:id="rId4"/>
-    <p:sldId id="259" r:id="rId5"/>
-    <p:sldId id="260" r:id="rId6"/>
-    <p:sldId id="261" r:id="rId7"/>
+    <p:sldId id="262" r:id="rId2"/>
+    <p:sldId id="256" r:id="rId3"/>
+    <p:sldId id="257" r:id="rId4"/>
+    <p:sldId id="258" r:id="rId5"/>
+    <p:sldId id="259" r:id="rId6"/>
+    <p:sldId id="260" r:id="rId7"/>
+    <p:sldId id="261" r:id="rId8"/>
+    <p:sldId id="263" r:id="rId9"/>
+    <p:sldId id="264" r:id="rId10"/>
   </p:sldIdLst>
   <p:sldSz cx="12192000" cy="6858000"/>
   <p:notesSz cx="6858000" cy="9144000"/>
@@ -2513,7 +2516,7 @@
           <a:p>
             <a:fld id="{9C3437D3-C7D5-4C72-87C1-FF9214C70838}" type="slidenum">
               <a:rPr lang="en-US" smtClean="0"/>
-              <a:t>1</a:t>
+              <a:t>2</a:t>
             </a:fld>
             <a:endParaRPr lang="en-US"/>
           </a:p>
@@ -5748,10 +5751,71 @@
       </p:grpSpPr>
       <p:sp>
         <p:nvSpPr>
-          <p:cNvPr id="384" name="Rectangle: Diagonal Corners Rounded 383">
-            <a:extLst>
-              <a:ext uri="{FF2B5EF4-FFF2-40B4-BE49-F238E27FC236}">
-                <a16:creationId xmlns:a16="http://schemas.microsoft.com/office/drawing/2014/main" id="{F226F656-35CD-035C-7FA2-4CA792CC5A22}"/>
+          <p:cNvPr id="2" name="Title 1">
+            <a:extLst>
+              <a:ext uri="{FF2B5EF4-FFF2-40B4-BE49-F238E27FC236}">
+                <a16:creationId xmlns:a16="http://schemas.microsoft.com/office/drawing/2014/main" id="{44B28415-5E23-A74F-EE81-5EB81EEF0157}"/>
+              </a:ext>
+            </a:extLst>
+          </p:cNvPr>
+          <p:cNvSpPr>
+            <a:spLocks noGrp="1"/>
+          </p:cNvSpPr>
+          <p:nvPr>
+            <p:ph type="ctrTitle"/>
+          </p:nvPr>
+        </p:nvSpPr>
+        <p:spPr>
+          <a:xfrm>
+            <a:off x="-137651" y="0"/>
+            <a:ext cx="4168877" cy="560285"/>
+          </a:xfrm>
+        </p:spPr>
+        <p:txBody>
+          <a:bodyPr>
+            <a:normAutofit/>
+          </a:bodyPr>
+          <a:lstStyle/>
+          <a:p>
+            <a:r>
+              <a:rPr lang="en-US" sz="3200" dirty="0" err="1"/>
+              <a:t>disantideambiguation</a:t>
+            </a:r>
+            <a:endParaRPr lang="en-US" sz="3200" dirty="0"/>
+          </a:p>
+        </p:txBody>
+      </p:sp>
+      <p:sp>
+        <p:nvSpPr>
+          <p:cNvPr id="3" name="Subtitle 2">
+            <a:extLst>
+              <a:ext uri="{FF2B5EF4-FFF2-40B4-BE49-F238E27FC236}">
+                <a16:creationId xmlns:a16="http://schemas.microsoft.com/office/drawing/2014/main" id="{71C064C8-D0D3-C117-2A65-90800A0ED477}"/>
+              </a:ext>
+            </a:extLst>
+          </p:cNvPr>
+          <p:cNvSpPr>
+            <a:spLocks noGrp="1"/>
+          </p:cNvSpPr>
+          <p:nvPr>
+            <p:ph type="subTitle" idx="1"/>
+          </p:nvPr>
+        </p:nvSpPr>
+        <p:spPr/>
+        <p:txBody>
+          <a:bodyPr/>
+          <a:lstStyle/>
+          <a:p>
+            <a:endParaRPr lang="en-US"/>
+          </a:p>
+        </p:txBody>
+      </p:sp>
+      <p:sp>
+        <p:nvSpPr>
+          <p:cNvPr id="4" name="Rectangle 3">
+            <a:extLst>
+              <a:ext uri="{FF2B5EF4-FFF2-40B4-BE49-F238E27FC236}">
+                <a16:creationId xmlns:a16="http://schemas.microsoft.com/office/drawing/2014/main" id="{62F832E7-700A-1E68-DA62-67CCE56A3331}"/>
               </a:ext>
             </a:extLst>
           </p:cNvPr>
@@ -5760,7 +5824,307 @@
         </p:nvSpPr>
         <p:spPr>
           <a:xfrm>
-            <a:off x="1782876" y="2573010"/>
+            <a:off x="4791098" y="1083895"/>
+            <a:ext cx="1730335" cy="387144"/>
+          </a:xfrm>
+          <a:prstGeom prst="rect">
+            <a:avLst/>
+          </a:prstGeom>
+        </p:spPr>
+        <p:style>
+          <a:lnRef idx="2">
+            <a:schemeClr val="accent1">
+              <a:shade val="15000"/>
+            </a:schemeClr>
+          </a:lnRef>
+          <a:fillRef idx="1">
+            <a:schemeClr val="accent1"/>
+          </a:fillRef>
+          <a:effectRef idx="0">
+            <a:schemeClr val="accent1"/>
+          </a:effectRef>
+          <a:fontRef idx="minor">
+            <a:schemeClr val="lt1"/>
+          </a:fontRef>
+        </p:style>
+        <p:txBody>
+          <a:bodyPr rtlCol="0" anchor="ctr"/>
+          <a:lstStyle/>
+          <a:p>
+            <a:pPr algn="ctr"/>
+            <a:r>
+              <a:rPr lang="en-US" sz="1050" dirty="0"/>
+              <a:t>Output data file </a:t>
+            </a:r>
+          </a:p>
+          <a:p>
+            <a:pPr algn="ctr"/>
+            <a:r>
+              <a:rPr lang="en-US" sz="1050" dirty="0"/>
+              <a:t>93293 / </a:t>
+            </a:r>
+            <a:r>
+              <a:rPr lang="en-US" sz="1050" dirty="0" err="1"/>
+              <a:t>p,v,fp,mb</a:t>
+            </a:r>
+            <a:endParaRPr lang="en-US" sz="1050" dirty="0"/>
+          </a:p>
+        </p:txBody>
+      </p:sp>
+      <p:cxnSp>
+        <p:nvCxnSpPr>
+          <p:cNvPr id="5" name="Straight Arrow Connector 4">
+            <a:extLst>
+              <a:ext uri="{FF2B5EF4-FFF2-40B4-BE49-F238E27FC236}">
+                <a16:creationId xmlns:a16="http://schemas.microsoft.com/office/drawing/2014/main" id="{31F60B51-B5B5-B50A-6F2D-E6C04618501E}"/>
+              </a:ext>
+            </a:extLst>
+          </p:cNvPr>
+          <p:cNvCxnSpPr>
+            <a:cxnSpLocks/>
+            <a:stCxn id="6" idx="0"/>
+            <a:endCxn id="4" idx="1"/>
+          </p:cNvCxnSpPr>
+          <p:nvPr/>
+        </p:nvCxnSpPr>
+        <p:spPr>
+          <a:xfrm>
+            <a:off x="4367796" y="1277467"/>
+            <a:ext cx="423302" cy="0"/>
+          </a:xfrm>
+          <a:prstGeom prst="straightConnector1">
+            <a:avLst/>
+          </a:prstGeom>
+          <a:ln w="57150">
+            <a:tailEnd type="triangle"/>
+          </a:ln>
+        </p:spPr>
+        <p:style>
+          <a:lnRef idx="2">
+            <a:schemeClr val="accent1"/>
+          </a:lnRef>
+          <a:fillRef idx="0">
+            <a:schemeClr val="accent1"/>
+          </a:fillRef>
+          <a:effectRef idx="1">
+            <a:schemeClr val="accent1"/>
+          </a:effectRef>
+          <a:fontRef idx="minor">
+            <a:schemeClr val="tx1"/>
+          </a:fontRef>
+        </p:style>
+      </p:cxnSp>
+      <p:sp>
+        <p:nvSpPr>
+          <p:cNvPr id="6" name="Rectangle: Diagonal Corners Rounded 5">
+            <a:extLst>
+              <a:ext uri="{FF2B5EF4-FFF2-40B4-BE49-F238E27FC236}">
+                <a16:creationId xmlns:a16="http://schemas.microsoft.com/office/drawing/2014/main" id="{D7DCF569-A149-ED3B-E15F-5431A4926173}"/>
+              </a:ext>
+            </a:extLst>
+          </p:cNvPr>
+          <p:cNvSpPr/>
+          <p:nvPr/>
+        </p:nvSpPr>
+        <p:spPr>
+          <a:xfrm>
+            <a:off x="2974335" y="926944"/>
+            <a:ext cx="1393461" cy="701045"/>
+          </a:xfrm>
+          <a:prstGeom prst="round2DiagRect">
+            <a:avLst>
+              <a:gd name="adj1" fmla="val 16667"/>
+              <a:gd name="adj2" fmla="val 50000"/>
+            </a:avLst>
+          </a:prstGeom>
+          <a:solidFill>
+            <a:schemeClr val="accent1"/>
+          </a:solidFill>
+        </p:spPr>
+        <p:style>
+          <a:lnRef idx="2">
+            <a:schemeClr val="accent1">
+              <a:shade val="15000"/>
+            </a:schemeClr>
+          </a:lnRef>
+          <a:fillRef idx="1">
+            <a:schemeClr val="accent1"/>
+          </a:fillRef>
+          <a:effectRef idx="0">
+            <a:schemeClr val="accent1"/>
+          </a:effectRef>
+          <a:fontRef idx="minor">
+            <a:schemeClr val="lt1"/>
+          </a:fontRef>
+        </p:style>
+        <p:txBody>
+          <a:bodyPr rtlCol="0" anchor="ctr"/>
+          <a:lstStyle/>
+          <a:p>
+            <a:pPr algn="ctr"/>
+            <a:r>
+              <a:rPr lang="en-US" sz="900" b="1" dirty="0"/>
+              <a:t>Processing/script name</a:t>
+            </a:r>
+          </a:p>
+          <a:p>
+            <a:pPr algn="ctr"/>
+            <a:r>
+              <a:rPr lang="en-US" sz="900" dirty="0"/>
+              <a:t>.extension/type</a:t>
+            </a:r>
+          </a:p>
+        </p:txBody>
+      </p:sp>
+      <p:cxnSp>
+        <p:nvCxnSpPr>
+          <p:cNvPr id="7" name="Straight Arrow Connector 6">
+            <a:extLst>
+              <a:ext uri="{FF2B5EF4-FFF2-40B4-BE49-F238E27FC236}">
+                <a16:creationId xmlns:a16="http://schemas.microsoft.com/office/drawing/2014/main" id="{8F2D4123-EB63-A290-A102-B8471BF565C6}"/>
+              </a:ext>
+            </a:extLst>
+          </p:cNvPr>
+          <p:cNvCxnSpPr>
+            <a:cxnSpLocks/>
+            <a:stCxn id="8" idx="3"/>
+            <a:endCxn id="6" idx="2"/>
+          </p:cNvCxnSpPr>
+          <p:nvPr/>
+        </p:nvCxnSpPr>
+        <p:spPr>
+          <a:xfrm>
+            <a:off x="2551034" y="1277467"/>
+            <a:ext cx="423301" cy="0"/>
+          </a:xfrm>
+          <a:prstGeom prst="straightConnector1">
+            <a:avLst/>
+          </a:prstGeom>
+          <a:ln w="57150">
+            <a:tailEnd type="triangle"/>
+          </a:ln>
+        </p:spPr>
+        <p:style>
+          <a:lnRef idx="2">
+            <a:schemeClr val="accent1"/>
+          </a:lnRef>
+          <a:fillRef idx="0">
+            <a:schemeClr val="accent1"/>
+          </a:fillRef>
+          <a:effectRef idx="1">
+            <a:schemeClr val="accent1"/>
+          </a:effectRef>
+          <a:fontRef idx="minor">
+            <a:schemeClr val="tx1"/>
+          </a:fontRef>
+        </p:style>
+      </p:cxnSp>
+      <p:sp>
+        <p:nvSpPr>
+          <p:cNvPr id="8" name="Rectangle 7">
+            <a:extLst>
+              <a:ext uri="{FF2B5EF4-FFF2-40B4-BE49-F238E27FC236}">
+                <a16:creationId xmlns:a16="http://schemas.microsoft.com/office/drawing/2014/main" id="{42E2A7E9-5FFE-B775-5FB5-DACED5C1BF2D}"/>
+              </a:ext>
+            </a:extLst>
+          </p:cNvPr>
+          <p:cNvSpPr/>
+          <p:nvPr/>
+        </p:nvSpPr>
+        <p:spPr>
+          <a:xfrm>
+            <a:off x="806245" y="1083895"/>
+            <a:ext cx="1744789" cy="387144"/>
+          </a:xfrm>
+          <a:prstGeom prst="rect">
+            <a:avLst/>
+          </a:prstGeom>
+        </p:spPr>
+        <p:style>
+          <a:lnRef idx="2">
+            <a:schemeClr val="accent1">
+              <a:shade val="15000"/>
+            </a:schemeClr>
+          </a:lnRef>
+          <a:fillRef idx="1">
+            <a:schemeClr val="accent1"/>
+          </a:fillRef>
+          <a:effectRef idx="0">
+            <a:schemeClr val="accent1"/>
+          </a:effectRef>
+          <a:fontRef idx="minor">
+            <a:schemeClr val="lt1"/>
+          </a:fontRef>
+        </p:style>
+        <p:txBody>
+          <a:bodyPr rtlCol="0" anchor="ctr"/>
+          <a:lstStyle/>
+          <a:p>
+            <a:pPr algn="ctr"/>
+            <a:r>
+              <a:rPr lang="en-US" sz="1050" dirty="0"/>
+              <a:t>Input data source</a:t>
+            </a:r>
+          </a:p>
+          <a:p>
+            <a:pPr algn="ctr"/>
+            <a:r>
+              <a:rPr lang="en-US" sz="1050" dirty="0"/>
+              <a:t>#r / Key data </a:t>
+            </a:r>
+            <a:r>
+              <a:rPr lang="en-US" sz="1050" dirty="0" err="1"/>
+              <a:t>cols+vals</a:t>
+            </a:r>
+            <a:endParaRPr lang="en-US" sz="1050" dirty="0"/>
+          </a:p>
+        </p:txBody>
+      </p:sp>
+    </p:spTree>
+    <p:extLst>
+      <p:ext uri="{BB962C8B-B14F-4D97-AF65-F5344CB8AC3E}">
+        <p14:creationId xmlns:p14="http://schemas.microsoft.com/office/powerpoint/2010/main" val="2715374514"/>
+      </p:ext>
+    </p:extLst>
+  </p:cSld>
+  <p:clrMapOvr>
+    <a:masterClrMapping/>
+  </p:clrMapOvr>
+</p:sld>
+</file>
+
+<file path=ppt/slides/slide2.xml><?xml version="1.0" encoding="utf-8"?>
+<p:sld xmlns:a="http://schemas.openxmlformats.org/drawingml/2006/main" xmlns:r="http://schemas.openxmlformats.org/officeDocument/2006/relationships" xmlns:p="http://schemas.openxmlformats.org/presentationml/2006/main">
+  <p:cSld>
+    <p:spTree>
+      <p:nvGrpSpPr>
+        <p:cNvPr id="1" name=""/>
+        <p:cNvGrpSpPr/>
+        <p:nvPr/>
+      </p:nvGrpSpPr>
+      <p:grpSpPr>
+        <a:xfrm>
+          <a:off x="0" y="0"/>
+          <a:ext cx="0" cy="0"/>
+          <a:chOff x="0" y="0"/>
+          <a:chExt cx="0" cy="0"/>
+        </a:xfrm>
+      </p:grpSpPr>
+      <p:sp>
+        <p:nvSpPr>
+          <p:cNvPr id="384" name="Rectangle: Diagonal Corners Rounded 383">
+            <a:extLst>
+              <a:ext uri="{FF2B5EF4-FFF2-40B4-BE49-F238E27FC236}">
+                <a16:creationId xmlns:a16="http://schemas.microsoft.com/office/drawing/2014/main" id="{F226F656-35CD-035C-7FA2-4CA792CC5A22}"/>
+              </a:ext>
+            </a:extLst>
+          </p:cNvPr>
+          <p:cNvSpPr/>
+          <p:nvPr/>
+        </p:nvSpPr>
+        <p:spPr>
+          <a:xfrm>
+            <a:off x="1782876" y="2543852"/>
             <a:ext cx="985710" cy="444166"/>
           </a:xfrm>
           <a:prstGeom prst="round2DiagRect">
@@ -6815,14 +7179,15 @@
           </p:cNvPr>
           <p:cNvCxnSpPr>
             <a:cxnSpLocks/>
+            <a:stCxn id="70" idx="2"/>
             <a:endCxn id="79" idx="3"/>
           </p:cNvCxnSpPr>
           <p:nvPr/>
         </p:nvCxnSpPr>
         <p:spPr>
           <a:xfrm flipH="1">
-            <a:off x="8114755" y="1277754"/>
-            <a:ext cx="57919" cy="220118"/>
+            <a:off x="8114755" y="1209869"/>
+            <a:ext cx="15185" cy="288003"/>
           </a:xfrm>
           <a:prstGeom prst="straightConnector1">
             <a:avLst/>
@@ -7219,7 +7584,7 @@
                   <a:srgbClr val="FF00FF"/>
                 </a:highlight>
               </a:rPr>
-              <a:t>Sigma compute, trade-wise slice</a:t>
+              <a:t>Sigma + ret compute, trade-wise slice</a:t>
             </a:r>
           </a:p>
         </p:txBody>
@@ -8319,8 +8684,8 @@
         </p:nvCxnSpPr>
         <p:spPr>
           <a:xfrm flipV="1">
-            <a:off x="2275731" y="3017176"/>
-            <a:ext cx="0" cy="318151"/>
+            <a:off x="2275731" y="2988018"/>
+            <a:ext cx="0" cy="347309"/>
           </a:xfrm>
           <a:prstGeom prst="straightConnector1">
             <a:avLst/>
@@ -9355,6 +9720,848 @@
           <a:xfrm>
             <a:off x="3908611" y="307619"/>
             <a:ext cx="534077" cy="496719"/>
+          </a:xfrm>
+          <a:prstGeom prst="straightConnector1">
+            <a:avLst/>
+          </a:prstGeom>
+          <a:ln w="57150">
+            <a:tailEnd type="triangle"/>
+          </a:ln>
+        </p:spPr>
+        <p:style>
+          <a:lnRef idx="2">
+            <a:schemeClr val="accent1"/>
+          </a:lnRef>
+          <a:fillRef idx="0">
+            <a:schemeClr val="accent1"/>
+          </a:fillRef>
+          <a:effectRef idx="1">
+            <a:schemeClr val="accent1"/>
+          </a:effectRef>
+          <a:fontRef idx="minor">
+            <a:schemeClr val="tx1"/>
+          </a:fontRef>
+        </p:style>
+      </p:cxnSp>
+      <p:sp>
+        <p:nvSpPr>
+          <p:cNvPr id="10" name="Rectangle 9">
+            <a:extLst>
+              <a:ext uri="{FF2B5EF4-FFF2-40B4-BE49-F238E27FC236}">
+                <a16:creationId xmlns:a16="http://schemas.microsoft.com/office/drawing/2014/main" id="{17DCAACE-B268-16C1-4CE2-3C5022A6860C}"/>
+              </a:ext>
+            </a:extLst>
+          </p:cNvPr>
+          <p:cNvSpPr/>
+          <p:nvPr/>
+        </p:nvSpPr>
+        <p:spPr>
+          <a:xfrm>
+            <a:off x="7138502" y="6148849"/>
+            <a:ext cx="1514271" cy="1456566"/>
+          </a:xfrm>
+          <a:prstGeom prst="rect">
+            <a:avLst/>
+          </a:prstGeom>
+          <a:solidFill>
+            <a:schemeClr val="accent1"/>
+          </a:solidFill>
+        </p:spPr>
+        <p:style>
+          <a:lnRef idx="2">
+            <a:schemeClr val="accent1">
+              <a:shade val="15000"/>
+            </a:schemeClr>
+          </a:lnRef>
+          <a:fillRef idx="1">
+            <a:schemeClr val="accent1"/>
+          </a:fillRef>
+          <a:effectRef idx="0">
+            <a:schemeClr val="accent1"/>
+          </a:effectRef>
+          <a:fontRef idx="minor">
+            <a:schemeClr val="lt1"/>
+          </a:fontRef>
+        </p:style>
+        <p:txBody>
+          <a:bodyPr rtlCol="0" anchor="ctr"/>
+          <a:lstStyle/>
+          <a:p>
+            <a:pPr algn="ctr"/>
+            <a:r>
+              <a:rPr lang="en-US" sz="900" dirty="0">
+                <a:highlight>
+                  <a:srgbClr val="FF00FF"/>
+                </a:highlight>
+              </a:rPr>
+              <a:t>Ask GPT stats q:</a:t>
+            </a:r>
+          </a:p>
+          <a:p>
+            <a:pPr algn="ctr"/>
+            <a:r>
+              <a:rPr lang="en-US" sz="900" dirty="0">
+                <a:highlight>
+                  <a:srgbClr val="FF00FF"/>
+                </a:highlight>
+              </a:rPr>
+              <a:t>Which to normalize/log </a:t>
+            </a:r>
+            <a:r>
+              <a:rPr lang="en-US" sz="900" dirty="0" err="1">
+                <a:highlight>
+                  <a:srgbClr val="FF00FF"/>
+                </a:highlight>
+              </a:rPr>
+              <a:t>tform</a:t>
+            </a:r>
+            <a:r>
+              <a:rPr lang="en-US" sz="900" dirty="0">
+                <a:highlight>
+                  <a:srgbClr val="FF00FF"/>
+                </a:highlight>
+              </a:rPr>
+              <a:t> </a:t>
+            </a:r>
+            <a:r>
+              <a:rPr lang="en-US" sz="900" dirty="0" err="1">
+                <a:highlight>
+                  <a:srgbClr val="FF00FF"/>
+                </a:highlight>
+              </a:rPr>
+              <a:t>etc</a:t>
+            </a:r>
+            <a:r>
+              <a:rPr lang="en-US" sz="900" dirty="0">
+                <a:highlight>
+                  <a:srgbClr val="FF00FF"/>
+                </a:highlight>
+              </a:rPr>
+              <a:t>, and how? across ticker? Across trade lookback? Across all tickers? Across all trades? Give context of strategy/how model is </a:t>
+            </a:r>
+            <a:r>
+              <a:rPr lang="en-US" sz="900" dirty="0" err="1">
+                <a:highlight>
+                  <a:srgbClr val="FF00FF"/>
+                </a:highlight>
+              </a:rPr>
+              <a:t>implem</a:t>
+            </a:r>
+            <a:r>
+              <a:rPr lang="en-US" sz="900" dirty="0">
+                <a:highlight>
+                  <a:srgbClr val="FF00FF"/>
+                </a:highlight>
+              </a:rPr>
+              <a:t>/</a:t>
+            </a:r>
+            <a:r>
+              <a:rPr lang="en-US" sz="900" dirty="0" err="1">
+                <a:highlight>
+                  <a:srgbClr val="FF00FF"/>
+                </a:highlight>
+              </a:rPr>
+              <a:t>etc</a:t>
+            </a:r>
+            <a:endParaRPr lang="en-US" sz="900" dirty="0">
+              <a:highlight>
+                <a:srgbClr val="FF00FF"/>
+              </a:highlight>
+            </a:endParaRPr>
+          </a:p>
+        </p:txBody>
+      </p:sp>
+      <p:sp>
+        <p:nvSpPr>
+          <p:cNvPr id="11" name="Rectangle 10">
+            <a:extLst>
+              <a:ext uri="{FF2B5EF4-FFF2-40B4-BE49-F238E27FC236}">
+                <a16:creationId xmlns:a16="http://schemas.microsoft.com/office/drawing/2014/main" id="{C4E067D3-1D64-29AF-E4BC-7A2923C4D1FE}"/>
+              </a:ext>
+            </a:extLst>
+          </p:cNvPr>
+          <p:cNvSpPr/>
+          <p:nvPr/>
+        </p:nvSpPr>
+        <p:spPr>
+          <a:xfrm>
+            <a:off x="174970" y="4478061"/>
+            <a:ext cx="985710" cy="387144"/>
+          </a:xfrm>
+          <a:prstGeom prst="rect">
+            <a:avLst/>
+          </a:prstGeom>
+        </p:spPr>
+        <p:style>
+          <a:lnRef idx="2">
+            <a:schemeClr val="accent1">
+              <a:shade val="15000"/>
+            </a:schemeClr>
+          </a:lnRef>
+          <a:fillRef idx="1">
+            <a:schemeClr val="accent1"/>
+          </a:fillRef>
+          <a:effectRef idx="0">
+            <a:schemeClr val="accent1"/>
+          </a:effectRef>
+          <a:fontRef idx="minor">
+            <a:schemeClr val="lt1"/>
+          </a:fontRef>
+        </p:style>
+        <p:txBody>
+          <a:bodyPr rtlCol="0" anchor="ctr"/>
+          <a:lstStyle/>
+          <a:p>
+            <a:pPr algn="ctr"/>
+            <a:r>
+              <a:rPr lang="en-US" sz="1050" dirty="0" err="1"/>
+              <a:t>Yf</a:t>
+            </a:r>
+            <a:r>
+              <a:rPr lang="en-US" sz="1050" dirty="0"/>
+              <a:t> API</a:t>
+            </a:r>
+          </a:p>
+          <a:p>
+            <a:pPr algn="ctr"/>
+            <a:r>
+              <a:rPr lang="en-US" sz="1050" dirty="0"/>
+              <a:t>^GSPC, SPY</a:t>
+            </a:r>
+          </a:p>
+        </p:txBody>
+      </p:sp>
+      <p:cxnSp>
+        <p:nvCxnSpPr>
+          <p:cNvPr id="12" name="Straight Arrow Connector 11">
+            <a:extLst>
+              <a:ext uri="{FF2B5EF4-FFF2-40B4-BE49-F238E27FC236}">
+                <a16:creationId xmlns:a16="http://schemas.microsoft.com/office/drawing/2014/main" id="{DCB61157-14FF-D481-DC20-2197D5676745}"/>
+              </a:ext>
+            </a:extLst>
+          </p:cNvPr>
+          <p:cNvCxnSpPr>
+            <a:cxnSpLocks/>
+            <a:stCxn id="11" idx="3"/>
+            <a:endCxn id="17" idx="2"/>
+          </p:cNvCxnSpPr>
+          <p:nvPr/>
+        </p:nvCxnSpPr>
+        <p:spPr>
+          <a:xfrm>
+            <a:off x="1160680" y="4671633"/>
+            <a:ext cx="425872" cy="51867"/>
+          </a:xfrm>
+          <a:prstGeom prst="straightConnector1">
+            <a:avLst/>
+          </a:prstGeom>
+          <a:ln w="57150">
+            <a:tailEnd type="triangle"/>
+          </a:ln>
+        </p:spPr>
+        <p:style>
+          <a:lnRef idx="2">
+            <a:schemeClr val="accent1"/>
+          </a:lnRef>
+          <a:fillRef idx="0">
+            <a:schemeClr val="accent1"/>
+          </a:fillRef>
+          <a:effectRef idx="1">
+            <a:schemeClr val="accent1"/>
+          </a:effectRef>
+          <a:fontRef idx="minor">
+            <a:schemeClr val="tx1"/>
+          </a:fontRef>
+        </p:style>
+      </p:cxnSp>
+      <p:sp>
+        <p:nvSpPr>
+          <p:cNvPr id="17" name="Rectangle: Diagonal Corners Rounded 16">
+            <a:extLst>
+              <a:ext uri="{FF2B5EF4-FFF2-40B4-BE49-F238E27FC236}">
+                <a16:creationId xmlns:a16="http://schemas.microsoft.com/office/drawing/2014/main" id="{1E1B18ED-D10A-8D94-4DC4-8E862DF68DB8}"/>
+              </a:ext>
+            </a:extLst>
+          </p:cNvPr>
+          <p:cNvSpPr/>
+          <p:nvPr/>
+        </p:nvSpPr>
+        <p:spPr>
+          <a:xfrm>
+            <a:off x="1586552" y="4501417"/>
+            <a:ext cx="1033264" cy="444166"/>
+          </a:xfrm>
+          <a:prstGeom prst="round2DiagRect">
+            <a:avLst>
+              <a:gd name="adj1" fmla="val 16667"/>
+              <a:gd name="adj2" fmla="val 50000"/>
+            </a:avLst>
+          </a:prstGeom>
+          <a:solidFill>
+            <a:schemeClr val="accent1"/>
+          </a:solidFill>
+        </p:spPr>
+        <p:style>
+          <a:lnRef idx="2">
+            <a:schemeClr val="accent1">
+              <a:shade val="15000"/>
+            </a:schemeClr>
+          </a:lnRef>
+          <a:fillRef idx="1">
+            <a:schemeClr val="accent1"/>
+          </a:fillRef>
+          <a:effectRef idx="0">
+            <a:schemeClr val="accent1"/>
+          </a:effectRef>
+          <a:fontRef idx="minor">
+            <a:schemeClr val="lt1"/>
+          </a:fontRef>
+        </p:style>
+        <p:txBody>
+          <a:bodyPr rtlCol="0" anchor="ctr"/>
+          <a:lstStyle/>
+          <a:p>
+            <a:pPr algn="ctr"/>
+            <a:r>
+              <a:rPr lang="en-US" sz="900" b="1" dirty="0"/>
+              <a:t>SNP500getter .ipynb</a:t>
+            </a:r>
+            <a:endParaRPr lang="en-US" sz="900" dirty="0"/>
+          </a:p>
+        </p:txBody>
+      </p:sp>
+      <p:cxnSp>
+        <p:nvCxnSpPr>
+          <p:cNvPr id="23" name="Straight Arrow Connector 22">
+            <a:extLst>
+              <a:ext uri="{FF2B5EF4-FFF2-40B4-BE49-F238E27FC236}">
+                <a16:creationId xmlns:a16="http://schemas.microsoft.com/office/drawing/2014/main" id="{91F7E8B2-1574-A2D9-8E0D-FDC61FF02CA3}"/>
+              </a:ext>
+            </a:extLst>
+          </p:cNvPr>
+          <p:cNvCxnSpPr>
+            <a:cxnSpLocks/>
+            <a:stCxn id="17" idx="0"/>
+            <a:endCxn id="26" idx="1"/>
+          </p:cNvCxnSpPr>
+          <p:nvPr/>
+        </p:nvCxnSpPr>
+        <p:spPr>
+          <a:xfrm flipV="1">
+            <a:off x="2619816" y="4719124"/>
+            <a:ext cx="194172" cy="4376"/>
+          </a:xfrm>
+          <a:prstGeom prst="straightConnector1">
+            <a:avLst/>
+          </a:prstGeom>
+          <a:ln w="57150">
+            <a:tailEnd type="triangle"/>
+          </a:ln>
+        </p:spPr>
+        <p:style>
+          <a:lnRef idx="2">
+            <a:schemeClr val="accent1"/>
+          </a:lnRef>
+          <a:fillRef idx="0">
+            <a:schemeClr val="accent1"/>
+          </a:fillRef>
+          <a:effectRef idx="1">
+            <a:schemeClr val="accent1"/>
+          </a:effectRef>
+          <a:fontRef idx="minor">
+            <a:schemeClr val="tx1"/>
+          </a:fontRef>
+        </p:style>
+      </p:cxnSp>
+      <p:sp>
+        <p:nvSpPr>
+          <p:cNvPr id="26" name="Rectangle 25">
+            <a:extLst>
+              <a:ext uri="{FF2B5EF4-FFF2-40B4-BE49-F238E27FC236}">
+                <a16:creationId xmlns:a16="http://schemas.microsoft.com/office/drawing/2014/main" id="{C8847C24-894D-0D7B-23D0-0CC923745A99}"/>
+              </a:ext>
+            </a:extLst>
+          </p:cNvPr>
+          <p:cNvSpPr/>
+          <p:nvPr/>
+        </p:nvSpPr>
+        <p:spPr>
+          <a:xfrm>
+            <a:off x="2813988" y="4525552"/>
+            <a:ext cx="1842217" cy="387144"/>
+          </a:xfrm>
+          <a:prstGeom prst="rect">
+            <a:avLst/>
+          </a:prstGeom>
+        </p:spPr>
+        <p:style>
+          <a:lnRef idx="2">
+            <a:schemeClr val="accent1">
+              <a:shade val="15000"/>
+            </a:schemeClr>
+          </a:lnRef>
+          <a:fillRef idx="1">
+            <a:schemeClr val="accent1"/>
+          </a:fillRef>
+          <a:effectRef idx="0">
+            <a:schemeClr val="accent1"/>
+          </a:effectRef>
+          <a:fontRef idx="minor">
+            <a:schemeClr val="lt1"/>
+          </a:fontRef>
+        </p:style>
+        <p:txBody>
+          <a:bodyPr rtlCol="0" anchor="ctr"/>
+          <a:lstStyle/>
+          <a:p>
+            <a:pPr algn="ctr"/>
+            <a:r>
+              <a:rPr lang="en-US" sz="1050" dirty="0"/>
+              <a:t>Sp500_ft1.csv</a:t>
+            </a:r>
+          </a:p>
+          <a:p>
+            <a:pPr algn="ctr"/>
+            <a:r>
+              <a:rPr lang="en-US" sz="1050" dirty="0"/>
+              <a:t>Daily </a:t>
+            </a:r>
+            <a:r>
+              <a:rPr lang="en-US" sz="1050" dirty="0" err="1"/>
+              <a:t>snp</a:t>
+            </a:r>
+            <a:r>
+              <a:rPr lang="en-US" sz="1050" dirty="0"/>
+              <a:t> metrics Nov1,2018</a:t>
+            </a:r>
+          </a:p>
+        </p:txBody>
+      </p:sp>
+      <p:sp>
+        <p:nvSpPr>
+          <p:cNvPr id="29" name="Rectangle 28">
+            <a:extLst>
+              <a:ext uri="{FF2B5EF4-FFF2-40B4-BE49-F238E27FC236}">
+                <a16:creationId xmlns:a16="http://schemas.microsoft.com/office/drawing/2014/main" id="{41DC3B39-1848-5330-79AD-54AEF55A30D2}"/>
+              </a:ext>
+            </a:extLst>
+          </p:cNvPr>
+          <p:cNvSpPr/>
+          <p:nvPr/>
+        </p:nvSpPr>
+        <p:spPr>
+          <a:xfrm>
+            <a:off x="129568" y="5576265"/>
+            <a:ext cx="985710" cy="387144"/>
+          </a:xfrm>
+          <a:prstGeom prst="rect">
+            <a:avLst/>
+          </a:prstGeom>
+        </p:spPr>
+        <p:style>
+          <a:lnRef idx="2">
+            <a:schemeClr val="accent1">
+              <a:shade val="15000"/>
+            </a:schemeClr>
+          </a:lnRef>
+          <a:fillRef idx="1">
+            <a:schemeClr val="accent1"/>
+          </a:fillRef>
+          <a:effectRef idx="0">
+            <a:schemeClr val="accent1"/>
+          </a:effectRef>
+          <a:fontRef idx="minor">
+            <a:schemeClr val="lt1"/>
+          </a:fontRef>
+        </p:style>
+        <p:txBody>
+          <a:bodyPr rtlCol="0" anchor="ctr"/>
+          <a:lstStyle/>
+          <a:p>
+            <a:pPr algn="ctr"/>
+            <a:r>
+              <a:rPr lang="en-US" sz="1050" dirty="0" err="1"/>
+              <a:t>Yf</a:t>
+            </a:r>
+            <a:r>
+              <a:rPr lang="en-US" sz="1050" dirty="0"/>
+              <a:t> API</a:t>
+            </a:r>
+          </a:p>
+          <a:p>
+            <a:pPr algn="ctr"/>
+            <a:r>
+              <a:rPr lang="en-US" sz="1050" dirty="0"/>
+              <a:t>^GSPC, SPY</a:t>
+            </a:r>
+          </a:p>
+        </p:txBody>
+      </p:sp>
+      <p:cxnSp>
+        <p:nvCxnSpPr>
+          <p:cNvPr id="30" name="Straight Arrow Connector 29">
+            <a:extLst>
+              <a:ext uri="{FF2B5EF4-FFF2-40B4-BE49-F238E27FC236}">
+                <a16:creationId xmlns:a16="http://schemas.microsoft.com/office/drawing/2014/main" id="{5BBCE123-651A-6DFB-5F74-AD6DE3E53D6A}"/>
+              </a:ext>
+            </a:extLst>
+          </p:cNvPr>
+          <p:cNvCxnSpPr>
+            <a:cxnSpLocks/>
+            <a:stCxn id="29" idx="3"/>
+            <a:endCxn id="31" idx="2"/>
+          </p:cNvCxnSpPr>
+          <p:nvPr/>
+        </p:nvCxnSpPr>
+        <p:spPr>
+          <a:xfrm>
+            <a:off x="1115278" y="5769837"/>
+            <a:ext cx="366837" cy="51867"/>
+          </a:xfrm>
+          <a:prstGeom prst="straightConnector1">
+            <a:avLst/>
+          </a:prstGeom>
+          <a:ln w="57150">
+            <a:tailEnd type="triangle"/>
+          </a:ln>
+        </p:spPr>
+        <p:style>
+          <a:lnRef idx="2">
+            <a:schemeClr val="accent1"/>
+          </a:lnRef>
+          <a:fillRef idx="0">
+            <a:schemeClr val="accent1"/>
+          </a:fillRef>
+          <a:effectRef idx="1">
+            <a:schemeClr val="accent1"/>
+          </a:effectRef>
+          <a:fontRef idx="minor">
+            <a:schemeClr val="tx1"/>
+          </a:fontRef>
+        </p:style>
+      </p:cxnSp>
+      <p:sp>
+        <p:nvSpPr>
+          <p:cNvPr id="31" name="Rectangle: Diagonal Corners Rounded 30">
+            <a:extLst>
+              <a:ext uri="{FF2B5EF4-FFF2-40B4-BE49-F238E27FC236}">
+                <a16:creationId xmlns:a16="http://schemas.microsoft.com/office/drawing/2014/main" id="{238913A3-D162-C0F5-0401-8CB48CD31675}"/>
+              </a:ext>
+            </a:extLst>
+          </p:cNvPr>
+          <p:cNvSpPr/>
+          <p:nvPr/>
+        </p:nvSpPr>
+        <p:spPr>
+          <a:xfrm>
+            <a:off x="1482115" y="5599621"/>
+            <a:ext cx="1092299" cy="444166"/>
+          </a:xfrm>
+          <a:prstGeom prst="round2DiagRect">
+            <a:avLst>
+              <a:gd name="adj1" fmla="val 16667"/>
+              <a:gd name="adj2" fmla="val 50000"/>
+            </a:avLst>
+          </a:prstGeom>
+          <a:solidFill>
+            <a:schemeClr val="accent1"/>
+          </a:solidFill>
+        </p:spPr>
+        <p:style>
+          <a:lnRef idx="2">
+            <a:schemeClr val="accent1">
+              <a:shade val="15000"/>
+            </a:schemeClr>
+          </a:lnRef>
+          <a:fillRef idx="1">
+            <a:schemeClr val="accent1"/>
+          </a:fillRef>
+          <a:effectRef idx="0">
+            <a:schemeClr val="accent1"/>
+          </a:effectRef>
+          <a:fontRef idx="minor">
+            <a:schemeClr val="lt1"/>
+          </a:fontRef>
+        </p:style>
+        <p:txBody>
+          <a:bodyPr rtlCol="0" anchor="ctr"/>
+          <a:lstStyle/>
+          <a:p>
+            <a:pPr algn="ctr"/>
+            <a:r>
+              <a:rPr lang="en-US" sz="900" b="1" dirty="0"/>
+              <a:t>morefeatures1 .ipynb</a:t>
+            </a:r>
+            <a:endParaRPr lang="en-US" sz="900" dirty="0"/>
+          </a:p>
+        </p:txBody>
+      </p:sp>
+      <p:cxnSp>
+        <p:nvCxnSpPr>
+          <p:cNvPr id="32" name="Straight Arrow Connector 31">
+            <a:extLst>
+              <a:ext uri="{FF2B5EF4-FFF2-40B4-BE49-F238E27FC236}">
+                <a16:creationId xmlns:a16="http://schemas.microsoft.com/office/drawing/2014/main" id="{639B4481-FD6B-D8D0-9651-15A0BD0623D6}"/>
+              </a:ext>
+            </a:extLst>
+          </p:cNvPr>
+          <p:cNvCxnSpPr>
+            <a:cxnSpLocks/>
+            <a:stCxn id="31" idx="0"/>
+            <a:endCxn id="33" idx="1"/>
+          </p:cNvCxnSpPr>
+          <p:nvPr/>
+        </p:nvCxnSpPr>
+        <p:spPr>
+          <a:xfrm flipV="1">
+            <a:off x="2574414" y="5565397"/>
+            <a:ext cx="158128" cy="256307"/>
+          </a:xfrm>
+          <a:prstGeom prst="straightConnector1">
+            <a:avLst/>
+          </a:prstGeom>
+          <a:ln w="57150">
+            <a:tailEnd type="triangle"/>
+          </a:ln>
+        </p:spPr>
+        <p:style>
+          <a:lnRef idx="2">
+            <a:schemeClr val="accent1"/>
+          </a:lnRef>
+          <a:fillRef idx="0">
+            <a:schemeClr val="accent1"/>
+          </a:fillRef>
+          <a:effectRef idx="1">
+            <a:schemeClr val="accent1"/>
+          </a:effectRef>
+          <a:fontRef idx="minor">
+            <a:schemeClr val="tx1"/>
+          </a:fontRef>
+        </p:style>
+      </p:cxnSp>
+      <p:sp>
+        <p:nvSpPr>
+          <p:cNvPr id="33" name="Rectangle 32">
+            <a:extLst>
+              <a:ext uri="{FF2B5EF4-FFF2-40B4-BE49-F238E27FC236}">
+                <a16:creationId xmlns:a16="http://schemas.microsoft.com/office/drawing/2014/main" id="{3EE860B8-CD94-EAE3-1209-90AB0D3A0B92}"/>
+              </a:ext>
+            </a:extLst>
+          </p:cNvPr>
+          <p:cNvSpPr/>
+          <p:nvPr/>
+        </p:nvSpPr>
+        <p:spPr>
+          <a:xfrm>
+            <a:off x="2732542" y="5130403"/>
+            <a:ext cx="1961642" cy="869987"/>
+          </a:xfrm>
+          <a:prstGeom prst="rect">
+            <a:avLst/>
+          </a:prstGeom>
+        </p:spPr>
+        <p:style>
+          <a:lnRef idx="2">
+            <a:schemeClr val="accent1">
+              <a:shade val="15000"/>
+            </a:schemeClr>
+          </a:lnRef>
+          <a:fillRef idx="1">
+            <a:schemeClr val="accent1"/>
+          </a:fillRef>
+          <a:effectRef idx="0">
+            <a:schemeClr val="accent1"/>
+          </a:effectRef>
+          <a:fontRef idx="minor">
+            <a:schemeClr val="lt1"/>
+          </a:fontRef>
+        </p:style>
+        <p:txBody>
+          <a:bodyPr rtlCol="0" anchor="ctr"/>
+          <a:lstStyle/>
+          <a:p>
+            <a:pPr algn="ctr"/>
+            <a:r>
+              <a:rPr lang="en-US" sz="1050" dirty="0"/>
+              <a:t>Oip_mega_boost1.csv</a:t>
+            </a:r>
+          </a:p>
+          <a:p>
+            <a:pPr algn="ctr"/>
+            <a:r>
+              <a:rPr lang="en-US" sz="1050" dirty="0">
+                <a:solidFill>
+                  <a:srgbClr val="FF0000"/>
+                </a:solidFill>
+              </a:rPr>
+              <a:t>73494rows, 4183stocks</a:t>
+            </a:r>
+          </a:p>
+          <a:p>
+            <a:pPr algn="ctr"/>
+            <a:r>
+              <a:rPr lang="en-US" sz="1050" dirty="0"/>
+              <a:t>+ </a:t>
+            </a:r>
+            <a:r>
+              <a:rPr lang="en-US" sz="1050" dirty="0" err="1"/>
+              <a:t>Purchase_pct_mcap</a:t>
+            </a:r>
+            <a:r>
+              <a:rPr lang="en-US" sz="1050" dirty="0"/>
+              <a:t>, </a:t>
+            </a:r>
+            <a:r>
+              <a:rPr lang="en-US" sz="1050" dirty="0" err="1"/>
+              <a:t>tradefile_td</a:t>
+            </a:r>
+            <a:r>
+              <a:rPr lang="en-US" sz="1050" dirty="0"/>
+              <a:t>, </a:t>
+            </a:r>
+            <a:r>
+              <a:rPr lang="en-US" sz="1050" dirty="0" err="1"/>
+              <a:t>ret_trade_to_mebuy</a:t>
+            </a:r>
+            <a:endParaRPr lang="en-US" sz="1050" dirty="0"/>
+          </a:p>
+        </p:txBody>
+      </p:sp>
+      <p:cxnSp>
+        <p:nvCxnSpPr>
+          <p:cNvPr id="40" name="Straight Arrow Connector 39">
+            <a:extLst>
+              <a:ext uri="{FF2B5EF4-FFF2-40B4-BE49-F238E27FC236}">
+                <a16:creationId xmlns:a16="http://schemas.microsoft.com/office/drawing/2014/main" id="{8D42F1A0-171E-3C02-6FE6-C36549B4A338}"/>
+              </a:ext>
+            </a:extLst>
+          </p:cNvPr>
+          <p:cNvCxnSpPr>
+            <a:cxnSpLocks/>
+            <a:stCxn id="33" idx="3"/>
+            <a:endCxn id="43" idx="2"/>
+          </p:cNvCxnSpPr>
+          <p:nvPr/>
+        </p:nvCxnSpPr>
+        <p:spPr>
+          <a:xfrm flipV="1">
+            <a:off x="4694184" y="5099602"/>
+            <a:ext cx="193573" cy="465795"/>
+          </a:xfrm>
+          <a:prstGeom prst="straightConnector1">
+            <a:avLst/>
+          </a:prstGeom>
+          <a:ln w="57150">
+            <a:tailEnd type="triangle"/>
+          </a:ln>
+        </p:spPr>
+        <p:style>
+          <a:lnRef idx="2">
+            <a:schemeClr val="accent1"/>
+          </a:lnRef>
+          <a:fillRef idx="0">
+            <a:schemeClr val="accent1"/>
+          </a:fillRef>
+          <a:effectRef idx="1">
+            <a:schemeClr val="accent1"/>
+          </a:effectRef>
+          <a:fontRef idx="minor">
+            <a:schemeClr val="tx1"/>
+          </a:fontRef>
+        </p:style>
+      </p:cxnSp>
+      <p:sp>
+        <p:nvSpPr>
+          <p:cNvPr id="43" name="Rectangle: Diagonal Corners Rounded 42">
+            <a:extLst>
+              <a:ext uri="{FF2B5EF4-FFF2-40B4-BE49-F238E27FC236}">
+                <a16:creationId xmlns:a16="http://schemas.microsoft.com/office/drawing/2014/main" id="{DCCD24E1-9260-88C5-D42B-0D837A9A5664}"/>
+              </a:ext>
+            </a:extLst>
+          </p:cNvPr>
+          <p:cNvSpPr/>
+          <p:nvPr/>
+        </p:nvSpPr>
+        <p:spPr>
+          <a:xfrm>
+            <a:off x="4887757" y="4877519"/>
+            <a:ext cx="1033264" cy="444166"/>
+          </a:xfrm>
+          <a:prstGeom prst="round2DiagRect">
+            <a:avLst>
+              <a:gd name="adj1" fmla="val 16667"/>
+              <a:gd name="adj2" fmla="val 50000"/>
+            </a:avLst>
+          </a:prstGeom>
+          <a:solidFill>
+            <a:schemeClr val="accent1"/>
+          </a:solidFill>
+        </p:spPr>
+        <p:style>
+          <a:lnRef idx="2">
+            <a:schemeClr val="accent1">
+              <a:shade val="15000"/>
+            </a:schemeClr>
+          </a:lnRef>
+          <a:fillRef idx="1">
+            <a:schemeClr val="accent1"/>
+          </a:fillRef>
+          <a:effectRef idx="0">
+            <a:schemeClr val="accent1"/>
+          </a:effectRef>
+          <a:fontRef idx="minor">
+            <a:schemeClr val="lt1"/>
+          </a:fontRef>
+        </p:style>
+        <p:txBody>
+          <a:bodyPr rtlCol="0" anchor="ctr"/>
+          <a:lstStyle/>
+          <a:p>
+            <a:pPr algn="ctr"/>
+            <a:r>
+              <a:rPr lang="en-US" sz="900" b="1" dirty="0">
+                <a:highlight>
+                  <a:srgbClr val="FF00FF"/>
+                </a:highlight>
+              </a:rPr>
+              <a:t>Needs merge/infill w OG </a:t>
+            </a:r>
+            <a:r>
+              <a:rPr lang="en-US" sz="900" b="1" dirty="0" err="1">
+                <a:highlight>
+                  <a:srgbClr val="FF00FF"/>
+                </a:highlight>
+              </a:rPr>
+              <a:t>tbh</a:t>
+            </a:r>
+            <a:endParaRPr lang="en-US" sz="900" dirty="0">
+              <a:highlight>
+                <a:srgbClr val="FF00FF"/>
+              </a:highlight>
+            </a:endParaRPr>
+          </a:p>
+        </p:txBody>
+      </p:sp>
+      <p:cxnSp>
+        <p:nvCxnSpPr>
+          <p:cNvPr id="46" name="Straight Arrow Connector 45">
+            <a:extLst>
+              <a:ext uri="{FF2B5EF4-FFF2-40B4-BE49-F238E27FC236}">
+                <a16:creationId xmlns:a16="http://schemas.microsoft.com/office/drawing/2014/main" id="{0A9FC234-4CE2-6016-A591-669841F11B63}"/>
+              </a:ext>
+            </a:extLst>
+          </p:cNvPr>
+          <p:cNvCxnSpPr>
+            <a:cxnSpLocks/>
+            <a:stCxn id="43" idx="0"/>
+            <a:endCxn id="319" idx="0"/>
+          </p:cNvCxnSpPr>
+          <p:nvPr/>
+        </p:nvCxnSpPr>
+        <p:spPr>
+          <a:xfrm>
+            <a:off x="5921021" y="5099602"/>
+            <a:ext cx="287434" cy="326096"/>
           </a:xfrm>
           <a:prstGeom prst="straightConnector1">
             <a:avLst/>
@@ -9396,7 +10603,7 @@
 </p:sld>
 </file>
 
-<file path=ppt/slides/slide2.xml><?xml version="1.0" encoding="utf-8"?>
+<file path=ppt/slides/slide3.xml><?xml version="1.0" encoding="utf-8"?>
 <p:sld xmlns:a="http://schemas.openxmlformats.org/drawingml/2006/main" xmlns:r="http://schemas.openxmlformats.org/officeDocument/2006/relationships" xmlns:p="http://schemas.openxmlformats.org/presentationml/2006/main">
   <p:cSld>
     <p:spTree>
@@ -10327,7 +11534,7 @@
         </p:nvSpPr>
         <p:spPr>
           <a:xfrm>
-            <a:off x="2659551" y="3687036"/>
+            <a:off x="2659551" y="3494201"/>
             <a:ext cx="1602149" cy="703989"/>
           </a:xfrm>
           <a:prstGeom prst="rect">
@@ -10464,7 +11671,7 @@
         </p:nvSpPr>
         <p:spPr>
           <a:xfrm>
-            <a:off x="5570220" y="3871248"/>
+            <a:off x="168349" y="4391025"/>
             <a:ext cx="2602962" cy="2234584"/>
           </a:xfrm>
           <a:prstGeom prst="rect">
@@ -10498,7 +11705,7 @@
                   <a:srgbClr val="FF00FF"/>
                 </a:highlight>
               </a:rPr>
-              <a:t>Test predicted hold duration </a:t>
+              <a:t>(re) Test predicted hold duration </a:t>
             </a:r>
             <a:r>
               <a:rPr lang="en-US" sz="1000" dirty="0" err="1">
@@ -10546,6 +11753,14 @@
           </a:p>
           <a:p>
             <a:pPr algn="ctr"/>
+            <a:endParaRPr lang="en-US" sz="1000" dirty="0">
+              <a:highlight>
+                <a:srgbClr val="FF00FF"/>
+              </a:highlight>
+            </a:endParaRPr>
+          </a:p>
+          <a:p>
+            <a:pPr algn="ctr"/>
             <a:r>
               <a:rPr lang="en-US" sz="1000" dirty="0" err="1">
                 <a:highlight>
@@ -10591,6 +11806,336 @@
                 <a:srgbClr val="FF00FF"/>
               </a:highlight>
             </a:endParaRPr>
+          </a:p>
+        </p:txBody>
+      </p:sp>
+      <p:sp>
+        <p:nvSpPr>
+          <p:cNvPr id="7" name="Rectangle 6">
+            <a:extLst>
+              <a:ext uri="{FF2B5EF4-FFF2-40B4-BE49-F238E27FC236}">
+                <a16:creationId xmlns:a16="http://schemas.microsoft.com/office/drawing/2014/main" id="{98FE9331-DA27-DFCC-7AAA-80AD9D109F69}"/>
+              </a:ext>
+            </a:extLst>
+          </p:cNvPr>
+          <p:cNvSpPr/>
+          <p:nvPr/>
+        </p:nvSpPr>
+        <p:spPr>
+          <a:xfrm>
+            <a:off x="3086692" y="4403316"/>
+            <a:ext cx="2602962" cy="2234584"/>
+          </a:xfrm>
+          <a:prstGeom prst="rect">
+            <a:avLst/>
+          </a:prstGeom>
+        </p:spPr>
+        <p:style>
+          <a:lnRef idx="2">
+            <a:schemeClr val="accent1">
+              <a:shade val="15000"/>
+            </a:schemeClr>
+          </a:lnRef>
+          <a:fillRef idx="1">
+            <a:schemeClr val="accent1"/>
+          </a:fillRef>
+          <a:effectRef idx="0">
+            <a:schemeClr val="accent1"/>
+          </a:effectRef>
+          <a:fontRef idx="minor">
+            <a:schemeClr val="lt1"/>
+          </a:fontRef>
+        </p:style>
+        <p:txBody>
+          <a:bodyPr rtlCol="0" anchor="ctr"/>
+          <a:lstStyle/>
+          <a:p>
+            <a:pPr algn="ctr"/>
+            <a:r>
+              <a:rPr lang="en-US" sz="1000" dirty="0">
+                <a:highlight>
+                  <a:srgbClr val="FF00FF"/>
+                </a:highlight>
+              </a:rPr>
+              <a:t>Within a ticker/class:</a:t>
+            </a:r>
+          </a:p>
+          <a:p>
+            <a:pPr algn="ctr"/>
+            <a:r>
+              <a:rPr lang="en-US" sz="1000" dirty="0">
+                <a:highlight>
+                  <a:srgbClr val="FF00FF"/>
+                </a:highlight>
+              </a:rPr>
+              <a:t>Use past working/good (fixed?) </a:t>
+            </a:r>
+            <a:r>
+              <a:rPr lang="en-US" sz="1000" dirty="0" err="1">
+                <a:highlight>
+                  <a:srgbClr val="FF00FF"/>
+                </a:highlight>
+              </a:rPr>
+              <a:t>hold_dur</a:t>
+            </a:r>
+            <a:r>
+              <a:rPr lang="en-US" sz="1000" dirty="0">
+                <a:highlight>
+                  <a:srgbClr val="FF00FF"/>
+                </a:highlight>
+              </a:rPr>
+              <a:t> to inform future insider trade </a:t>
+            </a:r>
+            <a:r>
+              <a:rPr lang="en-US" sz="1000" dirty="0" err="1">
+                <a:highlight>
+                  <a:srgbClr val="FF00FF"/>
+                </a:highlight>
+              </a:rPr>
+              <a:t>hold_dur</a:t>
+            </a:r>
+            <a:r>
+              <a:rPr lang="en-US" sz="1000" dirty="0">
+                <a:highlight>
+                  <a:srgbClr val="FF00FF"/>
+                </a:highlight>
+              </a:rPr>
+              <a:t>?</a:t>
+            </a:r>
+          </a:p>
+          <a:p>
+            <a:pPr algn="ctr"/>
+            <a:endParaRPr lang="en-US" sz="1000" dirty="0">
+              <a:highlight>
+                <a:srgbClr val="FF00FF"/>
+              </a:highlight>
+            </a:endParaRPr>
+          </a:p>
+          <a:p>
+            <a:pPr algn="ctr"/>
+            <a:r>
+              <a:rPr lang="en-US" sz="1000" dirty="0">
+                <a:highlight>
+                  <a:srgbClr val="FF00FF"/>
+                </a:highlight>
+              </a:rPr>
+              <a:t>How to store this data if dynamic </a:t>
+            </a:r>
+            <a:r>
+              <a:rPr lang="en-US" sz="1000" dirty="0" err="1">
+                <a:highlight>
+                  <a:srgbClr val="FF00FF"/>
+                </a:highlight>
+              </a:rPr>
+              <a:t>hold_dur</a:t>
+            </a:r>
+            <a:r>
+              <a:rPr lang="en-US" sz="1000" dirty="0">
+                <a:highlight>
+                  <a:srgbClr val="FF00FF"/>
+                </a:highlight>
+              </a:rPr>
+              <a:t>?</a:t>
+            </a:r>
+          </a:p>
+          <a:p>
+            <a:pPr algn="ctr"/>
+            <a:r>
+              <a:rPr lang="en-US" sz="1000" dirty="0">
+                <a:highlight>
+                  <a:srgbClr val="FF00FF"/>
+                </a:highlight>
+              </a:rPr>
+              <a:t>set of for </a:t>
+            </a:r>
+            <a:r>
+              <a:rPr lang="en-US" sz="1000" dirty="0" err="1">
+                <a:highlight>
+                  <a:srgbClr val="FF00FF"/>
+                </a:highlight>
+              </a:rPr>
+              <a:t>ea</a:t>
+            </a:r>
+            <a:r>
+              <a:rPr lang="en-US" sz="1000" dirty="0">
+                <a:highlight>
+                  <a:srgbClr val="FF00FF"/>
+                </a:highlight>
+              </a:rPr>
+              <a:t> </a:t>
+            </a:r>
+            <a:r>
+              <a:rPr lang="en-US" sz="1000" dirty="0" err="1">
+                <a:highlight>
+                  <a:srgbClr val="FF00FF"/>
+                </a:highlight>
+              </a:rPr>
+              <a:t>prev</a:t>
+            </a:r>
+            <a:r>
+              <a:rPr lang="en-US" sz="1000" dirty="0">
+                <a:highlight>
+                  <a:srgbClr val="FF00FF"/>
+                </a:highlight>
+              </a:rPr>
+              <a:t> trade?: </a:t>
+            </a:r>
+          </a:p>
+          <a:p>
+            <a:pPr algn="ctr"/>
+            <a:r>
+              <a:rPr lang="en-US" sz="1000" dirty="0">
+                <a:highlight>
+                  <a:srgbClr val="FF00FF"/>
+                </a:highlight>
+              </a:rPr>
+              <a:t>is_pos_hold_dur_under70d? T/F</a:t>
+            </a:r>
+          </a:p>
+          <a:p>
+            <a:pPr algn="ctr"/>
+            <a:r>
+              <a:rPr lang="en-US" sz="1000" dirty="0" err="1">
+                <a:highlight>
+                  <a:srgbClr val="FF00FF"/>
+                </a:highlight>
+              </a:rPr>
+              <a:t>Hold_dur</a:t>
+            </a:r>
+            <a:r>
+              <a:rPr lang="en-US" sz="1000" dirty="0">
+                <a:highlight>
+                  <a:srgbClr val="FF00FF"/>
+                </a:highlight>
+              </a:rPr>
+              <a:t> return curve r vs x</a:t>
+            </a:r>
+          </a:p>
+          <a:p>
+            <a:pPr algn="ctr"/>
+            <a:r>
+              <a:rPr lang="en-US" sz="1000" dirty="0">
+                <a:highlight>
+                  <a:srgbClr val="FF00FF"/>
+                </a:highlight>
+              </a:rPr>
+              <a:t>Best </a:t>
+            </a:r>
+            <a:r>
+              <a:rPr lang="en-US" sz="1000" dirty="0" err="1">
+                <a:highlight>
+                  <a:srgbClr val="FF00FF"/>
+                </a:highlight>
+              </a:rPr>
+              <a:t>hold_dur</a:t>
+            </a:r>
+            <a:r>
+              <a:rPr lang="en-US" sz="1000" dirty="0">
+                <a:highlight>
+                  <a:srgbClr val="FF00FF"/>
+                </a:highlight>
+              </a:rPr>
+              <a:t> x</a:t>
+            </a:r>
+          </a:p>
+          <a:p>
+            <a:pPr algn="ctr"/>
+            <a:endParaRPr lang="en-US" sz="1000" dirty="0">
+              <a:highlight>
+                <a:srgbClr val="FF00FF"/>
+              </a:highlight>
+            </a:endParaRPr>
+          </a:p>
+        </p:txBody>
+      </p:sp>
+      <p:sp>
+        <p:nvSpPr>
+          <p:cNvPr id="9" name="Rectangle 8">
+            <a:extLst>
+              <a:ext uri="{FF2B5EF4-FFF2-40B4-BE49-F238E27FC236}">
+                <a16:creationId xmlns:a16="http://schemas.microsoft.com/office/drawing/2014/main" id="{A6525306-3D7F-8780-4782-5B6033803EBE}"/>
+              </a:ext>
+            </a:extLst>
+          </p:cNvPr>
+          <p:cNvSpPr/>
+          <p:nvPr/>
+        </p:nvSpPr>
+        <p:spPr>
+          <a:xfrm>
+            <a:off x="6005035" y="4391025"/>
+            <a:ext cx="2602962" cy="2234584"/>
+          </a:xfrm>
+          <a:prstGeom prst="rect">
+            <a:avLst/>
+          </a:prstGeom>
+        </p:spPr>
+        <p:style>
+          <a:lnRef idx="2">
+            <a:schemeClr val="accent1">
+              <a:shade val="15000"/>
+            </a:schemeClr>
+          </a:lnRef>
+          <a:fillRef idx="1">
+            <a:schemeClr val="accent1"/>
+          </a:fillRef>
+          <a:effectRef idx="0">
+            <a:schemeClr val="accent1"/>
+          </a:effectRef>
+          <a:fontRef idx="minor">
+            <a:schemeClr val="lt1"/>
+          </a:fontRef>
+        </p:style>
+        <p:txBody>
+          <a:bodyPr rtlCol="0" anchor="ctr"/>
+          <a:lstStyle/>
+          <a:p>
+            <a:pPr algn="ctr"/>
+            <a:r>
+              <a:rPr lang="en-US" sz="1000" dirty="0">
+                <a:highlight>
+                  <a:srgbClr val="FF00FF"/>
+                </a:highlight>
+              </a:rPr>
+              <a:t>Pred 1d hold   VS   any+ in 10d hold? 30d?45?70?</a:t>
+            </a:r>
+          </a:p>
+          <a:p>
+            <a:pPr algn="ctr"/>
+            <a:endParaRPr lang="en-US" sz="1000" dirty="0">
+              <a:highlight>
+                <a:srgbClr val="FF00FF"/>
+              </a:highlight>
+            </a:endParaRPr>
+          </a:p>
+          <a:p>
+            <a:pPr algn="ctr"/>
+            <a:r>
+              <a:rPr lang="en-US" sz="1000" dirty="0">
+                <a:highlight>
+                  <a:srgbClr val="FF00FF"/>
+                </a:highlight>
+              </a:rPr>
+              <a:t>Binary AND regression pred.</a:t>
+            </a:r>
+          </a:p>
+          <a:p>
+            <a:pPr algn="ctr"/>
+            <a:endParaRPr lang="en-US" sz="1000" dirty="0">
+              <a:highlight>
+                <a:srgbClr val="FF00FF"/>
+              </a:highlight>
+            </a:endParaRPr>
+          </a:p>
+          <a:p>
+            <a:pPr algn="ctr"/>
+            <a:r>
+              <a:rPr lang="en-US" sz="1000" dirty="0">
+                <a:highlight>
+                  <a:srgbClr val="FF00FF"/>
+                </a:highlight>
+              </a:rPr>
+              <a:t>(obvs both+ daily update Montecarlo)</a:t>
+            </a:r>
           </a:p>
         </p:txBody>
       </p:sp>
@@ -10607,7 +12152,7 @@
 </p:sld>
 </file>
 
-<file path=ppt/slides/slide3.xml><?xml version="1.0" encoding="utf-8"?>
+<file path=ppt/slides/slide4.xml><?xml version="1.0" encoding="utf-8"?>
 <p:sld xmlns:a="http://schemas.openxmlformats.org/drawingml/2006/main" xmlns:r="http://schemas.openxmlformats.org/officeDocument/2006/relationships" xmlns:p="http://schemas.openxmlformats.org/presentationml/2006/main">
   <p:cSld>
     <p:spTree>
@@ -10801,7 +12346,7 @@
 </p:sld>
 </file>
 
-<file path=ppt/slides/slide4.xml><?xml version="1.0" encoding="utf-8"?>
+<file path=ppt/slides/slide5.xml><?xml version="1.0" encoding="utf-8"?>
 <p:sld xmlns:a="http://schemas.openxmlformats.org/drawingml/2006/main" xmlns:r="http://schemas.openxmlformats.org/officeDocument/2006/relationships" xmlns:p="http://schemas.openxmlformats.org/presentationml/2006/main">
   <p:cSld>
     <p:spTree>
@@ -11096,16 +12641,16 @@
         </p:blipFill>
         <p:spPr>
           <a:xfrm>
-            <a:off x="10222763" y="1735239"/>
-            <a:ext cx="1923362" cy="2317898"/>
+            <a:off x="10163493" y="1735239"/>
+            <a:ext cx="1982632" cy="2389326"/>
           </a:xfrm>
           <a:prstGeom prst="rect">
             <a:avLst/>
           </a:prstGeom>
         </p:spPr>
       </p:pic>
-      <mc:AlternateContent xmlns:mc="http://schemas.openxmlformats.org/markup-compatibility/2006">
-        <mc:Choice xmlns:p14="http://schemas.microsoft.com/office/powerpoint/2010/main" Requires="p14">
+      <mc:AlternateContent xmlns:mc="http://schemas.openxmlformats.org/markup-compatibility/2006" xmlns:p14="http://schemas.microsoft.com/office/powerpoint/2010/main">
+        <mc:Choice Requires="p14">
           <p:contentPart p14:bwMode="auto" r:id="rId8">
             <p14:nvContentPartPr>
               <p14:cNvPr id="18" name="Ink 17">
@@ -11124,7 +12669,7 @@
             </p14:xfrm>
           </p:contentPart>
         </mc:Choice>
-        <mc:Fallback>
+        <mc:Fallback xmlns="">
           <p:pic>
             <p:nvPicPr>
               <p:cNvPr id="18" name="Ink 17">
@@ -11155,8 +12700,8 @@
           </p:pic>
         </mc:Fallback>
       </mc:AlternateContent>
-      <mc:AlternateContent xmlns:mc="http://schemas.openxmlformats.org/markup-compatibility/2006">
-        <mc:Choice xmlns:p14="http://schemas.microsoft.com/office/powerpoint/2010/main" Requires="p14">
+      <mc:AlternateContent xmlns:mc="http://schemas.openxmlformats.org/markup-compatibility/2006" xmlns:p14="http://schemas.microsoft.com/office/powerpoint/2010/main">
+        <mc:Choice Requires="p14">
           <p:contentPart p14:bwMode="auto" r:id="rId10">
             <p14:nvContentPartPr>
               <p14:cNvPr id="22" name="Ink 21">
@@ -11175,7 +12720,7 @@
             </p14:xfrm>
           </p:contentPart>
         </mc:Choice>
-        <mc:Fallback>
+        <mc:Fallback xmlns="">
           <p:pic>
             <p:nvPicPr>
               <p:cNvPr id="22" name="Ink 21">
@@ -11206,8 +12751,8 @@
           </p:pic>
         </mc:Fallback>
       </mc:AlternateContent>
-      <mc:AlternateContent xmlns:mc="http://schemas.openxmlformats.org/markup-compatibility/2006">
-        <mc:Choice xmlns:p14="http://schemas.microsoft.com/office/powerpoint/2010/main" Requires="p14">
+      <mc:AlternateContent xmlns:mc="http://schemas.openxmlformats.org/markup-compatibility/2006" xmlns:p14="http://schemas.microsoft.com/office/powerpoint/2010/main">
+        <mc:Choice Requires="p14">
           <p:contentPart p14:bwMode="auto" r:id="rId12">
             <p14:nvContentPartPr>
               <p14:cNvPr id="23" name="Ink 22">
@@ -11226,7 +12771,7 @@
             </p14:xfrm>
           </p:contentPart>
         </mc:Choice>
-        <mc:Fallback>
+        <mc:Fallback xmlns="">
           <p:pic>
             <p:nvPicPr>
               <p:cNvPr id="23" name="Ink 22">
@@ -11257,8 +12802,8 @@
           </p:pic>
         </mc:Fallback>
       </mc:AlternateContent>
-      <mc:AlternateContent xmlns:mc="http://schemas.openxmlformats.org/markup-compatibility/2006">
-        <mc:Choice xmlns:p14="http://schemas.microsoft.com/office/powerpoint/2010/main" Requires="p14">
+      <mc:AlternateContent xmlns:mc="http://schemas.openxmlformats.org/markup-compatibility/2006" xmlns:p14="http://schemas.microsoft.com/office/powerpoint/2010/main">
+        <mc:Choice Requires="p14">
           <p:contentPart p14:bwMode="auto" r:id="rId14">
             <p14:nvContentPartPr>
               <p14:cNvPr id="24" name="Ink 23">
@@ -11277,7 +12822,7 @@
             </p14:xfrm>
           </p:contentPart>
         </mc:Choice>
-        <mc:Fallback>
+        <mc:Fallback xmlns="">
           <p:pic>
             <p:nvPicPr>
               <p:cNvPr id="24" name="Ink 23">
@@ -11308,8 +12853,8 @@
           </p:pic>
         </mc:Fallback>
       </mc:AlternateContent>
-      <mc:AlternateContent xmlns:mc="http://schemas.openxmlformats.org/markup-compatibility/2006">
-        <mc:Choice xmlns:p14="http://schemas.microsoft.com/office/powerpoint/2010/main" Requires="p14">
+      <mc:AlternateContent xmlns:mc="http://schemas.openxmlformats.org/markup-compatibility/2006" xmlns:p14="http://schemas.microsoft.com/office/powerpoint/2010/main">
+        <mc:Choice Requires="p14">
           <p:contentPart p14:bwMode="auto" r:id="rId16">
             <p14:nvContentPartPr>
               <p14:cNvPr id="28" name="Ink 27">
@@ -11328,7 +12873,7 @@
             </p14:xfrm>
           </p:contentPart>
         </mc:Choice>
-        <mc:Fallback>
+        <mc:Fallback xmlns="">
           <p:pic>
             <p:nvPicPr>
               <p:cNvPr id="28" name="Ink 27">
@@ -11359,8 +12904,8 @@
           </p:pic>
         </mc:Fallback>
       </mc:AlternateContent>
-      <mc:AlternateContent xmlns:mc="http://schemas.openxmlformats.org/markup-compatibility/2006">
-        <mc:Choice xmlns:p14="http://schemas.microsoft.com/office/powerpoint/2010/main" Requires="p14">
+      <mc:AlternateContent xmlns:mc="http://schemas.openxmlformats.org/markup-compatibility/2006" xmlns:p14="http://schemas.microsoft.com/office/powerpoint/2010/main">
+        <mc:Choice Requires="p14">
           <p:contentPart p14:bwMode="auto" r:id="rId18">
             <p14:nvContentPartPr>
               <p14:cNvPr id="30" name="Ink 29">
@@ -11379,7 +12924,7 @@
             </p14:xfrm>
           </p:contentPart>
         </mc:Choice>
-        <mc:Fallback>
+        <mc:Fallback xmlns="">
           <p:pic>
             <p:nvPicPr>
               <p:cNvPr id="30" name="Ink 29">
@@ -11410,8 +12955,8 @@
           </p:pic>
         </mc:Fallback>
       </mc:AlternateContent>
-      <mc:AlternateContent xmlns:mc="http://schemas.openxmlformats.org/markup-compatibility/2006">
-        <mc:Choice xmlns:p14="http://schemas.microsoft.com/office/powerpoint/2010/main" Requires="p14">
+      <mc:AlternateContent xmlns:mc="http://schemas.openxmlformats.org/markup-compatibility/2006" xmlns:p14="http://schemas.microsoft.com/office/powerpoint/2010/main">
+        <mc:Choice Requires="p14">
           <p:contentPart p14:bwMode="auto" r:id="rId20">
             <p14:nvContentPartPr>
               <p14:cNvPr id="31" name="Ink 30">
@@ -11430,7 +12975,7 @@
             </p14:xfrm>
           </p:contentPart>
         </mc:Choice>
-        <mc:Fallback>
+        <mc:Fallback xmlns="">
           <p:pic>
             <p:nvPicPr>
               <p:cNvPr id="31" name="Ink 30">
@@ -11461,8 +13006,8 @@
           </p:pic>
         </mc:Fallback>
       </mc:AlternateContent>
-      <mc:AlternateContent xmlns:mc="http://schemas.openxmlformats.org/markup-compatibility/2006">
-        <mc:Choice xmlns:p14="http://schemas.microsoft.com/office/powerpoint/2010/main" Requires="p14">
+      <mc:AlternateContent xmlns:mc="http://schemas.openxmlformats.org/markup-compatibility/2006" xmlns:p14="http://schemas.microsoft.com/office/powerpoint/2010/main">
+        <mc:Choice Requires="p14">
           <p:contentPart p14:bwMode="auto" r:id="rId22">
             <p14:nvContentPartPr>
               <p14:cNvPr id="32" name="Ink 31">
@@ -11481,7 +13026,7 @@
             </p14:xfrm>
           </p:contentPart>
         </mc:Choice>
-        <mc:Fallback>
+        <mc:Fallback xmlns="">
           <p:pic>
             <p:nvPicPr>
               <p:cNvPr id="32" name="Ink 31">
@@ -11512,8 +13057,8 @@
           </p:pic>
         </mc:Fallback>
       </mc:AlternateContent>
-      <mc:AlternateContent xmlns:mc="http://schemas.openxmlformats.org/markup-compatibility/2006">
-        <mc:Choice xmlns:p14="http://schemas.microsoft.com/office/powerpoint/2010/main" Requires="p14">
+      <mc:AlternateContent xmlns:mc="http://schemas.openxmlformats.org/markup-compatibility/2006" xmlns:p14="http://schemas.microsoft.com/office/powerpoint/2010/main">
+        <mc:Choice Requires="p14">
           <p:contentPart p14:bwMode="auto" r:id="rId24">
             <p14:nvContentPartPr>
               <p14:cNvPr id="33" name="Ink 32">
@@ -11532,7 +13077,7 @@
             </p14:xfrm>
           </p:contentPart>
         </mc:Choice>
-        <mc:Fallback>
+        <mc:Fallback xmlns="">
           <p:pic>
             <p:nvPicPr>
               <p:cNvPr id="33" name="Ink 32">
@@ -11583,8 +13128,8 @@
             <a:chExt cx="4091400" cy="1150481"/>
           </a:xfrm>
         </p:grpSpPr>
-        <mc:AlternateContent xmlns:mc="http://schemas.openxmlformats.org/markup-compatibility/2006">
-          <mc:Choice xmlns:p14="http://schemas.microsoft.com/office/powerpoint/2010/main" Requires="p14">
+        <mc:AlternateContent xmlns:mc="http://schemas.openxmlformats.org/markup-compatibility/2006" xmlns:p14="http://schemas.microsoft.com/office/powerpoint/2010/main">
+          <mc:Choice Requires="p14">
             <p:contentPart p14:bwMode="auto" r:id="rId26">
               <p14:nvContentPartPr>
                 <p14:cNvPr id="25" name="Ink 24">
@@ -11603,7 +13148,7 @@
               </p14:xfrm>
             </p:contentPart>
           </mc:Choice>
-          <mc:Fallback>
+          <mc:Fallback xmlns="">
             <p:pic>
               <p:nvPicPr>
                 <p:cNvPr id="25" name="Ink 24">
@@ -11634,8 +13179,8 @@
             </p:pic>
           </mc:Fallback>
         </mc:AlternateContent>
-        <mc:AlternateContent xmlns:mc="http://schemas.openxmlformats.org/markup-compatibility/2006">
-          <mc:Choice xmlns:p14="http://schemas.microsoft.com/office/powerpoint/2010/main" Requires="p14">
+        <mc:AlternateContent xmlns:mc="http://schemas.openxmlformats.org/markup-compatibility/2006" xmlns:p14="http://schemas.microsoft.com/office/powerpoint/2010/main">
+          <mc:Choice Requires="p14">
             <p:contentPart p14:bwMode="auto" r:id="rId28">
               <p14:nvContentPartPr>
                 <p14:cNvPr id="19" name="Ink 18">
@@ -11654,7 +13199,7 @@
               </p14:xfrm>
             </p:contentPart>
           </mc:Choice>
-          <mc:Fallback>
+          <mc:Fallback xmlns="">
             <p:pic>
               <p:nvPicPr>
                 <p:cNvPr id="19" name="Ink 18">
@@ -11685,8 +13230,8 @@
             </p:pic>
           </mc:Fallback>
         </mc:AlternateContent>
-        <mc:AlternateContent xmlns:mc="http://schemas.openxmlformats.org/markup-compatibility/2006">
-          <mc:Choice xmlns:p14="http://schemas.microsoft.com/office/powerpoint/2010/main" Requires="p14">
+        <mc:AlternateContent xmlns:mc="http://schemas.openxmlformats.org/markup-compatibility/2006" xmlns:p14="http://schemas.microsoft.com/office/powerpoint/2010/main">
+          <mc:Choice Requires="p14">
             <p:contentPart p14:bwMode="auto" r:id="rId30">
               <p14:nvContentPartPr>
                 <p14:cNvPr id="20" name="Ink 19">
@@ -11705,7 +13250,7 @@
               </p14:xfrm>
             </p:contentPart>
           </mc:Choice>
-          <mc:Fallback>
+          <mc:Fallback xmlns="">
             <p:pic>
               <p:nvPicPr>
                 <p:cNvPr id="20" name="Ink 19">
@@ -11736,8 +13281,8 @@
             </p:pic>
           </mc:Fallback>
         </mc:AlternateContent>
-        <mc:AlternateContent xmlns:mc="http://schemas.openxmlformats.org/markup-compatibility/2006">
-          <mc:Choice xmlns:p14="http://schemas.microsoft.com/office/powerpoint/2010/main" Requires="p14">
+        <mc:AlternateContent xmlns:mc="http://schemas.openxmlformats.org/markup-compatibility/2006" xmlns:p14="http://schemas.microsoft.com/office/powerpoint/2010/main">
+          <mc:Choice Requires="p14">
             <p:contentPart p14:bwMode="auto" r:id="rId31">
               <p14:nvContentPartPr>
                 <p14:cNvPr id="26" name="Ink 25">
@@ -11756,7 +13301,7 @@
               </p14:xfrm>
             </p:contentPart>
           </mc:Choice>
-          <mc:Fallback>
+          <mc:Fallback xmlns="">
             <p:pic>
               <p:nvPicPr>
                 <p:cNvPr id="26" name="Ink 25">
@@ -11787,8 +13332,8 @@
             </p:pic>
           </mc:Fallback>
         </mc:AlternateContent>
-        <mc:AlternateContent xmlns:mc="http://schemas.openxmlformats.org/markup-compatibility/2006">
-          <mc:Choice xmlns:p14="http://schemas.microsoft.com/office/powerpoint/2010/main" Requires="p14">
+        <mc:AlternateContent xmlns:mc="http://schemas.openxmlformats.org/markup-compatibility/2006" xmlns:p14="http://schemas.microsoft.com/office/powerpoint/2010/main">
+          <mc:Choice Requires="p14">
             <p:contentPart p14:bwMode="auto" r:id="rId33">
               <p14:nvContentPartPr>
                 <p14:cNvPr id="34" name="Ink 33">
@@ -11807,7 +13352,7 @@
               </p14:xfrm>
             </p:contentPart>
           </mc:Choice>
-          <mc:Fallback>
+          <mc:Fallback xmlns="">
             <p:pic>
               <p:nvPicPr>
                 <p:cNvPr id="34" name="Ink 33">
@@ -11887,7 +13432,7 @@
 </p:sld>
 </file>
 
-<file path=ppt/slides/slide5.xml><?xml version="1.0" encoding="utf-8"?>
+<file path=ppt/slides/slide6.xml><?xml version="1.0" encoding="utf-8"?>
 <p:sld xmlns:a="http://schemas.openxmlformats.org/drawingml/2006/main" xmlns:r="http://schemas.openxmlformats.org/officeDocument/2006/relationships" xmlns:p="http://schemas.openxmlformats.org/presentationml/2006/main">
   <p:cSld>
     <p:spTree>
@@ -12140,7 +13685,7 @@
         </p:blipFill>
         <p:spPr>
           <a:xfrm>
-            <a:off x="5056162" y="1343789"/>
+            <a:off x="6020056" y="1343788"/>
             <a:ext cx="5326151" cy="5326151"/>
           </a:xfrm>
           <a:prstGeom prst="rect">
@@ -12164,7 +13709,7 @@
         </p:nvSpPr>
         <p:spPr>
           <a:xfrm>
-            <a:off x="5998722" y="4006864"/>
+            <a:off x="7059894" y="3982500"/>
             <a:ext cx="4686484" cy="4351338"/>
           </a:xfrm>
           <a:prstGeom prst="rect">
@@ -12372,8 +13917,8 @@
           </a:p>
         </p:txBody>
       </p:sp>
-      <mc:AlternateContent xmlns:mc="http://schemas.openxmlformats.org/markup-compatibility/2006">
-        <mc:Choice xmlns:p14="http://schemas.microsoft.com/office/powerpoint/2010/main" Requires="p14">
+      <mc:AlternateContent xmlns:mc="http://schemas.openxmlformats.org/markup-compatibility/2006" xmlns:p14="http://schemas.microsoft.com/office/powerpoint/2010/main">
+        <mc:Choice Requires="p14">
           <p:contentPart p14:bwMode="auto" r:id="rId7">
             <p14:nvContentPartPr>
               <p14:cNvPr id="15" name="Ink 14">
@@ -12392,7 +13937,7 @@
             </p14:xfrm>
           </p:contentPart>
         </mc:Choice>
-        <mc:Fallback>
+        <mc:Fallback xmlns="">
           <p:pic>
             <p:nvPicPr>
               <p:cNvPr id="15" name="Ink 14">
@@ -12423,8 +13968,8 @@
           </p:pic>
         </mc:Fallback>
       </mc:AlternateContent>
-      <mc:AlternateContent xmlns:mc="http://schemas.openxmlformats.org/markup-compatibility/2006">
-        <mc:Choice xmlns:p14="http://schemas.microsoft.com/office/powerpoint/2010/main" Requires="p14">
+      <mc:AlternateContent xmlns:mc="http://schemas.openxmlformats.org/markup-compatibility/2006" xmlns:p14="http://schemas.microsoft.com/office/powerpoint/2010/main">
+        <mc:Choice Requires="p14">
           <p:contentPart p14:bwMode="auto" r:id="rId9">
             <p14:nvContentPartPr>
               <p14:cNvPr id="16" name="Ink 15">
@@ -12443,7 +13988,7 @@
             </p14:xfrm>
           </p:contentPart>
         </mc:Choice>
-        <mc:Fallback>
+        <mc:Fallback xmlns="">
           <p:pic>
             <p:nvPicPr>
               <p:cNvPr id="16" name="Ink 15">
@@ -12474,8 +14019,8 @@
           </p:pic>
         </mc:Fallback>
       </mc:AlternateContent>
-      <mc:AlternateContent xmlns:mc="http://schemas.openxmlformats.org/markup-compatibility/2006">
-        <mc:Choice xmlns:p14="http://schemas.microsoft.com/office/powerpoint/2010/main" Requires="p14">
+      <mc:AlternateContent xmlns:mc="http://schemas.openxmlformats.org/markup-compatibility/2006" xmlns:p14="http://schemas.microsoft.com/office/powerpoint/2010/main">
+        <mc:Choice Requires="p14">
           <p:contentPart p14:bwMode="auto" r:id="rId11">
             <p14:nvContentPartPr>
               <p14:cNvPr id="17" name="Ink 16">
@@ -12494,7 +14039,7 @@
             </p14:xfrm>
           </p:contentPart>
         </mc:Choice>
-        <mc:Fallback>
+        <mc:Fallback xmlns="">
           <p:pic>
             <p:nvPicPr>
               <p:cNvPr id="17" name="Ink 16">
@@ -12540,7 +14085,7 @@
               <p14:nvPr/>
             </p14:nvContentPartPr>
             <p14:xfrm>
-              <a:off x="5149723" y="3303627"/>
+              <a:off x="6096000" y="3280680"/>
               <a:ext cx="280440" cy="148320"/>
             </p14:xfrm>
           </p:contentPart>
@@ -12566,7 +14111,7 @@
             </p:blipFill>
             <p:spPr>
               <a:xfrm>
-                <a:off x="5143603" y="3297507"/>
+                <a:off x="6089880" y="3274560"/>
                 <a:ext cx="292680" cy="160560"/>
               </a:xfrm>
               <a:prstGeom prst="rect">
@@ -12589,7 +14134,7 @@
 </p:sld>
 </file>
 
-<file path=ppt/slides/slide6.xml><?xml version="1.0" encoding="utf-8"?>
+<file path=ppt/slides/slide7.xml><?xml version="1.0" encoding="utf-8"?>
 <p:sld xmlns:a="http://schemas.openxmlformats.org/drawingml/2006/main" xmlns:r="http://schemas.openxmlformats.org/officeDocument/2006/relationships" xmlns:p="http://schemas.openxmlformats.org/presentationml/2006/main">
   <p:cSld>
     <p:spTree>
@@ -12851,7 +14396,7 @@
         </p:nvSpPr>
         <p:spPr>
           <a:xfrm>
-            <a:off x="6561915" y="4501578"/>
+            <a:off x="6993509" y="4558388"/>
             <a:ext cx="4842317" cy="4351338"/>
           </a:xfrm>
           <a:prstGeom prst="rect">
@@ -13042,8 +14587,8 @@
           </a:p>
         </p:txBody>
       </p:sp>
-      <mc:AlternateContent xmlns:mc="http://schemas.openxmlformats.org/markup-compatibility/2006">
-        <mc:Choice xmlns:p14="http://schemas.microsoft.com/office/powerpoint/2010/main" Requires="p14">
+      <mc:AlternateContent xmlns:mc="http://schemas.openxmlformats.org/markup-compatibility/2006" xmlns:p14="http://schemas.microsoft.com/office/powerpoint/2010/main">
+        <mc:Choice Requires="p14">
           <p:contentPart p14:bwMode="auto" r:id="rId7">
             <p14:nvContentPartPr>
               <p14:cNvPr id="16" name="Ink 15">
@@ -13062,7 +14607,7 @@
             </p14:xfrm>
           </p:contentPart>
         </mc:Choice>
-        <mc:Fallback>
+        <mc:Fallback xmlns="">
           <p:pic>
             <p:nvPicPr>
               <p:cNvPr id="16" name="Ink 15">
@@ -13093,8 +14638,8 @@
           </p:pic>
         </mc:Fallback>
       </mc:AlternateContent>
-      <mc:AlternateContent xmlns:mc="http://schemas.openxmlformats.org/markup-compatibility/2006">
-        <mc:Choice xmlns:p14="http://schemas.microsoft.com/office/powerpoint/2010/main" Requires="p14">
+      <mc:AlternateContent xmlns:mc="http://schemas.openxmlformats.org/markup-compatibility/2006" xmlns:p14="http://schemas.microsoft.com/office/powerpoint/2010/main">
+        <mc:Choice Requires="p14">
           <p:contentPart p14:bwMode="auto" r:id="rId9">
             <p14:nvContentPartPr>
               <p14:cNvPr id="19" name="Ink 18">
@@ -13113,7 +14658,7 @@
             </p14:xfrm>
           </p:contentPart>
         </mc:Choice>
-        <mc:Fallback>
+        <mc:Fallback xmlns="">
           <p:pic>
             <p:nvPicPr>
               <p:cNvPr id="19" name="Ink 18">
@@ -13144,8 +14689,8 @@
           </p:pic>
         </mc:Fallback>
       </mc:AlternateContent>
-      <mc:AlternateContent xmlns:mc="http://schemas.openxmlformats.org/markup-compatibility/2006">
-        <mc:Choice xmlns:p14="http://schemas.microsoft.com/office/powerpoint/2010/main" Requires="p14">
+      <mc:AlternateContent xmlns:mc="http://schemas.openxmlformats.org/markup-compatibility/2006" xmlns:p14="http://schemas.microsoft.com/office/powerpoint/2010/main">
+        <mc:Choice Requires="p14">
           <p:contentPart p14:bwMode="auto" r:id="rId11">
             <p14:nvContentPartPr>
               <p14:cNvPr id="20" name="Ink 19">
@@ -13164,7 +14709,7 @@
             </p14:xfrm>
           </p:contentPart>
         </mc:Choice>
-        <mc:Fallback>
+        <mc:Fallback xmlns="">
           <p:pic>
             <p:nvPicPr>
               <p:cNvPr id="20" name="Ink 19">
@@ -13215,8 +14760,8 @@
             <a:chExt cx="360" cy="162000"/>
           </a:xfrm>
         </p:grpSpPr>
-        <mc:AlternateContent xmlns:mc="http://schemas.openxmlformats.org/markup-compatibility/2006">
-          <mc:Choice xmlns:p14="http://schemas.microsoft.com/office/powerpoint/2010/main" Requires="p14">
+        <mc:AlternateContent xmlns:mc="http://schemas.openxmlformats.org/markup-compatibility/2006" xmlns:p14="http://schemas.microsoft.com/office/powerpoint/2010/main">
+          <mc:Choice Requires="p14">
             <p:contentPart p14:bwMode="auto" r:id="rId13">
               <p14:nvContentPartPr>
                 <p14:cNvPr id="21" name="Ink 20">
@@ -13235,7 +14780,7 @@
               </p14:xfrm>
             </p:contentPart>
           </mc:Choice>
-          <mc:Fallback>
+          <mc:Fallback xmlns="">
             <p:pic>
               <p:nvPicPr>
                 <p:cNvPr id="21" name="Ink 20">
@@ -13266,8 +14811,8 @@
             </p:pic>
           </mc:Fallback>
         </mc:AlternateContent>
-        <mc:AlternateContent xmlns:mc="http://schemas.openxmlformats.org/markup-compatibility/2006">
-          <mc:Choice xmlns:p14="http://schemas.microsoft.com/office/powerpoint/2010/main" Requires="p14">
+        <mc:AlternateContent xmlns:mc="http://schemas.openxmlformats.org/markup-compatibility/2006" xmlns:p14="http://schemas.microsoft.com/office/powerpoint/2010/main">
+          <mc:Choice Requires="p14">
             <p:contentPart p14:bwMode="auto" r:id="rId15">
               <p14:nvContentPartPr>
                 <p14:cNvPr id="22" name="Ink 21">
@@ -13286,7 +14831,7 @@
               </p14:xfrm>
             </p:contentPart>
           </mc:Choice>
-          <mc:Fallback>
+          <mc:Fallback xmlns="">
             <p:pic>
               <p:nvPicPr>
                 <p:cNvPr id="22" name="Ink 21">
@@ -13318,8 +14863,8 @@
           </mc:Fallback>
         </mc:AlternateContent>
       </p:grpSp>
-      <mc:AlternateContent xmlns:mc="http://schemas.openxmlformats.org/markup-compatibility/2006">
-        <mc:Choice xmlns:p14="http://schemas.microsoft.com/office/powerpoint/2010/main" Requires="p14">
+      <mc:AlternateContent xmlns:mc="http://schemas.openxmlformats.org/markup-compatibility/2006" xmlns:p14="http://schemas.microsoft.com/office/powerpoint/2010/main">
+        <mc:Choice Requires="p14">
           <p:contentPart p14:bwMode="auto" r:id="rId17">
             <p14:nvContentPartPr>
               <p14:cNvPr id="23" name="Ink 22">
@@ -13338,7 +14883,7 @@
             </p14:xfrm>
           </p:contentPart>
         </mc:Choice>
-        <mc:Fallback>
+        <mc:Fallback xmlns="">
           <p:pic>
             <p:nvPicPr>
               <p:cNvPr id="23" name="Ink 22">
@@ -13369,8 +14914,8 @@
           </p:pic>
         </mc:Fallback>
       </mc:AlternateContent>
-      <mc:AlternateContent xmlns:mc="http://schemas.openxmlformats.org/markup-compatibility/2006">
-        <mc:Choice xmlns:p14="http://schemas.microsoft.com/office/powerpoint/2010/main" Requires="p14">
+      <mc:AlternateContent xmlns:mc="http://schemas.openxmlformats.org/markup-compatibility/2006" xmlns:p14="http://schemas.microsoft.com/office/powerpoint/2010/main">
+        <mc:Choice Requires="p14">
           <p:contentPart p14:bwMode="auto" r:id="rId19">
             <p14:nvContentPartPr>
               <p14:cNvPr id="24" name="Ink 23">
@@ -13389,7 +14934,7 @@
             </p14:xfrm>
           </p:contentPart>
         </mc:Choice>
-        <mc:Fallback>
+        <mc:Fallback xmlns="">
           <p:pic>
             <p:nvPicPr>
               <p:cNvPr id="24" name="Ink 23">
@@ -13420,8 +14965,8 @@
           </p:pic>
         </mc:Fallback>
       </mc:AlternateContent>
-      <mc:AlternateContent xmlns:mc="http://schemas.openxmlformats.org/markup-compatibility/2006">
-        <mc:Choice xmlns:p14="http://schemas.microsoft.com/office/powerpoint/2010/main" Requires="p14">
+      <mc:AlternateContent xmlns:mc="http://schemas.openxmlformats.org/markup-compatibility/2006" xmlns:p14="http://schemas.microsoft.com/office/powerpoint/2010/main">
+        <mc:Choice Requires="p14">
           <p:contentPart p14:bwMode="auto" r:id="rId21">
             <p14:nvContentPartPr>
               <p14:cNvPr id="25" name="Ink 24">
@@ -13440,7 +14985,7 @@
             </p14:xfrm>
           </p:contentPart>
         </mc:Choice>
-        <mc:Fallback>
+        <mc:Fallback xmlns="">
           <p:pic>
             <p:nvPicPr>
               <p:cNvPr id="25" name="Ink 24">
@@ -13471,8 +15016,8 @@
           </p:pic>
         </mc:Fallback>
       </mc:AlternateContent>
-      <mc:AlternateContent xmlns:mc="http://schemas.openxmlformats.org/markup-compatibility/2006">
-        <mc:Choice xmlns:p14="http://schemas.microsoft.com/office/powerpoint/2010/main" Requires="p14">
+      <mc:AlternateContent xmlns:mc="http://schemas.openxmlformats.org/markup-compatibility/2006" xmlns:p14="http://schemas.microsoft.com/office/powerpoint/2010/main">
+        <mc:Choice Requires="p14">
           <p:contentPart p14:bwMode="auto" r:id="rId23">
             <p14:nvContentPartPr>
               <p14:cNvPr id="26" name="Ink 25">
@@ -13491,7 +15036,7 @@
             </p14:xfrm>
           </p:contentPart>
         </mc:Choice>
-        <mc:Fallback>
+        <mc:Fallback xmlns="">
           <p:pic>
             <p:nvPicPr>
               <p:cNvPr id="26" name="Ink 25">
@@ -13522,8 +15067,8 @@
           </p:pic>
         </mc:Fallback>
       </mc:AlternateContent>
-      <mc:AlternateContent xmlns:mc="http://schemas.openxmlformats.org/markup-compatibility/2006">
-        <mc:Choice xmlns:p14="http://schemas.microsoft.com/office/powerpoint/2010/main" Requires="p14">
+      <mc:AlternateContent xmlns:mc="http://schemas.openxmlformats.org/markup-compatibility/2006" xmlns:p14="http://schemas.microsoft.com/office/powerpoint/2010/main">
+        <mc:Choice Requires="p14">
           <p:contentPart p14:bwMode="auto" r:id="rId25">
             <p14:nvContentPartPr>
               <p14:cNvPr id="27" name="Ink 26">
@@ -13542,7 +15087,7 @@
             </p14:xfrm>
           </p:contentPart>
         </mc:Choice>
-        <mc:Fallback>
+        <mc:Fallback xmlns="">
           <p:pic>
             <p:nvPicPr>
               <p:cNvPr id="27" name="Ink 26">
@@ -13573,8 +15118,8 @@
           </p:pic>
         </mc:Fallback>
       </mc:AlternateContent>
-      <mc:AlternateContent xmlns:mc="http://schemas.openxmlformats.org/markup-compatibility/2006">
-        <mc:Choice xmlns:p14="http://schemas.microsoft.com/office/powerpoint/2010/main" Requires="p14">
+      <mc:AlternateContent xmlns:mc="http://schemas.openxmlformats.org/markup-compatibility/2006" xmlns:p14="http://schemas.microsoft.com/office/powerpoint/2010/main">
+        <mc:Choice Requires="p14">
           <p:contentPart p14:bwMode="auto" r:id="rId27">
             <p14:nvContentPartPr>
               <p14:cNvPr id="28" name="Ink 27">
@@ -13593,7 +15138,7 @@
             </p14:xfrm>
           </p:contentPart>
         </mc:Choice>
-        <mc:Fallback>
+        <mc:Fallback xmlns="">
           <p:pic>
             <p:nvPicPr>
               <p:cNvPr id="28" name="Ink 27">
@@ -13624,8 +15169,8 @@
           </p:pic>
         </mc:Fallback>
       </mc:AlternateContent>
-      <mc:AlternateContent xmlns:mc="http://schemas.openxmlformats.org/markup-compatibility/2006">
-        <mc:Choice xmlns:p14="http://schemas.microsoft.com/office/powerpoint/2010/main" Requires="p14">
+      <mc:AlternateContent xmlns:mc="http://schemas.openxmlformats.org/markup-compatibility/2006" xmlns:p14="http://schemas.microsoft.com/office/powerpoint/2010/main">
+        <mc:Choice Requires="p14">
           <p:contentPart p14:bwMode="auto" r:id="rId29">
             <p14:nvContentPartPr>
               <p14:cNvPr id="29" name="Ink 28">
@@ -13644,7 +15189,7 @@
             </p14:xfrm>
           </p:contentPart>
         </mc:Choice>
-        <mc:Fallback>
+        <mc:Fallback xmlns="">
           <p:pic>
             <p:nvPicPr>
               <p:cNvPr id="29" name="Ink 28">
@@ -13675,8 +15220,8 @@
           </p:pic>
         </mc:Fallback>
       </mc:AlternateContent>
-      <mc:AlternateContent xmlns:mc="http://schemas.openxmlformats.org/markup-compatibility/2006">
-        <mc:Choice xmlns:p14="http://schemas.microsoft.com/office/powerpoint/2010/main" Requires="p14">
+      <mc:AlternateContent xmlns:mc="http://schemas.openxmlformats.org/markup-compatibility/2006" xmlns:p14="http://schemas.microsoft.com/office/powerpoint/2010/main">
+        <mc:Choice Requires="p14">
           <p:contentPart p14:bwMode="auto" r:id="rId31">
             <p14:nvContentPartPr>
               <p14:cNvPr id="30" name="Ink 29">
@@ -13695,7 +15240,7 @@
             </p14:xfrm>
           </p:contentPart>
         </mc:Choice>
-        <mc:Fallback>
+        <mc:Fallback xmlns="">
           <p:pic>
             <p:nvPicPr>
               <p:cNvPr id="30" name="Ink 29">
@@ -13726,8 +15271,8 @@
           </p:pic>
         </mc:Fallback>
       </mc:AlternateContent>
-      <mc:AlternateContent xmlns:mc="http://schemas.openxmlformats.org/markup-compatibility/2006">
-        <mc:Choice xmlns:p14="http://schemas.microsoft.com/office/powerpoint/2010/main" Requires="p14">
+      <mc:AlternateContent xmlns:mc="http://schemas.openxmlformats.org/markup-compatibility/2006" xmlns:p14="http://schemas.microsoft.com/office/powerpoint/2010/main">
+        <mc:Choice Requires="p14">
           <p:contentPart p14:bwMode="auto" r:id="rId33">
             <p14:nvContentPartPr>
               <p14:cNvPr id="31" name="Ink 30">
@@ -13746,7 +15291,7 @@
             </p14:xfrm>
           </p:contentPart>
         </mc:Choice>
-        <mc:Fallback>
+        <mc:Fallback xmlns="">
           <p:pic>
             <p:nvPicPr>
               <p:cNvPr id="31" name="Ink 30">
@@ -13777,8 +15322,8 @@
           </p:pic>
         </mc:Fallback>
       </mc:AlternateContent>
-      <mc:AlternateContent xmlns:mc="http://schemas.openxmlformats.org/markup-compatibility/2006">
-        <mc:Choice xmlns:p14="http://schemas.microsoft.com/office/powerpoint/2010/main" Requires="p14">
+      <mc:AlternateContent xmlns:mc="http://schemas.openxmlformats.org/markup-compatibility/2006" xmlns:p14="http://schemas.microsoft.com/office/powerpoint/2010/main">
+        <mc:Choice Requires="p14">
           <p:contentPart p14:bwMode="auto" r:id="rId35">
             <p14:nvContentPartPr>
               <p14:cNvPr id="32" name="Ink 31">
@@ -13797,7 +15342,7 @@
             </p14:xfrm>
           </p:contentPart>
         </mc:Choice>
-        <mc:Fallback>
+        <mc:Fallback xmlns="">
           <p:pic>
             <p:nvPicPr>
               <p:cNvPr id="32" name="Ink 31">
@@ -13828,8 +15373,8 @@
           </p:pic>
         </mc:Fallback>
       </mc:AlternateContent>
-      <mc:AlternateContent xmlns:mc="http://schemas.openxmlformats.org/markup-compatibility/2006">
-        <mc:Choice xmlns:p14="http://schemas.microsoft.com/office/powerpoint/2010/main" Requires="p14">
+      <mc:AlternateContent xmlns:mc="http://schemas.openxmlformats.org/markup-compatibility/2006" xmlns:p14="http://schemas.microsoft.com/office/powerpoint/2010/main">
+        <mc:Choice Requires="p14">
           <p:contentPart p14:bwMode="auto" r:id="rId37">
             <p14:nvContentPartPr>
               <p14:cNvPr id="33" name="Ink 32">
@@ -13848,7 +15393,7 @@
             </p14:xfrm>
           </p:contentPart>
         </mc:Choice>
-        <mc:Fallback>
+        <mc:Fallback xmlns="">
           <p:pic>
             <p:nvPicPr>
               <p:cNvPr id="33" name="Ink 32">
@@ -13879,8 +15424,8 @@
           </p:pic>
         </mc:Fallback>
       </mc:AlternateContent>
-      <mc:AlternateContent xmlns:mc="http://schemas.openxmlformats.org/markup-compatibility/2006">
-        <mc:Choice xmlns:p14="http://schemas.microsoft.com/office/powerpoint/2010/main" Requires="p14">
+      <mc:AlternateContent xmlns:mc="http://schemas.openxmlformats.org/markup-compatibility/2006" xmlns:p14="http://schemas.microsoft.com/office/powerpoint/2010/main">
+        <mc:Choice Requires="p14">
           <p:contentPart p14:bwMode="auto" r:id="rId39">
             <p14:nvContentPartPr>
               <p14:cNvPr id="36" name="Ink 35">
@@ -13899,7 +15444,7 @@
             </p14:xfrm>
           </p:contentPart>
         </mc:Choice>
-        <mc:Fallback>
+        <mc:Fallback xmlns="">
           <p:pic>
             <p:nvPicPr>
               <p:cNvPr id="36" name="Ink 35">
@@ -13930,8 +15475,8 @@
           </p:pic>
         </mc:Fallback>
       </mc:AlternateContent>
-      <mc:AlternateContent xmlns:mc="http://schemas.openxmlformats.org/markup-compatibility/2006">
-        <mc:Choice xmlns:p14="http://schemas.microsoft.com/office/powerpoint/2010/main" Requires="p14">
+      <mc:AlternateContent xmlns:mc="http://schemas.openxmlformats.org/markup-compatibility/2006" xmlns:p14="http://schemas.microsoft.com/office/powerpoint/2010/main">
+        <mc:Choice Requires="p14">
           <p:contentPart p14:bwMode="auto" r:id="rId41">
             <p14:nvContentPartPr>
               <p14:cNvPr id="37" name="Ink 36">
@@ -13950,7 +15495,7 @@
             </p14:xfrm>
           </p:contentPart>
         </mc:Choice>
-        <mc:Fallback>
+        <mc:Fallback xmlns="">
           <p:pic>
             <p:nvPicPr>
               <p:cNvPr id="37" name="Ink 36">
@@ -13981,8 +15526,8 @@
           </p:pic>
         </mc:Fallback>
       </mc:AlternateContent>
-      <mc:AlternateContent xmlns:mc="http://schemas.openxmlformats.org/markup-compatibility/2006">
-        <mc:Choice xmlns:p14="http://schemas.microsoft.com/office/powerpoint/2010/main" Requires="p14">
+      <mc:AlternateContent xmlns:mc="http://schemas.openxmlformats.org/markup-compatibility/2006" xmlns:p14="http://schemas.microsoft.com/office/powerpoint/2010/main">
+        <mc:Choice Requires="p14">
           <p:contentPart p14:bwMode="auto" r:id="rId42">
             <p14:nvContentPartPr>
               <p14:cNvPr id="38" name="Ink 37">
@@ -14001,7 +15546,7 @@
             </p14:xfrm>
           </p:contentPart>
         </mc:Choice>
-        <mc:Fallback>
+        <mc:Fallback xmlns="">
           <p:pic>
             <p:nvPicPr>
               <p:cNvPr id="38" name="Ink 37">
@@ -14032,8 +15577,8 @@
           </p:pic>
         </mc:Fallback>
       </mc:AlternateContent>
-      <mc:AlternateContent xmlns:mc="http://schemas.openxmlformats.org/markup-compatibility/2006">
-        <mc:Choice xmlns:p14="http://schemas.microsoft.com/office/powerpoint/2010/main" Requires="p14">
+      <mc:AlternateContent xmlns:mc="http://schemas.openxmlformats.org/markup-compatibility/2006" xmlns:p14="http://schemas.microsoft.com/office/powerpoint/2010/main">
+        <mc:Choice Requires="p14">
           <p:contentPart p14:bwMode="auto" r:id="rId43">
             <p14:nvContentPartPr>
               <p14:cNvPr id="39" name="Ink 38">
@@ -14052,7 +15597,7 @@
             </p14:xfrm>
           </p:contentPart>
         </mc:Choice>
-        <mc:Fallback>
+        <mc:Fallback xmlns="">
           <p:pic>
             <p:nvPicPr>
               <p:cNvPr id="39" name="Ink 38">
@@ -14083,8 +15628,8 @@
           </p:pic>
         </mc:Fallback>
       </mc:AlternateContent>
-      <mc:AlternateContent xmlns:mc="http://schemas.openxmlformats.org/markup-compatibility/2006">
-        <mc:Choice xmlns:p14="http://schemas.microsoft.com/office/powerpoint/2010/main" Requires="p14">
+      <mc:AlternateContent xmlns:mc="http://schemas.openxmlformats.org/markup-compatibility/2006" xmlns:p14="http://schemas.microsoft.com/office/powerpoint/2010/main">
+        <mc:Choice Requires="p14">
           <p:contentPart p14:bwMode="auto" r:id="rId45">
             <p14:nvContentPartPr>
               <p14:cNvPr id="40" name="Ink 39">
@@ -14103,7 +15648,7 @@
             </p14:xfrm>
           </p:contentPart>
         </mc:Choice>
-        <mc:Fallback>
+        <mc:Fallback xmlns="">
           <p:pic>
             <p:nvPicPr>
               <p:cNvPr id="40" name="Ink 39">
@@ -14134,8 +15679,8 @@
           </p:pic>
         </mc:Fallback>
       </mc:AlternateContent>
-      <mc:AlternateContent xmlns:mc="http://schemas.openxmlformats.org/markup-compatibility/2006">
-        <mc:Choice xmlns:p14="http://schemas.microsoft.com/office/powerpoint/2010/main" Requires="p14">
+      <mc:AlternateContent xmlns:mc="http://schemas.openxmlformats.org/markup-compatibility/2006" xmlns:p14="http://schemas.microsoft.com/office/powerpoint/2010/main">
+        <mc:Choice Requires="p14">
           <p:contentPart p14:bwMode="auto" r:id="rId46">
             <p14:nvContentPartPr>
               <p14:cNvPr id="41" name="Ink 40">
@@ -14154,7 +15699,7 @@
             </p14:xfrm>
           </p:contentPart>
         </mc:Choice>
-        <mc:Fallback>
+        <mc:Fallback xmlns="">
           <p:pic>
             <p:nvPicPr>
               <p:cNvPr id="41" name="Ink 40">
@@ -14185,8 +15730,8 @@
           </p:pic>
         </mc:Fallback>
       </mc:AlternateContent>
-      <mc:AlternateContent xmlns:mc="http://schemas.openxmlformats.org/markup-compatibility/2006">
-        <mc:Choice xmlns:p14="http://schemas.microsoft.com/office/powerpoint/2010/main" Requires="p14">
+      <mc:AlternateContent xmlns:mc="http://schemas.openxmlformats.org/markup-compatibility/2006" xmlns:p14="http://schemas.microsoft.com/office/powerpoint/2010/main">
+        <mc:Choice Requires="p14">
           <p:contentPart p14:bwMode="auto" r:id="rId48">
             <p14:nvContentPartPr>
               <p14:cNvPr id="43" name="Ink 42">
@@ -14205,7 +15750,7 @@
             </p14:xfrm>
           </p:contentPart>
         </mc:Choice>
-        <mc:Fallback>
+        <mc:Fallback xmlns="">
           <p:pic>
             <p:nvPicPr>
               <p:cNvPr id="43" name="Ink 42">
@@ -14236,8 +15781,8 @@
           </p:pic>
         </mc:Fallback>
       </mc:AlternateContent>
-      <mc:AlternateContent xmlns:mc="http://schemas.openxmlformats.org/markup-compatibility/2006">
-        <mc:Choice xmlns:p14="http://schemas.microsoft.com/office/powerpoint/2010/main" Requires="p14">
+      <mc:AlternateContent xmlns:mc="http://schemas.openxmlformats.org/markup-compatibility/2006" xmlns:p14="http://schemas.microsoft.com/office/powerpoint/2010/main">
+        <mc:Choice Requires="p14">
           <p:contentPart p14:bwMode="auto" r:id="rId49">
             <p14:nvContentPartPr>
               <p14:cNvPr id="44" name="Ink 43">
@@ -14256,7 +15801,7 @@
             </p14:xfrm>
           </p:contentPart>
         </mc:Choice>
-        <mc:Fallback>
+        <mc:Fallback xmlns="">
           <p:pic>
             <p:nvPicPr>
               <p:cNvPr id="44" name="Ink 43">
@@ -14287,8 +15832,8 @@
           </p:pic>
         </mc:Fallback>
       </mc:AlternateContent>
-      <mc:AlternateContent xmlns:mc="http://schemas.openxmlformats.org/markup-compatibility/2006">
-        <mc:Choice xmlns:p14="http://schemas.microsoft.com/office/powerpoint/2010/main" Requires="p14">
+      <mc:AlternateContent xmlns:mc="http://schemas.openxmlformats.org/markup-compatibility/2006" xmlns:p14="http://schemas.microsoft.com/office/powerpoint/2010/main">
+        <mc:Choice Requires="p14">
           <p:contentPart p14:bwMode="auto" r:id="rId51">
             <p14:nvContentPartPr>
               <p14:cNvPr id="45" name="Ink 44">
@@ -14307,7 +15852,7 @@
             </p14:xfrm>
           </p:contentPart>
         </mc:Choice>
-        <mc:Fallback>
+        <mc:Fallback xmlns="">
           <p:pic>
             <p:nvPicPr>
               <p:cNvPr id="45" name="Ink 44">
@@ -14338,8 +15883,8 @@
           </p:pic>
         </mc:Fallback>
       </mc:AlternateContent>
-      <mc:AlternateContent xmlns:mc="http://schemas.openxmlformats.org/markup-compatibility/2006">
-        <mc:Choice xmlns:p14="http://schemas.microsoft.com/office/powerpoint/2010/main" Requires="p14">
+      <mc:AlternateContent xmlns:mc="http://schemas.openxmlformats.org/markup-compatibility/2006" xmlns:p14="http://schemas.microsoft.com/office/powerpoint/2010/main">
+        <mc:Choice Requires="p14">
           <p:contentPart p14:bwMode="auto" r:id="rId53">
             <p14:nvContentPartPr>
               <p14:cNvPr id="46" name="Ink 45">
@@ -14358,7 +15903,7 @@
             </p14:xfrm>
           </p:contentPart>
         </mc:Choice>
-        <mc:Fallback>
+        <mc:Fallback xmlns="">
           <p:pic>
             <p:nvPicPr>
               <p:cNvPr id="46" name="Ink 45">
@@ -14389,8 +15934,8 @@
           </p:pic>
         </mc:Fallback>
       </mc:AlternateContent>
-      <mc:AlternateContent xmlns:mc="http://schemas.openxmlformats.org/markup-compatibility/2006">
-        <mc:Choice xmlns:p14="http://schemas.microsoft.com/office/powerpoint/2010/main" Requires="p14">
+      <mc:AlternateContent xmlns:mc="http://schemas.openxmlformats.org/markup-compatibility/2006" xmlns:p14="http://schemas.microsoft.com/office/powerpoint/2010/main">
+        <mc:Choice Requires="p14">
           <p:contentPart p14:bwMode="auto" r:id="rId55">
             <p14:nvContentPartPr>
               <p14:cNvPr id="47" name="Ink 46">
@@ -14409,7 +15954,7 @@
             </p14:xfrm>
           </p:contentPart>
         </mc:Choice>
-        <mc:Fallback>
+        <mc:Fallback xmlns="">
           <p:pic>
             <p:nvPicPr>
               <p:cNvPr id="47" name="Ink 46">
@@ -14440,8 +15985,8 @@
           </p:pic>
         </mc:Fallback>
       </mc:AlternateContent>
-      <mc:AlternateContent xmlns:mc="http://schemas.openxmlformats.org/markup-compatibility/2006">
-        <mc:Choice xmlns:p14="http://schemas.microsoft.com/office/powerpoint/2010/main" Requires="p14">
+      <mc:AlternateContent xmlns:mc="http://schemas.openxmlformats.org/markup-compatibility/2006" xmlns:p14="http://schemas.microsoft.com/office/powerpoint/2010/main">
+        <mc:Choice Requires="p14">
           <p:contentPart p14:bwMode="auto" r:id="rId57">
             <p14:nvContentPartPr>
               <p14:cNvPr id="48" name="Ink 47">
@@ -14460,7 +16005,7 @@
             </p14:xfrm>
           </p:contentPart>
         </mc:Choice>
-        <mc:Fallback>
+        <mc:Fallback xmlns="">
           <p:pic>
             <p:nvPicPr>
               <p:cNvPr id="48" name="Ink 47">
@@ -14491,8 +16036,8 @@
           </p:pic>
         </mc:Fallback>
       </mc:AlternateContent>
-      <mc:AlternateContent xmlns:mc="http://schemas.openxmlformats.org/markup-compatibility/2006">
-        <mc:Choice xmlns:p14="http://schemas.microsoft.com/office/powerpoint/2010/main" Requires="p14">
+      <mc:AlternateContent xmlns:mc="http://schemas.openxmlformats.org/markup-compatibility/2006" xmlns:p14="http://schemas.microsoft.com/office/powerpoint/2010/main">
+        <mc:Choice Requires="p14">
           <p:contentPart p14:bwMode="auto" r:id="rId59">
             <p14:nvContentPartPr>
               <p14:cNvPr id="49" name="Ink 48">
@@ -14511,7 +16056,7 @@
             </p14:xfrm>
           </p:contentPart>
         </mc:Choice>
-        <mc:Fallback>
+        <mc:Fallback xmlns="">
           <p:pic>
             <p:nvPicPr>
               <p:cNvPr id="49" name="Ink 48">
@@ -14542,8 +16087,8 @@
           </p:pic>
         </mc:Fallback>
       </mc:AlternateContent>
-      <mc:AlternateContent xmlns:mc="http://schemas.openxmlformats.org/markup-compatibility/2006">
-        <mc:Choice xmlns:p14="http://schemas.microsoft.com/office/powerpoint/2010/main" Requires="p14">
+      <mc:AlternateContent xmlns:mc="http://schemas.openxmlformats.org/markup-compatibility/2006" xmlns:p14="http://schemas.microsoft.com/office/powerpoint/2010/main">
+        <mc:Choice Requires="p14">
           <p:contentPart p14:bwMode="auto" r:id="rId61">
             <p14:nvContentPartPr>
               <p14:cNvPr id="50" name="Ink 49">
@@ -14562,7 +16107,7 @@
             </p14:xfrm>
           </p:contentPart>
         </mc:Choice>
-        <mc:Fallback>
+        <mc:Fallback xmlns="">
           <p:pic>
             <p:nvPicPr>
               <p:cNvPr id="50" name="Ink 49">
@@ -14593,8 +16138,8 @@
           </p:pic>
         </mc:Fallback>
       </mc:AlternateContent>
-      <mc:AlternateContent xmlns:mc="http://schemas.openxmlformats.org/markup-compatibility/2006">
-        <mc:Choice xmlns:p14="http://schemas.microsoft.com/office/powerpoint/2010/main" Requires="p14">
+      <mc:AlternateContent xmlns:mc="http://schemas.openxmlformats.org/markup-compatibility/2006" xmlns:p14="http://schemas.microsoft.com/office/powerpoint/2010/main">
+        <mc:Choice Requires="p14">
           <p:contentPart p14:bwMode="auto" r:id="rId63">
             <p14:nvContentPartPr>
               <p14:cNvPr id="51" name="Ink 50">
@@ -14613,7 +16158,7 @@
             </p14:xfrm>
           </p:contentPart>
         </mc:Choice>
-        <mc:Fallback>
+        <mc:Fallback xmlns="">
           <p:pic>
             <p:nvPicPr>
               <p:cNvPr id="51" name="Ink 50">
@@ -14644,8 +16189,8 @@
           </p:pic>
         </mc:Fallback>
       </mc:AlternateContent>
-      <mc:AlternateContent xmlns:mc="http://schemas.openxmlformats.org/markup-compatibility/2006">
-        <mc:Choice xmlns:p14="http://schemas.microsoft.com/office/powerpoint/2010/main" Requires="p14">
+      <mc:AlternateContent xmlns:mc="http://schemas.openxmlformats.org/markup-compatibility/2006" xmlns:p14="http://schemas.microsoft.com/office/powerpoint/2010/main">
+        <mc:Choice Requires="p14">
           <p:contentPart p14:bwMode="auto" r:id="rId65">
             <p14:nvContentPartPr>
               <p14:cNvPr id="52" name="Ink 51">
@@ -14664,7 +16209,7 @@
             </p14:xfrm>
           </p:contentPart>
         </mc:Choice>
-        <mc:Fallback>
+        <mc:Fallback xmlns="">
           <p:pic>
             <p:nvPicPr>
               <p:cNvPr id="52" name="Ink 51">
@@ -14695,8 +16240,8 @@
           </p:pic>
         </mc:Fallback>
       </mc:AlternateContent>
-      <mc:AlternateContent xmlns:mc="http://schemas.openxmlformats.org/markup-compatibility/2006">
-        <mc:Choice xmlns:p14="http://schemas.microsoft.com/office/powerpoint/2010/main" Requires="p14">
+      <mc:AlternateContent xmlns:mc="http://schemas.openxmlformats.org/markup-compatibility/2006" xmlns:p14="http://schemas.microsoft.com/office/powerpoint/2010/main">
+        <mc:Choice Requires="p14">
           <p:contentPart p14:bwMode="auto" r:id="rId67">
             <p14:nvContentPartPr>
               <p14:cNvPr id="53" name="Ink 52">
@@ -14715,7 +16260,7 @@
             </p14:xfrm>
           </p:contentPart>
         </mc:Choice>
-        <mc:Fallback>
+        <mc:Fallback xmlns="">
           <p:pic>
             <p:nvPicPr>
               <p:cNvPr id="53" name="Ink 52">
@@ -14746,8 +16291,8 @@
           </p:pic>
         </mc:Fallback>
       </mc:AlternateContent>
-      <mc:AlternateContent xmlns:mc="http://schemas.openxmlformats.org/markup-compatibility/2006">
-        <mc:Choice xmlns:p14="http://schemas.microsoft.com/office/powerpoint/2010/main" Requires="p14">
+      <mc:AlternateContent xmlns:mc="http://schemas.openxmlformats.org/markup-compatibility/2006" xmlns:p14="http://schemas.microsoft.com/office/powerpoint/2010/main">
+        <mc:Choice Requires="p14">
           <p:contentPart p14:bwMode="auto" r:id="rId69">
             <p14:nvContentPartPr>
               <p14:cNvPr id="54" name="Ink 53">
@@ -14766,7 +16311,7 @@
             </p14:xfrm>
           </p:contentPart>
         </mc:Choice>
-        <mc:Fallback>
+        <mc:Fallback xmlns="">
           <p:pic>
             <p:nvPicPr>
               <p:cNvPr id="54" name="Ink 53">
@@ -14797,8 +16342,8 @@
           </p:pic>
         </mc:Fallback>
       </mc:AlternateContent>
-      <mc:AlternateContent xmlns:mc="http://schemas.openxmlformats.org/markup-compatibility/2006">
-        <mc:Choice xmlns:p14="http://schemas.microsoft.com/office/powerpoint/2010/main" Requires="p14">
+      <mc:AlternateContent xmlns:mc="http://schemas.openxmlformats.org/markup-compatibility/2006" xmlns:p14="http://schemas.microsoft.com/office/powerpoint/2010/main">
+        <mc:Choice Requires="p14">
           <p:contentPart p14:bwMode="auto" r:id="rId71">
             <p14:nvContentPartPr>
               <p14:cNvPr id="55" name="Ink 54">
@@ -14817,7 +16362,7 @@
             </p14:xfrm>
           </p:contentPart>
         </mc:Choice>
-        <mc:Fallback>
+        <mc:Fallback xmlns="">
           <p:pic>
             <p:nvPicPr>
               <p:cNvPr id="55" name="Ink 54">
@@ -14848,8 +16393,8 @@
           </p:pic>
         </mc:Fallback>
       </mc:AlternateContent>
-      <mc:AlternateContent xmlns:mc="http://schemas.openxmlformats.org/markup-compatibility/2006">
-        <mc:Choice xmlns:p14="http://schemas.microsoft.com/office/powerpoint/2010/main" Requires="p14">
+      <mc:AlternateContent xmlns:mc="http://schemas.openxmlformats.org/markup-compatibility/2006" xmlns:p14="http://schemas.microsoft.com/office/powerpoint/2010/main">
+        <mc:Choice Requires="p14">
           <p:contentPart p14:bwMode="auto" r:id="rId73">
             <p14:nvContentPartPr>
               <p14:cNvPr id="56" name="Ink 55">
@@ -14868,7 +16413,7 @@
             </p14:xfrm>
           </p:contentPart>
         </mc:Choice>
-        <mc:Fallback>
+        <mc:Fallback xmlns="">
           <p:pic>
             <p:nvPicPr>
               <p:cNvPr id="56" name="Ink 55">
@@ -14899,8 +16444,8 @@
           </p:pic>
         </mc:Fallback>
       </mc:AlternateContent>
-      <mc:AlternateContent xmlns:mc="http://schemas.openxmlformats.org/markup-compatibility/2006">
-        <mc:Choice xmlns:p14="http://schemas.microsoft.com/office/powerpoint/2010/main" Requires="p14">
+      <mc:AlternateContent xmlns:mc="http://schemas.openxmlformats.org/markup-compatibility/2006" xmlns:p14="http://schemas.microsoft.com/office/powerpoint/2010/main">
+        <mc:Choice Requires="p14">
           <p:contentPart p14:bwMode="auto" r:id="rId75">
             <p14:nvContentPartPr>
               <p14:cNvPr id="57" name="Ink 56">
@@ -14919,7 +16464,7 @@
             </p14:xfrm>
           </p:contentPart>
         </mc:Choice>
-        <mc:Fallback>
+        <mc:Fallback xmlns="">
           <p:pic>
             <p:nvPicPr>
               <p:cNvPr id="57" name="Ink 56">
@@ -14950,8 +16495,8 @@
           </p:pic>
         </mc:Fallback>
       </mc:AlternateContent>
-      <mc:AlternateContent xmlns:mc="http://schemas.openxmlformats.org/markup-compatibility/2006">
-        <mc:Choice xmlns:p14="http://schemas.microsoft.com/office/powerpoint/2010/main" Requires="p14">
+      <mc:AlternateContent xmlns:mc="http://schemas.openxmlformats.org/markup-compatibility/2006" xmlns:p14="http://schemas.microsoft.com/office/powerpoint/2010/main">
+        <mc:Choice Requires="p14">
           <p:contentPart p14:bwMode="auto" r:id="rId77">
             <p14:nvContentPartPr>
               <p14:cNvPr id="58" name="Ink 57">
@@ -14970,7 +16515,7 @@
             </p14:xfrm>
           </p:contentPart>
         </mc:Choice>
-        <mc:Fallback>
+        <mc:Fallback xmlns="">
           <p:pic>
             <p:nvPicPr>
               <p:cNvPr id="58" name="Ink 57">
@@ -15001,8 +16546,8 @@
           </p:pic>
         </mc:Fallback>
       </mc:AlternateContent>
-      <mc:AlternateContent xmlns:mc="http://schemas.openxmlformats.org/markup-compatibility/2006">
-        <mc:Choice xmlns:p14="http://schemas.microsoft.com/office/powerpoint/2010/main" Requires="p14">
+      <mc:AlternateContent xmlns:mc="http://schemas.openxmlformats.org/markup-compatibility/2006" xmlns:p14="http://schemas.microsoft.com/office/powerpoint/2010/main">
+        <mc:Choice Requires="p14">
           <p:contentPart p14:bwMode="auto" r:id="rId79">
             <p14:nvContentPartPr>
               <p14:cNvPr id="59" name="Ink 58">
@@ -15021,7 +16566,7 @@
             </p14:xfrm>
           </p:contentPart>
         </mc:Choice>
-        <mc:Fallback>
+        <mc:Fallback xmlns="">
           <p:pic>
             <p:nvPicPr>
               <p:cNvPr id="59" name="Ink 58">
@@ -15052,8 +16597,8 @@
           </p:pic>
         </mc:Fallback>
       </mc:AlternateContent>
-      <mc:AlternateContent xmlns:mc="http://schemas.openxmlformats.org/markup-compatibility/2006">
-        <mc:Choice xmlns:p14="http://schemas.microsoft.com/office/powerpoint/2010/main" Requires="p14">
+      <mc:AlternateContent xmlns:mc="http://schemas.openxmlformats.org/markup-compatibility/2006" xmlns:p14="http://schemas.microsoft.com/office/powerpoint/2010/main">
+        <mc:Choice Requires="p14">
           <p:contentPart p14:bwMode="auto" r:id="rId81">
             <p14:nvContentPartPr>
               <p14:cNvPr id="60" name="Ink 59">
@@ -15072,7 +16617,7 @@
             </p14:xfrm>
           </p:contentPart>
         </mc:Choice>
-        <mc:Fallback>
+        <mc:Fallback xmlns="">
           <p:pic>
             <p:nvPicPr>
               <p:cNvPr id="60" name="Ink 59">
@@ -15103,8 +16648,8 @@
           </p:pic>
         </mc:Fallback>
       </mc:AlternateContent>
-      <mc:AlternateContent xmlns:mc="http://schemas.openxmlformats.org/markup-compatibility/2006">
-        <mc:Choice xmlns:p14="http://schemas.microsoft.com/office/powerpoint/2010/main" Requires="p14">
+      <mc:AlternateContent xmlns:mc="http://schemas.openxmlformats.org/markup-compatibility/2006" xmlns:p14="http://schemas.microsoft.com/office/powerpoint/2010/main">
+        <mc:Choice Requires="p14">
           <p:contentPart p14:bwMode="auto" r:id="rId82">
             <p14:nvContentPartPr>
               <p14:cNvPr id="61" name="Ink 60">
@@ -15123,7 +16668,7 @@
             </p14:xfrm>
           </p:contentPart>
         </mc:Choice>
-        <mc:Fallback>
+        <mc:Fallback xmlns="">
           <p:pic>
             <p:nvPicPr>
               <p:cNvPr id="61" name="Ink 60">
@@ -15154,8 +16699,8 @@
           </p:pic>
         </mc:Fallback>
       </mc:AlternateContent>
-      <mc:AlternateContent xmlns:mc="http://schemas.openxmlformats.org/markup-compatibility/2006">
-        <mc:Choice xmlns:p14="http://schemas.microsoft.com/office/powerpoint/2010/main" Requires="p14">
+      <mc:AlternateContent xmlns:mc="http://schemas.openxmlformats.org/markup-compatibility/2006" xmlns:p14="http://schemas.microsoft.com/office/powerpoint/2010/main">
+        <mc:Choice Requires="p14">
           <p:contentPart p14:bwMode="auto" r:id="rId84">
             <p14:nvContentPartPr>
               <p14:cNvPr id="62" name="Ink 61">
@@ -15174,7 +16719,7 @@
             </p14:xfrm>
           </p:contentPart>
         </mc:Choice>
-        <mc:Fallback>
+        <mc:Fallback xmlns="">
           <p:pic>
             <p:nvPicPr>
               <p:cNvPr id="62" name="Ink 61">
@@ -15205,8 +16750,8 @@
           </p:pic>
         </mc:Fallback>
       </mc:AlternateContent>
-      <mc:AlternateContent xmlns:mc="http://schemas.openxmlformats.org/markup-compatibility/2006">
-        <mc:Choice xmlns:p14="http://schemas.microsoft.com/office/powerpoint/2010/main" Requires="p14">
+      <mc:AlternateContent xmlns:mc="http://schemas.openxmlformats.org/markup-compatibility/2006" xmlns:p14="http://schemas.microsoft.com/office/powerpoint/2010/main">
+        <mc:Choice Requires="p14">
           <p:contentPart p14:bwMode="auto" r:id="rId86">
             <p14:nvContentPartPr>
               <p14:cNvPr id="63" name="Ink 62">
@@ -15225,7 +16770,7 @@
             </p14:xfrm>
           </p:contentPart>
         </mc:Choice>
-        <mc:Fallback>
+        <mc:Fallback xmlns="">
           <p:pic>
             <p:nvPicPr>
               <p:cNvPr id="63" name="Ink 62">
@@ -15256,8 +16801,8 @@
           </p:pic>
         </mc:Fallback>
       </mc:AlternateContent>
-      <mc:AlternateContent xmlns:mc="http://schemas.openxmlformats.org/markup-compatibility/2006">
-        <mc:Choice xmlns:p14="http://schemas.microsoft.com/office/powerpoint/2010/main" Requires="p14">
+      <mc:AlternateContent xmlns:mc="http://schemas.openxmlformats.org/markup-compatibility/2006" xmlns:p14="http://schemas.microsoft.com/office/powerpoint/2010/main">
+        <mc:Choice Requires="p14">
           <p:contentPart p14:bwMode="auto" r:id="rId88">
             <p14:nvContentPartPr>
               <p14:cNvPr id="65" name="Ink 64">
@@ -15276,7 +16821,7 @@
             </p14:xfrm>
           </p:contentPart>
         </mc:Choice>
-        <mc:Fallback>
+        <mc:Fallback xmlns="">
           <p:pic>
             <p:nvPicPr>
               <p:cNvPr id="65" name="Ink 64">
@@ -15327,8 +16872,8 @@
             <a:chExt cx="1524240" cy="231480"/>
           </a:xfrm>
         </p:grpSpPr>
-        <mc:AlternateContent xmlns:mc="http://schemas.openxmlformats.org/markup-compatibility/2006">
-          <mc:Choice xmlns:p14="http://schemas.microsoft.com/office/powerpoint/2010/main" Requires="p14">
+        <mc:AlternateContent xmlns:mc="http://schemas.openxmlformats.org/markup-compatibility/2006" xmlns:p14="http://schemas.microsoft.com/office/powerpoint/2010/main">
+          <mc:Choice Requires="p14">
             <p:contentPart p14:bwMode="auto" r:id="rId90">
               <p14:nvContentPartPr>
                 <p14:cNvPr id="34" name="Ink 33">
@@ -15347,7 +16892,7 @@
               </p14:xfrm>
             </p:contentPart>
           </mc:Choice>
-          <mc:Fallback>
+          <mc:Fallback xmlns="">
             <p:pic>
               <p:nvPicPr>
                 <p:cNvPr id="34" name="Ink 33">
@@ -15378,8 +16923,8 @@
             </p:pic>
           </mc:Fallback>
         </mc:AlternateContent>
-        <mc:AlternateContent xmlns:mc="http://schemas.openxmlformats.org/markup-compatibility/2006">
-          <mc:Choice xmlns:p14="http://schemas.microsoft.com/office/powerpoint/2010/main" Requires="p14">
+        <mc:AlternateContent xmlns:mc="http://schemas.openxmlformats.org/markup-compatibility/2006" xmlns:p14="http://schemas.microsoft.com/office/powerpoint/2010/main">
+          <mc:Choice Requires="p14">
             <p:contentPart p14:bwMode="auto" r:id="rId92">
               <p14:nvContentPartPr>
                 <p14:cNvPr id="35" name="Ink 34">
@@ -15398,7 +16943,7 @@
               </p14:xfrm>
             </p:contentPart>
           </mc:Choice>
-          <mc:Fallback>
+          <mc:Fallback xmlns="">
             <p:pic>
               <p:nvPicPr>
                 <p:cNvPr id="35" name="Ink 34">
@@ -15429,8 +16974,8 @@
             </p:pic>
           </mc:Fallback>
         </mc:AlternateContent>
-        <mc:AlternateContent xmlns:mc="http://schemas.openxmlformats.org/markup-compatibility/2006">
-          <mc:Choice xmlns:p14="http://schemas.microsoft.com/office/powerpoint/2010/main" Requires="p14">
+        <mc:AlternateContent xmlns:mc="http://schemas.openxmlformats.org/markup-compatibility/2006" xmlns:p14="http://schemas.microsoft.com/office/powerpoint/2010/main">
+          <mc:Choice Requires="p14">
             <p:contentPart p14:bwMode="auto" r:id="rId94">
               <p14:nvContentPartPr>
                 <p14:cNvPr id="66" name="Ink 65">
@@ -15449,7 +16994,7 @@
               </p14:xfrm>
             </p:contentPart>
           </mc:Choice>
-          <mc:Fallback>
+          <mc:Fallback xmlns="">
             <p:pic>
               <p:nvPicPr>
                 <p:cNvPr id="66" name="Ink 65">
@@ -15481,8 +17026,8 @@
           </mc:Fallback>
         </mc:AlternateContent>
       </p:grpSp>
-      <mc:AlternateContent xmlns:mc="http://schemas.openxmlformats.org/markup-compatibility/2006">
-        <mc:Choice xmlns:p14="http://schemas.microsoft.com/office/powerpoint/2010/main" Requires="p14">
+      <mc:AlternateContent xmlns:mc="http://schemas.openxmlformats.org/markup-compatibility/2006" xmlns:p14="http://schemas.microsoft.com/office/powerpoint/2010/main">
+        <mc:Choice Requires="p14">
           <p:contentPart p14:bwMode="auto" r:id="rId96">
             <p14:nvContentPartPr>
               <p14:cNvPr id="68" name="Ink 67">
@@ -15501,7 +17046,7 @@
             </p14:xfrm>
           </p:contentPart>
         </mc:Choice>
-        <mc:Fallback>
+        <mc:Fallback xmlns="">
           <p:pic>
             <p:nvPicPr>
               <p:cNvPr id="68" name="Ink 67">
@@ -15532,8 +17077,8 @@
           </p:pic>
         </mc:Fallback>
       </mc:AlternateContent>
-      <mc:AlternateContent xmlns:mc="http://schemas.openxmlformats.org/markup-compatibility/2006">
-        <mc:Choice xmlns:p14="http://schemas.microsoft.com/office/powerpoint/2010/main" Requires="p14">
+      <mc:AlternateContent xmlns:mc="http://schemas.openxmlformats.org/markup-compatibility/2006" xmlns:p14="http://schemas.microsoft.com/office/powerpoint/2010/main">
+        <mc:Choice Requires="p14">
           <p:contentPart p14:bwMode="auto" r:id="rId98">
             <p14:nvContentPartPr>
               <p14:cNvPr id="69" name="Ink 68">
@@ -15552,7 +17097,7 @@
             </p14:xfrm>
           </p:contentPart>
         </mc:Choice>
-        <mc:Fallback>
+        <mc:Fallback xmlns="">
           <p:pic>
             <p:nvPicPr>
               <p:cNvPr id="69" name="Ink 68">
@@ -15583,8 +17128,8 @@
           </p:pic>
         </mc:Fallback>
       </mc:AlternateContent>
-      <mc:AlternateContent xmlns:mc="http://schemas.openxmlformats.org/markup-compatibility/2006">
-        <mc:Choice xmlns:p14="http://schemas.microsoft.com/office/powerpoint/2010/main" Requires="p14">
+      <mc:AlternateContent xmlns:mc="http://schemas.openxmlformats.org/markup-compatibility/2006" xmlns:p14="http://schemas.microsoft.com/office/powerpoint/2010/main">
+        <mc:Choice Requires="p14">
           <p:contentPart p14:bwMode="auto" r:id="rId100">
             <p14:nvContentPartPr>
               <p14:cNvPr id="70" name="Ink 69">
@@ -15603,7 +17148,7 @@
             </p14:xfrm>
           </p:contentPart>
         </mc:Choice>
-        <mc:Fallback>
+        <mc:Fallback xmlns="">
           <p:pic>
             <p:nvPicPr>
               <p:cNvPr id="70" name="Ink 69">
@@ -15634,8 +17179,8 @@
           </p:pic>
         </mc:Fallback>
       </mc:AlternateContent>
-      <mc:AlternateContent xmlns:mc="http://schemas.openxmlformats.org/markup-compatibility/2006">
-        <mc:Choice xmlns:p14="http://schemas.microsoft.com/office/powerpoint/2010/main" Requires="p14">
+      <mc:AlternateContent xmlns:mc="http://schemas.openxmlformats.org/markup-compatibility/2006" xmlns:p14="http://schemas.microsoft.com/office/powerpoint/2010/main">
+        <mc:Choice Requires="p14">
           <p:contentPart p14:bwMode="auto" r:id="rId102">
             <p14:nvContentPartPr>
               <p14:cNvPr id="71" name="Ink 70">
@@ -15654,7 +17199,7 @@
             </p14:xfrm>
           </p:contentPart>
         </mc:Choice>
-        <mc:Fallback>
+        <mc:Fallback xmlns="">
           <p:pic>
             <p:nvPicPr>
               <p:cNvPr id="71" name="Ink 70">
@@ -15689,6 +17234,350 @@
     <p:extLst>
       <p:ext uri="{BB962C8B-B14F-4D97-AF65-F5344CB8AC3E}">
         <p14:creationId xmlns:p14="http://schemas.microsoft.com/office/powerpoint/2010/main" val="159453500"/>
+      </p:ext>
+    </p:extLst>
+  </p:cSld>
+  <p:clrMapOvr>
+    <a:masterClrMapping/>
+  </p:clrMapOvr>
+</p:sld>
+</file>
+
+<file path=ppt/slides/slide8.xml><?xml version="1.0" encoding="utf-8"?>
+<p:sld xmlns:a="http://schemas.openxmlformats.org/drawingml/2006/main" xmlns:r="http://schemas.openxmlformats.org/officeDocument/2006/relationships" xmlns:p="http://schemas.openxmlformats.org/presentationml/2006/main">
+  <p:cSld>
+    <p:spTree>
+      <p:nvGrpSpPr>
+        <p:cNvPr id="1" name=""/>
+        <p:cNvGrpSpPr/>
+        <p:nvPr/>
+      </p:nvGrpSpPr>
+      <p:grpSpPr>
+        <a:xfrm>
+          <a:off x="0" y="0"/>
+          <a:ext cx="0" cy="0"/>
+          <a:chOff x="0" y="0"/>
+          <a:chExt cx="0" cy="0"/>
+        </a:xfrm>
+      </p:grpSpPr>
+      <p:sp>
+        <p:nvSpPr>
+          <p:cNvPr id="2" name="Title 1">
+            <a:extLst>
+              <a:ext uri="{FF2B5EF4-FFF2-40B4-BE49-F238E27FC236}">
+                <a16:creationId xmlns:a16="http://schemas.microsoft.com/office/drawing/2014/main" id="{79CA74F4-23A2-0E1F-FFC9-0011C81E3BB6}"/>
+              </a:ext>
+            </a:extLst>
+          </p:cNvPr>
+          <p:cNvSpPr>
+            <a:spLocks noGrp="1"/>
+          </p:cNvSpPr>
+          <p:nvPr>
+            <p:ph type="title"/>
+          </p:nvPr>
+        </p:nvSpPr>
+        <p:spPr/>
+        <p:txBody>
+          <a:bodyPr/>
+          <a:lstStyle/>
+          <a:p>
+            <a:r>
+              <a:rPr lang="en-US" dirty="0"/>
+              <a:t>Lvl1-naïve 7d hold if 10dpospredany</a:t>
+            </a:r>
+          </a:p>
+        </p:txBody>
+      </p:sp>
+      <p:sp>
+        <p:nvSpPr>
+          <p:cNvPr id="3" name="Content Placeholder 2">
+            <a:extLst>
+              <a:ext uri="{FF2B5EF4-FFF2-40B4-BE49-F238E27FC236}">
+                <a16:creationId xmlns:a16="http://schemas.microsoft.com/office/drawing/2014/main" id="{C7D2C066-94E0-516E-5198-4F5BBDF94B6C}"/>
+              </a:ext>
+            </a:extLst>
+          </p:cNvPr>
+          <p:cNvSpPr>
+            <a:spLocks noGrp="1"/>
+          </p:cNvSpPr>
+          <p:nvPr>
+            <p:ph idx="1"/>
+          </p:nvPr>
+        </p:nvSpPr>
+        <p:spPr/>
+        <p:txBody>
+          <a:bodyPr/>
+          <a:lstStyle/>
+          <a:p>
+            <a:r>
+              <a:rPr lang="en-US" dirty="0"/>
+              <a:t>Tested on 1000 most recent pred+ non-nan trades w </a:t>
+            </a:r>
+            <a:r>
+              <a:rPr lang="en-US" dirty="0" err="1"/>
+              <a:t>filing_date</a:t>
+            </a:r>
+            <a:r>
+              <a:rPr lang="en-US" dirty="0"/>
+              <a:t> 5/29/2025-7/22/2025. $1 inv </a:t>
+            </a:r>
+            <a:r>
+              <a:rPr lang="en-US" dirty="0" err="1"/>
+              <a:t>ea</a:t>
+            </a:r>
+            <a:endParaRPr lang="en-US" dirty="0"/>
+          </a:p>
+          <a:p>
+            <a:r>
+              <a:rPr lang="en-US" dirty="0"/>
+              <a:t>Total </a:t>
+            </a:r>
+            <a:r>
+              <a:rPr lang="en-US" dirty="0" err="1"/>
+              <a:t>PnL</a:t>
+            </a:r>
+            <a:r>
+              <a:rPr lang="en-US" dirty="0"/>
+              <a:t>: $45.62 Winning trades: 573/1000 → Win %: 57.30%</a:t>
+            </a:r>
+          </a:p>
+        </p:txBody>
+      </p:sp>
+      <p:pic>
+        <p:nvPicPr>
+          <p:cNvPr id="5" name="Picture 4">
+            <a:extLst>
+              <a:ext uri="{FF2B5EF4-FFF2-40B4-BE49-F238E27FC236}">
+                <a16:creationId xmlns:a16="http://schemas.microsoft.com/office/drawing/2014/main" id="{BDE29845-E752-1F56-0AE3-E96F196420F0}"/>
+              </a:ext>
+            </a:extLst>
+          </p:cNvPr>
+          <p:cNvPicPr>
+            <a:picLocks noChangeAspect="1"/>
+          </p:cNvPicPr>
+          <p:nvPr/>
+        </p:nvPicPr>
+        <p:blipFill>
+          <a:blip r:embed="rId2"/>
+          <a:stretch>
+            <a:fillRect/>
+          </a:stretch>
+        </p:blipFill>
+        <p:spPr>
+          <a:xfrm>
+            <a:off x="1005175" y="3488046"/>
+            <a:ext cx="3556194" cy="2823854"/>
+          </a:xfrm>
+          <a:prstGeom prst="rect">
+            <a:avLst/>
+          </a:prstGeom>
+        </p:spPr>
+      </p:pic>
+      <p:pic>
+        <p:nvPicPr>
+          <p:cNvPr id="7" name="Picture 6">
+            <a:extLst>
+              <a:ext uri="{FF2B5EF4-FFF2-40B4-BE49-F238E27FC236}">
+                <a16:creationId xmlns:a16="http://schemas.microsoft.com/office/drawing/2014/main" id="{E2F3E3B0-53ED-BA67-2864-2A5C875C18E5}"/>
+              </a:ext>
+            </a:extLst>
+          </p:cNvPr>
+          <p:cNvPicPr>
+            <a:picLocks noChangeAspect="1"/>
+          </p:cNvPicPr>
+          <p:nvPr/>
+        </p:nvPicPr>
+        <p:blipFill>
+          <a:blip r:embed="rId3"/>
+          <a:stretch>
+            <a:fillRect/>
+          </a:stretch>
+        </p:blipFill>
+        <p:spPr>
+          <a:xfrm>
+            <a:off x="6709771" y="4001294"/>
+            <a:ext cx="3939881" cy="2606266"/>
+          </a:xfrm>
+          <a:prstGeom prst="rect">
+            <a:avLst/>
+          </a:prstGeom>
+        </p:spPr>
+      </p:pic>
+    </p:spTree>
+    <p:extLst>
+      <p:ext uri="{BB962C8B-B14F-4D97-AF65-F5344CB8AC3E}">
+        <p14:creationId xmlns:p14="http://schemas.microsoft.com/office/powerpoint/2010/main" val="3766865094"/>
+      </p:ext>
+    </p:extLst>
+  </p:cSld>
+  <p:clrMapOvr>
+    <a:masterClrMapping/>
+  </p:clrMapOvr>
+</p:sld>
+</file>
+
+<file path=ppt/slides/slide9.xml><?xml version="1.0" encoding="utf-8"?>
+<p:sld xmlns:a="http://schemas.openxmlformats.org/drawingml/2006/main" xmlns:r="http://schemas.openxmlformats.org/officeDocument/2006/relationships" xmlns:p="http://schemas.openxmlformats.org/presentationml/2006/main">
+  <p:cSld>
+    <p:spTree>
+      <p:nvGrpSpPr>
+        <p:cNvPr id="1" name="">
+          <a:extLst>
+            <a:ext uri="{FF2B5EF4-FFF2-40B4-BE49-F238E27FC236}">
+              <a16:creationId xmlns:a16="http://schemas.microsoft.com/office/drawing/2014/main" id="{E6726E41-B57F-4548-2D9A-D4046202D7D4}"/>
+            </a:ext>
+          </a:extLst>
+        </p:cNvPr>
+        <p:cNvGrpSpPr/>
+        <p:nvPr/>
+      </p:nvGrpSpPr>
+      <p:grpSpPr>
+        <a:xfrm>
+          <a:off x="0" y="0"/>
+          <a:ext cx="0" cy="0"/>
+          <a:chOff x="0" y="0"/>
+          <a:chExt cx="0" cy="0"/>
+        </a:xfrm>
+      </p:grpSpPr>
+      <p:sp>
+        <p:nvSpPr>
+          <p:cNvPr id="2" name="Title 1">
+            <a:extLst>
+              <a:ext uri="{FF2B5EF4-FFF2-40B4-BE49-F238E27FC236}">
+                <a16:creationId xmlns:a16="http://schemas.microsoft.com/office/drawing/2014/main" id="{B6DA9125-0134-99B1-E0DF-A8420C71306D}"/>
+              </a:ext>
+            </a:extLst>
+          </p:cNvPr>
+          <p:cNvSpPr>
+            <a:spLocks noGrp="1"/>
+          </p:cNvSpPr>
+          <p:nvPr>
+            <p:ph type="title"/>
+          </p:nvPr>
+        </p:nvSpPr>
+        <p:spPr/>
+        <p:txBody>
+          <a:bodyPr/>
+          <a:lstStyle/>
+          <a:p>
+            <a:r>
+              <a:rPr lang="en-US" dirty="0"/>
+              <a:t>Lvl2 – predpos10d, naive </a:t>
+            </a:r>
+            <a:r>
+              <a:rPr lang="en-US" dirty="0" err="1"/>
+              <a:t>freq</a:t>
+            </a:r>
+            <a:r>
+              <a:rPr lang="en-US" dirty="0"/>
+              <a:t>-based</a:t>
+            </a:r>
+          </a:p>
+        </p:txBody>
+      </p:sp>
+      <p:sp>
+        <p:nvSpPr>
+          <p:cNvPr id="3" name="Content Placeholder 2">
+            <a:extLst>
+              <a:ext uri="{FF2B5EF4-FFF2-40B4-BE49-F238E27FC236}">
+                <a16:creationId xmlns:a16="http://schemas.microsoft.com/office/drawing/2014/main" id="{71820B07-BD5C-F322-78BE-4B961BB09777}"/>
+              </a:ext>
+            </a:extLst>
+          </p:cNvPr>
+          <p:cNvSpPr>
+            <a:spLocks noGrp="1"/>
+          </p:cNvSpPr>
+          <p:nvPr>
+            <p:ph idx="1"/>
+          </p:nvPr>
+        </p:nvSpPr>
+        <p:spPr/>
+        <p:txBody>
+          <a:bodyPr/>
+          <a:lstStyle/>
+          <a:p>
+            <a:r>
+              <a:rPr lang="en-US" dirty="0"/>
+              <a:t>GPT hard carry. Going to redo manually </a:t>
+            </a:r>
+            <a:r>
+              <a:rPr lang="en-US" dirty="0" err="1"/>
+              <a:t>cuz</a:t>
+            </a:r>
+            <a:r>
+              <a:rPr lang="en-US" dirty="0"/>
+              <a:t> it doesn’t work and it can’t be visualized or checked…</a:t>
+            </a:r>
+          </a:p>
+          <a:p>
+            <a:endParaRPr lang="en-US" dirty="0"/>
+          </a:p>
+        </p:txBody>
+      </p:sp>
+      <p:pic>
+        <p:nvPicPr>
+          <p:cNvPr id="5" name="Picture 4">
+            <a:extLst>
+              <a:ext uri="{FF2B5EF4-FFF2-40B4-BE49-F238E27FC236}">
+                <a16:creationId xmlns:a16="http://schemas.microsoft.com/office/drawing/2014/main" id="{4546F518-56DA-508E-AB9D-478823560385}"/>
+              </a:ext>
+            </a:extLst>
+          </p:cNvPr>
+          <p:cNvPicPr>
+            <a:picLocks noChangeAspect="1"/>
+          </p:cNvPicPr>
+          <p:nvPr/>
+        </p:nvPicPr>
+        <p:blipFill>
+          <a:blip r:embed="rId2"/>
+          <a:stretch>
+            <a:fillRect/>
+          </a:stretch>
+        </p:blipFill>
+        <p:spPr>
+          <a:xfrm>
+            <a:off x="4507092" y="2769813"/>
+            <a:ext cx="3177815" cy="1318374"/>
+          </a:xfrm>
+          <a:prstGeom prst="rect">
+            <a:avLst/>
+          </a:prstGeom>
+        </p:spPr>
+      </p:pic>
+      <p:pic>
+        <p:nvPicPr>
+          <p:cNvPr id="7" name="Picture 6">
+            <a:extLst>
+              <a:ext uri="{FF2B5EF4-FFF2-40B4-BE49-F238E27FC236}">
+                <a16:creationId xmlns:a16="http://schemas.microsoft.com/office/drawing/2014/main" id="{11E1F3BF-CBD1-2FC6-49D8-ECCF330B3C00}"/>
+              </a:ext>
+            </a:extLst>
+          </p:cNvPr>
+          <p:cNvPicPr>
+            <a:picLocks noChangeAspect="1"/>
+          </p:cNvPicPr>
+          <p:nvPr/>
+        </p:nvPicPr>
+        <p:blipFill>
+          <a:blip r:embed="rId3"/>
+          <a:stretch>
+            <a:fillRect/>
+          </a:stretch>
+        </p:blipFill>
+        <p:spPr>
+          <a:xfrm>
+            <a:off x="2635465" y="4497572"/>
+            <a:ext cx="3743254" cy="2089629"/>
+          </a:xfrm>
+          <a:prstGeom prst="rect">
+            <a:avLst/>
+          </a:prstGeom>
+        </p:spPr>
+      </p:pic>
+    </p:spTree>
+    <p:extLst>
+      <p:ext uri="{BB962C8B-B14F-4D97-AF65-F5344CB8AC3E}">
+        <p14:creationId xmlns:p14="http://schemas.microsoft.com/office/powerpoint/2010/main" val="2338821943"/>
       </p:ext>
     </p:extLst>
   </p:cSld>

--- a/stonx modelflow.pptx
+++ b/stonx modelflow.pptx
@@ -2,7 +2,7 @@
 <file path=ppt/presentation.xml><?xml version="1.0" encoding="utf-8"?>
 <p:presentation xmlns:a="http://schemas.openxmlformats.org/drawingml/2006/main" xmlns:r="http://schemas.openxmlformats.org/officeDocument/2006/relationships" xmlns:p="http://schemas.openxmlformats.org/presentationml/2006/main" saveSubsetFonts="1">
   <p:sldMasterIdLst>
-    <p:sldMasterId id="2147483648" r:id="rId1"/>
+    <p:sldMasterId id="2147483672" r:id="rId1"/>
   </p:sldMasterIdLst>
   <p:notesMasterIdLst>
     <p:notesMasterId r:id="rId11"/>
@@ -18,13 +18,13 @@
     <p:sldId id="263" r:id="rId9"/>
     <p:sldId id="264" r:id="rId10"/>
   </p:sldIdLst>
-  <p:sldSz cx="12192000" cy="6858000"/>
+  <p:sldSz cx="27432000" cy="18288000"/>
   <p:notesSz cx="6858000" cy="9144000"/>
   <p:defaultTextStyle>
     <a:defPPr>
       <a:defRPr lang="en-US"/>
     </a:defPPr>
-    <a:lvl1pPr marL="0" algn="l" defTabSz="914400" rtl="0" eaLnBrk="1" latinLnBrk="0" hangingPunct="1">
+    <a:lvl1pPr marL="0" algn="l" defTabSz="457200" rtl="0" eaLnBrk="1" latinLnBrk="0" hangingPunct="1">
       <a:defRPr sz="1800" kern="1200">
         <a:solidFill>
           <a:schemeClr val="tx1"/>
@@ -34,7 +34,7 @@
         <a:cs typeface="+mn-cs"/>
       </a:defRPr>
     </a:lvl1pPr>
-    <a:lvl2pPr marL="457200" algn="l" defTabSz="914400" rtl="0" eaLnBrk="1" latinLnBrk="0" hangingPunct="1">
+    <a:lvl2pPr marL="457200" algn="l" defTabSz="457200" rtl="0" eaLnBrk="1" latinLnBrk="0" hangingPunct="1">
       <a:defRPr sz="1800" kern="1200">
         <a:solidFill>
           <a:schemeClr val="tx1"/>
@@ -44,7 +44,7 @@
         <a:cs typeface="+mn-cs"/>
       </a:defRPr>
     </a:lvl2pPr>
-    <a:lvl3pPr marL="914400" algn="l" defTabSz="914400" rtl="0" eaLnBrk="1" latinLnBrk="0" hangingPunct="1">
+    <a:lvl3pPr marL="914400" algn="l" defTabSz="457200" rtl="0" eaLnBrk="1" latinLnBrk="0" hangingPunct="1">
       <a:defRPr sz="1800" kern="1200">
         <a:solidFill>
           <a:schemeClr val="tx1"/>
@@ -54,7 +54,7 @@
         <a:cs typeface="+mn-cs"/>
       </a:defRPr>
     </a:lvl3pPr>
-    <a:lvl4pPr marL="1371600" algn="l" defTabSz="914400" rtl="0" eaLnBrk="1" latinLnBrk="0" hangingPunct="1">
+    <a:lvl4pPr marL="1371600" algn="l" defTabSz="457200" rtl="0" eaLnBrk="1" latinLnBrk="0" hangingPunct="1">
       <a:defRPr sz="1800" kern="1200">
         <a:solidFill>
           <a:schemeClr val="tx1"/>
@@ -64,7 +64,7 @@
         <a:cs typeface="+mn-cs"/>
       </a:defRPr>
     </a:lvl4pPr>
-    <a:lvl5pPr marL="1828800" algn="l" defTabSz="914400" rtl="0" eaLnBrk="1" latinLnBrk="0" hangingPunct="1">
+    <a:lvl5pPr marL="1828800" algn="l" defTabSz="457200" rtl="0" eaLnBrk="1" latinLnBrk="0" hangingPunct="1">
       <a:defRPr sz="1800" kern="1200">
         <a:solidFill>
           <a:schemeClr val="tx1"/>
@@ -74,7 +74,7 @@
         <a:cs typeface="+mn-cs"/>
       </a:defRPr>
     </a:lvl5pPr>
-    <a:lvl6pPr marL="2286000" algn="l" defTabSz="914400" rtl="0" eaLnBrk="1" latinLnBrk="0" hangingPunct="1">
+    <a:lvl6pPr marL="2286000" algn="l" defTabSz="457200" rtl="0" eaLnBrk="1" latinLnBrk="0" hangingPunct="1">
       <a:defRPr sz="1800" kern="1200">
         <a:solidFill>
           <a:schemeClr val="tx1"/>
@@ -84,7 +84,7 @@
         <a:cs typeface="+mn-cs"/>
       </a:defRPr>
     </a:lvl6pPr>
-    <a:lvl7pPr marL="2743200" algn="l" defTabSz="914400" rtl="0" eaLnBrk="1" latinLnBrk="0" hangingPunct="1">
+    <a:lvl7pPr marL="2743200" algn="l" defTabSz="457200" rtl="0" eaLnBrk="1" latinLnBrk="0" hangingPunct="1">
       <a:defRPr sz="1800" kern="1200">
         <a:solidFill>
           <a:schemeClr val="tx1"/>
@@ -94,7 +94,7 @@
         <a:cs typeface="+mn-cs"/>
       </a:defRPr>
     </a:lvl7pPr>
-    <a:lvl8pPr marL="3200400" algn="l" defTabSz="914400" rtl="0" eaLnBrk="1" latinLnBrk="0" hangingPunct="1">
+    <a:lvl8pPr marL="3200400" algn="l" defTabSz="457200" rtl="0" eaLnBrk="1" latinLnBrk="0" hangingPunct="1">
       <a:defRPr sz="1800" kern="1200">
         <a:solidFill>
           <a:schemeClr val="tx1"/>
@@ -104,7 +104,7 @@
         <a:cs typeface="+mn-cs"/>
       </a:defRPr>
     </a:lvl8pPr>
-    <a:lvl9pPr marL="3657600" algn="l" defTabSz="914400" rtl="0" eaLnBrk="1" latinLnBrk="0" hangingPunct="1">
+    <a:lvl9pPr marL="3657600" algn="l" defTabSz="457200" rtl="0" eaLnBrk="1" latinLnBrk="0" hangingPunct="1">
       <a:defRPr sz="1800" kern="1200">
         <a:solidFill>
           <a:schemeClr val="tx1"/>
@@ -144,6 +144,197 @@
         <a:r>
           <a:rPr lang="en-US"/>
           <a:t>92800 rows? Full df</a:t>
+        </a:r>
+      </a:p>
+    </p188:txBody>
+  </p188:cm>
+  <p188:cm id="{48FCD0E4-78FB-42BB-AB73-7207818990F5}" authorId="{1634C89E-F076-DB27-6271-49DB2D1357CD}" created="2025-08-17T07:22:44.626">
+    <ac:deMkLst xmlns:ac="http://schemas.microsoft.com/office/drawing/2013/main/command">
+      <pc:docMk xmlns:pc="http://schemas.microsoft.com/office/powerpoint/2013/main/command"/>
+      <pc:sldMk xmlns:pc="http://schemas.microsoft.com/office/powerpoint/2013/main/command" cId="308766561" sldId="256"/>
+      <ac:spMk id="20" creationId="{AC722F2E-04B4-D453-3011-C8E428F61155}"/>
+    </ac:deMkLst>
+    <p188:txBody>
+      <a:bodyPr/>
+      <a:lstStyle/>
+      <a:p>
+        <a:r>
+          <a:rPr lang="en-US"/>
+          <a:t>[summary] H=10
+[summary] panel rows: 731,238
+[summary] train rows: 587,450
+[summary] test rows : 143,788</a:t>
+        </a:r>
+      </a:p>
+    </p188:txBody>
+  </p188:cm>
+  <p188:cm id="{358FF3DC-0D31-4EBD-8DD5-CFABFAE65669}" authorId="{1634C89E-F076-DB27-6271-49DB2D1357CD}" created="2025-08-17T17:09:39.740">
+    <ac:deMkLst xmlns:ac="http://schemas.microsoft.com/office/drawing/2013/main/command">
+      <pc:docMk xmlns:pc="http://schemas.microsoft.com/office/powerpoint/2013/main/command"/>
+      <pc:sldMk xmlns:pc="http://schemas.microsoft.com/office/powerpoint/2013/main/command" cId="308766561" sldId="256"/>
+      <ac:spMk id="146" creationId="{03672CDD-C894-F880-CE8F-F11D2DCCAE8C}"/>
+    </ac:deMkLst>
+    <p188:txBody>
+      <a:bodyPr/>
+      <a:lstStyle/>
+      <a:p>
+        <a:r>
+          <a:rPr lang="en-US"/>
+          <a:t>[info] features: 104 saved -&gt; /dartfs-hpc/rc/home/n/f00569n/stonx1/entry_classifier_features.json
+[info] train rows: 58,793, test rows (for eval): 14,389
+[info] target distribution (train): 0.8085 pos rate
+[info] target distribution (test) : 0.8078 pos rate
+[[   71  2695]
+ [   83 11540]]
+              precision    recall  f1-score   support
+           0     0.4610    0.0257    0.0486      2766
+           1     0.8107    0.9929    0.8926     11623
+    accuracy                         0.8069     14389
+   macro avg     0.6359    0.5093    0.4706     14389
+weighted avg     0.7435    0.8069    0.7303     14389
+ROC AUC: 0.5628941892148045</a:t>
+        </a:r>
+      </a:p>
+    </p188:txBody>
+  </p188:cm>
+  <p188:cm id="{B780F6A9-1CBC-41CE-9F22-8197DB08071D}" authorId="{1634C89E-F076-DB27-6271-49DB2D1357CD}" created="2025-08-17T18:05:31.680">
+    <ac:deMkLst xmlns:ac="http://schemas.microsoft.com/office/drawing/2013/main/command">
+      <pc:docMk xmlns:pc="http://schemas.microsoft.com/office/powerpoint/2013/main/command"/>
+      <pc:sldMk xmlns:pc="http://schemas.microsoft.com/office/powerpoint/2013/main/command" cId="308766561" sldId="256"/>
+      <ac:spMk id="190" creationId="{B27F8100-295B-34CA-A95D-A30AA8D09CFE}"/>
+    </ac:deMkLst>
+    <p188:replyLst>
+      <p188:reply id="{263DFE64-0041-487D-A93E-4B6006207C1D}" authorId="{1634C89E-F076-DB27-6271-49DB2D1357CD}" created="2025-08-17T18:40:27.506">
+        <p188:txBody>
+          <a:bodyPr/>
+          <a:lstStyle/>
+          <a:p>
+            <a:r>
+              <a:rPr lang="en-US"/>
+              <a:t>Note: .5 minentry even tho file says 62</a:t>
+            </a:r>
+          </a:p>
+        </p188:txBody>
+      </p188:reply>
+    </p188:replyLst>
+    <p188:txBody>
+      <a:bodyPr/>
+      <a:lstStyle/>
+      <a:p>
+        <a:r>
+          <a:rPr lang="en-US"/>
+          <a:t>.5min entry score, but then dynamic filter based on entry score from filter (based on naïve_lgb&lt;backtest xlsx winrate upgrade for higher deciles)</a:t>
+        </a:r>
+      </a:p>
+    </p188:txBody>
+  </p188:cm>
+  <p188:cm id="{DE350362-DED2-4544-9033-9DF0DCFF2C32}" authorId="{1634C89E-F076-DB27-6271-49DB2D1357CD}" created="2025-08-17T18:41:10.438">
+    <ac:deMkLst xmlns:ac="http://schemas.microsoft.com/office/drawing/2013/main/command">
+      <pc:docMk xmlns:pc="http://schemas.microsoft.com/office/powerpoint/2013/main/command"/>
+      <pc:sldMk xmlns:pc="http://schemas.microsoft.com/office/powerpoint/2013/main/command" cId="308766561" sldId="256"/>
+      <ac:spMk id="201" creationId="{D51DEB86-1CCE-4ED1-E3CD-350A1D54055F}"/>
+    </ac:deMkLst>
+    <p188:txBody>
+      <a:bodyPr/>
+      <a:lstStyle/>
+      <a:p>
+        <a:r>
+          <a:rPr lang="en-US"/>
+          <a:t>Gives fine range buffer values for bottom table “w/adaptive20bps” in naïve tab of naïve_LGB_backtest_table (copypasted from terminal output)
+</a:t>
+        </a:r>
+      </a:p>
+    </p188:txBody>
+  </p188:cm>
+  <p188:cm id="{7CA1F8A2-BB4F-4FA1-8816-B74FF23114A3}" authorId="{1634C89E-F076-DB27-6271-49DB2D1357CD}" created="2025-08-17T18:45:02.826">
+    <ac:deMkLst xmlns:ac="http://schemas.microsoft.com/office/drawing/2013/main/command">
+      <pc:docMk xmlns:pc="http://schemas.microsoft.com/office/powerpoint/2013/main/command"/>
+      <pc:sldMk xmlns:pc="http://schemas.microsoft.com/office/powerpoint/2013/main/command" cId="308766561" sldId="256"/>
+      <ac:spMk id="236" creationId="{CF49C9E8-A90C-BAD4-5BF7-FB81B733AB36}"/>
+    </ac:deMkLst>
+    <p188:replyLst>
+      <p188:reply id="{FC12E4AE-7316-430B-89CF-39CEC548DC23}" authorId="{1634C89E-F076-DB27-6271-49DB2D1357CD}" created="2025-08-17T18:57:01.108">
+        <p188:txBody>
+          <a:bodyPr/>
+          <a:lstStyle/>
+          <a:p>
+            <a:r>
+              <a:rPr lang="en-US"/>
+              <a:t>buffers = [.005,.007,.0080,.0085,.0090,.0095,.0100,.0105,.0110]                 # decimals
+k_bps   = [0, 5, 10, 15,18,20,22,25, 30, 40, 60, 80, 100]             # bps
+thr_list= [None,0.40,.45, 0.50,.55, 0.60]                       # min_entry_score thresholds</a:t>
+            </a:r>
+          </a:p>
+        </p188:txBody>
+      </p188:reply>
+    </p188:replyLst>
+    <p188:txBody>
+      <a:bodyPr/>
+      <a:lstStyle/>
+      <a:p>
+        <a:r>
+          <a:rPr lang="en-US"/>
+          <a:t>Sweeping adaptivekbps values, around previously found optimal buffer of ~.009, across some min_entry_scores. See file for details, will post more later
+</a:t>
+        </a:r>
+      </a:p>
+    </p188:txBody>
+  </p188:cm>
+  <p188:cm id="{FD521E98-18D5-4BB8-B1D0-A9F444DCCD02}" authorId="{1634C89E-F076-DB27-6271-49DB2D1357CD}" created="2025-08-17T18:48:37.321">
+    <ac:deMkLst xmlns:ac="http://schemas.microsoft.com/office/drawing/2013/main/command">
+      <pc:docMk xmlns:pc="http://schemas.microsoft.com/office/powerpoint/2013/main/command"/>
+      <pc:sldMk xmlns:pc="http://schemas.microsoft.com/office/powerpoint/2013/main/command" cId="308766561" sldId="256"/>
+      <ac:spMk id="245" creationId="{AE43B502-62BE-C9EB-0CAA-A7AE83CE2C10}"/>
+    </ac:deMkLst>
+    <p188:txBody>
+      <a:bodyPr/>
+      <a:lstStyle/>
+      <a:p>
+        <a:r>
+          <a:rPr lang="en-US"/>
+          <a:t>Has output tables, graphs, comparisons for the parameter choices</a:t>
+        </a:r>
+      </a:p>
+    </p188:txBody>
+  </p188:cm>
+  <p188:cm id="{861FACB8-472D-4036-805E-5D196D6D8B6B}" authorId="{1634C89E-F076-DB27-6271-49DB2D1357CD}" created="2025-08-17T19:21:52.801">
+    <ac:deMkLst xmlns:ac="http://schemas.microsoft.com/office/drawing/2013/main/command">
+      <pc:docMk xmlns:pc="http://schemas.microsoft.com/office/powerpoint/2013/main/command"/>
+      <pc:sldMk xmlns:pc="http://schemas.microsoft.com/office/powerpoint/2013/main/command" cId="308766561" sldId="256"/>
+      <ac:spMk id="215" creationId="{0BB37BA5-CE51-F0D3-BDF3-C20A37763D70}"/>
+    </ac:deMkLst>
+    <p188:txBody>
+      <a:bodyPr/>
+      <a:lstStyle/>
+      <a:p>
+        <a:r>
+          <a:rPr lang="en-US"/>
+          <a:t>DO NOT RUN, WAY TOO SLOW</a:t>
+        </a:r>
+      </a:p>
+    </p188:txBody>
+  </p188:cm>
+  <p188:cm id="{4BA971C0-7625-4947-B3C1-8070A9E2223E}" authorId="{1634C89E-F076-DB27-6271-49DB2D1357CD}" created="2025-08-17T19:22:33.955">
+    <ac:deMkLst xmlns:ac="http://schemas.microsoft.com/office/drawing/2013/main/command">
+      <pc:docMk xmlns:pc="http://schemas.microsoft.com/office/powerpoint/2013/main/command"/>
+      <pc:sldMk xmlns:pc="http://schemas.microsoft.com/office/powerpoint/2013/main/command" cId="308766561" sldId="256"/>
+      <ac:spMk id="266" creationId="{86081E64-E3DB-9901-C0DF-9369C5681EEA}"/>
+    </ac:deMkLst>
+    <p188:txBody>
+      <a:bodyPr/>
+      <a:lstStyle/>
+      <a:p>
+        <a:r>
+          <a:rPr lang="en-US"/>
+          <a:t>SUPER FAST sub15s runtime: (p313) [f00569n@andes8 stonx1]$ export OMP_NUM_THREADS=1 MKL_NUM_THREADS=1 NUMEXPR_NUM_THREADS=1
+(p313) [f00569n@andes8 stonx1]$ nice -n 10 python ~/stonx1/sweep_policy_grid_fast.py \
+&gt;   --set test \
+&gt;   --buffers '0.005,0.007,0.0080,0.0085,0.0090,0.0095,0.0100,0.0105,0.0110' \
+&gt;   --k_bps '0,5,10,15,18,20,22,25,30,40,60,80,100' \
+&gt;   --thr_list 'none,0.40,0.45,0.50,0.55,0.60' \
+&gt;   --cost_bps '0' \
+&gt;   --n_jobs 10 \
+&gt;   --out ~/stonx1/sweep_fast_results.csv</a:t>
         </a:r>
       </a:p>
     </p188:txBody>
@@ -2165,7 +2356,7 @@
           <a:p>
             <a:fld id="{B1FF45BD-3387-4550-BF71-6B44C037B5B9}" type="datetimeFigureOut">
               <a:rPr lang="en-US" smtClean="0"/>
-              <a:t>8/14/2025</a:t>
+              <a:t>8/17/2025</a:t>
             </a:fld>
             <a:endParaRPr lang="en-US"/>
           </a:p>
@@ -2183,8 +2374,8 @@
         </p:nvSpPr>
         <p:spPr>
           <a:xfrm>
-            <a:off x="685800" y="1143000"/>
-            <a:ext cx="5486400" cy="3086100"/>
+            <a:off x="1114425" y="1143000"/>
+            <a:ext cx="4629150" cy="3086100"/>
           </a:xfrm>
           <a:prstGeom prst="rect">
             <a:avLst/>
@@ -2338,8 +2529,8 @@
   </p:cSld>
   <p:clrMap bg1="lt1" tx1="dk1" bg2="lt2" tx2="dk2" accent1="accent1" accent2="accent2" accent3="accent3" accent4="accent4" accent5="accent5" accent6="accent6" hlink="hlink" folHlink="folHlink"/>
   <p:notesStyle>
-    <a:lvl1pPr marL="0" algn="l" defTabSz="914400" rtl="0" eaLnBrk="1" latinLnBrk="0" hangingPunct="1">
-      <a:defRPr sz="1200" kern="1200">
+    <a:lvl1pPr marL="0" algn="l" defTabSz="2194419" rtl="0" eaLnBrk="1" latinLnBrk="0" hangingPunct="1">
+      <a:defRPr sz="2880" kern="1200">
         <a:solidFill>
           <a:schemeClr val="tx1"/>
         </a:solidFill>
@@ -2348,8 +2539,8 @@
         <a:cs typeface="+mn-cs"/>
       </a:defRPr>
     </a:lvl1pPr>
-    <a:lvl2pPr marL="457200" algn="l" defTabSz="914400" rtl="0" eaLnBrk="1" latinLnBrk="0" hangingPunct="1">
-      <a:defRPr sz="1200" kern="1200">
+    <a:lvl2pPr marL="1097210" algn="l" defTabSz="2194419" rtl="0" eaLnBrk="1" latinLnBrk="0" hangingPunct="1">
+      <a:defRPr sz="2880" kern="1200">
         <a:solidFill>
           <a:schemeClr val="tx1"/>
         </a:solidFill>
@@ -2358,8 +2549,8 @@
         <a:cs typeface="+mn-cs"/>
       </a:defRPr>
     </a:lvl2pPr>
-    <a:lvl3pPr marL="914400" algn="l" defTabSz="914400" rtl="0" eaLnBrk="1" latinLnBrk="0" hangingPunct="1">
-      <a:defRPr sz="1200" kern="1200">
+    <a:lvl3pPr marL="2194419" algn="l" defTabSz="2194419" rtl="0" eaLnBrk="1" latinLnBrk="0" hangingPunct="1">
+      <a:defRPr sz="2880" kern="1200">
         <a:solidFill>
           <a:schemeClr val="tx1"/>
         </a:solidFill>
@@ -2368,8 +2559,8 @@
         <a:cs typeface="+mn-cs"/>
       </a:defRPr>
     </a:lvl3pPr>
-    <a:lvl4pPr marL="1371600" algn="l" defTabSz="914400" rtl="0" eaLnBrk="1" latinLnBrk="0" hangingPunct="1">
-      <a:defRPr sz="1200" kern="1200">
+    <a:lvl4pPr marL="3291630" algn="l" defTabSz="2194419" rtl="0" eaLnBrk="1" latinLnBrk="0" hangingPunct="1">
+      <a:defRPr sz="2880" kern="1200">
         <a:solidFill>
           <a:schemeClr val="tx1"/>
         </a:solidFill>
@@ -2378,8 +2569,8 @@
         <a:cs typeface="+mn-cs"/>
       </a:defRPr>
     </a:lvl4pPr>
-    <a:lvl5pPr marL="1828800" algn="l" defTabSz="914400" rtl="0" eaLnBrk="1" latinLnBrk="0" hangingPunct="1">
-      <a:defRPr sz="1200" kern="1200">
+    <a:lvl5pPr marL="4388839" algn="l" defTabSz="2194419" rtl="0" eaLnBrk="1" latinLnBrk="0" hangingPunct="1">
+      <a:defRPr sz="2880" kern="1200">
         <a:solidFill>
           <a:schemeClr val="tx1"/>
         </a:solidFill>
@@ -2388,8 +2579,8 @@
         <a:cs typeface="+mn-cs"/>
       </a:defRPr>
     </a:lvl5pPr>
-    <a:lvl6pPr marL="2286000" algn="l" defTabSz="914400" rtl="0" eaLnBrk="1" latinLnBrk="0" hangingPunct="1">
-      <a:defRPr sz="1200" kern="1200">
+    <a:lvl6pPr marL="5486049" algn="l" defTabSz="2194419" rtl="0" eaLnBrk="1" latinLnBrk="0" hangingPunct="1">
+      <a:defRPr sz="2880" kern="1200">
         <a:solidFill>
           <a:schemeClr val="tx1"/>
         </a:solidFill>
@@ -2398,8 +2589,8 @@
         <a:cs typeface="+mn-cs"/>
       </a:defRPr>
     </a:lvl6pPr>
-    <a:lvl7pPr marL="2743200" algn="l" defTabSz="914400" rtl="0" eaLnBrk="1" latinLnBrk="0" hangingPunct="1">
-      <a:defRPr sz="1200" kern="1200">
+    <a:lvl7pPr marL="6583258" algn="l" defTabSz="2194419" rtl="0" eaLnBrk="1" latinLnBrk="0" hangingPunct="1">
+      <a:defRPr sz="2880" kern="1200">
         <a:solidFill>
           <a:schemeClr val="tx1"/>
         </a:solidFill>
@@ -2408,8 +2599,8 @@
         <a:cs typeface="+mn-cs"/>
       </a:defRPr>
     </a:lvl7pPr>
-    <a:lvl8pPr marL="3200400" algn="l" defTabSz="914400" rtl="0" eaLnBrk="1" latinLnBrk="0" hangingPunct="1">
-      <a:defRPr sz="1200" kern="1200">
+    <a:lvl8pPr marL="7680468" algn="l" defTabSz="2194419" rtl="0" eaLnBrk="1" latinLnBrk="0" hangingPunct="1">
+      <a:defRPr sz="2880" kern="1200">
         <a:solidFill>
           <a:schemeClr val="tx1"/>
         </a:solidFill>
@@ -2418,8 +2609,8 @@
         <a:cs typeface="+mn-cs"/>
       </a:defRPr>
     </a:lvl8pPr>
-    <a:lvl9pPr marL="3657600" algn="l" defTabSz="914400" rtl="0" eaLnBrk="1" latinLnBrk="0" hangingPunct="1">
-      <a:defRPr sz="1200" kern="1200">
+    <a:lvl9pPr marL="8777679" algn="l" defTabSz="2194419" rtl="0" eaLnBrk="1" latinLnBrk="0" hangingPunct="1">
+      <a:defRPr sz="2880" kern="1200">
         <a:solidFill>
           <a:schemeClr val="tx1"/>
         </a:solidFill>
@@ -2459,7 +2650,12 @@
             <p:ph type="sldImg"/>
           </p:nvPr>
         </p:nvSpPr>
-        <p:spPr/>
+        <p:spPr>
+          <a:xfrm>
+            <a:off x="1114425" y="1143000"/>
+            <a:ext cx="4629150" cy="3086100"/>
+          </a:xfrm>
+        </p:spPr>
       </p:sp>
       <p:sp>
         <p:nvSpPr>
@@ -2554,13 +2750,7 @@
       </p:grpSpPr>
       <p:sp>
         <p:nvSpPr>
-          <p:cNvPr id="2" name="Title 1">
-            <a:extLst>
-              <a:ext uri="{FF2B5EF4-FFF2-40B4-BE49-F238E27FC236}">
-                <a16:creationId xmlns:a16="http://schemas.microsoft.com/office/drawing/2014/main" id="{04357CEB-E1F8-C634-707C-236807FAB0CD}"/>
-              </a:ext>
-            </a:extLst>
-          </p:cNvPr>
+          <p:cNvPr id="2" name="Title 1"/>
           <p:cNvSpPr>
             <a:spLocks noGrp="1"/>
           </p:cNvSpPr>
@@ -2570,15 +2760,15 @@
         </p:nvSpPr>
         <p:spPr>
           <a:xfrm>
-            <a:off x="1524000" y="1122363"/>
-            <a:ext cx="9144000" cy="2387600"/>
+            <a:off x="2057400" y="2992968"/>
+            <a:ext cx="23317200" cy="6366933"/>
           </a:xfrm>
         </p:spPr>
         <p:txBody>
           <a:bodyPr anchor="b"/>
           <a:lstStyle>
             <a:lvl1pPr algn="ctr">
-              <a:defRPr sz="6000"/>
+              <a:defRPr sz="16000"/>
             </a:lvl1pPr>
           </a:lstStyle>
           <a:p>
@@ -2586,18 +2776,13 @@
               <a:rPr lang="en-US"/>
               <a:t>Click to edit Master title style</a:t>
             </a:r>
+            <a:endParaRPr lang="en-US" dirty="0"/>
           </a:p>
         </p:txBody>
       </p:sp>
       <p:sp>
         <p:nvSpPr>
-          <p:cNvPr id="3" name="Subtitle 2">
-            <a:extLst>
-              <a:ext uri="{FF2B5EF4-FFF2-40B4-BE49-F238E27FC236}">
-                <a16:creationId xmlns:a16="http://schemas.microsoft.com/office/drawing/2014/main" id="{5FB62748-7A41-2E21-3F62-0DBCBDD412F4}"/>
-              </a:ext>
-            </a:extLst>
-          </p:cNvPr>
+          <p:cNvPr id="3" name="Subtitle 2"/>
           <p:cNvSpPr>
             <a:spLocks noGrp="1"/>
           </p:cNvSpPr>
@@ -2607,8 +2792,8 @@
         </p:nvSpPr>
         <p:spPr>
           <a:xfrm>
-            <a:off x="1524000" y="3602038"/>
-            <a:ext cx="9144000" cy="1655762"/>
+            <a:off x="3429000" y="9605435"/>
+            <a:ext cx="20574000" cy="4415365"/>
           </a:xfrm>
         </p:spPr>
         <p:txBody>
@@ -2616,39 +2801,39 @@
           <a:lstStyle>
             <a:lvl1pPr marL="0" indent="0" algn="ctr">
               <a:buNone/>
-              <a:defRPr sz="2400"/>
+              <a:defRPr sz="6400"/>
             </a:lvl1pPr>
-            <a:lvl2pPr marL="457200" indent="0" algn="ctr">
+            <a:lvl2pPr marL="1219215" indent="0" algn="ctr">
               <a:buNone/>
-              <a:defRPr sz="2000"/>
+              <a:defRPr sz="5333"/>
             </a:lvl2pPr>
-            <a:lvl3pPr marL="914400" indent="0" algn="ctr">
+            <a:lvl3pPr marL="2438430" indent="0" algn="ctr">
               <a:buNone/>
-              <a:defRPr sz="1800"/>
+              <a:defRPr sz="4800"/>
             </a:lvl3pPr>
-            <a:lvl4pPr marL="1371600" indent="0" algn="ctr">
+            <a:lvl4pPr marL="3657646" indent="0" algn="ctr">
               <a:buNone/>
-              <a:defRPr sz="1600"/>
+              <a:defRPr sz="4267"/>
             </a:lvl4pPr>
-            <a:lvl5pPr marL="1828800" indent="0" algn="ctr">
+            <a:lvl5pPr marL="4876861" indent="0" algn="ctr">
               <a:buNone/>
-              <a:defRPr sz="1600"/>
+              <a:defRPr sz="4267"/>
             </a:lvl5pPr>
-            <a:lvl6pPr marL="2286000" indent="0" algn="ctr">
+            <a:lvl6pPr marL="6096076" indent="0" algn="ctr">
               <a:buNone/>
-              <a:defRPr sz="1600"/>
+              <a:defRPr sz="4267"/>
             </a:lvl6pPr>
-            <a:lvl7pPr marL="2743200" indent="0" algn="ctr">
+            <a:lvl7pPr marL="7315291" indent="0" algn="ctr">
               <a:buNone/>
-              <a:defRPr sz="1600"/>
+              <a:defRPr sz="4267"/>
             </a:lvl7pPr>
-            <a:lvl8pPr marL="3200400" indent="0" algn="ctr">
+            <a:lvl8pPr marL="8534507" indent="0" algn="ctr">
               <a:buNone/>
-              <a:defRPr sz="1600"/>
+              <a:defRPr sz="4267"/>
             </a:lvl8pPr>
-            <a:lvl9pPr marL="3657600" indent="0" algn="ctr">
+            <a:lvl9pPr marL="9753722" indent="0" algn="ctr">
               <a:buNone/>
-              <a:defRPr sz="1600"/>
+              <a:defRPr sz="4267"/>
             </a:lvl9pPr>
           </a:lstStyle>
           <a:p>
@@ -2656,18 +2841,13 @@
               <a:rPr lang="en-US"/>
               <a:t>Click to edit Master subtitle style</a:t>
             </a:r>
+            <a:endParaRPr lang="en-US" dirty="0"/>
           </a:p>
         </p:txBody>
       </p:sp>
       <p:sp>
         <p:nvSpPr>
-          <p:cNvPr id="4" name="Date Placeholder 3">
-            <a:extLst>
-              <a:ext uri="{FF2B5EF4-FFF2-40B4-BE49-F238E27FC236}">
-                <a16:creationId xmlns:a16="http://schemas.microsoft.com/office/drawing/2014/main" id="{C05CD6E2-6E21-3886-98D3-F8A998458A16}"/>
-              </a:ext>
-            </a:extLst>
-          </p:cNvPr>
+          <p:cNvPr id="4" name="Date Placeholder 3"/>
           <p:cNvSpPr>
             <a:spLocks noGrp="1"/>
           </p:cNvSpPr>
@@ -2682,7 +2862,7 @@
           <a:p>
             <a:fld id="{70857503-BF9B-4F45-840F-08C5E0B57C6A}" type="datetimeFigureOut">
               <a:rPr lang="en-US" smtClean="0"/>
-              <a:t>8/14/2025</a:t>
+              <a:t>8/17/2025</a:t>
             </a:fld>
             <a:endParaRPr lang="en-US"/>
           </a:p>
@@ -2690,13 +2870,7 @@
       </p:sp>
       <p:sp>
         <p:nvSpPr>
-          <p:cNvPr id="5" name="Footer Placeholder 4">
-            <a:extLst>
-              <a:ext uri="{FF2B5EF4-FFF2-40B4-BE49-F238E27FC236}">
-                <a16:creationId xmlns:a16="http://schemas.microsoft.com/office/drawing/2014/main" id="{5A1DD236-FE49-8E6D-9FAB-150A7178812C}"/>
-              </a:ext>
-            </a:extLst>
-          </p:cNvPr>
+          <p:cNvPr id="5" name="Footer Placeholder 4"/>
           <p:cNvSpPr>
             <a:spLocks noGrp="1"/>
           </p:cNvSpPr>
@@ -2715,13 +2889,7 @@
       </p:sp>
       <p:sp>
         <p:nvSpPr>
-          <p:cNvPr id="6" name="Slide Number Placeholder 5">
-            <a:extLst>
-              <a:ext uri="{FF2B5EF4-FFF2-40B4-BE49-F238E27FC236}">
-                <a16:creationId xmlns:a16="http://schemas.microsoft.com/office/drawing/2014/main" id="{39971EFD-B30D-214A-86C9-E1CB6C5A77E9}"/>
-              </a:ext>
-            </a:extLst>
-          </p:cNvPr>
+          <p:cNvPr id="6" name="Slide Number Placeholder 5"/>
           <p:cNvSpPr>
             <a:spLocks noGrp="1"/>
           </p:cNvSpPr>
@@ -2745,7 +2913,7 @@
     </p:spTree>
     <p:extLst>
       <p:ext uri="{BB962C8B-B14F-4D97-AF65-F5344CB8AC3E}">
-        <p14:creationId xmlns:p14="http://schemas.microsoft.com/office/powerpoint/2010/main" val="2389038932"/>
+        <p14:creationId xmlns:p14="http://schemas.microsoft.com/office/powerpoint/2010/main" val="3886981224"/>
       </p:ext>
     </p:extLst>
   </p:cSld>
@@ -2774,13 +2942,7 @@
       </p:grpSpPr>
       <p:sp>
         <p:nvSpPr>
-          <p:cNvPr id="2" name="Title 1">
-            <a:extLst>
-              <a:ext uri="{FF2B5EF4-FFF2-40B4-BE49-F238E27FC236}">
-                <a16:creationId xmlns:a16="http://schemas.microsoft.com/office/drawing/2014/main" id="{AD24E4BE-66EB-99A6-C34A-D3CF941A92B8}"/>
-              </a:ext>
-            </a:extLst>
-          </p:cNvPr>
+          <p:cNvPr id="2" name="Title 1"/>
           <p:cNvSpPr>
             <a:spLocks noGrp="1"/>
           </p:cNvSpPr>
@@ -2797,18 +2959,13 @@
               <a:rPr lang="en-US"/>
               <a:t>Click to edit Master title style</a:t>
             </a:r>
+            <a:endParaRPr lang="en-US" dirty="0"/>
           </a:p>
         </p:txBody>
       </p:sp>
       <p:sp>
         <p:nvSpPr>
-          <p:cNvPr id="3" name="Vertical Text Placeholder 2">
-            <a:extLst>
-              <a:ext uri="{FF2B5EF4-FFF2-40B4-BE49-F238E27FC236}">
-                <a16:creationId xmlns:a16="http://schemas.microsoft.com/office/drawing/2014/main" id="{611DB6A7-64EE-1C23-2979-BE1BF09DC0CB}"/>
-              </a:ext>
-            </a:extLst>
-          </p:cNvPr>
+          <p:cNvPr id="3" name="Vertical Text Placeholder 2"/>
           <p:cNvSpPr>
             <a:spLocks noGrp="1"/>
           </p:cNvSpPr>
@@ -2854,18 +3011,13 @@
               <a:rPr lang="en-US"/>
               <a:t>Fifth level</a:t>
             </a:r>
+            <a:endParaRPr lang="en-US" dirty="0"/>
           </a:p>
         </p:txBody>
       </p:sp>
       <p:sp>
         <p:nvSpPr>
-          <p:cNvPr id="4" name="Date Placeholder 3">
-            <a:extLst>
-              <a:ext uri="{FF2B5EF4-FFF2-40B4-BE49-F238E27FC236}">
-                <a16:creationId xmlns:a16="http://schemas.microsoft.com/office/drawing/2014/main" id="{29F7C4BD-2AF3-55B3-4317-2B46FF5ADC84}"/>
-              </a:ext>
-            </a:extLst>
-          </p:cNvPr>
+          <p:cNvPr id="4" name="Date Placeholder 3"/>
           <p:cNvSpPr>
             <a:spLocks noGrp="1"/>
           </p:cNvSpPr>
@@ -2880,7 +3032,7 @@
           <a:p>
             <a:fld id="{70857503-BF9B-4F45-840F-08C5E0B57C6A}" type="datetimeFigureOut">
               <a:rPr lang="en-US" smtClean="0"/>
-              <a:t>8/14/2025</a:t>
+              <a:t>8/17/2025</a:t>
             </a:fld>
             <a:endParaRPr lang="en-US"/>
           </a:p>
@@ -2888,13 +3040,7 @@
       </p:sp>
       <p:sp>
         <p:nvSpPr>
-          <p:cNvPr id="5" name="Footer Placeholder 4">
-            <a:extLst>
-              <a:ext uri="{FF2B5EF4-FFF2-40B4-BE49-F238E27FC236}">
-                <a16:creationId xmlns:a16="http://schemas.microsoft.com/office/drawing/2014/main" id="{C26335F0-1D8C-286C-D353-7F7CBB6C9ACD}"/>
-              </a:ext>
-            </a:extLst>
-          </p:cNvPr>
+          <p:cNvPr id="5" name="Footer Placeholder 4"/>
           <p:cNvSpPr>
             <a:spLocks noGrp="1"/>
           </p:cNvSpPr>
@@ -2913,13 +3059,7 @@
       </p:sp>
       <p:sp>
         <p:nvSpPr>
-          <p:cNvPr id="6" name="Slide Number Placeholder 5">
-            <a:extLst>
-              <a:ext uri="{FF2B5EF4-FFF2-40B4-BE49-F238E27FC236}">
-                <a16:creationId xmlns:a16="http://schemas.microsoft.com/office/drawing/2014/main" id="{90FC17BF-8F28-3EFB-EFBA-30DC2429DD53}"/>
-              </a:ext>
-            </a:extLst>
-          </p:cNvPr>
+          <p:cNvPr id="6" name="Slide Number Placeholder 5"/>
           <p:cNvSpPr>
             <a:spLocks noGrp="1"/>
           </p:cNvSpPr>
@@ -2943,7 +3083,7 @@
     </p:spTree>
     <p:extLst>
       <p:ext uri="{BB962C8B-B14F-4D97-AF65-F5344CB8AC3E}">
-        <p14:creationId xmlns:p14="http://schemas.microsoft.com/office/powerpoint/2010/main" val="4241418895"/>
+        <p14:creationId xmlns:p14="http://schemas.microsoft.com/office/powerpoint/2010/main" val="3984033429"/>
       </p:ext>
     </p:extLst>
   </p:cSld>
@@ -2972,13 +3112,7 @@
       </p:grpSpPr>
       <p:sp>
         <p:nvSpPr>
-          <p:cNvPr id="2" name="Vertical Title 1">
-            <a:extLst>
-              <a:ext uri="{FF2B5EF4-FFF2-40B4-BE49-F238E27FC236}">
-                <a16:creationId xmlns:a16="http://schemas.microsoft.com/office/drawing/2014/main" id="{8C56FFEC-0FD4-0B63-9A41-82D5AA559211}"/>
-              </a:ext>
-            </a:extLst>
-          </p:cNvPr>
+          <p:cNvPr id="2" name="Vertical Title 1"/>
           <p:cNvSpPr>
             <a:spLocks noGrp="1"/>
           </p:cNvSpPr>
@@ -2988,8 +3122,8 @@
         </p:nvSpPr>
         <p:spPr>
           <a:xfrm>
-            <a:off x="8724900" y="365125"/>
-            <a:ext cx="2628900" cy="5811838"/>
+            <a:off x="19631027" y="973667"/>
+            <a:ext cx="5915025" cy="15498235"/>
           </a:xfrm>
         </p:spPr>
         <p:txBody>
@@ -3000,18 +3134,13 @@
               <a:rPr lang="en-US"/>
               <a:t>Click to edit Master title style</a:t>
             </a:r>
+            <a:endParaRPr lang="en-US" dirty="0"/>
           </a:p>
         </p:txBody>
       </p:sp>
       <p:sp>
         <p:nvSpPr>
-          <p:cNvPr id="3" name="Vertical Text Placeholder 2">
-            <a:extLst>
-              <a:ext uri="{FF2B5EF4-FFF2-40B4-BE49-F238E27FC236}">
-                <a16:creationId xmlns:a16="http://schemas.microsoft.com/office/drawing/2014/main" id="{6D0EC8BB-5D56-6A81-7F37-79FA6F991CF6}"/>
-              </a:ext>
-            </a:extLst>
-          </p:cNvPr>
+          <p:cNvPr id="3" name="Vertical Text Placeholder 2"/>
           <p:cNvSpPr>
             <a:spLocks noGrp="1"/>
           </p:cNvSpPr>
@@ -3021,8 +3150,8 @@
         </p:nvSpPr>
         <p:spPr>
           <a:xfrm>
-            <a:off x="838200" y="365125"/>
-            <a:ext cx="7734300" cy="5811838"/>
+            <a:off x="1885952" y="973667"/>
+            <a:ext cx="17402175" cy="15498235"/>
           </a:xfrm>
         </p:spPr>
         <p:txBody>
@@ -3062,18 +3191,13 @@
               <a:rPr lang="en-US"/>
               <a:t>Fifth level</a:t>
             </a:r>
+            <a:endParaRPr lang="en-US" dirty="0"/>
           </a:p>
         </p:txBody>
       </p:sp>
       <p:sp>
         <p:nvSpPr>
-          <p:cNvPr id="4" name="Date Placeholder 3">
-            <a:extLst>
-              <a:ext uri="{FF2B5EF4-FFF2-40B4-BE49-F238E27FC236}">
-                <a16:creationId xmlns:a16="http://schemas.microsoft.com/office/drawing/2014/main" id="{E7E4F038-0D82-D598-304A-B8CED2BB7C53}"/>
-              </a:ext>
-            </a:extLst>
-          </p:cNvPr>
+          <p:cNvPr id="4" name="Date Placeholder 3"/>
           <p:cNvSpPr>
             <a:spLocks noGrp="1"/>
           </p:cNvSpPr>
@@ -3088,7 +3212,7 @@
           <a:p>
             <a:fld id="{70857503-BF9B-4F45-840F-08C5E0B57C6A}" type="datetimeFigureOut">
               <a:rPr lang="en-US" smtClean="0"/>
-              <a:t>8/14/2025</a:t>
+              <a:t>8/17/2025</a:t>
             </a:fld>
             <a:endParaRPr lang="en-US"/>
           </a:p>
@@ -3096,13 +3220,7 @@
       </p:sp>
       <p:sp>
         <p:nvSpPr>
-          <p:cNvPr id="5" name="Footer Placeholder 4">
-            <a:extLst>
-              <a:ext uri="{FF2B5EF4-FFF2-40B4-BE49-F238E27FC236}">
-                <a16:creationId xmlns:a16="http://schemas.microsoft.com/office/drawing/2014/main" id="{087BEE9E-657C-EE61-AB63-136D0F11C654}"/>
-              </a:ext>
-            </a:extLst>
-          </p:cNvPr>
+          <p:cNvPr id="5" name="Footer Placeholder 4"/>
           <p:cNvSpPr>
             <a:spLocks noGrp="1"/>
           </p:cNvSpPr>
@@ -3121,13 +3239,7 @@
       </p:sp>
       <p:sp>
         <p:nvSpPr>
-          <p:cNvPr id="6" name="Slide Number Placeholder 5">
-            <a:extLst>
-              <a:ext uri="{FF2B5EF4-FFF2-40B4-BE49-F238E27FC236}">
-                <a16:creationId xmlns:a16="http://schemas.microsoft.com/office/drawing/2014/main" id="{23E4EE33-A5E8-2245-5B57-F0B8792585C6}"/>
-              </a:ext>
-            </a:extLst>
-          </p:cNvPr>
+          <p:cNvPr id="6" name="Slide Number Placeholder 5"/>
           <p:cNvSpPr>
             <a:spLocks noGrp="1"/>
           </p:cNvSpPr>
@@ -3151,7 +3263,7 @@
     </p:spTree>
     <p:extLst>
       <p:ext uri="{BB962C8B-B14F-4D97-AF65-F5344CB8AC3E}">
-        <p14:creationId xmlns:p14="http://schemas.microsoft.com/office/powerpoint/2010/main" val="493171974"/>
+        <p14:creationId xmlns:p14="http://schemas.microsoft.com/office/powerpoint/2010/main" val="1663447486"/>
       </p:ext>
     </p:extLst>
   </p:cSld>
@@ -3180,13 +3292,7 @@
       </p:grpSpPr>
       <p:sp>
         <p:nvSpPr>
-          <p:cNvPr id="2" name="Title 1">
-            <a:extLst>
-              <a:ext uri="{FF2B5EF4-FFF2-40B4-BE49-F238E27FC236}">
-                <a16:creationId xmlns:a16="http://schemas.microsoft.com/office/drawing/2014/main" id="{F3113866-8E2F-B27F-E03E-9FAE99B89E58}"/>
-              </a:ext>
-            </a:extLst>
-          </p:cNvPr>
+          <p:cNvPr id="2" name="Title 1"/>
           <p:cNvSpPr>
             <a:spLocks noGrp="1"/>
           </p:cNvSpPr>
@@ -3203,18 +3309,13 @@
               <a:rPr lang="en-US"/>
               <a:t>Click to edit Master title style</a:t>
             </a:r>
+            <a:endParaRPr lang="en-US" dirty="0"/>
           </a:p>
         </p:txBody>
       </p:sp>
       <p:sp>
         <p:nvSpPr>
-          <p:cNvPr id="3" name="Content Placeholder 2">
-            <a:extLst>
-              <a:ext uri="{FF2B5EF4-FFF2-40B4-BE49-F238E27FC236}">
-                <a16:creationId xmlns:a16="http://schemas.microsoft.com/office/drawing/2014/main" id="{A3E2EE58-36E0-E827-5E14-BB3A870A5AC1}"/>
-              </a:ext>
-            </a:extLst>
-          </p:cNvPr>
+          <p:cNvPr id="3" name="Content Placeholder 2"/>
           <p:cNvSpPr>
             <a:spLocks noGrp="1"/>
           </p:cNvSpPr>
@@ -3260,18 +3361,13 @@
               <a:rPr lang="en-US"/>
               <a:t>Fifth level</a:t>
             </a:r>
+            <a:endParaRPr lang="en-US" dirty="0"/>
           </a:p>
         </p:txBody>
       </p:sp>
       <p:sp>
         <p:nvSpPr>
-          <p:cNvPr id="4" name="Date Placeholder 3">
-            <a:extLst>
-              <a:ext uri="{FF2B5EF4-FFF2-40B4-BE49-F238E27FC236}">
-                <a16:creationId xmlns:a16="http://schemas.microsoft.com/office/drawing/2014/main" id="{D3D3D9ED-3D86-F658-3F9D-D43821C2D145}"/>
-              </a:ext>
-            </a:extLst>
-          </p:cNvPr>
+          <p:cNvPr id="4" name="Date Placeholder 3"/>
           <p:cNvSpPr>
             <a:spLocks noGrp="1"/>
           </p:cNvSpPr>
@@ -3286,7 +3382,7 @@
           <a:p>
             <a:fld id="{70857503-BF9B-4F45-840F-08C5E0B57C6A}" type="datetimeFigureOut">
               <a:rPr lang="en-US" smtClean="0"/>
-              <a:t>8/14/2025</a:t>
+              <a:t>8/17/2025</a:t>
             </a:fld>
             <a:endParaRPr lang="en-US"/>
           </a:p>
@@ -3294,13 +3390,7 @@
       </p:sp>
       <p:sp>
         <p:nvSpPr>
-          <p:cNvPr id="5" name="Footer Placeholder 4">
-            <a:extLst>
-              <a:ext uri="{FF2B5EF4-FFF2-40B4-BE49-F238E27FC236}">
-                <a16:creationId xmlns:a16="http://schemas.microsoft.com/office/drawing/2014/main" id="{9B783245-B24A-8F8E-2E26-EECCA48D1E74}"/>
-              </a:ext>
-            </a:extLst>
-          </p:cNvPr>
+          <p:cNvPr id="5" name="Footer Placeholder 4"/>
           <p:cNvSpPr>
             <a:spLocks noGrp="1"/>
           </p:cNvSpPr>
@@ -3319,13 +3409,7 @@
       </p:sp>
       <p:sp>
         <p:nvSpPr>
-          <p:cNvPr id="6" name="Slide Number Placeholder 5">
-            <a:extLst>
-              <a:ext uri="{FF2B5EF4-FFF2-40B4-BE49-F238E27FC236}">
-                <a16:creationId xmlns:a16="http://schemas.microsoft.com/office/drawing/2014/main" id="{40E9EC5E-1936-11C9-66CF-7F8DC3E24F30}"/>
-              </a:ext>
-            </a:extLst>
-          </p:cNvPr>
+          <p:cNvPr id="6" name="Slide Number Placeholder 5"/>
           <p:cNvSpPr>
             <a:spLocks noGrp="1"/>
           </p:cNvSpPr>
@@ -3349,7 +3433,7 @@
     </p:spTree>
     <p:extLst>
       <p:ext uri="{BB962C8B-B14F-4D97-AF65-F5344CB8AC3E}">
-        <p14:creationId xmlns:p14="http://schemas.microsoft.com/office/powerpoint/2010/main" val="3320577961"/>
+        <p14:creationId xmlns:p14="http://schemas.microsoft.com/office/powerpoint/2010/main" val="3127977267"/>
       </p:ext>
     </p:extLst>
   </p:cSld>
@@ -3378,13 +3462,7 @@
       </p:grpSpPr>
       <p:sp>
         <p:nvSpPr>
-          <p:cNvPr id="2" name="Title 1">
-            <a:extLst>
-              <a:ext uri="{FF2B5EF4-FFF2-40B4-BE49-F238E27FC236}">
-                <a16:creationId xmlns:a16="http://schemas.microsoft.com/office/drawing/2014/main" id="{253CABA9-806F-436B-3172-FD7EE01EE19A}"/>
-              </a:ext>
-            </a:extLst>
-          </p:cNvPr>
+          <p:cNvPr id="2" name="Title 1"/>
           <p:cNvSpPr>
             <a:spLocks noGrp="1"/>
           </p:cNvSpPr>
@@ -3394,15 +3472,15 @@
         </p:nvSpPr>
         <p:spPr>
           <a:xfrm>
-            <a:off x="831850" y="1709738"/>
-            <a:ext cx="10515600" cy="2852737"/>
+            <a:off x="1871664" y="4559305"/>
+            <a:ext cx="23660100" cy="7607299"/>
           </a:xfrm>
         </p:spPr>
         <p:txBody>
           <a:bodyPr anchor="b"/>
           <a:lstStyle>
             <a:lvl1pPr>
-              <a:defRPr sz="6000"/>
+              <a:defRPr sz="16000"/>
             </a:lvl1pPr>
           </a:lstStyle>
           <a:p>
@@ -3410,18 +3488,13 @@
               <a:rPr lang="en-US"/>
               <a:t>Click to edit Master title style</a:t>
             </a:r>
+            <a:endParaRPr lang="en-US" dirty="0"/>
           </a:p>
         </p:txBody>
       </p:sp>
       <p:sp>
         <p:nvSpPr>
-          <p:cNvPr id="3" name="Text Placeholder 2">
-            <a:extLst>
-              <a:ext uri="{FF2B5EF4-FFF2-40B4-BE49-F238E27FC236}">
-                <a16:creationId xmlns:a16="http://schemas.microsoft.com/office/drawing/2014/main" id="{07966D93-1467-EB98-6EBE-EE585EFFC1D9}"/>
-              </a:ext>
-            </a:extLst>
-          </p:cNvPr>
+          <p:cNvPr id="3" name="Text Placeholder 2"/>
           <p:cNvSpPr>
             <a:spLocks noGrp="1"/>
           </p:cNvSpPr>
@@ -3431,8 +3504,8 @@
         </p:nvSpPr>
         <p:spPr>
           <a:xfrm>
-            <a:off x="831850" y="4589463"/>
-            <a:ext cx="10515600" cy="1500187"/>
+            <a:off x="1871664" y="12238572"/>
+            <a:ext cx="23660100" cy="4000499"/>
           </a:xfrm>
         </p:spPr>
         <p:txBody>
@@ -3440,7 +3513,7 @@
           <a:lstStyle>
             <a:lvl1pPr marL="0" indent="0">
               <a:buNone/>
-              <a:defRPr sz="2400">
+              <a:defRPr sz="6400">
                 <a:solidFill>
                   <a:schemeClr val="tx1">
                     <a:tint val="82000"/>
@@ -3448,9 +3521,9 @@
                 </a:solidFill>
               </a:defRPr>
             </a:lvl1pPr>
-            <a:lvl2pPr marL="457200" indent="0">
+            <a:lvl2pPr marL="1219215" indent="0">
               <a:buNone/>
-              <a:defRPr sz="2000">
+              <a:defRPr sz="5333">
                 <a:solidFill>
                   <a:schemeClr val="tx1">
                     <a:tint val="82000"/>
@@ -3458,9 +3531,9 @@
                 </a:solidFill>
               </a:defRPr>
             </a:lvl2pPr>
-            <a:lvl3pPr marL="914400" indent="0">
+            <a:lvl3pPr marL="2438430" indent="0">
               <a:buNone/>
-              <a:defRPr sz="1800">
+              <a:defRPr sz="4800">
                 <a:solidFill>
                   <a:schemeClr val="tx1">
                     <a:tint val="82000"/>
@@ -3468,9 +3541,9 @@
                 </a:solidFill>
               </a:defRPr>
             </a:lvl3pPr>
-            <a:lvl4pPr marL="1371600" indent="0">
+            <a:lvl4pPr marL="3657646" indent="0">
               <a:buNone/>
-              <a:defRPr sz="1600">
+              <a:defRPr sz="4267">
                 <a:solidFill>
                   <a:schemeClr val="tx1">
                     <a:tint val="82000"/>
@@ -3478,9 +3551,9 @@
                 </a:solidFill>
               </a:defRPr>
             </a:lvl4pPr>
-            <a:lvl5pPr marL="1828800" indent="0">
+            <a:lvl5pPr marL="4876861" indent="0">
               <a:buNone/>
-              <a:defRPr sz="1600">
+              <a:defRPr sz="4267">
                 <a:solidFill>
                   <a:schemeClr val="tx1">
                     <a:tint val="82000"/>
@@ -3488,9 +3561,9 @@
                 </a:solidFill>
               </a:defRPr>
             </a:lvl5pPr>
-            <a:lvl6pPr marL="2286000" indent="0">
+            <a:lvl6pPr marL="6096076" indent="0">
               <a:buNone/>
-              <a:defRPr sz="1600">
+              <a:defRPr sz="4267">
                 <a:solidFill>
                   <a:schemeClr val="tx1">
                     <a:tint val="82000"/>
@@ -3498,9 +3571,9 @@
                 </a:solidFill>
               </a:defRPr>
             </a:lvl6pPr>
-            <a:lvl7pPr marL="2743200" indent="0">
+            <a:lvl7pPr marL="7315291" indent="0">
               <a:buNone/>
-              <a:defRPr sz="1600">
+              <a:defRPr sz="4267">
                 <a:solidFill>
                   <a:schemeClr val="tx1">
                     <a:tint val="82000"/>
@@ -3508,9 +3581,9 @@
                 </a:solidFill>
               </a:defRPr>
             </a:lvl7pPr>
-            <a:lvl8pPr marL="3200400" indent="0">
+            <a:lvl8pPr marL="8534507" indent="0">
               <a:buNone/>
-              <a:defRPr sz="1600">
+              <a:defRPr sz="4267">
                 <a:solidFill>
                   <a:schemeClr val="tx1">
                     <a:tint val="82000"/>
@@ -3518,9 +3591,9 @@
                 </a:solidFill>
               </a:defRPr>
             </a:lvl8pPr>
-            <a:lvl9pPr marL="3657600" indent="0">
+            <a:lvl9pPr marL="9753722" indent="0">
               <a:buNone/>
-              <a:defRPr sz="1600">
+              <a:defRPr sz="4267">
                 <a:solidFill>
                   <a:schemeClr val="tx1">
                     <a:tint val="82000"/>
@@ -3540,13 +3613,7 @@
       </p:sp>
       <p:sp>
         <p:nvSpPr>
-          <p:cNvPr id="4" name="Date Placeholder 3">
-            <a:extLst>
-              <a:ext uri="{FF2B5EF4-FFF2-40B4-BE49-F238E27FC236}">
-                <a16:creationId xmlns:a16="http://schemas.microsoft.com/office/drawing/2014/main" id="{1DF57046-9F51-FD48-3CCA-3DC2B9CFD949}"/>
-              </a:ext>
-            </a:extLst>
-          </p:cNvPr>
+          <p:cNvPr id="4" name="Date Placeholder 3"/>
           <p:cNvSpPr>
             <a:spLocks noGrp="1"/>
           </p:cNvSpPr>
@@ -3561,7 +3628,7 @@
           <a:p>
             <a:fld id="{70857503-BF9B-4F45-840F-08C5E0B57C6A}" type="datetimeFigureOut">
               <a:rPr lang="en-US" smtClean="0"/>
-              <a:t>8/14/2025</a:t>
+              <a:t>8/17/2025</a:t>
             </a:fld>
             <a:endParaRPr lang="en-US"/>
           </a:p>
@@ -3569,13 +3636,7 @@
       </p:sp>
       <p:sp>
         <p:nvSpPr>
-          <p:cNvPr id="5" name="Footer Placeholder 4">
-            <a:extLst>
-              <a:ext uri="{FF2B5EF4-FFF2-40B4-BE49-F238E27FC236}">
-                <a16:creationId xmlns:a16="http://schemas.microsoft.com/office/drawing/2014/main" id="{84C87876-F0E2-5036-D864-6B0EEA15457B}"/>
-              </a:ext>
-            </a:extLst>
-          </p:cNvPr>
+          <p:cNvPr id="5" name="Footer Placeholder 4"/>
           <p:cNvSpPr>
             <a:spLocks noGrp="1"/>
           </p:cNvSpPr>
@@ -3594,13 +3655,7 @@
       </p:sp>
       <p:sp>
         <p:nvSpPr>
-          <p:cNvPr id="6" name="Slide Number Placeholder 5">
-            <a:extLst>
-              <a:ext uri="{FF2B5EF4-FFF2-40B4-BE49-F238E27FC236}">
-                <a16:creationId xmlns:a16="http://schemas.microsoft.com/office/drawing/2014/main" id="{BFCAE885-F73A-8B7A-CF08-841AD7E62855}"/>
-              </a:ext>
-            </a:extLst>
-          </p:cNvPr>
+          <p:cNvPr id="6" name="Slide Number Placeholder 5"/>
           <p:cNvSpPr>
             <a:spLocks noGrp="1"/>
           </p:cNvSpPr>
@@ -3624,7 +3679,7 @@
     </p:spTree>
     <p:extLst>
       <p:ext uri="{BB962C8B-B14F-4D97-AF65-F5344CB8AC3E}">
-        <p14:creationId xmlns:p14="http://schemas.microsoft.com/office/powerpoint/2010/main" val="4059318556"/>
+        <p14:creationId xmlns:p14="http://schemas.microsoft.com/office/powerpoint/2010/main" val="1118363748"/>
       </p:ext>
     </p:extLst>
   </p:cSld>
@@ -3653,13 +3708,7 @@
       </p:grpSpPr>
       <p:sp>
         <p:nvSpPr>
-          <p:cNvPr id="2" name="Title 1">
-            <a:extLst>
-              <a:ext uri="{FF2B5EF4-FFF2-40B4-BE49-F238E27FC236}">
-                <a16:creationId xmlns:a16="http://schemas.microsoft.com/office/drawing/2014/main" id="{51B7036B-7B3F-EBF1-150C-DC14F38E059D}"/>
-              </a:ext>
-            </a:extLst>
-          </p:cNvPr>
+          <p:cNvPr id="2" name="Title 1"/>
           <p:cNvSpPr>
             <a:spLocks noGrp="1"/>
           </p:cNvSpPr>
@@ -3676,18 +3725,13 @@
               <a:rPr lang="en-US"/>
               <a:t>Click to edit Master title style</a:t>
             </a:r>
+            <a:endParaRPr lang="en-US" dirty="0"/>
           </a:p>
         </p:txBody>
       </p:sp>
       <p:sp>
         <p:nvSpPr>
-          <p:cNvPr id="3" name="Content Placeholder 2">
-            <a:extLst>
-              <a:ext uri="{FF2B5EF4-FFF2-40B4-BE49-F238E27FC236}">
-                <a16:creationId xmlns:a16="http://schemas.microsoft.com/office/drawing/2014/main" id="{69F1FD9C-B979-16CE-543D-74D7FF9E887D}"/>
-              </a:ext>
-            </a:extLst>
-          </p:cNvPr>
+          <p:cNvPr id="3" name="Content Placeholder 2"/>
           <p:cNvSpPr>
             <a:spLocks noGrp="1"/>
           </p:cNvSpPr>
@@ -3697,8 +3741,8 @@
         </p:nvSpPr>
         <p:spPr>
           <a:xfrm>
-            <a:off x="838200" y="1825625"/>
-            <a:ext cx="5181600" cy="4351338"/>
+            <a:off x="1885950" y="4868333"/>
+            <a:ext cx="11658600" cy="11603568"/>
           </a:xfrm>
         </p:spPr>
         <p:txBody>
@@ -3738,18 +3782,13 @@
               <a:rPr lang="en-US"/>
               <a:t>Fifth level</a:t>
             </a:r>
+            <a:endParaRPr lang="en-US" dirty="0"/>
           </a:p>
         </p:txBody>
       </p:sp>
       <p:sp>
         <p:nvSpPr>
-          <p:cNvPr id="4" name="Content Placeholder 3">
-            <a:extLst>
-              <a:ext uri="{FF2B5EF4-FFF2-40B4-BE49-F238E27FC236}">
-                <a16:creationId xmlns:a16="http://schemas.microsoft.com/office/drawing/2014/main" id="{486C48D9-F26C-C5C3-D66E-055DEFF83BF0}"/>
-              </a:ext>
-            </a:extLst>
-          </p:cNvPr>
+          <p:cNvPr id="4" name="Content Placeholder 3"/>
           <p:cNvSpPr>
             <a:spLocks noGrp="1"/>
           </p:cNvSpPr>
@@ -3759,8 +3798,8 @@
         </p:nvSpPr>
         <p:spPr>
           <a:xfrm>
-            <a:off x="6172200" y="1825625"/>
-            <a:ext cx="5181600" cy="4351338"/>
+            <a:off x="13887450" y="4868333"/>
+            <a:ext cx="11658600" cy="11603568"/>
           </a:xfrm>
         </p:spPr>
         <p:txBody>
@@ -3800,18 +3839,13 @@
               <a:rPr lang="en-US"/>
               <a:t>Fifth level</a:t>
             </a:r>
+            <a:endParaRPr lang="en-US" dirty="0"/>
           </a:p>
         </p:txBody>
       </p:sp>
       <p:sp>
         <p:nvSpPr>
-          <p:cNvPr id="5" name="Date Placeholder 4">
-            <a:extLst>
-              <a:ext uri="{FF2B5EF4-FFF2-40B4-BE49-F238E27FC236}">
-                <a16:creationId xmlns:a16="http://schemas.microsoft.com/office/drawing/2014/main" id="{380DA74B-6909-1A8F-4511-D44604D57BA9}"/>
-              </a:ext>
-            </a:extLst>
-          </p:cNvPr>
+          <p:cNvPr id="5" name="Date Placeholder 4"/>
           <p:cNvSpPr>
             <a:spLocks noGrp="1"/>
           </p:cNvSpPr>
@@ -3826,7 +3860,7 @@
           <a:p>
             <a:fld id="{70857503-BF9B-4F45-840F-08C5E0B57C6A}" type="datetimeFigureOut">
               <a:rPr lang="en-US" smtClean="0"/>
-              <a:t>8/14/2025</a:t>
+              <a:t>8/17/2025</a:t>
             </a:fld>
             <a:endParaRPr lang="en-US"/>
           </a:p>
@@ -3834,13 +3868,7 @@
       </p:sp>
       <p:sp>
         <p:nvSpPr>
-          <p:cNvPr id="6" name="Footer Placeholder 5">
-            <a:extLst>
-              <a:ext uri="{FF2B5EF4-FFF2-40B4-BE49-F238E27FC236}">
-                <a16:creationId xmlns:a16="http://schemas.microsoft.com/office/drawing/2014/main" id="{92FCB76C-1199-5F36-B058-2761713274A7}"/>
-              </a:ext>
-            </a:extLst>
-          </p:cNvPr>
+          <p:cNvPr id="6" name="Footer Placeholder 5"/>
           <p:cNvSpPr>
             <a:spLocks noGrp="1"/>
           </p:cNvSpPr>
@@ -3859,13 +3887,7 @@
       </p:sp>
       <p:sp>
         <p:nvSpPr>
-          <p:cNvPr id="7" name="Slide Number Placeholder 6">
-            <a:extLst>
-              <a:ext uri="{FF2B5EF4-FFF2-40B4-BE49-F238E27FC236}">
-                <a16:creationId xmlns:a16="http://schemas.microsoft.com/office/drawing/2014/main" id="{0F504E61-8552-48B3-10EF-3DBF219D8C4F}"/>
-              </a:ext>
-            </a:extLst>
-          </p:cNvPr>
+          <p:cNvPr id="7" name="Slide Number Placeholder 6"/>
           <p:cNvSpPr>
             <a:spLocks noGrp="1"/>
           </p:cNvSpPr>
@@ -3889,7 +3911,7 @@
     </p:spTree>
     <p:extLst>
       <p:ext uri="{BB962C8B-B14F-4D97-AF65-F5344CB8AC3E}">
-        <p14:creationId xmlns:p14="http://schemas.microsoft.com/office/powerpoint/2010/main" val="2261240201"/>
+        <p14:creationId xmlns:p14="http://schemas.microsoft.com/office/powerpoint/2010/main" val="3270494374"/>
       </p:ext>
     </p:extLst>
   </p:cSld>
@@ -3918,13 +3940,7 @@
       </p:grpSpPr>
       <p:sp>
         <p:nvSpPr>
-          <p:cNvPr id="2" name="Title 1">
-            <a:extLst>
-              <a:ext uri="{FF2B5EF4-FFF2-40B4-BE49-F238E27FC236}">
-                <a16:creationId xmlns:a16="http://schemas.microsoft.com/office/drawing/2014/main" id="{EA49D12C-2A61-F91A-872D-7DD325E14984}"/>
-              </a:ext>
-            </a:extLst>
-          </p:cNvPr>
+          <p:cNvPr id="2" name="Title 1"/>
           <p:cNvSpPr>
             <a:spLocks noGrp="1"/>
           </p:cNvSpPr>
@@ -3934,8 +3950,8 @@
         </p:nvSpPr>
         <p:spPr>
           <a:xfrm>
-            <a:off x="839788" y="365125"/>
-            <a:ext cx="10515600" cy="1325563"/>
+            <a:off x="1889523" y="973671"/>
+            <a:ext cx="23660100" cy="3534835"/>
           </a:xfrm>
         </p:spPr>
         <p:txBody>
@@ -3946,18 +3962,13 @@
               <a:rPr lang="en-US"/>
               <a:t>Click to edit Master title style</a:t>
             </a:r>
+            <a:endParaRPr lang="en-US" dirty="0"/>
           </a:p>
         </p:txBody>
       </p:sp>
       <p:sp>
         <p:nvSpPr>
-          <p:cNvPr id="3" name="Text Placeholder 2">
-            <a:extLst>
-              <a:ext uri="{FF2B5EF4-FFF2-40B4-BE49-F238E27FC236}">
-                <a16:creationId xmlns:a16="http://schemas.microsoft.com/office/drawing/2014/main" id="{4F8353EF-1A23-9718-D147-A55BA73930C9}"/>
-              </a:ext>
-            </a:extLst>
-          </p:cNvPr>
+          <p:cNvPr id="3" name="Text Placeholder 2"/>
           <p:cNvSpPr>
             <a:spLocks noGrp="1"/>
           </p:cNvSpPr>
@@ -3967,8 +3978,8 @@
         </p:nvSpPr>
         <p:spPr>
           <a:xfrm>
-            <a:off x="839788" y="1681163"/>
-            <a:ext cx="5157787" cy="823912"/>
+            <a:off x="1889526" y="4483101"/>
+            <a:ext cx="11605020" cy="2197099"/>
           </a:xfrm>
         </p:spPr>
         <p:txBody>
@@ -3976,39 +3987,39 @@
           <a:lstStyle>
             <a:lvl1pPr marL="0" indent="0">
               <a:buNone/>
-              <a:defRPr sz="2400" b="1"/>
+              <a:defRPr sz="6400" b="1"/>
             </a:lvl1pPr>
-            <a:lvl2pPr marL="457200" indent="0">
+            <a:lvl2pPr marL="1219215" indent="0">
               <a:buNone/>
-              <a:defRPr sz="2000" b="1"/>
+              <a:defRPr sz="5333" b="1"/>
             </a:lvl2pPr>
-            <a:lvl3pPr marL="914400" indent="0">
+            <a:lvl3pPr marL="2438430" indent="0">
               <a:buNone/>
-              <a:defRPr sz="1800" b="1"/>
+              <a:defRPr sz="4800" b="1"/>
             </a:lvl3pPr>
-            <a:lvl4pPr marL="1371600" indent="0">
+            <a:lvl4pPr marL="3657646" indent="0">
               <a:buNone/>
-              <a:defRPr sz="1600" b="1"/>
+              <a:defRPr sz="4267" b="1"/>
             </a:lvl4pPr>
-            <a:lvl5pPr marL="1828800" indent="0">
+            <a:lvl5pPr marL="4876861" indent="0">
               <a:buNone/>
-              <a:defRPr sz="1600" b="1"/>
+              <a:defRPr sz="4267" b="1"/>
             </a:lvl5pPr>
-            <a:lvl6pPr marL="2286000" indent="0">
+            <a:lvl6pPr marL="6096076" indent="0">
               <a:buNone/>
-              <a:defRPr sz="1600" b="1"/>
+              <a:defRPr sz="4267" b="1"/>
             </a:lvl6pPr>
-            <a:lvl7pPr marL="2743200" indent="0">
+            <a:lvl7pPr marL="7315291" indent="0">
               <a:buNone/>
-              <a:defRPr sz="1600" b="1"/>
+              <a:defRPr sz="4267" b="1"/>
             </a:lvl7pPr>
-            <a:lvl8pPr marL="3200400" indent="0">
+            <a:lvl8pPr marL="8534507" indent="0">
               <a:buNone/>
-              <a:defRPr sz="1600" b="1"/>
+              <a:defRPr sz="4267" b="1"/>
             </a:lvl8pPr>
-            <a:lvl9pPr marL="3657600" indent="0">
+            <a:lvl9pPr marL="9753722" indent="0">
               <a:buNone/>
-              <a:defRPr sz="1600" b="1"/>
+              <a:defRPr sz="4267" b="1"/>
             </a:lvl9pPr>
           </a:lstStyle>
           <a:p>
@@ -4022,13 +4033,7 @@
       </p:sp>
       <p:sp>
         <p:nvSpPr>
-          <p:cNvPr id="4" name="Content Placeholder 3">
-            <a:extLst>
-              <a:ext uri="{FF2B5EF4-FFF2-40B4-BE49-F238E27FC236}">
-                <a16:creationId xmlns:a16="http://schemas.microsoft.com/office/drawing/2014/main" id="{DF0C3012-B7D9-2B2D-8131-F6EBBF313221}"/>
-              </a:ext>
-            </a:extLst>
-          </p:cNvPr>
+          <p:cNvPr id="4" name="Content Placeholder 3"/>
           <p:cNvSpPr>
             <a:spLocks noGrp="1"/>
           </p:cNvSpPr>
@@ -4038,8 +4043,8 @@
         </p:nvSpPr>
         <p:spPr>
           <a:xfrm>
-            <a:off x="839788" y="2505075"/>
-            <a:ext cx="5157787" cy="3684588"/>
+            <a:off x="1889526" y="6680200"/>
+            <a:ext cx="11605020" cy="9825568"/>
           </a:xfrm>
         </p:spPr>
         <p:txBody>
@@ -4079,18 +4084,13 @@
               <a:rPr lang="en-US"/>
               <a:t>Fifth level</a:t>
             </a:r>
+            <a:endParaRPr lang="en-US" dirty="0"/>
           </a:p>
         </p:txBody>
       </p:sp>
       <p:sp>
         <p:nvSpPr>
-          <p:cNvPr id="5" name="Text Placeholder 4">
-            <a:extLst>
-              <a:ext uri="{FF2B5EF4-FFF2-40B4-BE49-F238E27FC236}">
-                <a16:creationId xmlns:a16="http://schemas.microsoft.com/office/drawing/2014/main" id="{25A4644F-47EB-FD8D-356D-E30FD8553591}"/>
-              </a:ext>
-            </a:extLst>
-          </p:cNvPr>
+          <p:cNvPr id="5" name="Text Placeholder 4"/>
           <p:cNvSpPr>
             <a:spLocks noGrp="1"/>
           </p:cNvSpPr>
@@ -4100,8 +4100,8 @@
         </p:nvSpPr>
         <p:spPr>
           <a:xfrm>
-            <a:off x="6172200" y="1681163"/>
-            <a:ext cx="5183188" cy="823912"/>
+            <a:off x="13887452" y="4483101"/>
+            <a:ext cx="11662173" cy="2197099"/>
           </a:xfrm>
         </p:spPr>
         <p:txBody>
@@ -4109,39 +4109,39 @@
           <a:lstStyle>
             <a:lvl1pPr marL="0" indent="0">
               <a:buNone/>
-              <a:defRPr sz="2400" b="1"/>
+              <a:defRPr sz="6400" b="1"/>
             </a:lvl1pPr>
-            <a:lvl2pPr marL="457200" indent="0">
+            <a:lvl2pPr marL="1219215" indent="0">
               <a:buNone/>
-              <a:defRPr sz="2000" b="1"/>
+              <a:defRPr sz="5333" b="1"/>
             </a:lvl2pPr>
-            <a:lvl3pPr marL="914400" indent="0">
+            <a:lvl3pPr marL="2438430" indent="0">
               <a:buNone/>
-              <a:defRPr sz="1800" b="1"/>
+              <a:defRPr sz="4800" b="1"/>
             </a:lvl3pPr>
-            <a:lvl4pPr marL="1371600" indent="0">
+            <a:lvl4pPr marL="3657646" indent="0">
               <a:buNone/>
-              <a:defRPr sz="1600" b="1"/>
+              <a:defRPr sz="4267" b="1"/>
             </a:lvl4pPr>
-            <a:lvl5pPr marL="1828800" indent="0">
+            <a:lvl5pPr marL="4876861" indent="0">
               <a:buNone/>
-              <a:defRPr sz="1600" b="1"/>
+              <a:defRPr sz="4267" b="1"/>
             </a:lvl5pPr>
-            <a:lvl6pPr marL="2286000" indent="0">
+            <a:lvl6pPr marL="6096076" indent="0">
               <a:buNone/>
-              <a:defRPr sz="1600" b="1"/>
+              <a:defRPr sz="4267" b="1"/>
             </a:lvl6pPr>
-            <a:lvl7pPr marL="2743200" indent="0">
+            <a:lvl7pPr marL="7315291" indent="0">
               <a:buNone/>
-              <a:defRPr sz="1600" b="1"/>
+              <a:defRPr sz="4267" b="1"/>
             </a:lvl7pPr>
-            <a:lvl8pPr marL="3200400" indent="0">
+            <a:lvl8pPr marL="8534507" indent="0">
               <a:buNone/>
-              <a:defRPr sz="1600" b="1"/>
+              <a:defRPr sz="4267" b="1"/>
             </a:lvl8pPr>
-            <a:lvl9pPr marL="3657600" indent="0">
+            <a:lvl9pPr marL="9753722" indent="0">
               <a:buNone/>
-              <a:defRPr sz="1600" b="1"/>
+              <a:defRPr sz="4267" b="1"/>
             </a:lvl9pPr>
           </a:lstStyle>
           <a:p>
@@ -4155,13 +4155,7 @@
       </p:sp>
       <p:sp>
         <p:nvSpPr>
-          <p:cNvPr id="6" name="Content Placeholder 5">
-            <a:extLst>
-              <a:ext uri="{FF2B5EF4-FFF2-40B4-BE49-F238E27FC236}">
-                <a16:creationId xmlns:a16="http://schemas.microsoft.com/office/drawing/2014/main" id="{37115859-DCA3-2BBF-D503-9488704539D1}"/>
-              </a:ext>
-            </a:extLst>
-          </p:cNvPr>
+          <p:cNvPr id="6" name="Content Placeholder 5"/>
           <p:cNvSpPr>
             <a:spLocks noGrp="1"/>
           </p:cNvSpPr>
@@ -4171,8 +4165,8 @@
         </p:nvSpPr>
         <p:spPr>
           <a:xfrm>
-            <a:off x="6172200" y="2505075"/>
-            <a:ext cx="5183188" cy="3684588"/>
+            <a:off x="13887452" y="6680200"/>
+            <a:ext cx="11662173" cy="9825568"/>
           </a:xfrm>
         </p:spPr>
         <p:txBody>
@@ -4212,18 +4206,13 @@
               <a:rPr lang="en-US"/>
               <a:t>Fifth level</a:t>
             </a:r>
+            <a:endParaRPr lang="en-US" dirty="0"/>
           </a:p>
         </p:txBody>
       </p:sp>
       <p:sp>
         <p:nvSpPr>
-          <p:cNvPr id="7" name="Date Placeholder 6">
-            <a:extLst>
-              <a:ext uri="{FF2B5EF4-FFF2-40B4-BE49-F238E27FC236}">
-                <a16:creationId xmlns:a16="http://schemas.microsoft.com/office/drawing/2014/main" id="{E80AE18F-123B-1D91-3BAD-11DE6D8D8E40}"/>
-              </a:ext>
-            </a:extLst>
-          </p:cNvPr>
+          <p:cNvPr id="7" name="Date Placeholder 6"/>
           <p:cNvSpPr>
             <a:spLocks noGrp="1"/>
           </p:cNvSpPr>
@@ -4238,7 +4227,7 @@
           <a:p>
             <a:fld id="{70857503-BF9B-4F45-840F-08C5E0B57C6A}" type="datetimeFigureOut">
               <a:rPr lang="en-US" smtClean="0"/>
-              <a:t>8/14/2025</a:t>
+              <a:t>8/17/2025</a:t>
             </a:fld>
             <a:endParaRPr lang="en-US"/>
           </a:p>
@@ -4246,13 +4235,7 @@
       </p:sp>
       <p:sp>
         <p:nvSpPr>
-          <p:cNvPr id="8" name="Footer Placeholder 7">
-            <a:extLst>
-              <a:ext uri="{FF2B5EF4-FFF2-40B4-BE49-F238E27FC236}">
-                <a16:creationId xmlns:a16="http://schemas.microsoft.com/office/drawing/2014/main" id="{DC171D9B-B51A-101D-D32A-BED89ACCBD15}"/>
-              </a:ext>
-            </a:extLst>
-          </p:cNvPr>
+          <p:cNvPr id="8" name="Footer Placeholder 7"/>
           <p:cNvSpPr>
             <a:spLocks noGrp="1"/>
           </p:cNvSpPr>
@@ -4271,13 +4254,7 @@
       </p:sp>
       <p:sp>
         <p:nvSpPr>
-          <p:cNvPr id="9" name="Slide Number Placeholder 8">
-            <a:extLst>
-              <a:ext uri="{FF2B5EF4-FFF2-40B4-BE49-F238E27FC236}">
-                <a16:creationId xmlns:a16="http://schemas.microsoft.com/office/drawing/2014/main" id="{1D89D209-01F4-8401-2241-C71E70F44365}"/>
-              </a:ext>
-            </a:extLst>
-          </p:cNvPr>
+          <p:cNvPr id="9" name="Slide Number Placeholder 8"/>
           <p:cNvSpPr>
             <a:spLocks noGrp="1"/>
           </p:cNvSpPr>
@@ -4301,7 +4278,7 @@
     </p:spTree>
     <p:extLst>
       <p:ext uri="{BB962C8B-B14F-4D97-AF65-F5344CB8AC3E}">
-        <p14:creationId xmlns:p14="http://schemas.microsoft.com/office/powerpoint/2010/main" val="110926581"/>
+        <p14:creationId xmlns:p14="http://schemas.microsoft.com/office/powerpoint/2010/main" val="1127241972"/>
       </p:ext>
     </p:extLst>
   </p:cSld>
@@ -4330,13 +4307,7 @@
       </p:grpSpPr>
       <p:sp>
         <p:nvSpPr>
-          <p:cNvPr id="2" name="Title 1">
-            <a:extLst>
-              <a:ext uri="{FF2B5EF4-FFF2-40B4-BE49-F238E27FC236}">
-                <a16:creationId xmlns:a16="http://schemas.microsoft.com/office/drawing/2014/main" id="{EF5C8F4C-9C6C-5A87-81F0-5A70040B1CC5}"/>
-              </a:ext>
-            </a:extLst>
-          </p:cNvPr>
+          <p:cNvPr id="2" name="Title 1"/>
           <p:cNvSpPr>
             <a:spLocks noGrp="1"/>
           </p:cNvSpPr>
@@ -4353,18 +4324,13 @@
               <a:rPr lang="en-US"/>
               <a:t>Click to edit Master title style</a:t>
             </a:r>
+            <a:endParaRPr lang="en-US" dirty="0"/>
           </a:p>
         </p:txBody>
       </p:sp>
       <p:sp>
         <p:nvSpPr>
-          <p:cNvPr id="3" name="Date Placeholder 2">
-            <a:extLst>
-              <a:ext uri="{FF2B5EF4-FFF2-40B4-BE49-F238E27FC236}">
-                <a16:creationId xmlns:a16="http://schemas.microsoft.com/office/drawing/2014/main" id="{A4AB5E2B-3AAB-0323-AA57-9291F190BEC0}"/>
-              </a:ext>
-            </a:extLst>
-          </p:cNvPr>
+          <p:cNvPr id="3" name="Date Placeholder 2"/>
           <p:cNvSpPr>
             <a:spLocks noGrp="1"/>
           </p:cNvSpPr>
@@ -4379,7 +4345,7 @@
           <a:p>
             <a:fld id="{70857503-BF9B-4F45-840F-08C5E0B57C6A}" type="datetimeFigureOut">
               <a:rPr lang="en-US" smtClean="0"/>
-              <a:t>8/14/2025</a:t>
+              <a:t>8/17/2025</a:t>
             </a:fld>
             <a:endParaRPr lang="en-US"/>
           </a:p>
@@ -4387,13 +4353,7 @@
       </p:sp>
       <p:sp>
         <p:nvSpPr>
-          <p:cNvPr id="4" name="Footer Placeholder 3">
-            <a:extLst>
-              <a:ext uri="{FF2B5EF4-FFF2-40B4-BE49-F238E27FC236}">
-                <a16:creationId xmlns:a16="http://schemas.microsoft.com/office/drawing/2014/main" id="{D133728A-CE7D-03B9-25BC-DA228F2A4CCC}"/>
-              </a:ext>
-            </a:extLst>
-          </p:cNvPr>
+          <p:cNvPr id="4" name="Footer Placeholder 3"/>
           <p:cNvSpPr>
             <a:spLocks noGrp="1"/>
           </p:cNvSpPr>
@@ -4412,13 +4372,7 @@
       </p:sp>
       <p:sp>
         <p:nvSpPr>
-          <p:cNvPr id="5" name="Slide Number Placeholder 4">
-            <a:extLst>
-              <a:ext uri="{FF2B5EF4-FFF2-40B4-BE49-F238E27FC236}">
-                <a16:creationId xmlns:a16="http://schemas.microsoft.com/office/drawing/2014/main" id="{1592C055-977A-0174-9625-8DCB8E33B477}"/>
-              </a:ext>
-            </a:extLst>
-          </p:cNvPr>
+          <p:cNvPr id="5" name="Slide Number Placeholder 4"/>
           <p:cNvSpPr>
             <a:spLocks noGrp="1"/>
           </p:cNvSpPr>
@@ -4442,7 +4396,7 @@
     </p:spTree>
     <p:extLst>
       <p:ext uri="{BB962C8B-B14F-4D97-AF65-F5344CB8AC3E}">
-        <p14:creationId xmlns:p14="http://schemas.microsoft.com/office/powerpoint/2010/main" val="357414055"/>
+        <p14:creationId xmlns:p14="http://schemas.microsoft.com/office/powerpoint/2010/main" val="333867630"/>
       </p:ext>
     </p:extLst>
   </p:cSld>
@@ -4471,13 +4425,7 @@
       </p:grpSpPr>
       <p:sp>
         <p:nvSpPr>
-          <p:cNvPr id="2" name="Date Placeholder 1">
-            <a:extLst>
-              <a:ext uri="{FF2B5EF4-FFF2-40B4-BE49-F238E27FC236}">
-                <a16:creationId xmlns:a16="http://schemas.microsoft.com/office/drawing/2014/main" id="{A2913EC4-5122-59FF-41B7-C5782AC671D4}"/>
-              </a:ext>
-            </a:extLst>
-          </p:cNvPr>
+          <p:cNvPr id="2" name="Date Placeholder 1"/>
           <p:cNvSpPr>
             <a:spLocks noGrp="1"/>
           </p:cNvSpPr>
@@ -4492,7 +4440,7 @@
           <a:p>
             <a:fld id="{70857503-BF9B-4F45-840F-08C5E0B57C6A}" type="datetimeFigureOut">
               <a:rPr lang="en-US" smtClean="0"/>
-              <a:t>8/14/2025</a:t>
+              <a:t>8/17/2025</a:t>
             </a:fld>
             <a:endParaRPr lang="en-US"/>
           </a:p>
@@ -4500,13 +4448,7 @@
       </p:sp>
       <p:sp>
         <p:nvSpPr>
-          <p:cNvPr id="3" name="Footer Placeholder 2">
-            <a:extLst>
-              <a:ext uri="{FF2B5EF4-FFF2-40B4-BE49-F238E27FC236}">
-                <a16:creationId xmlns:a16="http://schemas.microsoft.com/office/drawing/2014/main" id="{2D519665-6504-423F-1770-0DFC2D7DB14F}"/>
-              </a:ext>
-            </a:extLst>
-          </p:cNvPr>
+          <p:cNvPr id="3" name="Footer Placeholder 2"/>
           <p:cNvSpPr>
             <a:spLocks noGrp="1"/>
           </p:cNvSpPr>
@@ -4525,13 +4467,7 @@
       </p:sp>
       <p:sp>
         <p:nvSpPr>
-          <p:cNvPr id="4" name="Slide Number Placeholder 3">
-            <a:extLst>
-              <a:ext uri="{FF2B5EF4-FFF2-40B4-BE49-F238E27FC236}">
-                <a16:creationId xmlns:a16="http://schemas.microsoft.com/office/drawing/2014/main" id="{B74C50FA-F3E8-8935-0E31-04CF0E178A24}"/>
-              </a:ext>
-            </a:extLst>
-          </p:cNvPr>
+          <p:cNvPr id="4" name="Slide Number Placeholder 3"/>
           <p:cNvSpPr>
             <a:spLocks noGrp="1"/>
           </p:cNvSpPr>
@@ -4555,7 +4491,7 @@
     </p:spTree>
     <p:extLst>
       <p:ext uri="{BB962C8B-B14F-4D97-AF65-F5344CB8AC3E}">
-        <p14:creationId xmlns:p14="http://schemas.microsoft.com/office/powerpoint/2010/main" val="758791655"/>
+        <p14:creationId xmlns:p14="http://schemas.microsoft.com/office/powerpoint/2010/main" val="3702123432"/>
       </p:ext>
     </p:extLst>
   </p:cSld>
@@ -4584,13 +4520,7 @@
       </p:grpSpPr>
       <p:sp>
         <p:nvSpPr>
-          <p:cNvPr id="2" name="Title 1">
-            <a:extLst>
-              <a:ext uri="{FF2B5EF4-FFF2-40B4-BE49-F238E27FC236}">
-                <a16:creationId xmlns:a16="http://schemas.microsoft.com/office/drawing/2014/main" id="{DE9332F3-76D4-A58A-CC60-6BF6832D09B8}"/>
-              </a:ext>
-            </a:extLst>
-          </p:cNvPr>
+          <p:cNvPr id="2" name="Title 1"/>
           <p:cNvSpPr>
             <a:spLocks noGrp="1"/>
           </p:cNvSpPr>
@@ -4600,15 +4530,15 @@
         </p:nvSpPr>
         <p:spPr>
           <a:xfrm>
-            <a:off x="839788" y="457200"/>
-            <a:ext cx="3932237" cy="1600200"/>
+            <a:off x="1889523" y="1219200"/>
+            <a:ext cx="8847534" cy="4267200"/>
           </a:xfrm>
         </p:spPr>
         <p:txBody>
           <a:bodyPr anchor="b"/>
           <a:lstStyle>
             <a:lvl1pPr>
-              <a:defRPr sz="3200"/>
+              <a:defRPr sz="8533"/>
             </a:lvl1pPr>
           </a:lstStyle>
           <a:p>
@@ -4616,18 +4546,13 @@
               <a:rPr lang="en-US"/>
               <a:t>Click to edit Master title style</a:t>
             </a:r>
+            <a:endParaRPr lang="en-US" dirty="0"/>
           </a:p>
         </p:txBody>
       </p:sp>
       <p:sp>
         <p:nvSpPr>
-          <p:cNvPr id="3" name="Content Placeholder 2">
-            <a:extLst>
-              <a:ext uri="{FF2B5EF4-FFF2-40B4-BE49-F238E27FC236}">
-                <a16:creationId xmlns:a16="http://schemas.microsoft.com/office/drawing/2014/main" id="{974B0EAC-EF02-BCAA-F4BD-7058483F7820}"/>
-              </a:ext>
-            </a:extLst>
-          </p:cNvPr>
+          <p:cNvPr id="3" name="Content Placeholder 2"/>
           <p:cNvSpPr>
             <a:spLocks noGrp="1"/>
           </p:cNvSpPr>
@@ -4637,39 +4562,39 @@
         </p:nvSpPr>
         <p:spPr>
           <a:xfrm>
-            <a:off x="5183188" y="987425"/>
-            <a:ext cx="6172200" cy="4873625"/>
+            <a:off x="11662173" y="2633138"/>
+            <a:ext cx="13887450" cy="12996333"/>
           </a:xfrm>
         </p:spPr>
         <p:txBody>
           <a:bodyPr/>
           <a:lstStyle>
             <a:lvl1pPr>
-              <a:defRPr sz="3200"/>
+              <a:defRPr sz="8533"/>
             </a:lvl1pPr>
             <a:lvl2pPr>
-              <a:defRPr sz="2800"/>
+              <a:defRPr sz="7467"/>
             </a:lvl2pPr>
             <a:lvl3pPr>
-              <a:defRPr sz="2400"/>
+              <a:defRPr sz="6400"/>
             </a:lvl3pPr>
             <a:lvl4pPr>
-              <a:defRPr sz="2000"/>
+              <a:defRPr sz="5333"/>
             </a:lvl4pPr>
             <a:lvl5pPr>
-              <a:defRPr sz="2000"/>
+              <a:defRPr sz="5333"/>
             </a:lvl5pPr>
             <a:lvl6pPr>
-              <a:defRPr sz="2000"/>
+              <a:defRPr sz="5333"/>
             </a:lvl6pPr>
             <a:lvl7pPr>
-              <a:defRPr sz="2000"/>
+              <a:defRPr sz="5333"/>
             </a:lvl7pPr>
             <a:lvl8pPr>
-              <a:defRPr sz="2000"/>
+              <a:defRPr sz="5333"/>
             </a:lvl8pPr>
             <a:lvl9pPr>
-              <a:defRPr sz="2000"/>
+              <a:defRPr sz="5333"/>
             </a:lvl9pPr>
           </a:lstStyle>
           <a:p>
@@ -4706,18 +4631,13 @@
               <a:rPr lang="en-US"/>
               <a:t>Fifth level</a:t>
             </a:r>
+            <a:endParaRPr lang="en-US" dirty="0"/>
           </a:p>
         </p:txBody>
       </p:sp>
       <p:sp>
         <p:nvSpPr>
-          <p:cNvPr id="4" name="Text Placeholder 3">
-            <a:extLst>
-              <a:ext uri="{FF2B5EF4-FFF2-40B4-BE49-F238E27FC236}">
-                <a16:creationId xmlns:a16="http://schemas.microsoft.com/office/drawing/2014/main" id="{07164984-67C2-F839-5B09-77E1F4656EFF}"/>
-              </a:ext>
-            </a:extLst>
-          </p:cNvPr>
+          <p:cNvPr id="4" name="Text Placeholder 3"/>
           <p:cNvSpPr>
             <a:spLocks noGrp="1"/>
           </p:cNvSpPr>
@@ -4727,8 +4647,8 @@
         </p:nvSpPr>
         <p:spPr>
           <a:xfrm>
-            <a:off x="839788" y="2057400"/>
-            <a:ext cx="3932237" cy="3811588"/>
+            <a:off x="1889523" y="5486400"/>
+            <a:ext cx="8847534" cy="10164235"/>
           </a:xfrm>
         </p:spPr>
         <p:txBody>
@@ -4736,39 +4656,39 @@
           <a:lstStyle>
             <a:lvl1pPr marL="0" indent="0">
               <a:buNone/>
-              <a:defRPr sz="1600"/>
+              <a:defRPr sz="4267"/>
             </a:lvl1pPr>
-            <a:lvl2pPr marL="457200" indent="0">
+            <a:lvl2pPr marL="1219215" indent="0">
               <a:buNone/>
-              <a:defRPr sz="1400"/>
+              <a:defRPr sz="3733"/>
             </a:lvl2pPr>
-            <a:lvl3pPr marL="914400" indent="0">
+            <a:lvl3pPr marL="2438430" indent="0">
               <a:buNone/>
-              <a:defRPr sz="1200"/>
+              <a:defRPr sz="3200"/>
             </a:lvl3pPr>
-            <a:lvl4pPr marL="1371600" indent="0">
+            <a:lvl4pPr marL="3657646" indent="0">
               <a:buNone/>
-              <a:defRPr sz="1000"/>
+              <a:defRPr sz="2667"/>
             </a:lvl4pPr>
-            <a:lvl5pPr marL="1828800" indent="0">
+            <a:lvl5pPr marL="4876861" indent="0">
               <a:buNone/>
-              <a:defRPr sz="1000"/>
+              <a:defRPr sz="2667"/>
             </a:lvl5pPr>
-            <a:lvl6pPr marL="2286000" indent="0">
+            <a:lvl6pPr marL="6096076" indent="0">
               <a:buNone/>
-              <a:defRPr sz="1000"/>
+              <a:defRPr sz="2667"/>
             </a:lvl6pPr>
-            <a:lvl7pPr marL="2743200" indent="0">
+            <a:lvl7pPr marL="7315291" indent="0">
               <a:buNone/>
-              <a:defRPr sz="1000"/>
+              <a:defRPr sz="2667"/>
             </a:lvl7pPr>
-            <a:lvl8pPr marL="3200400" indent="0">
+            <a:lvl8pPr marL="8534507" indent="0">
               <a:buNone/>
-              <a:defRPr sz="1000"/>
+              <a:defRPr sz="2667"/>
             </a:lvl8pPr>
-            <a:lvl9pPr marL="3657600" indent="0">
+            <a:lvl9pPr marL="9753722" indent="0">
               <a:buNone/>
-              <a:defRPr sz="1000"/>
+              <a:defRPr sz="2667"/>
             </a:lvl9pPr>
           </a:lstStyle>
           <a:p>
@@ -4782,13 +4702,7 @@
       </p:sp>
       <p:sp>
         <p:nvSpPr>
-          <p:cNvPr id="5" name="Date Placeholder 4">
-            <a:extLst>
-              <a:ext uri="{FF2B5EF4-FFF2-40B4-BE49-F238E27FC236}">
-                <a16:creationId xmlns:a16="http://schemas.microsoft.com/office/drawing/2014/main" id="{8769CF2C-A2AC-84FA-1EF8-F715DF8C53EB}"/>
-              </a:ext>
-            </a:extLst>
-          </p:cNvPr>
+          <p:cNvPr id="5" name="Date Placeholder 4"/>
           <p:cNvSpPr>
             <a:spLocks noGrp="1"/>
           </p:cNvSpPr>
@@ -4803,7 +4717,7 @@
           <a:p>
             <a:fld id="{70857503-BF9B-4F45-840F-08C5E0B57C6A}" type="datetimeFigureOut">
               <a:rPr lang="en-US" smtClean="0"/>
-              <a:t>8/14/2025</a:t>
+              <a:t>8/17/2025</a:t>
             </a:fld>
             <a:endParaRPr lang="en-US"/>
           </a:p>
@@ -4811,13 +4725,7 @@
       </p:sp>
       <p:sp>
         <p:nvSpPr>
-          <p:cNvPr id="6" name="Footer Placeholder 5">
-            <a:extLst>
-              <a:ext uri="{FF2B5EF4-FFF2-40B4-BE49-F238E27FC236}">
-                <a16:creationId xmlns:a16="http://schemas.microsoft.com/office/drawing/2014/main" id="{24078C70-20B6-D426-963E-A4F14832DC56}"/>
-              </a:ext>
-            </a:extLst>
-          </p:cNvPr>
+          <p:cNvPr id="6" name="Footer Placeholder 5"/>
           <p:cNvSpPr>
             <a:spLocks noGrp="1"/>
           </p:cNvSpPr>
@@ -4836,13 +4744,7 @@
       </p:sp>
       <p:sp>
         <p:nvSpPr>
-          <p:cNvPr id="7" name="Slide Number Placeholder 6">
-            <a:extLst>
-              <a:ext uri="{FF2B5EF4-FFF2-40B4-BE49-F238E27FC236}">
-                <a16:creationId xmlns:a16="http://schemas.microsoft.com/office/drawing/2014/main" id="{A61442CE-4804-338E-63A7-934B9DEE1211}"/>
-              </a:ext>
-            </a:extLst>
-          </p:cNvPr>
+          <p:cNvPr id="7" name="Slide Number Placeholder 6"/>
           <p:cNvSpPr>
             <a:spLocks noGrp="1"/>
           </p:cNvSpPr>
@@ -4866,7 +4768,7 @@
     </p:spTree>
     <p:extLst>
       <p:ext uri="{BB962C8B-B14F-4D97-AF65-F5344CB8AC3E}">
-        <p14:creationId xmlns:p14="http://schemas.microsoft.com/office/powerpoint/2010/main" val="2431382985"/>
+        <p14:creationId xmlns:p14="http://schemas.microsoft.com/office/powerpoint/2010/main" val="989868491"/>
       </p:ext>
     </p:extLst>
   </p:cSld>
@@ -4895,13 +4797,7 @@
       </p:grpSpPr>
       <p:sp>
         <p:nvSpPr>
-          <p:cNvPr id="2" name="Title 1">
-            <a:extLst>
-              <a:ext uri="{FF2B5EF4-FFF2-40B4-BE49-F238E27FC236}">
-                <a16:creationId xmlns:a16="http://schemas.microsoft.com/office/drawing/2014/main" id="{BD6B7A6C-4CC6-A514-A1BC-FAD5B99A249D}"/>
-              </a:ext>
-            </a:extLst>
-          </p:cNvPr>
+          <p:cNvPr id="2" name="Title 1"/>
           <p:cNvSpPr>
             <a:spLocks noGrp="1"/>
           </p:cNvSpPr>
@@ -4911,15 +4807,15 @@
         </p:nvSpPr>
         <p:spPr>
           <a:xfrm>
-            <a:off x="839788" y="457200"/>
-            <a:ext cx="3932237" cy="1600200"/>
+            <a:off x="1889523" y="1219200"/>
+            <a:ext cx="8847534" cy="4267200"/>
           </a:xfrm>
         </p:spPr>
         <p:txBody>
           <a:bodyPr anchor="b"/>
           <a:lstStyle>
             <a:lvl1pPr>
-              <a:defRPr sz="3200"/>
+              <a:defRPr sz="8533"/>
             </a:lvl1pPr>
           </a:lstStyle>
           <a:p>
@@ -4927,20 +4823,15 @@
               <a:rPr lang="en-US"/>
               <a:t>Click to edit Master title style</a:t>
             </a:r>
+            <a:endParaRPr lang="en-US" dirty="0"/>
           </a:p>
         </p:txBody>
       </p:sp>
       <p:sp>
         <p:nvSpPr>
-          <p:cNvPr id="3" name="Picture Placeholder 2">
-            <a:extLst>
-              <a:ext uri="{FF2B5EF4-FFF2-40B4-BE49-F238E27FC236}">
-                <a16:creationId xmlns:a16="http://schemas.microsoft.com/office/drawing/2014/main" id="{BADCD146-5BDE-E6B5-79A5-43F29986EAC4}"/>
-              </a:ext>
-            </a:extLst>
-          </p:cNvPr>
+          <p:cNvPr id="3" name="Picture Placeholder 2"/>
           <p:cNvSpPr>
-            <a:spLocks noGrp="1"/>
+            <a:spLocks noGrp="1" noChangeAspect="1"/>
           </p:cNvSpPr>
           <p:nvPr>
             <p:ph type="pic" idx="1"/>
@@ -4948,64 +4839,62 @@
         </p:nvSpPr>
         <p:spPr>
           <a:xfrm>
-            <a:off x="5183188" y="987425"/>
-            <a:ext cx="6172200" cy="4873625"/>
+            <a:off x="11662173" y="2633138"/>
+            <a:ext cx="13887450" cy="12996333"/>
           </a:xfrm>
         </p:spPr>
         <p:txBody>
-          <a:bodyPr/>
+          <a:bodyPr anchor="t"/>
           <a:lstStyle>
             <a:lvl1pPr marL="0" indent="0">
               <a:buNone/>
-              <a:defRPr sz="3200"/>
+              <a:defRPr sz="8533"/>
             </a:lvl1pPr>
-            <a:lvl2pPr marL="457200" indent="0">
+            <a:lvl2pPr marL="1219215" indent="0">
               <a:buNone/>
-              <a:defRPr sz="2800"/>
+              <a:defRPr sz="7467"/>
             </a:lvl2pPr>
-            <a:lvl3pPr marL="914400" indent="0">
+            <a:lvl3pPr marL="2438430" indent="0">
               <a:buNone/>
-              <a:defRPr sz="2400"/>
+              <a:defRPr sz="6400"/>
             </a:lvl3pPr>
-            <a:lvl4pPr marL="1371600" indent="0">
+            <a:lvl4pPr marL="3657646" indent="0">
               <a:buNone/>
-              <a:defRPr sz="2000"/>
+              <a:defRPr sz="5333"/>
             </a:lvl4pPr>
-            <a:lvl5pPr marL="1828800" indent="0">
+            <a:lvl5pPr marL="4876861" indent="0">
               <a:buNone/>
-              <a:defRPr sz="2000"/>
+              <a:defRPr sz="5333"/>
             </a:lvl5pPr>
-            <a:lvl6pPr marL="2286000" indent="0">
+            <a:lvl6pPr marL="6096076" indent="0">
               <a:buNone/>
-              <a:defRPr sz="2000"/>
+              <a:defRPr sz="5333"/>
             </a:lvl6pPr>
-            <a:lvl7pPr marL="2743200" indent="0">
+            <a:lvl7pPr marL="7315291" indent="0">
               <a:buNone/>
-              <a:defRPr sz="2000"/>
+              <a:defRPr sz="5333"/>
             </a:lvl7pPr>
-            <a:lvl8pPr marL="3200400" indent="0">
+            <a:lvl8pPr marL="8534507" indent="0">
               <a:buNone/>
-              <a:defRPr sz="2000"/>
+              <a:defRPr sz="5333"/>
             </a:lvl8pPr>
-            <a:lvl9pPr marL="3657600" indent="0">
+            <a:lvl9pPr marL="9753722" indent="0">
               <a:buNone/>
-              <a:defRPr sz="2000"/>
+              <a:defRPr sz="5333"/>
             </a:lvl9pPr>
           </a:lstStyle>
           <a:p>
-            <a:endParaRPr lang="en-US"/>
+            <a:r>
+              <a:rPr lang="en-US"/>
+              <a:t>Click icon to add picture</a:t>
+            </a:r>
+            <a:endParaRPr lang="en-US" dirty="0"/>
           </a:p>
         </p:txBody>
       </p:sp>
       <p:sp>
         <p:nvSpPr>
-          <p:cNvPr id="4" name="Text Placeholder 3">
-            <a:extLst>
-              <a:ext uri="{FF2B5EF4-FFF2-40B4-BE49-F238E27FC236}">
-                <a16:creationId xmlns:a16="http://schemas.microsoft.com/office/drawing/2014/main" id="{111825D0-C1DC-C3BF-81AC-A09B7120B536}"/>
-              </a:ext>
-            </a:extLst>
-          </p:cNvPr>
+          <p:cNvPr id="4" name="Text Placeholder 3"/>
           <p:cNvSpPr>
             <a:spLocks noGrp="1"/>
           </p:cNvSpPr>
@@ -5015,8 +4904,8 @@
         </p:nvSpPr>
         <p:spPr>
           <a:xfrm>
-            <a:off x="839788" y="2057400"/>
-            <a:ext cx="3932237" cy="3811588"/>
+            <a:off x="1889523" y="5486400"/>
+            <a:ext cx="8847534" cy="10164235"/>
           </a:xfrm>
         </p:spPr>
         <p:txBody>
@@ -5024,39 +4913,39 @@
           <a:lstStyle>
             <a:lvl1pPr marL="0" indent="0">
               <a:buNone/>
-              <a:defRPr sz="1600"/>
+              <a:defRPr sz="4267"/>
             </a:lvl1pPr>
-            <a:lvl2pPr marL="457200" indent="0">
+            <a:lvl2pPr marL="1219215" indent="0">
               <a:buNone/>
-              <a:defRPr sz="1400"/>
+              <a:defRPr sz="3733"/>
             </a:lvl2pPr>
-            <a:lvl3pPr marL="914400" indent="0">
+            <a:lvl3pPr marL="2438430" indent="0">
               <a:buNone/>
-              <a:defRPr sz="1200"/>
+              <a:defRPr sz="3200"/>
             </a:lvl3pPr>
-            <a:lvl4pPr marL="1371600" indent="0">
+            <a:lvl4pPr marL="3657646" indent="0">
               <a:buNone/>
-              <a:defRPr sz="1000"/>
+              <a:defRPr sz="2667"/>
             </a:lvl4pPr>
-            <a:lvl5pPr marL="1828800" indent="0">
+            <a:lvl5pPr marL="4876861" indent="0">
               <a:buNone/>
-              <a:defRPr sz="1000"/>
+              <a:defRPr sz="2667"/>
             </a:lvl5pPr>
-            <a:lvl6pPr marL="2286000" indent="0">
+            <a:lvl6pPr marL="6096076" indent="0">
               <a:buNone/>
-              <a:defRPr sz="1000"/>
+              <a:defRPr sz="2667"/>
             </a:lvl6pPr>
-            <a:lvl7pPr marL="2743200" indent="0">
+            <a:lvl7pPr marL="7315291" indent="0">
               <a:buNone/>
-              <a:defRPr sz="1000"/>
+              <a:defRPr sz="2667"/>
             </a:lvl7pPr>
-            <a:lvl8pPr marL="3200400" indent="0">
+            <a:lvl8pPr marL="8534507" indent="0">
               <a:buNone/>
-              <a:defRPr sz="1000"/>
+              <a:defRPr sz="2667"/>
             </a:lvl8pPr>
-            <a:lvl9pPr marL="3657600" indent="0">
+            <a:lvl9pPr marL="9753722" indent="0">
               <a:buNone/>
-              <a:defRPr sz="1000"/>
+              <a:defRPr sz="2667"/>
             </a:lvl9pPr>
           </a:lstStyle>
           <a:p>
@@ -5070,13 +4959,7 @@
       </p:sp>
       <p:sp>
         <p:nvSpPr>
-          <p:cNvPr id="5" name="Date Placeholder 4">
-            <a:extLst>
-              <a:ext uri="{FF2B5EF4-FFF2-40B4-BE49-F238E27FC236}">
-                <a16:creationId xmlns:a16="http://schemas.microsoft.com/office/drawing/2014/main" id="{18FB6B6A-AB40-C327-11CC-56CD33FCD015}"/>
-              </a:ext>
-            </a:extLst>
-          </p:cNvPr>
+          <p:cNvPr id="5" name="Date Placeholder 4"/>
           <p:cNvSpPr>
             <a:spLocks noGrp="1"/>
           </p:cNvSpPr>
@@ -5091,7 +4974,7 @@
           <a:p>
             <a:fld id="{70857503-BF9B-4F45-840F-08C5E0B57C6A}" type="datetimeFigureOut">
               <a:rPr lang="en-US" smtClean="0"/>
-              <a:t>8/14/2025</a:t>
+              <a:t>8/17/2025</a:t>
             </a:fld>
             <a:endParaRPr lang="en-US"/>
           </a:p>
@@ -5099,13 +4982,7 @@
       </p:sp>
       <p:sp>
         <p:nvSpPr>
-          <p:cNvPr id="6" name="Footer Placeholder 5">
-            <a:extLst>
-              <a:ext uri="{FF2B5EF4-FFF2-40B4-BE49-F238E27FC236}">
-                <a16:creationId xmlns:a16="http://schemas.microsoft.com/office/drawing/2014/main" id="{2AB05D06-5DD1-D914-DF4D-6FA6FA8BA9D4}"/>
-              </a:ext>
-            </a:extLst>
-          </p:cNvPr>
+          <p:cNvPr id="6" name="Footer Placeholder 5"/>
           <p:cNvSpPr>
             <a:spLocks noGrp="1"/>
           </p:cNvSpPr>
@@ -5124,13 +5001,7 @@
       </p:sp>
       <p:sp>
         <p:nvSpPr>
-          <p:cNvPr id="7" name="Slide Number Placeholder 6">
-            <a:extLst>
-              <a:ext uri="{FF2B5EF4-FFF2-40B4-BE49-F238E27FC236}">
-                <a16:creationId xmlns:a16="http://schemas.microsoft.com/office/drawing/2014/main" id="{D7E8A8E2-7235-9553-60B3-E0442E200BC5}"/>
-              </a:ext>
-            </a:extLst>
-          </p:cNvPr>
+          <p:cNvPr id="7" name="Slide Number Placeholder 6"/>
           <p:cNvSpPr>
             <a:spLocks noGrp="1"/>
           </p:cNvSpPr>
@@ -5154,7 +5025,7 @@
     </p:spTree>
     <p:extLst>
       <p:ext uri="{BB962C8B-B14F-4D97-AF65-F5344CB8AC3E}">
-        <p14:creationId xmlns:p14="http://schemas.microsoft.com/office/powerpoint/2010/main" val="908281291"/>
+        <p14:creationId xmlns:p14="http://schemas.microsoft.com/office/powerpoint/2010/main" val="1375551159"/>
       </p:ext>
     </p:extLst>
   </p:cSld>
@@ -5188,13 +5059,7 @@
       </p:grpSpPr>
       <p:sp>
         <p:nvSpPr>
-          <p:cNvPr id="2" name="Title Placeholder 1">
-            <a:extLst>
-              <a:ext uri="{FF2B5EF4-FFF2-40B4-BE49-F238E27FC236}">
-                <a16:creationId xmlns:a16="http://schemas.microsoft.com/office/drawing/2014/main" id="{6DA0CEBB-4A86-7087-52CF-35F0F7E68058}"/>
-              </a:ext>
-            </a:extLst>
-          </p:cNvPr>
+          <p:cNvPr id="2" name="Title Placeholder 1"/>
           <p:cNvSpPr>
             <a:spLocks noGrp="1"/>
           </p:cNvSpPr>
@@ -5204,8 +5069,8 @@
         </p:nvSpPr>
         <p:spPr>
           <a:xfrm>
-            <a:off x="838200" y="365125"/>
-            <a:ext cx="10515600" cy="1325563"/>
+            <a:off x="1885950" y="973671"/>
+            <a:ext cx="23660100" cy="3534835"/>
           </a:xfrm>
           <a:prstGeom prst="rect">
             <a:avLst/>
@@ -5221,18 +5086,13 @@
               <a:rPr lang="en-US"/>
               <a:t>Click to edit Master title style</a:t>
             </a:r>
+            <a:endParaRPr lang="en-US" dirty="0"/>
           </a:p>
         </p:txBody>
       </p:sp>
       <p:sp>
         <p:nvSpPr>
-          <p:cNvPr id="3" name="Text Placeholder 2">
-            <a:extLst>
-              <a:ext uri="{FF2B5EF4-FFF2-40B4-BE49-F238E27FC236}">
-                <a16:creationId xmlns:a16="http://schemas.microsoft.com/office/drawing/2014/main" id="{CB762085-50B6-929D-1F02-242DB3CFE2F8}"/>
-              </a:ext>
-            </a:extLst>
-          </p:cNvPr>
+          <p:cNvPr id="3" name="Text Placeholder 2"/>
           <p:cNvSpPr>
             <a:spLocks noGrp="1"/>
           </p:cNvSpPr>
@@ -5242,8 +5102,8 @@
         </p:nvSpPr>
         <p:spPr>
           <a:xfrm>
-            <a:off x="838200" y="1825625"/>
-            <a:ext cx="10515600" cy="4351338"/>
+            <a:off x="1885950" y="4868333"/>
+            <a:ext cx="23660100" cy="11603568"/>
           </a:xfrm>
           <a:prstGeom prst="rect">
             <a:avLst/>
@@ -5288,18 +5148,13 @@
               <a:rPr lang="en-US"/>
               <a:t>Fifth level</a:t>
             </a:r>
+            <a:endParaRPr lang="en-US" dirty="0"/>
           </a:p>
         </p:txBody>
       </p:sp>
       <p:sp>
         <p:nvSpPr>
-          <p:cNvPr id="4" name="Date Placeholder 3">
-            <a:extLst>
-              <a:ext uri="{FF2B5EF4-FFF2-40B4-BE49-F238E27FC236}">
-                <a16:creationId xmlns:a16="http://schemas.microsoft.com/office/drawing/2014/main" id="{DD67B373-EFDE-6F69-7BA7-2E24B2238137}"/>
-              </a:ext>
-            </a:extLst>
-          </p:cNvPr>
+          <p:cNvPr id="4" name="Date Placeholder 3"/>
           <p:cNvSpPr>
             <a:spLocks noGrp="1"/>
           </p:cNvSpPr>
@@ -5309,8 +5164,8 @@
         </p:nvSpPr>
         <p:spPr>
           <a:xfrm>
-            <a:off x="838200" y="6356350"/>
-            <a:ext cx="2743200" cy="365125"/>
+            <a:off x="1885950" y="16950271"/>
+            <a:ext cx="6172200" cy="973667"/>
           </a:xfrm>
           <a:prstGeom prst="rect">
             <a:avLst/>
@@ -5320,7 +5175,7 @@
           <a:bodyPr vert="horz" lIns="91440" tIns="45720" rIns="91440" bIns="45720" rtlCol="0" anchor="ctr"/>
           <a:lstStyle>
             <a:lvl1pPr algn="l">
-              <a:defRPr sz="1200">
+              <a:defRPr sz="3200">
                 <a:solidFill>
                   <a:schemeClr val="tx1">
                     <a:tint val="82000"/>
@@ -5332,7 +5187,7 @@
           <a:p>
             <a:fld id="{70857503-BF9B-4F45-840F-08C5E0B57C6A}" type="datetimeFigureOut">
               <a:rPr lang="en-US" smtClean="0"/>
-              <a:t>8/14/2025</a:t>
+              <a:t>8/17/2025</a:t>
             </a:fld>
             <a:endParaRPr lang="en-US"/>
           </a:p>
@@ -5340,13 +5195,7 @@
       </p:sp>
       <p:sp>
         <p:nvSpPr>
-          <p:cNvPr id="5" name="Footer Placeholder 4">
-            <a:extLst>
-              <a:ext uri="{FF2B5EF4-FFF2-40B4-BE49-F238E27FC236}">
-                <a16:creationId xmlns:a16="http://schemas.microsoft.com/office/drawing/2014/main" id="{C4C03D2D-9C09-9591-A848-397E44DAB98D}"/>
-              </a:ext>
-            </a:extLst>
-          </p:cNvPr>
+          <p:cNvPr id="5" name="Footer Placeholder 4"/>
           <p:cNvSpPr>
             <a:spLocks noGrp="1"/>
           </p:cNvSpPr>
@@ -5356,8 +5205,8 @@
         </p:nvSpPr>
         <p:spPr>
           <a:xfrm>
-            <a:off x="4038600" y="6356350"/>
-            <a:ext cx="4114800" cy="365125"/>
+            <a:off x="9086850" y="16950271"/>
+            <a:ext cx="9258300" cy="973667"/>
           </a:xfrm>
           <a:prstGeom prst="rect">
             <a:avLst/>
@@ -5367,7 +5216,7 @@
           <a:bodyPr vert="horz" lIns="91440" tIns="45720" rIns="91440" bIns="45720" rtlCol="0" anchor="ctr"/>
           <a:lstStyle>
             <a:lvl1pPr algn="ctr">
-              <a:defRPr sz="1200">
+              <a:defRPr sz="3200">
                 <a:solidFill>
                   <a:schemeClr val="tx1">
                     <a:tint val="82000"/>
@@ -5383,13 +5232,7 @@
       </p:sp>
       <p:sp>
         <p:nvSpPr>
-          <p:cNvPr id="6" name="Slide Number Placeholder 5">
-            <a:extLst>
-              <a:ext uri="{FF2B5EF4-FFF2-40B4-BE49-F238E27FC236}">
-                <a16:creationId xmlns:a16="http://schemas.microsoft.com/office/drawing/2014/main" id="{C813ED5E-44F6-BE6E-1E65-423A4CD9AC55}"/>
-              </a:ext>
-            </a:extLst>
-          </p:cNvPr>
+          <p:cNvPr id="6" name="Slide Number Placeholder 5"/>
           <p:cNvSpPr>
             <a:spLocks noGrp="1"/>
           </p:cNvSpPr>
@@ -5399,8 +5242,8 @@
         </p:nvSpPr>
         <p:spPr>
           <a:xfrm>
-            <a:off x="8610600" y="6356350"/>
-            <a:ext cx="2743200" cy="365125"/>
+            <a:off x="19373850" y="16950271"/>
+            <a:ext cx="6172200" cy="973667"/>
           </a:xfrm>
           <a:prstGeom prst="rect">
             <a:avLst/>
@@ -5410,7 +5253,7 @@
           <a:bodyPr vert="horz" lIns="91440" tIns="45720" rIns="91440" bIns="45720" rtlCol="0" anchor="ctr"/>
           <a:lstStyle>
             <a:lvl1pPr algn="r">
-              <a:defRPr sz="1200">
+              <a:defRPr sz="3200">
                 <a:solidFill>
                   <a:schemeClr val="tx1">
                     <a:tint val="82000"/>
@@ -5431,27 +5274,27 @@
     </p:spTree>
     <p:extLst>
       <p:ext uri="{BB962C8B-B14F-4D97-AF65-F5344CB8AC3E}">
-        <p14:creationId xmlns:p14="http://schemas.microsoft.com/office/powerpoint/2010/main" val="2290840818"/>
+        <p14:creationId xmlns:p14="http://schemas.microsoft.com/office/powerpoint/2010/main" val="2533352884"/>
       </p:ext>
     </p:extLst>
   </p:cSld>
   <p:clrMap bg1="lt1" tx1="dk1" bg2="lt2" tx2="dk2" accent1="accent1" accent2="accent2" accent3="accent3" accent4="accent4" accent5="accent5" accent6="accent6" hlink="hlink" folHlink="folHlink"/>
   <p:sldLayoutIdLst>
-    <p:sldLayoutId id="2147483649" r:id="rId1"/>
-    <p:sldLayoutId id="2147483650" r:id="rId2"/>
-    <p:sldLayoutId id="2147483651" r:id="rId3"/>
-    <p:sldLayoutId id="2147483652" r:id="rId4"/>
-    <p:sldLayoutId id="2147483653" r:id="rId5"/>
-    <p:sldLayoutId id="2147483654" r:id="rId6"/>
-    <p:sldLayoutId id="2147483655" r:id="rId7"/>
-    <p:sldLayoutId id="2147483656" r:id="rId8"/>
-    <p:sldLayoutId id="2147483657" r:id="rId9"/>
-    <p:sldLayoutId id="2147483658" r:id="rId10"/>
-    <p:sldLayoutId id="2147483659" r:id="rId11"/>
+    <p:sldLayoutId id="2147483673" r:id="rId1"/>
+    <p:sldLayoutId id="2147483674" r:id="rId2"/>
+    <p:sldLayoutId id="2147483675" r:id="rId3"/>
+    <p:sldLayoutId id="2147483676" r:id="rId4"/>
+    <p:sldLayoutId id="2147483677" r:id="rId5"/>
+    <p:sldLayoutId id="2147483678" r:id="rId6"/>
+    <p:sldLayoutId id="2147483679" r:id="rId7"/>
+    <p:sldLayoutId id="2147483680" r:id="rId8"/>
+    <p:sldLayoutId id="2147483681" r:id="rId9"/>
+    <p:sldLayoutId id="2147483682" r:id="rId10"/>
+    <p:sldLayoutId id="2147483683" r:id="rId11"/>
   </p:sldLayoutIdLst>
   <p:txStyles>
     <p:titleStyle>
-      <a:lvl1pPr algn="l" defTabSz="914400" rtl="0" eaLnBrk="1" latinLnBrk="0" hangingPunct="1">
+      <a:lvl1pPr algn="l" defTabSz="2438430" rtl="0" eaLnBrk="1" latinLnBrk="0" hangingPunct="1">
         <a:lnSpc>
           <a:spcPct val="90000"/>
         </a:lnSpc>
@@ -5459,7 +5302,7 @@
           <a:spcPct val="0"/>
         </a:spcBef>
         <a:buNone/>
-        <a:defRPr sz="4400" kern="1200">
+        <a:defRPr sz="11733" kern="1200">
           <a:solidFill>
             <a:schemeClr val="tx1"/>
           </a:solidFill>
@@ -5470,16 +5313,16 @@
       </a:lvl1pPr>
     </p:titleStyle>
     <p:bodyStyle>
-      <a:lvl1pPr marL="228600" indent="-228600" algn="l" defTabSz="914400" rtl="0" eaLnBrk="1" latinLnBrk="0" hangingPunct="1">
+      <a:lvl1pPr marL="609608" indent="-609608" algn="l" defTabSz="2438430" rtl="0" eaLnBrk="1" latinLnBrk="0" hangingPunct="1">
         <a:lnSpc>
           <a:spcPct val="90000"/>
         </a:lnSpc>
         <a:spcBef>
-          <a:spcPts val="1000"/>
+          <a:spcPts val="2667"/>
         </a:spcBef>
         <a:buFont typeface="Arial" panose="020B0604020202020204" pitchFamily="34" charset="0"/>
         <a:buChar char="•"/>
-        <a:defRPr sz="2800" kern="1200">
+        <a:defRPr sz="7467" kern="1200">
           <a:solidFill>
             <a:schemeClr val="tx1"/>
           </a:solidFill>
@@ -5488,16 +5331,16 @@
           <a:cs typeface="+mn-cs"/>
         </a:defRPr>
       </a:lvl1pPr>
-      <a:lvl2pPr marL="685800" indent="-228600" algn="l" defTabSz="914400" rtl="0" eaLnBrk="1" latinLnBrk="0" hangingPunct="1">
+      <a:lvl2pPr marL="1828823" indent="-609608" algn="l" defTabSz="2438430" rtl="0" eaLnBrk="1" latinLnBrk="0" hangingPunct="1">
         <a:lnSpc>
           <a:spcPct val="90000"/>
         </a:lnSpc>
         <a:spcBef>
-          <a:spcPts val="500"/>
+          <a:spcPts val="1333"/>
         </a:spcBef>
         <a:buFont typeface="Arial" panose="020B0604020202020204" pitchFamily="34" charset="0"/>
         <a:buChar char="•"/>
-        <a:defRPr sz="2400" kern="1200">
+        <a:defRPr sz="6400" kern="1200">
           <a:solidFill>
             <a:schemeClr val="tx1"/>
           </a:solidFill>
@@ -5506,16 +5349,16 @@
           <a:cs typeface="+mn-cs"/>
         </a:defRPr>
       </a:lvl2pPr>
-      <a:lvl3pPr marL="1143000" indent="-228600" algn="l" defTabSz="914400" rtl="0" eaLnBrk="1" latinLnBrk="0" hangingPunct="1">
+      <a:lvl3pPr marL="3048038" indent="-609608" algn="l" defTabSz="2438430" rtl="0" eaLnBrk="1" latinLnBrk="0" hangingPunct="1">
         <a:lnSpc>
           <a:spcPct val="90000"/>
         </a:lnSpc>
         <a:spcBef>
-          <a:spcPts val="500"/>
+          <a:spcPts val="1333"/>
         </a:spcBef>
         <a:buFont typeface="Arial" panose="020B0604020202020204" pitchFamily="34" charset="0"/>
         <a:buChar char="•"/>
-        <a:defRPr sz="2000" kern="1200">
+        <a:defRPr sz="5333" kern="1200">
           <a:solidFill>
             <a:schemeClr val="tx1"/>
           </a:solidFill>
@@ -5524,16 +5367,16 @@
           <a:cs typeface="+mn-cs"/>
         </a:defRPr>
       </a:lvl3pPr>
-      <a:lvl4pPr marL="1600200" indent="-228600" algn="l" defTabSz="914400" rtl="0" eaLnBrk="1" latinLnBrk="0" hangingPunct="1">
+      <a:lvl4pPr marL="4267253" indent="-609608" algn="l" defTabSz="2438430" rtl="0" eaLnBrk="1" latinLnBrk="0" hangingPunct="1">
         <a:lnSpc>
           <a:spcPct val="90000"/>
         </a:lnSpc>
         <a:spcBef>
-          <a:spcPts val="500"/>
+          <a:spcPts val="1333"/>
         </a:spcBef>
         <a:buFont typeface="Arial" panose="020B0604020202020204" pitchFamily="34" charset="0"/>
         <a:buChar char="•"/>
-        <a:defRPr sz="1800" kern="1200">
+        <a:defRPr sz="4800" kern="1200">
           <a:solidFill>
             <a:schemeClr val="tx1"/>
           </a:solidFill>
@@ -5542,16 +5385,16 @@
           <a:cs typeface="+mn-cs"/>
         </a:defRPr>
       </a:lvl4pPr>
-      <a:lvl5pPr marL="2057400" indent="-228600" algn="l" defTabSz="914400" rtl="0" eaLnBrk="1" latinLnBrk="0" hangingPunct="1">
+      <a:lvl5pPr marL="5486469" indent="-609608" algn="l" defTabSz="2438430" rtl="0" eaLnBrk="1" latinLnBrk="0" hangingPunct="1">
         <a:lnSpc>
           <a:spcPct val="90000"/>
         </a:lnSpc>
         <a:spcBef>
-          <a:spcPts val="500"/>
+          <a:spcPts val="1333"/>
         </a:spcBef>
         <a:buFont typeface="Arial" panose="020B0604020202020204" pitchFamily="34" charset="0"/>
         <a:buChar char="•"/>
-        <a:defRPr sz="1800" kern="1200">
+        <a:defRPr sz="4800" kern="1200">
           <a:solidFill>
             <a:schemeClr val="tx1"/>
           </a:solidFill>
@@ -5560,16 +5403,16 @@
           <a:cs typeface="+mn-cs"/>
         </a:defRPr>
       </a:lvl5pPr>
-      <a:lvl6pPr marL="2514600" indent="-228600" algn="l" defTabSz="914400" rtl="0" eaLnBrk="1" latinLnBrk="0" hangingPunct="1">
+      <a:lvl6pPr marL="6705684" indent="-609608" algn="l" defTabSz="2438430" rtl="0" eaLnBrk="1" latinLnBrk="0" hangingPunct="1">
         <a:lnSpc>
           <a:spcPct val="90000"/>
         </a:lnSpc>
         <a:spcBef>
-          <a:spcPts val="500"/>
+          <a:spcPts val="1333"/>
         </a:spcBef>
         <a:buFont typeface="Arial" panose="020B0604020202020204" pitchFamily="34" charset="0"/>
         <a:buChar char="•"/>
-        <a:defRPr sz="1800" kern="1200">
+        <a:defRPr sz="4800" kern="1200">
           <a:solidFill>
             <a:schemeClr val="tx1"/>
           </a:solidFill>
@@ -5578,16 +5421,16 @@
           <a:cs typeface="+mn-cs"/>
         </a:defRPr>
       </a:lvl6pPr>
-      <a:lvl7pPr marL="2971800" indent="-228600" algn="l" defTabSz="914400" rtl="0" eaLnBrk="1" latinLnBrk="0" hangingPunct="1">
+      <a:lvl7pPr marL="7924899" indent="-609608" algn="l" defTabSz="2438430" rtl="0" eaLnBrk="1" latinLnBrk="0" hangingPunct="1">
         <a:lnSpc>
           <a:spcPct val="90000"/>
         </a:lnSpc>
         <a:spcBef>
-          <a:spcPts val="500"/>
+          <a:spcPts val="1333"/>
         </a:spcBef>
         <a:buFont typeface="Arial" panose="020B0604020202020204" pitchFamily="34" charset="0"/>
         <a:buChar char="•"/>
-        <a:defRPr sz="1800" kern="1200">
+        <a:defRPr sz="4800" kern="1200">
           <a:solidFill>
             <a:schemeClr val="tx1"/>
           </a:solidFill>
@@ -5596,16 +5439,16 @@
           <a:cs typeface="+mn-cs"/>
         </a:defRPr>
       </a:lvl7pPr>
-      <a:lvl8pPr marL="3429000" indent="-228600" algn="l" defTabSz="914400" rtl="0" eaLnBrk="1" latinLnBrk="0" hangingPunct="1">
+      <a:lvl8pPr marL="9144114" indent="-609608" algn="l" defTabSz="2438430" rtl="0" eaLnBrk="1" latinLnBrk="0" hangingPunct="1">
         <a:lnSpc>
           <a:spcPct val="90000"/>
         </a:lnSpc>
         <a:spcBef>
-          <a:spcPts val="500"/>
+          <a:spcPts val="1333"/>
         </a:spcBef>
         <a:buFont typeface="Arial" panose="020B0604020202020204" pitchFamily="34" charset="0"/>
         <a:buChar char="•"/>
-        <a:defRPr sz="1800" kern="1200">
+        <a:defRPr sz="4800" kern="1200">
           <a:solidFill>
             <a:schemeClr val="tx1"/>
           </a:solidFill>
@@ -5614,16 +5457,16 @@
           <a:cs typeface="+mn-cs"/>
         </a:defRPr>
       </a:lvl8pPr>
-      <a:lvl9pPr marL="3886200" indent="-228600" algn="l" defTabSz="914400" rtl="0" eaLnBrk="1" latinLnBrk="0" hangingPunct="1">
+      <a:lvl9pPr marL="10363330" indent="-609608" algn="l" defTabSz="2438430" rtl="0" eaLnBrk="1" latinLnBrk="0" hangingPunct="1">
         <a:lnSpc>
           <a:spcPct val="90000"/>
         </a:lnSpc>
         <a:spcBef>
-          <a:spcPts val="500"/>
+          <a:spcPts val="1333"/>
         </a:spcBef>
         <a:buFont typeface="Arial" panose="020B0604020202020204" pitchFamily="34" charset="0"/>
         <a:buChar char="•"/>
-        <a:defRPr sz="1800" kern="1200">
+        <a:defRPr sz="4800" kern="1200">
           <a:solidFill>
             <a:schemeClr val="tx1"/>
           </a:solidFill>
@@ -5637,8 +5480,8 @@
       <a:defPPr>
         <a:defRPr lang="en-US"/>
       </a:defPPr>
-      <a:lvl1pPr marL="0" algn="l" defTabSz="914400" rtl="0" eaLnBrk="1" latinLnBrk="0" hangingPunct="1">
-        <a:defRPr sz="1800" kern="1200">
+      <a:lvl1pPr marL="0" algn="l" defTabSz="2438430" rtl="0" eaLnBrk="1" latinLnBrk="0" hangingPunct="1">
+        <a:defRPr sz="4800" kern="1200">
           <a:solidFill>
             <a:schemeClr val="tx1"/>
           </a:solidFill>
@@ -5647,8 +5490,8 @@
           <a:cs typeface="+mn-cs"/>
         </a:defRPr>
       </a:lvl1pPr>
-      <a:lvl2pPr marL="457200" algn="l" defTabSz="914400" rtl="0" eaLnBrk="1" latinLnBrk="0" hangingPunct="1">
-        <a:defRPr sz="1800" kern="1200">
+      <a:lvl2pPr marL="1219215" algn="l" defTabSz="2438430" rtl="0" eaLnBrk="1" latinLnBrk="0" hangingPunct="1">
+        <a:defRPr sz="4800" kern="1200">
           <a:solidFill>
             <a:schemeClr val="tx1"/>
           </a:solidFill>
@@ -5657,8 +5500,8 @@
           <a:cs typeface="+mn-cs"/>
         </a:defRPr>
       </a:lvl2pPr>
-      <a:lvl3pPr marL="914400" algn="l" defTabSz="914400" rtl="0" eaLnBrk="1" latinLnBrk="0" hangingPunct="1">
-        <a:defRPr sz="1800" kern="1200">
+      <a:lvl3pPr marL="2438430" algn="l" defTabSz="2438430" rtl="0" eaLnBrk="1" latinLnBrk="0" hangingPunct="1">
+        <a:defRPr sz="4800" kern="1200">
           <a:solidFill>
             <a:schemeClr val="tx1"/>
           </a:solidFill>
@@ -5667,8 +5510,8 @@
           <a:cs typeface="+mn-cs"/>
         </a:defRPr>
       </a:lvl3pPr>
-      <a:lvl4pPr marL="1371600" algn="l" defTabSz="914400" rtl="0" eaLnBrk="1" latinLnBrk="0" hangingPunct="1">
-        <a:defRPr sz="1800" kern="1200">
+      <a:lvl4pPr marL="3657646" algn="l" defTabSz="2438430" rtl="0" eaLnBrk="1" latinLnBrk="0" hangingPunct="1">
+        <a:defRPr sz="4800" kern="1200">
           <a:solidFill>
             <a:schemeClr val="tx1"/>
           </a:solidFill>
@@ -5677,8 +5520,8 @@
           <a:cs typeface="+mn-cs"/>
         </a:defRPr>
       </a:lvl4pPr>
-      <a:lvl5pPr marL="1828800" algn="l" defTabSz="914400" rtl="0" eaLnBrk="1" latinLnBrk="0" hangingPunct="1">
-        <a:defRPr sz="1800" kern="1200">
+      <a:lvl5pPr marL="4876861" algn="l" defTabSz="2438430" rtl="0" eaLnBrk="1" latinLnBrk="0" hangingPunct="1">
+        <a:defRPr sz="4800" kern="1200">
           <a:solidFill>
             <a:schemeClr val="tx1"/>
           </a:solidFill>
@@ -5687,8 +5530,8 @@
           <a:cs typeface="+mn-cs"/>
         </a:defRPr>
       </a:lvl5pPr>
-      <a:lvl6pPr marL="2286000" algn="l" defTabSz="914400" rtl="0" eaLnBrk="1" latinLnBrk="0" hangingPunct="1">
-        <a:defRPr sz="1800" kern="1200">
+      <a:lvl6pPr marL="6096076" algn="l" defTabSz="2438430" rtl="0" eaLnBrk="1" latinLnBrk="0" hangingPunct="1">
+        <a:defRPr sz="4800" kern="1200">
           <a:solidFill>
             <a:schemeClr val="tx1"/>
           </a:solidFill>
@@ -5697,8 +5540,8 @@
           <a:cs typeface="+mn-cs"/>
         </a:defRPr>
       </a:lvl6pPr>
-      <a:lvl7pPr marL="2743200" algn="l" defTabSz="914400" rtl="0" eaLnBrk="1" latinLnBrk="0" hangingPunct="1">
-        <a:defRPr sz="1800" kern="1200">
+      <a:lvl7pPr marL="7315291" algn="l" defTabSz="2438430" rtl="0" eaLnBrk="1" latinLnBrk="0" hangingPunct="1">
+        <a:defRPr sz="4800" kern="1200">
           <a:solidFill>
             <a:schemeClr val="tx1"/>
           </a:solidFill>
@@ -5707,8 +5550,8 @@
           <a:cs typeface="+mn-cs"/>
         </a:defRPr>
       </a:lvl7pPr>
-      <a:lvl8pPr marL="3200400" algn="l" defTabSz="914400" rtl="0" eaLnBrk="1" latinLnBrk="0" hangingPunct="1">
-        <a:defRPr sz="1800" kern="1200">
+      <a:lvl8pPr marL="8534507" algn="l" defTabSz="2438430" rtl="0" eaLnBrk="1" latinLnBrk="0" hangingPunct="1">
+        <a:defRPr sz="4800" kern="1200">
           <a:solidFill>
             <a:schemeClr val="tx1"/>
           </a:solidFill>
@@ -5717,8 +5560,8 @@
           <a:cs typeface="+mn-cs"/>
         </a:defRPr>
       </a:lvl8pPr>
-      <a:lvl9pPr marL="3657600" algn="l" defTabSz="914400" rtl="0" eaLnBrk="1" latinLnBrk="0" hangingPunct="1">
-        <a:defRPr sz="1800" kern="1200">
+      <a:lvl9pPr marL="9753722" algn="l" defTabSz="2438430" rtl="0" eaLnBrk="1" latinLnBrk="0" hangingPunct="1">
+        <a:defRPr sz="4800" kern="1200">
           <a:solidFill>
             <a:schemeClr val="tx1"/>
           </a:solidFill>
@@ -5767,7 +5610,7 @@
         </p:nvSpPr>
         <p:spPr>
           <a:xfrm>
-            <a:off x="-137651" y="0"/>
+            <a:off x="7482351" y="5715002"/>
             <a:ext cx="4168877" cy="560285"/>
           </a:xfrm>
         </p:spPr>
@@ -5824,7 +5667,7 @@
         </p:nvSpPr>
         <p:spPr>
           <a:xfrm>
-            <a:off x="4791098" y="1083895"/>
+            <a:off x="12411100" y="6798895"/>
             <a:ext cx="1730335" cy="387144"/>
           </a:xfrm>
           <a:prstGeom prst="rect">
@@ -5889,7 +5732,7 @@
         </p:nvCxnSpPr>
         <p:spPr>
           <a:xfrm>
-            <a:off x="4367796" y="1277467"/>
+            <a:off x="11987796" y="6992467"/>
             <a:ext cx="423302" cy="0"/>
           </a:xfrm>
           <a:prstGeom prst="straightConnector1">
@@ -5928,7 +5771,7 @@
         </p:nvSpPr>
         <p:spPr>
           <a:xfrm>
-            <a:off x="2974335" y="926944"/>
+            <a:off x="10594337" y="6641946"/>
             <a:ext cx="1393461" cy="701045"/>
           </a:xfrm>
           <a:prstGeom prst="round2DiagRect">
@@ -5994,7 +5837,7 @@
         </p:nvCxnSpPr>
         <p:spPr>
           <a:xfrm>
-            <a:off x="2551034" y="1277467"/>
+            <a:off x="10171036" y="6992467"/>
             <a:ext cx="423301" cy="0"/>
           </a:xfrm>
           <a:prstGeom prst="straightConnector1">
@@ -6033,7 +5876,7 @@
         </p:nvSpPr>
         <p:spPr>
           <a:xfrm>
-            <a:off x="806245" y="1083895"/>
+            <a:off x="8426247" y="6798895"/>
             <a:ext cx="1744789" cy="387144"/>
           </a:xfrm>
           <a:prstGeom prst="rect">
@@ -6110,6 +5953,49 @@
           <a:chExt cx="0" cy="0"/>
         </a:xfrm>
       </p:grpSpPr>
+      <p:cxnSp>
+        <p:nvCxnSpPr>
+          <p:cNvPr id="193" name="Straight Arrow Connector 192">
+            <a:extLst>
+              <a:ext uri="{FF2B5EF4-FFF2-40B4-BE49-F238E27FC236}">
+                <a16:creationId xmlns:a16="http://schemas.microsoft.com/office/drawing/2014/main" id="{C5B6587B-CC6C-630B-7833-C60EC307C3E9}"/>
+              </a:ext>
+            </a:extLst>
+          </p:cNvPr>
+          <p:cNvCxnSpPr>
+            <a:cxnSpLocks/>
+            <a:stCxn id="104" idx="1"/>
+            <a:endCxn id="201" idx="1"/>
+          </p:cNvCxnSpPr>
+          <p:nvPr/>
+        </p:nvCxnSpPr>
+        <p:spPr>
+          <a:xfrm>
+            <a:off x="10443991" y="11080180"/>
+            <a:ext cx="1123653" cy="480102"/>
+          </a:xfrm>
+          <a:prstGeom prst="straightConnector1">
+            <a:avLst/>
+          </a:prstGeom>
+          <a:ln w="57150">
+            <a:tailEnd type="triangle"/>
+          </a:ln>
+        </p:spPr>
+        <p:style>
+          <a:lnRef idx="2">
+            <a:schemeClr val="accent1"/>
+          </a:lnRef>
+          <a:fillRef idx="0">
+            <a:schemeClr val="accent1"/>
+          </a:fillRef>
+          <a:effectRef idx="1">
+            <a:schemeClr val="accent1"/>
+          </a:effectRef>
+          <a:fontRef idx="minor">
+            <a:schemeClr val="tx1"/>
+          </a:fontRef>
+        </p:style>
+      </p:cxnSp>
       <p:sp>
         <p:nvSpPr>
           <p:cNvPr id="384" name="Rectangle: Diagonal Corners Rounded 383">
@@ -6124,7 +6010,7 @@
         </p:nvSpPr>
         <p:spPr>
           <a:xfrm>
-            <a:off x="1782876" y="2543852"/>
+            <a:off x="6919010" y="4258352"/>
             <a:ext cx="985710" cy="444166"/>
           </a:xfrm>
           <a:prstGeom prst="round2DiagRect">
@@ -6176,7 +6062,7 @@
         </p:nvSpPr>
         <p:spPr>
           <a:xfrm>
-            <a:off x="1729468" y="2500528"/>
+            <a:off x="6865602" y="4215028"/>
             <a:ext cx="985710" cy="444166"/>
           </a:xfrm>
           <a:prstGeom prst="round2DiagRect">
@@ -6230,7 +6116,7 @@
         </p:nvSpPr>
         <p:spPr>
           <a:xfrm>
-            <a:off x="-627224" y="44199"/>
+            <a:off x="796368" y="1448200"/>
             <a:ext cx="2554214" cy="315408"/>
           </a:xfrm>
           <a:prstGeom prst="rect">
@@ -6282,7 +6168,7 @@
         </p:nvSpPr>
         <p:spPr>
           <a:xfrm>
-            <a:off x="9995748" y="1564995"/>
+            <a:off x="15131882" y="3279497"/>
             <a:ext cx="1599416" cy="194475"/>
           </a:xfrm>
           <a:prstGeom prst="rect">
@@ -6337,7 +6223,7 @@
         </p:nvSpPr>
         <p:spPr>
           <a:xfrm>
-            <a:off x="10028406" y="2044316"/>
+            <a:off x="15164540" y="3758816"/>
             <a:ext cx="1420240" cy="444166"/>
           </a:xfrm>
           <a:prstGeom prst="round2DiagRect">
@@ -6426,7 +6312,7 @@
         </p:nvCxnSpPr>
         <p:spPr>
           <a:xfrm flipH="1">
-            <a:off x="10738526" y="1759470"/>
+            <a:off x="15874660" y="3473970"/>
             <a:ext cx="56930" cy="284846"/>
           </a:xfrm>
           <a:prstGeom prst="straightConnector1">
@@ -6465,7 +6351,7 @@
         </p:nvSpPr>
         <p:spPr>
           <a:xfrm>
-            <a:off x="9995748" y="2703757"/>
+            <a:off x="15131884" y="4418259"/>
             <a:ext cx="1514271" cy="222083"/>
           </a:xfrm>
           <a:prstGeom prst="rect">
@@ -6524,7 +6410,7 @@
         </p:nvCxnSpPr>
         <p:spPr>
           <a:xfrm>
-            <a:off x="10738526" y="2488482"/>
+            <a:off x="15874660" y="4202984"/>
             <a:ext cx="14358" cy="215275"/>
           </a:xfrm>
           <a:prstGeom prst="straightConnector1">
@@ -6563,7 +6449,7 @@
         </p:nvSpPr>
         <p:spPr>
           <a:xfrm>
-            <a:off x="9932101" y="997119"/>
+            <a:off x="15068237" y="2711619"/>
             <a:ext cx="1730335" cy="387144"/>
           </a:xfrm>
           <a:prstGeom prst="rect">
@@ -6640,7 +6526,7 @@
         </p:nvCxnSpPr>
         <p:spPr>
           <a:xfrm flipH="1">
-            <a:off x="10795456" y="1384263"/>
+            <a:off x="15931592" y="3098763"/>
             <a:ext cx="1813" cy="180732"/>
           </a:xfrm>
           <a:prstGeom prst="straightConnector1">
@@ -6679,7 +6565,7 @@
         </p:nvSpPr>
         <p:spPr>
           <a:xfrm>
-            <a:off x="9995748" y="3090097"/>
+            <a:off x="15131884" y="4804599"/>
             <a:ext cx="1514271" cy="546203"/>
           </a:xfrm>
           <a:prstGeom prst="rect">
@@ -6747,7 +6633,7 @@
         </p:nvCxnSpPr>
         <p:spPr>
           <a:xfrm>
-            <a:off x="10752884" y="2925840"/>
+            <a:off x="15889018" y="4640342"/>
             <a:ext cx="0" cy="164257"/>
           </a:xfrm>
           <a:prstGeom prst="straightConnector1">
@@ -6786,7 +6672,7 @@
         </p:nvSpPr>
         <p:spPr>
           <a:xfrm>
-            <a:off x="4515795" y="130166"/>
+            <a:off x="9651931" y="1844666"/>
             <a:ext cx="1730335" cy="387144"/>
           </a:xfrm>
           <a:prstGeom prst="rect">
@@ -6851,7 +6737,7 @@
         </p:nvCxnSpPr>
         <p:spPr>
           <a:xfrm>
-            <a:off x="9856816" y="296446"/>
+            <a:off x="14992950" y="2010946"/>
             <a:ext cx="498004" cy="0"/>
           </a:xfrm>
           <a:prstGeom prst="straightConnector1">
@@ -6890,7 +6776,7 @@
         </p:nvSpPr>
         <p:spPr>
           <a:xfrm>
-            <a:off x="10354820" y="74363"/>
+            <a:off x="15490956" y="1788863"/>
             <a:ext cx="865167" cy="444166"/>
           </a:xfrm>
           <a:prstGeom prst="round2DiagRect">
@@ -6956,7 +6842,7 @@
         </p:nvCxnSpPr>
         <p:spPr>
           <a:xfrm>
-            <a:off x="10787404" y="518529"/>
+            <a:off x="15923540" y="2233029"/>
             <a:ext cx="9865" cy="478590"/>
           </a:xfrm>
           <a:prstGeom prst="straightConnector1">
@@ -6995,7 +6881,7 @@
         </p:nvSpPr>
         <p:spPr>
           <a:xfrm>
-            <a:off x="6901068" y="822725"/>
+            <a:off x="12037202" y="2537225"/>
             <a:ext cx="2457744" cy="387144"/>
           </a:xfrm>
           <a:prstGeom prst="rect">
@@ -7060,7 +6946,7 @@
         </p:nvCxnSpPr>
         <p:spPr>
           <a:xfrm flipH="1">
-            <a:off x="9358812" y="518529"/>
+            <a:off x="14494946" y="2233029"/>
             <a:ext cx="1428592" cy="497768"/>
           </a:xfrm>
           <a:prstGeom prst="straightConnector1">
@@ -7099,7 +6985,7 @@
         </p:nvSpPr>
         <p:spPr>
           <a:xfrm>
-            <a:off x="7460876" y="1497872"/>
+            <a:off x="12597012" y="3212372"/>
             <a:ext cx="1307757" cy="444166"/>
           </a:xfrm>
           <a:prstGeom prst="round2DiagRect">
@@ -7186,7 +7072,7 @@
         </p:nvCxnSpPr>
         <p:spPr>
           <a:xfrm flipH="1">
-            <a:off x="8114755" y="1209869"/>
+            <a:off x="13250891" y="2924371"/>
             <a:ext cx="15185" cy="288003"/>
           </a:xfrm>
           <a:prstGeom prst="straightConnector1">
@@ -7229,7 +7115,7 @@
         </p:nvCxnSpPr>
         <p:spPr>
           <a:xfrm>
-            <a:off x="8114755" y="1942038"/>
+            <a:off x="13250891" y="3656540"/>
             <a:ext cx="697779" cy="228811"/>
           </a:xfrm>
           <a:prstGeom prst="straightConnector1">
@@ -7268,7 +7154,7 @@
         </p:nvSpPr>
         <p:spPr>
           <a:xfrm>
-            <a:off x="8144252" y="2170849"/>
+            <a:off x="13280386" y="3885349"/>
             <a:ext cx="1336564" cy="444166"/>
           </a:xfrm>
           <a:prstGeom prst="round2DiagRect">
@@ -7347,7 +7233,7 @@
         </p:nvCxnSpPr>
         <p:spPr>
           <a:xfrm flipH="1">
-            <a:off x="8076530" y="2615015"/>
+            <a:off x="13212664" y="4329515"/>
             <a:ext cx="736004" cy="286054"/>
           </a:xfrm>
           <a:prstGeom prst="straightConnector1">
@@ -7386,7 +7272,7 @@
         </p:nvSpPr>
         <p:spPr>
           <a:xfrm>
-            <a:off x="7319394" y="2901069"/>
+            <a:off x="12455528" y="4615569"/>
             <a:ext cx="1514272" cy="387144"/>
           </a:xfrm>
           <a:prstGeom prst="rect">
@@ -7462,7 +7348,7 @@
         </p:nvCxnSpPr>
         <p:spPr>
           <a:xfrm flipH="1">
-            <a:off x="8065964" y="3288213"/>
+            <a:off x="13202098" y="5002713"/>
             <a:ext cx="10566" cy="270686"/>
           </a:xfrm>
           <a:prstGeom prst="straightConnector1">
@@ -7505,7 +7391,7 @@
         </p:nvCxnSpPr>
         <p:spPr>
           <a:xfrm>
-            <a:off x="10752884" y="3636300"/>
+            <a:off x="15889018" y="5350800"/>
             <a:ext cx="842280" cy="231160"/>
           </a:xfrm>
           <a:prstGeom prst="straightConnector1">
@@ -7544,7 +7430,7 @@
         </p:nvSpPr>
         <p:spPr>
           <a:xfrm>
-            <a:off x="7455802" y="3558899"/>
+            <a:off x="12591938" y="5273399"/>
             <a:ext cx="1220323" cy="444166"/>
           </a:xfrm>
           <a:prstGeom prst="round2DiagRect">
@@ -7607,7 +7493,7 @@
         </p:nvCxnSpPr>
         <p:spPr>
           <a:xfrm flipH="1">
-            <a:off x="8032526" y="4003065"/>
+            <a:off x="13168660" y="5717567"/>
             <a:ext cx="33438" cy="265273"/>
           </a:xfrm>
           <a:prstGeom prst="straightConnector1">
@@ -7646,7 +7532,7 @@
         </p:nvSpPr>
         <p:spPr>
           <a:xfrm>
-            <a:off x="7275390" y="4268338"/>
+            <a:off x="12411524" y="5982838"/>
             <a:ext cx="1514272" cy="387144"/>
           </a:xfrm>
           <a:prstGeom prst="rect">
@@ -7722,7 +7608,7 @@
         </p:nvCxnSpPr>
         <p:spPr>
           <a:xfrm flipV="1">
-            <a:off x="8789662" y="4089543"/>
+            <a:off x="13925796" y="5804045"/>
             <a:ext cx="2318646" cy="372367"/>
           </a:xfrm>
           <a:prstGeom prst="straightConnector1">
@@ -7761,7 +7647,7 @@
         </p:nvSpPr>
         <p:spPr>
           <a:xfrm>
-            <a:off x="11108308" y="3867460"/>
+            <a:off x="16244444" y="5581960"/>
             <a:ext cx="973711" cy="444166"/>
           </a:xfrm>
           <a:prstGeom prst="round2DiagRect">
@@ -7837,7 +7723,7 @@
         </p:nvCxnSpPr>
         <p:spPr>
           <a:xfrm flipH="1">
-            <a:off x="11324884" y="4311626"/>
+            <a:off x="16461018" y="6026128"/>
             <a:ext cx="270280" cy="160825"/>
           </a:xfrm>
           <a:prstGeom prst="straightConnector1">
@@ -7876,7 +7762,7 @@
         </p:nvSpPr>
         <p:spPr>
           <a:xfrm>
-            <a:off x="10567748" y="4472451"/>
+            <a:off x="15703884" y="6186953"/>
             <a:ext cx="1514271" cy="546203"/>
           </a:xfrm>
           <a:prstGeom prst="rect">
@@ -7956,7 +7842,7 @@
         </p:nvSpPr>
         <p:spPr>
           <a:xfrm>
-            <a:off x="8126481" y="102874"/>
+            <a:off x="13262617" y="1817374"/>
             <a:ext cx="1730335" cy="387144"/>
           </a:xfrm>
           <a:prstGeom prst="rect">
@@ -8021,7 +7907,7 @@
         </p:nvCxnSpPr>
         <p:spPr>
           <a:xfrm flipV="1">
-            <a:off x="6246130" y="315678"/>
+            <a:off x="11382266" y="2030178"/>
             <a:ext cx="614917" cy="8060"/>
           </a:xfrm>
           <a:prstGeom prst="straightConnector1">
@@ -8060,7 +7946,7 @@
         </p:nvSpPr>
         <p:spPr>
           <a:xfrm>
-            <a:off x="6861047" y="93595"/>
+            <a:off x="11997183" y="1808095"/>
             <a:ext cx="916693" cy="444166"/>
           </a:xfrm>
           <a:prstGeom prst="round2DiagRect">
@@ -8126,7 +8012,7 @@
         </p:nvCxnSpPr>
         <p:spPr>
           <a:xfrm flipV="1">
-            <a:off x="7777740" y="296446"/>
+            <a:off x="12913876" y="2010946"/>
             <a:ext cx="348741" cy="19232"/>
           </a:xfrm>
           <a:prstGeom prst="straightConnector1">
@@ -8165,7 +8051,7 @@
         </p:nvSpPr>
         <p:spPr>
           <a:xfrm>
-            <a:off x="4442688" y="610766"/>
+            <a:off x="9578824" y="2325266"/>
             <a:ext cx="1730335" cy="387144"/>
           </a:xfrm>
           <a:prstGeom prst="rect">
@@ -8230,7 +8116,7 @@
         </p:nvCxnSpPr>
         <p:spPr>
           <a:xfrm>
-            <a:off x="3908611" y="307619"/>
+            <a:off x="9044745" y="2022121"/>
             <a:ext cx="607184" cy="16119"/>
           </a:xfrm>
           <a:prstGeom prst="straightConnector1">
@@ -8273,7 +8159,7 @@
         </p:nvCxnSpPr>
         <p:spPr>
           <a:xfrm flipH="1">
-            <a:off x="7021279" y="1942038"/>
+            <a:off x="12157413" y="3656540"/>
             <a:ext cx="1093476" cy="256227"/>
           </a:xfrm>
           <a:prstGeom prst="straightConnector1">
@@ -8312,7 +8198,7 @@
         </p:nvSpPr>
         <p:spPr>
           <a:xfrm>
-            <a:off x="6208455" y="2198265"/>
+            <a:off x="11344589" y="3912767"/>
             <a:ext cx="1625648" cy="374745"/>
           </a:xfrm>
           <a:prstGeom prst="round2DiagRect">
@@ -8386,7 +8272,7 @@
         </p:nvCxnSpPr>
         <p:spPr>
           <a:xfrm>
-            <a:off x="7021279" y="2573010"/>
+            <a:off x="12157415" y="4287512"/>
             <a:ext cx="1055251" cy="328059"/>
           </a:xfrm>
           <a:prstGeom prst="straightConnector1">
@@ -8425,7 +8311,7 @@
         </p:nvSpPr>
         <p:spPr>
           <a:xfrm>
-            <a:off x="1131495" y="1367325"/>
+            <a:off x="6267631" y="3081825"/>
             <a:ext cx="2848225" cy="387144"/>
           </a:xfrm>
           <a:prstGeom prst="rect">
@@ -8477,7 +8363,7 @@
         </p:nvCxnSpPr>
         <p:spPr>
           <a:xfrm flipV="1">
-            <a:off x="2154601" y="1754470"/>
+            <a:off x="7290735" y="3468972"/>
             <a:ext cx="201212" cy="681669"/>
           </a:xfrm>
           <a:prstGeom prst="straightConnector1">
@@ -8519,7 +8405,7 @@
         </p:nvCxnSpPr>
         <p:spPr>
           <a:xfrm flipV="1">
-            <a:off x="2355813" y="307619"/>
+            <a:off x="7491947" y="2022121"/>
             <a:ext cx="567088" cy="1059707"/>
           </a:xfrm>
           <a:prstGeom prst="straightConnector1">
@@ -8558,7 +8444,7 @@
         </p:nvSpPr>
         <p:spPr>
           <a:xfrm>
-            <a:off x="2922901" y="85536"/>
+            <a:off x="8059035" y="1800036"/>
             <a:ext cx="985710" cy="444166"/>
           </a:xfrm>
           <a:prstGeom prst="round2DiagRect">
@@ -8625,7 +8511,7 @@
         </p:nvSpPr>
         <p:spPr>
           <a:xfrm>
-            <a:off x="1661746" y="2436139"/>
+            <a:off x="6797880" y="4150639"/>
             <a:ext cx="985710" cy="444166"/>
           </a:xfrm>
           <a:prstGeom prst="round2DiagRect">
@@ -8684,7 +8570,7 @@
         </p:nvCxnSpPr>
         <p:spPr>
           <a:xfrm flipV="1">
-            <a:off x="2275731" y="2988018"/>
+            <a:off x="7411865" y="4702520"/>
             <a:ext cx="0" cy="347309"/>
           </a:xfrm>
           <a:prstGeom prst="straightConnector1">
@@ -8723,7 +8609,7 @@
         </p:nvSpPr>
         <p:spPr>
           <a:xfrm>
-            <a:off x="1625700" y="3335327"/>
+            <a:off x="6761834" y="5049827"/>
             <a:ext cx="1300062" cy="387144"/>
           </a:xfrm>
           <a:prstGeom prst="rect">
@@ -8776,7 +8662,7 @@
         </p:nvCxnSpPr>
         <p:spPr>
           <a:xfrm flipV="1">
-            <a:off x="2275731" y="307619"/>
+            <a:off x="7411865" y="2022121"/>
             <a:ext cx="647170" cy="16119"/>
           </a:xfrm>
           <a:prstGeom prst="straightConnector1">
@@ -8815,7 +8701,7 @@
         </p:nvSpPr>
         <p:spPr>
           <a:xfrm>
-            <a:off x="1437553" y="130166"/>
+            <a:off x="6573687" y="1844666"/>
             <a:ext cx="838178" cy="387144"/>
           </a:xfrm>
           <a:prstGeom prst="rect">
@@ -8880,7 +8766,7 @@
         </p:nvCxnSpPr>
         <p:spPr>
           <a:xfrm flipH="1">
-            <a:off x="11448646" y="1947178"/>
+            <a:off x="16584780" y="3661680"/>
             <a:ext cx="742778" cy="319221"/>
           </a:xfrm>
           <a:prstGeom prst="straightConnector1">
@@ -8919,7 +8805,7 @@
         </p:nvSpPr>
         <p:spPr>
           <a:xfrm>
-            <a:off x="11419239" y="1753606"/>
+            <a:off x="16555375" y="3468106"/>
             <a:ext cx="772185" cy="387144"/>
           </a:xfrm>
           <a:prstGeom prst="rect">
@@ -8987,7 +8873,7 @@
         </p:nvCxnSpPr>
         <p:spPr>
           <a:xfrm flipH="1">
-            <a:off x="11241659" y="5018654"/>
+            <a:off x="16377795" y="6733154"/>
             <a:ext cx="83225" cy="290986"/>
           </a:xfrm>
           <a:prstGeom prst="straightConnector1">
@@ -9026,7 +8912,7 @@
         </p:nvSpPr>
         <p:spPr>
           <a:xfrm>
-            <a:off x="10543696" y="5309640"/>
+            <a:off x="15679832" y="7024142"/>
             <a:ext cx="1395925" cy="869987"/>
           </a:xfrm>
           <a:prstGeom prst="round2DiagRect">
@@ -9089,7 +8975,7 @@
         </p:nvCxnSpPr>
         <p:spPr>
           <a:xfrm flipH="1" flipV="1">
-            <a:off x="10264130" y="5726391"/>
+            <a:off x="15400264" y="7440893"/>
             <a:ext cx="279566" cy="18243"/>
           </a:xfrm>
           <a:prstGeom prst="straightConnector1">
@@ -9128,7 +9014,7 @@
         </p:nvSpPr>
         <p:spPr>
           <a:xfrm>
-            <a:off x="8749859" y="5453289"/>
+            <a:off x="13885995" y="7167791"/>
             <a:ext cx="1514271" cy="546203"/>
           </a:xfrm>
           <a:prstGeom prst="rect">
@@ -9215,7 +9101,7 @@
         </p:nvCxnSpPr>
         <p:spPr>
           <a:xfrm>
-            <a:off x="6040209" y="3451185"/>
+            <a:off x="11176343" y="5165685"/>
             <a:ext cx="9178" cy="155428"/>
           </a:xfrm>
           <a:prstGeom prst="straightConnector1">
@@ -9254,7 +9140,7 @@
         </p:nvSpPr>
         <p:spPr>
           <a:xfrm>
-            <a:off x="5724020" y="3064041"/>
+            <a:off x="10860154" y="4778541"/>
             <a:ext cx="632378" cy="387144"/>
           </a:xfrm>
           <a:prstGeom prst="rect">
@@ -9307,7 +9193,7 @@
         </p:nvSpPr>
         <p:spPr>
           <a:xfrm>
-            <a:off x="5404389" y="3606613"/>
+            <a:off x="10540525" y="5321113"/>
             <a:ext cx="1289995" cy="444166"/>
           </a:xfrm>
           <a:prstGeom prst="round2DiagRect">
@@ -9370,7 +9256,7 @@
         </p:nvCxnSpPr>
         <p:spPr>
           <a:xfrm>
-            <a:off x="6049387" y="4050779"/>
+            <a:off x="11185523" y="5765279"/>
             <a:ext cx="3451" cy="155428"/>
           </a:xfrm>
           <a:prstGeom prst="straightConnector1">
@@ -9409,7 +9295,7 @@
         </p:nvSpPr>
         <p:spPr>
           <a:xfrm>
-            <a:off x="5585742" y="4206207"/>
+            <a:off x="10721878" y="5920709"/>
             <a:ext cx="934191" cy="546203"/>
           </a:xfrm>
           <a:prstGeom prst="rect">
@@ -9493,7 +9379,7 @@
         </p:nvCxnSpPr>
         <p:spPr>
           <a:xfrm flipH="1">
-            <a:off x="8555687" y="5726391"/>
+            <a:off x="13691821" y="7440891"/>
             <a:ext cx="194172" cy="26770"/>
           </a:xfrm>
           <a:prstGeom prst="straightConnector1">
@@ -9532,7 +9418,7 @@
         </p:nvSpPr>
         <p:spPr>
           <a:xfrm>
-            <a:off x="7159762" y="5357473"/>
+            <a:off x="12295898" y="7071973"/>
             <a:ext cx="1395925" cy="791376"/>
           </a:xfrm>
           <a:prstGeom prst="round2DiagRect">
@@ -9595,7 +9481,7 @@
         </p:nvCxnSpPr>
         <p:spPr>
           <a:xfrm flipH="1" flipV="1">
-            <a:off x="6965590" y="5698800"/>
+            <a:off x="12101724" y="7413302"/>
             <a:ext cx="194172" cy="54361"/>
           </a:xfrm>
           <a:prstGeom prst="straightConnector1">
@@ -9634,7 +9520,7 @@
         </p:nvSpPr>
         <p:spPr>
           <a:xfrm>
-            <a:off x="5451319" y="5425698"/>
+            <a:off x="10587455" y="7140200"/>
             <a:ext cx="1514271" cy="546203"/>
           </a:xfrm>
           <a:prstGeom prst="rect">
@@ -9718,7 +9604,7 @@
         </p:nvCxnSpPr>
         <p:spPr>
           <a:xfrm>
-            <a:off x="3908611" y="307619"/>
+            <a:off x="9044747" y="2022121"/>
             <a:ext cx="534077" cy="496719"/>
           </a:xfrm>
           <a:prstGeom prst="straightConnector1">
@@ -9757,7 +9643,7 @@
         </p:nvSpPr>
         <p:spPr>
           <a:xfrm>
-            <a:off x="7138502" y="6148849"/>
+            <a:off x="12274638" y="7863349"/>
             <a:ext cx="1514271" cy="1456566"/>
           </a:xfrm>
           <a:prstGeom prst="rect">
@@ -9885,7 +9771,7 @@
         </p:nvSpPr>
         <p:spPr>
           <a:xfrm>
-            <a:off x="174970" y="4478061"/>
+            <a:off x="5311104" y="6192561"/>
             <a:ext cx="985710" cy="387144"/>
           </a:xfrm>
           <a:prstGeom prst="rect">
@@ -9949,7 +9835,7 @@
         </p:nvCxnSpPr>
         <p:spPr>
           <a:xfrm>
-            <a:off x="1160680" y="4671633"/>
+            <a:off x="6296814" y="6386135"/>
             <a:ext cx="425872" cy="51867"/>
           </a:xfrm>
           <a:prstGeom prst="straightConnector1">
@@ -9988,7 +9874,7 @@
         </p:nvSpPr>
         <p:spPr>
           <a:xfrm>
-            <a:off x="1586552" y="4501417"/>
+            <a:off x="6722686" y="6215917"/>
             <a:ext cx="1033264" cy="444166"/>
           </a:xfrm>
           <a:prstGeom prst="round2DiagRect">
@@ -10048,7 +9934,7 @@
         </p:nvCxnSpPr>
         <p:spPr>
           <a:xfrm flipV="1">
-            <a:off x="2619816" y="4719124"/>
+            <a:off x="7755950" y="6433624"/>
             <a:ext cx="194172" cy="4376"/>
           </a:xfrm>
           <a:prstGeom prst="straightConnector1">
@@ -10087,7 +9973,7 @@
         </p:nvSpPr>
         <p:spPr>
           <a:xfrm>
-            <a:off x="2813988" y="4525552"/>
+            <a:off x="7950124" y="6240052"/>
             <a:ext cx="1842217" cy="387144"/>
           </a:xfrm>
           <a:prstGeom prst="rect">
@@ -10151,7 +10037,7 @@
         </p:nvSpPr>
         <p:spPr>
           <a:xfrm>
-            <a:off x="129568" y="5576265"/>
+            <a:off x="5265702" y="7290765"/>
             <a:ext cx="985710" cy="387144"/>
           </a:xfrm>
           <a:prstGeom prst="rect">
@@ -10215,7 +10101,7 @@
         </p:nvCxnSpPr>
         <p:spPr>
           <a:xfrm>
-            <a:off x="1115278" y="5769837"/>
+            <a:off x="6251414" y="7484339"/>
             <a:ext cx="366837" cy="51867"/>
           </a:xfrm>
           <a:prstGeom prst="straightConnector1">
@@ -10254,7 +10140,7 @@
         </p:nvSpPr>
         <p:spPr>
           <a:xfrm>
-            <a:off x="1482115" y="5599621"/>
+            <a:off x="6618251" y="7314121"/>
             <a:ext cx="1092299" cy="444166"/>
           </a:xfrm>
           <a:prstGeom prst="round2DiagRect">
@@ -10314,7 +10200,7 @@
         </p:nvCxnSpPr>
         <p:spPr>
           <a:xfrm flipV="1">
-            <a:off x="2574414" y="5565397"/>
+            <a:off x="7710548" y="7279899"/>
             <a:ext cx="158128" cy="256307"/>
           </a:xfrm>
           <a:prstGeom prst="straightConnector1">
@@ -10353,7 +10239,7 @@
         </p:nvSpPr>
         <p:spPr>
           <a:xfrm>
-            <a:off x="2732542" y="5130403"/>
+            <a:off x="7868676" y="6844905"/>
             <a:ext cx="1961642" cy="869987"/>
           </a:xfrm>
           <a:prstGeom prst="rect">
@@ -10445,7 +10331,7 @@
         </p:nvCxnSpPr>
         <p:spPr>
           <a:xfrm flipV="1">
-            <a:off x="4694184" y="5099602"/>
+            <a:off x="9830320" y="6814104"/>
             <a:ext cx="193573" cy="465795"/>
           </a:xfrm>
           <a:prstGeom prst="straightConnector1">
@@ -10484,7 +10370,7 @@
         </p:nvSpPr>
         <p:spPr>
           <a:xfrm>
-            <a:off x="4887757" y="4877519"/>
+            <a:off x="10023891" y="6592019"/>
             <a:ext cx="1033264" cy="444166"/>
           </a:xfrm>
           <a:prstGeom prst="round2DiagRect">
@@ -10560,8 +10446,3033 @@
         </p:nvCxnSpPr>
         <p:spPr>
           <a:xfrm>
-            <a:off x="5921021" y="5099602"/>
+            <a:off x="11057155" y="6814102"/>
             <a:ext cx="287434" cy="326096"/>
+          </a:xfrm>
+          <a:prstGeom prst="straightConnector1">
+            <a:avLst/>
+          </a:prstGeom>
+          <a:ln w="57150">
+            <a:tailEnd type="triangle"/>
+          </a:ln>
+        </p:spPr>
+        <p:style>
+          <a:lnRef idx="2">
+            <a:schemeClr val="accent1"/>
+          </a:lnRef>
+          <a:fillRef idx="0">
+            <a:schemeClr val="accent1"/>
+          </a:fillRef>
+          <a:effectRef idx="1">
+            <a:schemeClr val="accent1"/>
+          </a:effectRef>
+          <a:fontRef idx="minor">
+            <a:schemeClr val="tx1"/>
+          </a:fontRef>
+        </p:style>
+      </p:cxnSp>
+      <p:sp>
+        <p:nvSpPr>
+          <p:cNvPr id="2" name="Rectangle 1">
+            <a:extLst>
+              <a:ext uri="{FF2B5EF4-FFF2-40B4-BE49-F238E27FC236}">
+                <a16:creationId xmlns:a16="http://schemas.microsoft.com/office/drawing/2014/main" id="{AF751F80-1AFC-AC25-818D-CE84CBACC9E9}"/>
+              </a:ext>
+            </a:extLst>
+          </p:cNvPr>
+          <p:cNvSpPr/>
+          <p:nvPr/>
+        </p:nvSpPr>
+        <p:spPr>
+          <a:xfrm>
+            <a:off x="14127782" y="4577316"/>
+            <a:ext cx="3457404" cy="387144"/>
+          </a:xfrm>
+          <a:prstGeom prst="rect">
+            <a:avLst/>
+          </a:prstGeom>
+        </p:spPr>
+        <p:style>
+          <a:lnRef idx="2">
+            <a:schemeClr val="accent1">
+              <a:shade val="15000"/>
+            </a:schemeClr>
+          </a:lnRef>
+          <a:fillRef idx="1">
+            <a:schemeClr val="accent1"/>
+          </a:fillRef>
+          <a:effectRef idx="0">
+            <a:schemeClr val="accent1"/>
+          </a:effectRef>
+          <a:fontRef idx="minor">
+            <a:schemeClr val="lt1"/>
+          </a:fontRef>
+        </p:style>
+        <p:txBody>
+          <a:bodyPr rtlCol="0" anchor="ctr"/>
+          <a:lstStyle/>
+          <a:p>
+            <a:pPr algn="ctr"/>
+            <a:r>
+              <a:rPr lang="en-US" sz="800" dirty="0">
+                <a:solidFill>
+                  <a:srgbClr val="FF0000"/>
+                </a:solidFill>
+              </a:rPr>
+              <a:t>NOTE: </a:t>
+            </a:r>
+            <a:r>
+              <a:rPr lang="da-DK" sz="1200" dirty="0">
+                <a:solidFill>
+                  <a:srgbClr val="FF0000"/>
+                </a:solidFill>
+              </a:rPr>
+              <a:t>['sig_c_1' 'sig_gk_1' 'sig_gkc_1’] are all blank!</a:t>
+            </a:r>
+            <a:endParaRPr lang="en-US" sz="800" dirty="0">
+              <a:solidFill>
+                <a:srgbClr val="FF0000"/>
+              </a:solidFill>
+            </a:endParaRPr>
+          </a:p>
+        </p:txBody>
+      </p:sp>
+      <p:cxnSp>
+        <p:nvCxnSpPr>
+          <p:cNvPr id="19" name="Straight Arrow Connector 18">
+            <a:extLst>
+              <a:ext uri="{FF2B5EF4-FFF2-40B4-BE49-F238E27FC236}">
+                <a16:creationId xmlns:a16="http://schemas.microsoft.com/office/drawing/2014/main" id="{43789D2E-A2B8-186E-46E8-79CF87F277A3}"/>
+              </a:ext>
+            </a:extLst>
+          </p:cNvPr>
+          <p:cNvCxnSpPr>
+            <a:cxnSpLocks/>
+            <a:stCxn id="33" idx="2"/>
+            <a:endCxn id="36" idx="0"/>
+          </p:cNvCxnSpPr>
+          <p:nvPr/>
+        </p:nvCxnSpPr>
+        <p:spPr>
+          <a:xfrm>
+            <a:off x="8849497" y="7714892"/>
+            <a:ext cx="20706" cy="179237"/>
+          </a:xfrm>
+          <a:prstGeom prst="straightConnector1">
+            <a:avLst/>
+          </a:prstGeom>
+          <a:ln w="57150">
+            <a:tailEnd type="triangle"/>
+          </a:ln>
+        </p:spPr>
+        <p:style>
+          <a:lnRef idx="2">
+            <a:schemeClr val="accent1"/>
+          </a:lnRef>
+          <a:fillRef idx="0">
+            <a:schemeClr val="accent1"/>
+          </a:fillRef>
+          <a:effectRef idx="1">
+            <a:schemeClr val="accent1"/>
+          </a:effectRef>
+          <a:fontRef idx="minor">
+            <a:schemeClr val="tx1"/>
+          </a:fontRef>
+        </p:style>
+      </p:cxnSp>
+      <p:sp>
+        <p:nvSpPr>
+          <p:cNvPr id="20" name="Rectangle: Diagonal Corners Rounded 19">
+            <a:extLst>
+              <a:ext uri="{FF2B5EF4-FFF2-40B4-BE49-F238E27FC236}">
+                <a16:creationId xmlns:a16="http://schemas.microsoft.com/office/drawing/2014/main" id="{AC722F2E-04B4-D453-3011-C8E428F61155}"/>
+              </a:ext>
+            </a:extLst>
+          </p:cNvPr>
+          <p:cNvSpPr/>
+          <p:nvPr/>
+        </p:nvSpPr>
+        <p:spPr>
+          <a:xfrm>
+            <a:off x="8515321" y="8369549"/>
+            <a:ext cx="1136609" cy="444166"/>
+          </a:xfrm>
+          <a:prstGeom prst="round2DiagRect">
+            <a:avLst>
+              <a:gd name="adj1" fmla="val 16667"/>
+              <a:gd name="adj2" fmla="val 50000"/>
+            </a:avLst>
+          </a:prstGeom>
+          <a:solidFill>
+            <a:schemeClr val="accent4"/>
+          </a:solidFill>
+        </p:spPr>
+        <p:style>
+          <a:lnRef idx="2">
+            <a:schemeClr val="accent1">
+              <a:shade val="15000"/>
+            </a:schemeClr>
+          </a:lnRef>
+          <a:fillRef idx="1">
+            <a:schemeClr val="accent1"/>
+          </a:fillRef>
+          <a:effectRef idx="0">
+            <a:schemeClr val="accent1"/>
+          </a:effectRef>
+          <a:fontRef idx="minor">
+            <a:schemeClr val="lt1"/>
+          </a:fontRef>
+        </p:style>
+        <p:txBody>
+          <a:bodyPr rtlCol="0" anchor="ctr"/>
+          <a:lstStyle/>
+          <a:p>
+            <a:pPr algn="ctr"/>
+            <a:r>
+              <a:rPr lang="en-US" sz="900" b="1" dirty="0"/>
+              <a:t>Dr5_hpcLGBM1</a:t>
+            </a:r>
+          </a:p>
+          <a:p>
+            <a:pPr algn="ctr"/>
+            <a:r>
+              <a:rPr lang="en-US" sz="900" b="1" dirty="0"/>
+              <a:t>.py</a:t>
+            </a:r>
+            <a:endParaRPr lang="en-US" sz="900" dirty="0"/>
+          </a:p>
+        </p:txBody>
+      </p:sp>
+      <p:cxnSp>
+        <p:nvCxnSpPr>
+          <p:cNvPr id="22" name="Straight Arrow Connector 21">
+            <a:extLst>
+              <a:ext uri="{FF2B5EF4-FFF2-40B4-BE49-F238E27FC236}">
+                <a16:creationId xmlns:a16="http://schemas.microsoft.com/office/drawing/2014/main" id="{599AC7C9-8F32-A5F1-A27D-A4ECC6C0751D}"/>
+              </a:ext>
+            </a:extLst>
+          </p:cNvPr>
+          <p:cNvCxnSpPr>
+            <a:cxnSpLocks/>
+            <a:stCxn id="20" idx="0"/>
+            <a:endCxn id="47" idx="1"/>
+          </p:cNvCxnSpPr>
+          <p:nvPr/>
+        </p:nvCxnSpPr>
+        <p:spPr>
+          <a:xfrm>
+            <a:off x="9651930" y="8591633"/>
+            <a:ext cx="383611" cy="26335"/>
+          </a:xfrm>
+          <a:prstGeom prst="straightConnector1">
+            <a:avLst/>
+          </a:prstGeom>
+          <a:ln w="57150">
+            <a:tailEnd type="triangle"/>
+          </a:ln>
+        </p:spPr>
+        <p:style>
+          <a:lnRef idx="2">
+            <a:schemeClr val="accent1"/>
+          </a:lnRef>
+          <a:fillRef idx="0">
+            <a:schemeClr val="accent1"/>
+          </a:fillRef>
+          <a:effectRef idx="1">
+            <a:schemeClr val="accent1"/>
+          </a:effectRef>
+          <a:fontRef idx="minor">
+            <a:schemeClr val="tx1"/>
+          </a:fontRef>
+        </p:style>
+      </p:cxnSp>
+      <p:sp>
+        <p:nvSpPr>
+          <p:cNvPr id="36" name="Rectangle 35">
+            <a:extLst>
+              <a:ext uri="{FF2B5EF4-FFF2-40B4-BE49-F238E27FC236}">
+                <a16:creationId xmlns:a16="http://schemas.microsoft.com/office/drawing/2014/main" id="{99C1BACB-08FA-5FDD-3902-00A4082730AD}"/>
+              </a:ext>
+            </a:extLst>
+          </p:cNvPr>
+          <p:cNvSpPr/>
+          <p:nvPr/>
+        </p:nvSpPr>
+        <p:spPr>
+          <a:xfrm>
+            <a:off x="7889382" y="7894129"/>
+            <a:ext cx="1961642" cy="235627"/>
+          </a:xfrm>
+          <a:prstGeom prst="rect">
+            <a:avLst/>
+          </a:prstGeom>
+          <a:solidFill>
+            <a:schemeClr val="accent4"/>
+          </a:solidFill>
+        </p:spPr>
+        <p:style>
+          <a:lnRef idx="2">
+            <a:schemeClr val="accent1">
+              <a:shade val="15000"/>
+            </a:schemeClr>
+          </a:lnRef>
+          <a:fillRef idx="1">
+            <a:schemeClr val="accent1"/>
+          </a:fillRef>
+          <a:effectRef idx="0">
+            <a:schemeClr val="accent1"/>
+          </a:effectRef>
+          <a:fontRef idx="minor">
+            <a:schemeClr val="lt1"/>
+          </a:fontRef>
+        </p:style>
+        <p:txBody>
+          <a:bodyPr rtlCol="0" anchor="ctr"/>
+          <a:lstStyle/>
+          <a:p>
+            <a:pPr algn="ctr"/>
+            <a:r>
+              <a:rPr lang="en-US" sz="1050" dirty="0"/>
+              <a:t>Oip_mega_boost1.csv</a:t>
+            </a:r>
+          </a:p>
+        </p:txBody>
+      </p:sp>
+      <p:cxnSp>
+        <p:nvCxnSpPr>
+          <p:cNvPr id="39" name="Straight Arrow Connector 38">
+            <a:extLst>
+              <a:ext uri="{FF2B5EF4-FFF2-40B4-BE49-F238E27FC236}">
+                <a16:creationId xmlns:a16="http://schemas.microsoft.com/office/drawing/2014/main" id="{C30E20EF-B53F-A430-F386-8F9004F25C68}"/>
+              </a:ext>
+            </a:extLst>
+          </p:cNvPr>
+          <p:cNvCxnSpPr>
+            <a:cxnSpLocks/>
+            <a:stCxn id="36" idx="2"/>
+            <a:endCxn id="20" idx="3"/>
+          </p:cNvCxnSpPr>
+          <p:nvPr/>
+        </p:nvCxnSpPr>
+        <p:spPr>
+          <a:xfrm>
+            <a:off x="8870203" y="8129755"/>
+            <a:ext cx="213422" cy="239794"/>
+          </a:xfrm>
+          <a:prstGeom prst="straightConnector1">
+            <a:avLst/>
+          </a:prstGeom>
+          <a:ln w="57150">
+            <a:tailEnd type="triangle"/>
+          </a:ln>
+        </p:spPr>
+        <p:style>
+          <a:lnRef idx="2">
+            <a:schemeClr val="accent1"/>
+          </a:lnRef>
+          <a:fillRef idx="0">
+            <a:schemeClr val="accent1"/>
+          </a:fillRef>
+          <a:effectRef idx="1">
+            <a:schemeClr val="accent1"/>
+          </a:effectRef>
+          <a:fontRef idx="minor">
+            <a:schemeClr val="tx1"/>
+          </a:fontRef>
+        </p:style>
+      </p:cxnSp>
+      <p:cxnSp>
+        <p:nvCxnSpPr>
+          <p:cNvPr id="44" name="Straight Arrow Connector 43">
+            <a:extLst>
+              <a:ext uri="{FF2B5EF4-FFF2-40B4-BE49-F238E27FC236}">
+                <a16:creationId xmlns:a16="http://schemas.microsoft.com/office/drawing/2014/main" id="{CC8B18C4-EED8-04D3-43C7-C4BD202833A9}"/>
+              </a:ext>
+            </a:extLst>
+          </p:cNvPr>
+          <p:cNvCxnSpPr>
+            <a:cxnSpLocks/>
+            <a:stCxn id="20" idx="0"/>
+            <a:endCxn id="48" idx="0"/>
+          </p:cNvCxnSpPr>
+          <p:nvPr/>
+        </p:nvCxnSpPr>
+        <p:spPr>
+          <a:xfrm>
+            <a:off x="9651930" y="8591633"/>
+            <a:ext cx="807549" cy="380913"/>
+          </a:xfrm>
+          <a:prstGeom prst="straightConnector1">
+            <a:avLst/>
+          </a:prstGeom>
+          <a:ln w="57150">
+            <a:tailEnd type="triangle"/>
+          </a:ln>
+        </p:spPr>
+        <p:style>
+          <a:lnRef idx="2">
+            <a:schemeClr val="accent1"/>
+          </a:lnRef>
+          <a:fillRef idx="0">
+            <a:schemeClr val="accent1"/>
+          </a:fillRef>
+          <a:effectRef idx="1">
+            <a:schemeClr val="accent1"/>
+          </a:effectRef>
+          <a:fontRef idx="minor">
+            <a:schemeClr val="tx1"/>
+          </a:fontRef>
+        </p:style>
+      </p:cxnSp>
+      <p:sp>
+        <p:nvSpPr>
+          <p:cNvPr id="47" name="Rectangle 46">
+            <a:extLst>
+              <a:ext uri="{FF2B5EF4-FFF2-40B4-BE49-F238E27FC236}">
+                <a16:creationId xmlns:a16="http://schemas.microsoft.com/office/drawing/2014/main" id="{695C06FE-2703-97C5-2B9B-F1BB13ED1D09}"/>
+              </a:ext>
+            </a:extLst>
+          </p:cNvPr>
+          <p:cNvSpPr/>
+          <p:nvPr/>
+        </p:nvSpPr>
+        <p:spPr>
+          <a:xfrm>
+            <a:off x="10035540" y="8500154"/>
+            <a:ext cx="1961642" cy="235627"/>
+          </a:xfrm>
+          <a:prstGeom prst="rect">
+            <a:avLst/>
+          </a:prstGeom>
+          <a:solidFill>
+            <a:schemeClr val="accent4"/>
+          </a:solidFill>
+        </p:spPr>
+        <p:style>
+          <a:lnRef idx="2">
+            <a:schemeClr val="accent1">
+              <a:shade val="15000"/>
+            </a:schemeClr>
+          </a:lnRef>
+          <a:fillRef idx="1">
+            <a:schemeClr val="accent1"/>
+          </a:fillRef>
+          <a:effectRef idx="0">
+            <a:schemeClr val="accent1"/>
+          </a:effectRef>
+          <a:fontRef idx="minor">
+            <a:schemeClr val="lt1"/>
+          </a:fontRef>
+        </p:style>
+        <p:txBody>
+          <a:bodyPr rtlCol="0" anchor="ctr"/>
+          <a:lstStyle/>
+          <a:p>
+            <a:pPr algn="ctr"/>
+            <a:r>
+              <a:rPr lang="en-US" sz="1050" dirty="0"/>
+              <a:t>Mdp_trajectory_panel.csv</a:t>
+            </a:r>
+          </a:p>
+        </p:txBody>
+      </p:sp>
+      <p:sp>
+        <p:nvSpPr>
+          <p:cNvPr id="48" name="Rectangle 47">
+            <a:extLst>
+              <a:ext uri="{FF2B5EF4-FFF2-40B4-BE49-F238E27FC236}">
+                <a16:creationId xmlns:a16="http://schemas.microsoft.com/office/drawing/2014/main" id="{CE2FCB68-5483-2531-8EA7-D1F084FE1FF3}"/>
+              </a:ext>
+            </a:extLst>
+          </p:cNvPr>
+          <p:cNvSpPr/>
+          <p:nvPr/>
+        </p:nvSpPr>
+        <p:spPr>
+          <a:xfrm>
+            <a:off x="9311785" y="8972545"/>
+            <a:ext cx="2295387" cy="177554"/>
+          </a:xfrm>
+          <a:prstGeom prst="rect">
+            <a:avLst/>
+          </a:prstGeom>
+          <a:solidFill>
+            <a:schemeClr val="accent4"/>
+          </a:solidFill>
+        </p:spPr>
+        <p:style>
+          <a:lnRef idx="2">
+            <a:schemeClr val="accent1">
+              <a:shade val="15000"/>
+            </a:schemeClr>
+          </a:lnRef>
+          <a:fillRef idx="1">
+            <a:schemeClr val="accent1"/>
+          </a:fillRef>
+          <a:effectRef idx="0">
+            <a:schemeClr val="accent1"/>
+          </a:effectRef>
+          <a:fontRef idx="minor">
+            <a:schemeClr val="lt1"/>
+          </a:fontRef>
+        </p:style>
+        <p:txBody>
+          <a:bodyPr rtlCol="0" anchor="ctr"/>
+          <a:lstStyle/>
+          <a:p>
+            <a:pPr algn="ctr"/>
+            <a:r>
+              <a:rPr lang="en-US" sz="1050" dirty="0"/>
+              <a:t>Mdp_features_for_value_model.csv</a:t>
+            </a:r>
+          </a:p>
+        </p:txBody>
+      </p:sp>
+      <p:cxnSp>
+        <p:nvCxnSpPr>
+          <p:cNvPr id="119" name="Straight Arrow Connector 118">
+            <a:extLst>
+              <a:ext uri="{FF2B5EF4-FFF2-40B4-BE49-F238E27FC236}">
+                <a16:creationId xmlns:a16="http://schemas.microsoft.com/office/drawing/2014/main" id="{C57D6EDC-7DDC-9F85-FB79-D6D21EC25D9B}"/>
+              </a:ext>
+            </a:extLst>
+          </p:cNvPr>
+          <p:cNvCxnSpPr>
+            <a:cxnSpLocks/>
+            <a:stCxn id="48" idx="2"/>
+            <a:endCxn id="104" idx="3"/>
+          </p:cNvCxnSpPr>
+          <p:nvPr/>
+        </p:nvCxnSpPr>
+        <p:spPr>
+          <a:xfrm flipH="1">
+            <a:off x="10443990" y="9150100"/>
+            <a:ext cx="15488" cy="1485915"/>
+          </a:xfrm>
+          <a:prstGeom prst="straightConnector1">
+            <a:avLst/>
+          </a:prstGeom>
+          <a:ln w="57150">
+            <a:tailEnd type="triangle"/>
+          </a:ln>
+        </p:spPr>
+        <p:style>
+          <a:lnRef idx="2">
+            <a:schemeClr val="accent1"/>
+          </a:lnRef>
+          <a:fillRef idx="0">
+            <a:schemeClr val="accent1"/>
+          </a:fillRef>
+          <a:effectRef idx="1">
+            <a:schemeClr val="accent1"/>
+          </a:effectRef>
+          <a:fontRef idx="minor">
+            <a:schemeClr val="tx1"/>
+          </a:fontRef>
+        </p:style>
+      </p:cxnSp>
+      <p:cxnSp>
+        <p:nvCxnSpPr>
+          <p:cNvPr id="64" name="Straight Arrow Connector 63">
+            <a:extLst>
+              <a:ext uri="{FF2B5EF4-FFF2-40B4-BE49-F238E27FC236}">
+                <a16:creationId xmlns:a16="http://schemas.microsoft.com/office/drawing/2014/main" id="{E28109FD-4509-F472-268A-3F45AB16FFC3}"/>
+              </a:ext>
+            </a:extLst>
+          </p:cNvPr>
+          <p:cNvCxnSpPr>
+            <a:cxnSpLocks/>
+            <a:stCxn id="48" idx="2"/>
+            <a:endCxn id="69" idx="2"/>
+          </p:cNvCxnSpPr>
+          <p:nvPr/>
+        </p:nvCxnSpPr>
+        <p:spPr>
+          <a:xfrm>
+            <a:off x="10459478" y="9150099"/>
+            <a:ext cx="344308" cy="263084"/>
+          </a:xfrm>
+          <a:prstGeom prst="straightConnector1">
+            <a:avLst/>
+          </a:prstGeom>
+          <a:ln w="57150">
+            <a:tailEnd type="triangle"/>
+          </a:ln>
+        </p:spPr>
+        <p:style>
+          <a:lnRef idx="2">
+            <a:schemeClr val="accent1"/>
+          </a:lnRef>
+          <a:fillRef idx="0">
+            <a:schemeClr val="accent1"/>
+          </a:fillRef>
+          <a:effectRef idx="1">
+            <a:schemeClr val="accent1"/>
+          </a:effectRef>
+          <a:fontRef idx="minor">
+            <a:schemeClr val="tx1"/>
+          </a:fontRef>
+        </p:style>
+      </p:cxnSp>
+      <p:sp>
+        <p:nvSpPr>
+          <p:cNvPr id="69" name="Rectangle: Diagonal Corners Rounded 68">
+            <a:extLst>
+              <a:ext uri="{FF2B5EF4-FFF2-40B4-BE49-F238E27FC236}">
+                <a16:creationId xmlns:a16="http://schemas.microsoft.com/office/drawing/2014/main" id="{CFAD704D-79DA-3C06-02C6-AB7DAD6122DA}"/>
+              </a:ext>
+            </a:extLst>
+          </p:cNvPr>
+          <p:cNvSpPr/>
+          <p:nvPr/>
+        </p:nvSpPr>
+        <p:spPr>
+          <a:xfrm>
+            <a:off x="10803787" y="9191100"/>
+            <a:ext cx="1377491" cy="444166"/>
+          </a:xfrm>
+          <a:prstGeom prst="round2DiagRect">
+            <a:avLst>
+              <a:gd name="adj1" fmla="val 16667"/>
+              <a:gd name="adj2" fmla="val 50000"/>
+            </a:avLst>
+          </a:prstGeom>
+          <a:solidFill>
+            <a:schemeClr val="accent4"/>
+          </a:solidFill>
+        </p:spPr>
+        <p:style>
+          <a:lnRef idx="2">
+            <a:schemeClr val="accent1">
+              <a:shade val="15000"/>
+            </a:schemeClr>
+          </a:lnRef>
+          <a:fillRef idx="1">
+            <a:schemeClr val="accent1"/>
+          </a:fillRef>
+          <a:effectRef idx="0">
+            <a:schemeClr val="accent1"/>
+          </a:effectRef>
+          <a:fontRef idx="minor">
+            <a:schemeClr val="lt1"/>
+          </a:fontRef>
+        </p:style>
+        <p:txBody>
+          <a:bodyPr rtlCol="0" anchor="ctr"/>
+          <a:lstStyle/>
+          <a:p>
+            <a:pPr algn="ctr"/>
+            <a:r>
+              <a:rPr lang="en-US" sz="900" b="1" dirty="0"/>
+              <a:t>Dr5_infer_policy_fix</a:t>
+            </a:r>
+          </a:p>
+          <a:p>
+            <a:pPr algn="ctr"/>
+            <a:r>
+              <a:rPr lang="en-US" sz="900" b="1" dirty="0"/>
+              <a:t>.py</a:t>
+            </a:r>
+            <a:endParaRPr lang="en-US" sz="900" dirty="0"/>
+          </a:p>
+        </p:txBody>
+      </p:sp>
+      <p:cxnSp>
+        <p:nvCxnSpPr>
+          <p:cNvPr id="72" name="Straight Arrow Connector 71">
+            <a:extLst>
+              <a:ext uri="{FF2B5EF4-FFF2-40B4-BE49-F238E27FC236}">
+                <a16:creationId xmlns:a16="http://schemas.microsoft.com/office/drawing/2014/main" id="{3BEB3B10-DE03-3740-DB30-473680592CA6}"/>
+              </a:ext>
+            </a:extLst>
+          </p:cNvPr>
+          <p:cNvCxnSpPr>
+            <a:cxnSpLocks/>
+            <a:stCxn id="69" idx="1"/>
+            <a:endCxn id="84" idx="0"/>
+          </p:cNvCxnSpPr>
+          <p:nvPr/>
+        </p:nvCxnSpPr>
+        <p:spPr>
+          <a:xfrm>
+            <a:off x="11492532" y="9635267"/>
+            <a:ext cx="222872" cy="181455"/>
+          </a:xfrm>
+          <a:prstGeom prst="straightConnector1">
+            <a:avLst/>
+          </a:prstGeom>
+          <a:ln w="57150">
+            <a:tailEnd type="triangle"/>
+          </a:ln>
+        </p:spPr>
+        <p:style>
+          <a:lnRef idx="2">
+            <a:schemeClr val="accent1"/>
+          </a:lnRef>
+          <a:fillRef idx="0">
+            <a:schemeClr val="accent1"/>
+          </a:fillRef>
+          <a:effectRef idx="1">
+            <a:schemeClr val="accent1"/>
+          </a:effectRef>
+          <a:fontRef idx="minor">
+            <a:schemeClr val="tx1"/>
+          </a:fontRef>
+        </p:style>
+      </p:cxnSp>
+      <p:cxnSp>
+        <p:nvCxnSpPr>
+          <p:cNvPr id="112" name="Straight Arrow Connector 111">
+            <a:extLst>
+              <a:ext uri="{FF2B5EF4-FFF2-40B4-BE49-F238E27FC236}">
+                <a16:creationId xmlns:a16="http://schemas.microsoft.com/office/drawing/2014/main" id="{DF86E893-7305-106A-229A-A6AA881622AD}"/>
+              </a:ext>
+            </a:extLst>
+          </p:cNvPr>
+          <p:cNvCxnSpPr>
+            <a:cxnSpLocks/>
+            <a:stCxn id="76" idx="2"/>
+            <a:endCxn id="104" idx="3"/>
+          </p:cNvCxnSpPr>
+          <p:nvPr/>
+        </p:nvCxnSpPr>
+        <p:spPr>
+          <a:xfrm flipH="1">
+            <a:off x="10443990" y="9809306"/>
+            <a:ext cx="2746686" cy="826709"/>
+          </a:xfrm>
+          <a:prstGeom prst="straightConnector1">
+            <a:avLst/>
+          </a:prstGeom>
+          <a:ln w="57150">
+            <a:tailEnd type="triangle"/>
+          </a:ln>
+        </p:spPr>
+        <p:style>
+          <a:lnRef idx="2">
+            <a:schemeClr val="accent1"/>
+          </a:lnRef>
+          <a:fillRef idx="0">
+            <a:schemeClr val="accent1"/>
+          </a:fillRef>
+          <a:effectRef idx="1">
+            <a:schemeClr val="accent1"/>
+          </a:effectRef>
+          <a:fontRef idx="minor">
+            <a:schemeClr val="tx1"/>
+          </a:fontRef>
+        </p:style>
+      </p:cxnSp>
+      <p:sp>
+        <p:nvSpPr>
+          <p:cNvPr id="76" name="Rectangle 75">
+            <a:extLst>
+              <a:ext uri="{FF2B5EF4-FFF2-40B4-BE49-F238E27FC236}">
+                <a16:creationId xmlns:a16="http://schemas.microsoft.com/office/drawing/2014/main" id="{3704BDA5-BE14-8602-2EB6-8FF4EBB987D6}"/>
+              </a:ext>
+            </a:extLst>
+          </p:cNvPr>
+          <p:cNvSpPr/>
+          <p:nvPr/>
+        </p:nvSpPr>
+        <p:spPr>
+          <a:xfrm>
+            <a:off x="12432684" y="9617761"/>
+            <a:ext cx="1515984" cy="191544"/>
+          </a:xfrm>
+          <a:prstGeom prst="rect">
+            <a:avLst/>
+          </a:prstGeom>
+          <a:solidFill>
+            <a:schemeClr val="accent4"/>
+          </a:solidFill>
+        </p:spPr>
+        <p:style>
+          <a:lnRef idx="2">
+            <a:schemeClr val="accent1">
+              <a:shade val="15000"/>
+            </a:schemeClr>
+          </a:lnRef>
+          <a:fillRef idx="1">
+            <a:schemeClr val="accent1"/>
+          </a:fillRef>
+          <a:effectRef idx="0">
+            <a:schemeClr val="accent1"/>
+          </a:effectRef>
+          <a:fontRef idx="minor">
+            <a:schemeClr val="lt1"/>
+          </a:fontRef>
+        </p:style>
+        <p:txBody>
+          <a:bodyPr rtlCol="0" anchor="ctr"/>
+          <a:lstStyle/>
+          <a:p>
+            <a:pPr algn="ctr"/>
+            <a:r>
+              <a:rPr lang="en-US" sz="1050" dirty="0"/>
+              <a:t>Value_model_lgbm.txt</a:t>
+            </a:r>
+          </a:p>
+        </p:txBody>
+      </p:sp>
+      <p:cxnSp>
+        <p:nvCxnSpPr>
+          <p:cNvPr id="220" name="Straight Arrow Connector 219">
+            <a:extLst>
+              <a:ext uri="{FF2B5EF4-FFF2-40B4-BE49-F238E27FC236}">
+                <a16:creationId xmlns:a16="http://schemas.microsoft.com/office/drawing/2014/main" id="{65B54049-1A7F-C05A-CD00-2017042C175E}"/>
+              </a:ext>
+            </a:extLst>
+          </p:cNvPr>
+          <p:cNvCxnSpPr>
+            <a:cxnSpLocks/>
+            <a:stCxn id="84" idx="2"/>
+            <a:endCxn id="215" idx="3"/>
+          </p:cNvCxnSpPr>
+          <p:nvPr/>
+        </p:nvCxnSpPr>
+        <p:spPr>
+          <a:xfrm flipH="1">
+            <a:off x="7691743" y="10013101"/>
+            <a:ext cx="4023661" cy="1321413"/>
+          </a:xfrm>
+          <a:prstGeom prst="straightConnector1">
+            <a:avLst/>
+          </a:prstGeom>
+          <a:ln w="57150">
+            <a:tailEnd type="triangle"/>
+          </a:ln>
+        </p:spPr>
+        <p:style>
+          <a:lnRef idx="2">
+            <a:schemeClr val="accent1"/>
+          </a:lnRef>
+          <a:fillRef idx="0">
+            <a:schemeClr val="accent1"/>
+          </a:fillRef>
+          <a:effectRef idx="1">
+            <a:schemeClr val="accent1"/>
+          </a:effectRef>
+          <a:fontRef idx="minor">
+            <a:schemeClr val="tx1"/>
+          </a:fontRef>
+        </p:style>
+      </p:cxnSp>
+      <p:cxnSp>
+        <p:nvCxnSpPr>
+          <p:cNvPr id="225" name="Straight Arrow Connector 224">
+            <a:extLst>
+              <a:ext uri="{FF2B5EF4-FFF2-40B4-BE49-F238E27FC236}">
+                <a16:creationId xmlns:a16="http://schemas.microsoft.com/office/drawing/2014/main" id="{83C4AF42-DFAF-FB60-8768-D74261A84BF6}"/>
+              </a:ext>
+            </a:extLst>
+          </p:cNvPr>
+          <p:cNvCxnSpPr>
+            <a:cxnSpLocks/>
+            <a:stCxn id="48" idx="2"/>
+            <a:endCxn id="215" idx="3"/>
+          </p:cNvCxnSpPr>
+          <p:nvPr/>
+        </p:nvCxnSpPr>
+        <p:spPr>
+          <a:xfrm flipH="1">
+            <a:off x="7691743" y="9150099"/>
+            <a:ext cx="2767736" cy="2184415"/>
+          </a:xfrm>
+          <a:prstGeom prst="straightConnector1">
+            <a:avLst/>
+          </a:prstGeom>
+          <a:ln w="57150">
+            <a:tailEnd type="triangle"/>
+          </a:ln>
+        </p:spPr>
+        <p:style>
+          <a:lnRef idx="2">
+            <a:schemeClr val="accent1"/>
+          </a:lnRef>
+          <a:fillRef idx="0">
+            <a:schemeClr val="accent1"/>
+          </a:fillRef>
+          <a:effectRef idx="1">
+            <a:schemeClr val="accent1"/>
+          </a:effectRef>
+          <a:fontRef idx="minor">
+            <a:schemeClr val="tx1"/>
+          </a:fontRef>
+        </p:style>
+      </p:cxnSp>
+      <p:cxnSp>
+        <p:nvCxnSpPr>
+          <p:cNvPr id="230" name="Straight Arrow Connector 229">
+            <a:extLst>
+              <a:ext uri="{FF2B5EF4-FFF2-40B4-BE49-F238E27FC236}">
+                <a16:creationId xmlns:a16="http://schemas.microsoft.com/office/drawing/2014/main" id="{1F31CFBD-4062-8CF6-60F4-D62698294D6A}"/>
+              </a:ext>
+            </a:extLst>
+          </p:cNvPr>
+          <p:cNvCxnSpPr>
+            <a:cxnSpLocks/>
+            <a:stCxn id="76" idx="2"/>
+            <a:endCxn id="215" idx="3"/>
+          </p:cNvCxnSpPr>
+          <p:nvPr/>
+        </p:nvCxnSpPr>
+        <p:spPr>
+          <a:xfrm flipH="1">
+            <a:off x="7691743" y="9809305"/>
+            <a:ext cx="5498933" cy="1525209"/>
+          </a:xfrm>
+          <a:prstGeom prst="straightConnector1">
+            <a:avLst/>
+          </a:prstGeom>
+          <a:ln w="57150">
+            <a:tailEnd type="triangle"/>
+          </a:ln>
+        </p:spPr>
+        <p:style>
+          <a:lnRef idx="2">
+            <a:schemeClr val="accent1"/>
+          </a:lnRef>
+          <a:fillRef idx="0">
+            <a:schemeClr val="accent1"/>
+          </a:fillRef>
+          <a:effectRef idx="1">
+            <a:schemeClr val="accent1"/>
+          </a:effectRef>
+          <a:fontRef idx="minor">
+            <a:schemeClr val="tx1"/>
+          </a:fontRef>
+        </p:style>
+      </p:cxnSp>
+      <p:cxnSp>
+        <p:nvCxnSpPr>
+          <p:cNvPr id="77" name="Straight Arrow Connector 76">
+            <a:extLst>
+              <a:ext uri="{FF2B5EF4-FFF2-40B4-BE49-F238E27FC236}">
+                <a16:creationId xmlns:a16="http://schemas.microsoft.com/office/drawing/2014/main" id="{B9127C5D-39D7-E5CC-A282-474998522FAE}"/>
+              </a:ext>
+            </a:extLst>
+          </p:cNvPr>
+          <p:cNvCxnSpPr>
+            <a:cxnSpLocks/>
+            <a:stCxn id="69" idx="0"/>
+            <a:endCxn id="76" idx="0"/>
+          </p:cNvCxnSpPr>
+          <p:nvPr/>
+        </p:nvCxnSpPr>
+        <p:spPr>
+          <a:xfrm>
+            <a:off x="12181278" y="9413183"/>
+            <a:ext cx="1009399" cy="204578"/>
+          </a:xfrm>
+          <a:prstGeom prst="straightConnector1">
+            <a:avLst/>
+          </a:prstGeom>
+          <a:ln w="57150">
+            <a:tailEnd type="triangle"/>
+          </a:ln>
+        </p:spPr>
+        <p:style>
+          <a:lnRef idx="2">
+            <a:schemeClr val="accent1"/>
+          </a:lnRef>
+          <a:fillRef idx="0">
+            <a:schemeClr val="accent1"/>
+          </a:fillRef>
+          <a:effectRef idx="1">
+            <a:schemeClr val="accent1"/>
+          </a:effectRef>
+          <a:fontRef idx="minor">
+            <a:schemeClr val="tx1"/>
+          </a:fontRef>
+        </p:style>
+      </p:cxnSp>
+      <p:sp>
+        <p:nvSpPr>
+          <p:cNvPr id="84" name="Rectangle 83">
+            <a:extLst>
+              <a:ext uri="{FF2B5EF4-FFF2-40B4-BE49-F238E27FC236}">
+                <a16:creationId xmlns:a16="http://schemas.microsoft.com/office/drawing/2014/main" id="{7E1682D7-0B4B-F179-8D1B-5009382E69E4}"/>
+              </a:ext>
+            </a:extLst>
+          </p:cNvPr>
+          <p:cNvSpPr/>
+          <p:nvPr/>
+        </p:nvSpPr>
+        <p:spPr>
+          <a:xfrm>
+            <a:off x="10807345" y="9816721"/>
+            <a:ext cx="1816118" cy="196380"/>
+          </a:xfrm>
+          <a:prstGeom prst="rect">
+            <a:avLst/>
+          </a:prstGeom>
+          <a:solidFill>
+            <a:schemeClr val="accent4"/>
+          </a:solidFill>
+        </p:spPr>
+        <p:style>
+          <a:lnRef idx="2">
+            <a:schemeClr val="accent1">
+              <a:shade val="15000"/>
+            </a:schemeClr>
+          </a:lnRef>
+          <a:fillRef idx="1">
+            <a:schemeClr val="accent1"/>
+          </a:fillRef>
+          <a:effectRef idx="0">
+            <a:schemeClr val="accent1"/>
+          </a:effectRef>
+          <a:fontRef idx="minor">
+            <a:schemeClr val="lt1"/>
+          </a:fontRef>
+        </p:style>
+        <p:txBody>
+          <a:bodyPr rtlCol="0" anchor="ctr"/>
+          <a:lstStyle/>
+          <a:p>
+            <a:pPr algn="ctr"/>
+            <a:r>
+              <a:rPr lang="en-US" sz="1050" dirty="0" err="1"/>
+              <a:t>Value_model_features.json</a:t>
+            </a:r>
+            <a:endParaRPr lang="en-US" sz="1050" dirty="0"/>
+          </a:p>
+        </p:txBody>
+      </p:sp>
+      <p:sp>
+        <p:nvSpPr>
+          <p:cNvPr id="104" name="Rectangle: Diagonal Corners Rounded 103">
+            <a:extLst>
+              <a:ext uri="{FF2B5EF4-FFF2-40B4-BE49-F238E27FC236}">
+                <a16:creationId xmlns:a16="http://schemas.microsoft.com/office/drawing/2014/main" id="{AC364B7D-F571-0225-438C-DDE55C424572}"/>
+              </a:ext>
+            </a:extLst>
+          </p:cNvPr>
+          <p:cNvSpPr/>
+          <p:nvPr/>
+        </p:nvSpPr>
+        <p:spPr>
+          <a:xfrm>
+            <a:off x="9755245" y="10636014"/>
+            <a:ext cx="1377491" cy="444166"/>
+          </a:xfrm>
+          <a:prstGeom prst="round2DiagRect">
+            <a:avLst>
+              <a:gd name="adj1" fmla="val 16667"/>
+              <a:gd name="adj2" fmla="val 50000"/>
+            </a:avLst>
+          </a:prstGeom>
+          <a:solidFill>
+            <a:schemeClr val="accent4"/>
+          </a:solidFill>
+        </p:spPr>
+        <p:style>
+          <a:lnRef idx="2">
+            <a:schemeClr val="accent1">
+              <a:shade val="15000"/>
+            </a:schemeClr>
+          </a:lnRef>
+          <a:fillRef idx="1">
+            <a:schemeClr val="accent1"/>
+          </a:fillRef>
+          <a:effectRef idx="0">
+            <a:schemeClr val="accent1"/>
+          </a:effectRef>
+          <a:fontRef idx="minor">
+            <a:schemeClr val="lt1"/>
+          </a:fontRef>
+        </p:style>
+        <p:txBody>
+          <a:bodyPr rtlCol="0" anchor="ctr"/>
+          <a:lstStyle/>
+          <a:p>
+            <a:pPr algn="ctr"/>
+            <a:r>
+              <a:rPr lang="en-US" sz="900" b="1" dirty="0" err="1"/>
+              <a:t>Backtest_policy</a:t>
+            </a:r>
+            <a:endParaRPr lang="en-US" sz="900" b="1" dirty="0"/>
+          </a:p>
+          <a:p>
+            <a:pPr algn="ctr"/>
+            <a:r>
+              <a:rPr lang="en-US" sz="900" b="1" dirty="0"/>
+              <a:t>.py</a:t>
+            </a:r>
+            <a:endParaRPr lang="en-US" sz="900" dirty="0"/>
+          </a:p>
+        </p:txBody>
+      </p:sp>
+      <p:cxnSp>
+        <p:nvCxnSpPr>
+          <p:cNvPr id="107" name="Straight Arrow Connector 106">
+            <a:extLst>
+              <a:ext uri="{FF2B5EF4-FFF2-40B4-BE49-F238E27FC236}">
+                <a16:creationId xmlns:a16="http://schemas.microsoft.com/office/drawing/2014/main" id="{9A994396-13B2-0BF3-B5FE-1493337B1A3D}"/>
+              </a:ext>
+            </a:extLst>
+          </p:cNvPr>
+          <p:cNvCxnSpPr>
+            <a:cxnSpLocks/>
+            <a:stCxn id="84" idx="2"/>
+            <a:endCxn id="104" idx="3"/>
+          </p:cNvCxnSpPr>
+          <p:nvPr/>
+        </p:nvCxnSpPr>
+        <p:spPr>
+          <a:xfrm flipH="1">
+            <a:off x="10443990" y="10013102"/>
+            <a:ext cx="1271414" cy="622913"/>
+          </a:xfrm>
+          <a:prstGeom prst="straightConnector1">
+            <a:avLst/>
+          </a:prstGeom>
+          <a:ln w="57150">
+            <a:tailEnd type="triangle"/>
+          </a:ln>
+        </p:spPr>
+        <p:style>
+          <a:lnRef idx="2">
+            <a:schemeClr val="accent1"/>
+          </a:lnRef>
+          <a:fillRef idx="0">
+            <a:schemeClr val="accent1"/>
+          </a:fillRef>
+          <a:effectRef idx="1">
+            <a:schemeClr val="accent1"/>
+          </a:effectRef>
+          <a:fontRef idx="minor">
+            <a:schemeClr val="tx1"/>
+          </a:fontRef>
+        </p:style>
+      </p:cxnSp>
+      <p:cxnSp>
+        <p:nvCxnSpPr>
+          <p:cNvPr id="133" name="Straight Arrow Connector 132">
+            <a:extLst>
+              <a:ext uri="{FF2B5EF4-FFF2-40B4-BE49-F238E27FC236}">
+                <a16:creationId xmlns:a16="http://schemas.microsoft.com/office/drawing/2014/main" id="{D006E5A4-1306-1EE3-C2CE-3FEC37A27F44}"/>
+              </a:ext>
+            </a:extLst>
+          </p:cNvPr>
+          <p:cNvCxnSpPr>
+            <a:cxnSpLocks/>
+            <a:stCxn id="104" idx="0"/>
+            <a:endCxn id="138" idx="1"/>
+          </p:cNvCxnSpPr>
+          <p:nvPr/>
+        </p:nvCxnSpPr>
+        <p:spPr>
+          <a:xfrm flipV="1">
+            <a:off x="11132736" y="10804216"/>
+            <a:ext cx="1066074" cy="53881"/>
+          </a:xfrm>
+          <a:prstGeom prst="straightConnector1">
+            <a:avLst/>
+          </a:prstGeom>
+          <a:ln w="57150">
+            <a:tailEnd type="triangle"/>
+          </a:ln>
+        </p:spPr>
+        <p:style>
+          <a:lnRef idx="2">
+            <a:schemeClr val="accent1"/>
+          </a:lnRef>
+          <a:fillRef idx="0">
+            <a:schemeClr val="accent1"/>
+          </a:fillRef>
+          <a:effectRef idx="1">
+            <a:schemeClr val="accent1"/>
+          </a:effectRef>
+          <a:fontRef idx="minor">
+            <a:schemeClr val="tx1"/>
+          </a:fontRef>
+        </p:style>
+      </p:cxnSp>
+      <p:sp>
+        <p:nvSpPr>
+          <p:cNvPr id="138" name="Rectangle 137">
+            <a:extLst>
+              <a:ext uri="{FF2B5EF4-FFF2-40B4-BE49-F238E27FC236}">
+                <a16:creationId xmlns:a16="http://schemas.microsoft.com/office/drawing/2014/main" id="{F7BA7AC5-C527-0B02-994E-FFCEF18CB1CE}"/>
+              </a:ext>
+            </a:extLst>
+          </p:cNvPr>
+          <p:cNvSpPr/>
+          <p:nvPr/>
+        </p:nvSpPr>
+        <p:spPr>
+          <a:xfrm>
+            <a:off x="12198810" y="10715439"/>
+            <a:ext cx="2295387" cy="177554"/>
+          </a:xfrm>
+          <a:prstGeom prst="rect">
+            <a:avLst/>
+          </a:prstGeom>
+          <a:solidFill>
+            <a:schemeClr val="accent4"/>
+          </a:solidFill>
+        </p:spPr>
+        <p:style>
+          <a:lnRef idx="2">
+            <a:schemeClr val="accent1">
+              <a:shade val="15000"/>
+            </a:schemeClr>
+          </a:lnRef>
+          <a:fillRef idx="1">
+            <a:schemeClr val="accent1"/>
+          </a:fillRef>
+          <a:effectRef idx="0">
+            <a:schemeClr val="accent1"/>
+          </a:effectRef>
+          <a:fontRef idx="minor">
+            <a:schemeClr val="lt1"/>
+          </a:fontRef>
+        </p:style>
+        <p:txBody>
+          <a:bodyPr rtlCol="0" anchor="ctr"/>
+          <a:lstStyle/>
+          <a:p>
+            <a:pPr algn="ctr"/>
+            <a:r>
+              <a:rPr lang="en-US" sz="1050" dirty="0"/>
+              <a:t>Backtest_test_summary.csv</a:t>
+            </a:r>
+          </a:p>
+        </p:txBody>
+      </p:sp>
+      <p:sp>
+        <p:nvSpPr>
+          <p:cNvPr id="146" name="Rectangle: Diagonal Corners Rounded 145">
+            <a:extLst>
+              <a:ext uri="{FF2B5EF4-FFF2-40B4-BE49-F238E27FC236}">
+                <a16:creationId xmlns:a16="http://schemas.microsoft.com/office/drawing/2014/main" id="{03672CDD-C894-F880-CE8F-F11D2DCCAE8C}"/>
+              </a:ext>
+            </a:extLst>
+          </p:cNvPr>
+          <p:cNvSpPr/>
+          <p:nvPr/>
+        </p:nvSpPr>
+        <p:spPr>
+          <a:xfrm>
+            <a:off x="6509751" y="8440838"/>
+            <a:ext cx="1842217" cy="444166"/>
+          </a:xfrm>
+          <a:prstGeom prst="round2DiagRect">
+            <a:avLst>
+              <a:gd name="adj1" fmla="val 16667"/>
+              <a:gd name="adj2" fmla="val 50000"/>
+            </a:avLst>
+          </a:prstGeom>
+          <a:solidFill>
+            <a:schemeClr val="accent4"/>
+          </a:solidFill>
+        </p:spPr>
+        <p:style>
+          <a:lnRef idx="2">
+            <a:schemeClr val="accent1">
+              <a:shade val="15000"/>
+            </a:schemeClr>
+          </a:lnRef>
+          <a:fillRef idx="1">
+            <a:schemeClr val="accent1"/>
+          </a:fillRef>
+          <a:effectRef idx="0">
+            <a:schemeClr val="accent1"/>
+          </a:effectRef>
+          <a:fontRef idx="minor">
+            <a:schemeClr val="lt1"/>
+          </a:fontRef>
+        </p:style>
+        <p:txBody>
+          <a:bodyPr rtlCol="0" anchor="ctr"/>
+          <a:lstStyle/>
+          <a:p>
+            <a:pPr algn="ctr"/>
+            <a:r>
+              <a:rPr lang="en-US" sz="900" b="1" dirty="0" err="1"/>
+              <a:t>Entry_classifier_make_filter</a:t>
+            </a:r>
+            <a:endParaRPr lang="en-US" sz="900" b="1" dirty="0"/>
+          </a:p>
+          <a:p>
+            <a:pPr algn="ctr"/>
+            <a:r>
+              <a:rPr lang="en-US" sz="900" b="1" dirty="0"/>
+              <a:t>.py</a:t>
+            </a:r>
+            <a:endParaRPr lang="en-US" sz="900" dirty="0"/>
+          </a:p>
+        </p:txBody>
+      </p:sp>
+      <p:cxnSp>
+        <p:nvCxnSpPr>
+          <p:cNvPr id="147" name="Straight Arrow Connector 146">
+            <a:extLst>
+              <a:ext uri="{FF2B5EF4-FFF2-40B4-BE49-F238E27FC236}">
+                <a16:creationId xmlns:a16="http://schemas.microsoft.com/office/drawing/2014/main" id="{79F8B3A5-1D8C-D7FD-87DC-0DF3E91AB6D4}"/>
+              </a:ext>
+            </a:extLst>
+          </p:cNvPr>
+          <p:cNvCxnSpPr>
+            <a:cxnSpLocks/>
+            <a:stCxn id="36" idx="2"/>
+            <a:endCxn id="146" idx="3"/>
+          </p:cNvCxnSpPr>
+          <p:nvPr/>
+        </p:nvCxnSpPr>
+        <p:spPr>
+          <a:xfrm flipH="1">
+            <a:off x="7430859" y="8129756"/>
+            <a:ext cx="1439344" cy="311083"/>
+          </a:xfrm>
+          <a:prstGeom prst="straightConnector1">
+            <a:avLst/>
+          </a:prstGeom>
+          <a:ln w="57150">
+            <a:tailEnd type="triangle"/>
+          </a:ln>
+        </p:spPr>
+        <p:style>
+          <a:lnRef idx="2">
+            <a:schemeClr val="accent1"/>
+          </a:lnRef>
+          <a:fillRef idx="0">
+            <a:schemeClr val="accent1"/>
+          </a:fillRef>
+          <a:effectRef idx="1">
+            <a:schemeClr val="accent1"/>
+          </a:effectRef>
+          <a:fontRef idx="minor">
+            <a:schemeClr val="tx1"/>
+          </a:fontRef>
+        </p:style>
+      </p:cxnSp>
+      <p:cxnSp>
+        <p:nvCxnSpPr>
+          <p:cNvPr id="148" name="Straight Arrow Connector 147">
+            <a:extLst>
+              <a:ext uri="{FF2B5EF4-FFF2-40B4-BE49-F238E27FC236}">
+                <a16:creationId xmlns:a16="http://schemas.microsoft.com/office/drawing/2014/main" id="{E2CD2CED-AF42-CE27-89D2-83656EC8DAA8}"/>
+              </a:ext>
+            </a:extLst>
+          </p:cNvPr>
+          <p:cNvCxnSpPr>
+            <a:cxnSpLocks/>
+            <a:stCxn id="146" idx="1"/>
+            <a:endCxn id="165" idx="0"/>
+          </p:cNvCxnSpPr>
+          <p:nvPr/>
+        </p:nvCxnSpPr>
+        <p:spPr>
+          <a:xfrm>
+            <a:off x="7430860" y="8885004"/>
+            <a:ext cx="211949" cy="273180"/>
+          </a:xfrm>
+          <a:prstGeom prst="straightConnector1">
+            <a:avLst/>
+          </a:prstGeom>
+          <a:ln w="57150">
+            <a:tailEnd type="triangle"/>
+          </a:ln>
+        </p:spPr>
+        <p:style>
+          <a:lnRef idx="2">
+            <a:schemeClr val="accent1"/>
+          </a:lnRef>
+          <a:fillRef idx="0">
+            <a:schemeClr val="accent1"/>
+          </a:fillRef>
+          <a:effectRef idx="1">
+            <a:schemeClr val="accent1"/>
+          </a:effectRef>
+          <a:fontRef idx="minor">
+            <a:schemeClr val="tx1"/>
+          </a:fontRef>
+        </p:style>
+      </p:cxnSp>
+      <p:sp>
+        <p:nvSpPr>
+          <p:cNvPr id="165" name="Rectangle 164">
+            <a:extLst>
+              <a:ext uri="{FF2B5EF4-FFF2-40B4-BE49-F238E27FC236}">
+                <a16:creationId xmlns:a16="http://schemas.microsoft.com/office/drawing/2014/main" id="{DB4DABB7-1429-E9B3-B0B0-372B32068600}"/>
+              </a:ext>
+            </a:extLst>
+          </p:cNvPr>
+          <p:cNvSpPr/>
+          <p:nvPr/>
+        </p:nvSpPr>
+        <p:spPr>
+          <a:xfrm>
+            <a:off x="6992777" y="9158185"/>
+            <a:ext cx="1300063" cy="248847"/>
+          </a:xfrm>
+          <a:prstGeom prst="rect">
+            <a:avLst/>
+          </a:prstGeom>
+          <a:solidFill>
+            <a:schemeClr val="accent4"/>
+          </a:solidFill>
+        </p:spPr>
+        <p:style>
+          <a:lnRef idx="2">
+            <a:schemeClr val="accent1">
+              <a:shade val="15000"/>
+            </a:schemeClr>
+          </a:lnRef>
+          <a:fillRef idx="1">
+            <a:schemeClr val="accent1"/>
+          </a:fillRef>
+          <a:effectRef idx="0">
+            <a:schemeClr val="accent1"/>
+          </a:effectRef>
+          <a:fontRef idx="minor">
+            <a:schemeClr val="lt1"/>
+          </a:fontRef>
+        </p:style>
+        <p:txBody>
+          <a:bodyPr rtlCol="0" anchor="ctr"/>
+          <a:lstStyle/>
+          <a:p>
+            <a:pPr algn="ctr"/>
+            <a:r>
+              <a:rPr lang="en-US" sz="1050" dirty="0"/>
+              <a:t>Entry_filter.csv</a:t>
+            </a:r>
+          </a:p>
+        </p:txBody>
+      </p:sp>
+      <p:cxnSp>
+        <p:nvCxnSpPr>
+          <p:cNvPr id="172" name="Straight Arrow Connector 171">
+            <a:extLst>
+              <a:ext uri="{FF2B5EF4-FFF2-40B4-BE49-F238E27FC236}">
+                <a16:creationId xmlns:a16="http://schemas.microsoft.com/office/drawing/2014/main" id="{93D5FC86-2E01-DDCC-0846-C8A1214FFD0F}"/>
+              </a:ext>
+            </a:extLst>
+          </p:cNvPr>
+          <p:cNvCxnSpPr>
+            <a:cxnSpLocks/>
+            <a:stCxn id="165" idx="2"/>
+            <a:endCxn id="104" idx="3"/>
+          </p:cNvCxnSpPr>
+          <p:nvPr/>
+        </p:nvCxnSpPr>
+        <p:spPr>
+          <a:xfrm>
+            <a:off x="7642808" y="9407032"/>
+            <a:ext cx="2801182" cy="1228983"/>
+          </a:xfrm>
+          <a:prstGeom prst="straightConnector1">
+            <a:avLst/>
+          </a:prstGeom>
+          <a:ln w="57150">
+            <a:tailEnd type="triangle"/>
+          </a:ln>
+        </p:spPr>
+        <p:style>
+          <a:lnRef idx="2">
+            <a:schemeClr val="accent1"/>
+          </a:lnRef>
+          <a:fillRef idx="0">
+            <a:schemeClr val="accent1"/>
+          </a:fillRef>
+          <a:effectRef idx="1">
+            <a:schemeClr val="accent1"/>
+          </a:effectRef>
+          <a:fontRef idx="minor">
+            <a:schemeClr val="tx1"/>
+          </a:fontRef>
+        </p:style>
+      </p:cxnSp>
+      <p:cxnSp>
+        <p:nvCxnSpPr>
+          <p:cNvPr id="181" name="Straight Arrow Connector 180">
+            <a:extLst>
+              <a:ext uri="{FF2B5EF4-FFF2-40B4-BE49-F238E27FC236}">
+                <a16:creationId xmlns:a16="http://schemas.microsoft.com/office/drawing/2014/main" id="{A9DF090D-5270-28C3-C47C-872763825B64}"/>
+              </a:ext>
+            </a:extLst>
+          </p:cNvPr>
+          <p:cNvCxnSpPr>
+            <a:cxnSpLocks/>
+            <a:stCxn id="104" idx="1"/>
+            <a:endCxn id="184" idx="1"/>
+          </p:cNvCxnSpPr>
+          <p:nvPr/>
+        </p:nvCxnSpPr>
+        <p:spPr>
+          <a:xfrm flipV="1">
+            <a:off x="10443991" y="11018994"/>
+            <a:ext cx="1754819" cy="61186"/>
+          </a:xfrm>
+          <a:prstGeom prst="straightConnector1">
+            <a:avLst/>
+          </a:prstGeom>
+          <a:ln w="57150">
+            <a:tailEnd type="triangle"/>
+          </a:ln>
+        </p:spPr>
+        <p:style>
+          <a:lnRef idx="2">
+            <a:schemeClr val="accent1"/>
+          </a:lnRef>
+          <a:fillRef idx="0">
+            <a:schemeClr val="accent1"/>
+          </a:fillRef>
+          <a:effectRef idx="1">
+            <a:schemeClr val="accent1"/>
+          </a:effectRef>
+          <a:fontRef idx="minor">
+            <a:schemeClr val="tx1"/>
+          </a:fontRef>
+        </p:style>
+      </p:cxnSp>
+      <p:sp>
+        <p:nvSpPr>
+          <p:cNvPr id="184" name="Rectangle 183">
+            <a:extLst>
+              <a:ext uri="{FF2B5EF4-FFF2-40B4-BE49-F238E27FC236}">
+                <a16:creationId xmlns:a16="http://schemas.microsoft.com/office/drawing/2014/main" id="{3AEB51AD-ED26-F550-C35F-9CCFEBB64C4D}"/>
+              </a:ext>
+            </a:extLst>
+          </p:cNvPr>
+          <p:cNvSpPr/>
+          <p:nvPr/>
+        </p:nvSpPr>
+        <p:spPr>
+          <a:xfrm>
+            <a:off x="12198810" y="10930217"/>
+            <a:ext cx="2295387" cy="177554"/>
+          </a:xfrm>
+          <a:prstGeom prst="rect">
+            <a:avLst/>
+          </a:prstGeom>
+          <a:solidFill>
+            <a:schemeClr val="accent4"/>
+          </a:solidFill>
+        </p:spPr>
+        <p:style>
+          <a:lnRef idx="2">
+            <a:schemeClr val="accent1">
+              <a:shade val="15000"/>
+            </a:schemeClr>
+          </a:lnRef>
+          <a:fillRef idx="1">
+            <a:schemeClr val="accent1"/>
+          </a:fillRef>
+          <a:effectRef idx="0">
+            <a:schemeClr val="accent1"/>
+          </a:effectRef>
+          <a:fontRef idx="minor">
+            <a:schemeClr val="lt1"/>
+          </a:fontRef>
+        </p:style>
+        <p:txBody>
+          <a:bodyPr rtlCol="0" anchor="ctr"/>
+          <a:lstStyle/>
+          <a:p>
+            <a:pPr algn="ctr"/>
+            <a:r>
+              <a:rPr lang="en-US" sz="1050" dirty="0"/>
+              <a:t>Backtest_test_min060.csv</a:t>
+            </a:r>
+          </a:p>
+        </p:txBody>
+      </p:sp>
+      <p:cxnSp>
+        <p:nvCxnSpPr>
+          <p:cNvPr id="187" name="Straight Arrow Connector 186">
+            <a:extLst>
+              <a:ext uri="{FF2B5EF4-FFF2-40B4-BE49-F238E27FC236}">
+                <a16:creationId xmlns:a16="http://schemas.microsoft.com/office/drawing/2014/main" id="{52B956F7-2044-F789-C0EE-7C44646566E0}"/>
+              </a:ext>
+            </a:extLst>
+          </p:cNvPr>
+          <p:cNvCxnSpPr>
+            <a:cxnSpLocks/>
+            <a:stCxn id="104" idx="1"/>
+            <a:endCxn id="190" idx="1"/>
+          </p:cNvCxnSpPr>
+          <p:nvPr/>
+        </p:nvCxnSpPr>
+        <p:spPr>
+          <a:xfrm>
+            <a:off x="10443991" y="11080180"/>
+            <a:ext cx="1658537" cy="176946"/>
+          </a:xfrm>
+          <a:prstGeom prst="straightConnector1">
+            <a:avLst/>
+          </a:prstGeom>
+          <a:ln w="57150">
+            <a:tailEnd type="triangle"/>
+          </a:ln>
+        </p:spPr>
+        <p:style>
+          <a:lnRef idx="2">
+            <a:schemeClr val="accent1"/>
+          </a:lnRef>
+          <a:fillRef idx="0">
+            <a:schemeClr val="accent1"/>
+          </a:fillRef>
+          <a:effectRef idx="1">
+            <a:schemeClr val="accent1"/>
+          </a:effectRef>
+          <a:fontRef idx="minor">
+            <a:schemeClr val="tx1"/>
+          </a:fontRef>
+        </p:style>
+      </p:cxnSp>
+      <p:sp>
+        <p:nvSpPr>
+          <p:cNvPr id="190" name="Rectangle 189">
+            <a:extLst>
+              <a:ext uri="{FF2B5EF4-FFF2-40B4-BE49-F238E27FC236}">
+                <a16:creationId xmlns:a16="http://schemas.microsoft.com/office/drawing/2014/main" id="{B27F8100-295B-34CA-A95D-A30AA8D09CFE}"/>
+              </a:ext>
+            </a:extLst>
+          </p:cNvPr>
+          <p:cNvSpPr/>
+          <p:nvPr/>
+        </p:nvSpPr>
+        <p:spPr>
+          <a:xfrm>
+            <a:off x="12102528" y="11159448"/>
+            <a:ext cx="2392418" cy="195355"/>
+          </a:xfrm>
+          <a:prstGeom prst="rect">
+            <a:avLst/>
+          </a:prstGeom>
+          <a:solidFill>
+            <a:schemeClr val="accent4"/>
+          </a:solidFill>
+        </p:spPr>
+        <p:style>
+          <a:lnRef idx="2">
+            <a:schemeClr val="accent1">
+              <a:shade val="15000"/>
+            </a:schemeClr>
+          </a:lnRef>
+          <a:fillRef idx="1">
+            <a:schemeClr val="accent1"/>
+          </a:fillRef>
+          <a:effectRef idx="0">
+            <a:schemeClr val="accent1"/>
+          </a:effectRef>
+          <a:fontRef idx="minor">
+            <a:schemeClr val="lt1"/>
+          </a:fontRef>
+        </p:style>
+        <p:txBody>
+          <a:bodyPr rtlCol="0" anchor="ctr"/>
+          <a:lstStyle/>
+          <a:p>
+            <a:pPr algn="ctr"/>
+            <a:r>
+              <a:rPr lang="en-US" sz="1050" dirty="0"/>
+              <a:t>backtest_test_thr062_adaptive20.csv</a:t>
+            </a:r>
+          </a:p>
+        </p:txBody>
+      </p:sp>
+      <p:sp>
+        <p:nvSpPr>
+          <p:cNvPr id="201" name="Rectangle 200">
+            <a:extLst>
+              <a:ext uri="{FF2B5EF4-FFF2-40B4-BE49-F238E27FC236}">
+                <a16:creationId xmlns:a16="http://schemas.microsoft.com/office/drawing/2014/main" id="{D51DEB86-1CCE-4ED1-E3CD-350A1D54055F}"/>
+              </a:ext>
+            </a:extLst>
+          </p:cNvPr>
+          <p:cNvSpPr/>
+          <p:nvPr/>
+        </p:nvSpPr>
+        <p:spPr>
+          <a:xfrm>
+            <a:off x="11567644" y="11444184"/>
+            <a:ext cx="2936959" cy="232195"/>
+          </a:xfrm>
+          <a:prstGeom prst="rect">
+            <a:avLst/>
+          </a:prstGeom>
+          <a:solidFill>
+            <a:schemeClr val="accent4"/>
+          </a:solidFill>
+        </p:spPr>
+        <p:style>
+          <a:lnRef idx="2">
+            <a:schemeClr val="accent1">
+              <a:shade val="15000"/>
+            </a:schemeClr>
+          </a:lnRef>
+          <a:fillRef idx="1">
+            <a:schemeClr val="accent1"/>
+          </a:fillRef>
+          <a:effectRef idx="0">
+            <a:schemeClr val="accent1"/>
+          </a:effectRef>
+          <a:fontRef idx="minor">
+            <a:schemeClr val="lt1"/>
+          </a:fontRef>
+        </p:style>
+        <p:txBody>
+          <a:bodyPr rtlCol="0" anchor="ctr"/>
+          <a:lstStyle/>
+          <a:p>
+            <a:r>
+              <a:rPr lang="en-US" sz="1050" dirty="0"/>
+              <a:t>backtest_test_thr50_adaptive20_zoomin.csv</a:t>
+            </a:r>
+          </a:p>
+        </p:txBody>
+      </p:sp>
+      <p:sp>
+        <p:nvSpPr>
+          <p:cNvPr id="215" name="Rectangle: Diagonal Corners Rounded 214">
+            <a:extLst>
+              <a:ext uri="{FF2B5EF4-FFF2-40B4-BE49-F238E27FC236}">
+                <a16:creationId xmlns:a16="http://schemas.microsoft.com/office/drawing/2014/main" id="{0BB37BA5-CE51-F0D3-BDF3-C20A37763D70}"/>
+              </a:ext>
+            </a:extLst>
+          </p:cNvPr>
+          <p:cNvSpPr/>
+          <p:nvPr/>
+        </p:nvSpPr>
+        <p:spPr>
+          <a:xfrm>
+            <a:off x="7002997" y="11334514"/>
+            <a:ext cx="1377491" cy="444166"/>
+          </a:xfrm>
+          <a:prstGeom prst="round2DiagRect">
+            <a:avLst>
+              <a:gd name="adj1" fmla="val 16667"/>
+              <a:gd name="adj2" fmla="val 50000"/>
+            </a:avLst>
+          </a:prstGeom>
+          <a:solidFill>
+            <a:schemeClr val="accent4"/>
+          </a:solidFill>
+        </p:spPr>
+        <p:style>
+          <a:lnRef idx="2">
+            <a:schemeClr val="accent1">
+              <a:shade val="15000"/>
+            </a:schemeClr>
+          </a:lnRef>
+          <a:fillRef idx="1">
+            <a:schemeClr val="accent1"/>
+          </a:fillRef>
+          <a:effectRef idx="0">
+            <a:schemeClr val="accent1"/>
+          </a:effectRef>
+          <a:fontRef idx="minor">
+            <a:schemeClr val="lt1"/>
+          </a:fontRef>
+        </p:style>
+        <p:txBody>
+          <a:bodyPr rtlCol="0" anchor="ctr"/>
+          <a:lstStyle/>
+          <a:p>
+            <a:pPr algn="ctr"/>
+            <a:r>
+              <a:rPr lang="en-US" sz="900" b="1" dirty="0" err="1">
+                <a:solidFill>
+                  <a:srgbClr val="FF0000"/>
+                </a:solidFill>
+              </a:rPr>
+              <a:t>Sweep_policy_grid</a:t>
+            </a:r>
+            <a:endParaRPr lang="en-US" sz="900" b="1" dirty="0">
+              <a:solidFill>
+                <a:srgbClr val="FF0000"/>
+              </a:solidFill>
+            </a:endParaRPr>
+          </a:p>
+          <a:p>
+            <a:pPr algn="ctr"/>
+            <a:r>
+              <a:rPr lang="en-US" sz="900" b="1" dirty="0">
+                <a:solidFill>
+                  <a:srgbClr val="FF0000"/>
+                </a:solidFill>
+              </a:rPr>
+              <a:t>.py</a:t>
+            </a:r>
+            <a:endParaRPr lang="en-US" sz="900" dirty="0">
+              <a:solidFill>
+                <a:srgbClr val="FF0000"/>
+              </a:solidFill>
+            </a:endParaRPr>
+          </a:p>
+        </p:txBody>
+      </p:sp>
+      <p:cxnSp>
+        <p:nvCxnSpPr>
+          <p:cNvPr id="216" name="Straight Arrow Connector 215">
+            <a:extLst>
+              <a:ext uri="{FF2B5EF4-FFF2-40B4-BE49-F238E27FC236}">
+                <a16:creationId xmlns:a16="http://schemas.microsoft.com/office/drawing/2014/main" id="{07F896CE-C542-C8BE-E880-6D0F38299069}"/>
+              </a:ext>
+            </a:extLst>
+          </p:cNvPr>
+          <p:cNvCxnSpPr>
+            <a:cxnSpLocks/>
+            <a:stCxn id="165" idx="2"/>
+            <a:endCxn id="215" idx="3"/>
+          </p:cNvCxnSpPr>
+          <p:nvPr/>
+        </p:nvCxnSpPr>
+        <p:spPr>
+          <a:xfrm>
+            <a:off x="7642809" y="9407032"/>
+            <a:ext cx="48934" cy="1927482"/>
+          </a:xfrm>
+          <a:prstGeom prst="straightConnector1">
+            <a:avLst/>
+          </a:prstGeom>
+          <a:ln w="57150">
+            <a:tailEnd type="triangle"/>
+          </a:ln>
+        </p:spPr>
+        <p:style>
+          <a:lnRef idx="2">
+            <a:schemeClr val="accent1"/>
+          </a:lnRef>
+          <a:fillRef idx="0">
+            <a:schemeClr val="accent1"/>
+          </a:fillRef>
+          <a:effectRef idx="1">
+            <a:schemeClr val="accent1"/>
+          </a:effectRef>
+          <a:fontRef idx="minor">
+            <a:schemeClr val="tx1"/>
+          </a:fontRef>
+        </p:style>
+      </p:cxnSp>
+      <p:cxnSp>
+        <p:nvCxnSpPr>
+          <p:cNvPr id="233" name="Straight Arrow Connector 232">
+            <a:extLst>
+              <a:ext uri="{FF2B5EF4-FFF2-40B4-BE49-F238E27FC236}">
+                <a16:creationId xmlns:a16="http://schemas.microsoft.com/office/drawing/2014/main" id="{E042FA49-56B0-9AF3-112B-4346FB806781}"/>
+              </a:ext>
+            </a:extLst>
+          </p:cNvPr>
+          <p:cNvCxnSpPr>
+            <a:cxnSpLocks/>
+            <a:stCxn id="215" idx="1"/>
+            <a:endCxn id="236" idx="1"/>
+          </p:cNvCxnSpPr>
+          <p:nvPr/>
+        </p:nvCxnSpPr>
+        <p:spPr>
+          <a:xfrm>
+            <a:off x="7691743" y="11778680"/>
+            <a:ext cx="4498989" cy="105037"/>
+          </a:xfrm>
+          <a:prstGeom prst="straightConnector1">
+            <a:avLst/>
+          </a:prstGeom>
+          <a:ln w="57150">
+            <a:tailEnd type="triangle"/>
+          </a:ln>
+        </p:spPr>
+        <p:style>
+          <a:lnRef idx="2">
+            <a:schemeClr val="accent1"/>
+          </a:lnRef>
+          <a:fillRef idx="0">
+            <a:schemeClr val="accent1"/>
+          </a:fillRef>
+          <a:effectRef idx="1">
+            <a:schemeClr val="accent1"/>
+          </a:effectRef>
+          <a:fontRef idx="minor">
+            <a:schemeClr val="tx1"/>
+          </a:fontRef>
+        </p:style>
+      </p:cxnSp>
+      <p:sp>
+        <p:nvSpPr>
+          <p:cNvPr id="236" name="Rectangle 235">
+            <a:extLst>
+              <a:ext uri="{FF2B5EF4-FFF2-40B4-BE49-F238E27FC236}">
+                <a16:creationId xmlns:a16="http://schemas.microsoft.com/office/drawing/2014/main" id="{CF49C9E8-A90C-BAD4-5BF7-FB81B733AB36}"/>
+              </a:ext>
+            </a:extLst>
+          </p:cNvPr>
+          <p:cNvSpPr/>
+          <p:nvPr/>
+        </p:nvSpPr>
+        <p:spPr>
+          <a:xfrm>
+            <a:off x="12190732" y="11794940"/>
+            <a:ext cx="2295387" cy="177554"/>
+          </a:xfrm>
+          <a:prstGeom prst="rect">
+            <a:avLst/>
+          </a:prstGeom>
+          <a:solidFill>
+            <a:schemeClr val="accent4"/>
+          </a:solidFill>
+        </p:spPr>
+        <p:style>
+          <a:lnRef idx="2">
+            <a:schemeClr val="accent1">
+              <a:shade val="15000"/>
+            </a:schemeClr>
+          </a:lnRef>
+          <a:fillRef idx="1">
+            <a:schemeClr val="accent1"/>
+          </a:fillRef>
+          <a:effectRef idx="0">
+            <a:schemeClr val="accent1"/>
+          </a:effectRef>
+          <a:fontRef idx="minor">
+            <a:schemeClr val="lt1"/>
+          </a:fontRef>
+        </p:style>
+        <p:txBody>
+          <a:bodyPr rtlCol="0" anchor="ctr"/>
+          <a:lstStyle/>
+          <a:p>
+            <a:pPr algn="ctr"/>
+            <a:r>
+              <a:rPr lang="en-US" sz="1050" dirty="0"/>
+              <a:t>sweep_policy_grid_results.csv</a:t>
+            </a:r>
+          </a:p>
+        </p:txBody>
+      </p:sp>
+      <p:sp>
+        <p:nvSpPr>
+          <p:cNvPr id="245" name="Rectangle 244">
+            <a:extLst>
+              <a:ext uri="{FF2B5EF4-FFF2-40B4-BE49-F238E27FC236}">
+                <a16:creationId xmlns:a16="http://schemas.microsoft.com/office/drawing/2014/main" id="{AE43B502-62BE-C9EB-0CAA-A7AE83CE2C10}"/>
+              </a:ext>
+            </a:extLst>
+          </p:cNvPr>
+          <p:cNvSpPr/>
+          <p:nvPr/>
+        </p:nvSpPr>
+        <p:spPr>
+          <a:xfrm>
+            <a:off x="15362775" y="11401208"/>
+            <a:ext cx="2030038" cy="177554"/>
+          </a:xfrm>
+          <a:prstGeom prst="rect">
+            <a:avLst/>
+          </a:prstGeom>
+          <a:solidFill>
+            <a:schemeClr val="accent1"/>
+          </a:solidFill>
+        </p:spPr>
+        <p:style>
+          <a:lnRef idx="2">
+            <a:schemeClr val="accent1">
+              <a:shade val="15000"/>
+            </a:schemeClr>
+          </a:lnRef>
+          <a:fillRef idx="1">
+            <a:schemeClr val="accent1"/>
+          </a:fillRef>
+          <a:effectRef idx="0">
+            <a:schemeClr val="accent1"/>
+          </a:effectRef>
+          <a:fontRef idx="minor">
+            <a:schemeClr val="lt1"/>
+          </a:fontRef>
+        </p:style>
+        <p:txBody>
+          <a:bodyPr rtlCol="0" anchor="ctr"/>
+          <a:lstStyle/>
+          <a:p>
+            <a:pPr algn="ctr"/>
+            <a:r>
+              <a:rPr lang="en-US" sz="1050" dirty="0"/>
+              <a:t>Naïve_LGB_backtest_table.xlsx</a:t>
+            </a:r>
+          </a:p>
+        </p:txBody>
+      </p:sp>
+      <p:sp>
+        <p:nvSpPr>
+          <p:cNvPr id="246" name="Right Brace 245">
+            <a:extLst>
+              <a:ext uri="{FF2B5EF4-FFF2-40B4-BE49-F238E27FC236}">
+                <a16:creationId xmlns:a16="http://schemas.microsoft.com/office/drawing/2014/main" id="{11194903-85B0-48F3-C4AC-A9FF49943267}"/>
+              </a:ext>
+            </a:extLst>
+          </p:cNvPr>
+          <p:cNvSpPr/>
+          <p:nvPr/>
+        </p:nvSpPr>
+        <p:spPr>
+          <a:xfrm>
+            <a:off x="14494946" y="10706100"/>
+            <a:ext cx="852516" cy="1600200"/>
+          </a:xfrm>
+          <a:prstGeom prst="rightBrace">
+            <a:avLst>
+              <a:gd name="adj1" fmla="val 8333"/>
+              <a:gd name="adj2" fmla="val 51336"/>
+            </a:avLst>
+          </a:prstGeom>
+          <a:solidFill>
+            <a:schemeClr val="accent2">
+              <a:lumMod val="50000"/>
+            </a:schemeClr>
+          </a:solidFill>
+        </p:spPr>
+        <p:style>
+          <a:lnRef idx="2">
+            <a:schemeClr val="accent1"/>
+          </a:lnRef>
+          <a:fillRef idx="0">
+            <a:schemeClr val="accent1"/>
+          </a:fillRef>
+          <a:effectRef idx="1">
+            <a:schemeClr val="accent1"/>
+          </a:effectRef>
+          <a:fontRef idx="minor">
+            <a:schemeClr val="tx1"/>
+          </a:fontRef>
+        </p:style>
+        <p:txBody>
+          <a:bodyPr rtlCol="0" anchor="ctr"/>
+          <a:lstStyle/>
+          <a:p>
+            <a:pPr algn="ctr"/>
+            <a:endParaRPr lang="en-US"/>
+          </a:p>
+        </p:txBody>
+      </p:sp>
+      <p:cxnSp>
+        <p:nvCxnSpPr>
+          <p:cNvPr id="258" name="Straight Arrow Connector 257">
+            <a:extLst>
+              <a:ext uri="{FF2B5EF4-FFF2-40B4-BE49-F238E27FC236}">
+                <a16:creationId xmlns:a16="http://schemas.microsoft.com/office/drawing/2014/main" id="{6D026FE1-7A7A-0C3F-7CB4-297B5F993389}"/>
+              </a:ext>
+            </a:extLst>
+          </p:cNvPr>
+          <p:cNvCxnSpPr>
+            <a:cxnSpLocks/>
+            <a:stCxn id="266" idx="0"/>
+            <a:endCxn id="259" idx="1"/>
+          </p:cNvCxnSpPr>
+          <p:nvPr/>
+        </p:nvCxnSpPr>
+        <p:spPr>
+          <a:xfrm>
+            <a:off x="8516518" y="12102697"/>
+            <a:ext cx="3682292" cy="109519"/>
+          </a:xfrm>
+          <a:prstGeom prst="straightConnector1">
+            <a:avLst/>
+          </a:prstGeom>
+          <a:ln w="57150">
+            <a:tailEnd type="triangle"/>
+          </a:ln>
+        </p:spPr>
+        <p:style>
+          <a:lnRef idx="2">
+            <a:schemeClr val="accent1"/>
+          </a:lnRef>
+          <a:fillRef idx="0">
+            <a:schemeClr val="accent1"/>
+          </a:fillRef>
+          <a:effectRef idx="1">
+            <a:schemeClr val="accent1"/>
+          </a:effectRef>
+          <a:fontRef idx="minor">
+            <a:schemeClr val="tx1"/>
+          </a:fontRef>
+        </p:style>
+      </p:cxnSp>
+      <p:sp>
+        <p:nvSpPr>
+          <p:cNvPr id="259" name="Rectangle 258">
+            <a:extLst>
+              <a:ext uri="{FF2B5EF4-FFF2-40B4-BE49-F238E27FC236}">
+                <a16:creationId xmlns:a16="http://schemas.microsoft.com/office/drawing/2014/main" id="{8E7341AF-1704-B4AD-9BEC-964D1C4C1984}"/>
+              </a:ext>
+            </a:extLst>
+          </p:cNvPr>
+          <p:cNvSpPr/>
+          <p:nvPr/>
+        </p:nvSpPr>
+        <p:spPr>
+          <a:xfrm>
+            <a:off x="12198810" y="12123439"/>
+            <a:ext cx="2295387" cy="177554"/>
+          </a:xfrm>
+          <a:prstGeom prst="rect">
+            <a:avLst/>
+          </a:prstGeom>
+          <a:solidFill>
+            <a:schemeClr val="accent4"/>
+          </a:solidFill>
+        </p:spPr>
+        <p:style>
+          <a:lnRef idx="2">
+            <a:schemeClr val="accent1">
+              <a:shade val="15000"/>
+            </a:schemeClr>
+          </a:lnRef>
+          <a:fillRef idx="1">
+            <a:schemeClr val="accent1"/>
+          </a:fillRef>
+          <a:effectRef idx="0">
+            <a:schemeClr val="accent1"/>
+          </a:effectRef>
+          <a:fontRef idx="minor">
+            <a:schemeClr val="lt1"/>
+          </a:fontRef>
+        </p:style>
+        <p:txBody>
+          <a:bodyPr rtlCol="0" anchor="ctr"/>
+          <a:lstStyle/>
+          <a:p>
+            <a:pPr algn="ctr"/>
+            <a:r>
+              <a:rPr lang="en-US" sz="1050" dirty="0"/>
+              <a:t>sweep_fast_results.csv</a:t>
+            </a:r>
+          </a:p>
+        </p:txBody>
+      </p:sp>
+      <p:sp>
+        <p:nvSpPr>
+          <p:cNvPr id="266" name="Rectangle: Diagonal Corners Rounded 265">
+            <a:extLst>
+              <a:ext uri="{FF2B5EF4-FFF2-40B4-BE49-F238E27FC236}">
+                <a16:creationId xmlns:a16="http://schemas.microsoft.com/office/drawing/2014/main" id="{86081E64-E3DB-9901-C0DF-9369C5681EEA}"/>
+              </a:ext>
+            </a:extLst>
+          </p:cNvPr>
+          <p:cNvSpPr/>
+          <p:nvPr/>
+        </p:nvSpPr>
+        <p:spPr>
+          <a:xfrm>
+            <a:off x="6954381" y="11880614"/>
+            <a:ext cx="1562137" cy="444166"/>
+          </a:xfrm>
+          <a:prstGeom prst="round2DiagRect">
+            <a:avLst>
+              <a:gd name="adj1" fmla="val 16667"/>
+              <a:gd name="adj2" fmla="val 50000"/>
+            </a:avLst>
+          </a:prstGeom>
+          <a:solidFill>
+            <a:schemeClr val="accent4"/>
+          </a:solidFill>
+        </p:spPr>
+        <p:style>
+          <a:lnRef idx="2">
+            <a:schemeClr val="accent1">
+              <a:shade val="15000"/>
+            </a:schemeClr>
+          </a:lnRef>
+          <a:fillRef idx="1">
+            <a:schemeClr val="accent1"/>
+          </a:fillRef>
+          <a:effectRef idx="0">
+            <a:schemeClr val="accent1"/>
+          </a:effectRef>
+          <a:fontRef idx="minor">
+            <a:schemeClr val="lt1"/>
+          </a:fontRef>
+        </p:style>
+        <p:txBody>
+          <a:bodyPr rtlCol="0" anchor="ctr"/>
+          <a:lstStyle/>
+          <a:p>
+            <a:pPr algn="ctr"/>
+            <a:r>
+              <a:rPr lang="en-US" sz="900" b="1" dirty="0" err="1"/>
+              <a:t>Sweep_policy_grid_fast</a:t>
+            </a:r>
+            <a:endParaRPr lang="en-US" sz="900" b="1" dirty="0"/>
+          </a:p>
+          <a:p>
+            <a:pPr algn="ctr"/>
+            <a:r>
+              <a:rPr lang="en-US" sz="900" b="1" dirty="0"/>
+              <a:t>.py</a:t>
+            </a:r>
+            <a:endParaRPr lang="en-US" sz="900" dirty="0"/>
+          </a:p>
+        </p:txBody>
+      </p:sp>
+      <p:sp>
+        <p:nvSpPr>
+          <p:cNvPr id="272" name="Rectangle: Diagonal Corners Rounded 271">
+            <a:extLst>
+              <a:ext uri="{FF2B5EF4-FFF2-40B4-BE49-F238E27FC236}">
+                <a16:creationId xmlns:a16="http://schemas.microsoft.com/office/drawing/2014/main" id="{98D1D588-FA71-D5A7-350A-26B0F8BACFD0}"/>
+              </a:ext>
+            </a:extLst>
+          </p:cNvPr>
+          <p:cNvSpPr/>
+          <p:nvPr/>
+        </p:nvSpPr>
+        <p:spPr>
+          <a:xfrm>
+            <a:off x="7691743" y="13087114"/>
+            <a:ext cx="1562137" cy="444166"/>
+          </a:xfrm>
+          <a:prstGeom prst="round2DiagRect">
+            <a:avLst>
+              <a:gd name="adj1" fmla="val 16667"/>
+              <a:gd name="adj2" fmla="val 50000"/>
+            </a:avLst>
+          </a:prstGeom>
+          <a:solidFill>
+            <a:schemeClr val="accent4"/>
+          </a:solidFill>
+        </p:spPr>
+        <p:style>
+          <a:lnRef idx="2">
+            <a:schemeClr val="accent1">
+              <a:shade val="15000"/>
+            </a:schemeClr>
+          </a:lnRef>
+          <a:fillRef idx="1">
+            <a:schemeClr val="accent1"/>
+          </a:fillRef>
+          <a:effectRef idx="0">
+            <a:schemeClr val="accent1"/>
+          </a:effectRef>
+          <a:fontRef idx="minor">
+            <a:schemeClr val="lt1"/>
+          </a:fontRef>
+        </p:style>
+        <p:txBody>
+          <a:bodyPr rtlCol="0" anchor="ctr"/>
+          <a:lstStyle/>
+          <a:p>
+            <a:pPr algn="ctr"/>
+            <a:r>
+              <a:rPr lang="en-US" sz="900" b="1" dirty="0" err="1"/>
+              <a:t>Pnl_distribution</a:t>
+            </a:r>
+            <a:endParaRPr lang="en-US" sz="900" b="1" dirty="0"/>
+          </a:p>
+          <a:p>
+            <a:pPr algn="ctr"/>
+            <a:r>
+              <a:rPr lang="en-US" sz="900" b="1" dirty="0"/>
+              <a:t>.py</a:t>
+            </a:r>
+            <a:endParaRPr lang="en-US" sz="900" dirty="0"/>
+          </a:p>
+        </p:txBody>
+      </p:sp>
+      <p:cxnSp>
+        <p:nvCxnSpPr>
+          <p:cNvPr id="273" name="Straight Arrow Connector 272">
+            <a:extLst>
+              <a:ext uri="{FF2B5EF4-FFF2-40B4-BE49-F238E27FC236}">
+                <a16:creationId xmlns:a16="http://schemas.microsoft.com/office/drawing/2014/main" id="{2510ABDF-EF2A-C483-C727-8A8E80853157}"/>
+              </a:ext>
+            </a:extLst>
+          </p:cNvPr>
+          <p:cNvCxnSpPr>
+            <a:cxnSpLocks/>
+            <a:stCxn id="272" idx="0"/>
+            <a:endCxn id="278" idx="1"/>
+          </p:cNvCxnSpPr>
+          <p:nvPr/>
+        </p:nvCxnSpPr>
+        <p:spPr>
+          <a:xfrm flipV="1">
+            <a:off x="9253880" y="13095369"/>
+            <a:ext cx="1263218" cy="213828"/>
+          </a:xfrm>
+          <a:prstGeom prst="straightConnector1">
+            <a:avLst/>
+          </a:prstGeom>
+          <a:ln w="57150">
+            <a:tailEnd type="triangle"/>
+          </a:ln>
+        </p:spPr>
+        <p:style>
+          <a:lnRef idx="2">
+            <a:schemeClr val="accent1"/>
+          </a:lnRef>
+          <a:fillRef idx="0">
+            <a:schemeClr val="accent1"/>
+          </a:fillRef>
+          <a:effectRef idx="1">
+            <a:schemeClr val="accent1"/>
+          </a:effectRef>
+          <a:fontRef idx="minor">
+            <a:schemeClr val="tx1"/>
+          </a:fontRef>
+        </p:style>
+      </p:cxnSp>
+      <p:sp>
+        <p:nvSpPr>
+          <p:cNvPr id="278" name="Rectangle 277">
+            <a:extLst>
+              <a:ext uri="{FF2B5EF4-FFF2-40B4-BE49-F238E27FC236}">
+                <a16:creationId xmlns:a16="http://schemas.microsoft.com/office/drawing/2014/main" id="{C261FEBB-99B8-CB5B-813A-1E958BBB8569}"/>
+              </a:ext>
+            </a:extLst>
+          </p:cNvPr>
+          <p:cNvSpPr/>
+          <p:nvPr/>
+        </p:nvSpPr>
+        <p:spPr>
+          <a:xfrm>
+            <a:off x="10517098" y="12983340"/>
+            <a:ext cx="2861336" cy="224057"/>
+          </a:xfrm>
+          <a:prstGeom prst="rect">
+            <a:avLst/>
+          </a:prstGeom>
+          <a:solidFill>
+            <a:schemeClr val="accent4"/>
+          </a:solidFill>
+        </p:spPr>
+        <p:style>
+          <a:lnRef idx="2">
+            <a:schemeClr val="accent1">
+              <a:shade val="15000"/>
+            </a:schemeClr>
+          </a:lnRef>
+          <a:fillRef idx="1">
+            <a:schemeClr val="accent1"/>
+          </a:fillRef>
+          <a:effectRef idx="0">
+            <a:schemeClr val="accent1"/>
+          </a:effectRef>
+          <a:fontRef idx="minor">
+            <a:schemeClr val="lt1"/>
+          </a:fontRef>
+        </p:style>
+        <p:txBody>
+          <a:bodyPr rtlCol="0" anchor="ctr"/>
+          <a:lstStyle/>
+          <a:p>
+            <a:pPr algn="ctr"/>
+            <a:r>
+              <a:rPr lang="en-US" sz="1050" dirty="0"/>
+              <a:t>pnl_dist_adapt40_buf009_thr050_trades.csv</a:t>
+            </a:r>
+          </a:p>
+        </p:txBody>
+      </p:sp>
+      <p:sp>
+        <p:nvSpPr>
+          <p:cNvPr id="279" name="Rectangle 278">
+            <a:extLst>
+              <a:ext uri="{FF2B5EF4-FFF2-40B4-BE49-F238E27FC236}">
+                <a16:creationId xmlns:a16="http://schemas.microsoft.com/office/drawing/2014/main" id="{B9C475FE-EB6D-D139-94B4-C7301012E3B1}"/>
+              </a:ext>
+            </a:extLst>
+          </p:cNvPr>
+          <p:cNvSpPr/>
+          <p:nvPr/>
+        </p:nvSpPr>
+        <p:spPr>
+          <a:xfrm>
+            <a:off x="10656693" y="13281705"/>
+            <a:ext cx="2623693" cy="197387"/>
+          </a:xfrm>
+          <a:prstGeom prst="rect">
+            <a:avLst/>
+          </a:prstGeom>
+          <a:solidFill>
+            <a:schemeClr val="accent4"/>
+          </a:solidFill>
+        </p:spPr>
+        <p:style>
+          <a:lnRef idx="2">
+            <a:schemeClr val="accent1">
+              <a:shade val="15000"/>
+            </a:schemeClr>
+          </a:lnRef>
+          <a:fillRef idx="1">
+            <a:schemeClr val="accent1"/>
+          </a:fillRef>
+          <a:effectRef idx="0">
+            <a:schemeClr val="accent1"/>
+          </a:effectRef>
+          <a:fontRef idx="minor">
+            <a:schemeClr val="lt1"/>
+          </a:fontRef>
+        </p:style>
+        <p:txBody>
+          <a:bodyPr rtlCol="0" anchor="ctr"/>
+          <a:lstStyle/>
+          <a:p>
+            <a:pPr algn="ctr"/>
+            <a:r>
+              <a:rPr lang="en-US" sz="1050" dirty="0"/>
+              <a:t>pnl_dist_adapt40_buf009_thr050_hist.png</a:t>
+            </a:r>
+          </a:p>
+        </p:txBody>
+      </p:sp>
+      <p:sp>
+        <p:nvSpPr>
+          <p:cNvPr id="280" name="Rectangle 279">
+            <a:extLst>
+              <a:ext uri="{FF2B5EF4-FFF2-40B4-BE49-F238E27FC236}">
+                <a16:creationId xmlns:a16="http://schemas.microsoft.com/office/drawing/2014/main" id="{DD18F6CB-41E2-E62C-91B8-EAF502DE85D5}"/>
+              </a:ext>
+            </a:extLst>
+          </p:cNvPr>
+          <p:cNvSpPr/>
+          <p:nvPr/>
+        </p:nvSpPr>
+        <p:spPr>
+          <a:xfrm>
+            <a:off x="10662469" y="13511328"/>
+            <a:ext cx="3126440" cy="213809"/>
+          </a:xfrm>
+          <a:prstGeom prst="rect">
+            <a:avLst/>
+          </a:prstGeom>
+          <a:solidFill>
+            <a:schemeClr val="accent4"/>
+          </a:solidFill>
+        </p:spPr>
+        <p:style>
+          <a:lnRef idx="2">
+            <a:schemeClr val="accent1">
+              <a:shade val="15000"/>
+            </a:schemeClr>
+          </a:lnRef>
+          <a:fillRef idx="1">
+            <a:schemeClr val="accent1"/>
+          </a:fillRef>
+          <a:effectRef idx="0">
+            <a:schemeClr val="accent1"/>
+          </a:effectRef>
+          <a:fontRef idx="minor">
+            <a:schemeClr val="lt1"/>
+          </a:fontRef>
+        </p:style>
+        <p:txBody>
+          <a:bodyPr rtlCol="0" anchor="ctr"/>
+          <a:lstStyle/>
+          <a:p>
+            <a:pPr algn="ctr"/>
+            <a:r>
+              <a:rPr lang="en-US" sz="1050" dirty="0"/>
+              <a:t>pnl_dist_adapt40_buf009_thr050_cumcontrib.png</a:t>
+            </a:r>
+          </a:p>
+        </p:txBody>
+      </p:sp>
+      <p:cxnSp>
+        <p:nvCxnSpPr>
+          <p:cNvPr id="288" name="Straight Arrow Connector 287">
+            <a:extLst>
+              <a:ext uri="{FF2B5EF4-FFF2-40B4-BE49-F238E27FC236}">
+                <a16:creationId xmlns:a16="http://schemas.microsoft.com/office/drawing/2014/main" id="{C2DBBB9B-5959-44F2-B22B-0F03E7250C1C}"/>
+              </a:ext>
+            </a:extLst>
+          </p:cNvPr>
+          <p:cNvCxnSpPr>
+            <a:cxnSpLocks/>
+            <a:stCxn id="272" idx="0"/>
+            <a:endCxn id="279" idx="1"/>
+          </p:cNvCxnSpPr>
+          <p:nvPr/>
+        </p:nvCxnSpPr>
+        <p:spPr>
+          <a:xfrm>
+            <a:off x="9253880" y="13309197"/>
+            <a:ext cx="1402813" cy="71202"/>
+          </a:xfrm>
+          <a:prstGeom prst="straightConnector1">
+            <a:avLst/>
+          </a:prstGeom>
+          <a:ln w="57150">
+            <a:tailEnd type="triangle"/>
+          </a:ln>
+        </p:spPr>
+        <p:style>
+          <a:lnRef idx="2">
+            <a:schemeClr val="accent1"/>
+          </a:lnRef>
+          <a:fillRef idx="0">
+            <a:schemeClr val="accent1"/>
+          </a:fillRef>
+          <a:effectRef idx="1">
+            <a:schemeClr val="accent1"/>
+          </a:effectRef>
+          <a:fontRef idx="minor">
+            <a:schemeClr val="tx1"/>
+          </a:fontRef>
+        </p:style>
+      </p:cxnSp>
+      <p:cxnSp>
+        <p:nvCxnSpPr>
+          <p:cNvPr id="291" name="Straight Arrow Connector 290">
+            <a:extLst>
+              <a:ext uri="{FF2B5EF4-FFF2-40B4-BE49-F238E27FC236}">
+                <a16:creationId xmlns:a16="http://schemas.microsoft.com/office/drawing/2014/main" id="{3EED8261-9B56-4197-0FE8-8C877BABA788}"/>
+              </a:ext>
+            </a:extLst>
+          </p:cNvPr>
+          <p:cNvCxnSpPr>
+            <a:cxnSpLocks/>
+            <a:stCxn id="272" idx="0"/>
+            <a:endCxn id="280" idx="1"/>
+          </p:cNvCxnSpPr>
+          <p:nvPr/>
+        </p:nvCxnSpPr>
+        <p:spPr>
+          <a:xfrm>
+            <a:off x="9253880" y="13309197"/>
+            <a:ext cx="1408589" cy="309036"/>
+          </a:xfrm>
+          <a:prstGeom prst="straightConnector1">
+            <a:avLst/>
+          </a:prstGeom>
+          <a:ln w="57150">
+            <a:tailEnd type="triangle"/>
+          </a:ln>
+        </p:spPr>
+        <p:style>
+          <a:lnRef idx="2">
+            <a:schemeClr val="accent1"/>
+          </a:lnRef>
+          <a:fillRef idx="0">
+            <a:schemeClr val="accent1"/>
+          </a:fillRef>
+          <a:effectRef idx="1">
+            <a:schemeClr val="accent1"/>
+          </a:effectRef>
+          <a:fontRef idx="minor">
+            <a:schemeClr val="tx1"/>
+          </a:fontRef>
+        </p:style>
+      </p:cxnSp>
+      <p:sp>
+        <p:nvSpPr>
+          <p:cNvPr id="294" name="Rectangle: Diagonal Corners Rounded 293">
+            <a:extLst>
+              <a:ext uri="{FF2B5EF4-FFF2-40B4-BE49-F238E27FC236}">
+                <a16:creationId xmlns:a16="http://schemas.microsoft.com/office/drawing/2014/main" id="{18F8E056-9F4A-E7BB-A79F-136708442B01}"/>
+              </a:ext>
+            </a:extLst>
+          </p:cNvPr>
+          <p:cNvSpPr/>
+          <p:nvPr/>
+        </p:nvSpPr>
+        <p:spPr>
+          <a:xfrm>
+            <a:off x="13602403" y="12845814"/>
+            <a:ext cx="1562137" cy="444166"/>
+          </a:xfrm>
+          <a:prstGeom prst="round2DiagRect">
+            <a:avLst>
+              <a:gd name="adj1" fmla="val 16667"/>
+              <a:gd name="adj2" fmla="val 50000"/>
+            </a:avLst>
+          </a:prstGeom>
+          <a:solidFill>
+            <a:schemeClr val="accent4"/>
+          </a:solidFill>
+        </p:spPr>
+        <p:style>
+          <a:lnRef idx="2">
+            <a:schemeClr val="accent1">
+              <a:shade val="15000"/>
+            </a:schemeClr>
+          </a:lnRef>
+          <a:fillRef idx="1">
+            <a:schemeClr val="accent1"/>
+          </a:fillRef>
+          <a:effectRef idx="0">
+            <a:schemeClr val="accent1"/>
+          </a:effectRef>
+          <a:fontRef idx="minor">
+            <a:schemeClr val="lt1"/>
+          </a:fontRef>
+        </p:style>
+        <p:txBody>
+          <a:bodyPr rtlCol="0" anchor="ctr"/>
+          <a:lstStyle/>
+          <a:p>
+            <a:pPr algn="ctr"/>
+            <a:r>
+              <a:rPr lang="en-US" sz="900" b="1" dirty="0" err="1"/>
+              <a:t>Stability_analysis</a:t>
+            </a:r>
+            <a:endParaRPr lang="en-US" sz="900" b="1" dirty="0"/>
+          </a:p>
+          <a:p>
+            <a:pPr algn="ctr"/>
+            <a:r>
+              <a:rPr lang="en-US" sz="900" b="1" dirty="0"/>
+              <a:t>.py</a:t>
+            </a:r>
+            <a:endParaRPr lang="en-US" sz="900" dirty="0"/>
+          </a:p>
+        </p:txBody>
+      </p:sp>
+      <p:cxnSp>
+        <p:nvCxnSpPr>
+          <p:cNvPr id="295" name="Straight Arrow Connector 294">
+            <a:extLst>
+              <a:ext uri="{FF2B5EF4-FFF2-40B4-BE49-F238E27FC236}">
+                <a16:creationId xmlns:a16="http://schemas.microsoft.com/office/drawing/2014/main" id="{2BD28B61-C95F-CB00-810F-5FF1C5731FCE}"/>
+              </a:ext>
+            </a:extLst>
+          </p:cNvPr>
+          <p:cNvCxnSpPr>
+            <a:cxnSpLocks/>
+            <a:stCxn id="294" idx="0"/>
+            <a:endCxn id="296" idx="1"/>
+          </p:cNvCxnSpPr>
+          <p:nvPr/>
+        </p:nvCxnSpPr>
+        <p:spPr>
+          <a:xfrm flipV="1">
+            <a:off x="15164540" y="12864799"/>
+            <a:ext cx="1263218" cy="203098"/>
+          </a:xfrm>
+          <a:prstGeom prst="straightConnector1">
+            <a:avLst/>
+          </a:prstGeom>
+          <a:ln w="57150">
+            <a:tailEnd type="triangle"/>
+          </a:ln>
+        </p:spPr>
+        <p:style>
+          <a:lnRef idx="2">
+            <a:schemeClr val="accent1"/>
+          </a:lnRef>
+          <a:fillRef idx="0">
+            <a:schemeClr val="accent1"/>
+          </a:fillRef>
+          <a:effectRef idx="1">
+            <a:schemeClr val="accent1"/>
+          </a:effectRef>
+          <a:fontRef idx="minor">
+            <a:schemeClr val="tx1"/>
+          </a:fontRef>
+        </p:style>
+      </p:cxnSp>
+      <p:sp>
+        <p:nvSpPr>
+          <p:cNvPr id="296" name="Rectangle 295">
+            <a:extLst>
+              <a:ext uri="{FF2B5EF4-FFF2-40B4-BE49-F238E27FC236}">
+                <a16:creationId xmlns:a16="http://schemas.microsoft.com/office/drawing/2014/main" id="{542FED7F-4A60-F707-1710-00F09F62AE74}"/>
+              </a:ext>
+            </a:extLst>
+          </p:cNvPr>
+          <p:cNvSpPr/>
+          <p:nvPr/>
+        </p:nvSpPr>
+        <p:spPr>
+          <a:xfrm>
+            <a:off x="16427758" y="12763500"/>
+            <a:ext cx="3033976" cy="202597"/>
+          </a:xfrm>
+          <a:prstGeom prst="rect">
+            <a:avLst/>
+          </a:prstGeom>
+          <a:solidFill>
+            <a:schemeClr val="accent4"/>
+          </a:solidFill>
+        </p:spPr>
+        <p:style>
+          <a:lnRef idx="2">
+            <a:schemeClr val="accent1">
+              <a:shade val="15000"/>
+            </a:schemeClr>
+          </a:lnRef>
+          <a:fillRef idx="1">
+            <a:schemeClr val="accent1"/>
+          </a:fillRef>
+          <a:effectRef idx="0">
+            <a:schemeClr val="accent1"/>
+          </a:effectRef>
+          <a:fontRef idx="minor">
+            <a:schemeClr val="lt1"/>
+          </a:fontRef>
+        </p:style>
+        <p:txBody>
+          <a:bodyPr rtlCol="0" anchor="ctr"/>
+          <a:lstStyle/>
+          <a:p>
+            <a:pPr algn="ctr"/>
+            <a:r>
+              <a:rPr lang="en-US" sz="1050" dirty="0"/>
+              <a:t>stability_adapt40_buf009_thr050_robustness.csv</a:t>
+            </a:r>
+          </a:p>
+        </p:txBody>
+      </p:sp>
+      <p:sp>
+        <p:nvSpPr>
+          <p:cNvPr id="297" name="Rectangle 296">
+            <a:extLst>
+              <a:ext uri="{FF2B5EF4-FFF2-40B4-BE49-F238E27FC236}">
+                <a16:creationId xmlns:a16="http://schemas.microsoft.com/office/drawing/2014/main" id="{F6ED0C91-4E5B-DCB0-EF17-1CA2A192C76D}"/>
+              </a:ext>
+            </a:extLst>
+          </p:cNvPr>
+          <p:cNvSpPr/>
+          <p:nvPr/>
+        </p:nvSpPr>
+        <p:spPr>
+          <a:xfrm>
+            <a:off x="16567353" y="13040405"/>
+            <a:ext cx="2623693" cy="197387"/>
+          </a:xfrm>
+          <a:prstGeom prst="rect">
+            <a:avLst/>
+          </a:prstGeom>
+          <a:solidFill>
+            <a:schemeClr val="accent4"/>
+          </a:solidFill>
+        </p:spPr>
+        <p:style>
+          <a:lnRef idx="2">
+            <a:schemeClr val="accent1">
+              <a:shade val="15000"/>
+            </a:schemeClr>
+          </a:lnRef>
+          <a:fillRef idx="1">
+            <a:schemeClr val="accent1"/>
+          </a:fillRef>
+          <a:effectRef idx="0">
+            <a:schemeClr val="accent1"/>
+          </a:effectRef>
+          <a:fontRef idx="minor">
+            <a:schemeClr val="lt1"/>
+          </a:fontRef>
+        </p:style>
+        <p:txBody>
+          <a:bodyPr rtlCol="0" anchor="ctr"/>
+          <a:lstStyle/>
+          <a:p>
+            <a:pPr algn="ctr"/>
+            <a:r>
+              <a:rPr lang="en-US" sz="1050" dirty="0"/>
+              <a:t>stability_adapt40_buf009_thr050_hist.png</a:t>
+            </a:r>
+          </a:p>
+        </p:txBody>
+      </p:sp>
+      <p:sp>
+        <p:nvSpPr>
+          <p:cNvPr id="298" name="Rectangle 297">
+            <a:extLst>
+              <a:ext uri="{FF2B5EF4-FFF2-40B4-BE49-F238E27FC236}">
+                <a16:creationId xmlns:a16="http://schemas.microsoft.com/office/drawing/2014/main" id="{517BCBFF-41A0-C7D4-B0CB-99DDA5F59DAF}"/>
+              </a:ext>
+            </a:extLst>
+          </p:cNvPr>
+          <p:cNvSpPr/>
+          <p:nvPr/>
+        </p:nvSpPr>
+        <p:spPr>
+          <a:xfrm>
+            <a:off x="16573129" y="13270028"/>
+            <a:ext cx="3126440" cy="213809"/>
+          </a:xfrm>
+          <a:prstGeom prst="rect">
+            <a:avLst/>
+          </a:prstGeom>
+          <a:solidFill>
+            <a:schemeClr val="accent4"/>
+          </a:solidFill>
+        </p:spPr>
+        <p:style>
+          <a:lnRef idx="2">
+            <a:schemeClr val="accent1">
+              <a:shade val="15000"/>
+            </a:schemeClr>
+          </a:lnRef>
+          <a:fillRef idx="1">
+            <a:schemeClr val="accent1"/>
+          </a:fillRef>
+          <a:effectRef idx="0">
+            <a:schemeClr val="accent1"/>
+          </a:effectRef>
+          <a:fontRef idx="minor">
+            <a:schemeClr val="lt1"/>
+          </a:fontRef>
+        </p:style>
+        <p:txBody>
+          <a:bodyPr rtlCol="0" anchor="ctr"/>
+          <a:lstStyle/>
+          <a:p>
+            <a:pPr algn="ctr"/>
+            <a:r>
+              <a:rPr lang="en-US" sz="1050" dirty="0"/>
+              <a:t>stability_adapt40_buf009_thr050_cumcontrib.png</a:t>
+            </a:r>
+          </a:p>
+        </p:txBody>
+      </p:sp>
+      <p:cxnSp>
+        <p:nvCxnSpPr>
+          <p:cNvPr id="299" name="Straight Arrow Connector 298">
+            <a:extLst>
+              <a:ext uri="{FF2B5EF4-FFF2-40B4-BE49-F238E27FC236}">
+                <a16:creationId xmlns:a16="http://schemas.microsoft.com/office/drawing/2014/main" id="{E44ED22B-25B4-27F2-E1DA-F4571C2ED2C7}"/>
+              </a:ext>
+            </a:extLst>
+          </p:cNvPr>
+          <p:cNvCxnSpPr>
+            <a:cxnSpLocks/>
+            <a:stCxn id="294" idx="0"/>
+            <a:endCxn id="297" idx="1"/>
+          </p:cNvCxnSpPr>
+          <p:nvPr/>
+        </p:nvCxnSpPr>
+        <p:spPr>
+          <a:xfrm>
+            <a:off x="15164540" y="13067897"/>
+            <a:ext cx="1402813" cy="71202"/>
+          </a:xfrm>
+          <a:prstGeom prst="straightConnector1">
+            <a:avLst/>
+          </a:prstGeom>
+          <a:ln w="57150">
+            <a:tailEnd type="triangle"/>
+          </a:ln>
+        </p:spPr>
+        <p:style>
+          <a:lnRef idx="2">
+            <a:schemeClr val="accent1"/>
+          </a:lnRef>
+          <a:fillRef idx="0">
+            <a:schemeClr val="accent1"/>
+          </a:fillRef>
+          <a:effectRef idx="1">
+            <a:schemeClr val="accent1"/>
+          </a:effectRef>
+          <a:fontRef idx="minor">
+            <a:schemeClr val="tx1"/>
+          </a:fontRef>
+        </p:style>
+      </p:cxnSp>
+      <p:cxnSp>
+        <p:nvCxnSpPr>
+          <p:cNvPr id="300" name="Straight Arrow Connector 299">
+            <a:extLst>
+              <a:ext uri="{FF2B5EF4-FFF2-40B4-BE49-F238E27FC236}">
+                <a16:creationId xmlns:a16="http://schemas.microsoft.com/office/drawing/2014/main" id="{EE5A2372-C5DC-3788-04FA-B015A28C475B}"/>
+              </a:ext>
+            </a:extLst>
+          </p:cNvPr>
+          <p:cNvCxnSpPr>
+            <a:cxnSpLocks/>
+            <a:stCxn id="294" idx="0"/>
+            <a:endCxn id="298" idx="1"/>
+          </p:cNvCxnSpPr>
+          <p:nvPr/>
+        </p:nvCxnSpPr>
+        <p:spPr>
+          <a:xfrm>
+            <a:off x="15164540" y="13067897"/>
+            <a:ext cx="1408589" cy="309036"/>
+          </a:xfrm>
+          <a:prstGeom prst="straightConnector1">
+            <a:avLst/>
+          </a:prstGeom>
+          <a:ln w="57150">
+            <a:tailEnd type="triangle"/>
+          </a:ln>
+        </p:spPr>
+        <p:style>
+          <a:lnRef idx="2">
+            <a:schemeClr val="accent1"/>
+          </a:lnRef>
+          <a:fillRef idx="0">
+            <a:schemeClr val="accent1"/>
+          </a:fillRef>
+          <a:effectRef idx="1">
+            <a:schemeClr val="accent1"/>
+          </a:effectRef>
+          <a:fontRef idx="minor">
+            <a:schemeClr val="tx1"/>
+          </a:fontRef>
+        </p:style>
+      </p:cxnSp>
+      <p:sp>
+        <p:nvSpPr>
+          <p:cNvPr id="302" name="Rectangle 301">
+            <a:extLst>
+              <a:ext uri="{FF2B5EF4-FFF2-40B4-BE49-F238E27FC236}">
+                <a16:creationId xmlns:a16="http://schemas.microsoft.com/office/drawing/2014/main" id="{044A65FF-8673-BFE5-97F8-FFD5D543F824}"/>
+              </a:ext>
+            </a:extLst>
+          </p:cNvPr>
+          <p:cNvSpPr/>
+          <p:nvPr/>
+        </p:nvSpPr>
+        <p:spPr>
+          <a:xfrm>
+            <a:off x="16584780" y="13576300"/>
+            <a:ext cx="4045354" cy="212337"/>
+          </a:xfrm>
+          <a:prstGeom prst="rect">
+            <a:avLst/>
+          </a:prstGeom>
+          <a:solidFill>
+            <a:schemeClr val="accent4"/>
+          </a:solidFill>
+        </p:spPr>
+        <p:style>
+          <a:lnRef idx="2">
+            <a:schemeClr val="accent1">
+              <a:shade val="15000"/>
+            </a:schemeClr>
+          </a:lnRef>
+          <a:fillRef idx="1">
+            <a:schemeClr val="accent1"/>
+          </a:fillRef>
+          <a:effectRef idx="0">
+            <a:schemeClr val="accent1"/>
+          </a:effectRef>
+          <a:fontRef idx="minor">
+            <a:schemeClr val="lt1"/>
+          </a:fontRef>
+        </p:style>
+        <p:txBody>
+          <a:bodyPr rtlCol="0" anchor="ctr"/>
+          <a:lstStyle/>
+          <a:p>
+            <a:pPr algn="ctr"/>
+            <a:r>
+              <a:rPr lang="en-US" sz="1050" dirty="0"/>
+              <a:t>stability_adapt40_buf009_thr050_timeline_top25.csv (trades: 25)</a:t>
+            </a:r>
+          </a:p>
+        </p:txBody>
+      </p:sp>
+      <p:sp>
+        <p:nvSpPr>
+          <p:cNvPr id="303" name="Rectangle 302">
+            <a:extLst>
+              <a:ext uri="{FF2B5EF4-FFF2-40B4-BE49-F238E27FC236}">
+                <a16:creationId xmlns:a16="http://schemas.microsoft.com/office/drawing/2014/main" id="{FBF636CA-CE07-5E1C-1FCA-E570069C721D}"/>
+              </a:ext>
+            </a:extLst>
+          </p:cNvPr>
+          <p:cNvSpPr/>
+          <p:nvPr/>
+        </p:nvSpPr>
+        <p:spPr>
+          <a:xfrm>
+            <a:off x="16596158" y="13868400"/>
+            <a:ext cx="4160976" cy="199637"/>
+          </a:xfrm>
+          <a:prstGeom prst="rect">
+            <a:avLst/>
+          </a:prstGeom>
+          <a:solidFill>
+            <a:schemeClr val="accent4"/>
+          </a:solidFill>
+        </p:spPr>
+        <p:style>
+          <a:lnRef idx="2">
+            <a:schemeClr val="accent1">
+              <a:shade val="15000"/>
+            </a:schemeClr>
+          </a:lnRef>
+          <a:fillRef idx="1">
+            <a:schemeClr val="accent1"/>
+          </a:fillRef>
+          <a:effectRef idx="0">
+            <a:schemeClr val="accent1"/>
+          </a:effectRef>
+          <a:fontRef idx="minor">
+            <a:schemeClr val="lt1"/>
+          </a:fontRef>
+        </p:style>
+        <p:txBody>
+          <a:bodyPr rtlCol="0" anchor="ctr"/>
+          <a:lstStyle/>
+          <a:p>
+            <a:pPr algn="ctr"/>
+            <a:r>
+              <a:rPr lang="en-US" sz="1050" dirty="0"/>
+              <a:t>stability_adapt40_buf009_thr050_timeline_bottom25.csv (trades: 25)</a:t>
+            </a:r>
+          </a:p>
+        </p:txBody>
+      </p:sp>
+      <p:cxnSp>
+        <p:nvCxnSpPr>
+          <p:cNvPr id="304" name="Straight Arrow Connector 303">
+            <a:extLst>
+              <a:ext uri="{FF2B5EF4-FFF2-40B4-BE49-F238E27FC236}">
+                <a16:creationId xmlns:a16="http://schemas.microsoft.com/office/drawing/2014/main" id="{64511561-5209-0BEF-DC48-871959CA1FD4}"/>
+              </a:ext>
+            </a:extLst>
+          </p:cNvPr>
+          <p:cNvCxnSpPr>
+            <a:cxnSpLocks/>
+            <a:stCxn id="294" idx="0"/>
+            <a:endCxn id="302" idx="1"/>
+          </p:cNvCxnSpPr>
+          <p:nvPr/>
+        </p:nvCxnSpPr>
+        <p:spPr>
+          <a:xfrm>
+            <a:off x="15164540" y="13067897"/>
+            <a:ext cx="1420240" cy="614572"/>
+          </a:xfrm>
+          <a:prstGeom prst="straightConnector1">
+            <a:avLst/>
+          </a:prstGeom>
+          <a:ln w="57150">
+            <a:tailEnd type="triangle"/>
+          </a:ln>
+        </p:spPr>
+        <p:style>
+          <a:lnRef idx="2">
+            <a:schemeClr val="accent1"/>
+          </a:lnRef>
+          <a:fillRef idx="0">
+            <a:schemeClr val="accent1"/>
+          </a:fillRef>
+          <a:effectRef idx="1">
+            <a:schemeClr val="accent1"/>
+          </a:effectRef>
+          <a:fontRef idx="minor">
+            <a:schemeClr val="tx1"/>
+          </a:fontRef>
+        </p:style>
+      </p:cxnSp>
+      <p:cxnSp>
+        <p:nvCxnSpPr>
+          <p:cNvPr id="307" name="Straight Arrow Connector 306">
+            <a:extLst>
+              <a:ext uri="{FF2B5EF4-FFF2-40B4-BE49-F238E27FC236}">
+                <a16:creationId xmlns:a16="http://schemas.microsoft.com/office/drawing/2014/main" id="{9228193B-B21D-A615-564E-55D8CB22AE78}"/>
+              </a:ext>
+            </a:extLst>
+          </p:cNvPr>
+          <p:cNvCxnSpPr>
+            <a:cxnSpLocks/>
+            <a:stCxn id="294" idx="0"/>
+          </p:cNvCxnSpPr>
+          <p:nvPr/>
+        </p:nvCxnSpPr>
+        <p:spPr>
+          <a:xfrm>
+            <a:off x="15164540" y="13067897"/>
+            <a:ext cx="1472414" cy="855872"/>
           </a:xfrm>
           <a:prstGeom prst="straightConnector1">
             <a:avLst/>
@@ -10638,7 +13549,7 @@
         </p:nvSpPr>
         <p:spPr>
           <a:xfrm>
-            <a:off x="168349" y="131208"/>
+            <a:off x="7788349" y="5846210"/>
             <a:ext cx="2702442" cy="400419"/>
           </a:xfrm>
         </p:spPr>
@@ -10670,7 +13581,7 @@
         </p:nvSpPr>
         <p:spPr>
           <a:xfrm>
-            <a:off x="3815670" y="444909"/>
+            <a:off x="11435670" y="6159909"/>
             <a:ext cx="1754550" cy="491490"/>
           </a:xfrm>
           <a:prstGeom prst="rect">
@@ -10739,7 +13650,7 @@
         </p:nvSpPr>
         <p:spPr>
           <a:xfrm>
-            <a:off x="2588850" y="1717449"/>
+            <a:off x="10208852" y="7432449"/>
             <a:ext cx="2027895" cy="491490"/>
           </a:xfrm>
           <a:prstGeom prst="rect">
@@ -10818,7 +13729,7 @@
         </p:nvSpPr>
         <p:spPr>
           <a:xfrm>
-            <a:off x="4996770" y="1717449"/>
+            <a:off x="12616772" y="7432449"/>
             <a:ext cx="1602149" cy="491490"/>
           </a:xfrm>
           <a:prstGeom prst="rect">
@@ -10886,7 +13797,7 @@
         </p:nvCxnSpPr>
         <p:spPr>
           <a:xfrm flipH="1">
-            <a:off x="3602798" y="936399"/>
+            <a:off x="11222800" y="6651399"/>
             <a:ext cx="1090147" cy="781050"/>
           </a:xfrm>
           <a:prstGeom prst="straightConnector1">
@@ -10929,7 +13840,7 @@
         </p:nvCxnSpPr>
         <p:spPr>
           <a:xfrm>
-            <a:off x="4692945" y="936399"/>
+            <a:off x="12312945" y="6651399"/>
             <a:ext cx="1104900" cy="781050"/>
           </a:xfrm>
           <a:prstGeom prst="straightConnector1">
@@ -10977,7 +13888,7 @@
         </p:blipFill>
         <p:spPr>
           <a:xfrm>
-            <a:off x="2518147" y="2286000"/>
+            <a:off x="10138149" y="8001000"/>
             <a:ext cx="1743553" cy="1143000"/>
           </a:xfrm>
           <a:prstGeom prst="rect">
@@ -10999,7 +13910,7 @@
         </p:nvSpPr>
         <p:spPr>
           <a:xfrm>
-            <a:off x="3662783" y="1029745"/>
+            <a:off x="11282783" y="6744747"/>
             <a:ext cx="2027894" cy="441959"/>
           </a:xfrm>
           <a:prstGeom prst="rect">
@@ -11070,7 +13981,7 @@
         </p:nvSpPr>
         <p:spPr>
           <a:xfrm>
-            <a:off x="1851084" y="1071285"/>
+            <a:off x="9471086" y="6786287"/>
             <a:ext cx="1447889" cy="400419"/>
           </a:xfrm>
           <a:prstGeom prst="rect">
@@ -11141,7 +14052,7 @@
         </p:nvCxnSpPr>
         <p:spPr>
           <a:xfrm>
-            <a:off x="2575029" y="1471704"/>
+            <a:off x="10195031" y="7186706"/>
             <a:ext cx="1027769" cy="245745"/>
           </a:xfrm>
           <a:prstGeom prst="straightConnector1">
@@ -11180,7 +14091,7 @@
         </p:nvSpPr>
         <p:spPr>
           <a:xfrm>
-            <a:off x="4615770" y="2691765"/>
+            <a:off x="12235770" y="8406765"/>
             <a:ext cx="954450" cy="491490"/>
           </a:xfrm>
           <a:prstGeom prst="rect">
@@ -11229,7 +14140,7 @@
         </p:nvSpPr>
         <p:spPr>
           <a:xfrm>
-            <a:off x="9254401" y="2691765"/>
+            <a:off x="16874403" y="8406765"/>
             <a:ext cx="1602149" cy="491490"/>
           </a:xfrm>
           <a:prstGeom prst="rect">
@@ -11295,7 +14206,7 @@
         </p:nvCxnSpPr>
         <p:spPr>
           <a:xfrm flipH="1">
-            <a:off x="5092995" y="2208939"/>
+            <a:off x="12712995" y="7923939"/>
             <a:ext cx="704850" cy="482826"/>
           </a:xfrm>
           <a:prstGeom prst="straightConnector1">
@@ -11338,7 +14249,7 @@
         </p:nvCxnSpPr>
         <p:spPr>
           <a:xfrm>
-            <a:off x="5797845" y="2208939"/>
+            <a:off x="13417845" y="7923939"/>
             <a:ext cx="480304" cy="502828"/>
           </a:xfrm>
           <a:prstGeom prst="straightConnector1">
@@ -11377,7 +14288,7 @@
         </p:nvSpPr>
         <p:spPr>
           <a:xfrm>
-            <a:off x="5690677" y="2711767"/>
+            <a:off x="13310679" y="8426769"/>
             <a:ext cx="1174943" cy="363855"/>
           </a:xfrm>
           <a:prstGeom prst="rect">
@@ -11438,7 +14349,7 @@
         </p:nvSpPr>
         <p:spPr>
           <a:xfrm>
-            <a:off x="6998239" y="2691765"/>
+            <a:off x="14618241" y="8406767"/>
             <a:ext cx="1174943" cy="363855"/>
           </a:xfrm>
           <a:prstGeom prst="rect">
@@ -11495,7 +14406,7 @@
         </p:nvCxnSpPr>
         <p:spPr>
           <a:xfrm>
-            <a:off x="5797845" y="2208939"/>
+            <a:off x="13417845" y="7923939"/>
             <a:ext cx="1787866" cy="482826"/>
           </a:xfrm>
           <a:prstGeom prst="straightConnector1">
@@ -11534,7 +14445,7 @@
         </p:nvSpPr>
         <p:spPr>
           <a:xfrm>
-            <a:off x="2659551" y="3494201"/>
+            <a:off x="10279553" y="9209203"/>
             <a:ext cx="1602149" cy="703989"/>
           </a:xfrm>
           <a:prstGeom prst="rect">
@@ -11609,7 +14520,7 @@
         </p:nvSpPr>
         <p:spPr>
           <a:xfrm>
-            <a:off x="9254400" y="4650105"/>
+            <a:off x="16874402" y="10365105"/>
             <a:ext cx="1602149" cy="491490"/>
           </a:xfrm>
           <a:prstGeom prst="rect">
@@ -11671,7 +14582,7 @@
         </p:nvSpPr>
         <p:spPr>
           <a:xfrm>
-            <a:off x="168349" y="4391025"/>
+            <a:off x="7788349" y="10106025"/>
             <a:ext cx="2602962" cy="2234584"/>
           </a:xfrm>
           <a:prstGeom prst="rect">
@@ -11823,7 +14734,7 @@
         </p:nvSpPr>
         <p:spPr>
           <a:xfrm>
-            <a:off x="3086692" y="4403316"/>
+            <a:off x="10706692" y="10118316"/>
             <a:ext cx="2602962" cy="2234584"/>
           </a:xfrm>
           <a:prstGeom prst="rect">
@@ -12062,7 +14973,7 @@
         </p:nvSpPr>
         <p:spPr>
           <a:xfrm>
-            <a:off x="6005035" y="4391025"/>
+            <a:off x="13625035" y="10106025"/>
             <a:ext cx="2602962" cy="2234584"/>
           </a:xfrm>
           <a:prstGeom prst="rect">
@@ -12187,7 +15098,7 @@
         </p:nvSpPr>
         <p:spPr>
           <a:xfrm>
-            <a:off x="81116" y="13775"/>
+            <a:off x="7701116" y="5728775"/>
             <a:ext cx="11412794" cy="667262"/>
           </a:xfrm>
         </p:spPr>
@@ -12235,7 +15146,7 @@
         </p:blipFill>
         <p:spPr>
           <a:xfrm>
-            <a:off x="6272849" y="464800"/>
+            <a:off x="13892851" y="6179800"/>
             <a:ext cx="6004405" cy="2964200"/>
           </a:xfrm>
           <a:prstGeom prst="rect">
@@ -12265,7 +15176,7 @@
         </p:blipFill>
         <p:spPr>
           <a:xfrm>
-            <a:off x="459415" y="585898"/>
+            <a:off x="8079415" y="6300898"/>
             <a:ext cx="5813434" cy="2843102"/>
           </a:xfrm>
           <a:prstGeom prst="rect">
@@ -12295,7 +15206,7 @@
         </p:blipFill>
         <p:spPr>
           <a:xfrm>
-            <a:off x="236131" y="3550098"/>
+            <a:off x="7856131" y="9265100"/>
             <a:ext cx="6638924" cy="3238635"/>
           </a:xfrm>
           <a:prstGeom prst="rect">
@@ -12325,7 +15236,7 @@
         </p:blipFill>
         <p:spPr>
           <a:xfrm>
-            <a:off x="7281476" y="3920798"/>
+            <a:off x="14901476" y="9635798"/>
             <a:ext cx="4485554" cy="2472402"/>
           </a:xfrm>
           <a:prstGeom prst="rect">
@@ -12381,12 +15292,14 @@
         </p:nvSpPr>
         <p:spPr>
           <a:xfrm>
-            <a:off x="83289" y="-321121"/>
+            <a:off x="7703289" y="5393881"/>
             <a:ext cx="10515600" cy="1325563"/>
           </a:xfrm>
         </p:spPr>
         <p:txBody>
-          <a:bodyPr/>
+          <a:bodyPr>
+            <a:normAutofit fontScale="90000"/>
+          </a:bodyPr>
           <a:lstStyle/>
           <a:p>
             <a:r>
@@ -12414,12 +15327,14 @@
         </p:nvSpPr>
         <p:spPr>
           <a:xfrm>
-            <a:off x="191386" y="776177"/>
+            <a:off x="7811388" y="6491177"/>
             <a:ext cx="7262037" cy="5400786"/>
           </a:xfrm>
         </p:spPr>
         <p:txBody>
-          <a:bodyPr/>
+          <a:bodyPr>
+            <a:normAutofit fontScale="55000" lnSpcReduction="20000"/>
+          </a:bodyPr>
           <a:lstStyle/>
           <a:p>
             <a:r>
@@ -12491,7 +15406,7 @@
         </p:blipFill>
         <p:spPr>
           <a:xfrm>
-            <a:off x="8608221" y="4533375"/>
+            <a:off x="16228223" y="10248375"/>
             <a:ext cx="2907637" cy="2171526"/>
           </a:xfrm>
           <a:prstGeom prst="rect">
@@ -12521,7 +15436,7 @@
         </p:blipFill>
         <p:spPr>
           <a:xfrm>
-            <a:off x="191386" y="4124565"/>
+            <a:off x="7811386" y="9839567"/>
             <a:ext cx="3985604" cy="2699925"/>
           </a:xfrm>
           <a:prstGeom prst="rect">
@@ -12551,7 +15466,7 @@
         </p:blipFill>
         <p:spPr>
           <a:xfrm>
-            <a:off x="4399803" y="4533375"/>
+            <a:off x="12019805" y="10248377"/>
             <a:ext cx="3985605" cy="1882303"/>
           </a:xfrm>
           <a:prstGeom prst="rect">
@@ -12581,7 +15496,7 @@
         </p:blipFill>
         <p:spPr>
           <a:xfrm>
-            <a:off x="7018528" y="128650"/>
+            <a:off x="14638528" y="5843650"/>
             <a:ext cx="3032790" cy="1956806"/>
           </a:xfrm>
           <a:prstGeom prst="rect">
@@ -12611,7 +15526,7 @@
         </p:blipFill>
         <p:spPr>
           <a:xfrm>
-            <a:off x="10051318" y="72734"/>
+            <a:off x="17671320" y="5787734"/>
             <a:ext cx="2057393" cy="1688140"/>
           </a:xfrm>
           <a:prstGeom prst="rect">
@@ -12641,7 +15556,7 @@
         </p:blipFill>
         <p:spPr>
           <a:xfrm>
-            <a:off x="10163493" y="1735239"/>
+            <a:off x="17783493" y="7450239"/>
             <a:ext cx="1982632" cy="2389326"/>
           </a:xfrm>
           <a:prstGeom prst="rect">
@@ -12664,7 +15579,7 @@
               <p14:nvPr/>
             </p14:nvContentPartPr>
             <p14:xfrm>
-              <a:off x="988619" y="3326978"/>
+              <a:off x="8608619" y="9041978"/>
               <a:ext cx="479520" cy="22320"/>
             </p14:xfrm>
           </p:contentPart>
@@ -12690,7 +15605,7 @@
             </p:blipFill>
             <p:spPr>
               <a:xfrm>
-                <a:off x="982499" y="3320858"/>
+                <a:off x="8602499" y="9035858"/>
                 <a:ext cx="491760" cy="34560"/>
               </a:xfrm>
               <a:prstGeom prst="rect">
@@ -12715,7 +15630,7 @@
               <p14:nvPr/>
             </p14:nvContentPartPr>
             <p14:xfrm flipH="1">
-              <a:off x="2403059" y="4327058"/>
+              <a:off x="10023059" y="10042058"/>
               <a:ext cx="11160" cy="2275920"/>
             </p14:xfrm>
           </p:contentPart>
@@ -12741,7 +15656,7 @@
             </p:blipFill>
             <p:spPr>
               <a:xfrm flipH="1">
-                <a:off x="2397130" y="4320937"/>
+                <a:off x="10017130" y="10035937"/>
                 <a:ext cx="23018" cy="2288162"/>
               </a:xfrm>
               <a:prstGeom prst="rect">
@@ -12766,7 +15681,7 @@
               <p14:nvPr/>
             </p14:nvContentPartPr>
             <p14:xfrm>
-              <a:off x="2267923" y="6549619"/>
+              <a:off x="9887923" y="12264619"/>
               <a:ext cx="241920" cy="157320"/>
             </p14:xfrm>
           </p:contentPart>
@@ -12792,7 +15707,7 @@
             </p:blipFill>
             <p:spPr>
               <a:xfrm>
-                <a:off x="2261803" y="6543499"/>
+                <a:off x="9881803" y="12258499"/>
                 <a:ext cx="254160" cy="169560"/>
               </a:xfrm>
               <a:prstGeom prst="rect">
@@ -12817,7 +15732,7 @@
               <p14:nvPr/>
             </p14:nvContentPartPr>
             <p14:xfrm>
-              <a:off x="4886563" y="3352819"/>
+              <a:off x="12506563" y="9067819"/>
               <a:ext cx="435240" cy="30240"/>
             </p14:xfrm>
           </p:contentPart>
@@ -12843,8 +15758,8 @@
             </p:blipFill>
             <p:spPr>
               <a:xfrm>
-                <a:off x="4880443" y="3346699"/>
-                <a:ext cx="447480" cy="42480"/>
+                <a:off x="12500443" y="9061771"/>
+                <a:ext cx="447480" cy="42336"/>
               </a:xfrm>
               <a:prstGeom prst="rect">
                 <a:avLst/>
@@ -12868,7 +15783,7 @@
               <p14:nvPr/>
             </p14:nvContentPartPr>
             <p14:xfrm>
-              <a:off x="5653003" y="5632699"/>
+              <a:off x="13273003" y="11347699"/>
               <a:ext cx="510120" cy="30960"/>
             </p14:xfrm>
           </p:contentPart>
@@ -12894,7 +15809,7 @@
             </p:blipFill>
             <p:spPr>
               <a:xfrm>
-                <a:off x="5646883" y="5626579"/>
+                <a:off x="13266883" y="11341579"/>
                 <a:ext cx="522360" cy="43200"/>
               </a:xfrm>
               <a:prstGeom prst="rect">
@@ -12919,7 +15834,7 @@
               <p14:nvPr/>
             </p14:nvContentPartPr>
             <p14:xfrm>
-              <a:off x="1405723" y="2969059"/>
+              <a:off x="9025723" y="8684059"/>
               <a:ext cx="2497680" cy="69120"/>
             </p14:xfrm>
           </p:contentPart>
@@ -12945,8 +15860,8 @@
             </p:blipFill>
             <p:spPr>
               <a:xfrm>
-                <a:off x="1399603" y="2962939"/>
-                <a:ext cx="2509920" cy="81360"/>
+                <a:off x="9019602" y="8677939"/>
+                <a:ext cx="2509922" cy="81360"/>
               </a:xfrm>
               <a:prstGeom prst="rect">
                 <a:avLst/>
@@ -12970,7 +15885,7 @@
               <p14:nvPr/>
             </p14:nvContentPartPr>
             <p14:xfrm>
-              <a:off x="3886843" y="2741899"/>
+              <a:off x="11506843" y="8456899"/>
               <a:ext cx="3499200" cy="2164680"/>
             </p14:xfrm>
           </p:contentPart>
@@ -12996,8 +15911,8 @@
             </p:blipFill>
             <p:spPr>
               <a:xfrm>
-                <a:off x="3880723" y="2735779"/>
-                <a:ext cx="3511440" cy="2176920"/>
+                <a:off x="11500722" y="8450778"/>
+                <a:ext cx="3511441" cy="2176922"/>
               </a:xfrm>
               <a:prstGeom prst="rect">
                 <a:avLst/>
@@ -13021,7 +15936,7 @@
               <p14:nvPr/>
             </p14:nvContentPartPr>
             <p14:xfrm>
-              <a:off x="2458003" y="4847179"/>
+              <a:off x="10078003" y="10562179"/>
               <a:ext cx="3211920" cy="866880"/>
             </p14:xfrm>
           </p:contentPart>
@@ -13047,8 +15962,8 @@
             </p:blipFill>
             <p:spPr>
               <a:xfrm>
-                <a:off x="2451883" y="4841059"/>
-                <a:ext cx="3224160" cy="879120"/>
+                <a:off x="10071882" y="10556062"/>
+                <a:ext cx="3224161" cy="879115"/>
               </a:xfrm>
               <a:prstGeom prst="rect">
                 <a:avLst/>
@@ -13072,7 +15987,7 @@
               <p14:nvPr/>
             </p14:nvContentPartPr>
             <p14:xfrm>
-              <a:off x="6469843" y="5594179"/>
+              <a:off x="14089843" y="11309179"/>
               <a:ext cx="412200" cy="39960"/>
             </p14:xfrm>
           </p:contentPart>
@@ -13098,7 +16013,7 @@
             </p:blipFill>
             <p:spPr>
               <a:xfrm>
-                <a:off x="6463723" y="5588059"/>
+                <a:off x="14083723" y="11303059"/>
                 <a:ext cx="424440" cy="52200"/>
               </a:xfrm>
               <a:prstGeom prst="rect">
@@ -13122,7 +16037,7 @@
         </p:nvGrpSpPr>
         <p:grpSpPr>
           <a:xfrm>
-            <a:off x="2341363" y="4316618"/>
+            <a:off x="9961363" y="10031620"/>
             <a:ext cx="4091400" cy="1150481"/>
             <a:chOff x="2341363" y="4316618"/>
             <a:chExt cx="4091400" cy="1150481"/>
@@ -13398,7 +16313,7 @@
         </p:nvSpPr>
         <p:spPr>
           <a:xfrm>
-            <a:off x="7302726" y="4085785"/>
+            <a:off x="14922728" y="9800787"/>
             <a:ext cx="1806419" cy="461665"/>
           </a:xfrm>
           <a:prstGeom prst="rect">
@@ -13467,12 +16382,14 @@
         </p:nvSpPr>
         <p:spPr>
           <a:xfrm>
-            <a:off x="0" y="-273972"/>
+            <a:off x="7620000" y="5441030"/>
             <a:ext cx="10515600" cy="1325563"/>
           </a:xfrm>
         </p:spPr>
         <p:txBody>
-          <a:bodyPr/>
+          <a:bodyPr>
+            <a:normAutofit fontScale="90000"/>
+          </a:bodyPr>
           <a:lstStyle/>
           <a:p>
             <a:r>
@@ -13505,7 +16422,7 @@
         </p:nvSpPr>
         <p:spPr>
           <a:xfrm>
-            <a:off x="169606" y="842399"/>
+            <a:off x="7789606" y="6557399"/>
             <a:ext cx="10515600" cy="4351338"/>
           </a:xfrm>
         </p:spPr>
@@ -13565,7 +16482,7 @@
         </p:blipFill>
         <p:spPr>
           <a:xfrm>
-            <a:off x="266884" y="3222190"/>
+            <a:off x="7886886" y="8937190"/>
             <a:ext cx="3560837" cy="1968934"/>
           </a:xfrm>
           <a:prstGeom prst="rect">
@@ -13595,7 +16512,7 @@
         </p:blipFill>
         <p:spPr>
           <a:xfrm>
-            <a:off x="266884" y="5081321"/>
+            <a:off x="7886886" y="10796321"/>
             <a:ext cx="2101165" cy="1725686"/>
           </a:xfrm>
           <a:prstGeom prst="rect">
@@ -13625,7 +16542,7 @@
         </p:blipFill>
         <p:spPr>
           <a:xfrm>
-            <a:off x="339312" y="1203701"/>
+            <a:off x="7959314" y="6918703"/>
             <a:ext cx="3488409" cy="2018489"/>
           </a:xfrm>
           <a:prstGeom prst="rect">
@@ -13655,7 +16572,7 @@
         </p:blipFill>
         <p:spPr>
           <a:xfrm>
-            <a:off x="2465327" y="5002973"/>
+            <a:off x="10085329" y="10717973"/>
             <a:ext cx="2493557" cy="1804034"/>
           </a:xfrm>
           <a:prstGeom prst="rect">
@@ -13685,7 +16602,7 @@
         </p:blipFill>
         <p:spPr>
           <a:xfrm>
-            <a:off x="6020056" y="1343788"/>
+            <a:off x="13640058" y="7058790"/>
             <a:ext cx="5326151" cy="5326151"/>
           </a:xfrm>
           <a:prstGeom prst="rect">
@@ -13709,7 +16626,7 @@
         </p:nvSpPr>
         <p:spPr>
           <a:xfrm>
-            <a:off x="7059894" y="3982500"/>
+            <a:off x="14679894" y="9697500"/>
             <a:ext cx="4686484" cy="4351338"/>
           </a:xfrm>
           <a:prstGeom prst="rect">
@@ -13932,7 +16849,7 @@
               <p14:nvPr/>
             </p14:nvContentPartPr>
             <p14:xfrm>
-              <a:off x="3647803" y="5230347"/>
+              <a:off x="11267803" y="10945347"/>
               <a:ext cx="107280" cy="360"/>
             </p14:xfrm>
           </p:contentPart>
@@ -13958,8 +16875,8 @@
             </p:blipFill>
             <p:spPr>
               <a:xfrm>
-                <a:off x="3641683" y="5224227"/>
-                <a:ext cx="119520" cy="12600"/>
+                <a:off x="11261703" y="10939227"/>
+                <a:ext cx="119479" cy="12600"/>
               </a:xfrm>
               <a:prstGeom prst="rect">
                 <a:avLst/>
@@ -13983,7 +16900,7 @@
               <p14:nvPr/>
             </p14:nvContentPartPr>
             <p14:xfrm>
-              <a:off x="3244603" y="5319267"/>
+              <a:off x="10864603" y="11034267"/>
               <a:ext cx="333720" cy="10440"/>
             </p14:xfrm>
           </p:contentPart>
@@ -14009,7 +16926,7 @@
             </p:blipFill>
             <p:spPr>
               <a:xfrm>
-                <a:off x="3238483" y="5313147"/>
+                <a:off x="10858483" y="11028147"/>
                 <a:ext cx="345960" cy="22680"/>
               </a:xfrm>
               <a:prstGeom prst="rect">
@@ -14034,7 +16951,7 @@
               <p14:nvPr/>
             </p14:nvContentPartPr>
             <p14:xfrm>
-              <a:off x="4060723" y="6774387"/>
+              <a:off x="11680723" y="12489387"/>
               <a:ext cx="324000" cy="29880"/>
             </p14:xfrm>
           </p:contentPart>
@@ -14060,7 +16977,7 @@
             </p:blipFill>
             <p:spPr>
               <a:xfrm>
-                <a:off x="4054603" y="6768267"/>
+                <a:off x="11674603" y="12483267"/>
                 <a:ext cx="336240" cy="42120"/>
               </a:xfrm>
               <a:prstGeom prst="rect">
@@ -14070,8 +16987,8 @@
           </p:pic>
         </mc:Fallback>
       </mc:AlternateContent>
-      <mc:AlternateContent xmlns:mc="http://schemas.openxmlformats.org/markup-compatibility/2006">
-        <mc:Choice xmlns:p14="http://schemas.microsoft.com/office/powerpoint/2010/main" Requires="p14">
+      <mc:AlternateContent xmlns:mc="http://schemas.openxmlformats.org/markup-compatibility/2006" xmlns:p14="http://schemas.microsoft.com/office/powerpoint/2010/main">
+        <mc:Choice Requires="p14">
           <p:contentPart p14:bwMode="auto" r:id="rId13">
             <p14:nvContentPartPr>
               <p14:cNvPr id="18" name="Ink 17">
@@ -14085,12 +17002,12 @@
               <p14:nvPr/>
             </p14:nvContentPartPr>
             <p14:xfrm>
-              <a:off x="6096000" y="3280680"/>
+              <a:off x="13716000" y="8995680"/>
               <a:ext cx="280440" cy="148320"/>
             </p14:xfrm>
           </p:contentPart>
         </mc:Choice>
-        <mc:Fallback>
+        <mc:Fallback xmlns="">
           <p:pic>
             <p:nvPicPr>
               <p:cNvPr id="18" name="Ink 17">
@@ -14111,7 +17028,7 @@
             </p:blipFill>
             <p:spPr>
               <a:xfrm>
-                <a:off x="6089880" y="3274560"/>
+                <a:off x="13709880" y="8989560"/>
                 <a:ext cx="292680" cy="160560"/>
               </a:xfrm>
               <a:prstGeom prst="rect">
@@ -14169,12 +17086,14 @@
         </p:nvSpPr>
         <p:spPr>
           <a:xfrm>
-            <a:off x="93921" y="-240931"/>
+            <a:off x="7713921" y="5474071"/>
             <a:ext cx="10515600" cy="1325563"/>
           </a:xfrm>
         </p:spPr>
         <p:txBody>
-          <a:bodyPr/>
+          <a:bodyPr>
+            <a:normAutofit fontScale="90000"/>
+          </a:bodyPr>
           <a:lstStyle/>
           <a:p>
             <a:r>
@@ -14207,7 +17126,7 @@
         </p:nvSpPr>
         <p:spPr>
           <a:xfrm>
-            <a:off x="93921" y="794267"/>
+            <a:off x="7713921" y="6509267"/>
             <a:ext cx="10515600" cy="4351338"/>
           </a:xfrm>
         </p:spPr>
@@ -14252,7 +17171,7 @@
         </p:blipFill>
         <p:spPr>
           <a:xfrm>
-            <a:off x="306019" y="1318437"/>
+            <a:off x="7926019" y="7033439"/>
             <a:ext cx="4167790" cy="2411597"/>
           </a:xfrm>
           <a:prstGeom prst="rect">
@@ -14282,7 +17201,7 @@
         </p:blipFill>
         <p:spPr>
           <a:xfrm>
-            <a:off x="2263943" y="3839183"/>
+            <a:off x="9883945" y="9554185"/>
             <a:ext cx="2824695" cy="2612843"/>
           </a:xfrm>
           <a:prstGeom prst="rect">
@@ -14312,7 +17231,7 @@
         </p:blipFill>
         <p:spPr>
           <a:xfrm>
-            <a:off x="189591" y="3730034"/>
+            <a:off x="7809591" y="9445034"/>
             <a:ext cx="1862254" cy="1491770"/>
           </a:xfrm>
           <a:prstGeom prst="rect">
@@ -14342,7 +17261,7 @@
         </p:blipFill>
         <p:spPr>
           <a:xfrm>
-            <a:off x="306019" y="5421186"/>
+            <a:off x="7926019" y="11136188"/>
             <a:ext cx="1862254" cy="1042691"/>
           </a:xfrm>
           <a:prstGeom prst="rect">
@@ -14372,7 +17291,7 @@
         </p:blipFill>
         <p:spPr>
           <a:xfrm>
-            <a:off x="5554913" y="265814"/>
+            <a:off x="13174915" y="5980816"/>
             <a:ext cx="6192855" cy="6198063"/>
           </a:xfrm>
           <a:prstGeom prst="rect">
@@ -14396,7 +17315,7 @@
         </p:nvSpPr>
         <p:spPr>
           <a:xfrm>
-            <a:off x="6993509" y="4558388"/>
+            <a:off x="14613511" y="10273388"/>
             <a:ext cx="4842317" cy="4351338"/>
           </a:xfrm>
           <a:prstGeom prst="rect">
@@ -14602,7 +17521,7 @@
               <p14:nvPr/>
             </p14:nvContentPartPr>
             <p14:xfrm>
-              <a:off x="7116043" y="5377587"/>
+              <a:off x="14736043" y="11092587"/>
               <a:ext cx="1577520" cy="454320"/>
             </p14:xfrm>
           </p:contentPart>
@@ -14628,8 +17547,8 @@
             </p:blipFill>
             <p:spPr>
               <a:xfrm>
-                <a:off x="7109923" y="5371467"/>
-                <a:ext cx="1589760" cy="466560"/>
+                <a:off x="14729923" y="11086462"/>
+                <a:ext cx="1589760" cy="466570"/>
               </a:xfrm>
               <a:prstGeom prst="rect">
                 <a:avLst/>
@@ -14653,7 +17572,7 @@
               <p14:nvPr/>
             </p14:nvContentPartPr>
             <p14:xfrm>
-              <a:off x="5455723" y="4227027"/>
+              <a:off x="13075723" y="9942027"/>
               <a:ext cx="965880" cy="1615320"/>
             </p14:xfrm>
           </p:contentPart>
@@ -14679,7 +17598,7 @@
             </p:blipFill>
             <p:spPr>
               <a:xfrm>
-                <a:off x="5449603" y="4220907"/>
+                <a:off x="13069603" y="9935907"/>
                 <a:ext cx="978120" cy="1627560"/>
               </a:xfrm>
               <a:prstGeom prst="rect">
@@ -14704,7 +17623,7 @@
               <p14:nvPr/>
             </p14:nvContentPartPr>
             <p14:xfrm>
-              <a:off x="7452643" y="6072027"/>
+              <a:off x="15072643" y="11787027"/>
               <a:ext cx="360" cy="14400"/>
             </p14:xfrm>
           </p:contentPart>
@@ -14730,8 +17649,8 @@
             </p:blipFill>
             <p:spPr>
               <a:xfrm>
-                <a:off x="7446523" y="6065907"/>
-                <a:ext cx="12600" cy="26640"/>
+                <a:off x="15066523" y="11780750"/>
+                <a:ext cx="12600" cy="26954"/>
               </a:xfrm>
               <a:prstGeom prst="rect">
                 <a:avLst/>
@@ -14754,7 +17673,7 @@
         </p:nvGrpSpPr>
         <p:grpSpPr>
           <a:xfrm>
-            <a:off x="7462363" y="5728227"/>
+            <a:off x="15082363" y="11443227"/>
             <a:ext cx="360" cy="162000"/>
             <a:chOff x="7462363" y="5728227"/>
             <a:chExt cx="360" cy="162000"/>
@@ -14878,7 +17797,7 @@
               <p14:nvPr/>
             </p14:nvContentPartPr>
             <p14:xfrm>
-              <a:off x="7462363" y="5478387"/>
+              <a:off x="15082363" y="11193387"/>
               <a:ext cx="360" cy="37800"/>
             </p14:xfrm>
           </p:contentPart>
@@ -14904,7 +17823,7 @@
             </p:blipFill>
             <p:spPr>
               <a:xfrm>
-                <a:off x="7456243" y="5472267"/>
+                <a:off x="15076243" y="11187267"/>
                 <a:ext cx="12600" cy="50040"/>
               </a:xfrm>
               <a:prstGeom prst="rect">
@@ -14929,7 +17848,7 @@
               <p14:nvPr/>
             </p14:nvContentPartPr>
             <p14:xfrm>
-              <a:off x="7462363" y="5307027"/>
+              <a:off x="15082363" y="11022027"/>
               <a:ext cx="360" cy="32040"/>
             </p14:xfrm>
           </p:contentPart>
@@ -14955,7 +17874,7 @@
             </p:blipFill>
             <p:spPr>
               <a:xfrm>
-                <a:off x="7456243" y="5300907"/>
+                <a:off x="15076243" y="11015907"/>
                 <a:ext cx="12600" cy="44280"/>
               </a:xfrm>
               <a:prstGeom prst="rect">
@@ -14980,7 +17899,7 @@
               <p14:nvPr/>
             </p14:nvContentPartPr>
             <p14:xfrm>
-              <a:off x="7452643" y="5104707"/>
+              <a:off x="15072643" y="10819707"/>
               <a:ext cx="360" cy="37800"/>
             </p14:xfrm>
           </p:contentPart>
@@ -14999,14 +17918,14 @@
               <p:nvPr/>
             </p:nvPicPr>
             <p:blipFill>
-              <a:blip r:embed="rId22"/>
+              <a:blip r:embed="rId18"/>
               <a:stretch>
                 <a:fillRect/>
               </a:stretch>
             </p:blipFill>
             <p:spPr>
               <a:xfrm>
-                <a:off x="7446523" y="5098587"/>
+                <a:off x="15066523" y="10813587"/>
                 <a:ext cx="12600" cy="50040"/>
               </a:xfrm>
               <a:prstGeom prst="rect">
@@ -15018,7 +17937,7 @@
       </mc:AlternateContent>
       <mc:AlternateContent xmlns:mc="http://schemas.openxmlformats.org/markup-compatibility/2006" xmlns:p14="http://schemas.microsoft.com/office/powerpoint/2010/main">
         <mc:Choice Requires="p14">
-          <p:contentPart p14:bwMode="auto" r:id="rId23">
+          <p:contentPart p14:bwMode="auto" r:id="rId22">
             <p14:nvContentPartPr>
               <p14:cNvPr id="26" name="Ink 25">
                 <a:extLst>
@@ -15031,7 +17950,7 @@
               <p14:nvPr/>
             </p14:nvContentPartPr>
             <p14:xfrm>
-              <a:off x="7433203" y="4860987"/>
+              <a:off x="15053203" y="10575987"/>
               <a:ext cx="360" cy="55080"/>
             </p14:xfrm>
           </p:contentPart>
@@ -15050,14 +17969,14 @@
               <p:nvPr/>
             </p:nvPicPr>
             <p:blipFill>
-              <a:blip r:embed="rId24"/>
+              <a:blip r:embed="rId23"/>
               <a:stretch>
                 <a:fillRect/>
               </a:stretch>
             </p:blipFill>
             <p:spPr>
               <a:xfrm>
-                <a:off x="7427083" y="4854867"/>
+                <a:off x="15047083" y="10569867"/>
                 <a:ext cx="12600" cy="67320"/>
               </a:xfrm>
               <a:prstGeom prst="rect">
@@ -15069,7 +17988,7 @@
       </mc:AlternateContent>
       <mc:AlternateContent xmlns:mc="http://schemas.openxmlformats.org/markup-compatibility/2006" xmlns:p14="http://schemas.microsoft.com/office/powerpoint/2010/main">
         <mc:Choice Requires="p14">
-          <p:contentPart p14:bwMode="auto" r:id="rId25">
+          <p:contentPart p14:bwMode="auto" r:id="rId24">
             <p14:nvContentPartPr>
               <p14:cNvPr id="27" name="Ink 26">
                 <a:extLst>
@@ -15082,7 +18001,7 @@
               <p14:nvPr/>
             </p14:nvContentPartPr>
             <p14:xfrm>
-              <a:off x="7423483" y="4355547"/>
+              <a:off x="15043483" y="10070547"/>
               <a:ext cx="360" cy="360"/>
             </p14:xfrm>
           </p:contentPart>
@@ -15101,14 +18020,14 @@
               <p:nvPr/>
             </p:nvPicPr>
             <p:blipFill>
-              <a:blip r:embed="rId26"/>
+              <a:blip r:embed="rId25"/>
               <a:stretch>
                 <a:fillRect/>
               </a:stretch>
             </p:blipFill>
             <p:spPr>
               <a:xfrm>
-                <a:off x="7417363" y="4349427"/>
+                <a:off x="15037363" y="10064427"/>
                 <a:ext cx="12600" cy="12600"/>
               </a:xfrm>
               <a:prstGeom prst="rect">
@@ -15120,7 +18039,7 @@
       </mc:AlternateContent>
       <mc:AlternateContent xmlns:mc="http://schemas.openxmlformats.org/markup-compatibility/2006" xmlns:p14="http://schemas.microsoft.com/office/powerpoint/2010/main">
         <mc:Choice Requires="p14">
-          <p:contentPart p14:bwMode="auto" r:id="rId27">
+          <p:contentPart p14:bwMode="auto" r:id="rId26">
             <p14:nvContentPartPr>
               <p14:cNvPr id="28" name="Ink 27">
                 <a:extLst>
@@ -15133,7 +18052,7 @@
               <p14:nvPr/>
             </p14:nvContentPartPr>
             <p14:xfrm>
-              <a:off x="7415563" y="4137387"/>
+              <a:off x="15035563" y="9852387"/>
               <a:ext cx="7920" cy="41760"/>
             </p14:xfrm>
           </p:contentPart>
@@ -15152,14 +18071,14 @@
               <p:nvPr/>
             </p:nvPicPr>
             <p:blipFill>
-              <a:blip r:embed="rId28"/>
+              <a:blip r:embed="rId27"/>
               <a:stretch>
                 <a:fillRect/>
               </a:stretch>
             </p:blipFill>
             <p:spPr>
               <a:xfrm>
-                <a:off x="7409443" y="4131267"/>
+                <a:off x="15029443" y="9846267"/>
                 <a:ext cx="20160" cy="54000"/>
               </a:xfrm>
               <a:prstGeom prst="rect">
@@ -15171,7 +18090,7 @@
       </mc:AlternateContent>
       <mc:AlternateContent xmlns:mc="http://schemas.openxmlformats.org/markup-compatibility/2006" xmlns:p14="http://schemas.microsoft.com/office/powerpoint/2010/main">
         <mc:Choice Requires="p14">
-          <p:contentPart p14:bwMode="auto" r:id="rId29">
+          <p:contentPart p14:bwMode="auto" r:id="rId28">
             <p14:nvContentPartPr>
               <p14:cNvPr id="29" name="Ink 28">
                 <a:extLst>
@@ -15184,7 +18103,7 @@
               <p14:nvPr/>
             </p14:nvContentPartPr>
             <p14:xfrm>
-              <a:off x="7374163" y="3822027"/>
+              <a:off x="14994163" y="9537027"/>
               <a:ext cx="360" cy="91440"/>
             </p14:xfrm>
           </p:contentPart>
@@ -15203,14 +18122,14 @@
               <p:nvPr/>
             </p:nvPicPr>
             <p:blipFill>
-              <a:blip r:embed="rId30"/>
+              <a:blip r:embed="rId29"/>
               <a:stretch>
                 <a:fillRect/>
               </a:stretch>
             </p:blipFill>
             <p:spPr>
               <a:xfrm>
-                <a:off x="7368043" y="3815907"/>
+                <a:off x="14988043" y="9530907"/>
                 <a:ext cx="12600" cy="103680"/>
               </a:xfrm>
               <a:prstGeom prst="rect">
@@ -15222,7 +18141,7 @@
       </mc:AlternateContent>
       <mc:AlternateContent xmlns:mc="http://schemas.openxmlformats.org/markup-compatibility/2006" xmlns:p14="http://schemas.microsoft.com/office/powerpoint/2010/main">
         <mc:Choice Requires="p14">
-          <p:contentPart p14:bwMode="auto" r:id="rId31">
+          <p:contentPart p14:bwMode="auto" r:id="rId30">
             <p14:nvContentPartPr>
               <p14:cNvPr id="30" name="Ink 29">
                 <a:extLst>
@@ -15235,7 +18154,7 @@
               <p14:nvPr/>
             </p14:nvContentPartPr>
             <p14:xfrm>
-              <a:off x="7374163" y="3463827"/>
+              <a:off x="14994163" y="9178827"/>
               <a:ext cx="360" cy="115200"/>
             </p14:xfrm>
           </p:contentPart>
@@ -15254,14 +18173,14 @@
               <p:nvPr/>
             </p:nvPicPr>
             <p:blipFill>
-              <a:blip r:embed="rId32"/>
+              <a:blip r:embed="rId31"/>
               <a:stretch>
                 <a:fillRect/>
               </a:stretch>
             </p:blipFill>
             <p:spPr>
               <a:xfrm>
-                <a:off x="7368043" y="3457707"/>
+                <a:off x="14988043" y="9172707"/>
                 <a:ext cx="12600" cy="127440"/>
               </a:xfrm>
               <a:prstGeom prst="rect">
@@ -15273,7 +18192,7 @@
       </mc:AlternateContent>
       <mc:AlternateContent xmlns:mc="http://schemas.openxmlformats.org/markup-compatibility/2006" xmlns:p14="http://schemas.microsoft.com/office/powerpoint/2010/main">
         <mc:Choice Requires="p14">
-          <p:contentPart p14:bwMode="auto" r:id="rId33">
+          <p:contentPart p14:bwMode="auto" r:id="rId32">
             <p14:nvContentPartPr>
               <p14:cNvPr id="31" name="Ink 30">
                 <a:extLst>
@@ -15286,7 +18205,7 @@
               <p14:nvPr/>
             </p14:nvContentPartPr>
             <p14:xfrm>
-              <a:off x="7360483" y="3106347"/>
+              <a:off x="14980483" y="8821347"/>
               <a:ext cx="4320" cy="167760"/>
             </p14:xfrm>
           </p:contentPart>
@@ -15305,15 +18224,15 @@
               <p:nvPr/>
             </p:nvPicPr>
             <p:blipFill>
-              <a:blip r:embed="rId34"/>
+              <a:blip r:embed="rId33"/>
               <a:stretch>
                 <a:fillRect/>
               </a:stretch>
             </p:blipFill>
             <p:spPr>
               <a:xfrm>
-                <a:off x="7354363" y="3100227"/>
-                <a:ext cx="16560" cy="180000"/>
+                <a:off x="14974363" y="8815240"/>
+                <a:ext cx="16560" cy="179974"/>
               </a:xfrm>
               <a:prstGeom prst="rect">
                 <a:avLst/>
@@ -15324,7 +18243,7 @@
       </mc:AlternateContent>
       <mc:AlternateContent xmlns:mc="http://schemas.openxmlformats.org/markup-compatibility/2006" xmlns:p14="http://schemas.microsoft.com/office/powerpoint/2010/main">
         <mc:Choice Requires="p14">
-          <p:contentPart p14:bwMode="auto" r:id="rId35">
+          <p:contentPart p14:bwMode="auto" r:id="rId34">
             <p14:nvContentPartPr>
               <p14:cNvPr id="32" name="Ink 31">
                 <a:extLst>
@@ -15337,7 +18256,7 @@
               <p14:nvPr/>
             </p14:nvContentPartPr>
             <p14:xfrm>
-              <a:off x="7354723" y="2936787"/>
+              <a:off x="14974723" y="8651787"/>
               <a:ext cx="360" cy="62280"/>
             </p14:xfrm>
           </p:contentPart>
@@ -15356,14 +18275,14 @@
               <p:nvPr/>
             </p:nvPicPr>
             <p:blipFill>
-              <a:blip r:embed="rId36"/>
+              <a:blip r:embed="rId35"/>
               <a:stretch>
                 <a:fillRect/>
               </a:stretch>
             </p:blipFill>
             <p:spPr>
               <a:xfrm>
-                <a:off x="7348603" y="2930667"/>
+                <a:off x="14968603" y="8645667"/>
                 <a:ext cx="12600" cy="74520"/>
               </a:xfrm>
               <a:prstGeom prst="rect">
@@ -15375,7 +18294,7 @@
       </mc:AlternateContent>
       <mc:AlternateContent xmlns:mc="http://schemas.openxmlformats.org/markup-compatibility/2006" xmlns:p14="http://schemas.microsoft.com/office/powerpoint/2010/main">
         <mc:Choice Requires="p14">
-          <p:contentPart p14:bwMode="auto" r:id="rId37">
+          <p:contentPart p14:bwMode="auto" r:id="rId36">
             <p14:nvContentPartPr>
               <p14:cNvPr id="33" name="Ink 32">
                 <a:extLst>
@@ -15388,7 +18307,7 @@
               <p14:nvPr/>
             </p14:nvContentPartPr>
             <p14:xfrm>
-              <a:off x="7354723" y="2688747"/>
+              <a:off x="14974723" y="8403747"/>
               <a:ext cx="9360" cy="45000"/>
             </p14:xfrm>
           </p:contentPart>
@@ -15407,14 +18326,14 @@
               <p:nvPr/>
             </p:nvPicPr>
             <p:blipFill>
-              <a:blip r:embed="rId38"/>
+              <a:blip r:embed="rId37"/>
               <a:stretch>
                 <a:fillRect/>
               </a:stretch>
             </p:blipFill>
             <p:spPr>
               <a:xfrm>
-                <a:off x="7348603" y="2682627"/>
+                <a:off x="14968603" y="8397627"/>
                 <a:ext cx="21600" cy="57240"/>
               </a:xfrm>
               <a:prstGeom prst="rect">
@@ -15426,7 +18345,7 @@
       </mc:AlternateContent>
       <mc:AlternateContent xmlns:mc="http://schemas.openxmlformats.org/markup-compatibility/2006" xmlns:p14="http://schemas.microsoft.com/office/powerpoint/2010/main">
         <mc:Choice Requires="p14">
-          <p:contentPart p14:bwMode="auto" r:id="rId39">
+          <p:contentPart p14:bwMode="auto" r:id="rId38">
             <p14:nvContentPartPr>
               <p14:cNvPr id="36" name="Ink 35">
                 <a:extLst>
@@ -15439,7 +18358,7 @@
               <p14:nvPr/>
             </p14:nvContentPartPr>
             <p14:xfrm>
-              <a:off x="7393603" y="1935267"/>
+              <a:off x="15013603" y="7650267"/>
               <a:ext cx="360" cy="51120"/>
             </p14:xfrm>
           </p:contentPart>
@@ -15458,14 +18377,14 @@
               <p:nvPr/>
             </p:nvPicPr>
             <p:blipFill>
-              <a:blip r:embed="rId40"/>
+              <a:blip r:embed="rId39"/>
               <a:stretch>
                 <a:fillRect/>
               </a:stretch>
             </p:blipFill>
             <p:spPr>
               <a:xfrm>
-                <a:off x="7387483" y="1929147"/>
+                <a:off x="15007483" y="7644147"/>
                 <a:ext cx="12600" cy="63360"/>
               </a:xfrm>
               <a:prstGeom prst="rect">
@@ -15477,7 +18396,7 @@
       </mc:AlternateContent>
       <mc:AlternateContent xmlns:mc="http://schemas.openxmlformats.org/markup-compatibility/2006" xmlns:p14="http://schemas.microsoft.com/office/powerpoint/2010/main">
         <mc:Choice Requires="p14">
-          <p:contentPart p14:bwMode="auto" r:id="rId41">
+          <p:contentPart p14:bwMode="auto" r:id="rId40">
             <p14:nvContentPartPr>
               <p14:cNvPr id="37" name="Ink 36">
                 <a:extLst>
@@ -15490,7 +18409,7 @@
               <p14:nvPr/>
             </p14:nvContentPartPr>
             <p14:xfrm>
-              <a:off x="7374163" y="1650507"/>
+              <a:off x="14994163" y="7365507"/>
               <a:ext cx="360" cy="50760"/>
             </p14:xfrm>
           </p:contentPart>
@@ -15509,15 +18428,15 @@
               <p:nvPr/>
             </p:nvPicPr>
             <p:blipFill>
-              <a:blip r:embed="rId40"/>
+              <a:blip r:embed="rId39"/>
               <a:stretch>
                 <a:fillRect/>
               </a:stretch>
             </p:blipFill>
             <p:spPr>
               <a:xfrm>
-                <a:off x="7368043" y="1644387"/>
-                <a:ext cx="12600" cy="63000"/>
+                <a:off x="14988043" y="7359430"/>
+                <a:ext cx="12600" cy="62914"/>
               </a:xfrm>
               <a:prstGeom prst="rect">
                 <a:avLst/>
@@ -15528,7 +18447,7 @@
       </mc:AlternateContent>
       <mc:AlternateContent xmlns:mc="http://schemas.openxmlformats.org/markup-compatibility/2006" xmlns:p14="http://schemas.microsoft.com/office/powerpoint/2010/main">
         <mc:Choice Requires="p14">
-          <p:contentPart p14:bwMode="auto" r:id="rId42">
+          <p:contentPart p14:bwMode="auto" r:id="rId41">
             <p14:nvContentPartPr>
               <p14:cNvPr id="38" name="Ink 37">
                 <a:extLst>
@@ -15541,7 +18460,7 @@
               <p14:nvPr/>
             </p14:nvContentPartPr>
             <p14:xfrm>
-              <a:off x="7344283" y="1258467"/>
+              <a:off x="14964283" y="6973467"/>
               <a:ext cx="360" cy="360"/>
             </p14:xfrm>
           </p:contentPart>
@@ -15560,14 +18479,14 @@
               <p:nvPr/>
             </p:nvPicPr>
             <p:blipFill>
-              <a:blip r:embed="rId26"/>
+              <a:blip r:embed="rId25"/>
               <a:stretch>
                 <a:fillRect/>
               </a:stretch>
             </p:blipFill>
             <p:spPr>
               <a:xfrm>
-                <a:off x="7338163" y="1252347"/>
+                <a:off x="14958163" y="6967347"/>
                 <a:ext cx="12600" cy="12600"/>
               </a:xfrm>
               <a:prstGeom prst="rect">
@@ -15579,7 +18498,7 @@
       </mc:AlternateContent>
       <mc:AlternateContent xmlns:mc="http://schemas.openxmlformats.org/markup-compatibility/2006" xmlns:p14="http://schemas.microsoft.com/office/powerpoint/2010/main">
         <mc:Choice Requires="p14">
-          <p:contentPart p14:bwMode="auto" r:id="rId43">
+          <p:contentPart p14:bwMode="auto" r:id="rId42">
             <p14:nvContentPartPr>
               <p14:cNvPr id="39" name="Ink 38">
                 <a:extLst>
@@ -15592,7 +18511,7 @@
               <p14:nvPr/>
             </p14:nvContentPartPr>
             <p14:xfrm>
-              <a:off x="7344283" y="1032387"/>
+              <a:off x="14964283" y="6747387"/>
               <a:ext cx="360" cy="59040"/>
             </p14:xfrm>
           </p:contentPart>
@@ -15611,15 +18530,15 @@
               <p:nvPr/>
             </p:nvPicPr>
             <p:blipFill>
-              <a:blip r:embed="rId44"/>
+              <a:blip r:embed="rId43"/>
               <a:stretch>
                 <a:fillRect/>
               </a:stretch>
             </p:blipFill>
             <p:spPr>
               <a:xfrm>
-                <a:off x="7338163" y="1026267"/>
-                <a:ext cx="12600" cy="71280"/>
+                <a:off x="14958163" y="6741304"/>
+                <a:ext cx="12600" cy="71206"/>
               </a:xfrm>
               <a:prstGeom prst="rect">
                 <a:avLst/>
@@ -15630,7 +18549,7 @@
       </mc:AlternateContent>
       <mc:AlternateContent xmlns:mc="http://schemas.openxmlformats.org/markup-compatibility/2006" xmlns:p14="http://schemas.microsoft.com/office/powerpoint/2010/main">
         <mc:Choice Requires="p14">
-          <p:contentPart p14:bwMode="auto" r:id="rId45">
+          <p:contentPart p14:bwMode="auto" r:id="rId44">
             <p14:nvContentPartPr>
               <p14:cNvPr id="40" name="Ink 39">
                 <a:extLst>
@@ -15643,7 +18562,7 @@
               <p14:nvPr/>
             </p14:nvContentPartPr>
             <p14:xfrm>
-              <a:off x="7344283" y="687867"/>
+              <a:off x="14964283" y="6402867"/>
               <a:ext cx="360" cy="360"/>
             </p14:xfrm>
           </p:contentPart>
@@ -15662,14 +18581,14 @@
               <p:nvPr/>
             </p:nvPicPr>
             <p:blipFill>
-              <a:blip r:embed="rId26"/>
+              <a:blip r:embed="rId25"/>
               <a:stretch>
                 <a:fillRect/>
               </a:stretch>
             </p:blipFill>
             <p:spPr>
               <a:xfrm>
-                <a:off x="7338163" y="681747"/>
+                <a:off x="14958163" y="6396747"/>
                 <a:ext cx="12600" cy="12600"/>
               </a:xfrm>
               <a:prstGeom prst="rect">
@@ -15681,7 +18600,7 @@
       </mc:AlternateContent>
       <mc:AlternateContent xmlns:mc="http://schemas.openxmlformats.org/markup-compatibility/2006" xmlns:p14="http://schemas.microsoft.com/office/powerpoint/2010/main">
         <mc:Choice Requires="p14">
-          <p:contentPart p14:bwMode="auto" r:id="rId46">
+          <p:contentPart p14:bwMode="auto" r:id="rId45">
             <p14:nvContentPartPr>
               <p14:cNvPr id="41" name="Ink 40">
                 <a:extLst>
@@ -15694,7 +18613,7 @@
               <p14:nvPr/>
             </p14:nvContentPartPr>
             <p14:xfrm>
-              <a:off x="7374163" y="509307"/>
+              <a:off x="14994163" y="6224307"/>
               <a:ext cx="360" cy="2160"/>
             </p14:xfrm>
           </p:contentPart>
@@ -15713,14 +18632,14 @@
               <p:nvPr/>
             </p:nvPicPr>
             <p:blipFill>
-              <a:blip r:embed="rId47"/>
+              <a:blip r:embed="rId46"/>
               <a:stretch>
                 <a:fillRect/>
               </a:stretch>
             </p:blipFill>
             <p:spPr>
               <a:xfrm>
-                <a:off x="7368043" y="503187"/>
+                <a:off x="14988043" y="6218187"/>
                 <a:ext cx="12600" cy="14400"/>
               </a:xfrm>
               <a:prstGeom prst="rect">
@@ -15732,7 +18651,7 @@
       </mc:AlternateContent>
       <mc:AlternateContent xmlns:mc="http://schemas.openxmlformats.org/markup-compatibility/2006" xmlns:p14="http://schemas.microsoft.com/office/powerpoint/2010/main">
         <mc:Choice Requires="p14">
-          <p:contentPart p14:bwMode="auto" r:id="rId48">
+          <p:contentPart p14:bwMode="auto" r:id="rId47">
             <p14:nvContentPartPr>
               <p14:cNvPr id="43" name="Ink 42">
                 <a:extLst>
@@ -15745,7 +18664,7 @@
               <p14:nvPr/>
             </p14:nvContentPartPr>
             <p14:xfrm>
-              <a:off x="8327803" y="540627"/>
+              <a:off x="15947803" y="6255627"/>
               <a:ext cx="360" cy="360"/>
             </p14:xfrm>
           </p:contentPart>
@@ -15764,14 +18683,14 @@
               <p:nvPr/>
             </p:nvPicPr>
             <p:blipFill>
-              <a:blip r:embed="rId26"/>
+              <a:blip r:embed="rId25"/>
               <a:stretch>
                 <a:fillRect/>
               </a:stretch>
             </p:blipFill>
             <p:spPr>
               <a:xfrm>
-                <a:off x="8321683" y="534507"/>
+                <a:off x="15941683" y="6249507"/>
                 <a:ext cx="12600" cy="12600"/>
               </a:xfrm>
               <a:prstGeom prst="rect">
@@ -15783,7 +18702,7 @@
       </mc:AlternateContent>
       <mc:AlternateContent xmlns:mc="http://schemas.openxmlformats.org/markup-compatibility/2006" xmlns:p14="http://schemas.microsoft.com/office/powerpoint/2010/main">
         <mc:Choice Requires="p14">
-          <p:contentPart p14:bwMode="auto" r:id="rId49">
+          <p:contentPart p14:bwMode="auto" r:id="rId48">
             <p14:nvContentPartPr>
               <p14:cNvPr id="44" name="Ink 43">
                 <a:extLst>
@@ -15796,7 +18715,7 @@
               <p14:nvPr/>
             </p14:nvContentPartPr>
             <p14:xfrm>
-              <a:off x="8347243" y="678147"/>
+              <a:off x="15967243" y="6393147"/>
               <a:ext cx="20520" cy="77760"/>
             </p14:xfrm>
           </p:contentPart>
@@ -15815,15 +18734,15 @@
               <p:nvPr/>
             </p:nvPicPr>
             <p:blipFill>
-              <a:blip r:embed="rId50"/>
+              <a:blip r:embed="rId49"/>
               <a:stretch>
                 <a:fillRect/>
               </a:stretch>
             </p:blipFill>
             <p:spPr>
               <a:xfrm>
-                <a:off x="8341123" y="672027"/>
-                <a:ext cx="32760" cy="90000"/>
+                <a:off x="15961123" y="6387055"/>
+                <a:ext cx="32760" cy="89944"/>
               </a:xfrm>
               <a:prstGeom prst="rect">
                 <a:avLst/>
@@ -15834,7 +18753,7 @@
       </mc:AlternateContent>
       <mc:AlternateContent xmlns:mc="http://schemas.openxmlformats.org/markup-compatibility/2006" xmlns:p14="http://schemas.microsoft.com/office/powerpoint/2010/main">
         <mc:Choice Requires="p14">
-          <p:contentPart p14:bwMode="auto" r:id="rId51">
+          <p:contentPart p14:bwMode="auto" r:id="rId50">
             <p14:nvContentPartPr>
               <p14:cNvPr id="45" name="Ink 44">
                 <a:extLst>
@@ -15847,7 +18766,7 @@
               <p14:nvPr/>
             </p14:nvContentPartPr>
             <p14:xfrm>
-              <a:off x="8416363" y="934107"/>
+              <a:off x="16036363" y="6649107"/>
               <a:ext cx="26640" cy="108720"/>
             </p14:xfrm>
           </p:contentPart>
@@ -15866,15 +18785,15 @@
               <p:nvPr/>
             </p:nvPicPr>
             <p:blipFill>
-              <a:blip r:embed="rId52"/>
+              <a:blip r:embed="rId51"/>
               <a:stretch>
                 <a:fillRect/>
               </a:stretch>
             </p:blipFill>
             <p:spPr>
               <a:xfrm>
-                <a:off x="8410243" y="927987"/>
-                <a:ext cx="38880" cy="120960"/>
+                <a:off x="16030159" y="6643007"/>
+                <a:ext cx="39048" cy="120920"/>
               </a:xfrm>
               <a:prstGeom prst="rect">
                 <a:avLst/>
@@ -15885,7 +18804,7 @@
       </mc:AlternateContent>
       <mc:AlternateContent xmlns:mc="http://schemas.openxmlformats.org/markup-compatibility/2006" xmlns:p14="http://schemas.microsoft.com/office/powerpoint/2010/main">
         <mc:Choice Requires="p14">
-          <p:contentPart p14:bwMode="auto" r:id="rId53">
+          <p:contentPart p14:bwMode="auto" r:id="rId52">
             <p14:nvContentPartPr>
               <p14:cNvPr id="46" name="Ink 45">
                 <a:extLst>
@@ -15898,7 +18817,7 @@
               <p14:nvPr/>
             </p14:nvContentPartPr>
             <p14:xfrm>
-              <a:off x="8445883" y="1228947"/>
+              <a:off x="16065883" y="6943947"/>
               <a:ext cx="10440" cy="100080"/>
             </p14:xfrm>
           </p:contentPart>
@@ -15917,14 +18836,14 @@
               <p:nvPr/>
             </p:nvPicPr>
             <p:blipFill>
-              <a:blip r:embed="rId54"/>
+              <a:blip r:embed="rId53"/>
               <a:stretch>
                 <a:fillRect/>
               </a:stretch>
             </p:blipFill>
             <p:spPr>
               <a:xfrm>
-                <a:off x="8439763" y="1222827"/>
+                <a:off x="16059763" y="6937827"/>
                 <a:ext cx="22680" cy="112320"/>
               </a:xfrm>
               <a:prstGeom prst="rect">
@@ -15936,7 +18855,7 @@
       </mc:AlternateContent>
       <mc:AlternateContent xmlns:mc="http://schemas.openxmlformats.org/markup-compatibility/2006" xmlns:p14="http://schemas.microsoft.com/office/powerpoint/2010/main">
         <mc:Choice Requires="p14">
-          <p:contentPart p14:bwMode="auto" r:id="rId55">
+          <p:contentPart p14:bwMode="auto" r:id="rId54">
             <p14:nvContentPartPr>
               <p14:cNvPr id="47" name="Ink 46">
                 <a:extLst>
@@ -15949,7 +18868,7 @@
               <p14:nvPr/>
             </p14:nvContentPartPr>
             <p14:xfrm>
-              <a:off x="8445883" y="1582827"/>
+              <a:off x="16065883" y="7297827"/>
               <a:ext cx="20880" cy="163800"/>
             </p14:xfrm>
           </p:contentPart>
@@ -15968,14 +18887,14 @@
               <p:nvPr/>
             </p:nvPicPr>
             <p:blipFill>
-              <a:blip r:embed="rId56"/>
+              <a:blip r:embed="rId55"/>
               <a:stretch>
                 <a:fillRect/>
               </a:stretch>
             </p:blipFill>
             <p:spPr>
               <a:xfrm>
-                <a:off x="8439763" y="1576707"/>
+                <a:off x="16059763" y="7291707"/>
                 <a:ext cx="33120" cy="176040"/>
               </a:xfrm>
               <a:prstGeom prst="rect">
@@ -15987,7 +18906,7 @@
       </mc:AlternateContent>
       <mc:AlternateContent xmlns:mc="http://schemas.openxmlformats.org/markup-compatibility/2006" xmlns:p14="http://schemas.microsoft.com/office/powerpoint/2010/main">
         <mc:Choice Requires="p14">
-          <p:contentPart p14:bwMode="auto" r:id="rId57">
+          <p:contentPart p14:bwMode="auto" r:id="rId56">
             <p14:nvContentPartPr>
               <p14:cNvPr id="48" name="Ink 47">
                 <a:extLst>
@@ -16000,7 +18919,7 @@
               <p14:nvPr/>
             </p14:nvContentPartPr>
             <p14:xfrm>
-              <a:off x="8428243" y="1937067"/>
+              <a:off x="16048243" y="7652067"/>
               <a:ext cx="37440" cy="244440"/>
             </p14:xfrm>
           </p:contentPart>
@@ -16019,14 +18938,14 @@
               <p:nvPr/>
             </p:nvPicPr>
             <p:blipFill>
-              <a:blip r:embed="rId58"/>
+              <a:blip r:embed="rId57"/>
               <a:stretch>
                 <a:fillRect/>
               </a:stretch>
             </p:blipFill>
             <p:spPr>
               <a:xfrm>
-                <a:off x="8422123" y="1930947"/>
+                <a:off x="16042123" y="7645947"/>
                 <a:ext cx="49680" cy="256680"/>
               </a:xfrm>
               <a:prstGeom prst="rect">
@@ -16038,7 +18957,7 @@
       </mc:AlternateContent>
       <mc:AlternateContent xmlns:mc="http://schemas.openxmlformats.org/markup-compatibility/2006" xmlns:p14="http://schemas.microsoft.com/office/powerpoint/2010/main">
         <mc:Choice Requires="p14">
-          <p:contentPart p14:bwMode="auto" r:id="rId59">
+          <p:contentPart p14:bwMode="auto" r:id="rId58">
             <p14:nvContentPartPr>
               <p14:cNvPr id="49" name="Ink 48">
                 <a:extLst>
@@ -16051,7 +18970,7 @@
               <p14:nvPr/>
             </p14:nvContentPartPr>
             <p14:xfrm>
-              <a:off x="8416363" y="2320107"/>
+              <a:off x="16036363" y="8035107"/>
               <a:ext cx="360" cy="101160"/>
             </p14:xfrm>
           </p:contentPart>
@@ -16070,14 +18989,14 @@
               <p:nvPr/>
             </p:nvPicPr>
             <p:blipFill>
-              <a:blip r:embed="rId60"/>
+              <a:blip r:embed="rId59"/>
               <a:stretch>
                 <a:fillRect/>
               </a:stretch>
             </p:blipFill>
             <p:spPr>
               <a:xfrm>
-                <a:off x="8410243" y="2313987"/>
+                <a:off x="16030243" y="8028987"/>
                 <a:ext cx="12600" cy="113400"/>
               </a:xfrm>
               <a:prstGeom prst="rect">
@@ -16089,7 +19008,7 @@
       </mc:AlternateContent>
       <mc:AlternateContent xmlns:mc="http://schemas.openxmlformats.org/markup-compatibility/2006" xmlns:p14="http://schemas.microsoft.com/office/powerpoint/2010/main">
         <mc:Choice Requires="p14">
-          <p:contentPart p14:bwMode="auto" r:id="rId61">
+          <p:contentPart p14:bwMode="auto" r:id="rId60">
             <p14:nvContentPartPr>
               <p14:cNvPr id="50" name="Ink 49">
                 <a:extLst>
@@ -16102,7 +19021,7 @@
               <p14:nvPr/>
             </p14:nvContentPartPr>
             <p14:xfrm>
-              <a:off x="8426083" y="2546547"/>
+              <a:off x="16046083" y="8261547"/>
               <a:ext cx="360" cy="71640"/>
             </p14:xfrm>
           </p:contentPart>
@@ -16121,15 +19040,15 @@
               <p:nvPr/>
             </p:nvPicPr>
             <p:blipFill>
-              <a:blip r:embed="rId62"/>
+              <a:blip r:embed="rId61"/>
               <a:stretch>
                 <a:fillRect/>
               </a:stretch>
             </p:blipFill>
             <p:spPr>
               <a:xfrm>
-                <a:off x="8419963" y="2540427"/>
-                <a:ext cx="12600" cy="83880"/>
+                <a:off x="16039963" y="8255458"/>
+                <a:ext cx="12600" cy="83819"/>
               </a:xfrm>
               <a:prstGeom prst="rect">
                 <a:avLst/>
@@ -16140,7 +19059,7 @@
       </mc:AlternateContent>
       <mc:AlternateContent xmlns:mc="http://schemas.openxmlformats.org/markup-compatibility/2006" xmlns:p14="http://schemas.microsoft.com/office/powerpoint/2010/main">
         <mc:Choice Requires="p14">
-          <p:contentPart p14:bwMode="auto" r:id="rId63">
+          <p:contentPart p14:bwMode="auto" r:id="rId62">
             <p14:nvContentPartPr>
               <p14:cNvPr id="51" name="Ink 50">
                 <a:extLst>
@@ -16153,7 +19072,7 @@
               <p14:nvPr/>
             </p14:nvContentPartPr>
             <p14:xfrm>
-              <a:off x="8435803" y="2801787"/>
+              <a:off x="16055803" y="8516787"/>
               <a:ext cx="19080" cy="78120"/>
             </p14:xfrm>
           </p:contentPart>
@@ -16172,14 +19091,14 @@
               <p:nvPr/>
             </p:nvPicPr>
             <p:blipFill>
-              <a:blip r:embed="rId64"/>
+              <a:blip r:embed="rId63"/>
               <a:stretch>
                 <a:fillRect/>
               </a:stretch>
             </p:blipFill>
             <p:spPr>
               <a:xfrm>
-                <a:off x="8429683" y="2795667"/>
+                <a:off x="16049683" y="8510667"/>
                 <a:ext cx="31320" cy="90360"/>
               </a:xfrm>
               <a:prstGeom prst="rect">
@@ -16191,7 +19110,7 @@
       </mc:AlternateContent>
       <mc:AlternateContent xmlns:mc="http://schemas.openxmlformats.org/markup-compatibility/2006" xmlns:p14="http://schemas.microsoft.com/office/powerpoint/2010/main">
         <mc:Choice Requires="p14">
-          <p:contentPart p14:bwMode="auto" r:id="rId65">
+          <p:contentPart p14:bwMode="auto" r:id="rId64">
             <p14:nvContentPartPr>
               <p14:cNvPr id="52" name="Ink 51">
                 <a:extLst>
@@ -16204,7 +19123,7 @@
               <p14:nvPr/>
             </p14:nvContentPartPr>
             <p14:xfrm>
-              <a:off x="8494843" y="3106707"/>
+              <a:off x="16114843" y="8821707"/>
               <a:ext cx="20160" cy="136440"/>
             </p14:xfrm>
           </p:contentPart>
@@ -16223,15 +19142,15 @@
               <p:nvPr/>
             </p:nvPicPr>
             <p:blipFill>
-              <a:blip r:embed="rId66"/>
+              <a:blip r:embed="rId65"/>
               <a:stretch>
                 <a:fillRect/>
               </a:stretch>
             </p:blipFill>
             <p:spPr>
               <a:xfrm>
-                <a:off x="8488723" y="3100587"/>
-                <a:ext cx="32400" cy="148680"/>
+                <a:off x="16108612" y="8815603"/>
+                <a:ext cx="32623" cy="148648"/>
               </a:xfrm>
               <a:prstGeom prst="rect">
                 <a:avLst/>
@@ -16242,7 +19161,7 @@
       </mc:AlternateContent>
       <mc:AlternateContent xmlns:mc="http://schemas.openxmlformats.org/markup-compatibility/2006" xmlns:p14="http://schemas.microsoft.com/office/powerpoint/2010/main">
         <mc:Choice Requires="p14">
-          <p:contentPart p14:bwMode="auto" r:id="rId67">
+          <p:contentPart p14:bwMode="auto" r:id="rId66">
             <p14:nvContentPartPr>
               <p14:cNvPr id="53" name="Ink 52">
                 <a:extLst>
@@ -16255,7 +19174,7 @@
               <p14:nvPr/>
             </p14:nvContentPartPr>
             <p14:xfrm>
-              <a:off x="8524363" y="3401547"/>
+              <a:off x="16144363" y="9116547"/>
               <a:ext cx="360" cy="122400"/>
             </p14:xfrm>
           </p:contentPart>
@@ -16274,14 +19193,14 @@
               <p:nvPr/>
             </p:nvPicPr>
             <p:blipFill>
-              <a:blip r:embed="rId68"/>
+              <a:blip r:embed="rId67"/>
               <a:stretch>
                 <a:fillRect/>
               </a:stretch>
             </p:blipFill>
             <p:spPr>
               <a:xfrm>
-                <a:off x="8518243" y="3395427"/>
+                <a:off x="16138243" y="9110427"/>
                 <a:ext cx="12600" cy="134640"/>
               </a:xfrm>
               <a:prstGeom prst="rect">
@@ -16293,7 +19212,7 @@
       </mc:AlternateContent>
       <mc:AlternateContent xmlns:mc="http://schemas.openxmlformats.org/markup-compatibility/2006" xmlns:p14="http://schemas.microsoft.com/office/powerpoint/2010/main">
         <mc:Choice Requires="p14">
-          <p:contentPart p14:bwMode="auto" r:id="rId69">
+          <p:contentPart p14:bwMode="auto" r:id="rId68">
             <p14:nvContentPartPr>
               <p14:cNvPr id="54" name="Ink 53">
                 <a:extLst>
@@ -16306,7 +19225,7 @@
               <p14:nvPr/>
             </p14:nvContentPartPr>
             <p14:xfrm>
-              <a:off x="8514643" y="3893667"/>
+              <a:off x="16134643" y="9608667"/>
               <a:ext cx="360" cy="26640"/>
             </p14:xfrm>
           </p:contentPart>
@@ -16325,14 +19244,14 @@
               <p:nvPr/>
             </p:nvPicPr>
             <p:blipFill>
-              <a:blip r:embed="rId70"/>
+              <a:blip r:embed="rId69"/>
               <a:stretch>
                 <a:fillRect/>
               </a:stretch>
             </p:blipFill>
             <p:spPr>
               <a:xfrm>
-                <a:off x="8508523" y="3887547"/>
+                <a:off x="16128523" y="9602547"/>
                 <a:ext cx="12600" cy="38880"/>
               </a:xfrm>
               <a:prstGeom prst="rect">
@@ -16344,7 +19263,7 @@
       </mc:AlternateContent>
       <mc:AlternateContent xmlns:mc="http://schemas.openxmlformats.org/markup-compatibility/2006" xmlns:p14="http://schemas.microsoft.com/office/powerpoint/2010/main">
         <mc:Choice Requires="p14">
-          <p:contentPart p14:bwMode="auto" r:id="rId71">
+          <p:contentPart p14:bwMode="auto" r:id="rId70">
             <p14:nvContentPartPr>
               <p14:cNvPr id="55" name="Ink 54">
                 <a:extLst>
@@ -16357,7 +19276,7 @@
               <p14:nvPr/>
             </p14:nvContentPartPr>
             <p14:xfrm>
-              <a:off x="8500963" y="4040907"/>
+              <a:off x="16120963" y="9755907"/>
               <a:ext cx="4320" cy="32760"/>
             </p14:xfrm>
           </p:contentPart>
@@ -16376,15 +19295,15 @@
               <p:nvPr/>
             </p:nvPicPr>
             <p:blipFill>
-              <a:blip r:embed="rId72"/>
+              <a:blip r:embed="rId71"/>
               <a:stretch>
                 <a:fillRect/>
               </a:stretch>
             </p:blipFill>
             <p:spPr>
               <a:xfrm>
-                <a:off x="8494843" y="4034787"/>
-                <a:ext cx="16560" cy="45000"/>
+                <a:off x="16114843" y="9749854"/>
+                <a:ext cx="16560" cy="44867"/>
               </a:xfrm>
               <a:prstGeom prst="rect">
                 <a:avLst/>
@@ -16395,7 +19314,7 @@
       </mc:AlternateContent>
       <mc:AlternateContent xmlns:mc="http://schemas.openxmlformats.org/markup-compatibility/2006" xmlns:p14="http://schemas.microsoft.com/office/powerpoint/2010/main">
         <mc:Choice Requires="p14">
-          <p:contentPart p14:bwMode="auto" r:id="rId73">
+          <p:contentPart p14:bwMode="auto" r:id="rId72">
             <p14:nvContentPartPr>
               <p14:cNvPr id="56" name="Ink 55">
                 <a:extLst>
@@ -16408,7 +19327,7 @@
               <p14:nvPr/>
             </p14:nvContentPartPr>
             <p14:xfrm>
-              <a:off x="8475403" y="4207947"/>
+              <a:off x="16095403" y="9922947"/>
               <a:ext cx="360" cy="87120"/>
             </p14:xfrm>
           </p:contentPart>
@@ -16427,14 +19346,14 @@
               <p:nvPr/>
             </p:nvPicPr>
             <p:blipFill>
-              <a:blip r:embed="rId74"/>
+              <a:blip r:embed="rId73"/>
               <a:stretch>
                 <a:fillRect/>
               </a:stretch>
             </p:blipFill>
             <p:spPr>
               <a:xfrm>
-                <a:off x="8469283" y="4201827"/>
+                <a:off x="16089283" y="9916827"/>
                 <a:ext cx="12600" cy="99360"/>
               </a:xfrm>
               <a:prstGeom prst="rect">
@@ -16446,7 +19365,7 @@
       </mc:AlternateContent>
       <mc:AlternateContent xmlns:mc="http://schemas.openxmlformats.org/markup-compatibility/2006" xmlns:p14="http://schemas.microsoft.com/office/powerpoint/2010/main">
         <mc:Choice Requires="p14">
-          <p:contentPart p14:bwMode="auto" r:id="rId75">
+          <p:contentPart p14:bwMode="auto" r:id="rId74">
             <p14:nvContentPartPr>
               <p14:cNvPr id="57" name="Ink 56">
                 <a:extLst>
@@ -16459,7 +19378,7 @@
               <p14:nvPr/>
             </p14:nvContentPartPr>
             <p14:xfrm>
-              <a:off x="8475403" y="4561827"/>
+              <a:off x="16095403" y="10276827"/>
               <a:ext cx="20520" cy="191160"/>
             </p14:xfrm>
           </p:contentPart>
@@ -16478,14 +19397,14 @@
               <p:nvPr/>
             </p:nvPicPr>
             <p:blipFill>
-              <a:blip r:embed="rId76"/>
+              <a:blip r:embed="rId75"/>
               <a:stretch>
                 <a:fillRect/>
               </a:stretch>
             </p:blipFill>
             <p:spPr>
               <a:xfrm>
-                <a:off x="8469283" y="4555707"/>
+                <a:off x="16089283" y="10270707"/>
                 <a:ext cx="32760" cy="203400"/>
               </a:xfrm>
               <a:prstGeom prst="rect">
@@ -16497,7 +19416,7 @@
       </mc:AlternateContent>
       <mc:AlternateContent xmlns:mc="http://schemas.openxmlformats.org/markup-compatibility/2006" xmlns:p14="http://schemas.microsoft.com/office/powerpoint/2010/main">
         <mc:Choice Requires="p14">
-          <p:contentPart p14:bwMode="auto" r:id="rId77">
+          <p:contentPart p14:bwMode="auto" r:id="rId76">
             <p14:nvContentPartPr>
               <p14:cNvPr id="58" name="Ink 57">
                 <a:extLst>
@@ -16510,7 +19429,7 @@
               <p14:nvPr/>
             </p14:nvContentPartPr>
             <p14:xfrm>
-              <a:off x="8494843" y="5053587"/>
+              <a:off x="16114843" y="10768587"/>
               <a:ext cx="360" cy="118440"/>
             </p14:xfrm>
           </p:contentPart>
@@ -16529,14 +19448,14 @@
               <p:nvPr/>
             </p:nvPicPr>
             <p:blipFill>
-              <a:blip r:embed="rId78"/>
+              <a:blip r:embed="rId77"/>
               <a:stretch>
                 <a:fillRect/>
               </a:stretch>
             </p:blipFill>
             <p:spPr>
               <a:xfrm>
-                <a:off x="8488723" y="5047467"/>
+                <a:off x="16108723" y="10762467"/>
                 <a:ext cx="12600" cy="130680"/>
               </a:xfrm>
               <a:prstGeom prst="rect">
@@ -16548,7 +19467,7 @@
       </mc:AlternateContent>
       <mc:AlternateContent xmlns:mc="http://schemas.openxmlformats.org/markup-compatibility/2006" xmlns:p14="http://schemas.microsoft.com/office/powerpoint/2010/main">
         <mc:Choice Requires="p14">
-          <p:contentPart p14:bwMode="auto" r:id="rId79">
+          <p:contentPart p14:bwMode="auto" r:id="rId78">
             <p14:nvContentPartPr>
               <p14:cNvPr id="59" name="Ink 58">
                 <a:extLst>
@@ -16561,7 +19480,7 @@
               <p14:nvPr/>
             </p14:nvContentPartPr>
             <p14:xfrm>
-              <a:off x="8485123" y="5456787"/>
+              <a:off x="16105123" y="11171787"/>
               <a:ext cx="360" cy="96480"/>
             </p14:xfrm>
           </p:contentPart>
@@ -16580,14 +19499,14 @@
               <p:nvPr/>
             </p:nvPicPr>
             <p:blipFill>
-              <a:blip r:embed="rId80"/>
+              <a:blip r:embed="rId79"/>
               <a:stretch>
                 <a:fillRect/>
               </a:stretch>
             </p:blipFill>
             <p:spPr>
               <a:xfrm>
-                <a:off x="8479003" y="5450667"/>
+                <a:off x="16099003" y="11165667"/>
                 <a:ext cx="12600" cy="108720"/>
               </a:xfrm>
               <a:prstGeom prst="rect">
@@ -16599,7 +19518,7 @@
       </mc:AlternateContent>
       <mc:AlternateContent xmlns:mc="http://schemas.openxmlformats.org/markup-compatibility/2006" xmlns:p14="http://schemas.microsoft.com/office/powerpoint/2010/main">
         <mc:Choice Requires="p14">
-          <p:contentPart p14:bwMode="auto" r:id="rId81">
+          <p:contentPart p14:bwMode="auto" r:id="rId80">
             <p14:nvContentPartPr>
               <p14:cNvPr id="60" name="Ink 59">
                 <a:extLst>
@@ -16612,7 +19531,7 @@
               <p14:nvPr/>
             </p14:nvContentPartPr>
             <p14:xfrm>
-              <a:off x="8494843" y="5791227"/>
+              <a:off x="16114843" y="11506227"/>
               <a:ext cx="360" cy="114480"/>
             </p14:xfrm>
           </p:contentPart>
@@ -16631,15 +19550,15 @@
               <p:nvPr/>
             </p:nvPicPr>
             <p:blipFill>
-              <a:blip r:embed="rId32"/>
+              <a:blip r:embed="rId81"/>
               <a:stretch>
                 <a:fillRect/>
               </a:stretch>
             </p:blipFill>
             <p:spPr>
               <a:xfrm>
-                <a:off x="8488723" y="5785107"/>
-                <a:ext cx="12600" cy="126720"/>
+                <a:off x="16108723" y="11500126"/>
+                <a:ext cx="12600" cy="126682"/>
               </a:xfrm>
               <a:prstGeom prst="rect">
                 <a:avLst/>
@@ -16663,7 +19582,7 @@
               <p14:nvPr/>
             </p14:nvContentPartPr>
             <p14:xfrm>
-              <a:off x="8494843" y="6145107"/>
+              <a:off x="16114843" y="11860107"/>
               <a:ext cx="360" cy="50040"/>
             </p14:xfrm>
           </p:contentPart>
@@ -16689,8 +19608,8 @@
             </p:blipFill>
             <p:spPr>
               <a:xfrm>
-                <a:off x="8488723" y="6138987"/>
-                <a:ext cx="12600" cy="62280"/>
+                <a:off x="16108723" y="11854031"/>
+                <a:ext cx="12600" cy="62193"/>
               </a:xfrm>
               <a:prstGeom prst="rect">
                 <a:avLst/>
@@ -16714,7 +19633,7 @@
               <p14:nvPr/>
             </p14:nvContentPartPr>
             <p14:xfrm>
-              <a:off x="8494843" y="6331947"/>
+              <a:off x="16114843" y="12046947"/>
               <a:ext cx="360" cy="18000"/>
             </p14:xfrm>
           </p:contentPart>
@@ -16740,7 +19659,7 @@
             </p:blipFill>
             <p:spPr>
               <a:xfrm>
-                <a:off x="8488723" y="6325827"/>
+                <a:off x="16108723" y="12040827"/>
                 <a:ext cx="12600" cy="30240"/>
               </a:xfrm>
               <a:prstGeom prst="rect">
@@ -16765,7 +19684,7 @@
               <p14:nvPr/>
             </p14:nvContentPartPr>
             <p14:xfrm>
-              <a:off x="7529323" y="2298147"/>
+              <a:off x="15149323" y="8013147"/>
               <a:ext cx="565200" cy="378360"/>
             </p14:xfrm>
           </p:contentPart>
@@ -16791,7 +19710,7 @@
             </p:blipFill>
             <p:spPr>
               <a:xfrm>
-                <a:off x="7523203" y="2292027"/>
+                <a:off x="15143203" y="8007027"/>
                 <a:ext cx="577440" cy="390600"/>
               </a:xfrm>
               <a:prstGeom prst="rect">
@@ -16816,7 +19735,7 @@
               <p14:nvPr/>
             </p14:nvContentPartPr>
             <p14:xfrm>
-              <a:off x="5763523" y="2334147"/>
+              <a:off x="13383523" y="8049147"/>
               <a:ext cx="241200" cy="241560"/>
             </p14:xfrm>
           </p:contentPart>
@@ -16842,8 +19761,8 @@
             </p:blipFill>
             <p:spPr>
               <a:xfrm>
-                <a:off x="5757403" y="2328027"/>
-                <a:ext cx="253440" cy="253800"/>
+                <a:off x="13377403" y="8043018"/>
+                <a:ext cx="253440" cy="253818"/>
               </a:xfrm>
               <a:prstGeom prst="rect">
                 <a:avLst/>
@@ -16866,7 +19785,7 @@
         </p:nvGrpSpPr>
         <p:grpSpPr>
           <a:xfrm>
-            <a:off x="6017323" y="2334507"/>
+            <a:off x="13637323" y="8049507"/>
             <a:ext cx="1524240" cy="231480"/>
             <a:chOff x="6017323" y="2334507"/>
             <a:chExt cx="1524240" cy="231480"/>
@@ -17041,7 +19960,7 @@
               <p14:nvPr/>
             </p14:nvContentPartPr>
             <p14:xfrm>
-              <a:off x="2300683" y="4247187"/>
+              <a:off x="9920683" y="9962187"/>
               <a:ext cx="1574640" cy="50400"/>
             </p14:xfrm>
           </p:contentPart>
@@ -17067,8 +19986,8 @@
             </p:blipFill>
             <p:spPr>
               <a:xfrm>
-                <a:off x="2294563" y="4241067"/>
-                <a:ext cx="1586880" cy="62640"/>
+                <a:off x="9914563" y="9956110"/>
+                <a:ext cx="1586880" cy="62553"/>
               </a:xfrm>
               <a:prstGeom prst="rect">
                 <a:avLst/>
@@ -17092,7 +20011,7 @@
               <p14:nvPr/>
             </p14:nvContentPartPr>
             <p14:xfrm>
-              <a:off x="4620883" y="6459027"/>
+              <a:off x="12240883" y="12174027"/>
               <a:ext cx="442440" cy="21240"/>
             </p14:xfrm>
           </p:contentPart>
@@ -17118,8 +20037,8 @@
             </p:blipFill>
             <p:spPr>
               <a:xfrm>
-                <a:off x="4614763" y="6452907"/>
-                <a:ext cx="454680" cy="33480"/>
+                <a:off x="12234758" y="12167907"/>
+                <a:ext cx="454690" cy="33480"/>
               </a:xfrm>
               <a:prstGeom prst="rect">
                 <a:avLst/>
@@ -17143,7 +20062,7 @@
               <p14:nvPr/>
             </p14:nvContentPartPr>
             <p14:xfrm>
-              <a:off x="4009243" y="3929667"/>
+              <a:off x="11629243" y="9644667"/>
               <a:ext cx="614520" cy="240840"/>
             </p14:xfrm>
           </p:contentPart>
@@ -17169,7 +20088,7 @@
             </p:blipFill>
             <p:spPr>
               <a:xfrm>
-                <a:off x="4003123" y="3923547"/>
+                <a:off x="11623123" y="9638547"/>
                 <a:ext cx="626760" cy="253080"/>
               </a:xfrm>
               <a:prstGeom prst="rect">
@@ -17194,7 +20113,7 @@
               <p14:nvPr/>
             </p14:nvContentPartPr>
             <p14:xfrm>
-              <a:off x="4315603" y="3712947"/>
+              <a:off x="11935603" y="9427947"/>
               <a:ext cx="124560" cy="142200"/>
             </p14:xfrm>
           </p:contentPart>
@@ -17220,7 +20139,7 @@
             </p:blipFill>
             <p:spPr>
               <a:xfrm>
-                <a:off x="4309483" y="3706827"/>
+                <a:off x="11929483" y="9421827"/>
                 <a:ext cx="136800" cy="154440"/>
               </a:xfrm>
               <a:prstGeom prst="rect">
@@ -17365,7 +20284,7 @@
         </p:blipFill>
         <p:spPr>
           <a:xfrm>
-            <a:off x="1005175" y="3488046"/>
+            <a:off x="8625175" y="9203046"/>
             <a:ext cx="3556194" cy="2823854"/>
           </a:xfrm>
           <a:prstGeom prst="rect">
@@ -17395,7 +20314,7 @@
         </p:blipFill>
         <p:spPr>
           <a:xfrm>
-            <a:off x="6709771" y="4001294"/>
+            <a:off x="14329773" y="9716294"/>
             <a:ext cx="3939881" cy="2606266"/>
           </a:xfrm>
           <a:prstGeom prst="rect">
@@ -17536,7 +20455,7 @@
         </p:blipFill>
         <p:spPr>
           <a:xfrm>
-            <a:off x="4507092" y="2769813"/>
+            <a:off x="12127094" y="8484813"/>
             <a:ext cx="3177815" cy="1318374"/>
           </a:xfrm>
           <a:prstGeom prst="rect">
@@ -17566,7 +20485,7 @@
         </p:blipFill>
         <p:spPr>
           <a:xfrm>
-            <a:off x="2635465" y="4497572"/>
+            <a:off x="10255465" y="10212574"/>
             <a:ext cx="3743254" cy="2089629"/>
           </a:xfrm>
           <a:prstGeom prst="rect">
@@ -17590,7 +20509,7 @@
 <file path=ppt/theme/theme1.xml><?xml version="1.0" encoding="utf-8"?>
 <a:theme xmlns:a="http://schemas.openxmlformats.org/drawingml/2006/main" name="Office Theme">
   <a:themeElements>
-    <a:clrScheme name="Office">
+    <a:clrScheme name="Office Theme">
       <a:dk1>
         <a:sysClr val="windowText" lastClr="000000"/>
       </a:dk1>
@@ -17628,7 +20547,7 @@
         <a:srgbClr val="96607D"/>
       </a:folHlink>
     </a:clrScheme>
-    <a:fontScheme name="Office">
+    <a:fontScheme name="Office Theme">
       <a:majorFont>
         <a:latin typeface="Aptos Display" panose="02110004020202020204"/>
         <a:ea typeface=""/>
@@ -17734,7 +20653,7 @@
         <a:font script="Tfng" typeface="Ebrima"/>
       </a:minorFont>
     </a:fontScheme>
-    <a:fmtScheme name="Office">
+    <a:fmtScheme name="Office Theme">
       <a:fillStyleLst>
         <a:solidFill>
           <a:schemeClr val="phClr"/>

--- a/stonx modelflow.pptx
+++ b/stonx modelflow.pptx
@@ -2,7 +2,7 @@
 <file path=ppt/presentation.xml><?xml version="1.0" encoding="utf-8"?>
 <p:presentation xmlns:a="http://schemas.openxmlformats.org/drawingml/2006/main" xmlns:r="http://schemas.openxmlformats.org/officeDocument/2006/relationships" xmlns:p="http://schemas.openxmlformats.org/presentationml/2006/main" saveSubsetFonts="1">
   <p:sldMasterIdLst>
-    <p:sldMasterId id="2147483672" r:id="rId1"/>
+    <p:sldMasterId id="2147483708" r:id="rId1"/>
   </p:sldMasterIdLst>
   <p:notesMasterIdLst>
     <p:notesMasterId r:id="rId11"/>
@@ -18,7 +18,7 @@
     <p:sldId id="263" r:id="rId9"/>
     <p:sldId id="264" r:id="rId10"/>
   </p:sldIdLst>
-  <p:sldSz cx="27432000" cy="18288000"/>
+  <p:sldSz cx="45720000" cy="36576000"/>
   <p:notesSz cx="6858000" cy="9144000"/>
   <p:defaultTextStyle>
     <a:defPPr>
@@ -335,6 +335,173 @@
 &gt;   --cost_bps '0' \
 &gt;   --n_jobs 10 \
 &gt;   --out ~/stonx1/sweep_fast_results.csv</a:t>
+        </a:r>
+      </a:p>
+    </p188:txBody>
+  </p188:cm>
+  <p188:cm id="{44214846-487A-4361-9365-3436C99804EF}" authorId="{1634C89E-F076-DB27-6271-49DB2D1357CD}" created="2025-08-18T06:28:08.568">
+    <ac:deMkLst xmlns:ac="http://schemas.microsoft.com/office/drawing/2013/main/command">
+      <pc:docMk xmlns:pc="http://schemas.microsoft.com/office/powerpoint/2013/main/command"/>
+      <pc:sldMk xmlns:pc="http://schemas.microsoft.com/office/powerpoint/2013/main/command" cId="308766561" sldId="256"/>
+      <ac:spMk id="103" creationId="{72C67CE3-C945-8C76-1777-5062AC537172}"/>
+    </ac:deMkLst>
+    <p188:txBody>
+      <a:bodyPr/>
+      <a:lstStyle/>
+      <a:p>
+        <a:r>
+          <a:rPr lang="en-US"/>
+          <a:t>Lowkey highkey not better...same results as previous. Need stronger Lvl2 lgbm model and or much better and more features (even)</a:t>
+        </a:r>
+      </a:p>
+    </p188:txBody>
+  </p188:cm>
+  <p188:cm id="{9920C254-EBDB-4326-ACAE-20AD63D5C421}" authorId="{1634C89E-F076-DB27-6271-49DB2D1357CD}" created="2025-08-18T06:36:54.390">
+    <ac:deMkLst xmlns:ac="http://schemas.microsoft.com/office/drawing/2013/main/command">
+      <pc:docMk xmlns:pc="http://schemas.microsoft.com/office/powerpoint/2013/main/command"/>
+      <pc:sldMk xmlns:pc="http://schemas.microsoft.com/office/powerpoint/2013/main/command" cId="308766561" sldId="256"/>
+      <ac:spMk id="149" creationId="{1FBA064F-0E44-26FE-D1CC-34C999268DA0}"/>
+    </ac:deMkLst>
+    <p188:replyLst>
+      <p188:reply id="{90027488-50F1-49CD-8F53-8A9523D592E6}" authorId="{1634C89E-F076-DB27-6271-49DB2D1357CD}" created="2025-08-18T06:37:16.852">
+        <p188:txBody>
+          <a:bodyPr/>
+          <a:lstStyle/>
+          <a:p>
+            <a:r>
+              <a:rPr lang="en-US"/>
+              <a:t>.009/30/.5 w 1.159exitavg</a:t>
+            </a:r>
+          </a:p>
+        </p188:txBody>
+      </p188:reply>
+    </p188:replyLst>
+    <p188:txBody>
+      <a:bodyPr/>
+      <a:lstStyle/>
+      <a:p>
+        <a:r>
+          <a:rPr lang="en-US"/>
+          <a:t>Better! Up to 242annualized %return! Still 47.5%winrate….</a:t>
+        </a:r>
+      </a:p>
+    </p188:txBody>
+  </p188:cm>
+  <p188:cm id="{FD821059-7B48-44F1-BEF3-5AA8FF290259}" authorId="{1634C89E-F076-DB27-6271-49DB2D1357CD}" created="2025-08-18T06:43:16.226">
+    <ac:deMkLst xmlns:ac="http://schemas.microsoft.com/office/drawing/2013/main/command">
+      <pc:docMk xmlns:pc="http://schemas.microsoft.com/office/powerpoint/2013/main/command"/>
+      <pc:sldMk xmlns:pc="http://schemas.microsoft.com/office/powerpoint/2013/main/command" cId="308766561" sldId="256"/>
+      <ac:spMk id="162" creationId="{AE6E26AE-847C-77BA-4922-02FB5A947CE4}"/>
+    </ac:deMkLst>
+    <p188:replyLst>
+      <p188:reply id="{A167B49F-45A4-44C7-8E0B-98F0377FE099}" authorId="{1634C89E-F076-DB27-6271-49DB2D1357CD}" created="2025-08-18T06:44:16.439">
+        <p188:txBody>
+          <a:bodyPr/>
+          <a:lstStyle/>
+          <a:p>
+            <a:r>
+              <a:rPr lang="en-US"/>
+              <a:t>BOOM 257%annret!</a:t>
+            </a:r>
+          </a:p>
+        </p188:txBody>
+      </p188:reply>
+    </p188:replyLst>
+    <p188:txBody>
+      <a:bodyPr/>
+      <a:lstStyle/>
+      <a:p>
+        <a:r>
+          <a:rPr lang="en-US"/>
+          <a:t> base_buffer  adaptive_k_bps  min_entry_score  cost_bps  n_trades  mean_pnl_pct  win_rate_pct  avg_exit_t  ann_mean_pct  p5_pct  p95_pct
+       0.009          30.000            0.400     0.000     14336         0.624        47.705       1.195       257.888  -6.150    7.380</a:t>
+        </a:r>
+      </a:p>
+    </p188:txBody>
+  </p188:cm>
+  <p188:cm id="{56848268-D8EB-47BE-B12B-A53D3CCA8652}" authorId="{1634C89E-F076-DB27-6271-49DB2D1357CD}" created="2025-08-18T06:43:35.840">
+    <ac:deMkLst xmlns:ac="http://schemas.microsoft.com/office/drawing/2013/main/command">
+      <pc:docMk xmlns:pc="http://schemas.microsoft.com/office/powerpoint/2013/main/command"/>
+      <pc:sldMk xmlns:pc="http://schemas.microsoft.com/office/powerpoint/2013/main/command" cId="308766561" sldId="256"/>
+      <ac:cxnSpMk id="161" creationId="{8134F43C-7FD9-A5BB-E1CE-DF92A9ACBF4B}"/>
+    </ac:deMkLst>
+    <p188:txBody>
+      <a:bodyPr/>
+      <a:lstStyle/>
+      <a:p>
+        <a:r>
+          <a:rPr lang="en-US"/>
+          <a:t>python $BASE/sweep_policy_grid_fast.py \
+  --feat_csv "$FEAT" \
+  --model    "$MODEL" \
+  --features_json "$FEATS" \
+  --set test \
+  --buffers '.0085,.00875,0.009,.0095,.01,.0105,.011' \
+  --k_bps   '27,30,33,36,39,42,45' \
+  --thr_list 'none,.4,0.50' \
+  --cost_bps '0' \
+  --n_jobs 10 \
+  --out "$BASE/sweep_v2_strong_fine.csv"</a:t>
+        </a:r>
+      </a:p>
+    </p188:txBody>
+  </p188:cm>
+  <p188:cm id="{8438FA7E-7CE4-4B66-B376-5CB0CF0EEA35}" authorId="{1634C89E-F076-DB27-6271-49DB2D1357CD}" created="2025-08-18T06:44:05.251">
+    <ac:deMkLst xmlns:ac="http://schemas.microsoft.com/office/drawing/2013/main/command">
+      <pc:docMk xmlns:pc="http://schemas.microsoft.com/office/powerpoint/2013/main/command"/>
+      <pc:sldMk xmlns:pc="http://schemas.microsoft.com/office/powerpoint/2013/main/command" cId="308766561" sldId="256"/>
+      <ac:cxnSpMk id="144" creationId="{E642B16B-A7BD-C657-CAEA-830E2F2F5ED3}"/>
+    </ac:deMkLst>
+    <p188:txBody>
+      <a:bodyPr/>
+      <a:lstStyle/>
+      <a:p>
+        <a:r>
+          <a:rPr lang="en-US"/>
+          <a:t>python $BASE/sweep_policy_grid_fast.py   --feat_csv "$FEAT"   --model    "$MODEL"   --features_json "$FEATS"   --set test   --buffers '0.009,0.010,0.011'   --k_bps   '30,40,50,60'   --thr_list 'none,0.50'   --cost_bps '0'   --n_jobs 8   --out "$BASE/sweep_v2_strong_coarse.csv"</a:t>
+        </a:r>
+      </a:p>
+    </p188:txBody>
+  </p188:cm>
+  <p188:cm id="{5F305CFF-C7F2-49EA-81CD-C42EDF063D49}" authorId="{1634C89E-F076-DB27-6271-49DB2D1357CD}" created="2025-08-18T06:47:11.028">
+    <ac:deMkLst xmlns:ac="http://schemas.microsoft.com/office/drawing/2013/main/command">
+      <pc:docMk xmlns:pc="http://schemas.microsoft.com/office/powerpoint/2013/main/command"/>
+      <pc:sldMk xmlns:pc="http://schemas.microsoft.com/office/powerpoint/2013/main/command" cId="308766561" sldId="256"/>
+      <ac:spMk id="167" creationId="{57F505A1-1742-8250-5676-3AFF1B16D981}"/>
+    </ac:deMkLst>
+    <p188:txBody>
+      <a:bodyPr/>
+      <a:lstStyle/>
+      <a:p>
+        <a:r>
+          <a:rPr lang="en-US"/>
+          <a:t>Not better than ...fine.csv (256%anret)</a:t>
+        </a:r>
+      </a:p>
+    </p188:txBody>
+  </p188:cm>
+  <p188:cm id="{26591E62-0D7F-4CDA-AD3A-F458E1A192F2}" authorId="{1634C89E-F076-DB27-6271-49DB2D1357CD}" created="2025-08-18T07:29:10.540">
+    <ac:deMkLst xmlns:ac="http://schemas.microsoft.com/office/drawing/2013/main/command">
+      <pc:docMk xmlns:pc="http://schemas.microsoft.com/office/powerpoint/2013/main/command"/>
+      <pc:sldMk xmlns:pc="http://schemas.microsoft.com/office/powerpoint/2013/main/command" cId="308766561" sldId="256"/>
+      <ac:spMk id="202" creationId="{8DE1CE3C-5976-084B-0101-F1A305D4738B}"/>
+    </ac:deMkLst>
+    <p188:txBody>
+      <a:bodyPr/>
+      <a:lstStyle/>
+      <a:p>
+        <a:r>
+          <a:rPr lang="en-US"/>
+          <a:t>BASE=/dartfs-hpc/rc/home/n/f00569n/stonx1
+python $BASE/monthly_pnl_hold5.py \
+  --feat_csv $BASE/mdp_features_for_value_model_v2.csv \
+  --entry_filter_csv $BASE/entry_filter.csv \
+  --set test \
+  --min_entry_score 0.40 \
+  --hold_t 5 \
+  --cost_bps 0 \
+  --dollars_per_trade 100 \
+  --out_prefix $BASE/naive_hold5_thr040</a:t>
         </a:r>
       </a:p>
     </p188:txBody>
@@ -2374,8 +2541,8 @@
         </p:nvSpPr>
         <p:spPr>
           <a:xfrm>
-            <a:off x="1114425" y="1143000"/>
-            <a:ext cx="4629150" cy="3086100"/>
+            <a:off x="1500188" y="1143000"/>
+            <a:ext cx="3857625" cy="3086100"/>
           </a:xfrm>
           <a:prstGeom prst="rect">
             <a:avLst/>
@@ -2529,8 +2696,8 @@
   </p:cSld>
   <p:clrMap bg1="lt1" tx1="dk1" bg2="lt2" tx2="dk2" accent1="accent1" accent2="accent2" accent3="accent3" accent4="accent4" accent5="accent5" accent6="accent6" hlink="hlink" folHlink="folHlink"/>
   <p:notesStyle>
-    <a:lvl1pPr marL="0" algn="l" defTabSz="2194419" rtl="0" eaLnBrk="1" latinLnBrk="0" hangingPunct="1">
-      <a:defRPr sz="2880" kern="1200">
+    <a:lvl1pPr marL="0" algn="l" defTabSz="3949747" rtl="0" eaLnBrk="1" latinLnBrk="0" hangingPunct="1">
+      <a:defRPr sz="5184" kern="1200">
         <a:solidFill>
           <a:schemeClr val="tx1"/>
         </a:solidFill>
@@ -2539,8 +2706,8 @@
         <a:cs typeface="+mn-cs"/>
       </a:defRPr>
     </a:lvl1pPr>
-    <a:lvl2pPr marL="1097210" algn="l" defTabSz="2194419" rtl="0" eaLnBrk="1" latinLnBrk="0" hangingPunct="1">
-      <a:defRPr sz="2880" kern="1200">
+    <a:lvl2pPr marL="1974875" algn="l" defTabSz="3949747" rtl="0" eaLnBrk="1" latinLnBrk="0" hangingPunct="1">
+      <a:defRPr sz="5184" kern="1200">
         <a:solidFill>
           <a:schemeClr val="tx1"/>
         </a:solidFill>
@@ -2549,8 +2716,8 @@
         <a:cs typeface="+mn-cs"/>
       </a:defRPr>
     </a:lvl2pPr>
-    <a:lvl3pPr marL="2194419" algn="l" defTabSz="2194419" rtl="0" eaLnBrk="1" latinLnBrk="0" hangingPunct="1">
-      <a:defRPr sz="2880" kern="1200">
+    <a:lvl3pPr marL="3949747" algn="l" defTabSz="3949747" rtl="0" eaLnBrk="1" latinLnBrk="0" hangingPunct="1">
+      <a:defRPr sz="5184" kern="1200">
         <a:solidFill>
           <a:schemeClr val="tx1"/>
         </a:solidFill>
@@ -2559,8 +2726,8 @@
         <a:cs typeface="+mn-cs"/>
       </a:defRPr>
     </a:lvl3pPr>
-    <a:lvl4pPr marL="3291630" algn="l" defTabSz="2194419" rtl="0" eaLnBrk="1" latinLnBrk="0" hangingPunct="1">
-      <a:defRPr sz="2880" kern="1200">
+    <a:lvl4pPr marL="5924623" algn="l" defTabSz="3949747" rtl="0" eaLnBrk="1" latinLnBrk="0" hangingPunct="1">
+      <a:defRPr sz="5184" kern="1200">
         <a:solidFill>
           <a:schemeClr val="tx1"/>
         </a:solidFill>
@@ -2569,8 +2736,8 @@
         <a:cs typeface="+mn-cs"/>
       </a:defRPr>
     </a:lvl4pPr>
-    <a:lvl5pPr marL="4388839" algn="l" defTabSz="2194419" rtl="0" eaLnBrk="1" latinLnBrk="0" hangingPunct="1">
-      <a:defRPr sz="2880" kern="1200">
+    <a:lvl5pPr marL="7899495" algn="l" defTabSz="3949747" rtl="0" eaLnBrk="1" latinLnBrk="0" hangingPunct="1">
+      <a:defRPr sz="5184" kern="1200">
         <a:solidFill>
           <a:schemeClr val="tx1"/>
         </a:solidFill>
@@ -2579,8 +2746,8 @@
         <a:cs typeface="+mn-cs"/>
       </a:defRPr>
     </a:lvl5pPr>
-    <a:lvl6pPr marL="5486049" algn="l" defTabSz="2194419" rtl="0" eaLnBrk="1" latinLnBrk="0" hangingPunct="1">
-      <a:defRPr sz="2880" kern="1200">
+    <a:lvl6pPr marL="9874368" algn="l" defTabSz="3949747" rtl="0" eaLnBrk="1" latinLnBrk="0" hangingPunct="1">
+      <a:defRPr sz="5184" kern="1200">
         <a:solidFill>
           <a:schemeClr val="tx1"/>
         </a:solidFill>
@@ -2589,8 +2756,8 @@
         <a:cs typeface="+mn-cs"/>
       </a:defRPr>
     </a:lvl6pPr>
-    <a:lvl7pPr marL="6583258" algn="l" defTabSz="2194419" rtl="0" eaLnBrk="1" latinLnBrk="0" hangingPunct="1">
-      <a:defRPr sz="2880" kern="1200">
+    <a:lvl7pPr marL="11849242" algn="l" defTabSz="3949747" rtl="0" eaLnBrk="1" latinLnBrk="0" hangingPunct="1">
+      <a:defRPr sz="5184" kern="1200">
         <a:solidFill>
           <a:schemeClr val="tx1"/>
         </a:solidFill>
@@ -2599,8 +2766,8 @@
         <a:cs typeface="+mn-cs"/>
       </a:defRPr>
     </a:lvl7pPr>
-    <a:lvl8pPr marL="7680468" algn="l" defTabSz="2194419" rtl="0" eaLnBrk="1" latinLnBrk="0" hangingPunct="1">
-      <a:defRPr sz="2880" kern="1200">
+    <a:lvl8pPr marL="13824115" algn="l" defTabSz="3949747" rtl="0" eaLnBrk="1" latinLnBrk="0" hangingPunct="1">
+      <a:defRPr sz="5184" kern="1200">
         <a:solidFill>
           <a:schemeClr val="tx1"/>
         </a:solidFill>
@@ -2609,8 +2776,8 @@
         <a:cs typeface="+mn-cs"/>
       </a:defRPr>
     </a:lvl8pPr>
-    <a:lvl9pPr marL="8777679" algn="l" defTabSz="2194419" rtl="0" eaLnBrk="1" latinLnBrk="0" hangingPunct="1">
-      <a:defRPr sz="2880" kern="1200">
+    <a:lvl9pPr marL="15798991" algn="l" defTabSz="3949747" rtl="0" eaLnBrk="1" latinLnBrk="0" hangingPunct="1">
+      <a:defRPr sz="5184" kern="1200">
         <a:solidFill>
           <a:schemeClr val="tx1"/>
         </a:solidFill>
@@ -2652,8 +2819,8 @@
         </p:nvSpPr>
         <p:spPr>
           <a:xfrm>
-            <a:off x="1114425" y="1143000"/>
-            <a:ext cx="4629150" cy="3086100"/>
+            <a:off x="1500188" y="1143000"/>
+            <a:ext cx="3857625" cy="3086100"/>
           </a:xfrm>
         </p:spPr>
       </p:sp>
@@ -2760,15 +2927,15 @@
         </p:nvSpPr>
         <p:spPr>
           <a:xfrm>
-            <a:off x="2057400" y="2992968"/>
-            <a:ext cx="23317200" cy="6366933"/>
+            <a:off x="3429000" y="5985936"/>
+            <a:ext cx="38862000" cy="12733867"/>
           </a:xfrm>
         </p:spPr>
         <p:txBody>
           <a:bodyPr anchor="b"/>
           <a:lstStyle>
             <a:lvl1pPr algn="ctr">
-              <a:defRPr sz="16000"/>
+              <a:defRPr sz="30000"/>
             </a:lvl1pPr>
           </a:lstStyle>
           <a:p>
@@ -2792,8 +2959,8 @@
         </p:nvSpPr>
         <p:spPr>
           <a:xfrm>
-            <a:off x="3429000" y="9605435"/>
-            <a:ext cx="20574000" cy="4415365"/>
+            <a:off x="5715000" y="19210869"/>
+            <a:ext cx="34290000" cy="8830731"/>
           </a:xfrm>
         </p:spPr>
         <p:txBody>
@@ -2801,39 +2968,39 @@
           <a:lstStyle>
             <a:lvl1pPr marL="0" indent="0" algn="ctr">
               <a:buNone/>
-              <a:defRPr sz="6400"/>
+              <a:defRPr sz="12000"/>
             </a:lvl1pPr>
-            <a:lvl2pPr marL="1219215" indent="0" algn="ctr">
+            <a:lvl2pPr marL="2286000" indent="0" algn="ctr">
               <a:buNone/>
-              <a:defRPr sz="5333"/>
+              <a:defRPr sz="10000"/>
             </a:lvl2pPr>
-            <a:lvl3pPr marL="2438430" indent="0" algn="ctr">
+            <a:lvl3pPr marL="4572000" indent="0" algn="ctr">
               <a:buNone/>
-              <a:defRPr sz="4800"/>
+              <a:defRPr sz="9000"/>
             </a:lvl3pPr>
-            <a:lvl4pPr marL="3657646" indent="0" algn="ctr">
+            <a:lvl4pPr marL="6858000" indent="0" algn="ctr">
               <a:buNone/>
-              <a:defRPr sz="4267"/>
+              <a:defRPr sz="8000"/>
             </a:lvl4pPr>
-            <a:lvl5pPr marL="4876861" indent="0" algn="ctr">
+            <a:lvl5pPr marL="9144000" indent="0" algn="ctr">
               <a:buNone/>
-              <a:defRPr sz="4267"/>
+              <a:defRPr sz="8000"/>
             </a:lvl5pPr>
-            <a:lvl6pPr marL="6096076" indent="0" algn="ctr">
+            <a:lvl6pPr marL="11430000" indent="0" algn="ctr">
               <a:buNone/>
-              <a:defRPr sz="4267"/>
+              <a:defRPr sz="8000"/>
             </a:lvl6pPr>
-            <a:lvl7pPr marL="7315291" indent="0" algn="ctr">
+            <a:lvl7pPr marL="13716000" indent="0" algn="ctr">
               <a:buNone/>
-              <a:defRPr sz="4267"/>
+              <a:defRPr sz="8000"/>
             </a:lvl7pPr>
-            <a:lvl8pPr marL="8534507" indent="0" algn="ctr">
+            <a:lvl8pPr marL="16002000" indent="0" algn="ctr">
               <a:buNone/>
-              <a:defRPr sz="4267"/>
+              <a:defRPr sz="8000"/>
             </a:lvl8pPr>
-            <a:lvl9pPr marL="9753722" indent="0" algn="ctr">
+            <a:lvl9pPr marL="18288000" indent="0" algn="ctr">
               <a:buNone/>
-              <a:defRPr sz="4267"/>
+              <a:defRPr sz="8000"/>
             </a:lvl9pPr>
           </a:lstStyle>
           <a:p>
@@ -2913,7 +3080,7 @@
     </p:spTree>
     <p:extLst>
       <p:ext uri="{BB962C8B-B14F-4D97-AF65-F5344CB8AC3E}">
-        <p14:creationId xmlns:p14="http://schemas.microsoft.com/office/powerpoint/2010/main" val="3886981224"/>
+        <p14:creationId xmlns:p14="http://schemas.microsoft.com/office/powerpoint/2010/main" val="70590961"/>
       </p:ext>
     </p:extLst>
   </p:cSld>
@@ -3083,7 +3250,7 @@
     </p:spTree>
     <p:extLst>
       <p:ext uri="{BB962C8B-B14F-4D97-AF65-F5344CB8AC3E}">
-        <p14:creationId xmlns:p14="http://schemas.microsoft.com/office/powerpoint/2010/main" val="3984033429"/>
+        <p14:creationId xmlns:p14="http://schemas.microsoft.com/office/powerpoint/2010/main" val="899315837"/>
       </p:ext>
     </p:extLst>
   </p:cSld>
@@ -3122,8 +3289,8 @@
         </p:nvSpPr>
         <p:spPr>
           <a:xfrm>
-            <a:off x="19631027" y="973667"/>
-            <a:ext cx="5915025" cy="15498235"/>
+            <a:off x="32718378" y="1947334"/>
+            <a:ext cx="9858375" cy="30996469"/>
           </a:xfrm>
         </p:spPr>
         <p:txBody>
@@ -3150,8 +3317,8 @@
         </p:nvSpPr>
         <p:spPr>
           <a:xfrm>
-            <a:off x="1885952" y="973667"/>
-            <a:ext cx="17402175" cy="15498235"/>
+            <a:off x="3143253" y="1947334"/>
+            <a:ext cx="29003625" cy="30996469"/>
           </a:xfrm>
         </p:spPr>
         <p:txBody>
@@ -3263,7 +3430,7 @@
     </p:spTree>
     <p:extLst>
       <p:ext uri="{BB962C8B-B14F-4D97-AF65-F5344CB8AC3E}">
-        <p14:creationId xmlns:p14="http://schemas.microsoft.com/office/powerpoint/2010/main" val="1663447486"/>
+        <p14:creationId xmlns:p14="http://schemas.microsoft.com/office/powerpoint/2010/main" val="3343893126"/>
       </p:ext>
     </p:extLst>
   </p:cSld>
@@ -3433,7 +3600,7 @@
     </p:spTree>
     <p:extLst>
       <p:ext uri="{BB962C8B-B14F-4D97-AF65-F5344CB8AC3E}">
-        <p14:creationId xmlns:p14="http://schemas.microsoft.com/office/powerpoint/2010/main" val="3127977267"/>
+        <p14:creationId xmlns:p14="http://schemas.microsoft.com/office/powerpoint/2010/main" val="3245696459"/>
       </p:ext>
     </p:extLst>
   </p:cSld>
@@ -3472,15 +3639,15 @@
         </p:nvSpPr>
         <p:spPr>
           <a:xfrm>
-            <a:off x="1871664" y="4559305"/>
-            <a:ext cx="23660100" cy="7607299"/>
+            <a:off x="3119440" y="9118611"/>
+            <a:ext cx="39433500" cy="15214597"/>
           </a:xfrm>
         </p:spPr>
         <p:txBody>
           <a:bodyPr anchor="b"/>
           <a:lstStyle>
             <a:lvl1pPr>
-              <a:defRPr sz="16000"/>
+              <a:defRPr sz="30000"/>
             </a:lvl1pPr>
           </a:lstStyle>
           <a:p>
@@ -3504,8 +3671,8 @@
         </p:nvSpPr>
         <p:spPr>
           <a:xfrm>
-            <a:off x="1871664" y="12238572"/>
-            <a:ext cx="23660100" cy="4000499"/>
+            <a:off x="3119440" y="24477144"/>
+            <a:ext cx="39433500" cy="8000997"/>
           </a:xfrm>
         </p:spPr>
         <p:txBody>
@@ -3513,7 +3680,7 @@
           <a:lstStyle>
             <a:lvl1pPr marL="0" indent="0">
               <a:buNone/>
-              <a:defRPr sz="6400">
+              <a:defRPr sz="12000">
                 <a:solidFill>
                   <a:schemeClr val="tx1">
                     <a:tint val="82000"/>
@@ -3521,9 +3688,9 @@
                 </a:solidFill>
               </a:defRPr>
             </a:lvl1pPr>
-            <a:lvl2pPr marL="1219215" indent="0">
+            <a:lvl2pPr marL="2286000" indent="0">
               <a:buNone/>
-              <a:defRPr sz="5333">
+              <a:defRPr sz="10000">
                 <a:solidFill>
                   <a:schemeClr val="tx1">
                     <a:tint val="82000"/>
@@ -3531,9 +3698,9 @@
                 </a:solidFill>
               </a:defRPr>
             </a:lvl2pPr>
-            <a:lvl3pPr marL="2438430" indent="0">
+            <a:lvl3pPr marL="4572000" indent="0">
               <a:buNone/>
-              <a:defRPr sz="4800">
+              <a:defRPr sz="9000">
                 <a:solidFill>
                   <a:schemeClr val="tx1">
                     <a:tint val="82000"/>
@@ -3541,9 +3708,9 @@
                 </a:solidFill>
               </a:defRPr>
             </a:lvl3pPr>
-            <a:lvl4pPr marL="3657646" indent="0">
+            <a:lvl4pPr marL="6858000" indent="0">
               <a:buNone/>
-              <a:defRPr sz="4267">
+              <a:defRPr sz="8000">
                 <a:solidFill>
                   <a:schemeClr val="tx1">
                     <a:tint val="82000"/>
@@ -3551,9 +3718,9 @@
                 </a:solidFill>
               </a:defRPr>
             </a:lvl4pPr>
-            <a:lvl5pPr marL="4876861" indent="0">
+            <a:lvl5pPr marL="9144000" indent="0">
               <a:buNone/>
-              <a:defRPr sz="4267">
+              <a:defRPr sz="8000">
                 <a:solidFill>
                   <a:schemeClr val="tx1">
                     <a:tint val="82000"/>
@@ -3561,9 +3728,9 @@
                 </a:solidFill>
               </a:defRPr>
             </a:lvl5pPr>
-            <a:lvl6pPr marL="6096076" indent="0">
+            <a:lvl6pPr marL="11430000" indent="0">
               <a:buNone/>
-              <a:defRPr sz="4267">
+              <a:defRPr sz="8000">
                 <a:solidFill>
                   <a:schemeClr val="tx1">
                     <a:tint val="82000"/>
@@ -3571,9 +3738,9 @@
                 </a:solidFill>
               </a:defRPr>
             </a:lvl6pPr>
-            <a:lvl7pPr marL="7315291" indent="0">
+            <a:lvl7pPr marL="13716000" indent="0">
               <a:buNone/>
-              <a:defRPr sz="4267">
+              <a:defRPr sz="8000">
                 <a:solidFill>
                   <a:schemeClr val="tx1">
                     <a:tint val="82000"/>
@@ -3581,9 +3748,9 @@
                 </a:solidFill>
               </a:defRPr>
             </a:lvl7pPr>
-            <a:lvl8pPr marL="8534507" indent="0">
+            <a:lvl8pPr marL="16002000" indent="0">
               <a:buNone/>
-              <a:defRPr sz="4267">
+              <a:defRPr sz="8000">
                 <a:solidFill>
                   <a:schemeClr val="tx1">
                     <a:tint val="82000"/>
@@ -3591,9 +3758,9 @@
                 </a:solidFill>
               </a:defRPr>
             </a:lvl8pPr>
-            <a:lvl9pPr marL="9753722" indent="0">
+            <a:lvl9pPr marL="18288000" indent="0">
               <a:buNone/>
-              <a:defRPr sz="4267">
+              <a:defRPr sz="8000">
                 <a:solidFill>
                   <a:schemeClr val="tx1">
                     <a:tint val="82000"/>
@@ -3679,7 +3846,7 @@
     </p:spTree>
     <p:extLst>
       <p:ext uri="{BB962C8B-B14F-4D97-AF65-F5344CB8AC3E}">
-        <p14:creationId xmlns:p14="http://schemas.microsoft.com/office/powerpoint/2010/main" val="1118363748"/>
+        <p14:creationId xmlns:p14="http://schemas.microsoft.com/office/powerpoint/2010/main" val="3165715893"/>
       </p:ext>
     </p:extLst>
   </p:cSld>
@@ -3741,8 +3908,8 @@
         </p:nvSpPr>
         <p:spPr>
           <a:xfrm>
-            <a:off x="1885950" y="4868333"/>
-            <a:ext cx="11658600" cy="11603568"/>
+            <a:off x="3143250" y="9736667"/>
+            <a:ext cx="19431000" cy="23207136"/>
           </a:xfrm>
         </p:spPr>
         <p:txBody>
@@ -3798,8 +3965,8 @@
         </p:nvSpPr>
         <p:spPr>
           <a:xfrm>
-            <a:off x="13887450" y="4868333"/>
-            <a:ext cx="11658600" cy="11603568"/>
+            <a:off x="23145750" y="9736667"/>
+            <a:ext cx="19431000" cy="23207136"/>
           </a:xfrm>
         </p:spPr>
         <p:txBody>
@@ -3911,7 +4078,7 @@
     </p:spTree>
     <p:extLst>
       <p:ext uri="{BB962C8B-B14F-4D97-AF65-F5344CB8AC3E}">
-        <p14:creationId xmlns:p14="http://schemas.microsoft.com/office/powerpoint/2010/main" val="3270494374"/>
+        <p14:creationId xmlns:p14="http://schemas.microsoft.com/office/powerpoint/2010/main" val="844247383"/>
       </p:ext>
     </p:extLst>
   </p:cSld>
@@ -3950,8 +4117,8 @@
         </p:nvSpPr>
         <p:spPr>
           <a:xfrm>
-            <a:off x="1889523" y="973671"/>
-            <a:ext cx="23660100" cy="3534835"/>
+            <a:off x="3149205" y="1947342"/>
+            <a:ext cx="39433500" cy="7069669"/>
           </a:xfrm>
         </p:spPr>
         <p:txBody>
@@ -3978,8 +4145,8 @@
         </p:nvSpPr>
         <p:spPr>
           <a:xfrm>
-            <a:off x="1889526" y="4483101"/>
-            <a:ext cx="11605020" cy="2197099"/>
+            <a:off x="3149210" y="8966203"/>
+            <a:ext cx="19341700" cy="4394197"/>
           </a:xfrm>
         </p:spPr>
         <p:txBody>
@@ -3987,39 +4154,39 @@
           <a:lstStyle>
             <a:lvl1pPr marL="0" indent="0">
               <a:buNone/>
-              <a:defRPr sz="6400" b="1"/>
+              <a:defRPr sz="12000" b="1"/>
             </a:lvl1pPr>
-            <a:lvl2pPr marL="1219215" indent="0">
+            <a:lvl2pPr marL="2286000" indent="0">
               <a:buNone/>
-              <a:defRPr sz="5333" b="1"/>
+              <a:defRPr sz="10000" b="1"/>
             </a:lvl2pPr>
-            <a:lvl3pPr marL="2438430" indent="0">
+            <a:lvl3pPr marL="4572000" indent="0">
               <a:buNone/>
-              <a:defRPr sz="4800" b="1"/>
+              <a:defRPr sz="9000" b="1"/>
             </a:lvl3pPr>
-            <a:lvl4pPr marL="3657646" indent="0">
+            <a:lvl4pPr marL="6858000" indent="0">
               <a:buNone/>
-              <a:defRPr sz="4267" b="1"/>
+              <a:defRPr sz="8000" b="1"/>
             </a:lvl4pPr>
-            <a:lvl5pPr marL="4876861" indent="0">
+            <a:lvl5pPr marL="9144000" indent="0">
               <a:buNone/>
-              <a:defRPr sz="4267" b="1"/>
+              <a:defRPr sz="8000" b="1"/>
             </a:lvl5pPr>
-            <a:lvl6pPr marL="6096076" indent="0">
+            <a:lvl6pPr marL="11430000" indent="0">
               <a:buNone/>
-              <a:defRPr sz="4267" b="1"/>
+              <a:defRPr sz="8000" b="1"/>
             </a:lvl6pPr>
-            <a:lvl7pPr marL="7315291" indent="0">
+            <a:lvl7pPr marL="13716000" indent="0">
               <a:buNone/>
-              <a:defRPr sz="4267" b="1"/>
+              <a:defRPr sz="8000" b="1"/>
             </a:lvl7pPr>
-            <a:lvl8pPr marL="8534507" indent="0">
+            <a:lvl8pPr marL="16002000" indent="0">
               <a:buNone/>
-              <a:defRPr sz="4267" b="1"/>
+              <a:defRPr sz="8000" b="1"/>
             </a:lvl8pPr>
-            <a:lvl9pPr marL="9753722" indent="0">
+            <a:lvl9pPr marL="18288000" indent="0">
               <a:buNone/>
-              <a:defRPr sz="4267" b="1"/>
+              <a:defRPr sz="8000" b="1"/>
             </a:lvl9pPr>
           </a:lstStyle>
           <a:p>
@@ -4043,8 +4210,8 @@
         </p:nvSpPr>
         <p:spPr>
           <a:xfrm>
-            <a:off x="1889526" y="6680200"/>
-            <a:ext cx="11605020" cy="9825568"/>
+            <a:off x="3149210" y="13360400"/>
+            <a:ext cx="19341700" cy="19651136"/>
           </a:xfrm>
         </p:spPr>
         <p:txBody>
@@ -4100,8 +4267,8 @@
         </p:nvSpPr>
         <p:spPr>
           <a:xfrm>
-            <a:off x="13887452" y="4483101"/>
-            <a:ext cx="11662173" cy="2197099"/>
+            <a:off x="23145752" y="8966203"/>
+            <a:ext cx="19436955" cy="4394197"/>
           </a:xfrm>
         </p:spPr>
         <p:txBody>
@@ -4109,39 +4276,39 @@
           <a:lstStyle>
             <a:lvl1pPr marL="0" indent="0">
               <a:buNone/>
-              <a:defRPr sz="6400" b="1"/>
+              <a:defRPr sz="12000" b="1"/>
             </a:lvl1pPr>
-            <a:lvl2pPr marL="1219215" indent="0">
+            <a:lvl2pPr marL="2286000" indent="0">
               <a:buNone/>
-              <a:defRPr sz="5333" b="1"/>
+              <a:defRPr sz="10000" b="1"/>
             </a:lvl2pPr>
-            <a:lvl3pPr marL="2438430" indent="0">
+            <a:lvl3pPr marL="4572000" indent="0">
               <a:buNone/>
-              <a:defRPr sz="4800" b="1"/>
+              <a:defRPr sz="9000" b="1"/>
             </a:lvl3pPr>
-            <a:lvl4pPr marL="3657646" indent="0">
+            <a:lvl4pPr marL="6858000" indent="0">
               <a:buNone/>
-              <a:defRPr sz="4267" b="1"/>
+              <a:defRPr sz="8000" b="1"/>
             </a:lvl4pPr>
-            <a:lvl5pPr marL="4876861" indent="0">
+            <a:lvl5pPr marL="9144000" indent="0">
               <a:buNone/>
-              <a:defRPr sz="4267" b="1"/>
+              <a:defRPr sz="8000" b="1"/>
             </a:lvl5pPr>
-            <a:lvl6pPr marL="6096076" indent="0">
+            <a:lvl6pPr marL="11430000" indent="0">
               <a:buNone/>
-              <a:defRPr sz="4267" b="1"/>
+              <a:defRPr sz="8000" b="1"/>
             </a:lvl6pPr>
-            <a:lvl7pPr marL="7315291" indent="0">
+            <a:lvl7pPr marL="13716000" indent="0">
               <a:buNone/>
-              <a:defRPr sz="4267" b="1"/>
+              <a:defRPr sz="8000" b="1"/>
             </a:lvl7pPr>
-            <a:lvl8pPr marL="8534507" indent="0">
+            <a:lvl8pPr marL="16002000" indent="0">
               <a:buNone/>
-              <a:defRPr sz="4267" b="1"/>
+              <a:defRPr sz="8000" b="1"/>
             </a:lvl8pPr>
-            <a:lvl9pPr marL="9753722" indent="0">
+            <a:lvl9pPr marL="18288000" indent="0">
               <a:buNone/>
-              <a:defRPr sz="4267" b="1"/>
+              <a:defRPr sz="8000" b="1"/>
             </a:lvl9pPr>
           </a:lstStyle>
           <a:p>
@@ -4165,8 +4332,8 @@
         </p:nvSpPr>
         <p:spPr>
           <a:xfrm>
-            <a:off x="13887452" y="6680200"/>
-            <a:ext cx="11662173" cy="9825568"/>
+            <a:off x="23145752" y="13360400"/>
+            <a:ext cx="19436955" cy="19651136"/>
           </a:xfrm>
         </p:spPr>
         <p:txBody>
@@ -4278,7 +4445,7 @@
     </p:spTree>
     <p:extLst>
       <p:ext uri="{BB962C8B-B14F-4D97-AF65-F5344CB8AC3E}">
-        <p14:creationId xmlns:p14="http://schemas.microsoft.com/office/powerpoint/2010/main" val="1127241972"/>
+        <p14:creationId xmlns:p14="http://schemas.microsoft.com/office/powerpoint/2010/main" val="455809807"/>
       </p:ext>
     </p:extLst>
   </p:cSld>
@@ -4396,7 +4563,7 @@
     </p:spTree>
     <p:extLst>
       <p:ext uri="{BB962C8B-B14F-4D97-AF65-F5344CB8AC3E}">
-        <p14:creationId xmlns:p14="http://schemas.microsoft.com/office/powerpoint/2010/main" val="333867630"/>
+        <p14:creationId xmlns:p14="http://schemas.microsoft.com/office/powerpoint/2010/main" val="4177897656"/>
       </p:ext>
     </p:extLst>
   </p:cSld>
@@ -4491,7 +4658,7 @@
     </p:spTree>
     <p:extLst>
       <p:ext uri="{BB962C8B-B14F-4D97-AF65-F5344CB8AC3E}">
-        <p14:creationId xmlns:p14="http://schemas.microsoft.com/office/powerpoint/2010/main" val="3702123432"/>
+        <p14:creationId xmlns:p14="http://schemas.microsoft.com/office/powerpoint/2010/main" val="1080410560"/>
       </p:ext>
     </p:extLst>
   </p:cSld>
@@ -4530,15 +4697,15 @@
         </p:nvSpPr>
         <p:spPr>
           <a:xfrm>
-            <a:off x="1889523" y="1219200"/>
-            <a:ext cx="8847534" cy="4267200"/>
+            <a:off x="3149205" y="2438400"/>
+            <a:ext cx="14745890" cy="8534400"/>
           </a:xfrm>
         </p:spPr>
         <p:txBody>
           <a:bodyPr anchor="b"/>
           <a:lstStyle>
             <a:lvl1pPr>
-              <a:defRPr sz="8533"/>
+              <a:defRPr sz="16000"/>
             </a:lvl1pPr>
           </a:lstStyle>
           <a:p>
@@ -4562,39 +4729,39 @@
         </p:nvSpPr>
         <p:spPr>
           <a:xfrm>
-            <a:off x="11662173" y="2633138"/>
-            <a:ext cx="13887450" cy="12996333"/>
+            <a:off x="19436955" y="5266275"/>
+            <a:ext cx="23145750" cy="25992667"/>
           </a:xfrm>
         </p:spPr>
         <p:txBody>
           <a:bodyPr/>
           <a:lstStyle>
             <a:lvl1pPr>
-              <a:defRPr sz="8533"/>
+              <a:defRPr sz="16000"/>
             </a:lvl1pPr>
             <a:lvl2pPr>
-              <a:defRPr sz="7467"/>
+              <a:defRPr sz="14000"/>
             </a:lvl2pPr>
             <a:lvl3pPr>
-              <a:defRPr sz="6400"/>
+              <a:defRPr sz="12000"/>
             </a:lvl3pPr>
             <a:lvl4pPr>
-              <a:defRPr sz="5333"/>
+              <a:defRPr sz="10000"/>
             </a:lvl4pPr>
             <a:lvl5pPr>
-              <a:defRPr sz="5333"/>
+              <a:defRPr sz="10000"/>
             </a:lvl5pPr>
             <a:lvl6pPr>
-              <a:defRPr sz="5333"/>
+              <a:defRPr sz="10000"/>
             </a:lvl6pPr>
             <a:lvl7pPr>
-              <a:defRPr sz="5333"/>
+              <a:defRPr sz="10000"/>
             </a:lvl7pPr>
             <a:lvl8pPr>
-              <a:defRPr sz="5333"/>
+              <a:defRPr sz="10000"/>
             </a:lvl8pPr>
             <a:lvl9pPr>
-              <a:defRPr sz="5333"/>
+              <a:defRPr sz="10000"/>
             </a:lvl9pPr>
           </a:lstStyle>
           <a:p>
@@ -4647,8 +4814,8 @@
         </p:nvSpPr>
         <p:spPr>
           <a:xfrm>
-            <a:off x="1889523" y="5486400"/>
-            <a:ext cx="8847534" cy="10164235"/>
+            <a:off x="3149205" y="10972800"/>
+            <a:ext cx="14745890" cy="20328469"/>
           </a:xfrm>
         </p:spPr>
         <p:txBody>
@@ -4656,39 +4823,39 @@
           <a:lstStyle>
             <a:lvl1pPr marL="0" indent="0">
               <a:buNone/>
-              <a:defRPr sz="4267"/>
+              <a:defRPr sz="8000"/>
             </a:lvl1pPr>
-            <a:lvl2pPr marL="1219215" indent="0">
+            <a:lvl2pPr marL="2286000" indent="0">
               <a:buNone/>
-              <a:defRPr sz="3733"/>
+              <a:defRPr sz="7000"/>
             </a:lvl2pPr>
-            <a:lvl3pPr marL="2438430" indent="0">
+            <a:lvl3pPr marL="4572000" indent="0">
               <a:buNone/>
-              <a:defRPr sz="3200"/>
+              <a:defRPr sz="6000"/>
             </a:lvl3pPr>
-            <a:lvl4pPr marL="3657646" indent="0">
+            <a:lvl4pPr marL="6858000" indent="0">
               <a:buNone/>
-              <a:defRPr sz="2667"/>
+              <a:defRPr sz="5000"/>
             </a:lvl4pPr>
-            <a:lvl5pPr marL="4876861" indent="0">
+            <a:lvl5pPr marL="9144000" indent="0">
               <a:buNone/>
-              <a:defRPr sz="2667"/>
+              <a:defRPr sz="5000"/>
             </a:lvl5pPr>
-            <a:lvl6pPr marL="6096076" indent="0">
+            <a:lvl6pPr marL="11430000" indent="0">
               <a:buNone/>
-              <a:defRPr sz="2667"/>
+              <a:defRPr sz="5000"/>
             </a:lvl6pPr>
-            <a:lvl7pPr marL="7315291" indent="0">
+            <a:lvl7pPr marL="13716000" indent="0">
               <a:buNone/>
-              <a:defRPr sz="2667"/>
+              <a:defRPr sz="5000"/>
             </a:lvl7pPr>
-            <a:lvl8pPr marL="8534507" indent="0">
+            <a:lvl8pPr marL="16002000" indent="0">
               <a:buNone/>
-              <a:defRPr sz="2667"/>
+              <a:defRPr sz="5000"/>
             </a:lvl8pPr>
-            <a:lvl9pPr marL="9753722" indent="0">
+            <a:lvl9pPr marL="18288000" indent="0">
               <a:buNone/>
-              <a:defRPr sz="2667"/>
+              <a:defRPr sz="5000"/>
             </a:lvl9pPr>
           </a:lstStyle>
           <a:p>
@@ -4768,7 +4935,7 @@
     </p:spTree>
     <p:extLst>
       <p:ext uri="{BB962C8B-B14F-4D97-AF65-F5344CB8AC3E}">
-        <p14:creationId xmlns:p14="http://schemas.microsoft.com/office/powerpoint/2010/main" val="989868491"/>
+        <p14:creationId xmlns:p14="http://schemas.microsoft.com/office/powerpoint/2010/main" val="3200026214"/>
       </p:ext>
     </p:extLst>
   </p:cSld>
@@ -4807,15 +4974,15 @@
         </p:nvSpPr>
         <p:spPr>
           <a:xfrm>
-            <a:off x="1889523" y="1219200"/>
-            <a:ext cx="8847534" cy="4267200"/>
+            <a:off x="3149205" y="2438400"/>
+            <a:ext cx="14745890" cy="8534400"/>
           </a:xfrm>
         </p:spPr>
         <p:txBody>
           <a:bodyPr anchor="b"/>
           <a:lstStyle>
             <a:lvl1pPr>
-              <a:defRPr sz="8533"/>
+              <a:defRPr sz="16000"/>
             </a:lvl1pPr>
           </a:lstStyle>
           <a:p>
@@ -4839,8 +5006,8 @@
         </p:nvSpPr>
         <p:spPr>
           <a:xfrm>
-            <a:off x="11662173" y="2633138"/>
-            <a:ext cx="13887450" cy="12996333"/>
+            <a:off x="19436955" y="5266275"/>
+            <a:ext cx="23145750" cy="25992667"/>
           </a:xfrm>
         </p:spPr>
         <p:txBody>
@@ -4848,39 +5015,39 @@
           <a:lstStyle>
             <a:lvl1pPr marL="0" indent="0">
               <a:buNone/>
-              <a:defRPr sz="8533"/>
+              <a:defRPr sz="16000"/>
             </a:lvl1pPr>
-            <a:lvl2pPr marL="1219215" indent="0">
+            <a:lvl2pPr marL="2286000" indent="0">
               <a:buNone/>
-              <a:defRPr sz="7467"/>
+              <a:defRPr sz="14000"/>
             </a:lvl2pPr>
-            <a:lvl3pPr marL="2438430" indent="0">
+            <a:lvl3pPr marL="4572000" indent="0">
               <a:buNone/>
-              <a:defRPr sz="6400"/>
+              <a:defRPr sz="12000"/>
             </a:lvl3pPr>
-            <a:lvl4pPr marL="3657646" indent="0">
+            <a:lvl4pPr marL="6858000" indent="0">
               <a:buNone/>
-              <a:defRPr sz="5333"/>
+              <a:defRPr sz="10000"/>
             </a:lvl4pPr>
-            <a:lvl5pPr marL="4876861" indent="0">
+            <a:lvl5pPr marL="9144000" indent="0">
               <a:buNone/>
-              <a:defRPr sz="5333"/>
+              <a:defRPr sz="10000"/>
             </a:lvl5pPr>
-            <a:lvl6pPr marL="6096076" indent="0">
+            <a:lvl6pPr marL="11430000" indent="0">
               <a:buNone/>
-              <a:defRPr sz="5333"/>
+              <a:defRPr sz="10000"/>
             </a:lvl6pPr>
-            <a:lvl7pPr marL="7315291" indent="0">
+            <a:lvl7pPr marL="13716000" indent="0">
               <a:buNone/>
-              <a:defRPr sz="5333"/>
+              <a:defRPr sz="10000"/>
             </a:lvl7pPr>
-            <a:lvl8pPr marL="8534507" indent="0">
+            <a:lvl8pPr marL="16002000" indent="0">
               <a:buNone/>
-              <a:defRPr sz="5333"/>
+              <a:defRPr sz="10000"/>
             </a:lvl8pPr>
-            <a:lvl9pPr marL="9753722" indent="0">
+            <a:lvl9pPr marL="18288000" indent="0">
               <a:buNone/>
-              <a:defRPr sz="5333"/>
+              <a:defRPr sz="10000"/>
             </a:lvl9pPr>
           </a:lstStyle>
           <a:p>
@@ -4904,8 +5071,8 @@
         </p:nvSpPr>
         <p:spPr>
           <a:xfrm>
-            <a:off x="1889523" y="5486400"/>
-            <a:ext cx="8847534" cy="10164235"/>
+            <a:off x="3149205" y="10972800"/>
+            <a:ext cx="14745890" cy="20328469"/>
           </a:xfrm>
         </p:spPr>
         <p:txBody>
@@ -4913,39 +5080,39 @@
           <a:lstStyle>
             <a:lvl1pPr marL="0" indent="0">
               <a:buNone/>
-              <a:defRPr sz="4267"/>
+              <a:defRPr sz="8000"/>
             </a:lvl1pPr>
-            <a:lvl2pPr marL="1219215" indent="0">
+            <a:lvl2pPr marL="2286000" indent="0">
               <a:buNone/>
-              <a:defRPr sz="3733"/>
+              <a:defRPr sz="7000"/>
             </a:lvl2pPr>
-            <a:lvl3pPr marL="2438430" indent="0">
+            <a:lvl3pPr marL="4572000" indent="0">
               <a:buNone/>
-              <a:defRPr sz="3200"/>
+              <a:defRPr sz="6000"/>
             </a:lvl3pPr>
-            <a:lvl4pPr marL="3657646" indent="0">
+            <a:lvl4pPr marL="6858000" indent="0">
               <a:buNone/>
-              <a:defRPr sz="2667"/>
+              <a:defRPr sz="5000"/>
             </a:lvl4pPr>
-            <a:lvl5pPr marL="4876861" indent="0">
+            <a:lvl5pPr marL="9144000" indent="0">
               <a:buNone/>
-              <a:defRPr sz="2667"/>
+              <a:defRPr sz="5000"/>
             </a:lvl5pPr>
-            <a:lvl6pPr marL="6096076" indent="0">
+            <a:lvl6pPr marL="11430000" indent="0">
               <a:buNone/>
-              <a:defRPr sz="2667"/>
+              <a:defRPr sz="5000"/>
             </a:lvl6pPr>
-            <a:lvl7pPr marL="7315291" indent="0">
+            <a:lvl7pPr marL="13716000" indent="0">
               <a:buNone/>
-              <a:defRPr sz="2667"/>
+              <a:defRPr sz="5000"/>
             </a:lvl7pPr>
-            <a:lvl8pPr marL="8534507" indent="0">
+            <a:lvl8pPr marL="16002000" indent="0">
               <a:buNone/>
-              <a:defRPr sz="2667"/>
+              <a:defRPr sz="5000"/>
             </a:lvl8pPr>
-            <a:lvl9pPr marL="9753722" indent="0">
+            <a:lvl9pPr marL="18288000" indent="0">
               <a:buNone/>
-              <a:defRPr sz="2667"/>
+              <a:defRPr sz="5000"/>
             </a:lvl9pPr>
           </a:lstStyle>
           <a:p>
@@ -5025,7 +5192,7 @@
     </p:spTree>
     <p:extLst>
       <p:ext uri="{BB962C8B-B14F-4D97-AF65-F5344CB8AC3E}">
-        <p14:creationId xmlns:p14="http://schemas.microsoft.com/office/powerpoint/2010/main" val="1375551159"/>
+        <p14:creationId xmlns:p14="http://schemas.microsoft.com/office/powerpoint/2010/main" val="2628407301"/>
       </p:ext>
     </p:extLst>
   </p:cSld>
@@ -5069,8 +5236,8 @@
         </p:nvSpPr>
         <p:spPr>
           <a:xfrm>
-            <a:off x="1885950" y="973671"/>
-            <a:ext cx="23660100" cy="3534835"/>
+            <a:off x="3143250" y="1947342"/>
+            <a:ext cx="39433500" cy="7069669"/>
           </a:xfrm>
           <a:prstGeom prst="rect">
             <a:avLst/>
@@ -5102,8 +5269,8 @@
         </p:nvSpPr>
         <p:spPr>
           <a:xfrm>
-            <a:off x="1885950" y="4868333"/>
-            <a:ext cx="23660100" cy="11603568"/>
+            <a:off x="3143250" y="9736667"/>
+            <a:ext cx="39433500" cy="23207136"/>
           </a:xfrm>
           <a:prstGeom prst="rect">
             <a:avLst/>
@@ -5164,8 +5331,8 @@
         </p:nvSpPr>
         <p:spPr>
           <a:xfrm>
-            <a:off x="1885950" y="16950271"/>
-            <a:ext cx="6172200" cy="973667"/>
+            <a:off x="3143250" y="33900542"/>
+            <a:ext cx="10287000" cy="1947333"/>
           </a:xfrm>
           <a:prstGeom prst="rect">
             <a:avLst/>
@@ -5175,7 +5342,7 @@
           <a:bodyPr vert="horz" lIns="91440" tIns="45720" rIns="91440" bIns="45720" rtlCol="0" anchor="ctr"/>
           <a:lstStyle>
             <a:lvl1pPr algn="l">
-              <a:defRPr sz="3200">
+              <a:defRPr sz="6000">
                 <a:solidFill>
                   <a:schemeClr val="tx1">
                     <a:tint val="82000"/>
@@ -5205,8 +5372,8 @@
         </p:nvSpPr>
         <p:spPr>
           <a:xfrm>
-            <a:off x="9086850" y="16950271"/>
-            <a:ext cx="9258300" cy="973667"/>
+            <a:off x="15144750" y="33900542"/>
+            <a:ext cx="15430500" cy="1947333"/>
           </a:xfrm>
           <a:prstGeom prst="rect">
             <a:avLst/>
@@ -5216,7 +5383,7 @@
           <a:bodyPr vert="horz" lIns="91440" tIns="45720" rIns="91440" bIns="45720" rtlCol="0" anchor="ctr"/>
           <a:lstStyle>
             <a:lvl1pPr algn="ctr">
-              <a:defRPr sz="3200">
+              <a:defRPr sz="6000">
                 <a:solidFill>
                   <a:schemeClr val="tx1">
                     <a:tint val="82000"/>
@@ -5242,8 +5409,8 @@
         </p:nvSpPr>
         <p:spPr>
           <a:xfrm>
-            <a:off x="19373850" y="16950271"/>
-            <a:ext cx="6172200" cy="973667"/>
+            <a:off x="32289750" y="33900542"/>
+            <a:ext cx="10287000" cy="1947333"/>
           </a:xfrm>
           <a:prstGeom prst="rect">
             <a:avLst/>
@@ -5253,7 +5420,7 @@
           <a:bodyPr vert="horz" lIns="91440" tIns="45720" rIns="91440" bIns="45720" rtlCol="0" anchor="ctr"/>
           <a:lstStyle>
             <a:lvl1pPr algn="r">
-              <a:defRPr sz="3200">
+              <a:defRPr sz="6000">
                 <a:solidFill>
                   <a:schemeClr val="tx1">
                     <a:tint val="82000"/>
@@ -5274,27 +5441,27 @@
     </p:spTree>
     <p:extLst>
       <p:ext uri="{BB962C8B-B14F-4D97-AF65-F5344CB8AC3E}">
-        <p14:creationId xmlns:p14="http://schemas.microsoft.com/office/powerpoint/2010/main" val="2533352884"/>
+        <p14:creationId xmlns:p14="http://schemas.microsoft.com/office/powerpoint/2010/main" val="2900170203"/>
       </p:ext>
     </p:extLst>
   </p:cSld>
   <p:clrMap bg1="lt1" tx1="dk1" bg2="lt2" tx2="dk2" accent1="accent1" accent2="accent2" accent3="accent3" accent4="accent4" accent5="accent5" accent6="accent6" hlink="hlink" folHlink="folHlink"/>
   <p:sldLayoutIdLst>
-    <p:sldLayoutId id="2147483673" r:id="rId1"/>
-    <p:sldLayoutId id="2147483674" r:id="rId2"/>
-    <p:sldLayoutId id="2147483675" r:id="rId3"/>
-    <p:sldLayoutId id="2147483676" r:id="rId4"/>
-    <p:sldLayoutId id="2147483677" r:id="rId5"/>
-    <p:sldLayoutId id="2147483678" r:id="rId6"/>
-    <p:sldLayoutId id="2147483679" r:id="rId7"/>
-    <p:sldLayoutId id="2147483680" r:id="rId8"/>
-    <p:sldLayoutId id="2147483681" r:id="rId9"/>
-    <p:sldLayoutId id="2147483682" r:id="rId10"/>
-    <p:sldLayoutId id="2147483683" r:id="rId11"/>
+    <p:sldLayoutId id="2147483709" r:id="rId1"/>
+    <p:sldLayoutId id="2147483710" r:id="rId2"/>
+    <p:sldLayoutId id="2147483711" r:id="rId3"/>
+    <p:sldLayoutId id="2147483712" r:id="rId4"/>
+    <p:sldLayoutId id="2147483713" r:id="rId5"/>
+    <p:sldLayoutId id="2147483714" r:id="rId6"/>
+    <p:sldLayoutId id="2147483715" r:id="rId7"/>
+    <p:sldLayoutId id="2147483716" r:id="rId8"/>
+    <p:sldLayoutId id="2147483717" r:id="rId9"/>
+    <p:sldLayoutId id="2147483718" r:id="rId10"/>
+    <p:sldLayoutId id="2147483719" r:id="rId11"/>
   </p:sldLayoutIdLst>
   <p:txStyles>
     <p:titleStyle>
-      <a:lvl1pPr algn="l" defTabSz="2438430" rtl="0" eaLnBrk="1" latinLnBrk="0" hangingPunct="1">
+      <a:lvl1pPr algn="l" defTabSz="4572000" rtl="0" eaLnBrk="1" latinLnBrk="0" hangingPunct="1">
         <a:lnSpc>
           <a:spcPct val="90000"/>
         </a:lnSpc>
@@ -5302,7 +5469,7 @@
           <a:spcPct val="0"/>
         </a:spcBef>
         <a:buNone/>
-        <a:defRPr sz="11733" kern="1200">
+        <a:defRPr sz="22000" kern="1200">
           <a:solidFill>
             <a:schemeClr val="tx1"/>
           </a:solidFill>
@@ -5313,16 +5480,16 @@
       </a:lvl1pPr>
     </p:titleStyle>
     <p:bodyStyle>
-      <a:lvl1pPr marL="609608" indent="-609608" algn="l" defTabSz="2438430" rtl="0" eaLnBrk="1" latinLnBrk="0" hangingPunct="1">
+      <a:lvl1pPr marL="1143000" indent="-1143000" algn="l" defTabSz="4572000" rtl="0" eaLnBrk="1" latinLnBrk="0" hangingPunct="1">
         <a:lnSpc>
           <a:spcPct val="90000"/>
         </a:lnSpc>
         <a:spcBef>
-          <a:spcPts val="2667"/>
+          <a:spcPts val="5000"/>
         </a:spcBef>
         <a:buFont typeface="Arial" panose="020B0604020202020204" pitchFamily="34" charset="0"/>
         <a:buChar char="•"/>
-        <a:defRPr sz="7467" kern="1200">
+        <a:defRPr sz="14000" kern="1200">
           <a:solidFill>
             <a:schemeClr val="tx1"/>
           </a:solidFill>
@@ -5331,16 +5498,16 @@
           <a:cs typeface="+mn-cs"/>
         </a:defRPr>
       </a:lvl1pPr>
-      <a:lvl2pPr marL="1828823" indent="-609608" algn="l" defTabSz="2438430" rtl="0" eaLnBrk="1" latinLnBrk="0" hangingPunct="1">
+      <a:lvl2pPr marL="3429000" indent="-1143000" algn="l" defTabSz="4572000" rtl="0" eaLnBrk="1" latinLnBrk="0" hangingPunct="1">
         <a:lnSpc>
           <a:spcPct val="90000"/>
         </a:lnSpc>
         <a:spcBef>
-          <a:spcPts val="1333"/>
+          <a:spcPts val="2500"/>
         </a:spcBef>
         <a:buFont typeface="Arial" panose="020B0604020202020204" pitchFamily="34" charset="0"/>
         <a:buChar char="•"/>
-        <a:defRPr sz="6400" kern="1200">
+        <a:defRPr sz="12000" kern="1200">
           <a:solidFill>
             <a:schemeClr val="tx1"/>
           </a:solidFill>
@@ -5349,16 +5516,16 @@
           <a:cs typeface="+mn-cs"/>
         </a:defRPr>
       </a:lvl2pPr>
-      <a:lvl3pPr marL="3048038" indent="-609608" algn="l" defTabSz="2438430" rtl="0" eaLnBrk="1" latinLnBrk="0" hangingPunct="1">
+      <a:lvl3pPr marL="5715000" indent="-1143000" algn="l" defTabSz="4572000" rtl="0" eaLnBrk="1" latinLnBrk="0" hangingPunct="1">
         <a:lnSpc>
           <a:spcPct val="90000"/>
         </a:lnSpc>
         <a:spcBef>
-          <a:spcPts val="1333"/>
+          <a:spcPts val="2500"/>
         </a:spcBef>
         <a:buFont typeface="Arial" panose="020B0604020202020204" pitchFamily="34" charset="0"/>
         <a:buChar char="•"/>
-        <a:defRPr sz="5333" kern="1200">
+        <a:defRPr sz="10000" kern="1200">
           <a:solidFill>
             <a:schemeClr val="tx1"/>
           </a:solidFill>
@@ -5367,16 +5534,16 @@
           <a:cs typeface="+mn-cs"/>
         </a:defRPr>
       </a:lvl3pPr>
-      <a:lvl4pPr marL="4267253" indent="-609608" algn="l" defTabSz="2438430" rtl="0" eaLnBrk="1" latinLnBrk="0" hangingPunct="1">
+      <a:lvl4pPr marL="8001000" indent="-1143000" algn="l" defTabSz="4572000" rtl="0" eaLnBrk="1" latinLnBrk="0" hangingPunct="1">
         <a:lnSpc>
           <a:spcPct val="90000"/>
         </a:lnSpc>
         <a:spcBef>
-          <a:spcPts val="1333"/>
+          <a:spcPts val="2500"/>
         </a:spcBef>
         <a:buFont typeface="Arial" panose="020B0604020202020204" pitchFamily="34" charset="0"/>
         <a:buChar char="•"/>
-        <a:defRPr sz="4800" kern="1200">
+        <a:defRPr sz="9000" kern="1200">
           <a:solidFill>
             <a:schemeClr val="tx1"/>
           </a:solidFill>
@@ -5385,16 +5552,16 @@
           <a:cs typeface="+mn-cs"/>
         </a:defRPr>
       </a:lvl4pPr>
-      <a:lvl5pPr marL="5486469" indent="-609608" algn="l" defTabSz="2438430" rtl="0" eaLnBrk="1" latinLnBrk="0" hangingPunct="1">
+      <a:lvl5pPr marL="10287000" indent="-1143000" algn="l" defTabSz="4572000" rtl="0" eaLnBrk="1" latinLnBrk="0" hangingPunct="1">
         <a:lnSpc>
           <a:spcPct val="90000"/>
         </a:lnSpc>
         <a:spcBef>
-          <a:spcPts val="1333"/>
+          <a:spcPts val="2500"/>
         </a:spcBef>
         <a:buFont typeface="Arial" panose="020B0604020202020204" pitchFamily="34" charset="0"/>
         <a:buChar char="•"/>
-        <a:defRPr sz="4800" kern="1200">
+        <a:defRPr sz="9000" kern="1200">
           <a:solidFill>
             <a:schemeClr val="tx1"/>
           </a:solidFill>
@@ -5403,16 +5570,16 @@
           <a:cs typeface="+mn-cs"/>
         </a:defRPr>
       </a:lvl5pPr>
-      <a:lvl6pPr marL="6705684" indent="-609608" algn="l" defTabSz="2438430" rtl="0" eaLnBrk="1" latinLnBrk="0" hangingPunct="1">
+      <a:lvl6pPr marL="12573000" indent="-1143000" algn="l" defTabSz="4572000" rtl="0" eaLnBrk="1" latinLnBrk="0" hangingPunct="1">
         <a:lnSpc>
           <a:spcPct val="90000"/>
         </a:lnSpc>
         <a:spcBef>
-          <a:spcPts val="1333"/>
+          <a:spcPts val="2500"/>
         </a:spcBef>
         <a:buFont typeface="Arial" panose="020B0604020202020204" pitchFamily="34" charset="0"/>
         <a:buChar char="•"/>
-        <a:defRPr sz="4800" kern="1200">
+        <a:defRPr sz="9000" kern="1200">
           <a:solidFill>
             <a:schemeClr val="tx1"/>
           </a:solidFill>
@@ -5421,16 +5588,16 @@
           <a:cs typeface="+mn-cs"/>
         </a:defRPr>
       </a:lvl6pPr>
-      <a:lvl7pPr marL="7924899" indent="-609608" algn="l" defTabSz="2438430" rtl="0" eaLnBrk="1" latinLnBrk="0" hangingPunct="1">
+      <a:lvl7pPr marL="14859000" indent="-1143000" algn="l" defTabSz="4572000" rtl="0" eaLnBrk="1" latinLnBrk="0" hangingPunct="1">
         <a:lnSpc>
           <a:spcPct val="90000"/>
         </a:lnSpc>
         <a:spcBef>
-          <a:spcPts val="1333"/>
+          <a:spcPts val="2500"/>
         </a:spcBef>
         <a:buFont typeface="Arial" panose="020B0604020202020204" pitchFamily="34" charset="0"/>
         <a:buChar char="•"/>
-        <a:defRPr sz="4800" kern="1200">
+        <a:defRPr sz="9000" kern="1200">
           <a:solidFill>
             <a:schemeClr val="tx1"/>
           </a:solidFill>
@@ -5439,16 +5606,16 @@
           <a:cs typeface="+mn-cs"/>
         </a:defRPr>
       </a:lvl7pPr>
-      <a:lvl8pPr marL="9144114" indent="-609608" algn="l" defTabSz="2438430" rtl="0" eaLnBrk="1" latinLnBrk="0" hangingPunct="1">
+      <a:lvl8pPr marL="17145000" indent="-1143000" algn="l" defTabSz="4572000" rtl="0" eaLnBrk="1" latinLnBrk="0" hangingPunct="1">
         <a:lnSpc>
           <a:spcPct val="90000"/>
         </a:lnSpc>
         <a:spcBef>
-          <a:spcPts val="1333"/>
+          <a:spcPts val="2500"/>
         </a:spcBef>
         <a:buFont typeface="Arial" panose="020B0604020202020204" pitchFamily="34" charset="0"/>
         <a:buChar char="•"/>
-        <a:defRPr sz="4800" kern="1200">
+        <a:defRPr sz="9000" kern="1200">
           <a:solidFill>
             <a:schemeClr val="tx1"/>
           </a:solidFill>
@@ -5457,16 +5624,16 @@
           <a:cs typeface="+mn-cs"/>
         </a:defRPr>
       </a:lvl8pPr>
-      <a:lvl9pPr marL="10363330" indent="-609608" algn="l" defTabSz="2438430" rtl="0" eaLnBrk="1" latinLnBrk="0" hangingPunct="1">
+      <a:lvl9pPr marL="19431000" indent="-1143000" algn="l" defTabSz="4572000" rtl="0" eaLnBrk="1" latinLnBrk="0" hangingPunct="1">
         <a:lnSpc>
           <a:spcPct val="90000"/>
         </a:lnSpc>
         <a:spcBef>
-          <a:spcPts val="1333"/>
+          <a:spcPts val="2500"/>
         </a:spcBef>
         <a:buFont typeface="Arial" panose="020B0604020202020204" pitchFamily="34" charset="0"/>
         <a:buChar char="•"/>
-        <a:defRPr sz="4800" kern="1200">
+        <a:defRPr sz="9000" kern="1200">
           <a:solidFill>
             <a:schemeClr val="tx1"/>
           </a:solidFill>
@@ -5480,8 +5647,8 @@
       <a:defPPr>
         <a:defRPr lang="en-US"/>
       </a:defPPr>
-      <a:lvl1pPr marL="0" algn="l" defTabSz="2438430" rtl="0" eaLnBrk="1" latinLnBrk="0" hangingPunct="1">
-        <a:defRPr sz="4800" kern="1200">
+      <a:lvl1pPr marL="0" algn="l" defTabSz="4572000" rtl="0" eaLnBrk="1" latinLnBrk="0" hangingPunct="1">
+        <a:defRPr sz="9000" kern="1200">
           <a:solidFill>
             <a:schemeClr val="tx1"/>
           </a:solidFill>
@@ -5490,8 +5657,8 @@
           <a:cs typeface="+mn-cs"/>
         </a:defRPr>
       </a:lvl1pPr>
-      <a:lvl2pPr marL="1219215" algn="l" defTabSz="2438430" rtl="0" eaLnBrk="1" latinLnBrk="0" hangingPunct="1">
-        <a:defRPr sz="4800" kern="1200">
+      <a:lvl2pPr marL="2286000" algn="l" defTabSz="4572000" rtl="0" eaLnBrk="1" latinLnBrk="0" hangingPunct="1">
+        <a:defRPr sz="9000" kern="1200">
           <a:solidFill>
             <a:schemeClr val="tx1"/>
           </a:solidFill>
@@ -5500,8 +5667,8 @@
           <a:cs typeface="+mn-cs"/>
         </a:defRPr>
       </a:lvl2pPr>
-      <a:lvl3pPr marL="2438430" algn="l" defTabSz="2438430" rtl="0" eaLnBrk="1" latinLnBrk="0" hangingPunct="1">
-        <a:defRPr sz="4800" kern="1200">
+      <a:lvl3pPr marL="4572000" algn="l" defTabSz="4572000" rtl="0" eaLnBrk="1" latinLnBrk="0" hangingPunct="1">
+        <a:defRPr sz="9000" kern="1200">
           <a:solidFill>
             <a:schemeClr val="tx1"/>
           </a:solidFill>
@@ -5510,8 +5677,8 @@
           <a:cs typeface="+mn-cs"/>
         </a:defRPr>
       </a:lvl3pPr>
-      <a:lvl4pPr marL="3657646" algn="l" defTabSz="2438430" rtl="0" eaLnBrk="1" latinLnBrk="0" hangingPunct="1">
-        <a:defRPr sz="4800" kern="1200">
+      <a:lvl4pPr marL="6858000" algn="l" defTabSz="4572000" rtl="0" eaLnBrk="1" latinLnBrk="0" hangingPunct="1">
+        <a:defRPr sz="9000" kern="1200">
           <a:solidFill>
             <a:schemeClr val="tx1"/>
           </a:solidFill>
@@ -5520,8 +5687,8 @@
           <a:cs typeface="+mn-cs"/>
         </a:defRPr>
       </a:lvl4pPr>
-      <a:lvl5pPr marL="4876861" algn="l" defTabSz="2438430" rtl="0" eaLnBrk="1" latinLnBrk="0" hangingPunct="1">
-        <a:defRPr sz="4800" kern="1200">
+      <a:lvl5pPr marL="9144000" algn="l" defTabSz="4572000" rtl="0" eaLnBrk="1" latinLnBrk="0" hangingPunct="1">
+        <a:defRPr sz="9000" kern="1200">
           <a:solidFill>
             <a:schemeClr val="tx1"/>
           </a:solidFill>
@@ -5530,8 +5697,8 @@
           <a:cs typeface="+mn-cs"/>
         </a:defRPr>
       </a:lvl5pPr>
-      <a:lvl6pPr marL="6096076" algn="l" defTabSz="2438430" rtl="0" eaLnBrk="1" latinLnBrk="0" hangingPunct="1">
-        <a:defRPr sz="4800" kern="1200">
+      <a:lvl6pPr marL="11430000" algn="l" defTabSz="4572000" rtl="0" eaLnBrk="1" latinLnBrk="0" hangingPunct="1">
+        <a:defRPr sz="9000" kern="1200">
           <a:solidFill>
             <a:schemeClr val="tx1"/>
           </a:solidFill>
@@ -5540,8 +5707,8 @@
           <a:cs typeface="+mn-cs"/>
         </a:defRPr>
       </a:lvl6pPr>
-      <a:lvl7pPr marL="7315291" algn="l" defTabSz="2438430" rtl="0" eaLnBrk="1" latinLnBrk="0" hangingPunct="1">
-        <a:defRPr sz="4800" kern="1200">
+      <a:lvl7pPr marL="13716000" algn="l" defTabSz="4572000" rtl="0" eaLnBrk="1" latinLnBrk="0" hangingPunct="1">
+        <a:defRPr sz="9000" kern="1200">
           <a:solidFill>
             <a:schemeClr val="tx1"/>
           </a:solidFill>
@@ -5550,8 +5717,8 @@
           <a:cs typeface="+mn-cs"/>
         </a:defRPr>
       </a:lvl7pPr>
-      <a:lvl8pPr marL="8534507" algn="l" defTabSz="2438430" rtl="0" eaLnBrk="1" latinLnBrk="0" hangingPunct="1">
-        <a:defRPr sz="4800" kern="1200">
+      <a:lvl8pPr marL="16002000" algn="l" defTabSz="4572000" rtl="0" eaLnBrk="1" latinLnBrk="0" hangingPunct="1">
+        <a:defRPr sz="9000" kern="1200">
           <a:solidFill>
             <a:schemeClr val="tx1"/>
           </a:solidFill>
@@ -5560,8 +5727,8 @@
           <a:cs typeface="+mn-cs"/>
         </a:defRPr>
       </a:lvl8pPr>
-      <a:lvl9pPr marL="9753722" algn="l" defTabSz="2438430" rtl="0" eaLnBrk="1" latinLnBrk="0" hangingPunct="1">
-        <a:defRPr sz="4800" kern="1200">
+      <a:lvl9pPr marL="18288000" algn="l" defTabSz="4572000" rtl="0" eaLnBrk="1" latinLnBrk="0" hangingPunct="1">
+        <a:defRPr sz="9000" kern="1200">
           <a:solidFill>
             <a:schemeClr val="tx1"/>
           </a:solidFill>
@@ -5610,7 +5777,7 @@
         </p:nvSpPr>
         <p:spPr>
           <a:xfrm>
-            <a:off x="7482351" y="5715002"/>
+            <a:off x="16626354" y="14859005"/>
             <a:ext cx="4168877" cy="560285"/>
           </a:xfrm>
         </p:spPr>
@@ -5667,7 +5834,7 @@
         </p:nvSpPr>
         <p:spPr>
           <a:xfrm>
-            <a:off x="12411100" y="6798895"/>
+            <a:off x="21555103" y="15942895"/>
             <a:ext cx="1730335" cy="387144"/>
           </a:xfrm>
           <a:prstGeom prst="rect">
@@ -5732,7 +5899,7 @@
         </p:nvCxnSpPr>
         <p:spPr>
           <a:xfrm>
-            <a:off x="11987796" y="6992467"/>
+            <a:off x="21131796" y="16136467"/>
             <a:ext cx="423302" cy="0"/>
           </a:xfrm>
           <a:prstGeom prst="straightConnector1">
@@ -5771,7 +5938,7 @@
         </p:nvSpPr>
         <p:spPr>
           <a:xfrm>
-            <a:off x="10594337" y="6641946"/>
+            <a:off x="19738340" y="15785949"/>
             <a:ext cx="1393461" cy="701045"/>
           </a:xfrm>
           <a:prstGeom prst="round2DiagRect">
@@ -5837,7 +6004,7 @@
         </p:nvCxnSpPr>
         <p:spPr>
           <a:xfrm>
-            <a:off x="10171036" y="6992467"/>
+            <a:off x="19315039" y="16136467"/>
             <a:ext cx="423301" cy="0"/>
           </a:xfrm>
           <a:prstGeom prst="straightConnector1">
@@ -5876,7 +6043,7 @@
         </p:nvSpPr>
         <p:spPr>
           <a:xfrm>
-            <a:off x="8426247" y="6798895"/>
+            <a:off x="17570250" y="15942895"/>
             <a:ext cx="1744789" cy="387144"/>
           </a:xfrm>
           <a:prstGeom prst="rect">
@@ -5920,6 +6087,207 @@
               <a:t>cols+vals</a:t>
             </a:r>
             <a:endParaRPr lang="en-US" sz="1050" dirty="0"/>
+          </a:p>
+        </p:txBody>
+      </p:sp>
+      <p:sp>
+        <p:nvSpPr>
+          <p:cNvPr id="9" name="Rectangle: Diagonal Corners Rounded 8">
+            <a:extLst>
+              <a:ext uri="{FF2B5EF4-FFF2-40B4-BE49-F238E27FC236}">
+                <a16:creationId xmlns:a16="http://schemas.microsoft.com/office/drawing/2014/main" id="{D2F5F47F-19F9-F346-D361-49DA5F52FF68}"/>
+              </a:ext>
+            </a:extLst>
+          </p:cNvPr>
+          <p:cNvSpPr/>
+          <p:nvPr/>
+        </p:nvSpPr>
+        <p:spPr>
+          <a:xfrm>
+            <a:off x="19738340" y="16680566"/>
+            <a:ext cx="1393461" cy="701045"/>
+          </a:xfrm>
+          <a:prstGeom prst="round2DiagRect">
+            <a:avLst>
+              <a:gd name="adj1" fmla="val 16667"/>
+              <a:gd name="adj2" fmla="val 50000"/>
+            </a:avLst>
+          </a:prstGeom>
+          <a:solidFill>
+            <a:schemeClr val="accent2"/>
+          </a:solidFill>
+        </p:spPr>
+        <p:style>
+          <a:lnRef idx="2">
+            <a:schemeClr val="accent1">
+              <a:shade val="15000"/>
+            </a:schemeClr>
+          </a:lnRef>
+          <a:fillRef idx="1">
+            <a:schemeClr val="accent1"/>
+          </a:fillRef>
+          <a:effectRef idx="0">
+            <a:schemeClr val="accent1"/>
+          </a:effectRef>
+          <a:fontRef idx="minor">
+            <a:schemeClr val="lt1"/>
+          </a:fontRef>
+        </p:style>
+        <p:txBody>
+          <a:bodyPr rtlCol="0" anchor="ctr"/>
+          <a:lstStyle/>
+          <a:p>
+            <a:pPr algn="ctr"/>
+            <a:r>
+              <a:rPr lang="en-US" sz="900" b="1" dirty="0"/>
+              <a:t>Manual processing</a:t>
+            </a:r>
+          </a:p>
+          <a:p>
+            <a:pPr algn="ctr"/>
+            <a:r>
+              <a:rPr lang="en-US" sz="900" dirty="0"/>
+              <a:t>.extension/type</a:t>
+            </a:r>
+          </a:p>
+        </p:txBody>
+      </p:sp>
+      <p:sp>
+        <p:nvSpPr>
+          <p:cNvPr id="10" name="Rectangle: Diagonal Corners Rounded 9">
+            <a:extLst>
+              <a:ext uri="{FF2B5EF4-FFF2-40B4-BE49-F238E27FC236}">
+                <a16:creationId xmlns:a16="http://schemas.microsoft.com/office/drawing/2014/main" id="{D4B97B47-D4C3-3BAB-79C5-7D4DA97DD10C}"/>
+              </a:ext>
+            </a:extLst>
+          </p:cNvPr>
+          <p:cNvSpPr/>
+          <p:nvPr/>
+        </p:nvSpPr>
+        <p:spPr>
+          <a:xfrm>
+            <a:off x="19738340" y="17586958"/>
+            <a:ext cx="1393461" cy="701045"/>
+          </a:xfrm>
+          <a:prstGeom prst="round2DiagRect">
+            <a:avLst>
+              <a:gd name="adj1" fmla="val 16667"/>
+              <a:gd name="adj2" fmla="val 50000"/>
+            </a:avLst>
+          </a:prstGeom>
+          <a:solidFill>
+            <a:schemeClr val="accent4"/>
+          </a:solidFill>
+        </p:spPr>
+        <p:style>
+          <a:lnRef idx="2">
+            <a:schemeClr val="accent1">
+              <a:shade val="15000"/>
+            </a:schemeClr>
+          </a:lnRef>
+          <a:fillRef idx="1">
+            <a:schemeClr val="accent1"/>
+          </a:fillRef>
+          <a:effectRef idx="0">
+            <a:schemeClr val="accent1"/>
+          </a:effectRef>
+          <a:fontRef idx="minor">
+            <a:schemeClr val="lt1"/>
+          </a:fontRef>
+        </p:style>
+        <p:txBody>
+          <a:bodyPr rtlCol="0" anchor="ctr"/>
+          <a:lstStyle/>
+          <a:p>
+            <a:pPr algn="ctr"/>
+            <a:r>
+              <a:rPr lang="en-US" sz="900" b="1" dirty="0"/>
+              <a:t>Ssh HPC scripting</a:t>
+            </a:r>
+          </a:p>
+          <a:p>
+            <a:pPr algn="ctr"/>
+            <a:r>
+              <a:rPr lang="en-US" sz="900" dirty="0"/>
+              <a:t>.extension/type</a:t>
+            </a:r>
+          </a:p>
+        </p:txBody>
+      </p:sp>
+      <p:sp>
+        <p:nvSpPr>
+          <p:cNvPr id="11" name="Rectangle 10">
+            <a:extLst>
+              <a:ext uri="{FF2B5EF4-FFF2-40B4-BE49-F238E27FC236}">
+                <a16:creationId xmlns:a16="http://schemas.microsoft.com/office/drawing/2014/main" id="{085B2336-D34F-1288-E695-FF63DB1990F9}"/>
+              </a:ext>
+            </a:extLst>
+          </p:cNvPr>
+          <p:cNvSpPr/>
+          <p:nvPr/>
+        </p:nvSpPr>
+        <p:spPr>
+          <a:xfrm>
+            <a:off x="17570246" y="17302729"/>
+            <a:ext cx="2013154" cy="387144"/>
+          </a:xfrm>
+          <a:prstGeom prst="rect">
+            <a:avLst/>
+          </a:prstGeom>
+        </p:spPr>
+        <p:style>
+          <a:lnRef idx="2">
+            <a:schemeClr val="accent1">
+              <a:shade val="15000"/>
+            </a:schemeClr>
+          </a:lnRef>
+          <a:fillRef idx="1">
+            <a:schemeClr val="accent1"/>
+          </a:fillRef>
+          <a:effectRef idx="0">
+            <a:schemeClr val="accent1"/>
+          </a:effectRef>
+          <a:fontRef idx="minor">
+            <a:schemeClr val="lt1"/>
+          </a:fontRef>
+        </p:style>
+        <p:txBody>
+          <a:bodyPr rtlCol="0" anchor="ctr"/>
+          <a:lstStyle/>
+          <a:p>
+            <a:pPr algn="ctr"/>
+            <a:r>
+              <a:rPr lang="en-US" sz="1050" dirty="0">
+                <a:highlight>
+                  <a:srgbClr val="FF00FF"/>
+                </a:highlight>
+              </a:rPr>
+              <a:t>TODO / FIX NEEDED / HOLDUP</a:t>
+            </a:r>
+          </a:p>
+          <a:p>
+            <a:pPr algn="ctr"/>
+            <a:r>
+              <a:rPr lang="en-US" sz="1050" dirty="0">
+                <a:highlight>
+                  <a:srgbClr val="FF00FF"/>
+                </a:highlight>
+              </a:rPr>
+              <a:t>#r / Key data </a:t>
+            </a:r>
+            <a:r>
+              <a:rPr lang="en-US" sz="1050" dirty="0" err="1">
+                <a:highlight>
+                  <a:srgbClr val="FF00FF"/>
+                </a:highlight>
+              </a:rPr>
+              <a:t>cols+vals</a:t>
+            </a:r>
+            <a:endParaRPr lang="en-US" sz="1050" dirty="0">
+              <a:highlight>
+                <a:srgbClr val="FF00FF"/>
+              </a:highlight>
+            </a:endParaRPr>
           </a:p>
         </p:txBody>
       </p:sp>
@@ -5971,7 +6339,7 @@
         </p:nvCxnSpPr>
         <p:spPr>
           <a:xfrm>
-            <a:off x="10443991" y="11080180"/>
+            <a:off x="19587994" y="20224180"/>
             <a:ext cx="1123653" cy="480102"/>
           </a:xfrm>
           <a:prstGeom prst="straightConnector1">
@@ -6010,7 +6378,7 @@
         </p:nvSpPr>
         <p:spPr>
           <a:xfrm>
-            <a:off x="6919010" y="4258352"/>
+            <a:off x="16063010" y="13402352"/>
             <a:ext cx="985710" cy="444166"/>
           </a:xfrm>
           <a:prstGeom prst="round2DiagRect">
@@ -6062,7 +6430,7 @@
         </p:nvSpPr>
         <p:spPr>
           <a:xfrm>
-            <a:off x="6865602" y="4215028"/>
+            <a:off x="16009602" y="13359028"/>
             <a:ext cx="985710" cy="444166"/>
           </a:xfrm>
           <a:prstGeom prst="round2DiagRect">
@@ -6116,7 +6484,7 @@
         </p:nvSpPr>
         <p:spPr>
           <a:xfrm>
-            <a:off x="796368" y="1448200"/>
+            <a:off x="9940368" y="10592200"/>
             <a:ext cx="2554214" cy="315408"/>
           </a:xfrm>
           <a:prstGeom prst="rect">
@@ -6168,7 +6536,7 @@
         </p:nvSpPr>
         <p:spPr>
           <a:xfrm>
-            <a:off x="15131882" y="3279497"/>
+            <a:off x="24275882" y="12423500"/>
             <a:ext cx="1599416" cy="194475"/>
           </a:xfrm>
           <a:prstGeom prst="rect">
@@ -6223,7 +6591,7 @@
         </p:nvSpPr>
         <p:spPr>
           <a:xfrm>
-            <a:off x="15164540" y="3758816"/>
+            <a:off x="24308540" y="12902816"/>
             <a:ext cx="1420240" cy="444166"/>
           </a:xfrm>
           <a:prstGeom prst="round2DiagRect">
@@ -6312,7 +6680,7 @@
         </p:nvCxnSpPr>
         <p:spPr>
           <a:xfrm flipH="1">
-            <a:off x="15874660" y="3473970"/>
+            <a:off x="25018660" y="12617970"/>
             <a:ext cx="56930" cy="284846"/>
           </a:xfrm>
           <a:prstGeom prst="straightConnector1">
@@ -6351,7 +6719,7 @@
         </p:nvSpPr>
         <p:spPr>
           <a:xfrm>
-            <a:off x="15131884" y="4418259"/>
+            <a:off x="24275887" y="13562262"/>
             <a:ext cx="1514271" cy="222083"/>
           </a:xfrm>
           <a:prstGeom prst="rect">
@@ -6410,7 +6778,7 @@
         </p:nvCxnSpPr>
         <p:spPr>
           <a:xfrm>
-            <a:off x="15874660" y="4202984"/>
+            <a:off x="25018660" y="13346987"/>
             <a:ext cx="14358" cy="215275"/>
           </a:xfrm>
           <a:prstGeom prst="straightConnector1">
@@ -6449,7 +6817,7 @@
         </p:nvSpPr>
         <p:spPr>
           <a:xfrm>
-            <a:off x="15068237" y="2711619"/>
+            <a:off x="24212240" y="11855619"/>
             <a:ext cx="1730335" cy="387144"/>
           </a:xfrm>
           <a:prstGeom prst="rect">
@@ -6526,7 +6894,7 @@
         </p:nvCxnSpPr>
         <p:spPr>
           <a:xfrm flipH="1">
-            <a:off x="15931592" y="3098763"/>
+            <a:off x="25075595" y="12242763"/>
             <a:ext cx="1813" cy="180732"/>
           </a:xfrm>
           <a:prstGeom prst="straightConnector1">
@@ -6565,7 +6933,7 @@
         </p:nvSpPr>
         <p:spPr>
           <a:xfrm>
-            <a:off x="15131884" y="4804599"/>
+            <a:off x="24275887" y="13948602"/>
             <a:ext cx="1514271" cy="546203"/>
           </a:xfrm>
           <a:prstGeom prst="rect">
@@ -6633,7 +7001,7 @@
         </p:nvCxnSpPr>
         <p:spPr>
           <a:xfrm>
-            <a:off x="15889018" y="4640342"/>
+            <a:off x="25033018" y="13784345"/>
             <a:ext cx="0" cy="164257"/>
           </a:xfrm>
           <a:prstGeom prst="straightConnector1">
@@ -6672,7 +7040,7 @@
         </p:nvSpPr>
         <p:spPr>
           <a:xfrm>
-            <a:off x="9651931" y="1844666"/>
+            <a:off x="18795934" y="10988666"/>
             <a:ext cx="1730335" cy="387144"/>
           </a:xfrm>
           <a:prstGeom prst="rect">
@@ -6737,7 +7105,7 @@
         </p:nvCxnSpPr>
         <p:spPr>
           <a:xfrm>
-            <a:off x="14992950" y="2010946"/>
+            <a:off x="24136950" y="11154946"/>
             <a:ext cx="498004" cy="0"/>
           </a:xfrm>
           <a:prstGeom prst="straightConnector1">
@@ -6776,7 +7144,7 @@
         </p:nvSpPr>
         <p:spPr>
           <a:xfrm>
-            <a:off x="15490956" y="1788863"/>
+            <a:off x="24634959" y="10932863"/>
             <a:ext cx="865167" cy="444166"/>
           </a:xfrm>
           <a:prstGeom prst="round2DiagRect">
@@ -6842,7 +7210,7 @@
         </p:nvCxnSpPr>
         <p:spPr>
           <a:xfrm>
-            <a:off x="15923540" y="2233029"/>
+            <a:off x="25067543" y="11377029"/>
             <a:ext cx="9865" cy="478590"/>
           </a:xfrm>
           <a:prstGeom prst="straightConnector1">
@@ -6881,7 +7249,7 @@
         </p:nvSpPr>
         <p:spPr>
           <a:xfrm>
-            <a:off x="12037202" y="2537225"/>
+            <a:off x="21181202" y="11681225"/>
             <a:ext cx="2457744" cy="387144"/>
           </a:xfrm>
           <a:prstGeom prst="rect">
@@ -6946,7 +7314,7 @@
         </p:nvCxnSpPr>
         <p:spPr>
           <a:xfrm flipH="1">
-            <a:off x="14494946" y="2233029"/>
+            <a:off x="23638946" y="11377029"/>
             <a:ext cx="1428592" cy="497768"/>
           </a:xfrm>
           <a:prstGeom prst="straightConnector1">
@@ -6985,7 +7353,7 @@
         </p:nvSpPr>
         <p:spPr>
           <a:xfrm>
-            <a:off x="12597012" y="3212372"/>
+            <a:off x="21741015" y="12356372"/>
             <a:ext cx="1307757" cy="444166"/>
           </a:xfrm>
           <a:prstGeom prst="round2DiagRect">
@@ -7072,7 +7440,7 @@
         </p:nvCxnSpPr>
         <p:spPr>
           <a:xfrm flipH="1">
-            <a:off x="13250891" y="2924371"/>
+            <a:off x="22394894" y="12068374"/>
             <a:ext cx="15185" cy="288003"/>
           </a:xfrm>
           <a:prstGeom prst="straightConnector1">
@@ -7115,7 +7483,7 @@
         </p:nvCxnSpPr>
         <p:spPr>
           <a:xfrm>
-            <a:off x="13250891" y="3656540"/>
+            <a:off x="22394894" y="12800543"/>
             <a:ext cx="697779" cy="228811"/>
           </a:xfrm>
           <a:prstGeom prst="straightConnector1">
@@ -7154,7 +7522,7 @@
         </p:nvSpPr>
         <p:spPr>
           <a:xfrm>
-            <a:off x="13280386" y="3885349"/>
+            <a:off x="22424386" y="13029349"/>
             <a:ext cx="1336564" cy="444166"/>
           </a:xfrm>
           <a:prstGeom prst="round2DiagRect">
@@ -7233,7 +7601,7 @@
         </p:nvCxnSpPr>
         <p:spPr>
           <a:xfrm flipH="1">
-            <a:off x="13212664" y="4329515"/>
+            <a:off x="22356664" y="13473515"/>
             <a:ext cx="736004" cy="286054"/>
           </a:xfrm>
           <a:prstGeom prst="straightConnector1">
@@ -7272,7 +7640,7 @@
         </p:nvSpPr>
         <p:spPr>
           <a:xfrm>
-            <a:off x="12455528" y="4615569"/>
+            <a:off x="21599528" y="13759569"/>
             <a:ext cx="1514272" cy="387144"/>
           </a:xfrm>
           <a:prstGeom prst="rect">
@@ -7348,7 +7716,7 @@
         </p:nvCxnSpPr>
         <p:spPr>
           <a:xfrm flipH="1">
-            <a:off x="13202098" y="5002713"/>
+            <a:off x="22346098" y="14146713"/>
             <a:ext cx="10566" cy="270686"/>
           </a:xfrm>
           <a:prstGeom prst="straightConnector1">
@@ -7391,7 +7759,7 @@
         </p:nvCxnSpPr>
         <p:spPr>
           <a:xfrm>
-            <a:off x="15889018" y="5350800"/>
+            <a:off x="25033018" y="14494800"/>
             <a:ext cx="842280" cy="231160"/>
           </a:xfrm>
           <a:prstGeom prst="straightConnector1">
@@ -7430,7 +7798,7 @@
         </p:nvSpPr>
         <p:spPr>
           <a:xfrm>
-            <a:off x="12591938" y="5273399"/>
+            <a:off x="21735941" y="14417399"/>
             <a:ext cx="1220323" cy="444166"/>
           </a:xfrm>
           <a:prstGeom prst="round2DiagRect">
@@ -7493,7 +7861,7 @@
         </p:nvCxnSpPr>
         <p:spPr>
           <a:xfrm flipH="1">
-            <a:off x="13168660" y="5717567"/>
+            <a:off x="22312660" y="14861570"/>
             <a:ext cx="33438" cy="265273"/>
           </a:xfrm>
           <a:prstGeom prst="straightConnector1">
@@ -7532,7 +7900,7 @@
         </p:nvSpPr>
         <p:spPr>
           <a:xfrm>
-            <a:off x="12411524" y="5982838"/>
+            <a:off x="21555524" y="15126838"/>
             <a:ext cx="1514272" cy="387144"/>
           </a:xfrm>
           <a:prstGeom prst="rect">
@@ -7608,7 +7976,7 @@
         </p:nvCxnSpPr>
         <p:spPr>
           <a:xfrm flipV="1">
-            <a:off x="13925796" y="5804045"/>
+            <a:off x="23069796" y="14948048"/>
             <a:ext cx="2318646" cy="372367"/>
           </a:xfrm>
           <a:prstGeom prst="straightConnector1">
@@ -7647,7 +8015,7 @@
         </p:nvSpPr>
         <p:spPr>
           <a:xfrm>
-            <a:off x="16244444" y="5581960"/>
+            <a:off x="25388447" y="14725960"/>
             <a:ext cx="973711" cy="444166"/>
           </a:xfrm>
           <a:prstGeom prst="round2DiagRect">
@@ -7723,7 +8091,7 @@
         </p:nvCxnSpPr>
         <p:spPr>
           <a:xfrm flipH="1">
-            <a:off x="16461018" y="6026128"/>
+            <a:off x="25605018" y="15170131"/>
             <a:ext cx="270280" cy="160825"/>
           </a:xfrm>
           <a:prstGeom prst="straightConnector1">
@@ -7762,7 +8130,7 @@
         </p:nvSpPr>
         <p:spPr>
           <a:xfrm>
-            <a:off x="15703884" y="6186953"/>
+            <a:off x="24847887" y="15330956"/>
             <a:ext cx="1514271" cy="546203"/>
           </a:xfrm>
           <a:prstGeom prst="rect">
@@ -7842,7 +8210,7 @@
         </p:nvSpPr>
         <p:spPr>
           <a:xfrm>
-            <a:off x="13262617" y="1817374"/>
+            <a:off x="22406620" y="10961374"/>
             <a:ext cx="1730335" cy="387144"/>
           </a:xfrm>
           <a:prstGeom prst="rect">
@@ -7907,7 +8275,7 @@
         </p:nvCxnSpPr>
         <p:spPr>
           <a:xfrm flipV="1">
-            <a:off x="11382266" y="2030178"/>
+            <a:off x="20526269" y="11174178"/>
             <a:ext cx="614917" cy="8060"/>
           </a:xfrm>
           <a:prstGeom prst="straightConnector1">
@@ -7946,7 +8314,7 @@
         </p:nvSpPr>
         <p:spPr>
           <a:xfrm>
-            <a:off x="11997183" y="1808095"/>
+            <a:off x="21141186" y="10952095"/>
             <a:ext cx="916693" cy="444166"/>
           </a:xfrm>
           <a:prstGeom prst="round2DiagRect">
@@ -8012,7 +8380,7 @@
         </p:nvCxnSpPr>
         <p:spPr>
           <a:xfrm flipV="1">
-            <a:off x="12913876" y="2010946"/>
+            <a:off x="22057879" y="11154946"/>
             <a:ext cx="348741" cy="19232"/>
           </a:xfrm>
           <a:prstGeom prst="straightConnector1">
@@ -8051,7 +8419,7 @@
         </p:nvSpPr>
         <p:spPr>
           <a:xfrm>
-            <a:off x="9578824" y="2325266"/>
+            <a:off x="18722827" y="11469266"/>
             <a:ext cx="1730335" cy="387144"/>
           </a:xfrm>
           <a:prstGeom prst="rect">
@@ -8116,7 +8484,7 @@
         </p:nvCxnSpPr>
         <p:spPr>
           <a:xfrm>
-            <a:off x="9044745" y="2022121"/>
+            <a:off x="18188745" y="11166124"/>
             <a:ext cx="607184" cy="16119"/>
           </a:xfrm>
           <a:prstGeom prst="straightConnector1">
@@ -8159,7 +8527,7 @@
         </p:nvCxnSpPr>
         <p:spPr>
           <a:xfrm flipH="1">
-            <a:off x="12157413" y="3656540"/>
+            <a:off x="21301413" y="12800543"/>
             <a:ext cx="1093476" cy="256227"/>
           </a:xfrm>
           <a:prstGeom prst="straightConnector1">
@@ -8198,7 +8566,7 @@
         </p:nvSpPr>
         <p:spPr>
           <a:xfrm>
-            <a:off x="11344589" y="3912767"/>
+            <a:off x="20488589" y="13056770"/>
             <a:ext cx="1625648" cy="374745"/>
           </a:xfrm>
           <a:prstGeom prst="round2DiagRect">
@@ -8272,7 +8640,7 @@
         </p:nvCxnSpPr>
         <p:spPr>
           <a:xfrm>
-            <a:off x="12157415" y="4287512"/>
+            <a:off x="21301418" y="13431515"/>
             <a:ext cx="1055251" cy="328059"/>
           </a:xfrm>
           <a:prstGeom prst="straightConnector1">
@@ -8311,7 +8679,7 @@
         </p:nvSpPr>
         <p:spPr>
           <a:xfrm>
-            <a:off x="6267631" y="3081825"/>
+            <a:off x="15411634" y="12225825"/>
             <a:ext cx="2848225" cy="387144"/>
           </a:xfrm>
           <a:prstGeom prst="rect">
@@ -8363,7 +8731,7 @@
         </p:nvCxnSpPr>
         <p:spPr>
           <a:xfrm flipV="1">
-            <a:off x="7290735" y="3468972"/>
+            <a:off x="16434735" y="12612975"/>
             <a:ext cx="201212" cy="681669"/>
           </a:xfrm>
           <a:prstGeom prst="straightConnector1">
@@ -8405,7 +8773,7 @@
         </p:nvCxnSpPr>
         <p:spPr>
           <a:xfrm flipV="1">
-            <a:off x="7491947" y="2022121"/>
+            <a:off x="16635947" y="11166124"/>
             <a:ext cx="567088" cy="1059707"/>
           </a:xfrm>
           <a:prstGeom prst="straightConnector1">
@@ -8444,7 +8812,7 @@
         </p:nvSpPr>
         <p:spPr>
           <a:xfrm>
-            <a:off x="8059035" y="1800036"/>
+            <a:off x="17203035" y="10944036"/>
             <a:ext cx="985710" cy="444166"/>
           </a:xfrm>
           <a:prstGeom prst="round2DiagRect">
@@ -8511,7 +8879,7 @@
         </p:nvSpPr>
         <p:spPr>
           <a:xfrm>
-            <a:off x="6797880" y="4150639"/>
+            <a:off x="15941880" y="13294639"/>
             <a:ext cx="985710" cy="444166"/>
           </a:xfrm>
           <a:prstGeom prst="round2DiagRect">
@@ -8570,7 +8938,7 @@
         </p:nvCxnSpPr>
         <p:spPr>
           <a:xfrm flipV="1">
-            <a:off x="7411865" y="4702520"/>
+            <a:off x="16555865" y="13846523"/>
             <a:ext cx="0" cy="347309"/>
           </a:xfrm>
           <a:prstGeom prst="straightConnector1">
@@ -8609,7 +8977,7 @@
         </p:nvSpPr>
         <p:spPr>
           <a:xfrm>
-            <a:off x="6761834" y="5049827"/>
+            <a:off x="15905834" y="14193827"/>
             <a:ext cx="1300062" cy="387144"/>
           </a:xfrm>
           <a:prstGeom prst="rect">
@@ -8662,7 +9030,7 @@
         </p:nvCxnSpPr>
         <p:spPr>
           <a:xfrm flipV="1">
-            <a:off x="7411865" y="2022121"/>
+            <a:off x="16555865" y="11166124"/>
             <a:ext cx="647170" cy="16119"/>
           </a:xfrm>
           <a:prstGeom prst="straightConnector1">
@@ -8701,7 +9069,7 @@
         </p:nvSpPr>
         <p:spPr>
           <a:xfrm>
-            <a:off x="6573687" y="1844666"/>
+            <a:off x="15717687" y="10988666"/>
             <a:ext cx="838178" cy="387144"/>
           </a:xfrm>
           <a:prstGeom prst="rect">
@@ -8766,7 +9134,7 @@
         </p:nvCxnSpPr>
         <p:spPr>
           <a:xfrm flipH="1">
-            <a:off x="16584780" y="3661680"/>
+            <a:off x="25728780" y="12805683"/>
             <a:ext cx="742778" cy="319221"/>
           </a:xfrm>
           <a:prstGeom prst="straightConnector1">
@@ -8805,7 +9173,7 @@
         </p:nvSpPr>
         <p:spPr>
           <a:xfrm>
-            <a:off x="16555375" y="3468106"/>
+            <a:off x="25699378" y="12612106"/>
             <a:ext cx="772185" cy="387144"/>
           </a:xfrm>
           <a:prstGeom prst="rect">
@@ -8873,7 +9241,7 @@
         </p:nvCxnSpPr>
         <p:spPr>
           <a:xfrm flipH="1">
-            <a:off x="16377795" y="6733154"/>
+            <a:off x="25521798" y="15877154"/>
             <a:ext cx="83225" cy="290986"/>
           </a:xfrm>
           <a:prstGeom prst="straightConnector1">
@@ -8912,7 +9280,7 @@
         </p:nvSpPr>
         <p:spPr>
           <a:xfrm>
-            <a:off x="15679832" y="7024142"/>
+            <a:off x="24823835" y="16168145"/>
             <a:ext cx="1395925" cy="869987"/>
           </a:xfrm>
           <a:prstGeom prst="round2DiagRect">
@@ -8975,7 +9343,7 @@
         </p:nvCxnSpPr>
         <p:spPr>
           <a:xfrm flipH="1" flipV="1">
-            <a:off x="15400264" y="7440893"/>
+            <a:off x="24544264" y="16584896"/>
             <a:ext cx="279566" cy="18243"/>
           </a:xfrm>
           <a:prstGeom prst="straightConnector1">
@@ -9014,7 +9382,7 @@
         </p:nvSpPr>
         <p:spPr>
           <a:xfrm>
-            <a:off x="13885995" y="7167791"/>
+            <a:off x="23029998" y="16311794"/>
             <a:ext cx="1514271" cy="546203"/>
           </a:xfrm>
           <a:prstGeom prst="rect">
@@ -9101,7 +9469,7 @@
         </p:nvCxnSpPr>
         <p:spPr>
           <a:xfrm>
-            <a:off x="11176343" y="5165685"/>
+            <a:off x="20320343" y="14309685"/>
             <a:ext cx="9178" cy="155428"/>
           </a:xfrm>
           <a:prstGeom prst="straightConnector1">
@@ -9140,7 +9508,7 @@
         </p:nvSpPr>
         <p:spPr>
           <a:xfrm>
-            <a:off x="10860154" y="4778541"/>
+            <a:off x="20004154" y="13922541"/>
             <a:ext cx="632378" cy="387144"/>
           </a:xfrm>
           <a:prstGeom prst="rect">
@@ -9193,7 +9561,7 @@
         </p:nvSpPr>
         <p:spPr>
           <a:xfrm>
-            <a:off x="10540525" y="5321113"/>
+            <a:off x="19684528" y="14465113"/>
             <a:ext cx="1289995" cy="444166"/>
           </a:xfrm>
           <a:prstGeom prst="round2DiagRect">
@@ -9256,7 +9624,7 @@
         </p:nvCxnSpPr>
         <p:spPr>
           <a:xfrm>
-            <a:off x="11185523" y="5765279"/>
+            <a:off x="20329526" y="14909279"/>
             <a:ext cx="3451" cy="155428"/>
           </a:xfrm>
           <a:prstGeom prst="straightConnector1">
@@ -9295,7 +9663,7 @@
         </p:nvSpPr>
         <p:spPr>
           <a:xfrm>
-            <a:off x="10721878" y="5920709"/>
+            <a:off x="19865881" y="15064712"/>
             <a:ext cx="934191" cy="546203"/>
           </a:xfrm>
           <a:prstGeom prst="rect">
@@ -9379,7 +9747,7 @@
         </p:nvCxnSpPr>
         <p:spPr>
           <a:xfrm flipH="1">
-            <a:off x="13691821" y="7440891"/>
+            <a:off x="22835821" y="16584891"/>
             <a:ext cx="194172" cy="26770"/>
           </a:xfrm>
           <a:prstGeom prst="straightConnector1">
@@ -9418,7 +9786,7 @@
         </p:nvSpPr>
         <p:spPr>
           <a:xfrm>
-            <a:off x="12295898" y="7071973"/>
+            <a:off x="21439901" y="16215973"/>
             <a:ext cx="1395925" cy="791376"/>
           </a:xfrm>
           <a:prstGeom prst="round2DiagRect">
@@ -9481,7 +9849,7 @@
         </p:nvCxnSpPr>
         <p:spPr>
           <a:xfrm flipH="1" flipV="1">
-            <a:off x="12101724" y="7413302"/>
+            <a:off x="21245724" y="16557305"/>
             <a:ext cx="194172" cy="54361"/>
           </a:xfrm>
           <a:prstGeom prst="straightConnector1">
@@ -9520,7 +9888,7 @@
         </p:nvSpPr>
         <p:spPr>
           <a:xfrm>
-            <a:off x="10587455" y="7140200"/>
+            <a:off x="19731458" y="16284203"/>
             <a:ext cx="1514271" cy="546203"/>
           </a:xfrm>
           <a:prstGeom prst="rect">
@@ -9604,7 +9972,7 @@
         </p:nvCxnSpPr>
         <p:spPr>
           <a:xfrm>
-            <a:off x="9044747" y="2022121"/>
+            <a:off x="18188750" y="11166124"/>
             <a:ext cx="534077" cy="496719"/>
           </a:xfrm>
           <a:prstGeom prst="straightConnector1">
@@ -9643,7 +10011,7 @@
         </p:nvSpPr>
         <p:spPr>
           <a:xfrm>
-            <a:off x="12274638" y="7863349"/>
+            <a:off x="21418641" y="17007349"/>
             <a:ext cx="1514271" cy="1456566"/>
           </a:xfrm>
           <a:prstGeom prst="rect">
@@ -9771,7 +10139,7 @@
         </p:nvSpPr>
         <p:spPr>
           <a:xfrm>
-            <a:off x="5311104" y="6192561"/>
+            <a:off x="14455104" y="15336561"/>
             <a:ext cx="985710" cy="387144"/>
           </a:xfrm>
           <a:prstGeom prst="rect">
@@ -9835,7 +10203,7 @@
         </p:nvCxnSpPr>
         <p:spPr>
           <a:xfrm>
-            <a:off x="6296814" y="6386135"/>
+            <a:off x="15440814" y="15530138"/>
             <a:ext cx="425872" cy="51867"/>
           </a:xfrm>
           <a:prstGeom prst="straightConnector1">
@@ -9874,7 +10242,7 @@
         </p:nvSpPr>
         <p:spPr>
           <a:xfrm>
-            <a:off x="6722686" y="6215917"/>
+            <a:off x="15866686" y="15359917"/>
             <a:ext cx="1033264" cy="444166"/>
           </a:xfrm>
           <a:prstGeom prst="round2DiagRect">
@@ -9934,7 +10302,7 @@
         </p:nvCxnSpPr>
         <p:spPr>
           <a:xfrm flipV="1">
-            <a:off x="7755950" y="6433624"/>
+            <a:off x="16899950" y="15577624"/>
             <a:ext cx="194172" cy="4376"/>
           </a:xfrm>
           <a:prstGeom prst="straightConnector1">
@@ -9973,7 +10341,7 @@
         </p:nvSpPr>
         <p:spPr>
           <a:xfrm>
-            <a:off x="7950124" y="6240052"/>
+            <a:off x="17094127" y="15384052"/>
             <a:ext cx="1842217" cy="387144"/>
           </a:xfrm>
           <a:prstGeom prst="rect">
@@ -10037,7 +10405,7 @@
         </p:nvSpPr>
         <p:spPr>
           <a:xfrm>
-            <a:off x="5265702" y="7290765"/>
+            <a:off x="14409702" y="16434765"/>
             <a:ext cx="985710" cy="387144"/>
           </a:xfrm>
           <a:prstGeom prst="rect">
@@ -10101,7 +10469,7 @@
         </p:nvCxnSpPr>
         <p:spPr>
           <a:xfrm>
-            <a:off x="6251414" y="7484339"/>
+            <a:off x="15395417" y="16628342"/>
             <a:ext cx="366837" cy="51867"/>
           </a:xfrm>
           <a:prstGeom prst="straightConnector1">
@@ -10140,7 +10508,7 @@
         </p:nvSpPr>
         <p:spPr>
           <a:xfrm>
-            <a:off x="6618251" y="7314121"/>
+            <a:off x="15762254" y="16458121"/>
             <a:ext cx="1092299" cy="444166"/>
           </a:xfrm>
           <a:prstGeom prst="round2DiagRect">
@@ -10200,7 +10568,7 @@
         </p:nvCxnSpPr>
         <p:spPr>
           <a:xfrm flipV="1">
-            <a:off x="7710548" y="7279899"/>
+            <a:off x="16854548" y="16423902"/>
             <a:ext cx="158128" cy="256307"/>
           </a:xfrm>
           <a:prstGeom prst="straightConnector1">
@@ -10239,7 +10607,7 @@
         </p:nvSpPr>
         <p:spPr>
           <a:xfrm>
-            <a:off x="7868676" y="6844905"/>
+            <a:off x="17012676" y="15988908"/>
             <a:ext cx="1961642" cy="869987"/>
           </a:xfrm>
           <a:prstGeom prst="rect">
@@ -10331,7 +10699,7 @@
         </p:nvCxnSpPr>
         <p:spPr>
           <a:xfrm flipV="1">
-            <a:off x="9830320" y="6814104"/>
+            <a:off x="18974323" y="15958107"/>
             <a:ext cx="193573" cy="465795"/>
           </a:xfrm>
           <a:prstGeom prst="straightConnector1">
@@ -10370,7 +10738,7 @@
         </p:nvSpPr>
         <p:spPr>
           <a:xfrm>
-            <a:off x="10023891" y="6592019"/>
+            <a:off x="19167891" y="15736019"/>
             <a:ext cx="1033264" cy="444166"/>
           </a:xfrm>
           <a:prstGeom prst="round2DiagRect">
@@ -10446,7 +10814,7 @@
         </p:nvCxnSpPr>
         <p:spPr>
           <a:xfrm>
-            <a:off x="11057155" y="6814102"/>
+            <a:off x="20201155" y="15958102"/>
             <a:ext cx="287434" cy="326096"/>
           </a:xfrm>
           <a:prstGeom prst="straightConnector1">
@@ -10485,7 +10853,7 @@
         </p:nvSpPr>
         <p:spPr>
           <a:xfrm>
-            <a:off x="14127782" y="4577316"/>
+            <a:off x="23271782" y="13721316"/>
             <a:ext cx="3457404" cy="387144"/>
           </a:xfrm>
           <a:prstGeom prst="rect">
@@ -10555,7 +10923,7 @@
         </p:nvCxnSpPr>
         <p:spPr>
           <a:xfrm>
-            <a:off x="8849497" y="7714892"/>
+            <a:off x="17993497" y="16858895"/>
             <a:ext cx="20706" cy="179237"/>
           </a:xfrm>
           <a:prstGeom prst="straightConnector1">
@@ -10594,7 +10962,7 @@
         </p:nvSpPr>
         <p:spPr>
           <a:xfrm>
-            <a:off x="8515321" y="8369549"/>
+            <a:off x="17659324" y="17513549"/>
             <a:ext cx="1136609" cy="444166"/>
           </a:xfrm>
           <a:prstGeom prst="round2DiagRect">
@@ -10661,7 +11029,7 @@
         </p:nvCxnSpPr>
         <p:spPr>
           <a:xfrm>
-            <a:off x="9651930" y="8591633"/>
+            <a:off x="18795933" y="17735636"/>
             <a:ext cx="383611" cy="26335"/>
           </a:xfrm>
           <a:prstGeom prst="straightConnector1">
@@ -10700,7 +11068,7 @@
         </p:nvSpPr>
         <p:spPr>
           <a:xfrm>
-            <a:off x="7889382" y="7894129"/>
+            <a:off x="17033382" y="17038132"/>
             <a:ext cx="1961642" cy="235627"/>
           </a:xfrm>
           <a:prstGeom prst="rect">
@@ -10756,7 +11124,7 @@
         </p:nvCxnSpPr>
         <p:spPr>
           <a:xfrm>
-            <a:off x="8870203" y="8129755"/>
+            <a:off x="18014203" y="17273755"/>
             <a:ext cx="213422" cy="239794"/>
           </a:xfrm>
           <a:prstGeom prst="straightConnector1">
@@ -10799,7 +11167,7 @@
         </p:nvCxnSpPr>
         <p:spPr>
           <a:xfrm>
-            <a:off x="9651930" y="8591633"/>
+            <a:off x="18795933" y="17735636"/>
             <a:ext cx="807549" cy="380913"/>
           </a:xfrm>
           <a:prstGeom prst="straightConnector1">
@@ -10838,7 +11206,7 @@
         </p:nvSpPr>
         <p:spPr>
           <a:xfrm>
-            <a:off x="10035540" y="8500154"/>
+            <a:off x="19179540" y="17644157"/>
             <a:ext cx="1961642" cy="235627"/>
           </a:xfrm>
           <a:prstGeom prst="rect">
@@ -10890,7 +11258,7 @@
         </p:nvSpPr>
         <p:spPr>
           <a:xfrm>
-            <a:off x="9311785" y="8972545"/>
+            <a:off x="18455788" y="18116545"/>
             <a:ext cx="2295387" cy="177554"/>
           </a:xfrm>
           <a:prstGeom prst="rect">
@@ -10946,7 +11314,7 @@
         </p:nvCxnSpPr>
         <p:spPr>
           <a:xfrm flipH="1">
-            <a:off x="10443990" y="9150100"/>
+            <a:off x="19587990" y="18294103"/>
             <a:ext cx="15488" cy="1485915"/>
           </a:xfrm>
           <a:prstGeom prst="straightConnector1">
@@ -10989,7 +11357,7 @@
         </p:nvCxnSpPr>
         <p:spPr>
           <a:xfrm>
-            <a:off x="10459478" y="9150099"/>
+            <a:off x="19603478" y="18294099"/>
             <a:ext cx="344308" cy="263084"/>
           </a:xfrm>
           <a:prstGeom prst="straightConnector1">
@@ -11028,7 +11396,7 @@
         </p:nvSpPr>
         <p:spPr>
           <a:xfrm>
-            <a:off x="10803787" y="9191100"/>
+            <a:off x="19947790" y="18335100"/>
             <a:ext cx="1377491" cy="444166"/>
           </a:xfrm>
           <a:prstGeom prst="round2DiagRect">
@@ -11095,7 +11463,7 @@
         </p:nvCxnSpPr>
         <p:spPr>
           <a:xfrm>
-            <a:off x="11492532" y="9635267"/>
+            <a:off x="20636532" y="18779270"/>
             <a:ext cx="222872" cy="181455"/>
           </a:xfrm>
           <a:prstGeom prst="straightConnector1">
@@ -11138,7 +11506,7 @@
         </p:nvCxnSpPr>
         <p:spPr>
           <a:xfrm flipH="1">
-            <a:off x="10443990" y="9809306"/>
+            <a:off x="19587990" y="18953309"/>
             <a:ext cx="2746686" cy="826709"/>
           </a:xfrm>
           <a:prstGeom prst="straightConnector1">
@@ -11177,7 +11545,7 @@
         </p:nvSpPr>
         <p:spPr>
           <a:xfrm>
-            <a:off x="12432684" y="9617761"/>
+            <a:off x="21576684" y="18761761"/>
             <a:ext cx="1515984" cy="191544"/>
           </a:xfrm>
           <a:prstGeom prst="rect">
@@ -11233,7 +11601,7 @@
         </p:nvCxnSpPr>
         <p:spPr>
           <a:xfrm flipH="1">
-            <a:off x="7691743" y="10013101"/>
+            <a:off x="16835746" y="19157104"/>
             <a:ext cx="4023661" cy="1321413"/>
           </a:xfrm>
           <a:prstGeom prst="straightConnector1">
@@ -11276,7 +11644,7 @@
         </p:nvCxnSpPr>
         <p:spPr>
           <a:xfrm flipH="1">
-            <a:off x="7691743" y="9150099"/>
+            <a:off x="16835743" y="18294102"/>
             <a:ext cx="2767736" cy="2184415"/>
           </a:xfrm>
           <a:prstGeom prst="straightConnector1">
@@ -11319,7 +11687,7 @@
         </p:nvCxnSpPr>
         <p:spPr>
           <a:xfrm flipH="1">
-            <a:off x="7691743" y="9809305"/>
+            <a:off x="16835746" y="18953308"/>
             <a:ext cx="5498933" cy="1525209"/>
           </a:xfrm>
           <a:prstGeom prst="straightConnector1">
@@ -11362,7 +11730,7 @@
         </p:nvCxnSpPr>
         <p:spPr>
           <a:xfrm>
-            <a:off x="12181278" y="9413183"/>
+            <a:off x="21325281" y="18557183"/>
             <a:ext cx="1009399" cy="204578"/>
           </a:xfrm>
           <a:prstGeom prst="straightConnector1">
@@ -11401,7 +11769,7 @@
         </p:nvSpPr>
         <p:spPr>
           <a:xfrm>
-            <a:off x="10807345" y="9816721"/>
+            <a:off x="19951345" y="18960721"/>
             <a:ext cx="1816118" cy="196380"/>
           </a:xfrm>
           <a:prstGeom prst="rect">
@@ -11454,7 +11822,7 @@
         </p:nvSpPr>
         <p:spPr>
           <a:xfrm>
-            <a:off x="9755245" y="10636014"/>
+            <a:off x="18899248" y="19780014"/>
             <a:ext cx="1377491" cy="444166"/>
           </a:xfrm>
           <a:prstGeom prst="round2DiagRect">
@@ -11522,7 +11890,7 @@
         </p:nvCxnSpPr>
         <p:spPr>
           <a:xfrm flipH="1">
-            <a:off x="10443990" y="10013102"/>
+            <a:off x="19587990" y="19157105"/>
             <a:ext cx="1271414" cy="622913"/>
           </a:xfrm>
           <a:prstGeom prst="straightConnector1">
@@ -11565,7 +11933,7 @@
         </p:nvCxnSpPr>
         <p:spPr>
           <a:xfrm flipV="1">
-            <a:off x="11132736" y="10804216"/>
+            <a:off x="20276736" y="19948219"/>
             <a:ext cx="1066074" cy="53881"/>
           </a:xfrm>
           <a:prstGeom prst="straightConnector1">
@@ -11604,7 +11972,7 @@
         </p:nvSpPr>
         <p:spPr>
           <a:xfrm>
-            <a:off x="12198810" y="10715439"/>
+            <a:off x="21342813" y="19859439"/>
             <a:ext cx="2295387" cy="177554"/>
           </a:xfrm>
           <a:prstGeom prst="rect">
@@ -11656,7 +12024,7 @@
         </p:nvSpPr>
         <p:spPr>
           <a:xfrm>
-            <a:off x="6509751" y="8440838"/>
+            <a:off x="15653754" y="17584838"/>
             <a:ext cx="1842217" cy="444166"/>
           </a:xfrm>
           <a:prstGeom prst="round2DiagRect">
@@ -11724,7 +12092,7 @@
         </p:nvCxnSpPr>
         <p:spPr>
           <a:xfrm flipH="1">
-            <a:off x="7430859" y="8129756"/>
+            <a:off x="16574859" y="17273759"/>
             <a:ext cx="1439344" cy="311083"/>
           </a:xfrm>
           <a:prstGeom prst="straightConnector1">
@@ -11767,7 +12135,7 @@
         </p:nvCxnSpPr>
         <p:spPr>
           <a:xfrm>
-            <a:off x="7430860" y="8885004"/>
+            <a:off x="16574863" y="18029004"/>
             <a:ext cx="211949" cy="273180"/>
           </a:xfrm>
           <a:prstGeom prst="straightConnector1">
@@ -11806,7 +12174,7 @@
         </p:nvSpPr>
         <p:spPr>
           <a:xfrm>
-            <a:off x="6992777" y="9158185"/>
+            <a:off x="16136780" y="18302188"/>
             <a:ext cx="1300063" cy="248847"/>
           </a:xfrm>
           <a:prstGeom prst="rect">
@@ -11862,7 +12230,7 @@
         </p:nvCxnSpPr>
         <p:spPr>
           <a:xfrm>
-            <a:off x="7642808" y="9407032"/>
+            <a:off x="16786808" y="18551035"/>
             <a:ext cx="2801182" cy="1228983"/>
           </a:xfrm>
           <a:prstGeom prst="straightConnector1">
@@ -11905,7 +12273,7 @@
         </p:nvCxnSpPr>
         <p:spPr>
           <a:xfrm flipV="1">
-            <a:off x="10443991" y="11018994"/>
+            <a:off x="19587994" y="20162994"/>
             <a:ext cx="1754819" cy="61186"/>
           </a:xfrm>
           <a:prstGeom prst="straightConnector1">
@@ -11944,7 +12312,7 @@
         </p:nvSpPr>
         <p:spPr>
           <a:xfrm>
-            <a:off x="12198810" y="10930217"/>
+            <a:off x="21342813" y="20074217"/>
             <a:ext cx="2295387" cy="177554"/>
           </a:xfrm>
           <a:prstGeom prst="rect">
@@ -12000,7 +12368,7 @@
         </p:nvCxnSpPr>
         <p:spPr>
           <a:xfrm>
-            <a:off x="10443991" y="11080180"/>
+            <a:off x="19587994" y="20224180"/>
             <a:ext cx="1658537" cy="176946"/>
           </a:xfrm>
           <a:prstGeom prst="straightConnector1">
@@ -12039,7 +12407,7 @@
         </p:nvSpPr>
         <p:spPr>
           <a:xfrm>
-            <a:off x="12102528" y="11159448"/>
+            <a:off x="21246528" y="20303451"/>
             <a:ext cx="2392418" cy="195355"/>
           </a:xfrm>
           <a:prstGeom prst="rect">
@@ -12091,7 +12459,7 @@
         </p:nvSpPr>
         <p:spPr>
           <a:xfrm>
-            <a:off x="11567644" y="11444184"/>
+            <a:off x="20711647" y="20588187"/>
             <a:ext cx="2936959" cy="232195"/>
           </a:xfrm>
           <a:prstGeom prst="rect">
@@ -12142,7 +12510,7 @@
         </p:nvSpPr>
         <p:spPr>
           <a:xfrm>
-            <a:off x="7002997" y="11334514"/>
+            <a:off x="16147000" y="20478514"/>
             <a:ext cx="1377491" cy="444166"/>
           </a:xfrm>
           <a:prstGeom prst="round2DiagRect">
@@ -12226,7 +12594,7 @@
         </p:nvCxnSpPr>
         <p:spPr>
           <a:xfrm>
-            <a:off x="7642809" y="9407032"/>
+            <a:off x="16786809" y="18551032"/>
             <a:ext cx="48934" cy="1927482"/>
           </a:xfrm>
           <a:prstGeom prst="straightConnector1">
@@ -12269,7 +12637,7 @@
         </p:nvCxnSpPr>
         <p:spPr>
           <a:xfrm>
-            <a:off x="7691743" y="11778680"/>
+            <a:off x="16835746" y="20922683"/>
             <a:ext cx="4498989" cy="105037"/>
           </a:xfrm>
           <a:prstGeom prst="straightConnector1">
@@ -12308,7 +12676,7 @@
         </p:nvSpPr>
         <p:spPr>
           <a:xfrm>
-            <a:off x="12190732" y="11794940"/>
+            <a:off x="21334735" y="20938940"/>
             <a:ext cx="2295387" cy="177554"/>
           </a:xfrm>
           <a:prstGeom prst="rect">
@@ -12360,7 +12728,7 @@
         </p:nvSpPr>
         <p:spPr>
           <a:xfrm>
-            <a:off x="15362775" y="11401208"/>
+            <a:off x="24506775" y="20545208"/>
             <a:ext cx="2030038" cy="177554"/>
           </a:xfrm>
           <a:prstGeom prst="rect">
@@ -12412,7 +12780,7 @@
         </p:nvSpPr>
         <p:spPr>
           <a:xfrm>
-            <a:off x="14494946" y="10706100"/>
+            <a:off x="23638946" y="19850100"/>
             <a:ext cx="852516" cy="1600200"/>
           </a:xfrm>
           <a:prstGeom prst="rightBrace">
@@ -12468,7 +12836,7 @@
         </p:nvCxnSpPr>
         <p:spPr>
           <a:xfrm>
-            <a:off x="8516518" y="12102697"/>
+            <a:off x="17660518" y="21246700"/>
             <a:ext cx="3682292" cy="109519"/>
           </a:xfrm>
           <a:prstGeom prst="straightConnector1">
@@ -12507,7 +12875,7 @@
         </p:nvSpPr>
         <p:spPr>
           <a:xfrm>
-            <a:off x="12198810" y="12123439"/>
+            <a:off x="21342813" y="21267439"/>
             <a:ext cx="2295387" cy="177554"/>
           </a:xfrm>
           <a:prstGeom prst="rect">
@@ -12559,7 +12927,7 @@
         </p:nvSpPr>
         <p:spPr>
           <a:xfrm>
-            <a:off x="6954381" y="11880614"/>
+            <a:off x="16098384" y="21024614"/>
             <a:ext cx="1562137" cy="444166"/>
           </a:xfrm>
           <a:prstGeom prst="round2DiagRect">
@@ -12623,7 +12991,7 @@
         </p:nvSpPr>
         <p:spPr>
           <a:xfrm>
-            <a:off x="7691743" y="13087114"/>
+            <a:off x="16835746" y="22231114"/>
             <a:ext cx="1562137" cy="444166"/>
           </a:xfrm>
           <a:prstGeom prst="round2DiagRect">
@@ -12691,7 +13059,7 @@
         </p:nvCxnSpPr>
         <p:spPr>
           <a:xfrm flipV="1">
-            <a:off x="9253880" y="13095369"/>
+            <a:off x="18397880" y="22239369"/>
             <a:ext cx="1263218" cy="213828"/>
           </a:xfrm>
           <a:prstGeom prst="straightConnector1">
@@ -12730,7 +13098,7 @@
         </p:nvSpPr>
         <p:spPr>
           <a:xfrm>
-            <a:off x="10517098" y="12983340"/>
+            <a:off x="19661098" y="22127343"/>
             <a:ext cx="2861336" cy="224057"/>
           </a:xfrm>
           <a:prstGeom prst="rect">
@@ -12782,7 +13150,7 @@
         </p:nvSpPr>
         <p:spPr>
           <a:xfrm>
-            <a:off x="10656693" y="13281705"/>
+            <a:off x="19800696" y="22425708"/>
             <a:ext cx="2623693" cy="197387"/>
           </a:xfrm>
           <a:prstGeom prst="rect">
@@ -12834,7 +13202,7 @@
         </p:nvSpPr>
         <p:spPr>
           <a:xfrm>
-            <a:off x="10662469" y="13511328"/>
+            <a:off x="19806469" y="22655331"/>
             <a:ext cx="3126440" cy="213809"/>
           </a:xfrm>
           <a:prstGeom prst="rect">
@@ -12890,7 +13258,7 @@
         </p:nvCxnSpPr>
         <p:spPr>
           <a:xfrm>
-            <a:off x="9253880" y="13309197"/>
+            <a:off x="18397883" y="22453197"/>
             <a:ext cx="1402813" cy="71202"/>
           </a:xfrm>
           <a:prstGeom prst="straightConnector1">
@@ -12933,7 +13301,7 @@
         </p:nvCxnSpPr>
         <p:spPr>
           <a:xfrm>
-            <a:off x="9253880" y="13309197"/>
+            <a:off x="18397883" y="22453197"/>
             <a:ext cx="1408589" cy="309036"/>
           </a:xfrm>
           <a:prstGeom prst="straightConnector1">
@@ -12972,7 +13340,7 @@
         </p:nvSpPr>
         <p:spPr>
           <a:xfrm>
-            <a:off x="13602403" y="12845814"/>
+            <a:off x="22746406" y="21989814"/>
             <a:ext cx="1562137" cy="444166"/>
           </a:xfrm>
           <a:prstGeom prst="round2DiagRect">
@@ -13040,7 +13408,7 @@
         </p:nvCxnSpPr>
         <p:spPr>
           <a:xfrm flipV="1">
-            <a:off x="15164540" y="12864799"/>
+            <a:off x="24308540" y="22008799"/>
             <a:ext cx="1263218" cy="203098"/>
           </a:xfrm>
           <a:prstGeom prst="straightConnector1">
@@ -13079,7 +13447,7 @@
         </p:nvSpPr>
         <p:spPr>
           <a:xfrm>
-            <a:off x="16427758" y="12763500"/>
+            <a:off x="25571758" y="21907503"/>
             <a:ext cx="3033976" cy="202597"/>
           </a:xfrm>
           <a:prstGeom prst="rect">
@@ -13131,7 +13499,7 @@
         </p:nvSpPr>
         <p:spPr>
           <a:xfrm>
-            <a:off x="16567353" y="13040405"/>
+            <a:off x="25711356" y="22184408"/>
             <a:ext cx="2623693" cy="197387"/>
           </a:xfrm>
           <a:prstGeom prst="rect">
@@ -13183,7 +13551,7 @@
         </p:nvSpPr>
         <p:spPr>
           <a:xfrm>
-            <a:off x="16573129" y="13270028"/>
+            <a:off x="25717129" y="22414031"/>
             <a:ext cx="3126440" cy="213809"/>
           </a:xfrm>
           <a:prstGeom prst="rect">
@@ -13239,7 +13607,7 @@
         </p:nvCxnSpPr>
         <p:spPr>
           <a:xfrm>
-            <a:off x="15164540" y="13067897"/>
+            <a:off x="24308543" y="22211897"/>
             <a:ext cx="1402813" cy="71202"/>
           </a:xfrm>
           <a:prstGeom prst="straightConnector1">
@@ -13282,7 +13650,7 @@
         </p:nvCxnSpPr>
         <p:spPr>
           <a:xfrm>
-            <a:off x="15164540" y="13067897"/>
+            <a:off x="24308543" y="22211897"/>
             <a:ext cx="1408589" cy="309036"/>
           </a:xfrm>
           <a:prstGeom prst="straightConnector1">
@@ -13321,7 +13689,7 @@
         </p:nvSpPr>
         <p:spPr>
           <a:xfrm>
-            <a:off x="16584780" y="13576300"/>
+            <a:off x="25728780" y="22720303"/>
             <a:ext cx="4045354" cy="212337"/>
           </a:xfrm>
           <a:prstGeom prst="rect">
@@ -13373,7 +13741,7 @@
         </p:nvSpPr>
         <p:spPr>
           <a:xfrm>
-            <a:off x="16596158" y="13868400"/>
+            <a:off x="25740158" y="23012403"/>
             <a:ext cx="4160976" cy="199637"/>
           </a:xfrm>
           <a:prstGeom prst="rect">
@@ -13429,7 +13797,7 @@
         </p:nvCxnSpPr>
         <p:spPr>
           <a:xfrm>
-            <a:off x="15164540" y="13067897"/>
+            <a:off x="24308540" y="22211897"/>
             <a:ext cx="1420240" cy="614572"/>
           </a:xfrm>
           <a:prstGeom prst="straightConnector1">
@@ -13471,7 +13839,7 @@
         </p:nvCxnSpPr>
         <p:spPr>
           <a:xfrm>
-            <a:off x="15164540" y="13067897"/>
+            <a:off x="24308540" y="22211897"/>
             <a:ext cx="1472414" cy="855872"/>
           </a:xfrm>
           <a:prstGeom prst="straightConnector1">
@@ -13496,6 +13864,2472 @@
           </a:fontRef>
         </p:style>
       </p:cxnSp>
+      <p:sp>
+        <p:nvSpPr>
+          <p:cNvPr id="3" name="Rectangle: Diagonal Corners Rounded 2">
+            <a:extLst>
+              <a:ext uri="{FF2B5EF4-FFF2-40B4-BE49-F238E27FC236}">
+                <a16:creationId xmlns:a16="http://schemas.microsoft.com/office/drawing/2014/main" id="{DD9C8126-4D1F-A2DD-6006-E4A44AC10379}"/>
+              </a:ext>
+            </a:extLst>
+          </p:cNvPr>
+          <p:cNvSpPr/>
+          <p:nvPr/>
+        </p:nvSpPr>
+        <p:spPr>
+          <a:xfrm>
+            <a:off x="16854550" y="23621764"/>
+            <a:ext cx="1681100" cy="444166"/>
+          </a:xfrm>
+          <a:prstGeom prst="round2DiagRect">
+            <a:avLst>
+              <a:gd name="adj1" fmla="val 16667"/>
+              <a:gd name="adj2" fmla="val 50000"/>
+            </a:avLst>
+          </a:prstGeom>
+          <a:solidFill>
+            <a:schemeClr val="accent4"/>
+          </a:solidFill>
+        </p:spPr>
+        <p:style>
+          <a:lnRef idx="2">
+            <a:schemeClr val="accent1">
+              <a:shade val="15000"/>
+            </a:schemeClr>
+          </a:lnRef>
+          <a:fillRef idx="1">
+            <a:schemeClr val="accent1"/>
+          </a:fillRef>
+          <a:effectRef idx="0">
+            <a:schemeClr val="accent1"/>
+          </a:effectRef>
+          <a:fontRef idx="minor">
+            <a:schemeClr val="lt1"/>
+          </a:fontRef>
+        </p:style>
+        <p:txBody>
+          <a:bodyPr rtlCol="0" anchor="ctr"/>
+          <a:lstStyle/>
+          <a:p>
+            <a:pPr algn="ctr"/>
+            <a:r>
+              <a:rPr lang="en-US" sz="900" b="1" dirty="0"/>
+              <a:t>contrastive_top_bottom.py.py</a:t>
+            </a:r>
+            <a:endParaRPr lang="en-US" sz="900" dirty="0"/>
+          </a:p>
+        </p:txBody>
+      </p:sp>
+      <p:sp>
+        <p:nvSpPr>
+          <p:cNvPr id="18" name="Rectangle 17">
+            <a:extLst>
+              <a:ext uri="{FF2B5EF4-FFF2-40B4-BE49-F238E27FC236}">
+                <a16:creationId xmlns:a16="http://schemas.microsoft.com/office/drawing/2014/main" id="{BE7BC4F0-C710-0CCD-AD55-2927560925E6}"/>
+              </a:ext>
+            </a:extLst>
+          </p:cNvPr>
+          <p:cNvSpPr/>
+          <p:nvPr/>
+        </p:nvSpPr>
+        <p:spPr>
+          <a:xfrm>
+            <a:off x="19283634" y="23668555"/>
+            <a:ext cx="4355312" cy="429504"/>
+          </a:xfrm>
+          <a:prstGeom prst="rect">
+            <a:avLst/>
+          </a:prstGeom>
+          <a:solidFill>
+            <a:schemeClr val="accent4"/>
+          </a:solidFill>
+        </p:spPr>
+        <p:style>
+          <a:lnRef idx="2">
+            <a:schemeClr val="accent1">
+              <a:shade val="15000"/>
+            </a:schemeClr>
+          </a:lnRef>
+          <a:fillRef idx="1">
+            <a:schemeClr val="accent1"/>
+          </a:fillRef>
+          <a:effectRef idx="0">
+            <a:schemeClr val="accent1"/>
+          </a:effectRef>
+          <a:fontRef idx="minor">
+            <a:schemeClr val="lt1"/>
+          </a:fontRef>
+        </p:style>
+        <p:txBody>
+          <a:bodyPr rtlCol="0" anchor="ctr"/>
+          <a:lstStyle/>
+          <a:p>
+            <a:r>
+              <a:rPr lang="en-US" sz="1050" dirty="0"/>
+              <a:t>contrast_adapt40_buf009_thr050_logit_l1_coefs.csv (CV AUC ~ 0.599)</a:t>
+            </a:r>
+          </a:p>
+        </p:txBody>
+      </p:sp>
+      <p:cxnSp>
+        <p:nvCxnSpPr>
+          <p:cNvPr id="24" name="Straight Arrow Connector 23">
+            <a:extLst>
+              <a:ext uri="{FF2B5EF4-FFF2-40B4-BE49-F238E27FC236}">
+                <a16:creationId xmlns:a16="http://schemas.microsoft.com/office/drawing/2014/main" id="{54F3EFE2-134B-E335-29DC-C43208B326BC}"/>
+              </a:ext>
+            </a:extLst>
+          </p:cNvPr>
+          <p:cNvCxnSpPr>
+            <a:cxnSpLocks/>
+            <a:stCxn id="3" idx="0"/>
+            <a:endCxn id="18" idx="1"/>
+          </p:cNvCxnSpPr>
+          <p:nvPr/>
+        </p:nvCxnSpPr>
+        <p:spPr>
+          <a:xfrm>
+            <a:off x="18535650" y="23843847"/>
+            <a:ext cx="747984" cy="39460"/>
+          </a:xfrm>
+          <a:prstGeom prst="straightConnector1">
+            <a:avLst/>
+          </a:prstGeom>
+          <a:ln w="57150">
+            <a:tailEnd type="triangle"/>
+          </a:ln>
+        </p:spPr>
+        <p:style>
+          <a:lnRef idx="2">
+            <a:schemeClr val="accent1"/>
+          </a:lnRef>
+          <a:fillRef idx="0">
+            <a:schemeClr val="accent1"/>
+          </a:fillRef>
+          <a:effectRef idx="1">
+            <a:schemeClr val="accent1"/>
+          </a:effectRef>
+          <a:fontRef idx="minor">
+            <a:schemeClr val="tx1"/>
+          </a:fontRef>
+        </p:style>
+      </p:cxnSp>
+      <p:sp>
+        <p:nvSpPr>
+          <p:cNvPr id="38" name="Rectangle 37">
+            <a:extLst>
+              <a:ext uri="{FF2B5EF4-FFF2-40B4-BE49-F238E27FC236}">
+                <a16:creationId xmlns:a16="http://schemas.microsoft.com/office/drawing/2014/main" id="{4C05B3C0-A8D9-9D5A-5E0A-FFECEB5DD973}"/>
+              </a:ext>
+            </a:extLst>
+          </p:cNvPr>
+          <p:cNvSpPr/>
+          <p:nvPr/>
+        </p:nvSpPr>
+        <p:spPr>
+          <a:xfrm>
+            <a:off x="18916475" y="24290087"/>
+            <a:ext cx="4355312" cy="429504"/>
+          </a:xfrm>
+          <a:prstGeom prst="rect">
+            <a:avLst/>
+          </a:prstGeom>
+          <a:solidFill>
+            <a:schemeClr val="accent4"/>
+          </a:solidFill>
+        </p:spPr>
+        <p:style>
+          <a:lnRef idx="2">
+            <a:schemeClr val="accent1">
+              <a:shade val="15000"/>
+            </a:schemeClr>
+          </a:lnRef>
+          <a:fillRef idx="1">
+            <a:schemeClr val="accent1"/>
+          </a:fillRef>
+          <a:effectRef idx="0">
+            <a:schemeClr val="accent1"/>
+          </a:effectRef>
+          <a:fontRef idx="minor">
+            <a:schemeClr val="lt1"/>
+          </a:fontRef>
+        </p:style>
+        <p:txBody>
+          <a:bodyPr rtlCol="0" anchor="ctr"/>
+          <a:lstStyle/>
+          <a:p>
+            <a:r>
+              <a:rPr lang="en-US" sz="1050" dirty="0"/>
+              <a:t>Stat summary in: </a:t>
+            </a:r>
+            <a:r>
+              <a:rPr lang="en-US" sz="1050" dirty="0" err="1"/>
+              <a:t>contrastivestatsummary_from</a:t>
+            </a:r>
+            <a:r>
+              <a:rPr lang="en-US" sz="1050" dirty="0"/>
+              <a:t> </a:t>
+            </a:r>
+            <a:r>
+              <a:rPr lang="en-US" sz="1050" dirty="0" err="1"/>
+              <a:t>naiveish</a:t>
+            </a:r>
+            <a:r>
+              <a:rPr lang="en-US" sz="1050" dirty="0"/>
+              <a:t> adaptive.txt</a:t>
+            </a:r>
+          </a:p>
+        </p:txBody>
+      </p:sp>
+      <p:cxnSp>
+        <p:nvCxnSpPr>
+          <p:cNvPr id="41" name="Straight Arrow Connector 40">
+            <a:extLst>
+              <a:ext uri="{FF2B5EF4-FFF2-40B4-BE49-F238E27FC236}">
+                <a16:creationId xmlns:a16="http://schemas.microsoft.com/office/drawing/2014/main" id="{87F57D21-4A35-B51E-6BAC-5E388631AC91}"/>
+              </a:ext>
+            </a:extLst>
+          </p:cNvPr>
+          <p:cNvCxnSpPr>
+            <a:cxnSpLocks/>
+            <a:stCxn id="3" idx="1"/>
+            <a:endCxn id="38" idx="1"/>
+          </p:cNvCxnSpPr>
+          <p:nvPr/>
+        </p:nvCxnSpPr>
+        <p:spPr>
+          <a:xfrm>
+            <a:off x="17695100" y="24065930"/>
+            <a:ext cx="1221375" cy="438909"/>
+          </a:xfrm>
+          <a:prstGeom prst="straightConnector1">
+            <a:avLst/>
+          </a:prstGeom>
+          <a:ln w="57150">
+            <a:tailEnd type="triangle"/>
+          </a:ln>
+        </p:spPr>
+        <p:style>
+          <a:lnRef idx="2">
+            <a:schemeClr val="accent1"/>
+          </a:lnRef>
+          <a:fillRef idx="0">
+            <a:schemeClr val="accent1"/>
+          </a:fillRef>
+          <a:effectRef idx="1">
+            <a:schemeClr val="accent1"/>
+          </a:effectRef>
+          <a:fontRef idx="minor">
+            <a:schemeClr val="tx1"/>
+          </a:fontRef>
+        </p:style>
+      </p:cxnSp>
+      <p:sp>
+        <p:nvSpPr>
+          <p:cNvPr id="45" name="Rectangle: Diagonal Corners Rounded 44">
+            <a:extLst>
+              <a:ext uri="{FF2B5EF4-FFF2-40B4-BE49-F238E27FC236}">
+                <a16:creationId xmlns:a16="http://schemas.microsoft.com/office/drawing/2014/main" id="{BFE56029-EDEF-94E6-037B-63FF0C783BA2}"/>
+              </a:ext>
+            </a:extLst>
+          </p:cNvPr>
+          <p:cNvSpPr/>
+          <p:nvPr/>
+        </p:nvSpPr>
+        <p:spPr>
+          <a:xfrm>
+            <a:off x="24308540" y="24333237"/>
+            <a:ext cx="1671540" cy="444166"/>
+          </a:xfrm>
+          <a:prstGeom prst="round2DiagRect">
+            <a:avLst>
+              <a:gd name="adj1" fmla="val 16667"/>
+              <a:gd name="adj2" fmla="val 50000"/>
+            </a:avLst>
+          </a:prstGeom>
+          <a:solidFill>
+            <a:schemeClr val="accent4"/>
+          </a:solidFill>
+        </p:spPr>
+        <p:style>
+          <a:lnRef idx="2">
+            <a:schemeClr val="accent1">
+              <a:shade val="15000"/>
+            </a:schemeClr>
+          </a:lnRef>
+          <a:fillRef idx="1">
+            <a:schemeClr val="accent1"/>
+          </a:fillRef>
+          <a:effectRef idx="0">
+            <a:schemeClr val="accent1"/>
+          </a:effectRef>
+          <a:fontRef idx="minor">
+            <a:schemeClr val="lt1"/>
+          </a:fontRef>
+        </p:style>
+        <p:txBody>
+          <a:bodyPr rtlCol="0" anchor="ctr"/>
+          <a:lstStyle/>
+          <a:p>
+            <a:pPr algn="ctr"/>
+            <a:r>
+              <a:rPr lang="en-US" sz="900" b="1" dirty="0" err="1"/>
+              <a:t>Augment_value_features</a:t>
+            </a:r>
+            <a:endParaRPr lang="en-US" sz="900" b="1" dirty="0"/>
+          </a:p>
+          <a:p>
+            <a:pPr algn="ctr"/>
+            <a:r>
+              <a:rPr lang="en-US" sz="900" b="1" dirty="0"/>
+              <a:t>.py</a:t>
+            </a:r>
+            <a:endParaRPr lang="en-US" sz="900" dirty="0"/>
+          </a:p>
+        </p:txBody>
+      </p:sp>
+      <p:cxnSp>
+        <p:nvCxnSpPr>
+          <p:cNvPr id="49" name="Straight Arrow Connector 48">
+            <a:extLst>
+              <a:ext uri="{FF2B5EF4-FFF2-40B4-BE49-F238E27FC236}">
+                <a16:creationId xmlns:a16="http://schemas.microsoft.com/office/drawing/2014/main" id="{357F5552-5B01-A8AE-B993-AD88FB73836C}"/>
+              </a:ext>
+            </a:extLst>
+          </p:cNvPr>
+          <p:cNvCxnSpPr>
+            <a:cxnSpLocks/>
+            <a:stCxn id="45" idx="0"/>
+            <a:endCxn id="53" idx="1"/>
+          </p:cNvCxnSpPr>
+          <p:nvPr/>
+        </p:nvCxnSpPr>
+        <p:spPr>
+          <a:xfrm flipV="1">
+            <a:off x="25980080" y="24152262"/>
+            <a:ext cx="712578" cy="403061"/>
+          </a:xfrm>
+          <a:prstGeom prst="straightConnector1">
+            <a:avLst/>
+          </a:prstGeom>
+          <a:ln w="57150">
+            <a:tailEnd type="triangle"/>
+          </a:ln>
+        </p:spPr>
+        <p:style>
+          <a:lnRef idx="2">
+            <a:schemeClr val="accent1"/>
+          </a:lnRef>
+          <a:fillRef idx="0">
+            <a:schemeClr val="accent1"/>
+          </a:fillRef>
+          <a:effectRef idx="1">
+            <a:schemeClr val="accent1"/>
+          </a:effectRef>
+          <a:fontRef idx="minor">
+            <a:schemeClr val="tx1"/>
+          </a:fontRef>
+        </p:style>
+      </p:cxnSp>
+      <p:sp>
+        <p:nvSpPr>
+          <p:cNvPr id="53" name="Rectangle 52">
+            <a:extLst>
+              <a:ext uri="{FF2B5EF4-FFF2-40B4-BE49-F238E27FC236}">
+                <a16:creationId xmlns:a16="http://schemas.microsoft.com/office/drawing/2014/main" id="{FFCA49A9-9DDB-95C7-3D67-C3AC3C0E2543}"/>
+              </a:ext>
+            </a:extLst>
+          </p:cNvPr>
+          <p:cNvSpPr/>
+          <p:nvPr/>
+        </p:nvSpPr>
+        <p:spPr>
+          <a:xfrm>
+            <a:off x="26692661" y="24006630"/>
+            <a:ext cx="2205285" cy="291258"/>
+          </a:xfrm>
+          <a:prstGeom prst="rect">
+            <a:avLst/>
+          </a:prstGeom>
+          <a:solidFill>
+            <a:schemeClr val="accent4"/>
+          </a:solidFill>
+        </p:spPr>
+        <p:style>
+          <a:lnRef idx="2">
+            <a:schemeClr val="accent1">
+              <a:shade val="15000"/>
+            </a:schemeClr>
+          </a:lnRef>
+          <a:fillRef idx="1">
+            <a:schemeClr val="accent1"/>
+          </a:fillRef>
+          <a:effectRef idx="0">
+            <a:schemeClr val="accent1"/>
+          </a:effectRef>
+          <a:fontRef idx="minor">
+            <a:schemeClr val="lt1"/>
+          </a:fontRef>
+        </p:style>
+        <p:txBody>
+          <a:bodyPr rtlCol="0" anchor="ctr"/>
+          <a:lstStyle/>
+          <a:p>
+            <a:pPr algn="ctr"/>
+            <a:r>
+              <a:rPr lang="en-US" sz="1050" dirty="0"/>
+              <a:t>Mdp_features_for_value_model_v2.csv</a:t>
+            </a:r>
+          </a:p>
+        </p:txBody>
+      </p:sp>
+      <p:cxnSp>
+        <p:nvCxnSpPr>
+          <p:cNvPr id="58" name="Straight Arrow Connector 57">
+            <a:extLst>
+              <a:ext uri="{FF2B5EF4-FFF2-40B4-BE49-F238E27FC236}">
+                <a16:creationId xmlns:a16="http://schemas.microsoft.com/office/drawing/2014/main" id="{3F651003-BFFF-A1A2-9CC2-D780F67D232E}"/>
+              </a:ext>
+            </a:extLst>
+          </p:cNvPr>
+          <p:cNvCxnSpPr>
+            <a:cxnSpLocks/>
+            <a:stCxn id="45" idx="0"/>
+            <a:endCxn id="60" idx="1"/>
+          </p:cNvCxnSpPr>
+          <p:nvPr/>
+        </p:nvCxnSpPr>
+        <p:spPr>
+          <a:xfrm flipV="1">
+            <a:off x="25980083" y="24507408"/>
+            <a:ext cx="855453" cy="47915"/>
+          </a:xfrm>
+          <a:prstGeom prst="straightConnector1">
+            <a:avLst/>
+          </a:prstGeom>
+          <a:ln w="57150">
+            <a:tailEnd type="triangle"/>
+          </a:ln>
+        </p:spPr>
+        <p:style>
+          <a:lnRef idx="2">
+            <a:schemeClr val="accent1"/>
+          </a:lnRef>
+          <a:fillRef idx="0">
+            <a:schemeClr val="accent1"/>
+          </a:fillRef>
+          <a:effectRef idx="1">
+            <a:schemeClr val="accent1"/>
+          </a:effectRef>
+          <a:fontRef idx="minor">
+            <a:schemeClr val="tx1"/>
+          </a:fontRef>
+        </p:style>
+      </p:cxnSp>
+      <p:sp>
+        <p:nvSpPr>
+          <p:cNvPr id="60" name="Rectangle 59">
+            <a:extLst>
+              <a:ext uri="{FF2B5EF4-FFF2-40B4-BE49-F238E27FC236}">
+                <a16:creationId xmlns:a16="http://schemas.microsoft.com/office/drawing/2014/main" id="{5B456575-2816-CFC9-C2DD-66F38C11E976}"/>
+              </a:ext>
+            </a:extLst>
+          </p:cNvPr>
+          <p:cNvSpPr/>
+          <p:nvPr/>
+        </p:nvSpPr>
+        <p:spPr>
+          <a:xfrm>
+            <a:off x="26835533" y="24354972"/>
+            <a:ext cx="1685038" cy="304866"/>
+          </a:xfrm>
+          <a:prstGeom prst="rect">
+            <a:avLst/>
+          </a:prstGeom>
+          <a:solidFill>
+            <a:schemeClr val="accent4"/>
+          </a:solidFill>
+        </p:spPr>
+        <p:style>
+          <a:lnRef idx="2">
+            <a:schemeClr val="accent1">
+              <a:shade val="15000"/>
+            </a:schemeClr>
+          </a:lnRef>
+          <a:fillRef idx="1">
+            <a:schemeClr val="accent1"/>
+          </a:fillRef>
+          <a:effectRef idx="0">
+            <a:schemeClr val="accent1"/>
+          </a:effectRef>
+          <a:fontRef idx="minor">
+            <a:schemeClr val="lt1"/>
+          </a:fontRef>
+        </p:style>
+        <p:txBody>
+          <a:bodyPr rtlCol="0" anchor="ctr"/>
+          <a:lstStyle/>
+          <a:p>
+            <a:pPr algn="ctr"/>
+            <a:r>
+              <a:rPr lang="en-US" sz="1050" dirty="0"/>
+              <a:t>value_model_features_v2.json</a:t>
+            </a:r>
+          </a:p>
+        </p:txBody>
+      </p:sp>
+      <p:cxnSp>
+        <p:nvCxnSpPr>
+          <p:cNvPr id="62" name="Straight Arrow Connector 61">
+            <a:extLst>
+              <a:ext uri="{FF2B5EF4-FFF2-40B4-BE49-F238E27FC236}">
+                <a16:creationId xmlns:a16="http://schemas.microsoft.com/office/drawing/2014/main" id="{52F87037-B05B-5605-1911-18DA34472422}"/>
+              </a:ext>
+            </a:extLst>
+          </p:cNvPr>
+          <p:cNvCxnSpPr>
+            <a:cxnSpLocks/>
+            <a:stCxn id="48" idx="2"/>
+            <a:endCxn id="45" idx="3"/>
+          </p:cNvCxnSpPr>
+          <p:nvPr/>
+        </p:nvCxnSpPr>
+        <p:spPr>
+          <a:xfrm>
+            <a:off x="19603482" y="18294099"/>
+            <a:ext cx="5540831" cy="6039138"/>
+          </a:xfrm>
+          <a:prstGeom prst="straightConnector1">
+            <a:avLst/>
+          </a:prstGeom>
+          <a:ln w="57150">
+            <a:tailEnd type="triangle"/>
+          </a:ln>
+        </p:spPr>
+        <p:style>
+          <a:lnRef idx="2">
+            <a:schemeClr val="accent1"/>
+          </a:lnRef>
+          <a:fillRef idx="0">
+            <a:schemeClr val="accent1"/>
+          </a:fillRef>
+          <a:effectRef idx="1">
+            <a:schemeClr val="accent1"/>
+          </a:effectRef>
+          <a:fontRef idx="minor">
+            <a:schemeClr val="tx1"/>
+          </a:fontRef>
+        </p:style>
+      </p:cxnSp>
+      <p:sp>
+        <p:nvSpPr>
+          <p:cNvPr id="68" name="Rectangle: Diagonal Corners Rounded 67">
+            <a:extLst>
+              <a:ext uri="{FF2B5EF4-FFF2-40B4-BE49-F238E27FC236}">
+                <a16:creationId xmlns:a16="http://schemas.microsoft.com/office/drawing/2014/main" id="{EBBD9E1D-F32B-FEF2-3749-9CCFA69027ED}"/>
+              </a:ext>
+            </a:extLst>
+          </p:cNvPr>
+          <p:cNvSpPr/>
+          <p:nvPr/>
+        </p:nvSpPr>
+        <p:spPr>
+          <a:xfrm>
+            <a:off x="28757169" y="24442093"/>
+            <a:ext cx="1671540" cy="444166"/>
+          </a:xfrm>
+          <a:prstGeom prst="round2DiagRect">
+            <a:avLst>
+              <a:gd name="adj1" fmla="val 16667"/>
+              <a:gd name="adj2" fmla="val 50000"/>
+            </a:avLst>
+          </a:prstGeom>
+          <a:solidFill>
+            <a:schemeClr val="accent4"/>
+          </a:solidFill>
+        </p:spPr>
+        <p:style>
+          <a:lnRef idx="2">
+            <a:schemeClr val="accent1">
+              <a:shade val="15000"/>
+            </a:schemeClr>
+          </a:lnRef>
+          <a:fillRef idx="1">
+            <a:schemeClr val="accent1"/>
+          </a:fillRef>
+          <a:effectRef idx="0">
+            <a:schemeClr val="accent1"/>
+          </a:effectRef>
+          <a:fontRef idx="minor">
+            <a:schemeClr val="lt1"/>
+          </a:fontRef>
+        </p:style>
+        <p:txBody>
+          <a:bodyPr rtlCol="0" anchor="ctr"/>
+          <a:lstStyle/>
+          <a:p>
+            <a:pPr algn="ctr"/>
+            <a:r>
+              <a:rPr lang="en-US" sz="900" b="1" dirty="0"/>
+              <a:t>Dr5_infer_policy_fix</a:t>
+            </a:r>
+          </a:p>
+          <a:p>
+            <a:pPr algn="ctr"/>
+            <a:r>
+              <a:rPr lang="en-US" sz="900" b="1" dirty="0"/>
+              <a:t>.py</a:t>
+            </a:r>
+            <a:endParaRPr lang="en-US" sz="900" dirty="0"/>
+          </a:p>
+        </p:txBody>
+      </p:sp>
+      <p:cxnSp>
+        <p:nvCxnSpPr>
+          <p:cNvPr id="73" name="Straight Arrow Connector 72">
+            <a:extLst>
+              <a:ext uri="{FF2B5EF4-FFF2-40B4-BE49-F238E27FC236}">
+                <a16:creationId xmlns:a16="http://schemas.microsoft.com/office/drawing/2014/main" id="{C9CFD3EC-49BE-3BDB-9D02-7D41BE162689}"/>
+              </a:ext>
+            </a:extLst>
+          </p:cNvPr>
+          <p:cNvCxnSpPr>
+            <a:cxnSpLocks/>
+            <a:stCxn id="53" idx="3"/>
+            <a:endCxn id="68" idx="3"/>
+          </p:cNvCxnSpPr>
+          <p:nvPr/>
+        </p:nvCxnSpPr>
+        <p:spPr>
+          <a:xfrm>
+            <a:off x="28897943" y="24152259"/>
+            <a:ext cx="694996" cy="289834"/>
+          </a:xfrm>
+          <a:prstGeom prst="straightConnector1">
+            <a:avLst/>
+          </a:prstGeom>
+          <a:ln w="57150">
+            <a:tailEnd type="triangle"/>
+          </a:ln>
+        </p:spPr>
+        <p:style>
+          <a:lnRef idx="2">
+            <a:schemeClr val="accent1"/>
+          </a:lnRef>
+          <a:fillRef idx="0">
+            <a:schemeClr val="accent1"/>
+          </a:fillRef>
+          <a:effectRef idx="1">
+            <a:schemeClr val="accent1"/>
+          </a:effectRef>
+          <a:fontRef idx="minor">
+            <a:schemeClr val="tx1"/>
+          </a:fontRef>
+        </p:style>
+      </p:cxnSp>
+      <p:cxnSp>
+        <p:nvCxnSpPr>
+          <p:cNvPr id="82" name="Straight Arrow Connector 81">
+            <a:extLst>
+              <a:ext uri="{FF2B5EF4-FFF2-40B4-BE49-F238E27FC236}">
+                <a16:creationId xmlns:a16="http://schemas.microsoft.com/office/drawing/2014/main" id="{3E099B40-B350-1A54-733D-A677C5868469}"/>
+              </a:ext>
+            </a:extLst>
+          </p:cNvPr>
+          <p:cNvCxnSpPr>
+            <a:cxnSpLocks/>
+            <a:stCxn id="68" idx="1"/>
+            <a:endCxn id="83" idx="1"/>
+          </p:cNvCxnSpPr>
+          <p:nvPr/>
+        </p:nvCxnSpPr>
+        <p:spPr>
+          <a:xfrm>
+            <a:off x="29592942" y="24886259"/>
+            <a:ext cx="387205" cy="231200"/>
+          </a:xfrm>
+          <a:prstGeom prst="straightConnector1">
+            <a:avLst/>
+          </a:prstGeom>
+          <a:ln w="57150">
+            <a:tailEnd type="triangle"/>
+          </a:ln>
+        </p:spPr>
+        <p:style>
+          <a:lnRef idx="2">
+            <a:schemeClr val="accent1"/>
+          </a:lnRef>
+          <a:fillRef idx="0">
+            <a:schemeClr val="accent1"/>
+          </a:fillRef>
+          <a:effectRef idx="1">
+            <a:schemeClr val="accent1"/>
+          </a:effectRef>
+          <a:fontRef idx="minor">
+            <a:schemeClr val="tx1"/>
+          </a:fontRef>
+        </p:style>
+      </p:cxnSp>
+      <p:sp>
+        <p:nvSpPr>
+          <p:cNvPr id="83" name="Rectangle 82">
+            <a:extLst>
+              <a:ext uri="{FF2B5EF4-FFF2-40B4-BE49-F238E27FC236}">
+                <a16:creationId xmlns:a16="http://schemas.microsoft.com/office/drawing/2014/main" id="{7485839B-8A38-5F03-FFAE-BCED9C128517}"/>
+              </a:ext>
+            </a:extLst>
+          </p:cNvPr>
+          <p:cNvSpPr/>
+          <p:nvPr/>
+        </p:nvSpPr>
+        <p:spPr>
+          <a:xfrm>
+            <a:off x="29980147" y="24971830"/>
+            <a:ext cx="2205285" cy="291258"/>
+          </a:xfrm>
+          <a:prstGeom prst="rect">
+            <a:avLst/>
+          </a:prstGeom>
+          <a:solidFill>
+            <a:schemeClr val="accent4"/>
+          </a:solidFill>
+        </p:spPr>
+        <p:style>
+          <a:lnRef idx="2">
+            <a:schemeClr val="accent1">
+              <a:shade val="15000"/>
+            </a:schemeClr>
+          </a:lnRef>
+          <a:fillRef idx="1">
+            <a:schemeClr val="accent1"/>
+          </a:fillRef>
+          <a:effectRef idx="0">
+            <a:schemeClr val="accent1"/>
+          </a:effectRef>
+          <a:fontRef idx="minor">
+            <a:schemeClr val="lt1"/>
+          </a:fontRef>
+        </p:style>
+        <p:txBody>
+          <a:bodyPr rtlCol="0" anchor="ctr"/>
+          <a:lstStyle/>
+          <a:p>
+            <a:pPr algn="ctr"/>
+            <a:r>
+              <a:rPr lang="en-US" sz="1050" dirty="0"/>
+              <a:t>Value_model_lgbm_v2.txt</a:t>
+            </a:r>
+          </a:p>
+        </p:txBody>
+      </p:sp>
+      <p:cxnSp>
+        <p:nvCxnSpPr>
+          <p:cNvPr id="86" name="Straight Arrow Connector 85">
+            <a:extLst>
+              <a:ext uri="{FF2B5EF4-FFF2-40B4-BE49-F238E27FC236}">
+                <a16:creationId xmlns:a16="http://schemas.microsoft.com/office/drawing/2014/main" id="{831E0415-FD09-4E16-2002-251051BD0F0D}"/>
+              </a:ext>
+            </a:extLst>
+          </p:cNvPr>
+          <p:cNvCxnSpPr>
+            <a:cxnSpLocks/>
+            <a:stCxn id="68" idx="1"/>
+            <a:endCxn id="87" idx="1"/>
+          </p:cNvCxnSpPr>
+          <p:nvPr/>
+        </p:nvCxnSpPr>
+        <p:spPr>
+          <a:xfrm>
+            <a:off x="29592942" y="24886262"/>
+            <a:ext cx="442993" cy="586345"/>
+          </a:xfrm>
+          <a:prstGeom prst="straightConnector1">
+            <a:avLst/>
+          </a:prstGeom>
+          <a:ln w="57150">
+            <a:tailEnd type="triangle"/>
+          </a:ln>
+        </p:spPr>
+        <p:style>
+          <a:lnRef idx="2">
+            <a:schemeClr val="accent1"/>
+          </a:lnRef>
+          <a:fillRef idx="0">
+            <a:schemeClr val="accent1"/>
+          </a:fillRef>
+          <a:effectRef idx="1">
+            <a:schemeClr val="accent1"/>
+          </a:effectRef>
+          <a:fontRef idx="minor">
+            <a:schemeClr val="tx1"/>
+          </a:fontRef>
+        </p:style>
+      </p:cxnSp>
+      <p:sp>
+        <p:nvSpPr>
+          <p:cNvPr id="87" name="Rectangle 86">
+            <a:extLst>
+              <a:ext uri="{FF2B5EF4-FFF2-40B4-BE49-F238E27FC236}">
+                <a16:creationId xmlns:a16="http://schemas.microsoft.com/office/drawing/2014/main" id="{5F2962BD-9C56-3568-5FA3-D7FBB7931E47}"/>
+              </a:ext>
+            </a:extLst>
+          </p:cNvPr>
+          <p:cNvSpPr/>
+          <p:nvPr/>
+        </p:nvSpPr>
+        <p:spPr>
+          <a:xfrm>
+            <a:off x="30035932" y="25320171"/>
+            <a:ext cx="1685038" cy="304866"/>
+          </a:xfrm>
+          <a:prstGeom prst="rect">
+            <a:avLst/>
+          </a:prstGeom>
+          <a:solidFill>
+            <a:schemeClr val="accent4"/>
+          </a:solidFill>
+        </p:spPr>
+        <p:style>
+          <a:lnRef idx="2">
+            <a:schemeClr val="accent1">
+              <a:shade val="15000"/>
+            </a:schemeClr>
+          </a:lnRef>
+          <a:fillRef idx="1">
+            <a:schemeClr val="accent1"/>
+          </a:fillRef>
+          <a:effectRef idx="0">
+            <a:schemeClr val="accent1"/>
+          </a:effectRef>
+          <a:fontRef idx="minor">
+            <a:schemeClr val="lt1"/>
+          </a:fontRef>
+        </p:style>
+        <p:txBody>
+          <a:bodyPr rtlCol="0" anchor="ctr"/>
+          <a:lstStyle/>
+          <a:p>
+            <a:pPr algn="ctr"/>
+            <a:r>
+              <a:rPr lang="en-US" sz="1050" dirty="0"/>
+              <a:t>Value_model_features_v2.json</a:t>
+            </a:r>
+          </a:p>
+        </p:txBody>
+      </p:sp>
+      <p:sp>
+        <p:nvSpPr>
+          <p:cNvPr id="96" name="Rectangle: Diagonal Corners Rounded 95">
+            <a:extLst>
+              <a:ext uri="{FF2B5EF4-FFF2-40B4-BE49-F238E27FC236}">
+                <a16:creationId xmlns:a16="http://schemas.microsoft.com/office/drawing/2014/main" id="{81E7408A-51DC-5D08-4893-E24F3E0BBDB5}"/>
+              </a:ext>
+            </a:extLst>
+          </p:cNvPr>
+          <p:cNvSpPr/>
+          <p:nvPr/>
+        </p:nvSpPr>
+        <p:spPr>
+          <a:xfrm>
+            <a:off x="32146255" y="25886264"/>
+            <a:ext cx="1671540" cy="444166"/>
+          </a:xfrm>
+          <a:prstGeom prst="round2DiagRect">
+            <a:avLst>
+              <a:gd name="adj1" fmla="val 16667"/>
+              <a:gd name="adj2" fmla="val 50000"/>
+            </a:avLst>
+          </a:prstGeom>
+          <a:solidFill>
+            <a:schemeClr val="accent4"/>
+          </a:solidFill>
+        </p:spPr>
+        <p:style>
+          <a:lnRef idx="2">
+            <a:schemeClr val="accent1">
+              <a:shade val="15000"/>
+            </a:schemeClr>
+          </a:lnRef>
+          <a:fillRef idx="1">
+            <a:schemeClr val="accent1"/>
+          </a:fillRef>
+          <a:effectRef idx="0">
+            <a:schemeClr val="accent1"/>
+          </a:effectRef>
+          <a:fontRef idx="minor">
+            <a:schemeClr val="lt1"/>
+          </a:fontRef>
+        </p:style>
+        <p:txBody>
+          <a:bodyPr rtlCol="0" anchor="ctr"/>
+          <a:lstStyle/>
+          <a:p>
+            <a:pPr algn="ctr"/>
+            <a:r>
+              <a:rPr lang="en-US" sz="900" b="1" dirty="0" err="1"/>
+              <a:t>Sweep_policy_grid_fast</a:t>
+            </a:r>
+            <a:endParaRPr lang="en-US" sz="900" b="1" dirty="0"/>
+          </a:p>
+          <a:p>
+            <a:pPr algn="ctr"/>
+            <a:r>
+              <a:rPr lang="en-US" sz="900" b="1" dirty="0"/>
+              <a:t>.py</a:t>
+            </a:r>
+            <a:endParaRPr lang="en-US" sz="900" dirty="0"/>
+          </a:p>
+        </p:txBody>
+      </p:sp>
+      <p:cxnSp>
+        <p:nvCxnSpPr>
+          <p:cNvPr id="98" name="Straight Arrow Connector 97">
+            <a:extLst>
+              <a:ext uri="{FF2B5EF4-FFF2-40B4-BE49-F238E27FC236}">
+                <a16:creationId xmlns:a16="http://schemas.microsoft.com/office/drawing/2014/main" id="{953F14CA-B471-7FE8-7621-A9A16EB88F0E}"/>
+              </a:ext>
+            </a:extLst>
+          </p:cNvPr>
+          <p:cNvCxnSpPr>
+            <a:cxnSpLocks/>
+            <a:stCxn id="53" idx="3"/>
+            <a:endCxn id="96" idx="3"/>
+          </p:cNvCxnSpPr>
+          <p:nvPr/>
+        </p:nvCxnSpPr>
+        <p:spPr>
+          <a:xfrm>
+            <a:off x="28897943" y="24152262"/>
+            <a:ext cx="4084082" cy="1734005"/>
+          </a:xfrm>
+          <a:prstGeom prst="straightConnector1">
+            <a:avLst/>
+          </a:prstGeom>
+          <a:ln w="57150">
+            <a:tailEnd type="triangle"/>
+          </a:ln>
+        </p:spPr>
+        <p:style>
+          <a:lnRef idx="2">
+            <a:schemeClr val="accent1"/>
+          </a:lnRef>
+          <a:fillRef idx="0">
+            <a:schemeClr val="accent1"/>
+          </a:fillRef>
+          <a:effectRef idx="1">
+            <a:schemeClr val="accent1"/>
+          </a:effectRef>
+          <a:fontRef idx="minor">
+            <a:schemeClr val="tx1"/>
+          </a:fontRef>
+        </p:style>
+      </p:cxnSp>
+      <p:cxnSp>
+        <p:nvCxnSpPr>
+          <p:cNvPr id="99" name="Straight Arrow Connector 98">
+            <a:extLst>
+              <a:ext uri="{FF2B5EF4-FFF2-40B4-BE49-F238E27FC236}">
+                <a16:creationId xmlns:a16="http://schemas.microsoft.com/office/drawing/2014/main" id="{D71DC337-AD0F-B812-0946-CF2A8ED02300}"/>
+              </a:ext>
+            </a:extLst>
+          </p:cNvPr>
+          <p:cNvCxnSpPr>
+            <a:cxnSpLocks/>
+            <a:stCxn id="96" idx="1"/>
+            <a:endCxn id="103" idx="1"/>
+          </p:cNvCxnSpPr>
+          <p:nvPr/>
+        </p:nvCxnSpPr>
+        <p:spPr>
+          <a:xfrm flipV="1">
+            <a:off x="32982028" y="25806890"/>
+            <a:ext cx="1127433" cy="523543"/>
+          </a:xfrm>
+          <a:prstGeom prst="straightConnector1">
+            <a:avLst/>
+          </a:prstGeom>
+          <a:ln w="57150">
+            <a:tailEnd type="triangle"/>
+          </a:ln>
+        </p:spPr>
+        <p:style>
+          <a:lnRef idx="2">
+            <a:schemeClr val="accent1"/>
+          </a:lnRef>
+          <a:fillRef idx="0">
+            <a:schemeClr val="accent1"/>
+          </a:fillRef>
+          <a:effectRef idx="1">
+            <a:schemeClr val="accent1"/>
+          </a:effectRef>
+          <a:fontRef idx="minor">
+            <a:schemeClr val="tx1"/>
+          </a:fontRef>
+        </p:style>
+      </p:cxnSp>
+      <p:sp>
+        <p:nvSpPr>
+          <p:cNvPr id="103" name="Rectangle 102">
+            <a:extLst>
+              <a:ext uri="{FF2B5EF4-FFF2-40B4-BE49-F238E27FC236}">
+                <a16:creationId xmlns:a16="http://schemas.microsoft.com/office/drawing/2014/main" id="{72C67CE3-C945-8C76-1777-5062AC537172}"/>
+              </a:ext>
+            </a:extLst>
+          </p:cNvPr>
+          <p:cNvSpPr/>
+          <p:nvPr/>
+        </p:nvSpPr>
+        <p:spPr>
+          <a:xfrm>
+            <a:off x="34109461" y="25661258"/>
+            <a:ext cx="2205285" cy="291258"/>
+          </a:xfrm>
+          <a:prstGeom prst="rect">
+            <a:avLst/>
+          </a:prstGeom>
+          <a:solidFill>
+            <a:schemeClr val="accent4"/>
+          </a:solidFill>
+        </p:spPr>
+        <p:style>
+          <a:lnRef idx="2">
+            <a:schemeClr val="accent1">
+              <a:shade val="15000"/>
+            </a:schemeClr>
+          </a:lnRef>
+          <a:fillRef idx="1">
+            <a:schemeClr val="accent1"/>
+          </a:fillRef>
+          <a:effectRef idx="0">
+            <a:schemeClr val="accent1"/>
+          </a:effectRef>
+          <a:fontRef idx="minor">
+            <a:schemeClr val="lt1"/>
+          </a:fontRef>
+        </p:style>
+        <p:txBody>
+          <a:bodyPr rtlCol="0" anchor="ctr"/>
+          <a:lstStyle/>
+          <a:p>
+            <a:pPr algn="ctr"/>
+            <a:r>
+              <a:rPr lang="en-US" sz="1050" dirty="0"/>
+              <a:t>Sweep_v2_results.csv</a:t>
+            </a:r>
+          </a:p>
+        </p:txBody>
+      </p:sp>
+      <p:cxnSp>
+        <p:nvCxnSpPr>
+          <p:cNvPr id="109" name="Straight Arrow Connector 108">
+            <a:extLst>
+              <a:ext uri="{FF2B5EF4-FFF2-40B4-BE49-F238E27FC236}">
+                <a16:creationId xmlns:a16="http://schemas.microsoft.com/office/drawing/2014/main" id="{178F2D1A-CCD9-21E4-0318-8384B324C4E8}"/>
+              </a:ext>
+            </a:extLst>
+          </p:cNvPr>
+          <p:cNvCxnSpPr>
+            <a:cxnSpLocks/>
+            <a:stCxn id="83" idx="3"/>
+            <a:endCxn id="96" idx="3"/>
+          </p:cNvCxnSpPr>
+          <p:nvPr/>
+        </p:nvCxnSpPr>
+        <p:spPr>
+          <a:xfrm>
+            <a:off x="32185429" y="25117462"/>
+            <a:ext cx="796596" cy="768805"/>
+          </a:xfrm>
+          <a:prstGeom prst="straightConnector1">
+            <a:avLst/>
+          </a:prstGeom>
+          <a:ln w="57150">
+            <a:tailEnd type="triangle"/>
+          </a:ln>
+        </p:spPr>
+        <p:style>
+          <a:lnRef idx="2">
+            <a:schemeClr val="accent1"/>
+          </a:lnRef>
+          <a:fillRef idx="0">
+            <a:schemeClr val="accent1"/>
+          </a:fillRef>
+          <a:effectRef idx="1">
+            <a:schemeClr val="accent1"/>
+          </a:effectRef>
+          <a:fontRef idx="minor">
+            <a:schemeClr val="tx1"/>
+          </a:fontRef>
+        </p:style>
+      </p:cxnSp>
+      <p:cxnSp>
+        <p:nvCxnSpPr>
+          <p:cNvPr id="113" name="Straight Arrow Connector 112">
+            <a:extLst>
+              <a:ext uri="{FF2B5EF4-FFF2-40B4-BE49-F238E27FC236}">
+                <a16:creationId xmlns:a16="http://schemas.microsoft.com/office/drawing/2014/main" id="{57932D9F-187E-2F9D-EDCC-45AD8A38AFBF}"/>
+              </a:ext>
+            </a:extLst>
+          </p:cNvPr>
+          <p:cNvCxnSpPr>
+            <a:cxnSpLocks/>
+            <a:stCxn id="87" idx="3"/>
+            <a:endCxn id="96" idx="3"/>
+          </p:cNvCxnSpPr>
+          <p:nvPr/>
+        </p:nvCxnSpPr>
+        <p:spPr>
+          <a:xfrm>
+            <a:off x="31720973" y="25472604"/>
+            <a:ext cx="1261055" cy="413660"/>
+          </a:xfrm>
+          <a:prstGeom prst="straightConnector1">
+            <a:avLst/>
+          </a:prstGeom>
+          <a:ln w="57150">
+            <a:tailEnd type="triangle"/>
+          </a:ln>
+        </p:spPr>
+        <p:style>
+          <a:lnRef idx="2">
+            <a:schemeClr val="accent1"/>
+          </a:lnRef>
+          <a:fillRef idx="0">
+            <a:schemeClr val="accent1"/>
+          </a:fillRef>
+          <a:effectRef idx="1">
+            <a:schemeClr val="accent1"/>
+          </a:effectRef>
+          <a:fontRef idx="minor">
+            <a:schemeClr val="tx1"/>
+          </a:fontRef>
+        </p:style>
+      </p:cxnSp>
+      <p:sp>
+        <p:nvSpPr>
+          <p:cNvPr id="116" name="Rectangle: Diagonal Corners Rounded 115">
+            <a:extLst>
+              <a:ext uri="{FF2B5EF4-FFF2-40B4-BE49-F238E27FC236}">
+                <a16:creationId xmlns:a16="http://schemas.microsoft.com/office/drawing/2014/main" id="{8BF20B2F-5E14-CD51-030C-6F5030137896}"/>
+              </a:ext>
+            </a:extLst>
+          </p:cNvPr>
+          <p:cNvSpPr/>
+          <p:nvPr/>
+        </p:nvSpPr>
+        <p:spPr>
+          <a:xfrm>
+            <a:off x="28222728" y="25740093"/>
+            <a:ext cx="1671540" cy="444166"/>
+          </a:xfrm>
+          <a:prstGeom prst="round2DiagRect">
+            <a:avLst>
+              <a:gd name="adj1" fmla="val 16667"/>
+              <a:gd name="adj2" fmla="val 50000"/>
+            </a:avLst>
+          </a:prstGeom>
+          <a:solidFill>
+            <a:schemeClr val="accent4"/>
+          </a:solidFill>
+        </p:spPr>
+        <p:style>
+          <a:lnRef idx="2">
+            <a:schemeClr val="accent1">
+              <a:shade val="15000"/>
+            </a:schemeClr>
+          </a:lnRef>
+          <a:fillRef idx="1">
+            <a:schemeClr val="accent1"/>
+          </a:fillRef>
+          <a:effectRef idx="0">
+            <a:schemeClr val="accent1"/>
+          </a:effectRef>
+          <a:fontRef idx="minor">
+            <a:schemeClr val="lt1"/>
+          </a:fontRef>
+        </p:style>
+        <p:txBody>
+          <a:bodyPr rtlCol="0" anchor="ctr"/>
+          <a:lstStyle/>
+          <a:p>
+            <a:pPr algn="ctr"/>
+            <a:r>
+              <a:rPr lang="en-US" sz="900" b="1" dirty="0"/>
+              <a:t>ipstrong2</a:t>
+            </a:r>
+          </a:p>
+          <a:p>
+            <a:pPr algn="ctr"/>
+            <a:r>
+              <a:rPr lang="en-US" sz="900" b="1" dirty="0"/>
+              <a:t>.py</a:t>
+            </a:r>
+            <a:endParaRPr lang="en-US" sz="900" dirty="0"/>
+          </a:p>
+        </p:txBody>
+      </p:sp>
+      <p:cxnSp>
+        <p:nvCxnSpPr>
+          <p:cNvPr id="117" name="Straight Arrow Connector 116">
+            <a:extLst>
+              <a:ext uri="{FF2B5EF4-FFF2-40B4-BE49-F238E27FC236}">
+                <a16:creationId xmlns:a16="http://schemas.microsoft.com/office/drawing/2014/main" id="{AFB7BC58-E978-BEFB-CB77-F26B5C16B412}"/>
+              </a:ext>
+            </a:extLst>
+          </p:cNvPr>
+          <p:cNvCxnSpPr>
+            <a:cxnSpLocks/>
+            <a:stCxn id="116" idx="0"/>
+            <a:endCxn id="118" idx="1"/>
+          </p:cNvCxnSpPr>
+          <p:nvPr/>
+        </p:nvCxnSpPr>
+        <p:spPr>
+          <a:xfrm flipH="1">
+            <a:off x="28594034" y="25962179"/>
+            <a:ext cx="1300237" cy="621193"/>
+          </a:xfrm>
+          <a:prstGeom prst="straightConnector1">
+            <a:avLst/>
+          </a:prstGeom>
+          <a:ln w="57150">
+            <a:tailEnd type="triangle"/>
+          </a:ln>
+        </p:spPr>
+        <p:style>
+          <a:lnRef idx="2">
+            <a:schemeClr val="accent1"/>
+          </a:lnRef>
+          <a:fillRef idx="0">
+            <a:schemeClr val="accent1"/>
+          </a:fillRef>
+          <a:effectRef idx="1">
+            <a:schemeClr val="accent1"/>
+          </a:effectRef>
+          <a:fontRef idx="minor">
+            <a:schemeClr val="tx1"/>
+          </a:fontRef>
+        </p:style>
+      </p:cxnSp>
+      <p:sp>
+        <p:nvSpPr>
+          <p:cNvPr id="118" name="Rectangle 117">
+            <a:extLst>
+              <a:ext uri="{FF2B5EF4-FFF2-40B4-BE49-F238E27FC236}">
+                <a16:creationId xmlns:a16="http://schemas.microsoft.com/office/drawing/2014/main" id="{E5E2BAAD-27C2-AAB7-5B7E-D1D34BAE6B44}"/>
+              </a:ext>
+            </a:extLst>
+          </p:cNvPr>
+          <p:cNvSpPr/>
+          <p:nvPr/>
+        </p:nvSpPr>
+        <p:spPr>
+          <a:xfrm>
+            <a:off x="28594034" y="26437740"/>
+            <a:ext cx="2205285" cy="291258"/>
+          </a:xfrm>
+          <a:prstGeom prst="rect">
+            <a:avLst/>
+          </a:prstGeom>
+          <a:solidFill>
+            <a:schemeClr val="accent4"/>
+          </a:solidFill>
+        </p:spPr>
+        <p:style>
+          <a:lnRef idx="2">
+            <a:schemeClr val="accent1">
+              <a:shade val="15000"/>
+            </a:schemeClr>
+          </a:lnRef>
+          <a:fillRef idx="1">
+            <a:schemeClr val="accent1"/>
+          </a:fillRef>
+          <a:effectRef idx="0">
+            <a:schemeClr val="accent1"/>
+          </a:effectRef>
+          <a:fontRef idx="minor">
+            <a:schemeClr val="lt1"/>
+          </a:fontRef>
+        </p:style>
+        <p:txBody>
+          <a:bodyPr rtlCol="0" anchor="ctr"/>
+          <a:lstStyle/>
+          <a:p>
+            <a:pPr algn="ctr"/>
+            <a:r>
+              <a:rPr lang="en-US" sz="1050" dirty="0"/>
+              <a:t>Value_model_lgbm_v2_strong.txt</a:t>
+            </a:r>
+          </a:p>
+        </p:txBody>
+      </p:sp>
+      <p:cxnSp>
+        <p:nvCxnSpPr>
+          <p:cNvPr id="120" name="Straight Arrow Connector 119">
+            <a:extLst>
+              <a:ext uri="{FF2B5EF4-FFF2-40B4-BE49-F238E27FC236}">
+                <a16:creationId xmlns:a16="http://schemas.microsoft.com/office/drawing/2014/main" id="{C4DA9845-4DDA-A6CF-85CE-24A1D96222C2}"/>
+              </a:ext>
+            </a:extLst>
+          </p:cNvPr>
+          <p:cNvCxnSpPr>
+            <a:cxnSpLocks/>
+            <a:stCxn id="116" idx="0"/>
+            <a:endCxn id="121" idx="1"/>
+          </p:cNvCxnSpPr>
+          <p:nvPr/>
+        </p:nvCxnSpPr>
+        <p:spPr>
+          <a:xfrm flipH="1">
+            <a:off x="28649822" y="25962176"/>
+            <a:ext cx="1244449" cy="976338"/>
+          </a:xfrm>
+          <a:prstGeom prst="straightConnector1">
+            <a:avLst/>
+          </a:prstGeom>
+          <a:ln w="57150">
+            <a:tailEnd type="triangle"/>
+          </a:ln>
+        </p:spPr>
+        <p:style>
+          <a:lnRef idx="2">
+            <a:schemeClr val="accent1"/>
+          </a:lnRef>
+          <a:fillRef idx="0">
+            <a:schemeClr val="accent1"/>
+          </a:fillRef>
+          <a:effectRef idx="1">
+            <a:schemeClr val="accent1"/>
+          </a:effectRef>
+          <a:fontRef idx="minor">
+            <a:schemeClr val="tx1"/>
+          </a:fontRef>
+        </p:style>
+      </p:cxnSp>
+      <p:sp>
+        <p:nvSpPr>
+          <p:cNvPr id="121" name="Rectangle 120">
+            <a:extLst>
+              <a:ext uri="{FF2B5EF4-FFF2-40B4-BE49-F238E27FC236}">
+                <a16:creationId xmlns:a16="http://schemas.microsoft.com/office/drawing/2014/main" id="{CA2C91F9-EAEA-239A-3766-7D40ED1C277E}"/>
+              </a:ext>
+            </a:extLst>
+          </p:cNvPr>
+          <p:cNvSpPr/>
+          <p:nvPr/>
+        </p:nvSpPr>
+        <p:spPr>
+          <a:xfrm>
+            <a:off x="28649819" y="26786081"/>
+            <a:ext cx="1685038" cy="304866"/>
+          </a:xfrm>
+          <a:prstGeom prst="rect">
+            <a:avLst/>
+          </a:prstGeom>
+          <a:solidFill>
+            <a:schemeClr val="accent4"/>
+          </a:solidFill>
+        </p:spPr>
+        <p:style>
+          <a:lnRef idx="2">
+            <a:schemeClr val="accent1">
+              <a:shade val="15000"/>
+            </a:schemeClr>
+          </a:lnRef>
+          <a:fillRef idx="1">
+            <a:schemeClr val="accent1"/>
+          </a:fillRef>
+          <a:effectRef idx="0">
+            <a:schemeClr val="accent1"/>
+          </a:effectRef>
+          <a:fontRef idx="minor">
+            <a:schemeClr val="lt1"/>
+          </a:fontRef>
+        </p:style>
+        <p:txBody>
+          <a:bodyPr rtlCol="0" anchor="ctr"/>
+          <a:lstStyle/>
+          <a:p>
+            <a:pPr algn="ctr"/>
+            <a:r>
+              <a:rPr lang="en-US" sz="1050" dirty="0" err="1"/>
+              <a:t>Value_model_features.json</a:t>
+            </a:r>
+            <a:endParaRPr lang="en-US" sz="1050" dirty="0"/>
+          </a:p>
+        </p:txBody>
+      </p:sp>
+      <p:sp>
+        <p:nvSpPr>
+          <p:cNvPr id="124" name="Rectangle: Diagonal Corners Rounded 123">
+            <a:extLst>
+              <a:ext uri="{FF2B5EF4-FFF2-40B4-BE49-F238E27FC236}">
+                <a16:creationId xmlns:a16="http://schemas.microsoft.com/office/drawing/2014/main" id="{5D84574B-EF8B-2936-5793-B756EE380E50}"/>
+              </a:ext>
+            </a:extLst>
+          </p:cNvPr>
+          <p:cNvSpPr/>
+          <p:nvPr/>
+        </p:nvSpPr>
+        <p:spPr>
+          <a:xfrm>
+            <a:off x="31543912" y="26825777"/>
+            <a:ext cx="1671540" cy="444166"/>
+          </a:xfrm>
+          <a:prstGeom prst="round2DiagRect">
+            <a:avLst>
+              <a:gd name="adj1" fmla="val 16667"/>
+              <a:gd name="adj2" fmla="val 50000"/>
+            </a:avLst>
+          </a:prstGeom>
+          <a:solidFill>
+            <a:schemeClr val="accent4"/>
+          </a:solidFill>
+        </p:spPr>
+        <p:style>
+          <a:lnRef idx="2">
+            <a:schemeClr val="accent1">
+              <a:shade val="15000"/>
+            </a:schemeClr>
+          </a:lnRef>
+          <a:fillRef idx="1">
+            <a:schemeClr val="accent1"/>
+          </a:fillRef>
+          <a:effectRef idx="0">
+            <a:schemeClr val="accent1"/>
+          </a:effectRef>
+          <a:fontRef idx="minor">
+            <a:schemeClr val="lt1"/>
+          </a:fontRef>
+        </p:style>
+        <p:txBody>
+          <a:bodyPr rtlCol="0" anchor="ctr"/>
+          <a:lstStyle/>
+          <a:p>
+            <a:pPr algn="ctr"/>
+            <a:r>
+              <a:rPr lang="en-US" sz="900" b="1" dirty="0" err="1"/>
+              <a:t>Sweep_policy_grid_fast</a:t>
+            </a:r>
+            <a:endParaRPr lang="en-US" sz="900" b="1" dirty="0"/>
+          </a:p>
+          <a:p>
+            <a:pPr algn="ctr"/>
+            <a:r>
+              <a:rPr lang="en-US" sz="900" b="1" dirty="0"/>
+              <a:t>.py</a:t>
+            </a:r>
+            <a:endParaRPr lang="en-US" sz="900" dirty="0"/>
+          </a:p>
+        </p:txBody>
+      </p:sp>
+      <p:cxnSp>
+        <p:nvCxnSpPr>
+          <p:cNvPr id="131" name="Straight Arrow Connector 130">
+            <a:extLst>
+              <a:ext uri="{FF2B5EF4-FFF2-40B4-BE49-F238E27FC236}">
+                <a16:creationId xmlns:a16="http://schemas.microsoft.com/office/drawing/2014/main" id="{6FD2F9C9-23C6-ADFB-9427-6228F6F8FA8F}"/>
+              </a:ext>
+            </a:extLst>
+          </p:cNvPr>
+          <p:cNvCxnSpPr>
+            <a:cxnSpLocks/>
+            <a:stCxn id="53" idx="3"/>
+            <a:endCxn id="124" idx="3"/>
+          </p:cNvCxnSpPr>
+          <p:nvPr/>
+        </p:nvCxnSpPr>
+        <p:spPr>
+          <a:xfrm>
+            <a:off x="28897944" y="24152259"/>
+            <a:ext cx="3481738" cy="2673518"/>
+          </a:xfrm>
+          <a:prstGeom prst="straightConnector1">
+            <a:avLst/>
+          </a:prstGeom>
+          <a:ln w="57150">
+            <a:tailEnd type="triangle"/>
+          </a:ln>
+        </p:spPr>
+        <p:style>
+          <a:lnRef idx="2">
+            <a:schemeClr val="accent1"/>
+          </a:lnRef>
+          <a:fillRef idx="0">
+            <a:schemeClr val="accent1"/>
+          </a:fillRef>
+          <a:effectRef idx="1">
+            <a:schemeClr val="accent1"/>
+          </a:effectRef>
+          <a:fontRef idx="minor">
+            <a:schemeClr val="tx1"/>
+          </a:fontRef>
+        </p:style>
+      </p:cxnSp>
+      <p:cxnSp>
+        <p:nvCxnSpPr>
+          <p:cNvPr id="137" name="Straight Arrow Connector 136">
+            <a:extLst>
+              <a:ext uri="{FF2B5EF4-FFF2-40B4-BE49-F238E27FC236}">
+                <a16:creationId xmlns:a16="http://schemas.microsoft.com/office/drawing/2014/main" id="{5217FF77-3245-DB9D-5007-E3F5CFE5992C}"/>
+              </a:ext>
+            </a:extLst>
+          </p:cNvPr>
+          <p:cNvCxnSpPr>
+            <a:cxnSpLocks/>
+            <a:stCxn id="118" idx="3"/>
+            <a:endCxn id="124" idx="2"/>
+          </p:cNvCxnSpPr>
+          <p:nvPr/>
+        </p:nvCxnSpPr>
+        <p:spPr>
+          <a:xfrm>
+            <a:off x="30799319" y="26583371"/>
+            <a:ext cx="744595" cy="464491"/>
+          </a:xfrm>
+          <a:prstGeom prst="straightConnector1">
+            <a:avLst/>
+          </a:prstGeom>
+          <a:ln w="57150">
+            <a:tailEnd type="triangle"/>
+          </a:ln>
+        </p:spPr>
+        <p:style>
+          <a:lnRef idx="2">
+            <a:schemeClr val="accent1"/>
+          </a:lnRef>
+          <a:fillRef idx="0">
+            <a:schemeClr val="accent1"/>
+          </a:fillRef>
+          <a:effectRef idx="1">
+            <a:schemeClr val="accent1"/>
+          </a:effectRef>
+          <a:fontRef idx="minor">
+            <a:schemeClr val="tx1"/>
+          </a:fontRef>
+        </p:style>
+      </p:cxnSp>
+      <p:cxnSp>
+        <p:nvCxnSpPr>
+          <p:cNvPr id="141" name="Straight Arrow Connector 140">
+            <a:extLst>
+              <a:ext uri="{FF2B5EF4-FFF2-40B4-BE49-F238E27FC236}">
+                <a16:creationId xmlns:a16="http://schemas.microsoft.com/office/drawing/2014/main" id="{90251110-ADC2-A10C-5C3B-B07F130E5114}"/>
+              </a:ext>
+            </a:extLst>
+          </p:cNvPr>
+          <p:cNvCxnSpPr>
+            <a:cxnSpLocks/>
+            <a:stCxn id="121" idx="3"/>
+            <a:endCxn id="124" idx="2"/>
+          </p:cNvCxnSpPr>
+          <p:nvPr/>
+        </p:nvCxnSpPr>
+        <p:spPr>
+          <a:xfrm>
+            <a:off x="30334859" y="26938514"/>
+            <a:ext cx="1209055" cy="109346"/>
+          </a:xfrm>
+          <a:prstGeom prst="straightConnector1">
+            <a:avLst/>
+          </a:prstGeom>
+          <a:ln w="57150">
+            <a:tailEnd type="triangle"/>
+          </a:ln>
+        </p:spPr>
+        <p:style>
+          <a:lnRef idx="2">
+            <a:schemeClr val="accent1"/>
+          </a:lnRef>
+          <a:fillRef idx="0">
+            <a:schemeClr val="accent1"/>
+          </a:fillRef>
+          <a:effectRef idx="1">
+            <a:schemeClr val="accent1"/>
+          </a:effectRef>
+          <a:fontRef idx="minor">
+            <a:schemeClr val="tx1"/>
+          </a:fontRef>
+        </p:style>
+      </p:cxnSp>
+      <p:cxnSp>
+        <p:nvCxnSpPr>
+          <p:cNvPr id="144" name="Straight Arrow Connector 143">
+            <a:extLst>
+              <a:ext uri="{FF2B5EF4-FFF2-40B4-BE49-F238E27FC236}">
+                <a16:creationId xmlns:a16="http://schemas.microsoft.com/office/drawing/2014/main" id="{E642B16B-A7BD-C657-CAEA-830E2F2F5ED3}"/>
+              </a:ext>
+            </a:extLst>
+          </p:cNvPr>
+          <p:cNvCxnSpPr>
+            <a:cxnSpLocks/>
+            <a:stCxn id="124" idx="0"/>
+            <a:endCxn id="149" idx="1"/>
+          </p:cNvCxnSpPr>
+          <p:nvPr/>
+        </p:nvCxnSpPr>
+        <p:spPr>
+          <a:xfrm flipV="1">
+            <a:off x="33215454" y="27047861"/>
+            <a:ext cx="741607" cy="1"/>
+          </a:xfrm>
+          <a:prstGeom prst="straightConnector1">
+            <a:avLst/>
+          </a:prstGeom>
+          <a:ln w="57150">
+            <a:tailEnd type="triangle"/>
+          </a:ln>
+        </p:spPr>
+        <p:style>
+          <a:lnRef idx="2">
+            <a:schemeClr val="accent1"/>
+          </a:lnRef>
+          <a:fillRef idx="0">
+            <a:schemeClr val="accent1"/>
+          </a:fillRef>
+          <a:effectRef idx="1">
+            <a:schemeClr val="accent1"/>
+          </a:effectRef>
+          <a:fontRef idx="minor">
+            <a:schemeClr val="tx1"/>
+          </a:fontRef>
+        </p:style>
+      </p:cxnSp>
+      <p:sp>
+        <p:nvSpPr>
+          <p:cNvPr id="149" name="Rectangle 148">
+            <a:extLst>
+              <a:ext uri="{FF2B5EF4-FFF2-40B4-BE49-F238E27FC236}">
+                <a16:creationId xmlns:a16="http://schemas.microsoft.com/office/drawing/2014/main" id="{1FBA064F-0E44-26FE-D1CC-34C999268DA0}"/>
+              </a:ext>
+            </a:extLst>
+          </p:cNvPr>
+          <p:cNvSpPr/>
+          <p:nvPr/>
+        </p:nvSpPr>
+        <p:spPr>
+          <a:xfrm>
+            <a:off x="33957061" y="26902230"/>
+            <a:ext cx="2205285" cy="291258"/>
+          </a:xfrm>
+          <a:prstGeom prst="rect">
+            <a:avLst/>
+          </a:prstGeom>
+          <a:solidFill>
+            <a:schemeClr val="accent4"/>
+          </a:solidFill>
+        </p:spPr>
+        <p:style>
+          <a:lnRef idx="2">
+            <a:schemeClr val="accent1">
+              <a:shade val="15000"/>
+            </a:schemeClr>
+          </a:lnRef>
+          <a:fillRef idx="1">
+            <a:schemeClr val="accent1"/>
+          </a:fillRef>
+          <a:effectRef idx="0">
+            <a:schemeClr val="accent1"/>
+          </a:effectRef>
+          <a:fontRef idx="minor">
+            <a:schemeClr val="lt1"/>
+          </a:fontRef>
+        </p:style>
+        <p:txBody>
+          <a:bodyPr rtlCol="0" anchor="ctr"/>
+          <a:lstStyle/>
+          <a:p>
+            <a:pPr algn="ctr"/>
+            <a:r>
+              <a:rPr lang="en-US" sz="1050" dirty="0"/>
+              <a:t>Sweep_v2_strong_coarse.csv</a:t>
+            </a:r>
+          </a:p>
+        </p:txBody>
+      </p:sp>
+      <p:cxnSp>
+        <p:nvCxnSpPr>
+          <p:cNvPr id="161" name="Straight Arrow Connector 160">
+            <a:extLst>
+              <a:ext uri="{FF2B5EF4-FFF2-40B4-BE49-F238E27FC236}">
+                <a16:creationId xmlns:a16="http://schemas.microsoft.com/office/drawing/2014/main" id="{8134F43C-7FD9-A5BB-E1CE-DF92A9ACBF4B}"/>
+              </a:ext>
+            </a:extLst>
+          </p:cNvPr>
+          <p:cNvCxnSpPr>
+            <a:cxnSpLocks/>
+            <a:stCxn id="124" idx="0"/>
+            <a:endCxn id="162" idx="1"/>
+          </p:cNvCxnSpPr>
+          <p:nvPr/>
+        </p:nvCxnSpPr>
+        <p:spPr>
+          <a:xfrm>
+            <a:off x="33215454" y="27047860"/>
+            <a:ext cx="1532635" cy="442198"/>
+          </a:xfrm>
+          <a:prstGeom prst="straightConnector1">
+            <a:avLst/>
+          </a:prstGeom>
+          <a:ln w="57150">
+            <a:tailEnd type="triangle"/>
+          </a:ln>
+        </p:spPr>
+        <p:style>
+          <a:lnRef idx="2">
+            <a:schemeClr val="accent1"/>
+          </a:lnRef>
+          <a:fillRef idx="0">
+            <a:schemeClr val="accent1"/>
+          </a:fillRef>
+          <a:effectRef idx="1">
+            <a:schemeClr val="accent1"/>
+          </a:effectRef>
+          <a:fontRef idx="minor">
+            <a:schemeClr val="tx1"/>
+          </a:fontRef>
+        </p:style>
+      </p:cxnSp>
+      <p:sp>
+        <p:nvSpPr>
+          <p:cNvPr id="162" name="Rectangle 161">
+            <a:extLst>
+              <a:ext uri="{FF2B5EF4-FFF2-40B4-BE49-F238E27FC236}">
+                <a16:creationId xmlns:a16="http://schemas.microsoft.com/office/drawing/2014/main" id="{AE6E26AE-847C-77BA-4922-02FB5A947CE4}"/>
+              </a:ext>
+            </a:extLst>
+          </p:cNvPr>
+          <p:cNvSpPr/>
+          <p:nvPr/>
+        </p:nvSpPr>
+        <p:spPr>
+          <a:xfrm>
+            <a:off x="34748089" y="27344429"/>
+            <a:ext cx="2205285" cy="291258"/>
+          </a:xfrm>
+          <a:prstGeom prst="rect">
+            <a:avLst/>
+          </a:prstGeom>
+          <a:solidFill>
+            <a:schemeClr val="accent4"/>
+          </a:solidFill>
+        </p:spPr>
+        <p:style>
+          <a:lnRef idx="2">
+            <a:schemeClr val="accent1">
+              <a:shade val="15000"/>
+            </a:schemeClr>
+          </a:lnRef>
+          <a:fillRef idx="1">
+            <a:schemeClr val="accent1"/>
+          </a:fillRef>
+          <a:effectRef idx="0">
+            <a:schemeClr val="accent1"/>
+          </a:effectRef>
+          <a:fontRef idx="minor">
+            <a:schemeClr val="lt1"/>
+          </a:fontRef>
+        </p:style>
+        <p:txBody>
+          <a:bodyPr rtlCol="0" anchor="ctr"/>
+          <a:lstStyle/>
+          <a:p>
+            <a:pPr algn="ctr"/>
+            <a:r>
+              <a:rPr lang="en-US" sz="1050" dirty="0"/>
+              <a:t>Sweep_v2_strong_fine.csv</a:t>
+            </a:r>
+          </a:p>
+        </p:txBody>
+      </p:sp>
+      <p:cxnSp>
+        <p:nvCxnSpPr>
+          <p:cNvPr id="166" name="Straight Arrow Connector 165">
+            <a:extLst>
+              <a:ext uri="{FF2B5EF4-FFF2-40B4-BE49-F238E27FC236}">
+                <a16:creationId xmlns:a16="http://schemas.microsoft.com/office/drawing/2014/main" id="{35FFEBC2-83CD-A615-4A7D-7025D1F42BFF}"/>
+              </a:ext>
+            </a:extLst>
+          </p:cNvPr>
+          <p:cNvCxnSpPr>
+            <a:cxnSpLocks/>
+            <a:stCxn id="124" idx="0"/>
+            <a:endCxn id="167" idx="1"/>
+          </p:cNvCxnSpPr>
+          <p:nvPr/>
+        </p:nvCxnSpPr>
+        <p:spPr>
+          <a:xfrm>
+            <a:off x="33215452" y="27047860"/>
+            <a:ext cx="712580" cy="811828"/>
+          </a:xfrm>
+          <a:prstGeom prst="straightConnector1">
+            <a:avLst/>
+          </a:prstGeom>
+          <a:ln w="57150">
+            <a:tailEnd type="triangle"/>
+          </a:ln>
+        </p:spPr>
+        <p:style>
+          <a:lnRef idx="2">
+            <a:schemeClr val="accent1"/>
+          </a:lnRef>
+          <a:fillRef idx="0">
+            <a:schemeClr val="accent1"/>
+          </a:fillRef>
+          <a:effectRef idx="1">
+            <a:schemeClr val="accent1"/>
+          </a:effectRef>
+          <a:fontRef idx="minor">
+            <a:schemeClr val="tx1"/>
+          </a:fontRef>
+        </p:style>
+      </p:cxnSp>
+      <p:sp>
+        <p:nvSpPr>
+          <p:cNvPr id="167" name="Rectangle 166">
+            <a:extLst>
+              <a:ext uri="{FF2B5EF4-FFF2-40B4-BE49-F238E27FC236}">
+                <a16:creationId xmlns:a16="http://schemas.microsoft.com/office/drawing/2014/main" id="{57F505A1-1742-8250-5676-3AFF1B16D981}"/>
+              </a:ext>
+            </a:extLst>
+          </p:cNvPr>
+          <p:cNvSpPr/>
+          <p:nvPr/>
+        </p:nvSpPr>
+        <p:spPr>
+          <a:xfrm>
+            <a:off x="33928032" y="27714059"/>
+            <a:ext cx="2205285" cy="291258"/>
+          </a:xfrm>
+          <a:prstGeom prst="rect">
+            <a:avLst/>
+          </a:prstGeom>
+          <a:solidFill>
+            <a:schemeClr val="accent4"/>
+          </a:solidFill>
+        </p:spPr>
+        <p:style>
+          <a:lnRef idx="2">
+            <a:schemeClr val="accent1">
+              <a:shade val="15000"/>
+            </a:schemeClr>
+          </a:lnRef>
+          <a:fillRef idx="1">
+            <a:schemeClr val="accent1"/>
+          </a:fillRef>
+          <a:effectRef idx="0">
+            <a:schemeClr val="accent1"/>
+          </a:effectRef>
+          <a:fontRef idx="minor">
+            <a:schemeClr val="lt1"/>
+          </a:fontRef>
+        </p:style>
+        <p:txBody>
+          <a:bodyPr rtlCol="0" anchor="ctr"/>
+          <a:lstStyle/>
+          <a:p>
+            <a:pPr algn="ctr"/>
+            <a:r>
+              <a:rPr lang="en-US" sz="1050" dirty="0"/>
+              <a:t>Sweep_v2_strong_fine2.csv</a:t>
+            </a:r>
+          </a:p>
+        </p:txBody>
+      </p:sp>
+      <p:sp>
+        <p:nvSpPr>
+          <p:cNvPr id="171" name="Rectangle: Diagonal Corners Rounded 170">
+            <a:extLst>
+              <a:ext uri="{FF2B5EF4-FFF2-40B4-BE49-F238E27FC236}">
+                <a16:creationId xmlns:a16="http://schemas.microsoft.com/office/drawing/2014/main" id="{6B6F11B9-ED1B-FB6F-6F58-7896A9CEB850}"/>
+              </a:ext>
+            </a:extLst>
+          </p:cNvPr>
+          <p:cNvSpPr/>
+          <p:nvPr/>
+        </p:nvSpPr>
+        <p:spPr>
+          <a:xfrm>
+            <a:off x="35658712" y="28692677"/>
+            <a:ext cx="1671540" cy="444166"/>
+          </a:xfrm>
+          <a:prstGeom prst="round2DiagRect">
+            <a:avLst>
+              <a:gd name="adj1" fmla="val 16667"/>
+              <a:gd name="adj2" fmla="val 50000"/>
+            </a:avLst>
+          </a:prstGeom>
+          <a:solidFill>
+            <a:schemeClr val="accent4"/>
+          </a:solidFill>
+        </p:spPr>
+        <p:style>
+          <a:lnRef idx="2">
+            <a:schemeClr val="accent1">
+              <a:shade val="15000"/>
+            </a:schemeClr>
+          </a:lnRef>
+          <a:fillRef idx="1">
+            <a:schemeClr val="accent1"/>
+          </a:fillRef>
+          <a:effectRef idx="0">
+            <a:schemeClr val="accent1"/>
+          </a:effectRef>
+          <a:fontRef idx="minor">
+            <a:schemeClr val="lt1"/>
+          </a:fontRef>
+        </p:style>
+        <p:txBody>
+          <a:bodyPr rtlCol="0" anchor="ctr"/>
+          <a:lstStyle/>
+          <a:p>
+            <a:pPr algn="ctr"/>
+            <a:r>
+              <a:rPr lang="en-US" sz="900" b="1" dirty="0"/>
+              <a:t>Monthly_pnl_report</a:t>
+            </a:r>
+          </a:p>
+          <a:p>
+            <a:pPr algn="ctr"/>
+            <a:r>
+              <a:rPr lang="en-US" sz="900" b="1" dirty="0"/>
+              <a:t>.py</a:t>
+            </a:r>
+            <a:endParaRPr lang="en-US" sz="900" dirty="0"/>
+          </a:p>
+        </p:txBody>
+      </p:sp>
+      <p:cxnSp>
+        <p:nvCxnSpPr>
+          <p:cNvPr id="173" name="Straight Arrow Connector 172">
+            <a:extLst>
+              <a:ext uri="{FF2B5EF4-FFF2-40B4-BE49-F238E27FC236}">
+                <a16:creationId xmlns:a16="http://schemas.microsoft.com/office/drawing/2014/main" id="{98C6B026-0ADF-0AA0-D7F4-205BBFF48BF3}"/>
+              </a:ext>
+            </a:extLst>
+          </p:cNvPr>
+          <p:cNvCxnSpPr>
+            <a:cxnSpLocks/>
+            <a:stCxn id="118" idx="3"/>
+            <a:endCxn id="171" idx="2"/>
+          </p:cNvCxnSpPr>
+          <p:nvPr/>
+        </p:nvCxnSpPr>
+        <p:spPr>
+          <a:xfrm>
+            <a:off x="30799319" y="26583369"/>
+            <a:ext cx="4859393" cy="2331391"/>
+          </a:xfrm>
+          <a:prstGeom prst="straightConnector1">
+            <a:avLst/>
+          </a:prstGeom>
+          <a:ln w="57150">
+            <a:tailEnd type="triangle"/>
+          </a:ln>
+        </p:spPr>
+        <p:style>
+          <a:lnRef idx="2">
+            <a:schemeClr val="accent1"/>
+          </a:lnRef>
+          <a:fillRef idx="0">
+            <a:schemeClr val="accent1"/>
+          </a:fillRef>
+          <a:effectRef idx="1">
+            <a:schemeClr val="accent1"/>
+          </a:effectRef>
+          <a:fontRef idx="minor">
+            <a:schemeClr val="tx1"/>
+          </a:fontRef>
+        </p:style>
+      </p:cxnSp>
+      <p:cxnSp>
+        <p:nvCxnSpPr>
+          <p:cNvPr id="177" name="Straight Arrow Connector 176">
+            <a:extLst>
+              <a:ext uri="{FF2B5EF4-FFF2-40B4-BE49-F238E27FC236}">
+                <a16:creationId xmlns:a16="http://schemas.microsoft.com/office/drawing/2014/main" id="{DD431C99-9E87-B8C9-F17D-C22BE974F1ED}"/>
+              </a:ext>
+            </a:extLst>
+          </p:cNvPr>
+          <p:cNvCxnSpPr>
+            <a:cxnSpLocks/>
+            <a:stCxn id="162" idx="3"/>
+            <a:endCxn id="171" idx="3"/>
+          </p:cNvCxnSpPr>
+          <p:nvPr/>
+        </p:nvCxnSpPr>
+        <p:spPr>
+          <a:xfrm flipH="1">
+            <a:off x="36494482" y="27490058"/>
+            <a:ext cx="458892" cy="1202619"/>
+          </a:xfrm>
+          <a:prstGeom prst="straightConnector1">
+            <a:avLst/>
+          </a:prstGeom>
+          <a:ln w="57150">
+            <a:tailEnd type="triangle"/>
+          </a:ln>
+        </p:spPr>
+        <p:style>
+          <a:lnRef idx="2">
+            <a:schemeClr val="accent1"/>
+          </a:lnRef>
+          <a:fillRef idx="0">
+            <a:schemeClr val="accent1"/>
+          </a:fillRef>
+          <a:effectRef idx="1">
+            <a:schemeClr val="accent1"/>
+          </a:effectRef>
+          <a:fontRef idx="minor">
+            <a:schemeClr val="tx1"/>
+          </a:fontRef>
+        </p:style>
+      </p:cxnSp>
+      <p:cxnSp>
+        <p:nvCxnSpPr>
+          <p:cNvPr id="182" name="Straight Arrow Connector 181">
+            <a:extLst>
+              <a:ext uri="{FF2B5EF4-FFF2-40B4-BE49-F238E27FC236}">
+                <a16:creationId xmlns:a16="http://schemas.microsoft.com/office/drawing/2014/main" id="{7C9EC86A-6251-6AD7-FDFC-212397F980D5}"/>
+              </a:ext>
+            </a:extLst>
+          </p:cNvPr>
+          <p:cNvCxnSpPr>
+            <a:cxnSpLocks/>
+            <a:stCxn id="53" idx="3"/>
+            <a:endCxn id="171" idx="3"/>
+          </p:cNvCxnSpPr>
+          <p:nvPr/>
+        </p:nvCxnSpPr>
+        <p:spPr>
+          <a:xfrm>
+            <a:off x="28897946" y="24152259"/>
+            <a:ext cx="7596536" cy="4540418"/>
+          </a:xfrm>
+          <a:prstGeom prst="straightConnector1">
+            <a:avLst/>
+          </a:prstGeom>
+          <a:ln w="57150">
+            <a:tailEnd type="triangle"/>
+          </a:ln>
+        </p:spPr>
+        <p:style>
+          <a:lnRef idx="2">
+            <a:schemeClr val="accent1"/>
+          </a:lnRef>
+          <a:fillRef idx="0">
+            <a:schemeClr val="accent1"/>
+          </a:fillRef>
+          <a:effectRef idx="1">
+            <a:schemeClr val="accent1"/>
+          </a:effectRef>
+          <a:fontRef idx="minor">
+            <a:schemeClr val="tx1"/>
+          </a:fontRef>
+        </p:style>
+      </p:cxnSp>
+      <p:cxnSp>
+        <p:nvCxnSpPr>
+          <p:cNvPr id="186" name="Straight Arrow Connector 185">
+            <a:extLst>
+              <a:ext uri="{FF2B5EF4-FFF2-40B4-BE49-F238E27FC236}">
+                <a16:creationId xmlns:a16="http://schemas.microsoft.com/office/drawing/2014/main" id="{0DE4CD04-A33E-AD4F-392A-13D0560725BE}"/>
+              </a:ext>
+            </a:extLst>
+          </p:cNvPr>
+          <p:cNvCxnSpPr>
+            <a:cxnSpLocks/>
+            <a:stCxn id="121" idx="3"/>
+            <a:endCxn id="171" idx="2"/>
+          </p:cNvCxnSpPr>
+          <p:nvPr/>
+        </p:nvCxnSpPr>
+        <p:spPr>
+          <a:xfrm>
+            <a:off x="30334857" y="26938514"/>
+            <a:ext cx="5323855" cy="1976246"/>
+          </a:xfrm>
+          <a:prstGeom prst="straightConnector1">
+            <a:avLst/>
+          </a:prstGeom>
+          <a:ln w="57150">
+            <a:tailEnd type="triangle"/>
+          </a:ln>
+        </p:spPr>
+        <p:style>
+          <a:lnRef idx="2">
+            <a:schemeClr val="accent1"/>
+          </a:lnRef>
+          <a:fillRef idx="0">
+            <a:schemeClr val="accent1"/>
+          </a:fillRef>
+          <a:effectRef idx="1">
+            <a:schemeClr val="accent1"/>
+          </a:effectRef>
+          <a:fontRef idx="minor">
+            <a:schemeClr val="tx1"/>
+          </a:fontRef>
+        </p:style>
+      </p:cxnSp>
+      <p:cxnSp>
+        <p:nvCxnSpPr>
+          <p:cNvPr id="191" name="Straight Arrow Connector 190">
+            <a:extLst>
+              <a:ext uri="{FF2B5EF4-FFF2-40B4-BE49-F238E27FC236}">
+                <a16:creationId xmlns:a16="http://schemas.microsoft.com/office/drawing/2014/main" id="{27399425-41E5-79C2-2D57-D846966453E1}"/>
+              </a:ext>
+            </a:extLst>
+          </p:cNvPr>
+          <p:cNvCxnSpPr>
+            <a:cxnSpLocks/>
+            <a:stCxn id="165" idx="2"/>
+            <a:endCxn id="171" idx="2"/>
+          </p:cNvCxnSpPr>
+          <p:nvPr/>
+        </p:nvCxnSpPr>
+        <p:spPr>
+          <a:xfrm>
+            <a:off x="16786812" y="18551035"/>
+            <a:ext cx="18871900" cy="10363725"/>
+          </a:xfrm>
+          <a:prstGeom prst="straightConnector1">
+            <a:avLst/>
+          </a:prstGeom>
+          <a:ln w="57150">
+            <a:tailEnd type="triangle"/>
+          </a:ln>
+        </p:spPr>
+        <p:style>
+          <a:lnRef idx="2">
+            <a:schemeClr val="accent1"/>
+          </a:lnRef>
+          <a:fillRef idx="0">
+            <a:schemeClr val="accent1"/>
+          </a:fillRef>
+          <a:effectRef idx="1">
+            <a:schemeClr val="accent1"/>
+          </a:effectRef>
+          <a:fontRef idx="minor">
+            <a:schemeClr val="tx1"/>
+          </a:fontRef>
+        </p:style>
+      </p:cxnSp>
+      <p:sp>
+        <p:nvSpPr>
+          <p:cNvPr id="196" name="Rectangle 195">
+            <a:extLst>
+              <a:ext uri="{FF2B5EF4-FFF2-40B4-BE49-F238E27FC236}">
+                <a16:creationId xmlns:a16="http://schemas.microsoft.com/office/drawing/2014/main" id="{F9FF79D7-F66C-D23F-6699-F11921F9EAB5}"/>
+              </a:ext>
+            </a:extLst>
+          </p:cNvPr>
+          <p:cNvSpPr/>
+          <p:nvPr/>
+        </p:nvSpPr>
+        <p:spPr>
+          <a:xfrm>
+            <a:off x="37881361" y="29092980"/>
+            <a:ext cx="3438089" cy="605970"/>
+          </a:xfrm>
+          <a:prstGeom prst="rect">
+            <a:avLst/>
+          </a:prstGeom>
+          <a:solidFill>
+            <a:schemeClr val="accent4"/>
+          </a:solidFill>
+        </p:spPr>
+        <p:style>
+          <a:lnRef idx="2">
+            <a:schemeClr val="accent1">
+              <a:shade val="15000"/>
+            </a:schemeClr>
+          </a:lnRef>
+          <a:fillRef idx="1">
+            <a:schemeClr val="accent1"/>
+          </a:fillRef>
+          <a:effectRef idx="0">
+            <a:schemeClr val="accent1"/>
+          </a:effectRef>
+          <a:fontRef idx="minor">
+            <a:schemeClr val="lt1"/>
+          </a:fontRef>
+        </p:style>
+        <p:txBody>
+          <a:bodyPr rtlCol="0" anchor="ctr"/>
+          <a:lstStyle/>
+          <a:p>
+            <a:pPr algn="ctr"/>
+            <a:r>
+              <a:rPr lang="en-US" sz="1050" dirty="0"/>
+              <a:t>Monthly_v2_strong_buf0085_k30_thr04</a:t>
+            </a:r>
+          </a:p>
+          <a:p>
+            <a:pPr algn="ctr"/>
+            <a:r>
+              <a:rPr lang="en-US" sz="1050" dirty="0"/>
+              <a:t>Trades.csv  equity, (csv/</a:t>
+            </a:r>
+            <a:r>
+              <a:rPr lang="en-US" sz="1050" dirty="0" err="1"/>
+              <a:t>png</a:t>
+            </a:r>
+            <a:r>
+              <a:rPr lang="en-US" sz="1050" dirty="0"/>
+              <a:t>)</a:t>
+            </a:r>
+          </a:p>
+        </p:txBody>
+      </p:sp>
+      <p:cxnSp>
+        <p:nvCxnSpPr>
+          <p:cNvPr id="197" name="Straight Arrow Connector 196">
+            <a:extLst>
+              <a:ext uri="{FF2B5EF4-FFF2-40B4-BE49-F238E27FC236}">
+                <a16:creationId xmlns:a16="http://schemas.microsoft.com/office/drawing/2014/main" id="{F3A8151E-FEF7-ABBE-5EE9-0D432CDC2A83}"/>
+              </a:ext>
+            </a:extLst>
+          </p:cNvPr>
+          <p:cNvCxnSpPr>
+            <a:cxnSpLocks/>
+            <a:stCxn id="171" idx="0"/>
+            <a:endCxn id="196" idx="1"/>
+          </p:cNvCxnSpPr>
+          <p:nvPr/>
+        </p:nvCxnSpPr>
+        <p:spPr>
+          <a:xfrm>
+            <a:off x="37330252" y="28914760"/>
+            <a:ext cx="551109" cy="481205"/>
+          </a:xfrm>
+          <a:prstGeom prst="straightConnector1">
+            <a:avLst/>
+          </a:prstGeom>
+          <a:ln w="57150">
+            <a:tailEnd type="triangle"/>
+          </a:ln>
+        </p:spPr>
+        <p:style>
+          <a:lnRef idx="2">
+            <a:schemeClr val="accent1"/>
+          </a:lnRef>
+          <a:fillRef idx="0">
+            <a:schemeClr val="accent1"/>
+          </a:fillRef>
+          <a:effectRef idx="1">
+            <a:schemeClr val="accent1"/>
+          </a:effectRef>
+          <a:fontRef idx="minor">
+            <a:schemeClr val="tx1"/>
+          </a:fontRef>
+        </p:style>
+      </p:cxnSp>
+      <p:sp>
+        <p:nvSpPr>
+          <p:cNvPr id="202" name="Rectangle: Diagonal Corners Rounded 201">
+            <a:extLst>
+              <a:ext uri="{FF2B5EF4-FFF2-40B4-BE49-F238E27FC236}">
+                <a16:creationId xmlns:a16="http://schemas.microsoft.com/office/drawing/2014/main" id="{8DE1CE3C-5976-084B-0101-F1A305D4738B}"/>
+              </a:ext>
+            </a:extLst>
+          </p:cNvPr>
+          <p:cNvSpPr/>
+          <p:nvPr/>
+        </p:nvSpPr>
+        <p:spPr>
+          <a:xfrm>
+            <a:off x="35506312" y="29677018"/>
+            <a:ext cx="1671540" cy="885693"/>
+          </a:xfrm>
+          <a:prstGeom prst="round2DiagRect">
+            <a:avLst>
+              <a:gd name="adj1" fmla="val 16667"/>
+              <a:gd name="adj2" fmla="val 50000"/>
+            </a:avLst>
+          </a:prstGeom>
+          <a:solidFill>
+            <a:schemeClr val="accent4"/>
+          </a:solidFill>
+        </p:spPr>
+        <p:style>
+          <a:lnRef idx="2">
+            <a:schemeClr val="accent1">
+              <a:shade val="15000"/>
+            </a:schemeClr>
+          </a:lnRef>
+          <a:fillRef idx="1">
+            <a:schemeClr val="accent1"/>
+          </a:fillRef>
+          <a:effectRef idx="0">
+            <a:schemeClr val="accent1"/>
+          </a:effectRef>
+          <a:fontRef idx="minor">
+            <a:schemeClr val="lt1"/>
+          </a:fontRef>
+        </p:style>
+        <p:txBody>
+          <a:bodyPr rtlCol="0" anchor="ctr"/>
+          <a:lstStyle/>
+          <a:p>
+            <a:pPr algn="ctr"/>
+            <a:r>
+              <a:rPr lang="en-US" sz="900" b="1" dirty="0"/>
+              <a:t>Monthly_pnl_hold5</a:t>
+            </a:r>
+          </a:p>
+          <a:p>
+            <a:pPr algn="ctr"/>
+            <a:r>
+              <a:rPr lang="en-US" sz="900" b="1" dirty="0"/>
+              <a:t>.</a:t>
+            </a:r>
+            <a:r>
+              <a:rPr lang="en-US" sz="900" b="1" dirty="0" err="1"/>
+              <a:t>py</a:t>
+            </a:r>
+            <a:endParaRPr lang="en-US" sz="900" b="1" dirty="0"/>
+          </a:p>
+          <a:p>
+            <a:pPr algn="ctr"/>
+            <a:r>
+              <a:rPr lang="en-US" sz="900" b="1" dirty="0"/>
+              <a:t>(intake </a:t>
+            </a:r>
+            <a:r>
+              <a:rPr lang="en-US" sz="900" b="1" dirty="0" err="1"/>
+              <a:t>entry_filter</a:t>
+            </a:r>
+            <a:r>
+              <a:rPr lang="en-US" sz="900" b="1" dirty="0"/>
+              <a:t> and </a:t>
+            </a:r>
+            <a:r>
+              <a:rPr lang="en-US" sz="900" b="1" dirty="0" err="1"/>
+              <a:t>mdp</a:t>
+            </a:r>
+            <a:r>
+              <a:rPr lang="en-US" sz="900" b="1" dirty="0"/>
+              <a:t> ft v2)</a:t>
+            </a:r>
+            <a:endParaRPr lang="en-US" sz="900" dirty="0"/>
+          </a:p>
+        </p:txBody>
+      </p:sp>
+      <p:cxnSp>
+        <p:nvCxnSpPr>
+          <p:cNvPr id="205" name="Straight Arrow Connector 204">
+            <a:extLst>
+              <a:ext uri="{FF2B5EF4-FFF2-40B4-BE49-F238E27FC236}">
+                <a16:creationId xmlns:a16="http://schemas.microsoft.com/office/drawing/2014/main" id="{4F0D50F7-563C-3792-E54B-7A022BF2B274}"/>
+              </a:ext>
+            </a:extLst>
+          </p:cNvPr>
+          <p:cNvCxnSpPr>
+            <a:cxnSpLocks/>
+            <a:stCxn id="202" idx="0"/>
+            <a:endCxn id="217" idx="1"/>
+          </p:cNvCxnSpPr>
+          <p:nvPr/>
+        </p:nvCxnSpPr>
+        <p:spPr>
+          <a:xfrm>
+            <a:off x="37177852" y="30119865"/>
+            <a:ext cx="722559" cy="0"/>
+          </a:xfrm>
+          <a:prstGeom prst="straightConnector1">
+            <a:avLst/>
+          </a:prstGeom>
+          <a:ln w="57150">
+            <a:tailEnd type="triangle"/>
+          </a:ln>
+        </p:spPr>
+        <p:style>
+          <a:lnRef idx="2">
+            <a:schemeClr val="accent1"/>
+          </a:lnRef>
+          <a:fillRef idx="0">
+            <a:schemeClr val="accent1"/>
+          </a:fillRef>
+          <a:effectRef idx="1">
+            <a:schemeClr val="accent1"/>
+          </a:effectRef>
+          <a:fontRef idx="minor">
+            <a:schemeClr val="tx1"/>
+          </a:fontRef>
+        </p:style>
+      </p:cxnSp>
+      <p:sp>
+        <p:nvSpPr>
+          <p:cNvPr id="217" name="Rectangle 216">
+            <a:extLst>
+              <a:ext uri="{FF2B5EF4-FFF2-40B4-BE49-F238E27FC236}">
+                <a16:creationId xmlns:a16="http://schemas.microsoft.com/office/drawing/2014/main" id="{9E01E8AF-A2B2-E522-366F-55BE064A6F8D}"/>
+              </a:ext>
+            </a:extLst>
+          </p:cNvPr>
+          <p:cNvSpPr/>
+          <p:nvPr/>
+        </p:nvSpPr>
+        <p:spPr>
+          <a:xfrm>
+            <a:off x="37900411" y="29816880"/>
+            <a:ext cx="3438089" cy="605970"/>
+          </a:xfrm>
+          <a:prstGeom prst="rect">
+            <a:avLst/>
+          </a:prstGeom>
+          <a:solidFill>
+            <a:schemeClr val="accent4"/>
+          </a:solidFill>
+        </p:spPr>
+        <p:style>
+          <a:lnRef idx="2">
+            <a:schemeClr val="accent1">
+              <a:shade val="15000"/>
+            </a:schemeClr>
+          </a:lnRef>
+          <a:fillRef idx="1">
+            <a:schemeClr val="accent1"/>
+          </a:fillRef>
+          <a:effectRef idx="0">
+            <a:schemeClr val="accent1"/>
+          </a:effectRef>
+          <a:fontRef idx="minor">
+            <a:schemeClr val="lt1"/>
+          </a:fontRef>
+        </p:style>
+        <p:txBody>
+          <a:bodyPr rtlCol="0" anchor="ctr"/>
+          <a:lstStyle/>
+          <a:p>
+            <a:pPr algn="ctr"/>
+            <a:r>
+              <a:rPr lang="en-US" sz="1050" b="1" dirty="0"/>
+              <a:t>Naïve</a:t>
+            </a:r>
+            <a:r>
+              <a:rPr lang="en-US" sz="1050" dirty="0"/>
+              <a:t>_hold5_thr04</a:t>
+            </a:r>
+          </a:p>
+          <a:p>
+            <a:pPr algn="ctr"/>
+            <a:r>
+              <a:rPr lang="en-US" sz="1050" dirty="0"/>
+              <a:t>Trades.csv  equity, (csv/</a:t>
+            </a:r>
+            <a:r>
+              <a:rPr lang="en-US" sz="1050" dirty="0" err="1"/>
+              <a:t>png</a:t>
+            </a:r>
+            <a:r>
+              <a:rPr lang="en-US" sz="1050" dirty="0"/>
+              <a:t>)</a:t>
+            </a:r>
+          </a:p>
+        </p:txBody>
+      </p:sp>
     </p:spTree>
     <p:extLst>
       <p:ext uri="{BB962C8B-B14F-4D97-AF65-F5344CB8AC3E}">
@@ -13549,7 +16383,7 @@
         </p:nvSpPr>
         <p:spPr>
           <a:xfrm>
-            <a:off x="7788349" y="5846210"/>
+            <a:off x="16932349" y="14990213"/>
             <a:ext cx="2702442" cy="400419"/>
           </a:xfrm>
         </p:spPr>
@@ -13581,7 +16415,7 @@
         </p:nvSpPr>
         <p:spPr>
           <a:xfrm>
-            <a:off x="11435670" y="6159909"/>
+            <a:off x="20579670" y="15303909"/>
             <a:ext cx="1754550" cy="491490"/>
           </a:xfrm>
           <a:prstGeom prst="rect">
@@ -13650,7 +16484,7 @@
         </p:nvSpPr>
         <p:spPr>
           <a:xfrm>
-            <a:off x="10208852" y="7432449"/>
+            <a:off x="19352855" y="16576449"/>
             <a:ext cx="2027895" cy="491490"/>
           </a:xfrm>
           <a:prstGeom prst="rect">
@@ -13729,7 +16563,7 @@
         </p:nvSpPr>
         <p:spPr>
           <a:xfrm>
-            <a:off x="12616772" y="7432449"/>
+            <a:off x="21760775" y="16576449"/>
             <a:ext cx="1602149" cy="491490"/>
           </a:xfrm>
           <a:prstGeom prst="rect">
@@ -13797,7 +16631,7 @@
         </p:nvCxnSpPr>
         <p:spPr>
           <a:xfrm flipH="1">
-            <a:off x="11222800" y="6651399"/>
+            <a:off x="20366803" y="15795399"/>
             <a:ext cx="1090147" cy="781050"/>
           </a:xfrm>
           <a:prstGeom prst="straightConnector1">
@@ -13840,7 +16674,7 @@
         </p:nvCxnSpPr>
         <p:spPr>
           <a:xfrm>
-            <a:off x="12312945" y="6651399"/>
+            <a:off x="21456945" y="15795399"/>
             <a:ext cx="1104900" cy="781050"/>
           </a:xfrm>
           <a:prstGeom prst="straightConnector1">
@@ -13888,7 +16722,7 @@
         </p:blipFill>
         <p:spPr>
           <a:xfrm>
-            <a:off x="10138149" y="8001000"/>
+            <a:off x="19282152" y="17145000"/>
             <a:ext cx="1743553" cy="1143000"/>
           </a:xfrm>
           <a:prstGeom prst="rect">
@@ -13910,7 +16744,7 @@
         </p:nvSpPr>
         <p:spPr>
           <a:xfrm>
-            <a:off x="11282783" y="6744747"/>
+            <a:off x="20426783" y="15888750"/>
             <a:ext cx="2027894" cy="441959"/>
           </a:xfrm>
           <a:prstGeom prst="rect">
@@ -13981,7 +16815,7 @@
         </p:nvSpPr>
         <p:spPr>
           <a:xfrm>
-            <a:off x="9471086" y="6786287"/>
+            <a:off x="18615089" y="15930290"/>
             <a:ext cx="1447889" cy="400419"/>
           </a:xfrm>
           <a:prstGeom prst="rect">
@@ -14052,7 +16886,7 @@
         </p:nvCxnSpPr>
         <p:spPr>
           <a:xfrm>
-            <a:off x="10195031" y="7186706"/>
+            <a:off x="19339034" y="16330709"/>
             <a:ext cx="1027769" cy="245745"/>
           </a:xfrm>
           <a:prstGeom prst="straightConnector1">
@@ -14091,7 +16925,7 @@
         </p:nvSpPr>
         <p:spPr>
           <a:xfrm>
-            <a:off x="12235770" y="8406765"/>
+            <a:off x="21379770" y="17550765"/>
             <a:ext cx="954450" cy="491490"/>
           </a:xfrm>
           <a:prstGeom prst="rect">
@@ -14140,7 +16974,7 @@
         </p:nvSpPr>
         <p:spPr>
           <a:xfrm>
-            <a:off x="16874403" y="8406765"/>
+            <a:off x="26018406" y="17550765"/>
             <a:ext cx="1602149" cy="491490"/>
           </a:xfrm>
           <a:prstGeom prst="rect">
@@ -14206,7 +17040,7 @@
         </p:nvCxnSpPr>
         <p:spPr>
           <a:xfrm flipH="1">
-            <a:off x="12712995" y="7923939"/>
+            <a:off x="21856995" y="17067939"/>
             <a:ext cx="704850" cy="482826"/>
           </a:xfrm>
           <a:prstGeom prst="straightConnector1">
@@ -14249,7 +17083,7 @@
         </p:nvCxnSpPr>
         <p:spPr>
           <a:xfrm>
-            <a:off x="13417845" y="7923939"/>
+            <a:off x="22561845" y="17067939"/>
             <a:ext cx="480304" cy="502828"/>
           </a:xfrm>
           <a:prstGeom prst="straightConnector1">
@@ -14288,7 +17122,7 @@
         </p:nvSpPr>
         <p:spPr>
           <a:xfrm>
-            <a:off x="13310679" y="8426769"/>
+            <a:off x="22454682" y="17570772"/>
             <a:ext cx="1174943" cy="363855"/>
           </a:xfrm>
           <a:prstGeom prst="rect">
@@ -14349,7 +17183,7 @@
         </p:nvSpPr>
         <p:spPr>
           <a:xfrm>
-            <a:off x="14618241" y="8406767"/>
+            <a:off x="23762244" y="17550770"/>
             <a:ext cx="1174943" cy="363855"/>
           </a:xfrm>
           <a:prstGeom prst="rect">
@@ -14406,7 +17240,7 @@
         </p:nvCxnSpPr>
         <p:spPr>
           <a:xfrm>
-            <a:off x="13417845" y="7923939"/>
+            <a:off x="22561845" y="17067939"/>
             <a:ext cx="1787866" cy="482826"/>
           </a:xfrm>
           <a:prstGeom prst="straightConnector1">
@@ -14445,7 +17279,7 @@
         </p:nvSpPr>
         <p:spPr>
           <a:xfrm>
-            <a:off x="10279553" y="9209203"/>
+            <a:off x="19423556" y="18353206"/>
             <a:ext cx="1602149" cy="703989"/>
           </a:xfrm>
           <a:prstGeom prst="rect">
@@ -14520,7 +17354,7 @@
         </p:nvSpPr>
         <p:spPr>
           <a:xfrm>
-            <a:off x="16874402" y="10365105"/>
+            <a:off x="26018405" y="19509105"/>
             <a:ext cx="1602149" cy="491490"/>
           </a:xfrm>
           <a:prstGeom prst="rect">
@@ -14582,7 +17416,7 @@
         </p:nvSpPr>
         <p:spPr>
           <a:xfrm>
-            <a:off x="7788349" y="10106025"/>
+            <a:off x="16932349" y="19250025"/>
             <a:ext cx="2602962" cy="2234584"/>
           </a:xfrm>
           <a:prstGeom prst="rect">
@@ -14734,7 +17568,7 @@
         </p:nvSpPr>
         <p:spPr>
           <a:xfrm>
-            <a:off x="10706692" y="10118316"/>
+            <a:off x="19850692" y="19262316"/>
             <a:ext cx="2602962" cy="2234584"/>
           </a:xfrm>
           <a:prstGeom prst="rect">
@@ -14973,7 +17807,7 @@
         </p:nvSpPr>
         <p:spPr>
           <a:xfrm>
-            <a:off x="13625035" y="10106025"/>
+            <a:off x="22769035" y="19250025"/>
             <a:ext cx="2602962" cy="2234584"/>
           </a:xfrm>
           <a:prstGeom prst="rect">
@@ -15098,7 +17932,7 @@
         </p:nvSpPr>
         <p:spPr>
           <a:xfrm>
-            <a:off x="7701116" y="5728775"/>
+            <a:off x="16845116" y="14872775"/>
             <a:ext cx="11412794" cy="667262"/>
           </a:xfrm>
         </p:spPr>
@@ -15146,7 +17980,7 @@
         </p:blipFill>
         <p:spPr>
           <a:xfrm>
-            <a:off x="13892851" y="6179800"/>
+            <a:off x="23036854" y="15323800"/>
             <a:ext cx="6004405" cy="2964200"/>
           </a:xfrm>
           <a:prstGeom prst="rect">
@@ -15176,7 +18010,7 @@
         </p:blipFill>
         <p:spPr>
           <a:xfrm>
-            <a:off x="8079415" y="6300898"/>
+            <a:off x="17223415" y="15444898"/>
             <a:ext cx="5813434" cy="2843102"/>
           </a:xfrm>
           <a:prstGeom prst="rect">
@@ -15206,7 +18040,7 @@
         </p:blipFill>
         <p:spPr>
           <a:xfrm>
-            <a:off x="7856131" y="9265100"/>
+            <a:off x="17000131" y="18409103"/>
             <a:ext cx="6638924" cy="3238635"/>
           </a:xfrm>
           <a:prstGeom prst="rect">
@@ -15236,7 +18070,7 @@
         </p:blipFill>
         <p:spPr>
           <a:xfrm>
-            <a:off x="14901476" y="9635798"/>
+            <a:off x="24045476" y="18779798"/>
             <a:ext cx="4485554" cy="2472402"/>
           </a:xfrm>
           <a:prstGeom prst="rect">
@@ -15292,7 +18126,7 @@
         </p:nvSpPr>
         <p:spPr>
           <a:xfrm>
-            <a:off x="7703289" y="5393881"/>
+            <a:off x="16847289" y="14537884"/>
             <a:ext cx="10515600" cy="1325563"/>
           </a:xfrm>
         </p:spPr>
@@ -15327,13 +18161,13 @@
         </p:nvSpPr>
         <p:spPr>
           <a:xfrm>
-            <a:off x="7811388" y="6491177"/>
+            <a:off x="16955391" y="15635177"/>
             <a:ext cx="7262037" cy="5400786"/>
           </a:xfrm>
         </p:spPr>
         <p:txBody>
           <a:bodyPr>
-            <a:normAutofit fontScale="55000" lnSpcReduction="20000"/>
+            <a:normAutofit fontScale="25000" lnSpcReduction="20000"/>
           </a:bodyPr>
           <a:lstStyle/>
           <a:p>
@@ -15406,7 +18240,7 @@
         </p:blipFill>
         <p:spPr>
           <a:xfrm>
-            <a:off x="16228223" y="10248375"/>
+            <a:off x="25372226" y="19392375"/>
             <a:ext cx="2907637" cy="2171526"/>
           </a:xfrm>
           <a:prstGeom prst="rect">
@@ -15436,7 +18270,7 @@
         </p:blipFill>
         <p:spPr>
           <a:xfrm>
-            <a:off x="7811386" y="9839567"/>
+            <a:off x="16955386" y="18983570"/>
             <a:ext cx="3985604" cy="2699925"/>
           </a:xfrm>
           <a:prstGeom prst="rect">
@@ -15466,7 +18300,7 @@
         </p:blipFill>
         <p:spPr>
           <a:xfrm>
-            <a:off x="12019805" y="10248377"/>
+            <a:off x="21163808" y="19392380"/>
             <a:ext cx="3985605" cy="1882303"/>
           </a:xfrm>
           <a:prstGeom prst="rect">
@@ -15496,7 +18330,7 @@
         </p:blipFill>
         <p:spPr>
           <a:xfrm>
-            <a:off x="14638528" y="5843650"/>
+            <a:off x="23782528" y="14987650"/>
             <a:ext cx="3032790" cy="1956806"/>
           </a:xfrm>
           <a:prstGeom prst="rect">
@@ -15526,7 +18360,7 @@
         </p:blipFill>
         <p:spPr>
           <a:xfrm>
-            <a:off x="17671320" y="5787734"/>
+            <a:off x="26815323" y="14931734"/>
             <a:ext cx="2057393" cy="1688140"/>
           </a:xfrm>
           <a:prstGeom prst="rect">
@@ -15556,7 +18390,7 @@
         </p:blipFill>
         <p:spPr>
           <a:xfrm>
-            <a:off x="17783493" y="7450239"/>
+            <a:off x="26927493" y="16594239"/>
             <a:ext cx="1982632" cy="2389326"/>
           </a:xfrm>
           <a:prstGeom prst="rect">
@@ -15564,8 +18398,8 @@
           </a:prstGeom>
         </p:spPr>
       </p:pic>
-      <mc:AlternateContent xmlns:mc="http://schemas.openxmlformats.org/markup-compatibility/2006" xmlns:p14="http://schemas.microsoft.com/office/powerpoint/2010/main">
-        <mc:Choice Requires="p14">
+      <mc:AlternateContent xmlns:mc="http://schemas.openxmlformats.org/markup-compatibility/2006">
+        <mc:Choice xmlns:p14="http://schemas.microsoft.com/office/powerpoint/2010/main" Requires="p14">
           <p:contentPart p14:bwMode="auto" r:id="rId8">
             <p14:nvContentPartPr>
               <p14:cNvPr id="18" name="Ink 17">
@@ -15579,12 +18413,12 @@
               <p14:nvPr/>
             </p14:nvContentPartPr>
             <p14:xfrm>
-              <a:off x="8608619" y="9041978"/>
+              <a:off x="17752619" y="18185978"/>
               <a:ext cx="479520" cy="22320"/>
             </p14:xfrm>
           </p:contentPart>
         </mc:Choice>
-        <mc:Fallback xmlns="">
+        <mc:Fallback>
           <p:pic>
             <p:nvPicPr>
               <p:cNvPr id="18" name="Ink 17">
@@ -15605,7 +18439,7 @@
             </p:blipFill>
             <p:spPr>
               <a:xfrm>
-                <a:off x="8602499" y="9035858"/>
+                <a:off x="17746499" y="18179858"/>
                 <a:ext cx="491760" cy="34560"/>
               </a:xfrm>
               <a:prstGeom prst="rect">
@@ -15615,8 +18449,8 @@
           </p:pic>
         </mc:Fallback>
       </mc:AlternateContent>
-      <mc:AlternateContent xmlns:mc="http://schemas.openxmlformats.org/markup-compatibility/2006" xmlns:p14="http://schemas.microsoft.com/office/powerpoint/2010/main">
-        <mc:Choice Requires="p14">
+      <mc:AlternateContent xmlns:mc="http://schemas.openxmlformats.org/markup-compatibility/2006">
+        <mc:Choice xmlns:p14="http://schemas.microsoft.com/office/powerpoint/2010/main" Requires="p14">
           <p:contentPart p14:bwMode="auto" r:id="rId10">
             <p14:nvContentPartPr>
               <p14:cNvPr id="22" name="Ink 21">
@@ -15630,12 +18464,12 @@
               <p14:nvPr/>
             </p14:nvContentPartPr>
             <p14:xfrm flipH="1">
-              <a:off x="10023059" y="10042058"/>
+              <a:off x="19167059" y="19186058"/>
               <a:ext cx="11160" cy="2275920"/>
             </p14:xfrm>
           </p:contentPart>
         </mc:Choice>
-        <mc:Fallback xmlns="">
+        <mc:Fallback>
           <p:pic>
             <p:nvPicPr>
               <p:cNvPr id="22" name="Ink 21">
@@ -15656,7 +18490,7 @@
             </p:blipFill>
             <p:spPr>
               <a:xfrm flipH="1">
-                <a:off x="10017130" y="10035937"/>
+                <a:off x="19161130" y="19179937"/>
                 <a:ext cx="23018" cy="2288162"/>
               </a:xfrm>
               <a:prstGeom prst="rect">
@@ -15666,8 +18500,8 @@
           </p:pic>
         </mc:Fallback>
       </mc:AlternateContent>
-      <mc:AlternateContent xmlns:mc="http://schemas.openxmlformats.org/markup-compatibility/2006" xmlns:p14="http://schemas.microsoft.com/office/powerpoint/2010/main">
-        <mc:Choice Requires="p14">
+      <mc:AlternateContent xmlns:mc="http://schemas.openxmlformats.org/markup-compatibility/2006">
+        <mc:Choice xmlns:p14="http://schemas.microsoft.com/office/powerpoint/2010/main" Requires="p14">
           <p:contentPart p14:bwMode="auto" r:id="rId12">
             <p14:nvContentPartPr>
               <p14:cNvPr id="23" name="Ink 22">
@@ -15681,12 +18515,12 @@
               <p14:nvPr/>
             </p14:nvContentPartPr>
             <p14:xfrm>
-              <a:off x="9887923" y="12264619"/>
+              <a:off x="19031923" y="21408619"/>
               <a:ext cx="241920" cy="157320"/>
             </p14:xfrm>
           </p:contentPart>
         </mc:Choice>
-        <mc:Fallback xmlns="">
+        <mc:Fallback>
           <p:pic>
             <p:nvPicPr>
               <p:cNvPr id="23" name="Ink 22">
@@ -15707,7 +18541,7 @@
             </p:blipFill>
             <p:spPr>
               <a:xfrm>
-                <a:off x="9881803" y="12258499"/>
+                <a:off x="19025803" y="21402499"/>
                 <a:ext cx="254160" cy="169560"/>
               </a:xfrm>
               <a:prstGeom prst="rect">
@@ -15717,8 +18551,8 @@
           </p:pic>
         </mc:Fallback>
       </mc:AlternateContent>
-      <mc:AlternateContent xmlns:mc="http://schemas.openxmlformats.org/markup-compatibility/2006" xmlns:p14="http://schemas.microsoft.com/office/powerpoint/2010/main">
-        <mc:Choice Requires="p14">
+      <mc:AlternateContent xmlns:mc="http://schemas.openxmlformats.org/markup-compatibility/2006">
+        <mc:Choice xmlns:p14="http://schemas.microsoft.com/office/powerpoint/2010/main" Requires="p14">
           <p:contentPart p14:bwMode="auto" r:id="rId14">
             <p14:nvContentPartPr>
               <p14:cNvPr id="24" name="Ink 23">
@@ -15732,12 +18566,12 @@
               <p14:nvPr/>
             </p14:nvContentPartPr>
             <p14:xfrm>
-              <a:off x="12506563" y="9067819"/>
+              <a:off x="21650563" y="18211819"/>
               <a:ext cx="435240" cy="30240"/>
             </p14:xfrm>
           </p:contentPart>
         </mc:Choice>
-        <mc:Fallback xmlns="">
+        <mc:Fallback>
           <p:pic>
             <p:nvPicPr>
               <p:cNvPr id="24" name="Ink 23">
@@ -15758,7 +18592,7 @@
             </p:blipFill>
             <p:spPr>
               <a:xfrm>
-                <a:off x="12500443" y="9061771"/>
+                <a:off x="21644443" y="18205771"/>
                 <a:ext cx="447480" cy="42336"/>
               </a:xfrm>
               <a:prstGeom prst="rect">
@@ -15768,8 +18602,8 @@
           </p:pic>
         </mc:Fallback>
       </mc:AlternateContent>
-      <mc:AlternateContent xmlns:mc="http://schemas.openxmlformats.org/markup-compatibility/2006" xmlns:p14="http://schemas.microsoft.com/office/powerpoint/2010/main">
-        <mc:Choice Requires="p14">
+      <mc:AlternateContent xmlns:mc="http://schemas.openxmlformats.org/markup-compatibility/2006">
+        <mc:Choice xmlns:p14="http://schemas.microsoft.com/office/powerpoint/2010/main" Requires="p14">
           <p:contentPart p14:bwMode="auto" r:id="rId16">
             <p14:nvContentPartPr>
               <p14:cNvPr id="28" name="Ink 27">
@@ -15783,12 +18617,12 @@
               <p14:nvPr/>
             </p14:nvContentPartPr>
             <p14:xfrm>
-              <a:off x="13273003" y="11347699"/>
+              <a:off x="22417003" y="20491699"/>
               <a:ext cx="510120" cy="30960"/>
             </p14:xfrm>
           </p:contentPart>
         </mc:Choice>
-        <mc:Fallback xmlns="">
+        <mc:Fallback>
           <p:pic>
             <p:nvPicPr>
               <p:cNvPr id="28" name="Ink 27">
@@ -15809,7 +18643,7 @@
             </p:blipFill>
             <p:spPr>
               <a:xfrm>
-                <a:off x="13266883" y="11341579"/>
+                <a:off x="22410883" y="20485579"/>
                 <a:ext cx="522360" cy="43200"/>
               </a:xfrm>
               <a:prstGeom prst="rect">
@@ -15819,8 +18653,8 @@
           </p:pic>
         </mc:Fallback>
       </mc:AlternateContent>
-      <mc:AlternateContent xmlns:mc="http://schemas.openxmlformats.org/markup-compatibility/2006" xmlns:p14="http://schemas.microsoft.com/office/powerpoint/2010/main">
-        <mc:Choice Requires="p14">
+      <mc:AlternateContent xmlns:mc="http://schemas.openxmlformats.org/markup-compatibility/2006">
+        <mc:Choice xmlns:p14="http://schemas.microsoft.com/office/powerpoint/2010/main" Requires="p14">
           <p:contentPart p14:bwMode="auto" r:id="rId18">
             <p14:nvContentPartPr>
               <p14:cNvPr id="30" name="Ink 29">
@@ -15834,12 +18668,12 @@
               <p14:nvPr/>
             </p14:nvContentPartPr>
             <p14:xfrm>
-              <a:off x="9025723" y="8684059"/>
+              <a:off x="18169723" y="17828059"/>
               <a:ext cx="2497680" cy="69120"/>
             </p14:xfrm>
           </p:contentPart>
         </mc:Choice>
-        <mc:Fallback xmlns="">
+        <mc:Fallback>
           <p:pic>
             <p:nvPicPr>
               <p:cNvPr id="30" name="Ink 29">
@@ -15860,7 +18694,7 @@
             </p:blipFill>
             <p:spPr>
               <a:xfrm>
-                <a:off x="9019602" y="8677939"/>
+                <a:off x="18163602" y="17821939"/>
                 <a:ext cx="2509922" cy="81360"/>
               </a:xfrm>
               <a:prstGeom prst="rect">
@@ -15870,8 +18704,8 @@
           </p:pic>
         </mc:Fallback>
       </mc:AlternateContent>
-      <mc:AlternateContent xmlns:mc="http://schemas.openxmlformats.org/markup-compatibility/2006" xmlns:p14="http://schemas.microsoft.com/office/powerpoint/2010/main">
-        <mc:Choice Requires="p14">
+      <mc:AlternateContent xmlns:mc="http://schemas.openxmlformats.org/markup-compatibility/2006">
+        <mc:Choice xmlns:p14="http://schemas.microsoft.com/office/powerpoint/2010/main" Requires="p14">
           <p:contentPart p14:bwMode="auto" r:id="rId20">
             <p14:nvContentPartPr>
               <p14:cNvPr id="31" name="Ink 30">
@@ -15885,12 +18719,12 @@
               <p14:nvPr/>
             </p14:nvContentPartPr>
             <p14:xfrm>
-              <a:off x="11506843" y="8456899"/>
+              <a:off x="20650843" y="17600899"/>
               <a:ext cx="3499200" cy="2164680"/>
             </p14:xfrm>
           </p:contentPart>
         </mc:Choice>
-        <mc:Fallback xmlns="">
+        <mc:Fallback>
           <p:pic>
             <p:nvPicPr>
               <p:cNvPr id="31" name="Ink 30">
@@ -15911,7 +18745,7 @@
             </p:blipFill>
             <p:spPr>
               <a:xfrm>
-                <a:off x="11500722" y="8450778"/>
+                <a:off x="20644722" y="17594778"/>
                 <a:ext cx="3511441" cy="2176922"/>
               </a:xfrm>
               <a:prstGeom prst="rect">
@@ -15921,8 +18755,8 @@
           </p:pic>
         </mc:Fallback>
       </mc:AlternateContent>
-      <mc:AlternateContent xmlns:mc="http://schemas.openxmlformats.org/markup-compatibility/2006" xmlns:p14="http://schemas.microsoft.com/office/powerpoint/2010/main">
-        <mc:Choice Requires="p14">
+      <mc:AlternateContent xmlns:mc="http://schemas.openxmlformats.org/markup-compatibility/2006">
+        <mc:Choice xmlns:p14="http://schemas.microsoft.com/office/powerpoint/2010/main" Requires="p14">
           <p:contentPart p14:bwMode="auto" r:id="rId22">
             <p14:nvContentPartPr>
               <p14:cNvPr id="32" name="Ink 31">
@@ -15936,12 +18770,12 @@
               <p14:nvPr/>
             </p14:nvContentPartPr>
             <p14:xfrm>
-              <a:off x="10078003" y="10562179"/>
+              <a:off x="19222003" y="19706179"/>
               <a:ext cx="3211920" cy="866880"/>
             </p14:xfrm>
           </p:contentPart>
         </mc:Choice>
-        <mc:Fallback xmlns="">
+        <mc:Fallback>
           <p:pic>
             <p:nvPicPr>
               <p:cNvPr id="32" name="Ink 31">
@@ -15962,7 +18796,7 @@
             </p:blipFill>
             <p:spPr>
               <a:xfrm>
-                <a:off x="10071882" y="10556062"/>
+                <a:off x="19215882" y="19700062"/>
                 <a:ext cx="3224161" cy="879115"/>
               </a:xfrm>
               <a:prstGeom prst="rect">
@@ -15972,8 +18806,8 @@
           </p:pic>
         </mc:Fallback>
       </mc:AlternateContent>
-      <mc:AlternateContent xmlns:mc="http://schemas.openxmlformats.org/markup-compatibility/2006" xmlns:p14="http://schemas.microsoft.com/office/powerpoint/2010/main">
-        <mc:Choice Requires="p14">
+      <mc:AlternateContent xmlns:mc="http://schemas.openxmlformats.org/markup-compatibility/2006">
+        <mc:Choice xmlns:p14="http://schemas.microsoft.com/office/powerpoint/2010/main" Requires="p14">
           <p:contentPart p14:bwMode="auto" r:id="rId24">
             <p14:nvContentPartPr>
               <p14:cNvPr id="33" name="Ink 32">
@@ -15987,12 +18821,12 @@
               <p14:nvPr/>
             </p14:nvContentPartPr>
             <p14:xfrm>
-              <a:off x="14089843" y="11309179"/>
+              <a:off x="23233843" y="20453179"/>
               <a:ext cx="412200" cy="39960"/>
             </p14:xfrm>
           </p:contentPart>
         </mc:Choice>
-        <mc:Fallback xmlns="">
+        <mc:Fallback>
           <p:pic>
             <p:nvPicPr>
               <p:cNvPr id="33" name="Ink 32">
@@ -16013,7 +18847,7 @@
             </p:blipFill>
             <p:spPr>
               <a:xfrm>
-                <a:off x="14083723" y="11303059"/>
+                <a:off x="23227723" y="20447059"/>
                 <a:ext cx="424440" cy="52200"/>
               </a:xfrm>
               <a:prstGeom prst="rect">
@@ -16037,7 +18871,7 @@
         </p:nvGrpSpPr>
         <p:grpSpPr>
           <a:xfrm>
-            <a:off x="9961363" y="10031620"/>
+            <a:off x="19105363" y="19175623"/>
             <a:ext cx="4091400" cy="1150481"/>
             <a:chOff x="2341363" y="4316618"/>
             <a:chExt cx="4091400" cy="1150481"/>
@@ -16313,7 +19147,7 @@
         </p:nvSpPr>
         <p:spPr>
           <a:xfrm>
-            <a:off x="14922728" y="9800787"/>
+            <a:off x="24066731" y="18944790"/>
             <a:ext cx="1806419" cy="461665"/>
           </a:xfrm>
           <a:prstGeom prst="rect">
@@ -16382,7 +19216,7 @@
         </p:nvSpPr>
         <p:spPr>
           <a:xfrm>
-            <a:off x="7620000" y="5441030"/>
+            <a:off x="16764000" y="14585033"/>
             <a:ext cx="10515600" cy="1325563"/>
           </a:xfrm>
         </p:spPr>
@@ -16422,12 +19256,14 @@
         </p:nvSpPr>
         <p:spPr>
           <a:xfrm>
-            <a:off x="7789606" y="6557399"/>
+            <a:off x="16933606" y="15701399"/>
             <a:ext cx="10515600" cy="4351338"/>
           </a:xfrm>
         </p:spPr>
         <p:txBody>
-          <a:bodyPr/>
+          <a:bodyPr>
+            <a:normAutofit fontScale="62500" lnSpcReduction="20000"/>
+          </a:bodyPr>
           <a:lstStyle/>
           <a:p>
             <a:r>
@@ -16482,7 +19318,7 @@
         </p:blipFill>
         <p:spPr>
           <a:xfrm>
-            <a:off x="7886886" y="8937190"/>
+            <a:off x="17030889" y="18081190"/>
             <a:ext cx="3560837" cy="1968934"/>
           </a:xfrm>
           <a:prstGeom prst="rect">
@@ -16512,7 +19348,7 @@
         </p:blipFill>
         <p:spPr>
           <a:xfrm>
-            <a:off x="7886886" y="10796321"/>
+            <a:off x="17030889" y="19940321"/>
             <a:ext cx="2101165" cy="1725686"/>
           </a:xfrm>
           <a:prstGeom prst="rect">
@@ -16542,7 +19378,7 @@
         </p:blipFill>
         <p:spPr>
           <a:xfrm>
-            <a:off x="7959314" y="6918703"/>
+            <a:off x="17103317" y="16062706"/>
             <a:ext cx="3488409" cy="2018489"/>
           </a:xfrm>
           <a:prstGeom prst="rect">
@@ -16572,7 +19408,7 @@
         </p:blipFill>
         <p:spPr>
           <a:xfrm>
-            <a:off x="10085329" y="10717973"/>
+            <a:off x="19229332" y="19861973"/>
             <a:ext cx="2493557" cy="1804034"/>
           </a:xfrm>
           <a:prstGeom prst="rect">
@@ -16602,7 +19438,7 @@
         </p:blipFill>
         <p:spPr>
           <a:xfrm>
-            <a:off x="13640058" y="7058790"/>
+            <a:off x="22784061" y="16202793"/>
             <a:ext cx="5326151" cy="5326151"/>
           </a:xfrm>
           <a:prstGeom prst="rect">
@@ -16626,7 +19462,7 @@
         </p:nvSpPr>
         <p:spPr>
           <a:xfrm>
-            <a:off x="14679894" y="9697500"/>
+            <a:off x="23823894" y="18841500"/>
             <a:ext cx="4686484" cy="4351338"/>
           </a:xfrm>
           <a:prstGeom prst="rect">
@@ -16834,8 +19670,8 @@
           </a:p>
         </p:txBody>
       </p:sp>
-      <mc:AlternateContent xmlns:mc="http://schemas.openxmlformats.org/markup-compatibility/2006" xmlns:p14="http://schemas.microsoft.com/office/powerpoint/2010/main">
-        <mc:Choice Requires="p14">
+      <mc:AlternateContent xmlns:mc="http://schemas.openxmlformats.org/markup-compatibility/2006">
+        <mc:Choice xmlns:p14="http://schemas.microsoft.com/office/powerpoint/2010/main" Requires="p14">
           <p:contentPart p14:bwMode="auto" r:id="rId7">
             <p14:nvContentPartPr>
               <p14:cNvPr id="15" name="Ink 14">
@@ -16849,12 +19685,12 @@
               <p14:nvPr/>
             </p14:nvContentPartPr>
             <p14:xfrm>
-              <a:off x="11267803" y="10945347"/>
+              <a:off x="20411803" y="20089347"/>
               <a:ext cx="107280" cy="360"/>
             </p14:xfrm>
           </p:contentPart>
         </mc:Choice>
-        <mc:Fallback xmlns="">
+        <mc:Fallback>
           <p:pic>
             <p:nvPicPr>
               <p:cNvPr id="15" name="Ink 14">
@@ -16875,7 +19711,7 @@
             </p:blipFill>
             <p:spPr>
               <a:xfrm>
-                <a:off x="11261703" y="10939227"/>
+                <a:off x="20405703" y="20083227"/>
                 <a:ext cx="119479" cy="12600"/>
               </a:xfrm>
               <a:prstGeom prst="rect">
@@ -16885,8 +19721,8 @@
           </p:pic>
         </mc:Fallback>
       </mc:AlternateContent>
-      <mc:AlternateContent xmlns:mc="http://schemas.openxmlformats.org/markup-compatibility/2006" xmlns:p14="http://schemas.microsoft.com/office/powerpoint/2010/main">
-        <mc:Choice Requires="p14">
+      <mc:AlternateContent xmlns:mc="http://schemas.openxmlformats.org/markup-compatibility/2006">
+        <mc:Choice xmlns:p14="http://schemas.microsoft.com/office/powerpoint/2010/main" Requires="p14">
           <p:contentPart p14:bwMode="auto" r:id="rId9">
             <p14:nvContentPartPr>
               <p14:cNvPr id="16" name="Ink 15">
@@ -16900,12 +19736,12 @@
               <p14:nvPr/>
             </p14:nvContentPartPr>
             <p14:xfrm>
-              <a:off x="10864603" y="11034267"/>
+              <a:off x="20008603" y="20178267"/>
               <a:ext cx="333720" cy="10440"/>
             </p14:xfrm>
           </p:contentPart>
         </mc:Choice>
-        <mc:Fallback xmlns="">
+        <mc:Fallback>
           <p:pic>
             <p:nvPicPr>
               <p:cNvPr id="16" name="Ink 15">
@@ -16926,7 +19762,7 @@
             </p:blipFill>
             <p:spPr>
               <a:xfrm>
-                <a:off x="10858483" y="11028147"/>
+                <a:off x="20002483" y="20172147"/>
                 <a:ext cx="345960" cy="22680"/>
               </a:xfrm>
               <a:prstGeom prst="rect">
@@ -16936,8 +19772,8 @@
           </p:pic>
         </mc:Fallback>
       </mc:AlternateContent>
-      <mc:AlternateContent xmlns:mc="http://schemas.openxmlformats.org/markup-compatibility/2006" xmlns:p14="http://schemas.microsoft.com/office/powerpoint/2010/main">
-        <mc:Choice Requires="p14">
+      <mc:AlternateContent xmlns:mc="http://schemas.openxmlformats.org/markup-compatibility/2006">
+        <mc:Choice xmlns:p14="http://schemas.microsoft.com/office/powerpoint/2010/main" Requires="p14">
           <p:contentPart p14:bwMode="auto" r:id="rId11">
             <p14:nvContentPartPr>
               <p14:cNvPr id="17" name="Ink 16">
@@ -16951,12 +19787,12 @@
               <p14:nvPr/>
             </p14:nvContentPartPr>
             <p14:xfrm>
-              <a:off x="11680723" y="12489387"/>
+              <a:off x="20824723" y="21633387"/>
               <a:ext cx="324000" cy="29880"/>
             </p14:xfrm>
           </p:contentPart>
         </mc:Choice>
-        <mc:Fallback xmlns="">
+        <mc:Fallback>
           <p:pic>
             <p:nvPicPr>
               <p:cNvPr id="17" name="Ink 16">
@@ -16977,7 +19813,7 @@
             </p:blipFill>
             <p:spPr>
               <a:xfrm>
-                <a:off x="11674603" y="12483267"/>
+                <a:off x="20818603" y="21627267"/>
                 <a:ext cx="336240" cy="42120"/>
               </a:xfrm>
               <a:prstGeom prst="rect">
@@ -16987,8 +19823,8 @@
           </p:pic>
         </mc:Fallback>
       </mc:AlternateContent>
-      <mc:AlternateContent xmlns:mc="http://schemas.openxmlformats.org/markup-compatibility/2006" xmlns:p14="http://schemas.microsoft.com/office/powerpoint/2010/main">
-        <mc:Choice Requires="p14">
+      <mc:AlternateContent xmlns:mc="http://schemas.openxmlformats.org/markup-compatibility/2006">
+        <mc:Choice xmlns:p14="http://schemas.microsoft.com/office/powerpoint/2010/main" Requires="p14">
           <p:contentPart p14:bwMode="auto" r:id="rId13">
             <p14:nvContentPartPr>
               <p14:cNvPr id="18" name="Ink 17">
@@ -17002,12 +19838,12 @@
               <p14:nvPr/>
             </p14:nvContentPartPr>
             <p14:xfrm>
-              <a:off x="13716000" y="8995680"/>
+              <a:off x="22860000" y="18139680"/>
               <a:ext cx="280440" cy="148320"/>
             </p14:xfrm>
           </p:contentPart>
         </mc:Choice>
-        <mc:Fallback xmlns="">
+        <mc:Fallback>
           <p:pic>
             <p:nvPicPr>
               <p:cNvPr id="18" name="Ink 17">
@@ -17028,7 +19864,7 @@
             </p:blipFill>
             <p:spPr>
               <a:xfrm>
-                <a:off x="13709880" y="8989560"/>
+                <a:off x="22853880" y="18133560"/>
                 <a:ext cx="292680" cy="160560"/>
               </a:xfrm>
               <a:prstGeom prst="rect">
@@ -17086,7 +19922,7 @@
         </p:nvSpPr>
         <p:spPr>
           <a:xfrm>
-            <a:off x="7713921" y="5474071"/>
+            <a:off x="16857921" y="14618074"/>
             <a:ext cx="10515600" cy="1325563"/>
           </a:xfrm>
         </p:spPr>
@@ -17126,12 +19962,14 @@
         </p:nvSpPr>
         <p:spPr>
           <a:xfrm>
-            <a:off x="7713921" y="6509267"/>
+            <a:off x="16857921" y="15653267"/>
             <a:ext cx="10515600" cy="4351338"/>
           </a:xfrm>
         </p:spPr>
         <p:txBody>
-          <a:bodyPr/>
+          <a:bodyPr>
+            <a:normAutofit fontScale="77500" lnSpcReduction="20000"/>
+          </a:bodyPr>
           <a:lstStyle/>
           <a:p>
             <a:r>
@@ -17171,7 +20009,7 @@
         </p:blipFill>
         <p:spPr>
           <a:xfrm>
-            <a:off x="7926019" y="7033439"/>
+            <a:off x="17070019" y="16177442"/>
             <a:ext cx="4167790" cy="2411597"/>
           </a:xfrm>
           <a:prstGeom prst="rect">
@@ -17201,7 +20039,7 @@
         </p:blipFill>
         <p:spPr>
           <a:xfrm>
-            <a:off x="9883945" y="9554185"/>
+            <a:off x="19027948" y="18698188"/>
             <a:ext cx="2824695" cy="2612843"/>
           </a:xfrm>
           <a:prstGeom prst="rect">
@@ -17231,7 +20069,7 @@
         </p:blipFill>
         <p:spPr>
           <a:xfrm>
-            <a:off x="7809591" y="9445034"/>
+            <a:off x="16953591" y="18589034"/>
             <a:ext cx="1862254" cy="1491770"/>
           </a:xfrm>
           <a:prstGeom prst="rect">
@@ -17261,7 +20099,7 @@
         </p:blipFill>
         <p:spPr>
           <a:xfrm>
-            <a:off x="7926019" y="11136188"/>
+            <a:off x="17070019" y="20280191"/>
             <a:ext cx="1862254" cy="1042691"/>
           </a:xfrm>
           <a:prstGeom prst="rect">
@@ -17291,7 +20129,7 @@
         </p:blipFill>
         <p:spPr>
           <a:xfrm>
-            <a:off x="13174915" y="5980816"/>
+            <a:off x="22318918" y="15124819"/>
             <a:ext cx="6192855" cy="6198063"/>
           </a:xfrm>
           <a:prstGeom prst="rect">
@@ -17315,7 +20153,7 @@
         </p:nvSpPr>
         <p:spPr>
           <a:xfrm>
-            <a:off x="14613511" y="10273388"/>
+            <a:off x="23757514" y="19417388"/>
             <a:ext cx="4842317" cy="4351338"/>
           </a:xfrm>
           <a:prstGeom prst="rect">
@@ -17506,8 +20344,8 @@
           </a:p>
         </p:txBody>
       </p:sp>
-      <mc:AlternateContent xmlns:mc="http://schemas.openxmlformats.org/markup-compatibility/2006" xmlns:p14="http://schemas.microsoft.com/office/powerpoint/2010/main">
-        <mc:Choice Requires="p14">
+      <mc:AlternateContent xmlns:mc="http://schemas.openxmlformats.org/markup-compatibility/2006">
+        <mc:Choice xmlns:p14="http://schemas.microsoft.com/office/powerpoint/2010/main" Requires="p14">
           <p:contentPart p14:bwMode="auto" r:id="rId7">
             <p14:nvContentPartPr>
               <p14:cNvPr id="16" name="Ink 15">
@@ -17521,12 +20359,12 @@
               <p14:nvPr/>
             </p14:nvContentPartPr>
             <p14:xfrm>
-              <a:off x="14736043" y="11092587"/>
+              <a:off x="23880043" y="20236587"/>
               <a:ext cx="1577520" cy="454320"/>
             </p14:xfrm>
           </p:contentPart>
         </mc:Choice>
-        <mc:Fallback xmlns="">
+        <mc:Fallback>
           <p:pic>
             <p:nvPicPr>
               <p:cNvPr id="16" name="Ink 15">
@@ -17547,7 +20385,7 @@
             </p:blipFill>
             <p:spPr>
               <a:xfrm>
-                <a:off x="14729923" y="11086462"/>
+                <a:off x="23873923" y="20230462"/>
                 <a:ext cx="1589760" cy="466570"/>
               </a:xfrm>
               <a:prstGeom prst="rect">
@@ -17557,8 +20395,8 @@
           </p:pic>
         </mc:Fallback>
       </mc:AlternateContent>
-      <mc:AlternateContent xmlns:mc="http://schemas.openxmlformats.org/markup-compatibility/2006" xmlns:p14="http://schemas.microsoft.com/office/powerpoint/2010/main">
-        <mc:Choice Requires="p14">
+      <mc:AlternateContent xmlns:mc="http://schemas.openxmlformats.org/markup-compatibility/2006">
+        <mc:Choice xmlns:p14="http://schemas.microsoft.com/office/powerpoint/2010/main" Requires="p14">
           <p:contentPart p14:bwMode="auto" r:id="rId9">
             <p14:nvContentPartPr>
               <p14:cNvPr id="19" name="Ink 18">
@@ -17572,12 +20410,12 @@
               <p14:nvPr/>
             </p14:nvContentPartPr>
             <p14:xfrm>
-              <a:off x="13075723" y="9942027"/>
+              <a:off x="22219723" y="19086027"/>
               <a:ext cx="965880" cy="1615320"/>
             </p14:xfrm>
           </p:contentPart>
         </mc:Choice>
-        <mc:Fallback xmlns="">
+        <mc:Fallback>
           <p:pic>
             <p:nvPicPr>
               <p:cNvPr id="19" name="Ink 18">
@@ -17598,7 +20436,7 @@
             </p:blipFill>
             <p:spPr>
               <a:xfrm>
-                <a:off x="13069603" y="9935907"/>
+                <a:off x="22213603" y="19079907"/>
                 <a:ext cx="978120" cy="1627560"/>
               </a:xfrm>
               <a:prstGeom prst="rect">
@@ -17608,8 +20446,8 @@
           </p:pic>
         </mc:Fallback>
       </mc:AlternateContent>
-      <mc:AlternateContent xmlns:mc="http://schemas.openxmlformats.org/markup-compatibility/2006" xmlns:p14="http://schemas.microsoft.com/office/powerpoint/2010/main">
-        <mc:Choice Requires="p14">
+      <mc:AlternateContent xmlns:mc="http://schemas.openxmlformats.org/markup-compatibility/2006">
+        <mc:Choice xmlns:p14="http://schemas.microsoft.com/office/powerpoint/2010/main" Requires="p14">
           <p:contentPart p14:bwMode="auto" r:id="rId11">
             <p14:nvContentPartPr>
               <p14:cNvPr id="20" name="Ink 19">
@@ -17623,12 +20461,12 @@
               <p14:nvPr/>
             </p14:nvContentPartPr>
             <p14:xfrm>
-              <a:off x="15072643" y="11787027"/>
+              <a:off x="24216643" y="20931027"/>
               <a:ext cx="360" cy="14400"/>
             </p14:xfrm>
           </p:contentPart>
         </mc:Choice>
-        <mc:Fallback xmlns="">
+        <mc:Fallback>
           <p:pic>
             <p:nvPicPr>
               <p:cNvPr id="20" name="Ink 19">
@@ -17649,7 +20487,7 @@
             </p:blipFill>
             <p:spPr>
               <a:xfrm>
-                <a:off x="15066523" y="11780750"/>
+                <a:off x="24210523" y="20924750"/>
                 <a:ext cx="12600" cy="26954"/>
               </a:xfrm>
               <a:prstGeom prst="rect">
@@ -17673,7 +20511,7 @@
         </p:nvGrpSpPr>
         <p:grpSpPr>
           <a:xfrm>
-            <a:off x="15082363" y="11443227"/>
+            <a:off x="24226363" y="20587227"/>
             <a:ext cx="360" cy="162000"/>
             <a:chOff x="7462363" y="5728227"/>
             <a:chExt cx="360" cy="162000"/>
@@ -17782,8 +20620,8 @@
           </mc:Fallback>
         </mc:AlternateContent>
       </p:grpSp>
-      <mc:AlternateContent xmlns:mc="http://schemas.openxmlformats.org/markup-compatibility/2006" xmlns:p14="http://schemas.microsoft.com/office/powerpoint/2010/main">
-        <mc:Choice Requires="p14">
+      <mc:AlternateContent xmlns:mc="http://schemas.openxmlformats.org/markup-compatibility/2006">
+        <mc:Choice xmlns:p14="http://schemas.microsoft.com/office/powerpoint/2010/main" Requires="p14">
           <p:contentPart p14:bwMode="auto" r:id="rId17">
             <p14:nvContentPartPr>
               <p14:cNvPr id="23" name="Ink 22">
@@ -17797,12 +20635,12 @@
               <p14:nvPr/>
             </p14:nvContentPartPr>
             <p14:xfrm>
-              <a:off x="15082363" y="11193387"/>
+              <a:off x="24226363" y="20337387"/>
               <a:ext cx="360" cy="37800"/>
             </p14:xfrm>
           </p:contentPart>
         </mc:Choice>
-        <mc:Fallback xmlns="">
+        <mc:Fallback>
           <p:pic>
             <p:nvPicPr>
               <p:cNvPr id="23" name="Ink 22">
@@ -17823,7 +20661,7 @@
             </p:blipFill>
             <p:spPr>
               <a:xfrm>
-                <a:off x="15076243" y="11187267"/>
+                <a:off x="24220243" y="20331267"/>
                 <a:ext cx="12600" cy="50040"/>
               </a:xfrm>
               <a:prstGeom prst="rect">
@@ -17833,8 +20671,8 @@
           </p:pic>
         </mc:Fallback>
       </mc:AlternateContent>
-      <mc:AlternateContent xmlns:mc="http://schemas.openxmlformats.org/markup-compatibility/2006" xmlns:p14="http://schemas.microsoft.com/office/powerpoint/2010/main">
-        <mc:Choice Requires="p14">
+      <mc:AlternateContent xmlns:mc="http://schemas.openxmlformats.org/markup-compatibility/2006">
+        <mc:Choice xmlns:p14="http://schemas.microsoft.com/office/powerpoint/2010/main" Requires="p14">
           <p:contentPart p14:bwMode="auto" r:id="rId19">
             <p14:nvContentPartPr>
               <p14:cNvPr id="24" name="Ink 23">
@@ -17848,12 +20686,12 @@
               <p14:nvPr/>
             </p14:nvContentPartPr>
             <p14:xfrm>
-              <a:off x="15082363" y="11022027"/>
+              <a:off x="24226363" y="20166027"/>
               <a:ext cx="360" cy="32040"/>
             </p14:xfrm>
           </p:contentPart>
         </mc:Choice>
-        <mc:Fallback xmlns="">
+        <mc:Fallback>
           <p:pic>
             <p:nvPicPr>
               <p:cNvPr id="24" name="Ink 23">
@@ -17874,7 +20712,7 @@
             </p:blipFill>
             <p:spPr>
               <a:xfrm>
-                <a:off x="15076243" y="11015907"/>
+                <a:off x="24220243" y="20159907"/>
                 <a:ext cx="12600" cy="44280"/>
               </a:xfrm>
               <a:prstGeom prst="rect">
@@ -17884,8 +20722,8 @@
           </p:pic>
         </mc:Fallback>
       </mc:AlternateContent>
-      <mc:AlternateContent xmlns:mc="http://schemas.openxmlformats.org/markup-compatibility/2006" xmlns:p14="http://schemas.microsoft.com/office/powerpoint/2010/main">
-        <mc:Choice Requires="p14">
+      <mc:AlternateContent xmlns:mc="http://schemas.openxmlformats.org/markup-compatibility/2006">
+        <mc:Choice xmlns:p14="http://schemas.microsoft.com/office/powerpoint/2010/main" Requires="p14">
           <p:contentPart p14:bwMode="auto" r:id="rId21">
             <p14:nvContentPartPr>
               <p14:cNvPr id="25" name="Ink 24">
@@ -17899,12 +20737,12 @@
               <p14:nvPr/>
             </p14:nvContentPartPr>
             <p14:xfrm>
-              <a:off x="15072643" y="10819707"/>
+              <a:off x="24216643" y="19963707"/>
               <a:ext cx="360" cy="37800"/>
             </p14:xfrm>
           </p:contentPart>
         </mc:Choice>
-        <mc:Fallback xmlns="">
+        <mc:Fallback>
           <p:pic>
             <p:nvPicPr>
               <p:cNvPr id="25" name="Ink 24">
@@ -17925,7 +20763,7 @@
             </p:blipFill>
             <p:spPr>
               <a:xfrm>
-                <a:off x="15066523" y="10813587"/>
+                <a:off x="24210523" y="19957587"/>
                 <a:ext cx="12600" cy="50040"/>
               </a:xfrm>
               <a:prstGeom prst="rect">
@@ -17935,8 +20773,8 @@
           </p:pic>
         </mc:Fallback>
       </mc:AlternateContent>
-      <mc:AlternateContent xmlns:mc="http://schemas.openxmlformats.org/markup-compatibility/2006" xmlns:p14="http://schemas.microsoft.com/office/powerpoint/2010/main">
-        <mc:Choice Requires="p14">
+      <mc:AlternateContent xmlns:mc="http://schemas.openxmlformats.org/markup-compatibility/2006">
+        <mc:Choice xmlns:p14="http://schemas.microsoft.com/office/powerpoint/2010/main" Requires="p14">
           <p:contentPart p14:bwMode="auto" r:id="rId22">
             <p14:nvContentPartPr>
               <p14:cNvPr id="26" name="Ink 25">
@@ -17950,12 +20788,12 @@
               <p14:nvPr/>
             </p14:nvContentPartPr>
             <p14:xfrm>
-              <a:off x="15053203" y="10575987"/>
+              <a:off x="24197203" y="19719987"/>
               <a:ext cx="360" cy="55080"/>
             </p14:xfrm>
           </p:contentPart>
         </mc:Choice>
-        <mc:Fallback xmlns="">
+        <mc:Fallback>
           <p:pic>
             <p:nvPicPr>
               <p:cNvPr id="26" name="Ink 25">
@@ -17976,7 +20814,7 @@
             </p:blipFill>
             <p:spPr>
               <a:xfrm>
-                <a:off x="15047083" y="10569867"/>
+                <a:off x="24191083" y="19713867"/>
                 <a:ext cx="12600" cy="67320"/>
               </a:xfrm>
               <a:prstGeom prst="rect">
@@ -17986,8 +20824,8 @@
           </p:pic>
         </mc:Fallback>
       </mc:AlternateContent>
-      <mc:AlternateContent xmlns:mc="http://schemas.openxmlformats.org/markup-compatibility/2006" xmlns:p14="http://schemas.microsoft.com/office/powerpoint/2010/main">
-        <mc:Choice Requires="p14">
+      <mc:AlternateContent xmlns:mc="http://schemas.openxmlformats.org/markup-compatibility/2006">
+        <mc:Choice xmlns:p14="http://schemas.microsoft.com/office/powerpoint/2010/main" Requires="p14">
           <p:contentPart p14:bwMode="auto" r:id="rId24">
             <p14:nvContentPartPr>
               <p14:cNvPr id="27" name="Ink 26">
@@ -18001,12 +20839,12 @@
               <p14:nvPr/>
             </p14:nvContentPartPr>
             <p14:xfrm>
-              <a:off x="15043483" y="10070547"/>
+              <a:off x="24187483" y="19214547"/>
               <a:ext cx="360" cy="360"/>
             </p14:xfrm>
           </p:contentPart>
         </mc:Choice>
-        <mc:Fallback xmlns="">
+        <mc:Fallback>
           <p:pic>
             <p:nvPicPr>
               <p:cNvPr id="27" name="Ink 26">
@@ -18027,7 +20865,7 @@
             </p:blipFill>
             <p:spPr>
               <a:xfrm>
-                <a:off x="15037363" y="10064427"/>
+                <a:off x="24181363" y="19208427"/>
                 <a:ext cx="12600" cy="12600"/>
               </a:xfrm>
               <a:prstGeom prst="rect">
@@ -18037,8 +20875,8 @@
           </p:pic>
         </mc:Fallback>
       </mc:AlternateContent>
-      <mc:AlternateContent xmlns:mc="http://schemas.openxmlformats.org/markup-compatibility/2006" xmlns:p14="http://schemas.microsoft.com/office/powerpoint/2010/main">
-        <mc:Choice Requires="p14">
+      <mc:AlternateContent xmlns:mc="http://schemas.openxmlformats.org/markup-compatibility/2006">
+        <mc:Choice xmlns:p14="http://schemas.microsoft.com/office/powerpoint/2010/main" Requires="p14">
           <p:contentPart p14:bwMode="auto" r:id="rId26">
             <p14:nvContentPartPr>
               <p14:cNvPr id="28" name="Ink 27">
@@ -18052,12 +20890,12 @@
               <p14:nvPr/>
             </p14:nvContentPartPr>
             <p14:xfrm>
-              <a:off x="15035563" y="9852387"/>
+              <a:off x="24179563" y="18996387"/>
               <a:ext cx="7920" cy="41760"/>
             </p14:xfrm>
           </p:contentPart>
         </mc:Choice>
-        <mc:Fallback xmlns="">
+        <mc:Fallback>
           <p:pic>
             <p:nvPicPr>
               <p:cNvPr id="28" name="Ink 27">
@@ -18078,7 +20916,7 @@
             </p:blipFill>
             <p:spPr>
               <a:xfrm>
-                <a:off x="15029443" y="9846267"/>
+                <a:off x="24173443" y="18990267"/>
                 <a:ext cx="20160" cy="54000"/>
               </a:xfrm>
               <a:prstGeom prst="rect">
@@ -18088,8 +20926,8 @@
           </p:pic>
         </mc:Fallback>
       </mc:AlternateContent>
-      <mc:AlternateContent xmlns:mc="http://schemas.openxmlformats.org/markup-compatibility/2006" xmlns:p14="http://schemas.microsoft.com/office/powerpoint/2010/main">
-        <mc:Choice Requires="p14">
+      <mc:AlternateContent xmlns:mc="http://schemas.openxmlformats.org/markup-compatibility/2006">
+        <mc:Choice xmlns:p14="http://schemas.microsoft.com/office/powerpoint/2010/main" Requires="p14">
           <p:contentPart p14:bwMode="auto" r:id="rId28">
             <p14:nvContentPartPr>
               <p14:cNvPr id="29" name="Ink 28">
@@ -18103,12 +20941,12 @@
               <p14:nvPr/>
             </p14:nvContentPartPr>
             <p14:xfrm>
-              <a:off x="14994163" y="9537027"/>
+              <a:off x="24138163" y="18681027"/>
               <a:ext cx="360" cy="91440"/>
             </p14:xfrm>
           </p:contentPart>
         </mc:Choice>
-        <mc:Fallback xmlns="">
+        <mc:Fallback>
           <p:pic>
             <p:nvPicPr>
               <p:cNvPr id="29" name="Ink 28">
@@ -18129,7 +20967,7 @@
             </p:blipFill>
             <p:spPr>
               <a:xfrm>
-                <a:off x="14988043" y="9530907"/>
+                <a:off x="24132043" y="18674907"/>
                 <a:ext cx="12600" cy="103680"/>
               </a:xfrm>
               <a:prstGeom prst="rect">
@@ -18139,8 +20977,8 @@
           </p:pic>
         </mc:Fallback>
       </mc:AlternateContent>
-      <mc:AlternateContent xmlns:mc="http://schemas.openxmlformats.org/markup-compatibility/2006" xmlns:p14="http://schemas.microsoft.com/office/powerpoint/2010/main">
-        <mc:Choice Requires="p14">
+      <mc:AlternateContent xmlns:mc="http://schemas.openxmlformats.org/markup-compatibility/2006">
+        <mc:Choice xmlns:p14="http://schemas.microsoft.com/office/powerpoint/2010/main" Requires="p14">
           <p:contentPart p14:bwMode="auto" r:id="rId30">
             <p14:nvContentPartPr>
               <p14:cNvPr id="30" name="Ink 29">
@@ -18154,12 +20992,12 @@
               <p14:nvPr/>
             </p14:nvContentPartPr>
             <p14:xfrm>
-              <a:off x="14994163" y="9178827"/>
+              <a:off x="24138163" y="18322827"/>
               <a:ext cx="360" cy="115200"/>
             </p14:xfrm>
           </p:contentPart>
         </mc:Choice>
-        <mc:Fallback xmlns="">
+        <mc:Fallback>
           <p:pic>
             <p:nvPicPr>
               <p:cNvPr id="30" name="Ink 29">
@@ -18180,7 +21018,7 @@
             </p:blipFill>
             <p:spPr>
               <a:xfrm>
-                <a:off x="14988043" y="9172707"/>
+                <a:off x="24132043" y="18316707"/>
                 <a:ext cx="12600" cy="127440"/>
               </a:xfrm>
               <a:prstGeom prst="rect">
@@ -18190,8 +21028,8 @@
           </p:pic>
         </mc:Fallback>
       </mc:AlternateContent>
-      <mc:AlternateContent xmlns:mc="http://schemas.openxmlformats.org/markup-compatibility/2006" xmlns:p14="http://schemas.microsoft.com/office/powerpoint/2010/main">
-        <mc:Choice Requires="p14">
+      <mc:AlternateContent xmlns:mc="http://schemas.openxmlformats.org/markup-compatibility/2006">
+        <mc:Choice xmlns:p14="http://schemas.microsoft.com/office/powerpoint/2010/main" Requires="p14">
           <p:contentPart p14:bwMode="auto" r:id="rId32">
             <p14:nvContentPartPr>
               <p14:cNvPr id="31" name="Ink 30">
@@ -18205,12 +21043,12 @@
               <p14:nvPr/>
             </p14:nvContentPartPr>
             <p14:xfrm>
-              <a:off x="14980483" y="8821347"/>
+              <a:off x="24124483" y="17965347"/>
               <a:ext cx="4320" cy="167760"/>
             </p14:xfrm>
           </p:contentPart>
         </mc:Choice>
-        <mc:Fallback xmlns="">
+        <mc:Fallback>
           <p:pic>
             <p:nvPicPr>
               <p:cNvPr id="31" name="Ink 30">
@@ -18231,7 +21069,7 @@
             </p:blipFill>
             <p:spPr>
               <a:xfrm>
-                <a:off x="14974363" y="8815240"/>
+                <a:off x="24118363" y="17959240"/>
                 <a:ext cx="16560" cy="179974"/>
               </a:xfrm>
               <a:prstGeom prst="rect">
@@ -18241,8 +21079,8 @@
           </p:pic>
         </mc:Fallback>
       </mc:AlternateContent>
-      <mc:AlternateContent xmlns:mc="http://schemas.openxmlformats.org/markup-compatibility/2006" xmlns:p14="http://schemas.microsoft.com/office/powerpoint/2010/main">
-        <mc:Choice Requires="p14">
+      <mc:AlternateContent xmlns:mc="http://schemas.openxmlformats.org/markup-compatibility/2006">
+        <mc:Choice xmlns:p14="http://schemas.microsoft.com/office/powerpoint/2010/main" Requires="p14">
           <p:contentPart p14:bwMode="auto" r:id="rId34">
             <p14:nvContentPartPr>
               <p14:cNvPr id="32" name="Ink 31">
@@ -18256,12 +21094,12 @@
               <p14:nvPr/>
             </p14:nvContentPartPr>
             <p14:xfrm>
-              <a:off x="14974723" y="8651787"/>
+              <a:off x="24118723" y="17795787"/>
               <a:ext cx="360" cy="62280"/>
             </p14:xfrm>
           </p:contentPart>
         </mc:Choice>
-        <mc:Fallback xmlns="">
+        <mc:Fallback>
           <p:pic>
             <p:nvPicPr>
               <p:cNvPr id="32" name="Ink 31">
@@ -18282,7 +21120,7 @@
             </p:blipFill>
             <p:spPr>
               <a:xfrm>
-                <a:off x="14968603" y="8645667"/>
+                <a:off x="24112603" y="17789667"/>
                 <a:ext cx="12600" cy="74520"/>
               </a:xfrm>
               <a:prstGeom prst="rect">
@@ -18292,8 +21130,8 @@
           </p:pic>
         </mc:Fallback>
       </mc:AlternateContent>
-      <mc:AlternateContent xmlns:mc="http://schemas.openxmlformats.org/markup-compatibility/2006" xmlns:p14="http://schemas.microsoft.com/office/powerpoint/2010/main">
-        <mc:Choice Requires="p14">
+      <mc:AlternateContent xmlns:mc="http://schemas.openxmlformats.org/markup-compatibility/2006">
+        <mc:Choice xmlns:p14="http://schemas.microsoft.com/office/powerpoint/2010/main" Requires="p14">
           <p:contentPart p14:bwMode="auto" r:id="rId36">
             <p14:nvContentPartPr>
               <p14:cNvPr id="33" name="Ink 32">
@@ -18307,12 +21145,12 @@
               <p14:nvPr/>
             </p14:nvContentPartPr>
             <p14:xfrm>
-              <a:off x="14974723" y="8403747"/>
+              <a:off x="24118723" y="17547747"/>
               <a:ext cx="9360" cy="45000"/>
             </p14:xfrm>
           </p:contentPart>
         </mc:Choice>
-        <mc:Fallback xmlns="">
+        <mc:Fallback>
           <p:pic>
             <p:nvPicPr>
               <p:cNvPr id="33" name="Ink 32">
@@ -18333,7 +21171,7 @@
             </p:blipFill>
             <p:spPr>
               <a:xfrm>
-                <a:off x="14968603" y="8397627"/>
+                <a:off x="24112603" y="17541627"/>
                 <a:ext cx="21600" cy="57240"/>
               </a:xfrm>
               <a:prstGeom prst="rect">
@@ -18343,8 +21181,8 @@
           </p:pic>
         </mc:Fallback>
       </mc:AlternateContent>
-      <mc:AlternateContent xmlns:mc="http://schemas.openxmlformats.org/markup-compatibility/2006" xmlns:p14="http://schemas.microsoft.com/office/powerpoint/2010/main">
-        <mc:Choice Requires="p14">
+      <mc:AlternateContent xmlns:mc="http://schemas.openxmlformats.org/markup-compatibility/2006">
+        <mc:Choice xmlns:p14="http://schemas.microsoft.com/office/powerpoint/2010/main" Requires="p14">
           <p:contentPart p14:bwMode="auto" r:id="rId38">
             <p14:nvContentPartPr>
               <p14:cNvPr id="36" name="Ink 35">
@@ -18358,12 +21196,12 @@
               <p14:nvPr/>
             </p14:nvContentPartPr>
             <p14:xfrm>
-              <a:off x="15013603" y="7650267"/>
+              <a:off x="24157603" y="16794267"/>
               <a:ext cx="360" cy="51120"/>
             </p14:xfrm>
           </p:contentPart>
         </mc:Choice>
-        <mc:Fallback xmlns="">
+        <mc:Fallback>
           <p:pic>
             <p:nvPicPr>
               <p:cNvPr id="36" name="Ink 35">
@@ -18384,7 +21222,7 @@
             </p:blipFill>
             <p:spPr>
               <a:xfrm>
-                <a:off x="15007483" y="7644147"/>
+                <a:off x="24151483" y="16788147"/>
                 <a:ext cx="12600" cy="63360"/>
               </a:xfrm>
               <a:prstGeom prst="rect">
@@ -18394,8 +21232,8 @@
           </p:pic>
         </mc:Fallback>
       </mc:AlternateContent>
-      <mc:AlternateContent xmlns:mc="http://schemas.openxmlformats.org/markup-compatibility/2006" xmlns:p14="http://schemas.microsoft.com/office/powerpoint/2010/main">
-        <mc:Choice Requires="p14">
+      <mc:AlternateContent xmlns:mc="http://schemas.openxmlformats.org/markup-compatibility/2006">
+        <mc:Choice xmlns:p14="http://schemas.microsoft.com/office/powerpoint/2010/main" Requires="p14">
           <p:contentPart p14:bwMode="auto" r:id="rId40">
             <p14:nvContentPartPr>
               <p14:cNvPr id="37" name="Ink 36">
@@ -18409,12 +21247,12 @@
               <p14:nvPr/>
             </p14:nvContentPartPr>
             <p14:xfrm>
-              <a:off x="14994163" y="7365507"/>
+              <a:off x="24138163" y="16509507"/>
               <a:ext cx="360" cy="50760"/>
             </p14:xfrm>
           </p:contentPart>
         </mc:Choice>
-        <mc:Fallback xmlns="">
+        <mc:Fallback>
           <p:pic>
             <p:nvPicPr>
               <p:cNvPr id="37" name="Ink 36">
@@ -18435,7 +21273,7 @@
             </p:blipFill>
             <p:spPr>
               <a:xfrm>
-                <a:off x="14988043" y="7359430"/>
+                <a:off x="24132043" y="16503430"/>
                 <a:ext cx="12600" cy="62914"/>
               </a:xfrm>
               <a:prstGeom prst="rect">
@@ -18445,8 +21283,8 @@
           </p:pic>
         </mc:Fallback>
       </mc:AlternateContent>
-      <mc:AlternateContent xmlns:mc="http://schemas.openxmlformats.org/markup-compatibility/2006" xmlns:p14="http://schemas.microsoft.com/office/powerpoint/2010/main">
-        <mc:Choice Requires="p14">
+      <mc:AlternateContent xmlns:mc="http://schemas.openxmlformats.org/markup-compatibility/2006">
+        <mc:Choice xmlns:p14="http://schemas.microsoft.com/office/powerpoint/2010/main" Requires="p14">
           <p:contentPart p14:bwMode="auto" r:id="rId41">
             <p14:nvContentPartPr>
               <p14:cNvPr id="38" name="Ink 37">
@@ -18460,12 +21298,12 @@
               <p14:nvPr/>
             </p14:nvContentPartPr>
             <p14:xfrm>
-              <a:off x="14964283" y="6973467"/>
+              <a:off x="24108283" y="16117467"/>
               <a:ext cx="360" cy="360"/>
             </p14:xfrm>
           </p:contentPart>
         </mc:Choice>
-        <mc:Fallback xmlns="">
+        <mc:Fallback>
           <p:pic>
             <p:nvPicPr>
               <p:cNvPr id="38" name="Ink 37">
@@ -18486,7 +21324,7 @@
             </p:blipFill>
             <p:spPr>
               <a:xfrm>
-                <a:off x="14958163" y="6967347"/>
+                <a:off x="24102163" y="16111347"/>
                 <a:ext cx="12600" cy="12600"/>
               </a:xfrm>
               <a:prstGeom prst="rect">
@@ -18496,8 +21334,8 @@
           </p:pic>
         </mc:Fallback>
       </mc:AlternateContent>
-      <mc:AlternateContent xmlns:mc="http://schemas.openxmlformats.org/markup-compatibility/2006" xmlns:p14="http://schemas.microsoft.com/office/powerpoint/2010/main">
-        <mc:Choice Requires="p14">
+      <mc:AlternateContent xmlns:mc="http://schemas.openxmlformats.org/markup-compatibility/2006">
+        <mc:Choice xmlns:p14="http://schemas.microsoft.com/office/powerpoint/2010/main" Requires="p14">
           <p:contentPart p14:bwMode="auto" r:id="rId42">
             <p14:nvContentPartPr>
               <p14:cNvPr id="39" name="Ink 38">
@@ -18511,12 +21349,12 @@
               <p14:nvPr/>
             </p14:nvContentPartPr>
             <p14:xfrm>
-              <a:off x="14964283" y="6747387"/>
+              <a:off x="24108283" y="15891387"/>
               <a:ext cx="360" cy="59040"/>
             </p14:xfrm>
           </p:contentPart>
         </mc:Choice>
-        <mc:Fallback xmlns="">
+        <mc:Fallback>
           <p:pic>
             <p:nvPicPr>
               <p:cNvPr id="39" name="Ink 38">
@@ -18537,7 +21375,7 @@
             </p:blipFill>
             <p:spPr>
               <a:xfrm>
-                <a:off x="14958163" y="6741304"/>
+                <a:off x="24102163" y="15885304"/>
                 <a:ext cx="12600" cy="71206"/>
               </a:xfrm>
               <a:prstGeom prst="rect">
@@ -18547,8 +21385,8 @@
           </p:pic>
         </mc:Fallback>
       </mc:AlternateContent>
-      <mc:AlternateContent xmlns:mc="http://schemas.openxmlformats.org/markup-compatibility/2006" xmlns:p14="http://schemas.microsoft.com/office/powerpoint/2010/main">
-        <mc:Choice Requires="p14">
+      <mc:AlternateContent xmlns:mc="http://schemas.openxmlformats.org/markup-compatibility/2006">
+        <mc:Choice xmlns:p14="http://schemas.microsoft.com/office/powerpoint/2010/main" Requires="p14">
           <p:contentPart p14:bwMode="auto" r:id="rId44">
             <p14:nvContentPartPr>
               <p14:cNvPr id="40" name="Ink 39">
@@ -18562,12 +21400,12 @@
               <p14:nvPr/>
             </p14:nvContentPartPr>
             <p14:xfrm>
-              <a:off x="14964283" y="6402867"/>
+              <a:off x="24108283" y="15546867"/>
               <a:ext cx="360" cy="360"/>
             </p14:xfrm>
           </p:contentPart>
         </mc:Choice>
-        <mc:Fallback xmlns="">
+        <mc:Fallback>
           <p:pic>
             <p:nvPicPr>
               <p:cNvPr id="40" name="Ink 39">
@@ -18588,7 +21426,7 @@
             </p:blipFill>
             <p:spPr>
               <a:xfrm>
-                <a:off x="14958163" y="6396747"/>
+                <a:off x="24102163" y="15540747"/>
                 <a:ext cx="12600" cy="12600"/>
               </a:xfrm>
               <a:prstGeom prst="rect">
@@ -18598,8 +21436,8 @@
           </p:pic>
         </mc:Fallback>
       </mc:AlternateContent>
-      <mc:AlternateContent xmlns:mc="http://schemas.openxmlformats.org/markup-compatibility/2006" xmlns:p14="http://schemas.microsoft.com/office/powerpoint/2010/main">
-        <mc:Choice Requires="p14">
+      <mc:AlternateContent xmlns:mc="http://schemas.openxmlformats.org/markup-compatibility/2006">
+        <mc:Choice xmlns:p14="http://schemas.microsoft.com/office/powerpoint/2010/main" Requires="p14">
           <p:contentPart p14:bwMode="auto" r:id="rId45">
             <p14:nvContentPartPr>
               <p14:cNvPr id="41" name="Ink 40">
@@ -18613,12 +21451,12 @@
               <p14:nvPr/>
             </p14:nvContentPartPr>
             <p14:xfrm>
-              <a:off x="14994163" y="6224307"/>
+              <a:off x="24138163" y="15368307"/>
               <a:ext cx="360" cy="2160"/>
             </p14:xfrm>
           </p:contentPart>
         </mc:Choice>
-        <mc:Fallback xmlns="">
+        <mc:Fallback>
           <p:pic>
             <p:nvPicPr>
               <p:cNvPr id="41" name="Ink 40">
@@ -18639,7 +21477,7 @@
             </p:blipFill>
             <p:spPr>
               <a:xfrm>
-                <a:off x="14988043" y="6218187"/>
+                <a:off x="24132043" y="15362187"/>
                 <a:ext cx="12600" cy="14400"/>
               </a:xfrm>
               <a:prstGeom prst="rect">
@@ -18649,8 +21487,8 @@
           </p:pic>
         </mc:Fallback>
       </mc:AlternateContent>
-      <mc:AlternateContent xmlns:mc="http://schemas.openxmlformats.org/markup-compatibility/2006" xmlns:p14="http://schemas.microsoft.com/office/powerpoint/2010/main">
-        <mc:Choice Requires="p14">
+      <mc:AlternateContent xmlns:mc="http://schemas.openxmlformats.org/markup-compatibility/2006">
+        <mc:Choice xmlns:p14="http://schemas.microsoft.com/office/powerpoint/2010/main" Requires="p14">
           <p:contentPart p14:bwMode="auto" r:id="rId47">
             <p14:nvContentPartPr>
               <p14:cNvPr id="43" name="Ink 42">
@@ -18664,12 +21502,12 @@
               <p14:nvPr/>
             </p14:nvContentPartPr>
             <p14:xfrm>
-              <a:off x="15947803" y="6255627"/>
+              <a:off x="25091803" y="15399627"/>
               <a:ext cx="360" cy="360"/>
             </p14:xfrm>
           </p:contentPart>
         </mc:Choice>
-        <mc:Fallback xmlns="">
+        <mc:Fallback>
           <p:pic>
             <p:nvPicPr>
               <p:cNvPr id="43" name="Ink 42">
@@ -18690,7 +21528,7 @@
             </p:blipFill>
             <p:spPr>
               <a:xfrm>
-                <a:off x="15941683" y="6249507"/>
+                <a:off x="25085683" y="15393507"/>
                 <a:ext cx="12600" cy="12600"/>
               </a:xfrm>
               <a:prstGeom prst="rect">
@@ -18700,8 +21538,8 @@
           </p:pic>
         </mc:Fallback>
       </mc:AlternateContent>
-      <mc:AlternateContent xmlns:mc="http://schemas.openxmlformats.org/markup-compatibility/2006" xmlns:p14="http://schemas.microsoft.com/office/powerpoint/2010/main">
-        <mc:Choice Requires="p14">
+      <mc:AlternateContent xmlns:mc="http://schemas.openxmlformats.org/markup-compatibility/2006">
+        <mc:Choice xmlns:p14="http://schemas.microsoft.com/office/powerpoint/2010/main" Requires="p14">
           <p:contentPart p14:bwMode="auto" r:id="rId48">
             <p14:nvContentPartPr>
               <p14:cNvPr id="44" name="Ink 43">
@@ -18715,12 +21553,12 @@
               <p14:nvPr/>
             </p14:nvContentPartPr>
             <p14:xfrm>
-              <a:off x="15967243" y="6393147"/>
+              <a:off x="25111243" y="15537147"/>
               <a:ext cx="20520" cy="77760"/>
             </p14:xfrm>
           </p:contentPart>
         </mc:Choice>
-        <mc:Fallback xmlns="">
+        <mc:Fallback>
           <p:pic>
             <p:nvPicPr>
               <p:cNvPr id="44" name="Ink 43">
@@ -18741,7 +21579,7 @@
             </p:blipFill>
             <p:spPr>
               <a:xfrm>
-                <a:off x="15961123" y="6387055"/>
+                <a:off x="25105123" y="15531055"/>
                 <a:ext cx="32760" cy="89944"/>
               </a:xfrm>
               <a:prstGeom prst="rect">
@@ -18751,8 +21589,8 @@
           </p:pic>
         </mc:Fallback>
       </mc:AlternateContent>
-      <mc:AlternateContent xmlns:mc="http://schemas.openxmlformats.org/markup-compatibility/2006" xmlns:p14="http://schemas.microsoft.com/office/powerpoint/2010/main">
-        <mc:Choice Requires="p14">
+      <mc:AlternateContent xmlns:mc="http://schemas.openxmlformats.org/markup-compatibility/2006">
+        <mc:Choice xmlns:p14="http://schemas.microsoft.com/office/powerpoint/2010/main" Requires="p14">
           <p:contentPart p14:bwMode="auto" r:id="rId50">
             <p14:nvContentPartPr>
               <p14:cNvPr id="45" name="Ink 44">
@@ -18766,12 +21604,12 @@
               <p14:nvPr/>
             </p14:nvContentPartPr>
             <p14:xfrm>
-              <a:off x="16036363" y="6649107"/>
+              <a:off x="25180363" y="15793107"/>
               <a:ext cx="26640" cy="108720"/>
             </p14:xfrm>
           </p:contentPart>
         </mc:Choice>
-        <mc:Fallback xmlns="">
+        <mc:Fallback>
           <p:pic>
             <p:nvPicPr>
               <p:cNvPr id="45" name="Ink 44">
@@ -18792,7 +21630,7 @@
             </p:blipFill>
             <p:spPr>
               <a:xfrm>
-                <a:off x="16030159" y="6643007"/>
+                <a:off x="25174159" y="15787007"/>
                 <a:ext cx="39048" cy="120920"/>
               </a:xfrm>
               <a:prstGeom prst="rect">
@@ -18802,8 +21640,8 @@
           </p:pic>
         </mc:Fallback>
       </mc:AlternateContent>
-      <mc:AlternateContent xmlns:mc="http://schemas.openxmlformats.org/markup-compatibility/2006" xmlns:p14="http://schemas.microsoft.com/office/powerpoint/2010/main">
-        <mc:Choice Requires="p14">
+      <mc:AlternateContent xmlns:mc="http://schemas.openxmlformats.org/markup-compatibility/2006">
+        <mc:Choice xmlns:p14="http://schemas.microsoft.com/office/powerpoint/2010/main" Requires="p14">
           <p:contentPart p14:bwMode="auto" r:id="rId52">
             <p14:nvContentPartPr>
               <p14:cNvPr id="46" name="Ink 45">
@@ -18817,12 +21655,12 @@
               <p14:nvPr/>
             </p14:nvContentPartPr>
             <p14:xfrm>
-              <a:off x="16065883" y="6943947"/>
+              <a:off x="25209883" y="16087947"/>
               <a:ext cx="10440" cy="100080"/>
             </p14:xfrm>
           </p:contentPart>
         </mc:Choice>
-        <mc:Fallback xmlns="">
+        <mc:Fallback>
           <p:pic>
             <p:nvPicPr>
               <p:cNvPr id="46" name="Ink 45">
@@ -18843,7 +21681,7 @@
             </p:blipFill>
             <p:spPr>
               <a:xfrm>
-                <a:off x="16059763" y="6937827"/>
+                <a:off x="25203763" y="16081827"/>
                 <a:ext cx="22680" cy="112320"/>
               </a:xfrm>
               <a:prstGeom prst="rect">
@@ -18853,8 +21691,8 @@
           </p:pic>
         </mc:Fallback>
       </mc:AlternateContent>
-      <mc:AlternateContent xmlns:mc="http://schemas.openxmlformats.org/markup-compatibility/2006" xmlns:p14="http://schemas.microsoft.com/office/powerpoint/2010/main">
-        <mc:Choice Requires="p14">
+      <mc:AlternateContent xmlns:mc="http://schemas.openxmlformats.org/markup-compatibility/2006">
+        <mc:Choice xmlns:p14="http://schemas.microsoft.com/office/powerpoint/2010/main" Requires="p14">
           <p:contentPart p14:bwMode="auto" r:id="rId54">
             <p14:nvContentPartPr>
               <p14:cNvPr id="47" name="Ink 46">
@@ -18868,12 +21706,12 @@
               <p14:nvPr/>
             </p14:nvContentPartPr>
             <p14:xfrm>
-              <a:off x="16065883" y="7297827"/>
+              <a:off x="25209883" y="16441827"/>
               <a:ext cx="20880" cy="163800"/>
             </p14:xfrm>
           </p:contentPart>
         </mc:Choice>
-        <mc:Fallback xmlns="">
+        <mc:Fallback>
           <p:pic>
             <p:nvPicPr>
               <p:cNvPr id="47" name="Ink 46">
@@ -18894,7 +21732,7 @@
             </p:blipFill>
             <p:spPr>
               <a:xfrm>
-                <a:off x="16059763" y="7291707"/>
+                <a:off x="25203763" y="16435707"/>
                 <a:ext cx="33120" cy="176040"/>
               </a:xfrm>
               <a:prstGeom prst="rect">
@@ -18904,8 +21742,8 @@
           </p:pic>
         </mc:Fallback>
       </mc:AlternateContent>
-      <mc:AlternateContent xmlns:mc="http://schemas.openxmlformats.org/markup-compatibility/2006" xmlns:p14="http://schemas.microsoft.com/office/powerpoint/2010/main">
-        <mc:Choice Requires="p14">
+      <mc:AlternateContent xmlns:mc="http://schemas.openxmlformats.org/markup-compatibility/2006">
+        <mc:Choice xmlns:p14="http://schemas.microsoft.com/office/powerpoint/2010/main" Requires="p14">
           <p:contentPart p14:bwMode="auto" r:id="rId56">
             <p14:nvContentPartPr>
               <p14:cNvPr id="48" name="Ink 47">
@@ -18919,12 +21757,12 @@
               <p14:nvPr/>
             </p14:nvContentPartPr>
             <p14:xfrm>
-              <a:off x="16048243" y="7652067"/>
+              <a:off x="25192243" y="16796067"/>
               <a:ext cx="37440" cy="244440"/>
             </p14:xfrm>
           </p:contentPart>
         </mc:Choice>
-        <mc:Fallback xmlns="">
+        <mc:Fallback>
           <p:pic>
             <p:nvPicPr>
               <p:cNvPr id="48" name="Ink 47">
@@ -18945,7 +21783,7 @@
             </p:blipFill>
             <p:spPr>
               <a:xfrm>
-                <a:off x="16042123" y="7645947"/>
+                <a:off x="25186123" y="16789947"/>
                 <a:ext cx="49680" cy="256680"/>
               </a:xfrm>
               <a:prstGeom prst="rect">
@@ -18955,8 +21793,8 @@
           </p:pic>
         </mc:Fallback>
       </mc:AlternateContent>
-      <mc:AlternateContent xmlns:mc="http://schemas.openxmlformats.org/markup-compatibility/2006" xmlns:p14="http://schemas.microsoft.com/office/powerpoint/2010/main">
-        <mc:Choice Requires="p14">
+      <mc:AlternateContent xmlns:mc="http://schemas.openxmlformats.org/markup-compatibility/2006">
+        <mc:Choice xmlns:p14="http://schemas.microsoft.com/office/powerpoint/2010/main" Requires="p14">
           <p:contentPart p14:bwMode="auto" r:id="rId58">
             <p14:nvContentPartPr>
               <p14:cNvPr id="49" name="Ink 48">
@@ -18970,12 +21808,12 @@
               <p14:nvPr/>
             </p14:nvContentPartPr>
             <p14:xfrm>
-              <a:off x="16036363" y="8035107"/>
+              <a:off x="25180363" y="17179107"/>
               <a:ext cx="360" cy="101160"/>
             </p14:xfrm>
           </p:contentPart>
         </mc:Choice>
-        <mc:Fallback xmlns="">
+        <mc:Fallback>
           <p:pic>
             <p:nvPicPr>
               <p:cNvPr id="49" name="Ink 48">
@@ -18996,7 +21834,7 @@
             </p:blipFill>
             <p:spPr>
               <a:xfrm>
-                <a:off x="16030243" y="8028987"/>
+                <a:off x="25174243" y="17172987"/>
                 <a:ext cx="12600" cy="113400"/>
               </a:xfrm>
               <a:prstGeom prst="rect">
@@ -19006,8 +21844,8 @@
           </p:pic>
         </mc:Fallback>
       </mc:AlternateContent>
-      <mc:AlternateContent xmlns:mc="http://schemas.openxmlformats.org/markup-compatibility/2006" xmlns:p14="http://schemas.microsoft.com/office/powerpoint/2010/main">
-        <mc:Choice Requires="p14">
+      <mc:AlternateContent xmlns:mc="http://schemas.openxmlformats.org/markup-compatibility/2006">
+        <mc:Choice xmlns:p14="http://schemas.microsoft.com/office/powerpoint/2010/main" Requires="p14">
           <p:contentPart p14:bwMode="auto" r:id="rId60">
             <p14:nvContentPartPr>
               <p14:cNvPr id="50" name="Ink 49">
@@ -19021,12 +21859,12 @@
               <p14:nvPr/>
             </p14:nvContentPartPr>
             <p14:xfrm>
-              <a:off x="16046083" y="8261547"/>
+              <a:off x="25190083" y="17405547"/>
               <a:ext cx="360" cy="71640"/>
             </p14:xfrm>
           </p:contentPart>
         </mc:Choice>
-        <mc:Fallback xmlns="">
+        <mc:Fallback>
           <p:pic>
             <p:nvPicPr>
               <p:cNvPr id="50" name="Ink 49">
@@ -19047,7 +21885,7 @@
             </p:blipFill>
             <p:spPr>
               <a:xfrm>
-                <a:off x="16039963" y="8255458"/>
+                <a:off x="25183963" y="17399458"/>
                 <a:ext cx="12600" cy="83819"/>
               </a:xfrm>
               <a:prstGeom prst="rect">
@@ -19057,8 +21895,8 @@
           </p:pic>
         </mc:Fallback>
       </mc:AlternateContent>
-      <mc:AlternateContent xmlns:mc="http://schemas.openxmlformats.org/markup-compatibility/2006" xmlns:p14="http://schemas.microsoft.com/office/powerpoint/2010/main">
-        <mc:Choice Requires="p14">
+      <mc:AlternateContent xmlns:mc="http://schemas.openxmlformats.org/markup-compatibility/2006">
+        <mc:Choice xmlns:p14="http://schemas.microsoft.com/office/powerpoint/2010/main" Requires="p14">
           <p:contentPart p14:bwMode="auto" r:id="rId62">
             <p14:nvContentPartPr>
               <p14:cNvPr id="51" name="Ink 50">
@@ -19072,12 +21910,12 @@
               <p14:nvPr/>
             </p14:nvContentPartPr>
             <p14:xfrm>
-              <a:off x="16055803" y="8516787"/>
+              <a:off x="25199803" y="17660787"/>
               <a:ext cx="19080" cy="78120"/>
             </p14:xfrm>
           </p:contentPart>
         </mc:Choice>
-        <mc:Fallback xmlns="">
+        <mc:Fallback>
           <p:pic>
             <p:nvPicPr>
               <p:cNvPr id="51" name="Ink 50">
@@ -19098,7 +21936,7 @@
             </p:blipFill>
             <p:spPr>
               <a:xfrm>
-                <a:off x="16049683" y="8510667"/>
+                <a:off x="25193683" y="17654667"/>
                 <a:ext cx="31320" cy="90360"/>
               </a:xfrm>
               <a:prstGeom prst="rect">
@@ -19108,8 +21946,8 @@
           </p:pic>
         </mc:Fallback>
       </mc:AlternateContent>
-      <mc:AlternateContent xmlns:mc="http://schemas.openxmlformats.org/markup-compatibility/2006" xmlns:p14="http://schemas.microsoft.com/office/powerpoint/2010/main">
-        <mc:Choice Requires="p14">
+      <mc:AlternateContent xmlns:mc="http://schemas.openxmlformats.org/markup-compatibility/2006">
+        <mc:Choice xmlns:p14="http://schemas.microsoft.com/office/powerpoint/2010/main" Requires="p14">
           <p:contentPart p14:bwMode="auto" r:id="rId64">
             <p14:nvContentPartPr>
               <p14:cNvPr id="52" name="Ink 51">
@@ -19123,12 +21961,12 @@
               <p14:nvPr/>
             </p14:nvContentPartPr>
             <p14:xfrm>
-              <a:off x="16114843" y="8821707"/>
+              <a:off x="25258843" y="17965707"/>
               <a:ext cx="20160" cy="136440"/>
             </p14:xfrm>
           </p:contentPart>
         </mc:Choice>
-        <mc:Fallback xmlns="">
+        <mc:Fallback>
           <p:pic>
             <p:nvPicPr>
               <p:cNvPr id="52" name="Ink 51">
@@ -19149,7 +21987,7 @@
             </p:blipFill>
             <p:spPr>
               <a:xfrm>
-                <a:off x="16108612" y="8815603"/>
+                <a:off x="25252612" y="17959603"/>
                 <a:ext cx="32623" cy="148648"/>
               </a:xfrm>
               <a:prstGeom prst="rect">
@@ -19159,8 +21997,8 @@
           </p:pic>
         </mc:Fallback>
       </mc:AlternateContent>
-      <mc:AlternateContent xmlns:mc="http://schemas.openxmlformats.org/markup-compatibility/2006" xmlns:p14="http://schemas.microsoft.com/office/powerpoint/2010/main">
-        <mc:Choice Requires="p14">
+      <mc:AlternateContent xmlns:mc="http://schemas.openxmlformats.org/markup-compatibility/2006">
+        <mc:Choice xmlns:p14="http://schemas.microsoft.com/office/powerpoint/2010/main" Requires="p14">
           <p:contentPart p14:bwMode="auto" r:id="rId66">
             <p14:nvContentPartPr>
               <p14:cNvPr id="53" name="Ink 52">
@@ -19174,12 +22012,12 @@
               <p14:nvPr/>
             </p14:nvContentPartPr>
             <p14:xfrm>
-              <a:off x="16144363" y="9116547"/>
+              <a:off x="25288363" y="18260547"/>
               <a:ext cx="360" cy="122400"/>
             </p14:xfrm>
           </p:contentPart>
         </mc:Choice>
-        <mc:Fallback xmlns="">
+        <mc:Fallback>
           <p:pic>
             <p:nvPicPr>
               <p:cNvPr id="53" name="Ink 52">
@@ -19200,7 +22038,7 @@
             </p:blipFill>
             <p:spPr>
               <a:xfrm>
-                <a:off x="16138243" y="9110427"/>
+                <a:off x="25282243" y="18254427"/>
                 <a:ext cx="12600" cy="134640"/>
               </a:xfrm>
               <a:prstGeom prst="rect">
@@ -19210,8 +22048,8 @@
           </p:pic>
         </mc:Fallback>
       </mc:AlternateContent>
-      <mc:AlternateContent xmlns:mc="http://schemas.openxmlformats.org/markup-compatibility/2006" xmlns:p14="http://schemas.microsoft.com/office/powerpoint/2010/main">
-        <mc:Choice Requires="p14">
+      <mc:AlternateContent xmlns:mc="http://schemas.openxmlformats.org/markup-compatibility/2006">
+        <mc:Choice xmlns:p14="http://schemas.microsoft.com/office/powerpoint/2010/main" Requires="p14">
           <p:contentPart p14:bwMode="auto" r:id="rId68">
             <p14:nvContentPartPr>
               <p14:cNvPr id="54" name="Ink 53">
@@ -19225,12 +22063,12 @@
               <p14:nvPr/>
             </p14:nvContentPartPr>
             <p14:xfrm>
-              <a:off x="16134643" y="9608667"/>
+              <a:off x="25278643" y="18752667"/>
               <a:ext cx="360" cy="26640"/>
             </p14:xfrm>
           </p:contentPart>
         </mc:Choice>
-        <mc:Fallback xmlns="">
+        <mc:Fallback>
           <p:pic>
             <p:nvPicPr>
               <p:cNvPr id="54" name="Ink 53">
@@ -19251,7 +22089,7 @@
             </p:blipFill>
             <p:spPr>
               <a:xfrm>
-                <a:off x="16128523" y="9602547"/>
+                <a:off x="25272523" y="18746547"/>
                 <a:ext cx="12600" cy="38880"/>
               </a:xfrm>
               <a:prstGeom prst="rect">
@@ -19261,8 +22099,8 @@
           </p:pic>
         </mc:Fallback>
       </mc:AlternateContent>
-      <mc:AlternateContent xmlns:mc="http://schemas.openxmlformats.org/markup-compatibility/2006" xmlns:p14="http://schemas.microsoft.com/office/powerpoint/2010/main">
-        <mc:Choice Requires="p14">
+      <mc:AlternateContent xmlns:mc="http://schemas.openxmlformats.org/markup-compatibility/2006">
+        <mc:Choice xmlns:p14="http://schemas.microsoft.com/office/powerpoint/2010/main" Requires="p14">
           <p:contentPart p14:bwMode="auto" r:id="rId70">
             <p14:nvContentPartPr>
               <p14:cNvPr id="55" name="Ink 54">
@@ -19276,12 +22114,12 @@
               <p14:nvPr/>
             </p14:nvContentPartPr>
             <p14:xfrm>
-              <a:off x="16120963" y="9755907"/>
+              <a:off x="25264963" y="18899907"/>
               <a:ext cx="4320" cy="32760"/>
             </p14:xfrm>
           </p:contentPart>
         </mc:Choice>
-        <mc:Fallback xmlns="">
+        <mc:Fallback>
           <p:pic>
             <p:nvPicPr>
               <p:cNvPr id="55" name="Ink 54">
@@ -19302,7 +22140,7 @@
             </p:blipFill>
             <p:spPr>
               <a:xfrm>
-                <a:off x="16114843" y="9749854"/>
+                <a:off x="25258843" y="18893854"/>
                 <a:ext cx="16560" cy="44867"/>
               </a:xfrm>
               <a:prstGeom prst="rect">
@@ -19312,8 +22150,8 @@
           </p:pic>
         </mc:Fallback>
       </mc:AlternateContent>
-      <mc:AlternateContent xmlns:mc="http://schemas.openxmlformats.org/markup-compatibility/2006" xmlns:p14="http://schemas.microsoft.com/office/powerpoint/2010/main">
-        <mc:Choice Requires="p14">
+      <mc:AlternateContent xmlns:mc="http://schemas.openxmlformats.org/markup-compatibility/2006">
+        <mc:Choice xmlns:p14="http://schemas.microsoft.com/office/powerpoint/2010/main" Requires="p14">
           <p:contentPart p14:bwMode="auto" r:id="rId72">
             <p14:nvContentPartPr>
               <p14:cNvPr id="56" name="Ink 55">
@@ -19327,12 +22165,12 @@
               <p14:nvPr/>
             </p14:nvContentPartPr>
             <p14:xfrm>
-              <a:off x="16095403" y="9922947"/>
+              <a:off x="25239403" y="19066947"/>
               <a:ext cx="360" cy="87120"/>
             </p14:xfrm>
           </p:contentPart>
         </mc:Choice>
-        <mc:Fallback xmlns="">
+        <mc:Fallback>
           <p:pic>
             <p:nvPicPr>
               <p:cNvPr id="56" name="Ink 55">
@@ -19353,7 +22191,7 @@
             </p:blipFill>
             <p:spPr>
               <a:xfrm>
-                <a:off x="16089283" y="9916827"/>
+                <a:off x="25233283" y="19060827"/>
                 <a:ext cx="12600" cy="99360"/>
               </a:xfrm>
               <a:prstGeom prst="rect">
@@ -19363,8 +22201,8 @@
           </p:pic>
         </mc:Fallback>
       </mc:AlternateContent>
-      <mc:AlternateContent xmlns:mc="http://schemas.openxmlformats.org/markup-compatibility/2006" xmlns:p14="http://schemas.microsoft.com/office/powerpoint/2010/main">
-        <mc:Choice Requires="p14">
+      <mc:AlternateContent xmlns:mc="http://schemas.openxmlformats.org/markup-compatibility/2006">
+        <mc:Choice xmlns:p14="http://schemas.microsoft.com/office/powerpoint/2010/main" Requires="p14">
           <p:contentPart p14:bwMode="auto" r:id="rId74">
             <p14:nvContentPartPr>
               <p14:cNvPr id="57" name="Ink 56">
@@ -19378,12 +22216,12 @@
               <p14:nvPr/>
             </p14:nvContentPartPr>
             <p14:xfrm>
-              <a:off x="16095403" y="10276827"/>
+              <a:off x="25239403" y="19420827"/>
               <a:ext cx="20520" cy="191160"/>
             </p14:xfrm>
           </p:contentPart>
         </mc:Choice>
-        <mc:Fallback xmlns="">
+        <mc:Fallback>
           <p:pic>
             <p:nvPicPr>
               <p:cNvPr id="57" name="Ink 56">
@@ -19404,7 +22242,7 @@
             </p:blipFill>
             <p:spPr>
               <a:xfrm>
-                <a:off x="16089283" y="10270707"/>
+                <a:off x="25233283" y="19414707"/>
                 <a:ext cx="32760" cy="203400"/>
               </a:xfrm>
               <a:prstGeom prst="rect">
@@ -19414,8 +22252,8 @@
           </p:pic>
         </mc:Fallback>
       </mc:AlternateContent>
-      <mc:AlternateContent xmlns:mc="http://schemas.openxmlformats.org/markup-compatibility/2006" xmlns:p14="http://schemas.microsoft.com/office/powerpoint/2010/main">
-        <mc:Choice Requires="p14">
+      <mc:AlternateContent xmlns:mc="http://schemas.openxmlformats.org/markup-compatibility/2006">
+        <mc:Choice xmlns:p14="http://schemas.microsoft.com/office/powerpoint/2010/main" Requires="p14">
           <p:contentPart p14:bwMode="auto" r:id="rId76">
             <p14:nvContentPartPr>
               <p14:cNvPr id="58" name="Ink 57">
@@ -19429,12 +22267,12 @@
               <p14:nvPr/>
             </p14:nvContentPartPr>
             <p14:xfrm>
-              <a:off x="16114843" y="10768587"/>
+              <a:off x="25258843" y="19912587"/>
               <a:ext cx="360" cy="118440"/>
             </p14:xfrm>
           </p:contentPart>
         </mc:Choice>
-        <mc:Fallback xmlns="">
+        <mc:Fallback>
           <p:pic>
             <p:nvPicPr>
               <p:cNvPr id="58" name="Ink 57">
@@ -19455,7 +22293,7 @@
             </p:blipFill>
             <p:spPr>
               <a:xfrm>
-                <a:off x="16108723" y="10762467"/>
+                <a:off x="25252723" y="19906467"/>
                 <a:ext cx="12600" cy="130680"/>
               </a:xfrm>
               <a:prstGeom prst="rect">
@@ -19465,8 +22303,8 @@
           </p:pic>
         </mc:Fallback>
       </mc:AlternateContent>
-      <mc:AlternateContent xmlns:mc="http://schemas.openxmlformats.org/markup-compatibility/2006" xmlns:p14="http://schemas.microsoft.com/office/powerpoint/2010/main">
-        <mc:Choice Requires="p14">
+      <mc:AlternateContent xmlns:mc="http://schemas.openxmlformats.org/markup-compatibility/2006">
+        <mc:Choice xmlns:p14="http://schemas.microsoft.com/office/powerpoint/2010/main" Requires="p14">
           <p:contentPart p14:bwMode="auto" r:id="rId78">
             <p14:nvContentPartPr>
               <p14:cNvPr id="59" name="Ink 58">
@@ -19480,12 +22318,12 @@
               <p14:nvPr/>
             </p14:nvContentPartPr>
             <p14:xfrm>
-              <a:off x="16105123" y="11171787"/>
+              <a:off x="25249123" y="20315787"/>
               <a:ext cx="360" cy="96480"/>
             </p14:xfrm>
           </p:contentPart>
         </mc:Choice>
-        <mc:Fallback xmlns="">
+        <mc:Fallback>
           <p:pic>
             <p:nvPicPr>
               <p:cNvPr id="59" name="Ink 58">
@@ -19506,7 +22344,7 @@
             </p:blipFill>
             <p:spPr>
               <a:xfrm>
-                <a:off x="16099003" y="11165667"/>
+                <a:off x="25243003" y="20309667"/>
                 <a:ext cx="12600" cy="108720"/>
               </a:xfrm>
               <a:prstGeom prst="rect">
@@ -19516,8 +22354,8 @@
           </p:pic>
         </mc:Fallback>
       </mc:AlternateContent>
-      <mc:AlternateContent xmlns:mc="http://schemas.openxmlformats.org/markup-compatibility/2006" xmlns:p14="http://schemas.microsoft.com/office/powerpoint/2010/main">
-        <mc:Choice Requires="p14">
+      <mc:AlternateContent xmlns:mc="http://schemas.openxmlformats.org/markup-compatibility/2006">
+        <mc:Choice xmlns:p14="http://schemas.microsoft.com/office/powerpoint/2010/main" Requires="p14">
           <p:contentPart p14:bwMode="auto" r:id="rId80">
             <p14:nvContentPartPr>
               <p14:cNvPr id="60" name="Ink 59">
@@ -19531,12 +22369,12 @@
               <p14:nvPr/>
             </p14:nvContentPartPr>
             <p14:xfrm>
-              <a:off x="16114843" y="11506227"/>
+              <a:off x="25258843" y="20650227"/>
               <a:ext cx="360" cy="114480"/>
             </p14:xfrm>
           </p:contentPart>
         </mc:Choice>
-        <mc:Fallback xmlns="">
+        <mc:Fallback>
           <p:pic>
             <p:nvPicPr>
               <p:cNvPr id="60" name="Ink 59">
@@ -19557,7 +22395,7 @@
             </p:blipFill>
             <p:spPr>
               <a:xfrm>
-                <a:off x="16108723" y="11500126"/>
+                <a:off x="25252723" y="20644126"/>
                 <a:ext cx="12600" cy="126682"/>
               </a:xfrm>
               <a:prstGeom prst="rect">
@@ -19567,8 +22405,8 @@
           </p:pic>
         </mc:Fallback>
       </mc:AlternateContent>
-      <mc:AlternateContent xmlns:mc="http://schemas.openxmlformats.org/markup-compatibility/2006" xmlns:p14="http://schemas.microsoft.com/office/powerpoint/2010/main">
-        <mc:Choice Requires="p14">
+      <mc:AlternateContent xmlns:mc="http://schemas.openxmlformats.org/markup-compatibility/2006">
+        <mc:Choice xmlns:p14="http://schemas.microsoft.com/office/powerpoint/2010/main" Requires="p14">
           <p:contentPart p14:bwMode="auto" r:id="rId82">
             <p14:nvContentPartPr>
               <p14:cNvPr id="61" name="Ink 60">
@@ -19582,12 +22420,12 @@
               <p14:nvPr/>
             </p14:nvContentPartPr>
             <p14:xfrm>
-              <a:off x="16114843" y="11860107"/>
+              <a:off x="25258843" y="21004107"/>
               <a:ext cx="360" cy="50040"/>
             </p14:xfrm>
           </p:contentPart>
         </mc:Choice>
-        <mc:Fallback xmlns="">
+        <mc:Fallback>
           <p:pic>
             <p:nvPicPr>
               <p:cNvPr id="61" name="Ink 60">
@@ -19608,7 +22446,7 @@
             </p:blipFill>
             <p:spPr>
               <a:xfrm>
-                <a:off x="16108723" y="11854031"/>
+                <a:off x="25252723" y="20998031"/>
                 <a:ext cx="12600" cy="62193"/>
               </a:xfrm>
               <a:prstGeom prst="rect">
@@ -19618,8 +22456,8 @@
           </p:pic>
         </mc:Fallback>
       </mc:AlternateContent>
-      <mc:AlternateContent xmlns:mc="http://schemas.openxmlformats.org/markup-compatibility/2006" xmlns:p14="http://schemas.microsoft.com/office/powerpoint/2010/main">
-        <mc:Choice Requires="p14">
+      <mc:AlternateContent xmlns:mc="http://schemas.openxmlformats.org/markup-compatibility/2006">
+        <mc:Choice xmlns:p14="http://schemas.microsoft.com/office/powerpoint/2010/main" Requires="p14">
           <p:contentPart p14:bwMode="auto" r:id="rId84">
             <p14:nvContentPartPr>
               <p14:cNvPr id="62" name="Ink 61">
@@ -19633,12 +22471,12 @@
               <p14:nvPr/>
             </p14:nvContentPartPr>
             <p14:xfrm>
-              <a:off x="16114843" y="12046947"/>
+              <a:off x="25258843" y="21190947"/>
               <a:ext cx="360" cy="18000"/>
             </p14:xfrm>
           </p:contentPart>
         </mc:Choice>
-        <mc:Fallback xmlns="">
+        <mc:Fallback>
           <p:pic>
             <p:nvPicPr>
               <p:cNvPr id="62" name="Ink 61">
@@ -19659,7 +22497,7 @@
             </p:blipFill>
             <p:spPr>
               <a:xfrm>
-                <a:off x="16108723" y="12040827"/>
+                <a:off x="25252723" y="21184827"/>
                 <a:ext cx="12600" cy="30240"/>
               </a:xfrm>
               <a:prstGeom prst="rect">
@@ -19669,8 +22507,8 @@
           </p:pic>
         </mc:Fallback>
       </mc:AlternateContent>
-      <mc:AlternateContent xmlns:mc="http://schemas.openxmlformats.org/markup-compatibility/2006" xmlns:p14="http://schemas.microsoft.com/office/powerpoint/2010/main">
-        <mc:Choice Requires="p14">
+      <mc:AlternateContent xmlns:mc="http://schemas.openxmlformats.org/markup-compatibility/2006">
+        <mc:Choice xmlns:p14="http://schemas.microsoft.com/office/powerpoint/2010/main" Requires="p14">
           <p:contentPart p14:bwMode="auto" r:id="rId86">
             <p14:nvContentPartPr>
               <p14:cNvPr id="63" name="Ink 62">
@@ -19684,12 +22522,12 @@
               <p14:nvPr/>
             </p14:nvContentPartPr>
             <p14:xfrm>
-              <a:off x="15149323" y="8013147"/>
+              <a:off x="24293323" y="17157147"/>
               <a:ext cx="565200" cy="378360"/>
             </p14:xfrm>
           </p:contentPart>
         </mc:Choice>
-        <mc:Fallback xmlns="">
+        <mc:Fallback>
           <p:pic>
             <p:nvPicPr>
               <p:cNvPr id="63" name="Ink 62">
@@ -19710,7 +22548,7 @@
             </p:blipFill>
             <p:spPr>
               <a:xfrm>
-                <a:off x="15143203" y="8007027"/>
+                <a:off x="24287203" y="17151027"/>
                 <a:ext cx="577440" cy="390600"/>
               </a:xfrm>
               <a:prstGeom prst="rect">
@@ -19720,8 +22558,8 @@
           </p:pic>
         </mc:Fallback>
       </mc:AlternateContent>
-      <mc:AlternateContent xmlns:mc="http://schemas.openxmlformats.org/markup-compatibility/2006" xmlns:p14="http://schemas.microsoft.com/office/powerpoint/2010/main">
-        <mc:Choice Requires="p14">
+      <mc:AlternateContent xmlns:mc="http://schemas.openxmlformats.org/markup-compatibility/2006">
+        <mc:Choice xmlns:p14="http://schemas.microsoft.com/office/powerpoint/2010/main" Requires="p14">
           <p:contentPart p14:bwMode="auto" r:id="rId88">
             <p14:nvContentPartPr>
               <p14:cNvPr id="65" name="Ink 64">
@@ -19735,12 +22573,12 @@
               <p14:nvPr/>
             </p14:nvContentPartPr>
             <p14:xfrm>
-              <a:off x="13383523" y="8049147"/>
+              <a:off x="22527523" y="17193147"/>
               <a:ext cx="241200" cy="241560"/>
             </p14:xfrm>
           </p:contentPart>
         </mc:Choice>
-        <mc:Fallback xmlns="">
+        <mc:Fallback>
           <p:pic>
             <p:nvPicPr>
               <p:cNvPr id="65" name="Ink 64">
@@ -19761,7 +22599,7 @@
             </p:blipFill>
             <p:spPr>
               <a:xfrm>
-                <a:off x="13377403" y="8043018"/>
+                <a:off x="22521403" y="17187018"/>
                 <a:ext cx="253440" cy="253818"/>
               </a:xfrm>
               <a:prstGeom prst="rect">
@@ -19785,7 +22623,7 @@
         </p:nvGrpSpPr>
         <p:grpSpPr>
           <a:xfrm>
-            <a:off x="13637323" y="8049507"/>
+            <a:off x="22781323" y="17193507"/>
             <a:ext cx="1524240" cy="231480"/>
             <a:chOff x="6017323" y="2334507"/>
             <a:chExt cx="1524240" cy="231480"/>
@@ -19945,8 +22783,8 @@
           </mc:Fallback>
         </mc:AlternateContent>
       </p:grpSp>
-      <mc:AlternateContent xmlns:mc="http://schemas.openxmlformats.org/markup-compatibility/2006" xmlns:p14="http://schemas.microsoft.com/office/powerpoint/2010/main">
-        <mc:Choice Requires="p14">
+      <mc:AlternateContent xmlns:mc="http://schemas.openxmlformats.org/markup-compatibility/2006">
+        <mc:Choice xmlns:p14="http://schemas.microsoft.com/office/powerpoint/2010/main" Requires="p14">
           <p:contentPart p14:bwMode="auto" r:id="rId96">
             <p14:nvContentPartPr>
               <p14:cNvPr id="68" name="Ink 67">
@@ -19960,12 +22798,12 @@
               <p14:nvPr/>
             </p14:nvContentPartPr>
             <p14:xfrm>
-              <a:off x="9920683" y="9962187"/>
+              <a:off x="19064683" y="19106187"/>
               <a:ext cx="1574640" cy="50400"/>
             </p14:xfrm>
           </p:contentPart>
         </mc:Choice>
-        <mc:Fallback xmlns="">
+        <mc:Fallback>
           <p:pic>
             <p:nvPicPr>
               <p:cNvPr id="68" name="Ink 67">
@@ -19986,7 +22824,7 @@
             </p:blipFill>
             <p:spPr>
               <a:xfrm>
-                <a:off x="9914563" y="9956110"/>
+                <a:off x="19058563" y="19100110"/>
                 <a:ext cx="1586880" cy="62553"/>
               </a:xfrm>
               <a:prstGeom prst="rect">
@@ -19996,8 +22834,8 @@
           </p:pic>
         </mc:Fallback>
       </mc:AlternateContent>
-      <mc:AlternateContent xmlns:mc="http://schemas.openxmlformats.org/markup-compatibility/2006" xmlns:p14="http://schemas.microsoft.com/office/powerpoint/2010/main">
-        <mc:Choice Requires="p14">
+      <mc:AlternateContent xmlns:mc="http://schemas.openxmlformats.org/markup-compatibility/2006">
+        <mc:Choice xmlns:p14="http://schemas.microsoft.com/office/powerpoint/2010/main" Requires="p14">
           <p:contentPart p14:bwMode="auto" r:id="rId98">
             <p14:nvContentPartPr>
               <p14:cNvPr id="69" name="Ink 68">
@@ -20011,12 +22849,12 @@
               <p14:nvPr/>
             </p14:nvContentPartPr>
             <p14:xfrm>
-              <a:off x="12240883" y="12174027"/>
+              <a:off x="21384883" y="21318027"/>
               <a:ext cx="442440" cy="21240"/>
             </p14:xfrm>
           </p:contentPart>
         </mc:Choice>
-        <mc:Fallback xmlns="">
+        <mc:Fallback>
           <p:pic>
             <p:nvPicPr>
               <p:cNvPr id="69" name="Ink 68">
@@ -20037,7 +22875,7 @@
             </p:blipFill>
             <p:spPr>
               <a:xfrm>
-                <a:off x="12234758" y="12167907"/>
+                <a:off x="21378758" y="21311907"/>
                 <a:ext cx="454690" cy="33480"/>
               </a:xfrm>
               <a:prstGeom prst="rect">
@@ -20047,8 +22885,8 @@
           </p:pic>
         </mc:Fallback>
       </mc:AlternateContent>
-      <mc:AlternateContent xmlns:mc="http://schemas.openxmlformats.org/markup-compatibility/2006" xmlns:p14="http://schemas.microsoft.com/office/powerpoint/2010/main">
-        <mc:Choice Requires="p14">
+      <mc:AlternateContent xmlns:mc="http://schemas.openxmlformats.org/markup-compatibility/2006">
+        <mc:Choice xmlns:p14="http://schemas.microsoft.com/office/powerpoint/2010/main" Requires="p14">
           <p:contentPart p14:bwMode="auto" r:id="rId100">
             <p14:nvContentPartPr>
               <p14:cNvPr id="70" name="Ink 69">
@@ -20062,12 +22900,12 @@
               <p14:nvPr/>
             </p14:nvContentPartPr>
             <p14:xfrm>
-              <a:off x="11629243" y="9644667"/>
+              <a:off x="20773243" y="18788667"/>
               <a:ext cx="614520" cy="240840"/>
             </p14:xfrm>
           </p:contentPart>
         </mc:Choice>
-        <mc:Fallback xmlns="">
+        <mc:Fallback>
           <p:pic>
             <p:nvPicPr>
               <p:cNvPr id="70" name="Ink 69">
@@ -20088,7 +22926,7 @@
             </p:blipFill>
             <p:spPr>
               <a:xfrm>
-                <a:off x="11623123" y="9638547"/>
+                <a:off x="20767123" y="18782547"/>
                 <a:ext cx="626760" cy="253080"/>
               </a:xfrm>
               <a:prstGeom prst="rect">
@@ -20098,8 +22936,8 @@
           </p:pic>
         </mc:Fallback>
       </mc:AlternateContent>
-      <mc:AlternateContent xmlns:mc="http://schemas.openxmlformats.org/markup-compatibility/2006" xmlns:p14="http://schemas.microsoft.com/office/powerpoint/2010/main">
-        <mc:Choice Requires="p14">
+      <mc:AlternateContent xmlns:mc="http://schemas.openxmlformats.org/markup-compatibility/2006">
+        <mc:Choice xmlns:p14="http://schemas.microsoft.com/office/powerpoint/2010/main" Requires="p14">
           <p:contentPart p14:bwMode="auto" r:id="rId102">
             <p14:nvContentPartPr>
               <p14:cNvPr id="71" name="Ink 70">
@@ -20113,12 +22951,12 @@
               <p14:nvPr/>
             </p14:nvContentPartPr>
             <p14:xfrm>
-              <a:off x="11935603" y="9427947"/>
+              <a:off x="21079603" y="18571947"/>
               <a:ext cx="124560" cy="142200"/>
             </p14:xfrm>
           </p:contentPart>
         </mc:Choice>
-        <mc:Fallback xmlns="">
+        <mc:Fallback>
           <p:pic>
             <p:nvPicPr>
               <p:cNvPr id="71" name="Ink 70">
@@ -20139,7 +22977,7 @@
             </p:blipFill>
             <p:spPr>
               <a:xfrm>
-                <a:off x="11929483" y="9421827"/>
+                <a:off x="21073483" y="18565827"/>
                 <a:ext cx="136800" cy="154440"/>
               </a:xfrm>
               <a:prstGeom prst="rect">
@@ -20284,7 +23122,7 @@
         </p:blipFill>
         <p:spPr>
           <a:xfrm>
-            <a:off x="8625175" y="9203046"/>
+            <a:off x="17769175" y="18347046"/>
             <a:ext cx="3556194" cy="2823854"/>
           </a:xfrm>
           <a:prstGeom prst="rect">
@@ -20314,7 +23152,7 @@
         </p:blipFill>
         <p:spPr>
           <a:xfrm>
-            <a:off x="14329773" y="9716294"/>
+            <a:off x="23473776" y="18860294"/>
             <a:ext cx="3939881" cy="2606266"/>
           </a:xfrm>
           <a:prstGeom prst="rect">
@@ -20455,7 +23293,7 @@
         </p:blipFill>
         <p:spPr>
           <a:xfrm>
-            <a:off x="12127094" y="8484813"/>
+            <a:off x="21271097" y="17628813"/>
             <a:ext cx="3177815" cy="1318374"/>
           </a:xfrm>
           <a:prstGeom prst="rect">
@@ -20485,7 +23323,7 @@
         </p:blipFill>
         <p:spPr>
           <a:xfrm>
-            <a:off x="10255465" y="10212574"/>
+            <a:off x="19399465" y="19356577"/>
             <a:ext cx="3743254" cy="2089629"/>
           </a:xfrm>
           <a:prstGeom prst="rect">

--- a/stonx modelflow.pptx
+++ b/stonx modelflow.pptx
@@ -502,6 +502,58 @@
   --cost_bps 0 \
   --dollars_per_trade 100 \
   --out_prefix $BASE/naive_hold5_thr040</a:t>
+        </a:r>
+      </a:p>
+    </p188:txBody>
+  </p188:cm>
+  <p188:cm id="{EDE789A7-2C33-447D-9B83-5F53B96C2B03}" authorId="{1634C89E-F076-DB27-6271-49DB2D1357CD}" created="2025-08-19T21:18:13.953">
+    <ac:deMkLst xmlns:ac="http://schemas.microsoft.com/office/drawing/2013/main/command">
+      <pc:docMk xmlns:pc="http://schemas.microsoft.com/office/powerpoint/2013/main/command"/>
+      <pc:sldMk xmlns:pc="http://schemas.microsoft.com/office/powerpoint/2013/main/command" cId="308766561" sldId="256"/>
+      <ac:spMk id="42" creationId="{27061230-18F4-FF34-0722-9E45C5786B89}"/>
+    </ac:deMkLst>
+    <p188:replyLst>
+      <p188:reply id="{094E8E25-4646-4522-B7DD-16C2494D675C}" authorId="{1634C89E-F076-DB27-6271-49DB2D1357CD}" created="2025-08-20T16:45:51.940">
+        <p188:txBody>
+          <a:bodyPr/>
+          <a:lstStyle/>
+          <a:p>
+            <a:r>
+              <a:rPr lang="en-US"/>
+              <a:t>Add --force to overwrite</a:t>
+            </a:r>
+          </a:p>
+        </p188:txBody>
+      </p188:reply>
+    </p188:replyLst>
+    <p188:txBody>
+      <a:bodyPr/>
+      <a:lstStyle/>
+      <a:p>
+        <a:r>
+          <a:rPr lang="en-US"/>
+          <a:t>[DONE] All available tickers processed.
+real    2m24.033s
+user    1m54.471s
+sys     0m14.707s
+(p313) [f00569n@andes8 stonx1]$ time python -u ohlcv_pull.py --trades_csv ./oip_mega_boost1.csv --start 2018-12-01 --end 2025-08-19 --batch 120 --fmt parquet 2&gt;&amp;1 | tee run.log</a:t>
+        </a:r>
+      </a:p>
+    </p188:txBody>
+  </p188:cm>
+  <p188:cm id="{60C0AE1A-E58D-46BE-B115-ACF99BE7BD35}" authorId="{1634C89E-F076-DB27-6271-49DB2D1357CD}" created="2025-08-20T16:46:11.618">
+    <ac:deMkLst xmlns:ac="http://schemas.microsoft.com/office/drawing/2013/main/command">
+      <pc:docMk xmlns:pc="http://schemas.microsoft.com/office/powerpoint/2013/main/command"/>
+      <pc:sldMk xmlns:pc="http://schemas.microsoft.com/office/powerpoint/2013/main/command" cId="308766561" sldId="256"/>
+      <ac:spMk id="50" creationId="{D7A9D026-AD8E-D9A6-06F6-895B39DFD82F}"/>
+    </ac:deMkLst>
+    <p188:txBody>
+      <a:bodyPr/>
+      <a:lstStyle/>
+      <a:p>
+        <a:r>
+          <a:rPr lang="en-US"/>
+          <a:t>python3 -c "import pandas as pd; print(pd.read_parquet('rawdata/AAPL.parquet').head())" </a:t>
         </a:r>
       </a:p>
     </p188:txBody>
@@ -2523,7 +2575,7 @@
           <a:p>
             <a:fld id="{B1FF45BD-3387-4550-BF71-6B44C037B5B9}" type="datetimeFigureOut">
               <a:rPr lang="en-US" smtClean="0"/>
-              <a:t>8/17/2025</a:t>
+              <a:t>8/19/2025</a:t>
             </a:fld>
             <a:endParaRPr lang="en-US"/>
           </a:p>
@@ -3029,7 +3081,7 @@
           <a:p>
             <a:fld id="{70857503-BF9B-4F45-840F-08C5E0B57C6A}" type="datetimeFigureOut">
               <a:rPr lang="en-US" smtClean="0"/>
-              <a:t>8/17/2025</a:t>
+              <a:t>8/19/2025</a:t>
             </a:fld>
             <a:endParaRPr lang="en-US"/>
           </a:p>
@@ -3199,7 +3251,7 @@
           <a:p>
             <a:fld id="{70857503-BF9B-4F45-840F-08C5E0B57C6A}" type="datetimeFigureOut">
               <a:rPr lang="en-US" smtClean="0"/>
-              <a:t>8/17/2025</a:t>
+              <a:t>8/19/2025</a:t>
             </a:fld>
             <a:endParaRPr lang="en-US"/>
           </a:p>
@@ -3379,7 +3431,7 @@
           <a:p>
             <a:fld id="{70857503-BF9B-4F45-840F-08C5E0B57C6A}" type="datetimeFigureOut">
               <a:rPr lang="en-US" smtClean="0"/>
-              <a:t>8/17/2025</a:t>
+              <a:t>8/19/2025</a:t>
             </a:fld>
             <a:endParaRPr lang="en-US"/>
           </a:p>
@@ -3549,7 +3601,7 @@
           <a:p>
             <a:fld id="{70857503-BF9B-4F45-840F-08C5E0B57C6A}" type="datetimeFigureOut">
               <a:rPr lang="en-US" smtClean="0"/>
-              <a:t>8/17/2025</a:t>
+              <a:t>8/19/2025</a:t>
             </a:fld>
             <a:endParaRPr lang="en-US"/>
           </a:p>
@@ -3795,7 +3847,7 @@
           <a:p>
             <a:fld id="{70857503-BF9B-4F45-840F-08C5E0B57C6A}" type="datetimeFigureOut">
               <a:rPr lang="en-US" smtClean="0"/>
-              <a:t>8/17/2025</a:t>
+              <a:t>8/19/2025</a:t>
             </a:fld>
             <a:endParaRPr lang="en-US"/>
           </a:p>
@@ -4027,7 +4079,7 @@
           <a:p>
             <a:fld id="{70857503-BF9B-4F45-840F-08C5E0B57C6A}" type="datetimeFigureOut">
               <a:rPr lang="en-US" smtClean="0"/>
-              <a:t>8/17/2025</a:t>
+              <a:t>8/19/2025</a:t>
             </a:fld>
             <a:endParaRPr lang="en-US"/>
           </a:p>
@@ -4394,7 +4446,7 @@
           <a:p>
             <a:fld id="{70857503-BF9B-4F45-840F-08C5E0B57C6A}" type="datetimeFigureOut">
               <a:rPr lang="en-US" smtClean="0"/>
-              <a:t>8/17/2025</a:t>
+              <a:t>8/19/2025</a:t>
             </a:fld>
             <a:endParaRPr lang="en-US"/>
           </a:p>
@@ -4512,7 +4564,7 @@
           <a:p>
             <a:fld id="{70857503-BF9B-4F45-840F-08C5E0B57C6A}" type="datetimeFigureOut">
               <a:rPr lang="en-US" smtClean="0"/>
-              <a:t>8/17/2025</a:t>
+              <a:t>8/19/2025</a:t>
             </a:fld>
             <a:endParaRPr lang="en-US"/>
           </a:p>
@@ -4607,7 +4659,7 @@
           <a:p>
             <a:fld id="{70857503-BF9B-4F45-840F-08C5E0B57C6A}" type="datetimeFigureOut">
               <a:rPr lang="en-US" smtClean="0"/>
-              <a:t>8/17/2025</a:t>
+              <a:t>8/19/2025</a:t>
             </a:fld>
             <a:endParaRPr lang="en-US"/>
           </a:p>
@@ -4884,7 +4936,7 @@
           <a:p>
             <a:fld id="{70857503-BF9B-4F45-840F-08C5E0B57C6A}" type="datetimeFigureOut">
               <a:rPr lang="en-US" smtClean="0"/>
-              <a:t>8/17/2025</a:t>
+              <a:t>8/19/2025</a:t>
             </a:fld>
             <a:endParaRPr lang="en-US"/>
           </a:p>
@@ -5141,7 +5193,7 @@
           <a:p>
             <a:fld id="{70857503-BF9B-4F45-840F-08C5E0B57C6A}" type="datetimeFigureOut">
               <a:rPr lang="en-US" smtClean="0"/>
-              <a:t>8/17/2025</a:t>
+              <a:t>8/19/2025</a:t>
             </a:fld>
             <a:endParaRPr lang="en-US"/>
           </a:p>
@@ -5354,7 +5406,7 @@
           <a:p>
             <a:fld id="{70857503-BF9B-4F45-840F-08C5E0B57C6A}" type="datetimeFigureOut">
               <a:rPr lang="en-US" smtClean="0"/>
-              <a:t>8/17/2025</a:t>
+              <a:t>8/19/2025</a:t>
             </a:fld>
             <a:endParaRPr lang="en-US"/>
           </a:p>
@@ -9453,284 +9505,6 @@
       </p:sp>
       <p:cxnSp>
         <p:nvCxnSpPr>
-          <p:cNvPr id="282" name="Straight Arrow Connector 281">
-            <a:extLst>
-              <a:ext uri="{FF2B5EF4-FFF2-40B4-BE49-F238E27FC236}">
-                <a16:creationId xmlns:a16="http://schemas.microsoft.com/office/drawing/2014/main" id="{FECD3B0B-F378-8B1E-1611-162083B1CB11}"/>
-              </a:ext>
-            </a:extLst>
-          </p:cNvPr>
-          <p:cNvCxnSpPr>
-            <a:cxnSpLocks/>
-            <a:stCxn id="283" idx="2"/>
-            <a:endCxn id="284" idx="3"/>
-          </p:cNvCxnSpPr>
-          <p:nvPr/>
-        </p:nvCxnSpPr>
-        <p:spPr>
-          <a:xfrm>
-            <a:off x="20320343" y="14309685"/>
-            <a:ext cx="9178" cy="155428"/>
-          </a:xfrm>
-          <a:prstGeom prst="straightConnector1">
-            <a:avLst/>
-          </a:prstGeom>
-          <a:ln w="57150">
-            <a:tailEnd type="triangle"/>
-          </a:ln>
-        </p:spPr>
-        <p:style>
-          <a:lnRef idx="2">
-            <a:schemeClr val="accent1"/>
-          </a:lnRef>
-          <a:fillRef idx="0">
-            <a:schemeClr val="accent1"/>
-          </a:fillRef>
-          <a:effectRef idx="1">
-            <a:schemeClr val="accent1"/>
-          </a:effectRef>
-          <a:fontRef idx="minor">
-            <a:schemeClr val="tx1"/>
-          </a:fontRef>
-        </p:style>
-      </p:cxnSp>
-      <p:sp>
-        <p:nvSpPr>
-          <p:cNvPr id="283" name="Rectangle 282">
-            <a:extLst>
-              <a:ext uri="{FF2B5EF4-FFF2-40B4-BE49-F238E27FC236}">
-                <a16:creationId xmlns:a16="http://schemas.microsoft.com/office/drawing/2014/main" id="{9490E17E-D0CE-3CC2-2584-EABD590FFC34}"/>
-              </a:ext>
-            </a:extLst>
-          </p:cNvPr>
-          <p:cNvSpPr/>
-          <p:nvPr/>
-        </p:nvSpPr>
-        <p:spPr>
-          <a:xfrm>
-            <a:off x="20004154" y="13922541"/>
-            <a:ext cx="632378" cy="387144"/>
-          </a:xfrm>
-          <a:prstGeom prst="rect">
-            <a:avLst/>
-          </a:prstGeom>
-        </p:spPr>
-        <p:style>
-          <a:lnRef idx="2">
-            <a:schemeClr val="accent1">
-              <a:shade val="15000"/>
-            </a:schemeClr>
-          </a:lnRef>
-          <a:fillRef idx="1">
-            <a:schemeClr val="accent1"/>
-          </a:fillRef>
-          <a:effectRef idx="0">
-            <a:schemeClr val="accent1"/>
-          </a:effectRef>
-          <a:fontRef idx="minor">
-            <a:schemeClr val="lt1"/>
-          </a:fontRef>
-        </p:style>
-        <p:txBody>
-          <a:bodyPr rtlCol="0" anchor="ctr"/>
-          <a:lstStyle/>
-          <a:p>
-            <a:pPr algn="ctr"/>
-            <a:r>
-              <a:rPr lang="en-US" sz="1050" dirty="0" err="1"/>
-              <a:t>Yf</a:t>
-            </a:r>
-            <a:r>
-              <a:rPr lang="en-US" sz="1050" dirty="0"/>
-              <a:t> API</a:t>
-            </a:r>
-          </a:p>
-        </p:txBody>
-      </p:sp>
-      <p:sp>
-        <p:nvSpPr>
-          <p:cNvPr id="284" name="Rectangle: Diagonal Corners Rounded 283">
-            <a:extLst>
-              <a:ext uri="{FF2B5EF4-FFF2-40B4-BE49-F238E27FC236}">
-                <a16:creationId xmlns:a16="http://schemas.microsoft.com/office/drawing/2014/main" id="{94131959-2B52-1319-4A01-A2A5371FCCD6}"/>
-              </a:ext>
-            </a:extLst>
-          </p:cNvPr>
-          <p:cNvSpPr/>
-          <p:nvPr/>
-        </p:nvSpPr>
-        <p:spPr>
-          <a:xfrm>
-            <a:off x="19684528" y="14465113"/>
-            <a:ext cx="1289995" cy="444166"/>
-          </a:xfrm>
-          <a:prstGeom prst="round2DiagRect">
-            <a:avLst>
-              <a:gd name="adj1" fmla="val 16667"/>
-              <a:gd name="adj2" fmla="val 50000"/>
-            </a:avLst>
-          </a:prstGeom>
-          <a:solidFill>
-            <a:schemeClr val="accent1"/>
-          </a:solidFill>
-        </p:spPr>
-        <p:style>
-          <a:lnRef idx="2">
-            <a:schemeClr val="accent1">
-              <a:shade val="15000"/>
-            </a:schemeClr>
-          </a:lnRef>
-          <a:fillRef idx="1">
-            <a:schemeClr val="accent1"/>
-          </a:fillRef>
-          <a:effectRef idx="0">
-            <a:schemeClr val="accent1"/>
-          </a:effectRef>
-          <a:fontRef idx="minor">
-            <a:schemeClr val="lt1"/>
-          </a:fontRef>
-        </p:style>
-        <p:txBody>
-          <a:bodyPr rtlCol="0" anchor="ctr"/>
-          <a:lstStyle/>
-          <a:p>
-            <a:pPr algn="ctr"/>
-            <a:r>
-              <a:rPr lang="en-US" sz="900" dirty="0">
-                <a:highlight>
-                  <a:srgbClr val="FF00FF"/>
-                </a:highlight>
-              </a:rPr>
-              <a:t>Get S&amp;P500 daily OHLCV, compute daily returns</a:t>
-            </a:r>
-          </a:p>
-        </p:txBody>
-      </p:sp>
-      <p:cxnSp>
-        <p:nvCxnSpPr>
-          <p:cNvPr id="285" name="Straight Arrow Connector 284">
-            <a:extLst>
-              <a:ext uri="{FF2B5EF4-FFF2-40B4-BE49-F238E27FC236}">
-                <a16:creationId xmlns:a16="http://schemas.microsoft.com/office/drawing/2014/main" id="{15C85B19-ABA9-70B9-182D-B1DEEE85DFF5}"/>
-              </a:ext>
-            </a:extLst>
-          </p:cNvPr>
-          <p:cNvCxnSpPr>
-            <a:cxnSpLocks/>
-            <a:stCxn id="284" idx="1"/>
-            <a:endCxn id="286" idx="0"/>
-          </p:cNvCxnSpPr>
-          <p:nvPr/>
-        </p:nvCxnSpPr>
-        <p:spPr>
-          <a:xfrm>
-            <a:off x="20329526" y="14909279"/>
-            <a:ext cx="3451" cy="155428"/>
-          </a:xfrm>
-          <a:prstGeom prst="straightConnector1">
-            <a:avLst/>
-          </a:prstGeom>
-          <a:ln w="57150">
-            <a:tailEnd type="triangle"/>
-          </a:ln>
-        </p:spPr>
-        <p:style>
-          <a:lnRef idx="2">
-            <a:schemeClr val="accent1"/>
-          </a:lnRef>
-          <a:fillRef idx="0">
-            <a:schemeClr val="accent1"/>
-          </a:fillRef>
-          <a:effectRef idx="1">
-            <a:schemeClr val="accent1"/>
-          </a:effectRef>
-          <a:fontRef idx="minor">
-            <a:schemeClr val="tx1"/>
-          </a:fontRef>
-        </p:style>
-      </p:cxnSp>
-      <p:sp>
-        <p:nvSpPr>
-          <p:cNvPr id="286" name="Rectangle 285">
-            <a:extLst>
-              <a:ext uri="{FF2B5EF4-FFF2-40B4-BE49-F238E27FC236}">
-                <a16:creationId xmlns:a16="http://schemas.microsoft.com/office/drawing/2014/main" id="{7EE87C7B-DFB1-B633-86C8-54C116091DB0}"/>
-              </a:ext>
-            </a:extLst>
-          </p:cNvPr>
-          <p:cNvSpPr/>
-          <p:nvPr/>
-        </p:nvSpPr>
-        <p:spPr>
-          <a:xfrm>
-            <a:off x="19865881" y="15064712"/>
-            <a:ext cx="934191" cy="546203"/>
-          </a:xfrm>
-          <a:prstGeom prst="rect">
-            <a:avLst/>
-          </a:prstGeom>
-          <a:solidFill>
-            <a:schemeClr val="accent1"/>
-          </a:solidFill>
-        </p:spPr>
-        <p:style>
-          <a:lnRef idx="2">
-            <a:schemeClr val="accent1">
-              <a:shade val="15000"/>
-            </a:schemeClr>
-          </a:lnRef>
-          <a:fillRef idx="1">
-            <a:schemeClr val="accent1"/>
-          </a:fillRef>
-          <a:effectRef idx="0">
-            <a:schemeClr val="accent1"/>
-          </a:effectRef>
-          <a:fontRef idx="minor">
-            <a:schemeClr val="lt1"/>
-          </a:fontRef>
-        </p:style>
-        <p:txBody>
-          <a:bodyPr rtlCol="0" anchor="ctr"/>
-          <a:lstStyle/>
-          <a:p>
-            <a:pPr algn="ctr"/>
-            <a:r>
-              <a:rPr lang="en-US" sz="900" dirty="0">
-                <a:highlight>
-                  <a:srgbClr val="FF00FF"/>
-                </a:highlight>
-              </a:rPr>
-              <a:t>snp500.csv</a:t>
-            </a:r>
-          </a:p>
-          <a:p>
-            <a:pPr algn="ctr"/>
-            <a:r>
-              <a:rPr lang="en-US" sz="900" dirty="0">
-                <a:highlight>
-                  <a:srgbClr val="FF00FF"/>
-                </a:highlight>
-              </a:rPr>
-              <a:t>#? / </a:t>
-            </a:r>
-            <a:r>
-              <a:rPr lang="en-US" sz="900" dirty="0" err="1">
-                <a:highlight>
-                  <a:srgbClr val="FF00FF"/>
-                </a:highlight>
-              </a:rPr>
-              <a:t>o,h,l,c,v,r</a:t>
-            </a:r>
-            <a:endParaRPr lang="en-US" sz="900" dirty="0">
-              <a:highlight>
-                <a:srgbClr val="FF00FF"/>
-              </a:highlight>
-            </a:endParaRPr>
-          </a:p>
-        </p:txBody>
-      </p:sp>
-      <p:cxnSp>
-        <p:nvCxnSpPr>
           <p:cNvPr id="316" name="Straight Arrow Connector 315">
             <a:extLst>
               <a:ext uri="{FF2B5EF4-FFF2-40B4-BE49-F238E27FC236}">
@@ -16326,6 +16100,516 @@
             <a:r>
               <a:rPr lang="en-US" sz="1050" dirty="0"/>
               <a:t>)</a:t>
+            </a:r>
+          </a:p>
+        </p:txBody>
+      </p:sp>
+      <p:sp>
+        <p:nvSpPr>
+          <p:cNvPr id="16" name="Rectangle 15">
+            <a:extLst>
+              <a:ext uri="{FF2B5EF4-FFF2-40B4-BE49-F238E27FC236}">
+                <a16:creationId xmlns:a16="http://schemas.microsoft.com/office/drawing/2014/main" id="{F006CA27-43B2-F24A-06FE-127D5E281E4C}"/>
+              </a:ext>
+            </a:extLst>
+          </p:cNvPr>
+          <p:cNvSpPr/>
+          <p:nvPr/>
+        </p:nvSpPr>
+        <p:spPr>
+          <a:xfrm>
+            <a:off x="19226379" y="15086815"/>
+            <a:ext cx="934191" cy="546203"/>
+          </a:xfrm>
+          <a:prstGeom prst="rect">
+            <a:avLst/>
+          </a:prstGeom>
+          <a:solidFill>
+            <a:schemeClr val="accent4"/>
+          </a:solidFill>
+        </p:spPr>
+        <p:style>
+          <a:lnRef idx="2">
+            <a:schemeClr val="accent1">
+              <a:shade val="15000"/>
+            </a:schemeClr>
+          </a:lnRef>
+          <a:fillRef idx="1">
+            <a:schemeClr val="accent1"/>
+          </a:fillRef>
+          <a:effectRef idx="0">
+            <a:schemeClr val="accent1"/>
+          </a:effectRef>
+          <a:fontRef idx="minor">
+            <a:schemeClr val="lt1"/>
+          </a:fontRef>
+        </p:style>
+        <p:txBody>
+          <a:bodyPr rtlCol="0" anchor="ctr"/>
+          <a:lstStyle/>
+          <a:p>
+            <a:pPr algn="ctr"/>
+            <a:r>
+              <a:rPr lang="en-US" sz="900" dirty="0">
+                <a:highlight>
+                  <a:srgbClr val="FF00FF"/>
+                </a:highlight>
+              </a:rPr>
+              <a:t>Sp500_ft1.csv</a:t>
+            </a:r>
+          </a:p>
+          <a:p>
+            <a:pPr algn="ctr"/>
+            <a:r>
+              <a:rPr lang="en-US" sz="900" dirty="0">
+                <a:highlight>
+                  <a:srgbClr val="FF00FF"/>
+                </a:highlight>
+              </a:rPr>
+              <a:t>#? / </a:t>
+            </a:r>
+            <a:r>
+              <a:rPr lang="en-US" sz="900" dirty="0" err="1">
+                <a:highlight>
+                  <a:srgbClr val="FF00FF"/>
+                </a:highlight>
+              </a:rPr>
+              <a:t>o,h,l,c,v,r</a:t>
+            </a:r>
+            <a:endParaRPr lang="en-US" sz="900" dirty="0">
+              <a:highlight>
+                <a:srgbClr val="FF00FF"/>
+              </a:highlight>
+            </a:endParaRPr>
+          </a:p>
+        </p:txBody>
+      </p:sp>
+      <p:cxnSp>
+        <p:nvCxnSpPr>
+          <p:cNvPr id="25" name="Straight Arrow Connector 24">
+            <a:extLst>
+              <a:ext uri="{FF2B5EF4-FFF2-40B4-BE49-F238E27FC236}">
+                <a16:creationId xmlns:a16="http://schemas.microsoft.com/office/drawing/2014/main" id="{CB91D387-9C67-DC6C-248C-CCE738FF9214}"/>
+              </a:ext>
+            </a:extLst>
+          </p:cNvPr>
+          <p:cNvCxnSpPr>
+            <a:cxnSpLocks/>
+            <a:stCxn id="26" idx="3"/>
+            <a:endCxn id="16" idx="1"/>
+          </p:cNvCxnSpPr>
+          <p:nvPr/>
+        </p:nvCxnSpPr>
+        <p:spPr>
+          <a:xfrm flipV="1">
+            <a:off x="18936344" y="15359917"/>
+            <a:ext cx="290035" cy="217707"/>
+          </a:xfrm>
+          <a:prstGeom prst="straightConnector1">
+            <a:avLst/>
+          </a:prstGeom>
+          <a:ln w="57150">
+            <a:tailEnd type="triangle"/>
+          </a:ln>
+        </p:spPr>
+        <p:style>
+          <a:lnRef idx="2">
+            <a:schemeClr val="accent1"/>
+          </a:lnRef>
+          <a:fillRef idx="0">
+            <a:schemeClr val="accent1"/>
+          </a:fillRef>
+          <a:effectRef idx="1">
+            <a:schemeClr val="accent1"/>
+          </a:effectRef>
+          <a:fontRef idx="minor">
+            <a:schemeClr val="tx1"/>
+          </a:fontRef>
+        </p:style>
+      </p:cxnSp>
+      <p:sp>
+        <p:nvSpPr>
+          <p:cNvPr id="42" name="Rectangle: Diagonal Corners Rounded 41">
+            <a:extLst>
+              <a:ext uri="{FF2B5EF4-FFF2-40B4-BE49-F238E27FC236}">
+                <a16:creationId xmlns:a16="http://schemas.microsoft.com/office/drawing/2014/main" id="{27061230-18F4-FF34-0722-9E45C5786B89}"/>
+              </a:ext>
+            </a:extLst>
+          </p:cNvPr>
+          <p:cNvSpPr/>
+          <p:nvPr/>
+        </p:nvSpPr>
+        <p:spPr>
+          <a:xfrm>
+            <a:off x="12847565" y="26134899"/>
+            <a:ext cx="1562137" cy="444166"/>
+          </a:xfrm>
+          <a:prstGeom prst="round2DiagRect">
+            <a:avLst>
+              <a:gd name="adj1" fmla="val 16667"/>
+              <a:gd name="adj2" fmla="val 50000"/>
+            </a:avLst>
+          </a:prstGeom>
+          <a:solidFill>
+            <a:schemeClr val="accent4"/>
+          </a:solidFill>
+        </p:spPr>
+        <p:style>
+          <a:lnRef idx="2">
+            <a:schemeClr val="accent1">
+              <a:shade val="15000"/>
+            </a:schemeClr>
+          </a:lnRef>
+          <a:fillRef idx="1">
+            <a:schemeClr val="accent1"/>
+          </a:fillRef>
+          <a:effectRef idx="0">
+            <a:schemeClr val="accent1"/>
+          </a:effectRef>
+          <a:fontRef idx="minor">
+            <a:schemeClr val="lt1"/>
+          </a:fontRef>
+        </p:style>
+        <p:txBody>
+          <a:bodyPr rtlCol="0" anchor="ctr"/>
+          <a:lstStyle/>
+          <a:p>
+            <a:pPr algn="ctr"/>
+            <a:r>
+              <a:rPr lang="en-US" sz="900" b="1" dirty="0" err="1"/>
+              <a:t>Ohlcv_pull</a:t>
+            </a:r>
+            <a:endParaRPr lang="en-US" sz="900" b="1" dirty="0"/>
+          </a:p>
+          <a:p>
+            <a:pPr algn="ctr"/>
+            <a:r>
+              <a:rPr lang="en-US" sz="900" b="1" dirty="0"/>
+              <a:t>.py</a:t>
+            </a:r>
+            <a:endParaRPr lang="en-US" sz="900" dirty="0"/>
+          </a:p>
+        </p:txBody>
+      </p:sp>
+      <p:sp>
+        <p:nvSpPr>
+          <p:cNvPr id="50" name="Rectangle 49">
+            <a:extLst>
+              <a:ext uri="{FF2B5EF4-FFF2-40B4-BE49-F238E27FC236}">
+                <a16:creationId xmlns:a16="http://schemas.microsoft.com/office/drawing/2014/main" id="{D7A9D026-AD8E-D9A6-06F6-895B39DFD82F}"/>
+              </a:ext>
+            </a:extLst>
+          </p:cNvPr>
+          <p:cNvSpPr/>
+          <p:nvPr/>
+        </p:nvSpPr>
+        <p:spPr>
+          <a:xfrm>
+            <a:off x="14902557" y="26278693"/>
+            <a:ext cx="2623693" cy="197387"/>
+          </a:xfrm>
+          <a:prstGeom prst="rect">
+            <a:avLst/>
+          </a:prstGeom>
+          <a:solidFill>
+            <a:schemeClr val="accent4"/>
+          </a:solidFill>
+        </p:spPr>
+        <p:style>
+          <a:lnRef idx="2">
+            <a:schemeClr val="accent1">
+              <a:shade val="15000"/>
+            </a:schemeClr>
+          </a:lnRef>
+          <a:fillRef idx="1">
+            <a:schemeClr val="accent1"/>
+          </a:fillRef>
+          <a:effectRef idx="0">
+            <a:schemeClr val="accent1"/>
+          </a:effectRef>
+          <a:fontRef idx="minor">
+            <a:schemeClr val="lt1"/>
+          </a:fontRef>
+        </p:style>
+        <p:txBody>
+          <a:bodyPr rtlCol="0" anchor="ctr"/>
+          <a:lstStyle/>
+          <a:p>
+            <a:pPr algn="ctr"/>
+            <a:r>
+              <a:rPr lang="en-US" sz="1050" dirty="0"/>
+              <a:t>Stonx1/</a:t>
+            </a:r>
+            <a:r>
+              <a:rPr lang="en-US" sz="1050" dirty="0" err="1"/>
+              <a:t>rawdata</a:t>
+            </a:r>
+            <a:r>
+              <a:rPr lang="en-US" sz="1050" dirty="0"/>
+              <a:t>/</a:t>
+            </a:r>
+            <a:r>
+              <a:rPr lang="en-US" sz="1050" dirty="0" err="1"/>
+              <a:t>TICKER.parquet</a:t>
+            </a:r>
+            <a:endParaRPr lang="en-US" sz="1050" dirty="0"/>
+          </a:p>
+        </p:txBody>
+      </p:sp>
+      <p:cxnSp>
+        <p:nvCxnSpPr>
+          <p:cNvPr id="52" name="Straight Arrow Connector 51">
+            <a:extLst>
+              <a:ext uri="{FF2B5EF4-FFF2-40B4-BE49-F238E27FC236}">
+                <a16:creationId xmlns:a16="http://schemas.microsoft.com/office/drawing/2014/main" id="{D0047F9F-F27F-38DC-FCA1-FD9BE0B38C22}"/>
+              </a:ext>
+            </a:extLst>
+          </p:cNvPr>
+          <p:cNvCxnSpPr>
+            <a:cxnSpLocks/>
+            <a:stCxn id="42" idx="0"/>
+            <a:endCxn id="50" idx="1"/>
+          </p:cNvCxnSpPr>
+          <p:nvPr/>
+        </p:nvCxnSpPr>
+        <p:spPr>
+          <a:xfrm>
+            <a:off x="14409702" y="26356982"/>
+            <a:ext cx="492855" cy="20405"/>
+          </a:xfrm>
+          <a:prstGeom prst="straightConnector1">
+            <a:avLst/>
+          </a:prstGeom>
+          <a:ln w="57150">
+            <a:tailEnd type="triangle"/>
+          </a:ln>
+        </p:spPr>
+        <p:style>
+          <a:lnRef idx="2">
+            <a:schemeClr val="accent1"/>
+          </a:lnRef>
+          <a:fillRef idx="0">
+            <a:schemeClr val="accent1"/>
+          </a:fillRef>
+          <a:effectRef idx="1">
+            <a:schemeClr val="accent1"/>
+          </a:effectRef>
+          <a:fontRef idx="minor">
+            <a:schemeClr val="tx1"/>
+          </a:fontRef>
+        </p:style>
+      </p:cxnSp>
+      <p:cxnSp>
+        <p:nvCxnSpPr>
+          <p:cNvPr id="61" name="Straight Arrow Connector 60">
+            <a:extLst>
+              <a:ext uri="{FF2B5EF4-FFF2-40B4-BE49-F238E27FC236}">
+                <a16:creationId xmlns:a16="http://schemas.microsoft.com/office/drawing/2014/main" id="{B4AB783C-2D98-DD6E-7C0C-CB02C76F2CE5}"/>
+              </a:ext>
+            </a:extLst>
+          </p:cNvPr>
+          <p:cNvCxnSpPr>
+            <a:cxnSpLocks/>
+            <a:stCxn id="65" idx="2"/>
+            <a:endCxn id="42" idx="3"/>
+          </p:cNvCxnSpPr>
+          <p:nvPr/>
+        </p:nvCxnSpPr>
+        <p:spPr>
+          <a:xfrm flipH="1">
+            <a:off x="13628634" y="25607400"/>
+            <a:ext cx="38126" cy="527499"/>
+          </a:xfrm>
+          <a:prstGeom prst="straightConnector1">
+            <a:avLst/>
+          </a:prstGeom>
+          <a:ln w="57150">
+            <a:tailEnd type="triangle"/>
+          </a:ln>
+        </p:spPr>
+        <p:style>
+          <a:lnRef idx="2">
+            <a:schemeClr val="accent1"/>
+          </a:lnRef>
+          <a:fillRef idx="0">
+            <a:schemeClr val="accent1"/>
+          </a:fillRef>
+          <a:effectRef idx="1">
+            <a:schemeClr val="accent1"/>
+          </a:effectRef>
+          <a:fontRef idx="minor">
+            <a:schemeClr val="tx1"/>
+          </a:fontRef>
+        </p:style>
+      </p:cxnSp>
+      <p:sp>
+        <p:nvSpPr>
+          <p:cNvPr id="65" name="Rectangle 64">
+            <a:extLst>
+              <a:ext uri="{FF2B5EF4-FFF2-40B4-BE49-F238E27FC236}">
+                <a16:creationId xmlns:a16="http://schemas.microsoft.com/office/drawing/2014/main" id="{6E5A57A2-0B7F-E6D4-0100-D401E07F99AF}"/>
+              </a:ext>
+            </a:extLst>
+          </p:cNvPr>
+          <p:cNvSpPr/>
+          <p:nvPr/>
+        </p:nvSpPr>
+        <p:spPr>
+          <a:xfrm>
+            <a:off x="12354913" y="25220257"/>
+            <a:ext cx="2623693" cy="387143"/>
+          </a:xfrm>
+          <a:prstGeom prst="rect">
+            <a:avLst/>
+          </a:prstGeom>
+          <a:solidFill>
+            <a:schemeClr val="accent4"/>
+          </a:solidFill>
+        </p:spPr>
+        <p:style>
+          <a:lnRef idx="2">
+            <a:schemeClr val="accent1">
+              <a:shade val="15000"/>
+            </a:schemeClr>
+          </a:lnRef>
+          <a:fillRef idx="1">
+            <a:schemeClr val="accent1"/>
+          </a:fillRef>
+          <a:effectRef idx="0">
+            <a:schemeClr val="accent1"/>
+          </a:effectRef>
+          <a:fontRef idx="minor">
+            <a:schemeClr val="lt1"/>
+          </a:fontRef>
+        </p:style>
+        <p:txBody>
+          <a:bodyPr rtlCol="0" anchor="ctr"/>
+          <a:lstStyle/>
+          <a:p>
+            <a:pPr algn="ctr"/>
+            <a:r>
+              <a:rPr lang="en-US" sz="1050" dirty="0"/>
+              <a:t>Oip_mega_boost1.csv</a:t>
+            </a:r>
+          </a:p>
+          <a:p>
+            <a:pPr algn="ctr"/>
+            <a:r>
+              <a:rPr lang="en-US" sz="1050" dirty="0"/>
+              <a:t>For unique tickers</a:t>
+            </a:r>
+          </a:p>
+        </p:txBody>
+      </p:sp>
+      <p:cxnSp>
+        <p:nvCxnSpPr>
+          <p:cNvPr id="74" name="Straight Arrow Connector 73">
+            <a:extLst>
+              <a:ext uri="{FF2B5EF4-FFF2-40B4-BE49-F238E27FC236}">
+                <a16:creationId xmlns:a16="http://schemas.microsoft.com/office/drawing/2014/main" id="{53F1A8A6-4F57-F920-942D-C7C480C99F21}"/>
+              </a:ext>
+            </a:extLst>
+          </p:cNvPr>
+          <p:cNvCxnSpPr>
+            <a:cxnSpLocks/>
+            <a:stCxn id="75" idx="2"/>
+            <a:endCxn id="42" idx="2"/>
+          </p:cNvCxnSpPr>
+          <p:nvPr/>
+        </p:nvCxnSpPr>
+        <p:spPr>
+          <a:xfrm>
+            <a:off x="11663857" y="26125561"/>
+            <a:ext cx="1183708" cy="231421"/>
+          </a:xfrm>
+          <a:prstGeom prst="straightConnector1">
+            <a:avLst/>
+          </a:prstGeom>
+          <a:ln w="57150">
+            <a:tailEnd type="triangle"/>
+          </a:ln>
+        </p:spPr>
+        <p:style>
+          <a:lnRef idx="2">
+            <a:schemeClr val="accent1"/>
+          </a:lnRef>
+          <a:fillRef idx="0">
+            <a:schemeClr val="accent1"/>
+          </a:fillRef>
+          <a:effectRef idx="1">
+            <a:schemeClr val="accent1"/>
+          </a:effectRef>
+          <a:fontRef idx="minor">
+            <a:schemeClr val="tx1"/>
+          </a:fontRef>
+        </p:style>
+      </p:cxnSp>
+      <p:sp>
+        <p:nvSpPr>
+          <p:cNvPr id="75" name="Rectangle 74">
+            <a:extLst>
+              <a:ext uri="{FF2B5EF4-FFF2-40B4-BE49-F238E27FC236}">
+                <a16:creationId xmlns:a16="http://schemas.microsoft.com/office/drawing/2014/main" id="{671C2FB7-B32B-F364-0381-D34805A83410}"/>
+              </a:ext>
+            </a:extLst>
+          </p:cNvPr>
+          <p:cNvSpPr/>
+          <p:nvPr/>
+        </p:nvSpPr>
+        <p:spPr>
+          <a:xfrm>
+            <a:off x="11171273" y="25598121"/>
+            <a:ext cx="985167" cy="527440"/>
+          </a:xfrm>
+          <a:prstGeom prst="rect">
+            <a:avLst/>
+          </a:prstGeom>
+          <a:solidFill>
+            <a:schemeClr val="accent4"/>
+          </a:solidFill>
+        </p:spPr>
+        <p:style>
+          <a:lnRef idx="2">
+            <a:schemeClr val="accent1">
+              <a:shade val="15000"/>
+            </a:schemeClr>
+          </a:lnRef>
+          <a:fillRef idx="1">
+            <a:schemeClr val="accent1"/>
+          </a:fillRef>
+          <a:effectRef idx="0">
+            <a:schemeClr val="accent1"/>
+          </a:effectRef>
+          <a:fontRef idx="minor">
+            <a:schemeClr val="lt1"/>
+          </a:fontRef>
+        </p:style>
+        <p:txBody>
+          <a:bodyPr rtlCol="0" anchor="ctr"/>
+          <a:lstStyle/>
+          <a:p>
+            <a:pPr algn="ctr"/>
+            <a:r>
+              <a:rPr lang="en-US" sz="1050" dirty="0"/>
+              <a:t>YF API: </a:t>
+            </a:r>
+          </a:p>
+          <a:p>
+            <a:pPr algn="ctr"/>
+            <a:r>
+              <a:rPr lang="en-US" sz="1050" dirty="0" err="1"/>
+              <a:t>ohlcv</a:t>
+            </a:r>
+            <a:r>
+              <a:rPr lang="en-US" sz="1050" dirty="0"/>
+              <a:t> daily</a:t>
+            </a:r>
+          </a:p>
+          <a:p>
+            <a:pPr algn="ctr"/>
+            <a:r>
+              <a:rPr lang="en-US" sz="1050" dirty="0"/>
+              <a:t> back to 2018</a:t>
             </a:r>
           </a:p>
         </p:txBody>
@@ -18398,8 +18682,8 @@
           </a:prstGeom>
         </p:spPr>
       </p:pic>
-      <mc:AlternateContent xmlns:mc="http://schemas.openxmlformats.org/markup-compatibility/2006">
-        <mc:Choice xmlns:p14="http://schemas.microsoft.com/office/powerpoint/2010/main" Requires="p14">
+      <mc:AlternateContent xmlns:mc="http://schemas.openxmlformats.org/markup-compatibility/2006" xmlns:p14="http://schemas.microsoft.com/office/powerpoint/2010/main">
+        <mc:Choice Requires="p14">
           <p:contentPart p14:bwMode="auto" r:id="rId8">
             <p14:nvContentPartPr>
               <p14:cNvPr id="18" name="Ink 17">
@@ -18418,7 +18702,7 @@
             </p14:xfrm>
           </p:contentPart>
         </mc:Choice>
-        <mc:Fallback>
+        <mc:Fallback xmlns="">
           <p:pic>
             <p:nvPicPr>
               <p:cNvPr id="18" name="Ink 17">
@@ -18449,8 +18733,8 @@
           </p:pic>
         </mc:Fallback>
       </mc:AlternateContent>
-      <mc:AlternateContent xmlns:mc="http://schemas.openxmlformats.org/markup-compatibility/2006">
-        <mc:Choice xmlns:p14="http://schemas.microsoft.com/office/powerpoint/2010/main" Requires="p14">
+      <mc:AlternateContent xmlns:mc="http://schemas.openxmlformats.org/markup-compatibility/2006" xmlns:p14="http://schemas.microsoft.com/office/powerpoint/2010/main">
+        <mc:Choice Requires="p14">
           <p:contentPart p14:bwMode="auto" r:id="rId10">
             <p14:nvContentPartPr>
               <p14:cNvPr id="22" name="Ink 21">
@@ -18469,7 +18753,7 @@
             </p14:xfrm>
           </p:contentPart>
         </mc:Choice>
-        <mc:Fallback>
+        <mc:Fallback xmlns="">
           <p:pic>
             <p:nvPicPr>
               <p:cNvPr id="22" name="Ink 21">
@@ -18500,8 +18784,8 @@
           </p:pic>
         </mc:Fallback>
       </mc:AlternateContent>
-      <mc:AlternateContent xmlns:mc="http://schemas.openxmlformats.org/markup-compatibility/2006">
-        <mc:Choice xmlns:p14="http://schemas.microsoft.com/office/powerpoint/2010/main" Requires="p14">
+      <mc:AlternateContent xmlns:mc="http://schemas.openxmlformats.org/markup-compatibility/2006" xmlns:p14="http://schemas.microsoft.com/office/powerpoint/2010/main">
+        <mc:Choice Requires="p14">
           <p:contentPart p14:bwMode="auto" r:id="rId12">
             <p14:nvContentPartPr>
               <p14:cNvPr id="23" name="Ink 22">
@@ -18520,7 +18804,7 @@
             </p14:xfrm>
           </p:contentPart>
         </mc:Choice>
-        <mc:Fallback>
+        <mc:Fallback xmlns="">
           <p:pic>
             <p:nvPicPr>
               <p:cNvPr id="23" name="Ink 22">
@@ -18551,8 +18835,8 @@
           </p:pic>
         </mc:Fallback>
       </mc:AlternateContent>
-      <mc:AlternateContent xmlns:mc="http://schemas.openxmlformats.org/markup-compatibility/2006">
-        <mc:Choice xmlns:p14="http://schemas.microsoft.com/office/powerpoint/2010/main" Requires="p14">
+      <mc:AlternateContent xmlns:mc="http://schemas.openxmlformats.org/markup-compatibility/2006" xmlns:p14="http://schemas.microsoft.com/office/powerpoint/2010/main">
+        <mc:Choice Requires="p14">
           <p:contentPart p14:bwMode="auto" r:id="rId14">
             <p14:nvContentPartPr>
               <p14:cNvPr id="24" name="Ink 23">
@@ -18571,7 +18855,7 @@
             </p14:xfrm>
           </p:contentPart>
         </mc:Choice>
-        <mc:Fallback>
+        <mc:Fallback xmlns="">
           <p:pic>
             <p:nvPicPr>
               <p:cNvPr id="24" name="Ink 23">
@@ -18602,8 +18886,8 @@
           </p:pic>
         </mc:Fallback>
       </mc:AlternateContent>
-      <mc:AlternateContent xmlns:mc="http://schemas.openxmlformats.org/markup-compatibility/2006">
-        <mc:Choice xmlns:p14="http://schemas.microsoft.com/office/powerpoint/2010/main" Requires="p14">
+      <mc:AlternateContent xmlns:mc="http://schemas.openxmlformats.org/markup-compatibility/2006" xmlns:p14="http://schemas.microsoft.com/office/powerpoint/2010/main">
+        <mc:Choice Requires="p14">
           <p:contentPart p14:bwMode="auto" r:id="rId16">
             <p14:nvContentPartPr>
               <p14:cNvPr id="28" name="Ink 27">
@@ -18622,7 +18906,7 @@
             </p14:xfrm>
           </p:contentPart>
         </mc:Choice>
-        <mc:Fallback>
+        <mc:Fallback xmlns="">
           <p:pic>
             <p:nvPicPr>
               <p:cNvPr id="28" name="Ink 27">
@@ -18653,8 +18937,8 @@
           </p:pic>
         </mc:Fallback>
       </mc:AlternateContent>
-      <mc:AlternateContent xmlns:mc="http://schemas.openxmlformats.org/markup-compatibility/2006">
-        <mc:Choice xmlns:p14="http://schemas.microsoft.com/office/powerpoint/2010/main" Requires="p14">
+      <mc:AlternateContent xmlns:mc="http://schemas.openxmlformats.org/markup-compatibility/2006" xmlns:p14="http://schemas.microsoft.com/office/powerpoint/2010/main">
+        <mc:Choice Requires="p14">
           <p:contentPart p14:bwMode="auto" r:id="rId18">
             <p14:nvContentPartPr>
               <p14:cNvPr id="30" name="Ink 29">
@@ -18673,7 +18957,7 @@
             </p14:xfrm>
           </p:contentPart>
         </mc:Choice>
-        <mc:Fallback>
+        <mc:Fallback xmlns="">
           <p:pic>
             <p:nvPicPr>
               <p:cNvPr id="30" name="Ink 29">
@@ -18704,8 +18988,8 @@
           </p:pic>
         </mc:Fallback>
       </mc:AlternateContent>
-      <mc:AlternateContent xmlns:mc="http://schemas.openxmlformats.org/markup-compatibility/2006">
-        <mc:Choice xmlns:p14="http://schemas.microsoft.com/office/powerpoint/2010/main" Requires="p14">
+      <mc:AlternateContent xmlns:mc="http://schemas.openxmlformats.org/markup-compatibility/2006" xmlns:p14="http://schemas.microsoft.com/office/powerpoint/2010/main">
+        <mc:Choice Requires="p14">
           <p:contentPart p14:bwMode="auto" r:id="rId20">
             <p14:nvContentPartPr>
               <p14:cNvPr id="31" name="Ink 30">
@@ -18724,7 +19008,7 @@
             </p14:xfrm>
           </p:contentPart>
         </mc:Choice>
-        <mc:Fallback>
+        <mc:Fallback xmlns="">
           <p:pic>
             <p:nvPicPr>
               <p:cNvPr id="31" name="Ink 30">
@@ -18755,8 +19039,8 @@
           </p:pic>
         </mc:Fallback>
       </mc:AlternateContent>
-      <mc:AlternateContent xmlns:mc="http://schemas.openxmlformats.org/markup-compatibility/2006">
-        <mc:Choice xmlns:p14="http://schemas.microsoft.com/office/powerpoint/2010/main" Requires="p14">
+      <mc:AlternateContent xmlns:mc="http://schemas.openxmlformats.org/markup-compatibility/2006" xmlns:p14="http://schemas.microsoft.com/office/powerpoint/2010/main">
+        <mc:Choice Requires="p14">
           <p:contentPart p14:bwMode="auto" r:id="rId22">
             <p14:nvContentPartPr>
               <p14:cNvPr id="32" name="Ink 31">
@@ -18775,7 +19059,7 @@
             </p14:xfrm>
           </p:contentPart>
         </mc:Choice>
-        <mc:Fallback>
+        <mc:Fallback xmlns="">
           <p:pic>
             <p:nvPicPr>
               <p:cNvPr id="32" name="Ink 31">
@@ -18806,8 +19090,8 @@
           </p:pic>
         </mc:Fallback>
       </mc:AlternateContent>
-      <mc:AlternateContent xmlns:mc="http://schemas.openxmlformats.org/markup-compatibility/2006">
-        <mc:Choice xmlns:p14="http://schemas.microsoft.com/office/powerpoint/2010/main" Requires="p14">
+      <mc:AlternateContent xmlns:mc="http://schemas.openxmlformats.org/markup-compatibility/2006" xmlns:p14="http://schemas.microsoft.com/office/powerpoint/2010/main">
+        <mc:Choice Requires="p14">
           <p:contentPart p14:bwMode="auto" r:id="rId24">
             <p14:nvContentPartPr>
               <p14:cNvPr id="33" name="Ink 32">
@@ -18826,7 +19110,7 @@
             </p14:xfrm>
           </p:contentPart>
         </mc:Choice>
-        <mc:Fallback>
+        <mc:Fallback xmlns="">
           <p:pic>
             <p:nvPicPr>
               <p:cNvPr id="33" name="Ink 32">
@@ -19670,8 +19954,8 @@
           </a:p>
         </p:txBody>
       </p:sp>
-      <mc:AlternateContent xmlns:mc="http://schemas.openxmlformats.org/markup-compatibility/2006">
-        <mc:Choice xmlns:p14="http://schemas.microsoft.com/office/powerpoint/2010/main" Requires="p14">
+      <mc:AlternateContent xmlns:mc="http://schemas.openxmlformats.org/markup-compatibility/2006" xmlns:p14="http://schemas.microsoft.com/office/powerpoint/2010/main">
+        <mc:Choice Requires="p14">
           <p:contentPart p14:bwMode="auto" r:id="rId7">
             <p14:nvContentPartPr>
               <p14:cNvPr id="15" name="Ink 14">
@@ -19690,7 +19974,7 @@
             </p14:xfrm>
           </p:contentPart>
         </mc:Choice>
-        <mc:Fallback>
+        <mc:Fallback xmlns="">
           <p:pic>
             <p:nvPicPr>
               <p:cNvPr id="15" name="Ink 14">
@@ -19721,8 +20005,8 @@
           </p:pic>
         </mc:Fallback>
       </mc:AlternateContent>
-      <mc:AlternateContent xmlns:mc="http://schemas.openxmlformats.org/markup-compatibility/2006">
-        <mc:Choice xmlns:p14="http://schemas.microsoft.com/office/powerpoint/2010/main" Requires="p14">
+      <mc:AlternateContent xmlns:mc="http://schemas.openxmlformats.org/markup-compatibility/2006" xmlns:p14="http://schemas.microsoft.com/office/powerpoint/2010/main">
+        <mc:Choice Requires="p14">
           <p:contentPart p14:bwMode="auto" r:id="rId9">
             <p14:nvContentPartPr>
               <p14:cNvPr id="16" name="Ink 15">
@@ -19741,7 +20025,7 @@
             </p14:xfrm>
           </p:contentPart>
         </mc:Choice>
-        <mc:Fallback>
+        <mc:Fallback xmlns="">
           <p:pic>
             <p:nvPicPr>
               <p:cNvPr id="16" name="Ink 15">
@@ -19772,8 +20056,8 @@
           </p:pic>
         </mc:Fallback>
       </mc:AlternateContent>
-      <mc:AlternateContent xmlns:mc="http://schemas.openxmlformats.org/markup-compatibility/2006">
-        <mc:Choice xmlns:p14="http://schemas.microsoft.com/office/powerpoint/2010/main" Requires="p14">
+      <mc:AlternateContent xmlns:mc="http://schemas.openxmlformats.org/markup-compatibility/2006" xmlns:p14="http://schemas.microsoft.com/office/powerpoint/2010/main">
+        <mc:Choice Requires="p14">
           <p:contentPart p14:bwMode="auto" r:id="rId11">
             <p14:nvContentPartPr>
               <p14:cNvPr id="17" name="Ink 16">
@@ -19792,7 +20076,7 @@
             </p14:xfrm>
           </p:contentPart>
         </mc:Choice>
-        <mc:Fallback>
+        <mc:Fallback xmlns="">
           <p:pic>
             <p:nvPicPr>
               <p:cNvPr id="17" name="Ink 16">
@@ -19823,8 +20107,8 @@
           </p:pic>
         </mc:Fallback>
       </mc:AlternateContent>
-      <mc:AlternateContent xmlns:mc="http://schemas.openxmlformats.org/markup-compatibility/2006">
-        <mc:Choice xmlns:p14="http://schemas.microsoft.com/office/powerpoint/2010/main" Requires="p14">
+      <mc:AlternateContent xmlns:mc="http://schemas.openxmlformats.org/markup-compatibility/2006" xmlns:p14="http://schemas.microsoft.com/office/powerpoint/2010/main">
+        <mc:Choice Requires="p14">
           <p:contentPart p14:bwMode="auto" r:id="rId13">
             <p14:nvContentPartPr>
               <p14:cNvPr id="18" name="Ink 17">
@@ -19843,7 +20127,7 @@
             </p14:xfrm>
           </p:contentPart>
         </mc:Choice>
-        <mc:Fallback>
+        <mc:Fallback xmlns="">
           <p:pic>
             <p:nvPicPr>
               <p:cNvPr id="18" name="Ink 17">
@@ -20344,8 +20628,8 @@
           </a:p>
         </p:txBody>
       </p:sp>
-      <mc:AlternateContent xmlns:mc="http://schemas.openxmlformats.org/markup-compatibility/2006">
-        <mc:Choice xmlns:p14="http://schemas.microsoft.com/office/powerpoint/2010/main" Requires="p14">
+      <mc:AlternateContent xmlns:mc="http://schemas.openxmlformats.org/markup-compatibility/2006" xmlns:p14="http://schemas.microsoft.com/office/powerpoint/2010/main">
+        <mc:Choice Requires="p14">
           <p:contentPart p14:bwMode="auto" r:id="rId7">
             <p14:nvContentPartPr>
               <p14:cNvPr id="16" name="Ink 15">
@@ -20364,7 +20648,7 @@
             </p14:xfrm>
           </p:contentPart>
         </mc:Choice>
-        <mc:Fallback>
+        <mc:Fallback xmlns="">
           <p:pic>
             <p:nvPicPr>
               <p:cNvPr id="16" name="Ink 15">
@@ -20395,8 +20679,8 @@
           </p:pic>
         </mc:Fallback>
       </mc:AlternateContent>
-      <mc:AlternateContent xmlns:mc="http://schemas.openxmlformats.org/markup-compatibility/2006">
-        <mc:Choice xmlns:p14="http://schemas.microsoft.com/office/powerpoint/2010/main" Requires="p14">
+      <mc:AlternateContent xmlns:mc="http://schemas.openxmlformats.org/markup-compatibility/2006" xmlns:p14="http://schemas.microsoft.com/office/powerpoint/2010/main">
+        <mc:Choice Requires="p14">
           <p:contentPart p14:bwMode="auto" r:id="rId9">
             <p14:nvContentPartPr>
               <p14:cNvPr id="19" name="Ink 18">
@@ -20415,7 +20699,7 @@
             </p14:xfrm>
           </p:contentPart>
         </mc:Choice>
-        <mc:Fallback>
+        <mc:Fallback xmlns="">
           <p:pic>
             <p:nvPicPr>
               <p:cNvPr id="19" name="Ink 18">
@@ -20446,8 +20730,8 @@
           </p:pic>
         </mc:Fallback>
       </mc:AlternateContent>
-      <mc:AlternateContent xmlns:mc="http://schemas.openxmlformats.org/markup-compatibility/2006">
-        <mc:Choice xmlns:p14="http://schemas.microsoft.com/office/powerpoint/2010/main" Requires="p14">
+      <mc:AlternateContent xmlns:mc="http://schemas.openxmlformats.org/markup-compatibility/2006" xmlns:p14="http://schemas.microsoft.com/office/powerpoint/2010/main">
+        <mc:Choice Requires="p14">
           <p:contentPart p14:bwMode="auto" r:id="rId11">
             <p14:nvContentPartPr>
               <p14:cNvPr id="20" name="Ink 19">
@@ -20466,7 +20750,7 @@
             </p14:xfrm>
           </p:contentPart>
         </mc:Choice>
-        <mc:Fallback>
+        <mc:Fallback xmlns="">
           <p:pic>
             <p:nvPicPr>
               <p:cNvPr id="20" name="Ink 19">
@@ -20620,8 +20904,8 @@
           </mc:Fallback>
         </mc:AlternateContent>
       </p:grpSp>
-      <mc:AlternateContent xmlns:mc="http://schemas.openxmlformats.org/markup-compatibility/2006">
-        <mc:Choice xmlns:p14="http://schemas.microsoft.com/office/powerpoint/2010/main" Requires="p14">
+      <mc:AlternateContent xmlns:mc="http://schemas.openxmlformats.org/markup-compatibility/2006" xmlns:p14="http://schemas.microsoft.com/office/powerpoint/2010/main">
+        <mc:Choice Requires="p14">
           <p:contentPart p14:bwMode="auto" r:id="rId17">
             <p14:nvContentPartPr>
               <p14:cNvPr id="23" name="Ink 22">
@@ -20640,7 +20924,7 @@
             </p14:xfrm>
           </p:contentPart>
         </mc:Choice>
-        <mc:Fallback>
+        <mc:Fallback xmlns="">
           <p:pic>
             <p:nvPicPr>
               <p:cNvPr id="23" name="Ink 22">
@@ -20671,8 +20955,8 @@
           </p:pic>
         </mc:Fallback>
       </mc:AlternateContent>
-      <mc:AlternateContent xmlns:mc="http://schemas.openxmlformats.org/markup-compatibility/2006">
-        <mc:Choice xmlns:p14="http://schemas.microsoft.com/office/powerpoint/2010/main" Requires="p14">
+      <mc:AlternateContent xmlns:mc="http://schemas.openxmlformats.org/markup-compatibility/2006" xmlns:p14="http://schemas.microsoft.com/office/powerpoint/2010/main">
+        <mc:Choice Requires="p14">
           <p:contentPart p14:bwMode="auto" r:id="rId19">
             <p14:nvContentPartPr>
               <p14:cNvPr id="24" name="Ink 23">
@@ -20691,7 +20975,7 @@
             </p14:xfrm>
           </p:contentPart>
         </mc:Choice>
-        <mc:Fallback>
+        <mc:Fallback xmlns="">
           <p:pic>
             <p:nvPicPr>
               <p:cNvPr id="24" name="Ink 23">
@@ -20722,8 +21006,8 @@
           </p:pic>
         </mc:Fallback>
       </mc:AlternateContent>
-      <mc:AlternateContent xmlns:mc="http://schemas.openxmlformats.org/markup-compatibility/2006">
-        <mc:Choice xmlns:p14="http://schemas.microsoft.com/office/powerpoint/2010/main" Requires="p14">
+      <mc:AlternateContent xmlns:mc="http://schemas.openxmlformats.org/markup-compatibility/2006" xmlns:p14="http://schemas.microsoft.com/office/powerpoint/2010/main">
+        <mc:Choice Requires="p14">
           <p:contentPart p14:bwMode="auto" r:id="rId21">
             <p14:nvContentPartPr>
               <p14:cNvPr id="25" name="Ink 24">
@@ -20742,7 +21026,7 @@
             </p14:xfrm>
           </p:contentPart>
         </mc:Choice>
-        <mc:Fallback>
+        <mc:Fallback xmlns="">
           <p:pic>
             <p:nvPicPr>
               <p:cNvPr id="25" name="Ink 24">
@@ -20773,8 +21057,8 @@
           </p:pic>
         </mc:Fallback>
       </mc:AlternateContent>
-      <mc:AlternateContent xmlns:mc="http://schemas.openxmlformats.org/markup-compatibility/2006">
-        <mc:Choice xmlns:p14="http://schemas.microsoft.com/office/powerpoint/2010/main" Requires="p14">
+      <mc:AlternateContent xmlns:mc="http://schemas.openxmlformats.org/markup-compatibility/2006" xmlns:p14="http://schemas.microsoft.com/office/powerpoint/2010/main">
+        <mc:Choice Requires="p14">
           <p:contentPart p14:bwMode="auto" r:id="rId22">
             <p14:nvContentPartPr>
               <p14:cNvPr id="26" name="Ink 25">
@@ -20793,7 +21077,7 @@
             </p14:xfrm>
           </p:contentPart>
         </mc:Choice>
-        <mc:Fallback>
+        <mc:Fallback xmlns="">
           <p:pic>
             <p:nvPicPr>
               <p:cNvPr id="26" name="Ink 25">
@@ -20824,8 +21108,8 @@
           </p:pic>
         </mc:Fallback>
       </mc:AlternateContent>
-      <mc:AlternateContent xmlns:mc="http://schemas.openxmlformats.org/markup-compatibility/2006">
-        <mc:Choice xmlns:p14="http://schemas.microsoft.com/office/powerpoint/2010/main" Requires="p14">
+      <mc:AlternateContent xmlns:mc="http://schemas.openxmlformats.org/markup-compatibility/2006" xmlns:p14="http://schemas.microsoft.com/office/powerpoint/2010/main">
+        <mc:Choice Requires="p14">
           <p:contentPart p14:bwMode="auto" r:id="rId24">
             <p14:nvContentPartPr>
               <p14:cNvPr id="27" name="Ink 26">
@@ -20844,7 +21128,7 @@
             </p14:xfrm>
           </p:contentPart>
         </mc:Choice>
-        <mc:Fallback>
+        <mc:Fallback xmlns="">
           <p:pic>
             <p:nvPicPr>
               <p:cNvPr id="27" name="Ink 26">
@@ -20875,8 +21159,8 @@
           </p:pic>
         </mc:Fallback>
       </mc:AlternateContent>
-      <mc:AlternateContent xmlns:mc="http://schemas.openxmlformats.org/markup-compatibility/2006">
-        <mc:Choice xmlns:p14="http://schemas.microsoft.com/office/powerpoint/2010/main" Requires="p14">
+      <mc:AlternateContent xmlns:mc="http://schemas.openxmlformats.org/markup-compatibility/2006" xmlns:p14="http://schemas.microsoft.com/office/powerpoint/2010/main">
+        <mc:Choice Requires="p14">
           <p:contentPart p14:bwMode="auto" r:id="rId26">
             <p14:nvContentPartPr>
               <p14:cNvPr id="28" name="Ink 27">
@@ -20895,7 +21179,7 @@
             </p14:xfrm>
           </p:contentPart>
         </mc:Choice>
-        <mc:Fallback>
+        <mc:Fallback xmlns="">
           <p:pic>
             <p:nvPicPr>
               <p:cNvPr id="28" name="Ink 27">
@@ -20926,8 +21210,8 @@
           </p:pic>
         </mc:Fallback>
       </mc:AlternateContent>
-      <mc:AlternateContent xmlns:mc="http://schemas.openxmlformats.org/markup-compatibility/2006">
-        <mc:Choice xmlns:p14="http://schemas.microsoft.com/office/powerpoint/2010/main" Requires="p14">
+      <mc:AlternateContent xmlns:mc="http://schemas.openxmlformats.org/markup-compatibility/2006" xmlns:p14="http://schemas.microsoft.com/office/powerpoint/2010/main">
+        <mc:Choice Requires="p14">
           <p:contentPart p14:bwMode="auto" r:id="rId28">
             <p14:nvContentPartPr>
               <p14:cNvPr id="29" name="Ink 28">
@@ -20946,7 +21230,7 @@
             </p14:xfrm>
           </p:contentPart>
         </mc:Choice>
-        <mc:Fallback>
+        <mc:Fallback xmlns="">
           <p:pic>
             <p:nvPicPr>
               <p:cNvPr id="29" name="Ink 28">
@@ -20977,8 +21261,8 @@
           </p:pic>
         </mc:Fallback>
       </mc:AlternateContent>
-      <mc:AlternateContent xmlns:mc="http://schemas.openxmlformats.org/markup-compatibility/2006">
-        <mc:Choice xmlns:p14="http://schemas.microsoft.com/office/powerpoint/2010/main" Requires="p14">
+      <mc:AlternateContent xmlns:mc="http://schemas.openxmlformats.org/markup-compatibility/2006" xmlns:p14="http://schemas.microsoft.com/office/powerpoint/2010/main">
+        <mc:Choice Requires="p14">
           <p:contentPart p14:bwMode="auto" r:id="rId30">
             <p14:nvContentPartPr>
               <p14:cNvPr id="30" name="Ink 29">
@@ -20997,7 +21281,7 @@
             </p14:xfrm>
           </p:contentPart>
         </mc:Choice>
-        <mc:Fallback>
+        <mc:Fallback xmlns="">
           <p:pic>
             <p:nvPicPr>
               <p:cNvPr id="30" name="Ink 29">
@@ -21028,8 +21312,8 @@
           </p:pic>
         </mc:Fallback>
       </mc:AlternateContent>
-      <mc:AlternateContent xmlns:mc="http://schemas.openxmlformats.org/markup-compatibility/2006">
-        <mc:Choice xmlns:p14="http://schemas.microsoft.com/office/powerpoint/2010/main" Requires="p14">
+      <mc:AlternateContent xmlns:mc="http://schemas.openxmlformats.org/markup-compatibility/2006" xmlns:p14="http://schemas.microsoft.com/office/powerpoint/2010/main">
+        <mc:Choice Requires="p14">
           <p:contentPart p14:bwMode="auto" r:id="rId32">
             <p14:nvContentPartPr>
               <p14:cNvPr id="31" name="Ink 30">
@@ -21048,7 +21332,7 @@
             </p14:xfrm>
           </p:contentPart>
         </mc:Choice>
-        <mc:Fallback>
+        <mc:Fallback xmlns="">
           <p:pic>
             <p:nvPicPr>
               <p:cNvPr id="31" name="Ink 30">
@@ -21079,8 +21363,8 @@
           </p:pic>
         </mc:Fallback>
       </mc:AlternateContent>
-      <mc:AlternateContent xmlns:mc="http://schemas.openxmlformats.org/markup-compatibility/2006">
-        <mc:Choice xmlns:p14="http://schemas.microsoft.com/office/powerpoint/2010/main" Requires="p14">
+      <mc:AlternateContent xmlns:mc="http://schemas.openxmlformats.org/markup-compatibility/2006" xmlns:p14="http://schemas.microsoft.com/office/powerpoint/2010/main">
+        <mc:Choice Requires="p14">
           <p:contentPart p14:bwMode="auto" r:id="rId34">
             <p14:nvContentPartPr>
               <p14:cNvPr id="32" name="Ink 31">
@@ -21099,7 +21383,7 @@
             </p14:xfrm>
           </p:contentPart>
         </mc:Choice>
-        <mc:Fallback>
+        <mc:Fallback xmlns="">
           <p:pic>
             <p:nvPicPr>
               <p:cNvPr id="32" name="Ink 31">
@@ -21130,8 +21414,8 @@
           </p:pic>
         </mc:Fallback>
       </mc:AlternateContent>
-      <mc:AlternateContent xmlns:mc="http://schemas.openxmlformats.org/markup-compatibility/2006">
-        <mc:Choice xmlns:p14="http://schemas.microsoft.com/office/powerpoint/2010/main" Requires="p14">
+      <mc:AlternateContent xmlns:mc="http://schemas.openxmlformats.org/markup-compatibility/2006" xmlns:p14="http://schemas.microsoft.com/office/powerpoint/2010/main">
+        <mc:Choice Requires="p14">
           <p:contentPart p14:bwMode="auto" r:id="rId36">
             <p14:nvContentPartPr>
               <p14:cNvPr id="33" name="Ink 32">
@@ -21150,7 +21434,7 @@
             </p14:xfrm>
           </p:contentPart>
         </mc:Choice>
-        <mc:Fallback>
+        <mc:Fallback xmlns="">
           <p:pic>
             <p:nvPicPr>
               <p:cNvPr id="33" name="Ink 32">
@@ -21181,8 +21465,8 @@
           </p:pic>
         </mc:Fallback>
       </mc:AlternateContent>
-      <mc:AlternateContent xmlns:mc="http://schemas.openxmlformats.org/markup-compatibility/2006">
-        <mc:Choice xmlns:p14="http://schemas.microsoft.com/office/powerpoint/2010/main" Requires="p14">
+      <mc:AlternateContent xmlns:mc="http://schemas.openxmlformats.org/markup-compatibility/2006" xmlns:p14="http://schemas.microsoft.com/office/powerpoint/2010/main">
+        <mc:Choice Requires="p14">
           <p:contentPart p14:bwMode="auto" r:id="rId38">
             <p14:nvContentPartPr>
               <p14:cNvPr id="36" name="Ink 35">
@@ -21201,7 +21485,7 @@
             </p14:xfrm>
           </p:contentPart>
         </mc:Choice>
-        <mc:Fallback>
+        <mc:Fallback xmlns="">
           <p:pic>
             <p:nvPicPr>
               <p:cNvPr id="36" name="Ink 35">
@@ -21232,8 +21516,8 @@
           </p:pic>
         </mc:Fallback>
       </mc:AlternateContent>
-      <mc:AlternateContent xmlns:mc="http://schemas.openxmlformats.org/markup-compatibility/2006">
-        <mc:Choice xmlns:p14="http://schemas.microsoft.com/office/powerpoint/2010/main" Requires="p14">
+      <mc:AlternateContent xmlns:mc="http://schemas.openxmlformats.org/markup-compatibility/2006" xmlns:p14="http://schemas.microsoft.com/office/powerpoint/2010/main">
+        <mc:Choice Requires="p14">
           <p:contentPart p14:bwMode="auto" r:id="rId40">
             <p14:nvContentPartPr>
               <p14:cNvPr id="37" name="Ink 36">
@@ -21252,7 +21536,7 @@
             </p14:xfrm>
           </p:contentPart>
         </mc:Choice>
-        <mc:Fallback>
+        <mc:Fallback xmlns="">
           <p:pic>
             <p:nvPicPr>
               <p:cNvPr id="37" name="Ink 36">
@@ -21283,8 +21567,8 @@
           </p:pic>
         </mc:Fallback>
       </mc:AlternateContent>
-      <mc:AlternateContent xmlns:mc="http://schemas.openxmlformats.org/markup-compatibility/2006">
-        <mc:Choice xmlns:p14="http://schemas.microsoft.com/office/powerpoint/2010/main" Requires="p14">
+      <mc:AlternateContent xmlns:mc="http://schemas.openxmlformats.org/markup-compatibility/2006" xmlns:p14="http://schemas.microsoft.com/office/powerpoint/2010/main">
+        <mc:Choice Requires="p14">
           <p:contentPart p14:bwMode="auto" r:id="rId41">
             <p14:nvContentPartPr>
               <p14:cNvPr id="38" name="Ink 37">
@@ -21303,7 +21587,7 @@
             </p14:xfrm>
           </p:contentPart>
         </mc:Choice>
-        <mc:Fallback>
+        <mc:Fallback xmlns="">
           <p:pic>
             <p:nvPicPr>
               <p:cNvPr id="38" name="Ink 37">
@@ -21334,8 +21618,8 @@
           </p:pic>
         </mc:Fallback>
       </mc:AlternateContent>
-      <mc:AlternateContent xmlns:mc="http://schemas.openxmlformats.org/markup-compatibility/2006">
-        <mc:Choice xmlns:p14="http://schemas.microsoft.com/office/powerpoint/2010/main" Requires="p14">
+      <mc:AlternateContent xmlns:mc="http://schemas.openxmlformats.org/markup-compatibility/2006" xmlns:p14="http://schemas.microsoft.com/office/powerpoint/2010/main">
+        <mc:Choice Requires="p14">
           <p:contentPart p14:bwMode="auto" r:id="rId42">
             <p14:nvContentPartPr>
               <p14:cNvPr id="39" name="Ink 38">
@@ -21354,7 +21638,7 @@
             </p14:xfrm>
           </p:contentPart>
         </mc:Choice>
-        <mc:Fallback>
+        <mc:Fallback xmlns="">
           <p:pic>
             <p:nvPicPr>
               <p:cNvPr id="39" name="Ink 38">
@@ -21385,8 +21669,8 @@
           </p:pic>
         </mc:Fallback>
       </mc:AlternateContent>
-      <mc:AlternateContent xmlns:mc="http://schemas.openxmlformats.org/markup-compatibility/2006">
-        <mc:Choice xmlns:p14="http://schemas.microsoft.com/office/powerpoint/2010/main" Requires="p14">
+      <mc:AlternateContent xmlns:mc="http://schemas.openxmlformats.org/markup-compatibility/2006" xmlns:p14="http://schemas.microsoft.com/office/powerpoint/2010/main">
+        <mc:Choice Requires="p14">
           <p:contentPart p14:bwMode="auto" r:id="rId44">
             <p14:nvContentPartPr>
               <p14:cNvPr id="40" name="Ink 39">
@@ -21405,7 +21689,7 @@
             </p14:xfrm>
           </p:contentPart>
         </mc:Choice>
-        <mc:Fallback>
+        <mc:Fallback xmlns="">
           <p:pic>
             <p:nvPicPr>
               <p:cNvPr id="40" name="Ink 39">
@@ -21436,8 +21720,8 @@
           </p:pic>
         </mc:Fallback>
       </mc:AlternateContent>
-      <mc:AlternateContent xmlns:mc="http://schemas.openxmlformats.org/markup-compatibility/2006">
-        <mc:Choice xmlns:p14="http://schemas.microsoft.com/office/powerpoint/2010/main" Requires="p14">
+      <mc:AlternateContent xmlns:mc="http://schemas.openxmlformats.org/markup-compatibility/2006" xmlns:p14="http://schemas.microsoft.com/office/powerpoint/2010/main">
+        <mc:Choice Requires="p14">
           <p:contentPart p14:bwMode="auto" r:id="rId45">
             <p14:nvContentPartPr>
               <p14:cNvPr id="41" name="Ink 40">
@@ -21456,7 +21740,7 @@
             </p14:xfrm>
           </p:contentPart>
         </mc:Choice>
-        <mc:Fallback>
+        <mc:Fallback xmlns="">
           <p:pic>
             <p:nvPicPr>
               <p:cNvPr id="41" name="Ink 40">
@@ -21487,8 +21771,8 @@
           </p:pic>
         </mc:Fallback>
       </mc:AlternateContent>
-      <mc:AlternateContent xmlns:mc="http://schemas.openxmlformats.org/markup-compatibility/2006">
-        <mc:Choice xmlns:p14="http://schemas.microsoft.com/office/powerpoint/2010/main" Requires="p14">
+      <mc:AlternateContent xmlns:mc="http://schemas.openxmlformats.org/markup-compatibility/2006" xmlns:p14="http://schemas.microsoft.com/office/powerpoint/2010/main">
+        <mc:Choice Requires="p14">
           <p:contentPart p14:bwMode="auto" r:id="rId47">
             <p14:nvContentPartPr>
               <p14:cNvPr id="43" name="Ink 42">
@@ -21507,7 +21791,7 @@
             </p14:xfrm>
           </p:contentPart>
         </mc:Choice>
-        <mc:Fallback>
+        <mc:Fallback xmlns="">
           <p:pic>
             <p:nvPicPr>
               <p:cNvPr id="43" name="Ink 42">
@@ -21538,8 +21822,8 @@
           </p:pic>
         </mc:Fallback>
       </mc:AlternateContent>
-      <mc:AlternateContent xmlns:mc="http://schemas.openxmlformats.org/markup-compatibility/2006">
-        <mc:Choice xmlns:p14="http://schemas.microsoft.com/office/powerpoint/2010/main" Requires="p14">
+      <mc:AlternateContent xmlns:mc="http://schemas.openxmlformats.org/markup-compatibility/2006" xmlns:p14="http://schemas.microsoft.com/office/powerpoint/2010/main">
+        <mc:Choice Requires="p14">
           <p:contentPart p14:bwMode="auto" r:id="rId48">
             <p14:nvContentPartPr>
               <p14:cNvPr id="44" name="Ink 43">
@@ -21558,7 +21842,7 @@
             </p14:xfrm>
           </p:contentPart>
         </mc:Choice>
-        <mc:Fallback>
+        <mc:Fallback xmlns="">
           <p:pic>
             <p:nvPicPr>
               <p:cNvPr id="44" name="Ink 43">
@@ -21589,8 +21873,8 @@
           </p:pic>
         </mc:Fallback>
       </mc:AlternateContent>
-      <mc:AlternateContent xmlns:mc="http://schemas.openxmlformats.org/markup-compatibility/2006">
-        <mc:Choice xmlns:p14="http://schemas.microsoft.com/office/powerpoint/2010/main" Requires="p14">
+      <mc:AlternateContent xmlns:mc="http://schemas.openxmlformats.org/markup-compatibility/2006" xmlns:p14="http://schemas.microsoft.com/office/powerpoint/2010/main">
+        <mc:Choice Requires="p14">
           <p:contentPart p14:bwMode="auto" r:id="rId50">
             <p14:nvContentPartPr>
               <p14:cNvPr id="45" name="Ink 44">
@@ -21609,7 +21893,7 @@
             </p14:xfrm>
           </p:contentPart>
         </mc:Choice>
-        <mc:Fallback>
+        <mc:Fallback xmlns="">
           <p:pic>
             <p:nvPicPr>
               <p:cNvPr id="45" name="Ink 44">
@@ -21640,8 +21924,8 @@
           </p:pic>
         </mc:Fallback>
       </mc:AlternateContent>
-      <mc:AlternateContent xmlns:mc="http://schemas.openxmlformats.org/markup-compatibility/2006">
-        <mc:Choice xmlns:p14="http://schemas.microsoft.com/office/powerpoint/2010/main" Requires="p14">
+      <mc:AlternateContent xmlns:mc="http://schemas.openxmlformats.org/markup-compatibility/2006" xmlns:p14="http://schemas.microsoft.com/office/powerpoint/2010/main">
+        <mc:Choice Requires="p14">
           <p:contentPart p14:bwMode="auto" r:id="rId52">
             <p14:nvContentPartPr>
               <p14:cNvPr id="46" name="Ink 45">
@@ -21660,7 +21944,7 @@
             </p14:xfrm>
           </p:contentPart>
         </mc:Choice>
-        <mc:Fallback>
+        <mc:Fallback xmlns="">
           <p:pic>
             <p:nvPicPr>
               <p:cNvPr id="46" name="Ink 45">
@@ -21691,8 +21975,8 @@
           </p:pic>
         </mc:Fallback>
       </mc:AlternateContent>
-      <mc:AlternateContent xmlns:mc="http://schemas.openxmlformats.org/markup-compatibility/2006">
-        <mc:Choice xmlns:p14="http://schemas.microsoft.com/office/powerpoint/2010/main" Requires="p14">
+      <mc:AlternateContent xmlns:mc="http://schemas.openxmlformats.org/markup-compatibility/2006" xmlns:p14="http://schemas.microsoft.com/office/powerpoint/2010/main">
+        <mc:Choice Requires="p14">
           <p:contentPart p14:bwMode="auto" r:id="rId54">
             <p14:nvContentPartPr>
               <p14:cNvPr id="47" name="Ink 46">
@@ -21711,7 +21995,7 @@
             </p14:xfrm>
           </p:contentPart>
         </mc:Choice>
-        <mc:Fallback>
+        <mc:Fallback xmlns="">
           <p:pic>
             <p:nvPicPr>
               <p:cNvPr id="47" name="Ink 46">
@@ -21742,8 +22026,8 @@
           </p:pic>
         </mc:Fallback>
       </mc:AlternateContent>
-      <mc:AlternateContent xmlns:mc="http://schemas.openxmlformats.org/markup-compatibility/2006">
-        <mc:Choice xmlns:p14="http://schemas.microsoft.com/office/powerpoint/2010/main" Requires="p14">
+      <mc:AlternateContent xmlns:mc="http://schemas.openxmlformats.org/markup-compatibility/2006" xmlns:p14="http://schemas.microsoft.com/office/powerpoint/2010/main">
+        <mc:Choice Requires="p14">
           <p:contentPart p14:bwMode="auto" r:id="rId56">
             <p14:nvContentPartPr>
               <p14:cNvPr id="48" name="Ink 47">
@@ -21762,7 +22046,7 @@
             </p14:xfrm>
           </p:contentPart>
         </mc:Choice>
-        <mc:Fallback>
+        <mc:Fallback xmlns="">
           <p:pic>
             <p:nvPicPr>
               <p:cNvPr id="48" name="Ink 47">
@@ -21793,8 +22077,8 @@
           </p:pic>
         </mc:Fallback>
       </mc:AlternateContent>
-      <mc:AlternateContent xmlns:mc="http://schemas.openxmlformats.org/markup-compatibility/2006">
-        <mc:Choice xmlns:p14="http://schemas.microsoft.com/office/powerpoint/2010/main" Requires="p14">
+      <mc:AlternateContent xmlns:mc="http://schemas.openxmlformats.org/markup-compatibility/2006" xmlns:p14="http://schemas.microsoft.com/office/powerpoint/2010/main">
+        <mc:Choice Requires="p14">
           <p:contentPart p14:bwMode="auto" r:id="rId58">
             <p14:nvContentPartPr>
               <p14:cNvPr id="49" name="Ink 48">
@@ -21813,7 +22097,7 @@
             </p14:xfrm>
           </p:contentPart>
         </mc:Choice>
-        <mc:Fallback>
+        <mc:Fallback xmlns="">
           <p:pic>
             <p:nvPicPr>
               <p:cNvPr id="49" name="Ink 48">
@@ -21844,8 +22128,8 @@
           </p:pic>
         </mc:Fallback>
       </mc:AlternateContent>
-      <mc:AlternateContent xmlns:mc="http://schemas.openxmlformats.org/markup-compatibility/2006">
-        <mc:Choice xmlns:p14="http://schemas.microsoft.com/office/powerpoint/2010/main" Requires="p14">
+      <mc:AlternateContent xmlns:mc="http://schemas.openxmlformats.org/markup-compatibility/2006" xmlns:p14="http://schemas.microsoft.com/office/powerpoint/2010/main">
+        <mc:Choice Requires="p14">
           <p:contentPart p14:bwMode="auto" r:id="rId60">
             <p14:nvContentPartPr>
               <p14:cNvPr id="50" name="Ink 49">
@@ -21864,7 +22148,7 @@
             </p14:xfrm>
           </p:contentPart>
         </mc:Choice>
-        <mc:Fallback>
+        <mc:Fallback xmlns="">
           <p:pic>
             <p:nvPicPr>
               <p:cNvPr id="50" name="Ink 49">
@@ -21895,8 +22179,8 @@
           </p:pic>
         </mc:Fallback>
       </mc:AlternateContent>
-      <mc:AlternateContent xmlns:mc="http://schemas.openxmlformats.org/markup-compatibility/2006">
-        <mc:Choice xmlns:p14="http://schemas.microsoft.com/office/powerpoint/2010/main" Requires="p14">
+      <mc:AlternateContent xmlns:mc="http://schemas.openxmlformats.org/markup-compatibility/2006" xmlns:p14="http://schemas.microsoft.com/office/powerpoint/2010/main">
+        <mc:Choice Requires="p14">
           <p:contentPart p14:bwMode="auto" r:id="rId62">
             <p14:nvContentPartPr>
               <p14:cNvPr id="51" name="Ink 50">
@@ -21915,7 +22199,7 @@
             </p14:xfrm>
           </p:contentPart>
         </mc:Choice>
-        <mc:Fallback>
+        <mc:Fallback xmlns="">
           <p:pic>
             <p:nvPicPr>
               <p:cNvPr id="51" name="Ink 50">
@@ -21946,8 +22230,8 @@
           </p:pic>
         </mc:Fallback>
       </mc:AlternateContent>
-      <mc:AlternateContent xmlns:mc="http://schemas.openxmlformats.org/markup-compatibility/2006">
-        <mc:Choice xmlns:p14="http://schemas.microsoft.com/office/powerpoint/2010/main" Requires="p14">
+      <mc:AlternateContent xmlns:mc="http://schemas.openxmlformats.org/markup-compatibility/2006" xmlns:p14="http://schemas.microsoft.com/office/powerpoint/2010/main">
+        <mc:Choice Requires="p14">
           <p:contentPart p14:bwMode="auto" r:id="rId64">
             <p14:nvContentPartPr>
               <p14:cNvPr id="52" name="Ink 51">
@@ -21966,7 +22250,7 @@
             </p14:xfrm>
           </p:contentPart>
         </mc:Choice>
-        <mc:Fallback>
+        <mc:Fallback xmlns="">
           <p:pic>
             <p:nvPicPr>
               <p:cNvPr id="52" name="Ink 51">
@@ -21997,8 +22281,8 @@
           </p:pic>
         </mc:Fallback>
       </mc:AlternateContent>
-      <mc:AlternateContent xmlns:mc="http://schemas.openxmlformats.org/markup-compatibility/2006">
-        <mc:Choice xmlns:p14="http://schemas.microsoft.com/office/powerpoint/2010/main" Requires="p14">
+      <mc:AlternateContent xmlns:mc="http://schemas.openxmlformats.org/markup-compatibility/2006" xmlns:p14="http://schemas.microsoft.com/office/powerpoint/2010/main">
+        <mc:Choice Requires="p14">
           <p:contentPart p14:bwMode="auto" r:id="rId66">
             <p14:nvContentPartPr>
               <p14:cNvPr id="53" name="Ink 52">
@@ -22017,7 +22301,7 @@
             </p14:xfrm>
           </p:contentPart>
         </mc:Choice>
-        <mc:Fallback>
+        <mc:Fallback xmlns="">
           <p:pic>
             <p:nvPicPr>
               <p:cNvPr id="53" name="Ink 52">
@@ -22048,8 +22332,8 @@
           </p:pic>
         </mc:Fallback>
       </mc:AlternateContent>
-      <mc:AlternateContent xmlns:mc="http://schemas.openxmlformats.org/markup-compatibility/2006">
-        <mc:Choice xmlns:p14="http://schemas.microsoft.com/office/powerpoint/2010/main" Requires="p14">
+      <mc:AlternateContent xmlns:mc="http://schemas.openxmlformats.org/markup-compatibility/2006" xmlns:p14="http://schemas.microsoft.com/office/powerpoint/2010/main">
+        <mc:Choice Requires="p14">
           <p:contentPart p14:bwMode="auto" r:id="rId68">
             <p14:nvContentPartPr>
               <p14:cNvPr id="54" name="Ink 53">
@@ -22068,7 +22352,7 @@
             </p14:xfrm>
           </p:contentPart>
         </mc:Choice>
-        <mc:Fallback>
+        <mc:Fallback xmlns="">
           <p:pic>
             <p:nvPicPr>
               <p:cNvPr id="54" name="Ink 53">
@@ -22099,8 +22383,8 @@
           </p:pic>
         </mc:Fallback>
       </mc:AlternateContent>
-      <mc:AlternateContent xmlns:mc="http://schemas.openxmlformats.org/markup-compatibility/2006">
-        <mc:Choice xmlns:p14="http://schemas.microsoft.com/office/powerpoint/2010/main" Requires="p14">
+      <mc:AlternateContent xmlns:mc="http://schemas.openxmlformats.org/markup-compatibility/2006" xmlns:p14="http://schemas.microsoft.com/office/powerpoint/2010/main">
+        <mc:Choice Requires="p14">
           <p:contentPart p14:bwMode="auto" r:id="rId70">
             <p14:nvContentPartPr>
               <p14:cNvPr id="55" name="Ink 54">
@@ -22119,7 +22403,7 @@
             </p14:xfrm>
           </p:contentPart>
         </mc:Choice>
-        <mc:Fallback>
+        <mc:Fallback xmlns="">
           <p:pic>
             <p:nvPicPr>
               <p:cNvPr id="55" name="Ink 54">
@@ -22150,8 +22434,8 @@
           </p:pic>
         </mc:Fallback>
       </mc:AlternateContent>
-      <mc:AlternateContent xmlns:mc="http://schemas.openxmlformats.org/markup-compatibility/2006">
-        <mc:Choice xmlns:p14="http://schemas.microsoft.com/office/powerpoint/2010/main" Requires="p14">
+      <mc:AlternateContent xmlns:mc="http://schemas.openxmlformats.org/markup-compatibility/2006" xmlns:p14="http://schemas.microsoft.com/office/powerpoint/2010/main">
+        <mc:Choice Requires="p14">
           <p:contentPart p14:bwMode="auto" r:id="rId72">
             <p14:nvContentPartPr>
               <p14:cNvPr id="56" name="Ink 55">
@@ -22170,7 +22454,7 @@
             </p14:xfrm>
           </p:contentPart>
         </mc:Choice>
-        <mc:Fallback>
+        <mc:Fallback xmlns="">
           <p:pic>
             <p:nvPicPr>
               <p:cNvPr id="56" name="Ink 55">
@@ -22201,8 +22485,8 @@
           </p:pic>
         </mc:Fallback>
       </mc:AlternateContent>
-      <mc:AlternateContent xmlns:mc="http://schemas.openxmlformats.org/markup-compatibility/2006">
-        <mc:Choice xmlns:p14="http://schemas.microsoft.com/office/powerpoint/2010/main" Requires="p14">
+      <mc:AlternateContent xmlns:mc="http://schemas.openxmlformats.org/markup-compatibility/2006" xmlns:p14="http://schemas.microsoft.com/office/powerpoint/2010/main">
+        <mc:Choice Requires="p14">
           <p:contentPart p14:bwMode="auto" r:id="rId74">
             <p14:nvContentPartPr>
               <p14:cNvPr id="57" name="Ink 56">
@@ -22221,7 +22505,7 @@
             </p14:xfrm>
           </p:contentPart>
         </mc:Choice>
-        <mc:Fallback>
+        <mc:Fallback xmlns="">
           <p:pic>
             <p:nvPicPr>
               <p:cNvPr id="57" name="Ink 56">
@@ -22252,8 +22536,8 @@
           </p:pic>
         </mc:Fallback>
       </mc:AlternateContent>
-      <mc:AlternateContent xmlns:mc="http://schemas.openxmlformats.org/markup-compatibility/2006">
-        <mc:Choice xmlns:p14="http://schemas.microsoft.com/office/powerpoint/2010/main" Requires="p14">
+      <mc:AlternateContent xmlns:mc="http://schemas.openxmlformats.org/markup-compatibility/2006" xmlns:p14="http://schemas.microsoft.com/office/powerpoint/2010/main">
+        <mc:Choice Requires="p14">
           <p:contentPart p14:bwMode="auto" r:id="rId76">
             <p14:nvContentPartPr>
               <p14:cNvPr id="58" name="Ink 57">
@@ -22272,7 +22556,7 @@
             </p14:xfrm>
           </p:contentPart>
         </mc:Choice>
-        <mc:Fallback>
+        <mc:Fallback xmlns="">
           <p:pic>
             <p:nvPicPr>
               <p:cNvPr id="58" name="Ink 57">
@@ -22303,8 +22587,8 @@
           </p:pic>
         </mc:Fallback>
       </mc:AlternateContent>
-      <mc:AlternateContent xmlns:mc="http://schemas.openxmlformats.org/markup-compatibility/2006">
-        <mc:Choice xmlns:p14="http://schemas.microsoft.com/office/powerpoint/2010/main" Requires="p14">
+      <mc:AlternateContent xmlns:mc="http://schemas.openxmlformats.org/markup-compatibility/2006" xmlns:p14="http://schemas.microsoft.com/office/powerpoint/2010/main">
+        <mc:Choice Requires="p14">
           <p:contentPart p14:bwMode="auto" r:id="rId78">
             <p14:nvContentPartPr>
               <p14:cNvPr id="59" name="Ink 58">
@@ -22323,7 +22607,7 @@
             </p14:xfrm>
           </p:contentPart>
         </mc:Choice>
-        <mc:Fallback>
+        <mc:Fallback xmlns="">
           <p:pic>
             <p:nvPicPr>
               <p:cNvPr id="59" name="Ink 58">
@@ -22354,8 +22638,8 @@
           </p:pic>
         </mc:Fallback>
       </mc:AlternateContent>
-      <mc:AlternateContent xmlns:mc="http://schemas.openxmlformats.org/markup-compatibility/2006">
-        <mc:Choice xmlns:p14="http://schemas.microsoft.com/office/powerpoint/2010/main" Requires="p14">
+      <mc:AlternateContent xmlns:mc="http://schemas.openxmlformats.org/markup-compatibility/2006" xmlns:p14="http://schemas.microsoft.com/office/powerpoint/2010/main">
+        <mc:Choice Requires="p14">
           <p:contentPart p14:bwMode="auto" r:id="rId80">
             <p14:nvContentPartPr>
               <p14:cNvPr id="60" name="Ink 59">
@@ -22374,7 +22658,7 @@
             </p14:xfrm>
           </p:contentPart>
         </mc:Choice>
-        <mc:Fallback>
+        <mc:Fallback xmlns="">
           <p:pic>
             <p:nvPicPr>
               <p:cNvPr id="60" name="Ink 59">
@@ -22405,8 +22689,8 @@
           </p:pic>
         </mc:Fallback>
       </mc:AlternateContent>
-      <mc:AlternateContent xmlns:mc="http://schemas.openxmlformats.org/markup-compatibility/2006">
-        <mc:Choice xmlns:p14="http://schemas.microsoft.com/office/powerpoint/2010/main" Requires="p14">
+      <mc:AlternateContent xmlns:mc="http://schemas.openxmlformats.org/markup-compatibility/2006" xmlns:p14="http://schemas.microsoft.com/office/powerpoint/2010/main">
+        <mc:Choice Requires="p14">
           <p:contentPart p14:bwMode="auto" r:id="rId82">
             <p14:nvContentPartPr>
               <p14:cNvPr id="61" name="Ink 60">
@@ -22425,7 +22709,7 @@
             </p14:xfrm>
           </p:contentPart>
         </mc:Choice>
-        <mc:Fallback>
+        <mc:Fallback xmlns="">
           <p:pic>
             <p:nvPicPr>
               <p:cNvPr id="61" name="Ink 60">
@@ -22456,8 +22740,8 @@
           </p:pic>
         </mc:Fallback>
       </mc:AlternateContent>
-      <mc:AlternateContent xmlns:mc="http://schemas.openxmlformats.org/markup-compatibility/2006">
-        <mc:Choice xmlns:p14="http://schemas.microsoft.com/office/powerpoint/2010/main" Requires="p14">
+      <mc:AlternateContent xmlns:mc="http://schemas.openxmlformats.org/markup-compatibility/2006" xmlns:p14="http://schemas.microsoft.com/office/powerpoint/2010/main">
+        <mc:Choice Requires="p14">
           <p:contentPart p14:bwMode="auto" r:id="rId84">
             <p14:nvContentPartPr>
               <p14:cNvPr id="62" name="Ink 61">
@@ -22476,7 +22760,7 @@
             </p14:xfrm>
           </p:contentPart>
         </mc:Choice>
-        <mc:Fallback>
+        <mc:Fallback xmlns="">
           <p:pic>
             <p:nvPicPr>
               <p:cNvPr id="62" name="Ink 61">
@@ -22507,8 +22791,8 @@
           </p:pic>
         </mc:Fallback>
       </mc:AlternateContent>
-      <mc:AlternateContent xmlns:mc="http://schemas.openxmlformats.org/markup-compatibility/2006">
-        <mc:Choice xmlns:p14="http://schemas.microsoft.com/office/powerpoint/2010/main" Requires="p14">
+      <mc:AlternateContent xmlns:mc="http://schemas.openxmlformats.org/markup-compatibility/2006" xmlns:p14="http://schemas.microsoft.com/office/powerpoint/2010/main">
+        <mc:Choice Requires="p14">
           <p:contentPart p14:bwMode="auto" r:id="rId86">
             <p14:nvContentPartPr>
               <p14:cNvPr id="63" name="Ink 62">
@@ -22527,7 +22811,7 @@
             </p14:xfrm>
           </p:contentPart>
         </mc:Choice>
-        <mc:Fallback>
+        <mc:Fallback xmlns="">
           <p:pic>
             <p:nvPicPr>
               <p:cNvPr id="63" name="Ink 62">
@@ -22558,8 +22842,8 @@
           </p:pic>
         </mc:Fallback>
       </mc:AlternateContent>
-      <mc:AlternateContent xmlns:mc="http://schemas.openxmlformats.org/markup-compatibility/2006">
-        <mc:Choice xmlns:p14="http://schemas.microsoft.com/office/powerpoint/2010/main" Requires="p14">
+      <mc:AlternateContent xmlns:mc="http://schemas.openxmlformats.org/markup-compatibility/2006" xmlns:p14="http://schemas.microsoft.com/office/powerpoint/2010/main">
+        <mc:Choice Requires="p14">
           <p:contentPart p14:bwMode="auto" r:id="rId88">
             <p14:nvContentPartPr>
               <p14:cNvPr id="65" name="Ink 64">
@@ -22578,7 +22862,7 @@
             </p14:xfrm>
           </p:contentPart>
         </mc:Choice>
-        <mc:Fallback>
+        <mc:Fallback xmlns="">
           <p:pic>
             <p:nvPicPr>
               <p:cNvPr id="65" name="Ink 64">
@@ -22783,8 +23067,8 @@
           </mc:Fallback>
         </mc:AlternateContent>
       </p:grpSp>
-      <mc:AlternateContent xmlns:mc="http://schemas.openxmlformats.org/markup-compatibility/2006">
-        <mc:Choice xmlns:p14="http://schemas.microsoft.com/office/powerpoint/2010/main" Requires="p14">
+      <mc:AlternateContent xmlns:mc="http://schemas.openxmlformats.org/markup-compatibility/2006" xmlns:p14="http://schemas.microsoft.com/office/powerpoint/2010/main">
+        <mc:Choice Requires="p14">
           <p:contentPart p14:bwMode="auto" r:id="rId96">
             <p14:nvContentPartPr>
               <p14:cNvPr id="68" name="Ink 67">
@@ -22803,7 +23087,7 @@
             </p14:xfrm>
           </p:contentPart>
         </mc:Choice>
-        <mc:Fallback>
+        <mc:Fallback xmlns="">
           <p:pic>
             <p:nvPicPr>
               <p:cNvPr id="68" name="Ink 67">
@@ -22834,8 +23118,8 @@
           </p:pic>
         </mc:Fallback>
       </mc:AlternateContent>
-      <mc:AlternateContent xmlns:mc="http://schemas.openxmlformats.org/markup-compatibility/2006">
-        <mc:Choice xmlns:p14="http://schemas.microsoft.com/office/powerpoint/2010/main" Requires="p14">
+      <mc:AlternateContent xmlns:mc="http://schemas.openxmlformats.org/markup-compatibility/2006" xmlns:p14="http://schemas.microsoft.com/office/powerpoint/2010/main">
+        <mc:Choice Requires="p14">
           <p:contentPart p14:bwMode="auto" r:id="rId98">
             <p14:nvContentPartPr>
               <p14:cNvPr id="69" name="Ink 68">
@@ -22854,7 +23138,7 @@
             </p14:xfrm>
           </p:contentPart>
         </mc:Choice>
-        <mc:Fallback>
+        <mc:Fallback xmlns="">
           <p:pic>
             <p:nvPicPr>
               <p:cNvPr id="69" name="Ink 68">
@@ -22885,8 +23169,8 @@
           </p:pic>
         </mc:Fallback>
       </mc:AlternateContent>
-      <mc:AlternateContent xmlns:mc="http://schemas.openxmlformats.org/markup-compatibility/2006">
-        <mc:Choice xmlns:p14="http://schemas.microsoft.com/office/powerpoint/2010/main" Requires="p14">
+      <mc:AlternateContent xmlns:mc="http://schemas.openxmlformats.org/markup-compatibility/2006" xmlns:p14="http://schemas.microsoft.com/office/powerpoint/2010/main">
+        <mc:Choice Requires="p14">
           <p:contentPart p14:bwMode="auto" r:id="rId100">
             <p14:nvContentPartPr>
               <p14:cNvPr id="70" name="Ink 69">
@@ -22905,7 +23189,7 @@
             </p14:xfrm>
           </p:contentPart>
         </mc:Choice>
-        <mc:Fallback>
+        <mc:Fallback xmlns="">
           <p:pic>
             <p:nvPicPr>
               <p:cNvPr id="70" name="Ink 69">
@@ -22936,8 +23220,8 @@
           </p:pic>
         </mc:Fallback>
       </mc:AlternateContent>
-      <mc:AlternateContent xmlns:mc="http://schemas.openxmlformats.org/markup-compatibility/2006">
-        <mc:Choice xmlns:p14="http://schemas.microsoft.com/office/powerpoint/2010/main" Requires="p14">
+      <mc:AlternateContent xmlns:mc="http://schemas.openxmlformats.org/markup-compatibility/2006" xmlns:p14="http://schemas.microsoft.com/office/powerpoint/2010/main">
+        <mc:Choice Requires="p14">
           <p:contentPart p14:bwMode="auto" r:id="rId102">
             <p14:nvContentPartPr>
               <p14:cNvPr id="71" name="Ink 70">
@@ -22956,7 +23240,7 @@
             </p14:xfrm>
           </p:contentPart>
         </mc:Choice>
-        <mc:Fallback>
+        <mc:Fallback xmlns="">
           <p:pic>
             <p:nvPicPr>
               <p:cNvPr id="71" name="Ink 70">
